--- a/software/Ch_7_2_demo_2nd.pptx
+++ b/software/Ch_7_2_demo_2nd.pptx
@@ -5,10 +5,10 @@
     <p:sldMasterId id="2147483665" r:id="rId1"/>
   </p:sldMasterIdLst>
   <p:notesMasterIdLst>
-    <p:notesMasterId r:id="rId30"/>
+    <p:notesMasterId r:id="rId40"/>
   </p:notesMasterIdLst>
   <p:handoutMasterIdLst>
-    <p:handoutMasterId r:id="rId31"/>
+    <p:handoutMasterId r:id="rId41"/>
   </p:handoutMasterIdLst>
   <p:sldIdLst>
     <p:sldId id="547" r:id="rId2"/>
@@ -34,11 +34,21 @@
     <p:sldId id="640" r:id="rId22"/>
     <p:sldId id="656" r:id="rId23"/>
     <p:sldId id="657" r:id="rId24"/>
-    <p:sldId id="643" r:id="rId25"/>
-    <p:sldId id="644" r:id="rId26"/>
-    <p:sldId id="646" r:id="rId27"/>
-    <p:sldId id="632" r:id="rId28"/>
-    <p:sldId id="381" r:id="rId29"/>
+    <p:sldId id="663" r:id="rId25"/>
+    <p:sldId id="664" r:id="rId26"/>
+    <p:sldId id="665" r:id="rId27"/>
+    <p:sldId id="659" r:id="rId28"/>
+    <p:sldId id="661" r:id="rId29"/>
+    <p:sldId id="662" r:id="rId30"/>
+    <p:sldId id="667" r:id="rId31"/>
+    <p:sldId id="643" r:id="rId32"/>
+    <p:sldId id="668" r:id="rId33"/>
+    <p:sldId id="644" r:id="rId34"/>
+    <p:sldId id="646" r:id="rId35"/>
+    <p:sldId id="660" r:id="rId36"/>
+    <p:sldId id="632" r:id="rId37"/>
+    <p:sldId id="669" r:id="rId38"/>
+    <p:sldId id="381" r:id="rId39"/>
   </p:sldIdLst>
   <p:sldSz cx="9144000" cy="6858000" type="screen4x3"/>
   <p:notesSz cx="9925050" cy="6797675"/>
@@ -268,7 +278,7 @@
           <a:p>
             <a:fld id="{7C88881C-20D1-4850-8691-874CEEF6734A}" type="datetimeFigureOut">
               <a:rPr lang="zh-CN" altLang="en-US" smtClean="0"/>
-              <a:t>2020/4/24</a:t>
+              <a:t>2020/5/5</a:t>
             </a:fld>
             <a:endParaRPr lang="zh-CN" altLang="en-US"/>
           </a:p>
@@ -14756,375 +14766,6 @@
       </p:cxnSp>
       <p:sp>
         <p:nvSpPr>
-          <p:cNvPr id="22" name="内容占位符 2"/>
-          <p:cNvSpPr txBox="1">
-            <a:spLocks/>
-          </p:cNvSpPr>
-          <p:nvPr/>
-        </p:nvSpPr>
-        <p:spPr bwMode="auto">
-          <a:xfrm>
-            <a:off x="6012160" y="4206627"/>
-            <a:ext cx="2448272" cy="1521878"/>
-          </a:xfrm>
-          <a:prstGeom prst="rect">
-            <a:avLst/>
-          </a:prstGeom>
-          <a:solidFill>
-            <a:srgbClr val="CCECFF"/>
-          </a:solidFill>
-          <a:ln>
-            <a:noFill/>
-          </a:ln>
-          <a:extLst/>
-        </p:spPr>
-        <p:txBody>
-          <a:bodyPr vert="horz" wrap="square" lIns="91440" tIns="45720" rIns="91440" bIns="45720" numCol="1" anchor="t" anchorCtr="0" compatLnSpc="1">
-            <a:prstTxWarp prst="textNoShape">
-              <a:avLst/>
-            </a:prstTxWarp>
-          </a:bodyPr>
-          <a:lstStyle>
-            <a:lvl1pPr marL="285750" indent="-285750" algn="l" defTabSz="457200" rtl="0" eaLnBrk="0" fontAlgn="base" hangingPunct="0">
-              <a:spcBef>
-                <a:spcPct val="20000"/>
-              </a:spcBef>
-              <a:spcAft>
-                <a:spcPts val="600"/>
-              </a:spcAft>
-              <a:buClr>
-                <a:schemeClr val="accent1"/>
-              </a:buClr>
-              <a:buSzPct val="115000"/>
-              <a:buFont typeface="Arial" panose="020B0604020202020204" pitchFamily="34" charset="0"/>
-              <a:buChar char="•"/>
-              <a:defRPr sz="2400" kern="1200">
-                <a:solidFill>
-                  <a:srgbClr val="262626"/>
-                </a:solidFill>
-                <a:latin typeface="+mn-lt"/>
-                <a:ea typeface="+mn-ea"/>
-                <a:cs typeface="+mn-cs"/>
-              </a:defRPr>
-            </a:lvl1pPr>
-            <a:lvl2pPr marL="742950" indent="-285750" algn="l" defTabSz="457200" rtl="0" eaLnBrk="0" fontAlgn="base" hangingPunct="0">
-              <a:spcBef>
-                <a:spcPct val="20000"/>
-              </a:spcBef>
-              <a:spcAft>
-                <a:spcPts val="600"/>
-              </a:spcAft>
-              <a:buClr>
-                <a:schemeClr val="accent1"/>
-              </a:buClr>
-              <a:buSzPct val="115000"/>
-              <a:buFont typeface="Arial" panose="020B0604020202020204" pitchFamily="34" charset="0"/>
-              <a:buChar char="•"/>
-              <a:defRPr sz="2000" kern="1200">
-                <a:solidFill>
-                  <a:srgbClr val="262626"/>
-                </a:solidFill>
-                <a:latin typeface="+mn-lt"/>
-                <a:ea typeface="+mn-ea"/>
-                <a:cs typeface="+mn-cs"/>
-              </a:defRPr>
-            </a:lvl2pPr>
-            <a:lvl3pPr marL="1200150" indent="-285750" algn="l" defTabSz="457200" rtl="0" eaLnBrk="0" fontAlgn="base" hangingPunct="0">
-              <a:spcBef>
-                <a:spcPct val="20000"/>
-              </a:spcBef>
-              <a:spcAft>
-                <a:spcPts val="600"/>
-              </a:spcAft>
-              <a:buClr>
-                <a:schemeClr val="accent1"/>
-              </a:buClr>
-              <a:buSzPct val="115000"/>
-              <a:buFont typeface="Arial" panose="020B0604020202020204" pitchFamily="34" charset="0"/>
-              <a:buChar char="•"/>
-              <a:defRPr kern="1200">
-                <a:solidFill>
-                  <a:srgbClr val="262626"/>
-                </a:solidFill>
-                <a:latin typeface="+mn-lt"/>
-                <a:ea typeface="+mn-ea"/>
-                <a:cs typeface="+mn-cs"/>
-              </a:defRPr>
-            </a:lvl3pPr>
-            <a:lvl4pPr marL="1543050" indent="-171450" algn="l" defTabSz="457200" rtl="0" eaLnBrk="0" fontAlgn="base" hangingPunct="0">
-              <a:spcBef>
-                <a:spcPct val="20000"/>
-              </a:spcBef>
-              <a:spcAft>
-                <a:spcPts val="600"/>
-              </a:spcAft>
-              <a:buClr>
-                <a:schemeClr val="accent1"/>
-              </a:buClr>
-              <a:buSzPct val="115000"/>
-              <a:buFont typeface="Arial" panose="020B0604020202020204" pitchFamily="34" charset="0"/>
-              <a:buChar char="•"/>
-              <a:defRPr sz="1600" kern="1200">
-                <a:solidFill>
-                  <a:srgbClr val="262626"/>
-                </a:solidFill>
-                <a:latin typeface="+mn-lt"/>
-                <a:ea typeface="+mn-ea"/>
-                <a:cs typeface="+mn-cs"/>
-              </a:defRPr>
-            </a:lvl4pPr>
-            <a:lvl5pPr marL="2000250" indent="-171450" algn="l" defTabSz="457200" rtl="0" eaLnBrk="0" fontAlgn="base" hangingPunct="0">
-              <a:spcBef>
-                <a:spcPct val="20000"/>
-              </a:spcBef>
-              <a:spcAft>
-                <a:spcPts val="600"/>
-              </a:spcAft>
-              <a:buClr>
-                <a:schemeClr val="accent1"/>
-              </a:buClr>
-              <a:buSzPct val="115000"/>
-              <a:buFont typeface="Arial" panose="020B0604020202020204" pitchFamily="34" charset="0"/>
-              <a:buChar char="•"/>
-              <a:defRPr sz="1400" kern="1200">
-                <a:solidFill>
-                  <a:srgbClr val="262626"/>
-                </a:solidFill>
-                <a:latin typeface="+mn-lt"/>
-                <a:ea typeface="+mn-ea"/>
-                <a:cs typeface="+mn-cs"/>
-              </a:defRPr>
-            </a:lvl5pPr>
-            <a:lvl6pPr marL="2514600" indent="-228600" algn="l" defTabSz="457200" rtl="0" eaLnBrk="1" latinLnBrk="0" hangingPunct="1">
-              <a:spcBef>
-                <a:spcPct val="20000"/>
-              </a:spcBef>
-              <a:spcAft>
-                <a:spcPts val="600"/>
-              </a:spcAft>
-              <a:buClr>
-                <a:schemeClr val="accent1"/>
-              </a:buClr>
-              <a:buSzPct val="115000"/>
-              <a:buFont typeface="Arial"/>
-              <a:buChar char="•"/>
-              <a:defRPr sz="1400" kern="1200" cap="none">
-                <a:solidFill>
-                  <a:schemeClr val="tx1">
-                    <a:lumMod val="85000"/>
-                    <a:lumOff val="15000"/>
-                  </a:schemeClr>
-                </a:solidFill>
-                <a:effectLst/>
-                <a:latin typeface="+mn-lt"/>
-                <a:ea typeface="+mn-ea"/>
-                <a:cs typeface="+mn-cs"/>
-              </a:defRPr>
-            </a:lvl6pPr>
-            <a:lvl7pPr marL="2971800" indent="-228600" algn="l" defTabSz="457200" rtl="0" eaLnBrk="1" latinLnBrk="0" hangingPunct="1">
-              <a:spcBef>
-                <a:spcPct val="20000"/>
-              </a:spcBef>
-              <a:spcAft>
-                <a:spcPts val="600"/>
-              </a:spcAft>
-              <a:buClr>
-                <a:schemeClr val="accent1"/>
-              </a:buClr>
-              <a:buSzPct val="115000"/>
-              <a:buFont typeface="Arial"/>
-              <a:buChar char="•"/>
-              <a:defRPr sz="1400" kern="1200" cap="none">
-                <a:solidFill>
-                  <a:schemeClr val="tx1">
-                    <a:lumMod val="85000"/>
-                    <a:lumOff val="15000"/>
-                  </a:schemeClr>
-                </a:solidFill>
-                <a:effectLst/>
-                <a:latin typeface="+mn-lt"/>
-                <a:ea typeface="+mn-ea"/>
-                <a:cs typeface="+mn-cs"/>
-              </a:defRPr>
-            </a:lvl7pPr>
-            <a:lvl8pPr marL="3429000" indent="-228600" algn="l" defTabSz="457200" rtl="0" eaLnBrk="1" latinLnBrk="0" hangingPunct="1">
-              <a:spcBef>
-                <a:spcPct val="20000"/>
-              </a:spcBef>
-              <a:spcAft>
-                <a:spcPts val="600"/>
-              </a:spcAft>
-              <a:buClr>
-                <a:schemeClr val="accent1"/>
-              </a:buClr>
-              <a:buSzPct val="115000"/>
-              <a:buFont typeface="Arial"/>
-              <a:buChar char="•"/>
-              <a:defRPr sz="1400" kern="1200" cap="none">
-                <a:solidFill>
-                  <a:schemeClr val="tx1">
-                    <a:lumMod val="85000"/>
-                    <a:lumOff val="15000"/>
-                  </a:schemeClr>
-                </a:solidFill>
-                <a:effectLst/>
-                <a:latin typeface="+mn-lt"/>
-                <a:ea typeface="+mn-ea"/>
-                <a:cs typeface="+mn-cs"/>
-              </a:defRPr>
-            </a:lvl8pPr>
-            <a:lvl9pPr marL="3886200" indent="-228600" algn="l" defTabSz="457200" rtl="0" eaLnBrk="1" latinLnBrk="0" hangingPunct="1">
-              <a:spcBef>
-                <a:spcPct val="20000"/>
-              </a:spcBef>
-              <a:spcAft>
-                <a:spcPts val="600"/>
-              </a:spcAft>
-              <a:buClr>
-                <a:schemeClr val="accent1"/>
-              </a:buClr>
-              <a:buSzPct val="115000"/>
-              <a:buFont typeface="Arial"/>
-              <a:buChar char="•"/>
-              <a:defRPr sz="1400" kern="1200" cap="none">
-                <a:solidFill>
-                  <a:schemeClr val="tx1">
-                    <a:lumMod val="85000"/>
-                    <a:lumOff val="15000"/>
-                  </a:schemeClr>
-                </a:solidFill>
-                <a:effectLst/>
-                <a:latin typeface="+mn-lt"/>
-                <a:ea typeface="+mn-ea"/>
-                <a:cs typeface="+mn-cs"/>
-              </a:defRPr>
-            </a:lvl9pPr>
-          </a:lstStyle>
-          <a:p>
-            <a:pPr marL="0" indent="0">
-              <a:buFont typeface="Arial" panose="020B0604020202020204" pitchFamily="34" charset="0"/>
-              <a:buNone/>
-            </a:pPr>
-            <a:r>
-              <a:rPr lang="en-US" altLang="zh-CN" dirty="0" smtClean="0">
-                <a:latin typeface="Adobe 楷体 Std R" panose="02020400000000000000" pitchFamily="18" charset="-122"/>
-                <a:ea typeface="Adobe 楷体 Std R" panose="02020400000000000000" pitchFamily="18" charset="-122"/>
-              </a:rPr>
-              <a:t>[war</a:t>
-            </a:r>
-            <a:r>
-              <a:rPr lang="zh-CN" altLang="en-US" dirty="0" smtClean="0">
-                <a:latin typeface="Adobe 楷体 Std R" panose="02020400000000000000" pitchFamily="18" charset="-122"/>
-                <a:ea typeface="Adobe 楷体 Std R" panose="02020400000000000000" pitchFamily="18" charset="-122"/>
-              </a:rPr>
-              <a:t>包</a:t>
-            </a:r>
-            <a:r>
-              <a:rPr lang="en-US" altLang="zh-CN" dirty="0" smtClean="0">
-                <a:latin typeface="Adobe 楷体 Std R" panose="02020400000000000000" pitchFamily="18" charset="-122"/>
-                <a:ea typeface="Adobe 楷体 Std R" panose="02020400000000000000" pitchFamily="18" charset="-122"/>
-              </a:rPr>
-              <a:t>]</a:t>
-            </a:r>
-          </a:p>
-          <a:p>
-            <a:pPr marL="0" indent="0">
-              <a:buFont typeface="Arial" panose="020B0604020202020204" pitchFamily="34" charset="0"/>
-              <a:buNone/>
-            </a:pPr>
-            <a:r>
-              <a:rPr lang="en-US" altLang="zh-CN" dirty="0" smtClean="0">
-                <a:latin typeface="Adobe 楷体 Std R" panose="02020400000000000000" pitchFamily="18" charset="-122"/>
-                <a:ea typeface="Adobe 楷体 Std R" panose="02020400000000000000" pitchFamily="18" charset="-122"/>
-              </a:rPr>
-              <a:t>[</a:t>
-            </a:r>
-            <a:r>
-              <a:rPr lang="en-US" altLang="zh-CN" dirty="0" err="1" smtClean="0">
-                <a:solidFill>
-                  <a:srgbClr val="FF0000"/>
-                </a:solidFill>
-                <a:latin typeface="Adobe 楷体 Std R" panose="02020400000000000000" pitchFamily="18" charset="-122"/>
-                <a:ea typeface="Adobe 楷体 Std R" panose="02020400000000000000" pitchFamily="18" charset="-122"/>
-              </a:rPr>
-              <a:t>linux</a:t>
-            </a:r>
-            <a:r>
-              <a:rPr lang="en-US" altLang="zh-CN" dirty="0" smtClean="0">
-                <a:latin typeface="Adobe 楷体 Std R" panose="02020400000000000000" pitchFamily="18" charset="-122"/>
-                <a:ea typeface="Adobe 楷体 Std R" panose="02020400000000000000" pitchFamily="18" charset="-122"/>
-              </a:rPr>
-              <a:t>/windows]</a:t>
-            </a:r>
-          </a:p>
-          <a:p>
-            <a:pPr marL="0" indent="0">
-              <a:buFont typeface="Arial" panose="020B0604020202020204" pitchFamily="34" charset="0"/>
-              <a:buNone/>
-            </a:pPr>
-            <a:r>
-              <a:rPr lang="en-US" altLang="zh-CN" dirty="0" smtClean="0">
-                <a:latin typeface="Adobe 楷体 Std R" panose="02020400000000000000" pitchFamily="18" charset="-122"/>
-                <a:ea typeface="Adobe 楷体 Std R" panose="02020400000000000000" pitchFamily="18" charset="-122"/>
-              </a:rPr>
-              <a:t>[</a:t>
-            </a:r>
-            <a:r>
-              <a:rPr lang="zh-CN" altLang="en-US" dirty="0" smtClean="0">
-                <a:latin typeface="Adobe 楷体 Std R" panose="02020400000000000000" pitchFamily="18" charset="-122"/>
-                <a:ea typeface="Adobe 楷体 Std R" panose="02020400000000000000" pitchFamily="18" charset="-122"/>
-              </a:rPr>
-              <a:t>部署维护过程</a:t>
-            </a:r>
-            <a:r>
-              <a:rPr lang="en-US" altLang="zh-CN" dirty="0" smtClean="0">
-                <a:latin typeface="Adobe 楷体 Std R" panose="02020400000000000000" pitchFamily="18" charset="-122"/>
-                <a:ea typeface="Adobe 楷体 Std R" panose="02020400000000000000" pitchFamily="18" charset="-122"/>
-              </a:rPr>
-              <a:t>]</a:t>
-            </a:r>
-          </a:p>
-        </p:txBody>
-      </p:sp>
-      <p:cxnSp>
-        <p:nvCxnSpPr>
-          <p:cNvPr id="23" name="曲线连接符 22"/>
-          <p:cNvCxnSpPr>
-            <a:endCxn id="22" idx="1"/>
-          </p:cNvCxnSpPr>
-          <p:nvPr/>
-        </p:nvCxnSpPr>
-        <p:spPr>
-          <a:xfrm>
-            <a:off x="3995938" y="4899929"/>
-            <a:ext cx="2016222" cy="67637"/>
-          </a:xfrm>
-          <a:prstGeom prst="curvedConnector3">
-            <a:avLst>
-              <a:gd name="adj1" fmla="val 50000"/>
-            </a:avLst>
-          </a:prstGeom>
-          <a:ln>
-            <a:tailEnd type="triangle"/>
-          </a:ln>
-        </p:spPr>
-        <p:style>
-          <a:lnRef idx="3">
-            <a:schemeClr val="accent5"/>
-          </a:lnRef>
-          <a:fillRef idx="0">
-            <a:schemeClr val="accent5"/>
-          </a:fillRef>
-          <a:effectRef idx="2">
-            <a:schemeClr val="accent5"/>
-          </a:effectRef>
-          <a:fontRef idx="minor">
-            <a:schemeClr val="tx1"/>
-          </a:fontRef>
-        </p:style>
-      </p:cxnSp>
-      <p:sp>
-        <p:nvSpPr>
           <p:cNvPr id="21" name="内容占位符 2"/>
           <p:cNvSpPr txBox="1">
             <a:spLocks/>
@@ -15662,7 +15303,7 @@
                 <a:latin typeface="Adobe 黑体 Std R" panose="020B0400000000000000" pitchFamily="34" charset="-122"/>
                 <a:ea typeface="Adobe 黑体 Std R" panose="020B0400000000000000" pitchFamily="34" charset="-122"/>
               </a:rPr>
-              <a:t>密码的加密存储</a:t>
+              <a:t>关于注册的逻辑</a:t>
             </a:r>
             <a:endParaRPr lang="zh-CN" altLang="en-US" dirty="0">
               <a:latin typeface="Adobe 黑体 Std R" panose="020B0400000000000000" pitchFamily="34" charset="-122"/>
@@ -15686,12 +15327,22 @@
           <a:bodyPr/>
           <a:lstStyle/>
           <a:p>
+            <a:pPr marL="0" indent="0">
+              <a:buNone/>
+            </a:pPr>
+            <a:r>
+              <a:rPr lang="en-US" altLang="zh-CN" dirty="0" smtClean="0">
+                <a:latin typeface="Adobe 楷体 Std R" panose="02020400000000000000" pitchFamily="18" charset="-122"/>
+                <a:ea typeface="Adobe 楷体 Std R" panose="02020400000000000000" pitchFamily="18" charset="-122"/>
+              </a:rPr>
+              <a:t>1</a:t>
+            </a:r>
             <a:r>
               <a:rPr lang="zh-CN" altLang="en-US" dirty="0" smtClean="0">
                 <a:latin typeface="Adobe 楷体 Std R" panose="02020400000000000000" pitchFamily="18" charset="-122"/>
                 <a:ea typeface="Adobe 楷体 Std R" panose="02020400000000000000" pitchFamily="18" charset="-122"/>
               </a:rPr>
-              <a:t>为什么？</a:t>
+              <a:t>、提交前，检测什么？</a:t>
             </a:r>
             <a:endParaRPr lang="en-US" altLang="zh-CN" dirty="0" smtClean="0">
               <a:latin typeface="Adobe 楷体 Std R" panose="02020400000000000000" pitchFamily="18" charset="-122"/>
@@ -15699,12 +15350,22 @@
             </a:endParaRPr>
           </a:p>
           <a:p>
+            <a:pPr marL="0" indent="0">
+              <a:buNone/>
+            </a:pPr>
+            <a:r>
+              <a:rPr lang="en-US" altLang="zh-CN" dirty="0" smtClean="0">
+                <a:latin typeface="Adobe 楷体 Std R" panose="02020400000000000000" pitchFamily="18" charset="-122"/>
+                <a:ea typeface="Adobe 楷体 Std R" panose="02020400000000000000" pitchFamily="18" charset="-122"/>
+              </a:rPr>
+              <a:t>2</a:t>
+            </a:r>
             <a:r>
               <a:rPr lang="zh-CN" altLang="en-US" dirty="0" smtClean="0">
                 <a:latin typeface="Adobe 楷体 Std R" panose="02020400000000000000" pitchFamily="18" charset="-122"/>
                 <a:ea typeface="Adobe 楷体 Std R" panose="02020400000000000000" pitchFamily="18" charset="-122"/>
               </a:rPr>
-              <a:t>怎么做？</a:t>
+              <a:t>、提交后，检测什么？</a:t>
             </a:r>
             <a:endParaRPr lang="en-US" altLang="zh-CN" dirty="0" smtClean="0">
               <a:latin typeface="Adobe 楷体 Std R" panose="02020400000000000000" pitchFamily="18" charset="-122"/>
@@ -15712,48 +15373,182 @@
             </a:endParaRPr>
           </a:p>
           <a:p>
-            <a:pPr lvl="1"/>
+            <a:pPr marL="0" indent="0">
+              <a:buNone/>
+            </a:pPr>
+            <a:r>
+              <a:rPr lang="en-US" altLang="zh-CN" dirty="0">
+                <a:latin typeface="Adobe 楷体 Std R" panose="02020400000000000000" pitchFamily="18" charset="-122"/>
+                <a:ea typeface="Adobe 楷体 Std R" panose="02020400000000000000" pitchFamily="18" charset="-122"/>
+              </a:rPr>
+              <a:t>	</a:t>
+            </a:r>
+            <a:r>
+              <a:rPr lang="en-US" altLang="zh-CN" dirty="0" smtClean="0">
+                <a:latin typeface="Adobe 楷体 Std R" panose="02020400000000000000" pitchFamily="18" charset="-122"/>
+                <a:ea typeface="Adobe 楷体 Std R" panose="02020400000000000000" pitchFamily="18" charset="-122"/>
+              </a:rPr>
+              <a:t>A </a:t>
+            </a:r>
             <a:r>
               <a:rPr lang="zh-CN" altLang="en-US" dirty="0" smtClean="0">
-                <a:latin typeface="Adobe 楷体 Std R" panose="02020400000000000000" pitchFamily="18" charset="-122"/>
-                <a:ea typeface="Adobe 楷体 Std R" panose="02020400000000000000" pitchFamily="18" charset="-122"/>
-              </a:rPr>
-              <a:t>单向加密，不能解密</a:t>
-            </a:r>
-            <a:endParaRPr lang="en-US" altLang="zh-CN" dirty="0">
+                <a:solidFill>
+                  <a:srgbClr val="FF0000"/>
+                </a:solidFill>
+                <a:latin typeface="Adobe 楷体 Std R" panose="02020400000000000000" pitchFamily="18" charset="-122"/>
+                <a:ea typeface="Adobe 楷体 Std R" panose="02020400000000000000" pitchFamily="18" charset="-122"/>
+              </a:rPr>
+              <a:t>用户名重复</a:t>
+            </a:r>
+            <a:endParaRPr lang="en-US" altLang="zh-CN" dirty="0" smtClean="0">
+              <a:solidFill>
+                <a:srgbClr val="FF0000"/>
+              </a:solidFill>
               <a:latin typeface="Adobe 楷体 Std R" panose="02020400000000000000" pitchFamily="18" charset="-122"/>
               <a:ea typeface="Adobe 楷体 Std R" panose="02020400000000000000" pitchFamily="18" charset="-122"/>
             </a:endParaRPr>
           </a:p>
           <a:p>
-            <a:pPr lvl="1"/>
+            <a:pPr marL="0" indent="0">
+              <a:buNone/>
+            </a:pPr>
             <a:r>
               <a:rPr lang="en-US" altLang="zh-CN" dirty="0" smtClean="0">
-                <a:latin typeface="Adobe 楷体 Std R" panose="02020400000000000000" pitchFamily="18" charset="-122"/>
-                <a:ea typeface="Adobe 楷体 Std R" panose="02020400000000000000" pitchFamily="18" charset="-122"/>
-              </a:rPr>
-              <a:t>MD5/SHA</a:t>
-            </a:r>
+                <a:solidFill>
+                  <a:srgbClr val="FF0000"/>
+                </a:solidFill>
+                <a:latin typeface="Adobe 楷体 Std R" panose="02020400000000000000" pitchFamily="18" charset="-122"/>
+                <a:ea typeface="Adobe 楷体 Std R" panose="02020400000000000000" pitchFamily="18" charset="-122"/>
+              </a:rPr>
+              <a:t>	</a:t>
+            </a:r>
+            <a:r>
+              <a:rPr lang="en-US" altLang="zh-CN" dirty="0">
+                <a:latin typeface="Adobe 楷体 Std R" panose="02020400000000000000" pitchFamily="18" charset="-122"/>
+                <a:ea typeface="Adobe 楷体 Std R" panose="02020400000000000000" pitchFamily="18" charset="-122"/>
+              </a:rPr>
+              <a:t>B </a:t>
+            </a:r>
+            <a:r>
+              <a:rPr lang="zh-CN" altLang="en-US" dirty="0" smtClean="0">
+                <a:solidFill>
+                  <a:srgbClr val="FF0000"/>
+                </a:solidFill>
+                <a:latin typeface="Adobe 楷体 Std R" panose="02020400000000000000" pitchFamily="18" charset="-122"/>
+                <a:ea typeface="Adobe 楷体 Std R" panose="02020400000000000000" pitchFamily="18" charset="-122"/>
+              </a:rPr>
+              <a:t>用户名</a:t>
+            </a:r>
+            <a:r>
+              <a:rPr lang="zh-CN" altLang="en-US" dirty="0">
+                <a:solidFill>
+                  <a:srgbClr val="FF0000"/>
+                </a:solidFill>
+                <a:latin typeface="Adobe 楷体 Std R" panose="02020400000000000000" pitchFamily="18" charset="-122"/>
+                <a:ea typeface="Adobe 楷体 Std R" panose="02020400000000000000" pitchFamily="18" charset="-122"/>
+              </a:rPr>
+              <a:t>密码的</a:t>
+            </a:r>
+            <a:r>
+              <a:rPr lang="zh-CN" altLang="en-US" dirty="0" smtClean="0">
+                <a:solidFill>
+                  <a:srgbClr val="FF0000"/>
+                </a:solidFill>
+                <a:latin typeface="Adobe 楷体 Std R" panose="02020400000000000000" pitchFamily="18" charset="-122"/>
+                <a:ea typeface="Adobe 楷体 Std R" panose="02020400000000000000" pitchFamily="18" charset="-122"/>
+              </a:rPr>
+              <a:t>规则</a:t>
+            </a:r>
+            <a:endParaRPr lang="en-US" altLang="zh-CN" dirty="0" smtClean="0">
+              <a:solidFill>
+                <a:srgbClr val="FF0000"/>
+              </a:solidFill>
+              <a:latin typeface="Adobe 楷体 Std R" panose="02020400000000000000" pitchFamily="18" charset="-122"/>
+              <a:ea typeface="Adobe 楷体 Std R" panose="02020400000000000000" pitchFamily="18" charset="-122"/>
+            </a:endParaRPr>
+          </a:p>
+          <a:p>
+            <a:pPr marL="0" indent="0">
+              <a:buNone/>
+            </a:pPr>
+            <a:r>
+              <a:rPr lang="en-US" altLang="zh-CN" dirty="0">
+                <a:solidFill>
+                  <a:srgbClr val="FF0000"/>
+                </a:solidFill>
+                <a:latin typeface="Adobe 楷体 Std R" panose="02020400000000000000" pitchFamily="18" charset="-122"/>
+                <a:ea typeface="Adobe 楷体 Std R" panose="02020400000000000000" pitchFamily="18" charset="-122"/>
+              </a:rPr>
+              <a:t>	</a:t>
+            </a:r>
+            <a:r>
+              <a:rPr lang="en-US" altLang="zh-CN" dirty="0">
+                <a:latin typeface="Adobe 楷体 Std R" panose="02020400000000000000" pitchFamily="18" charset="-122"/>
+                <a:ea typeface="Adobe 楷体 Std R" panose="02020400000000000000" pitchFamily="18" charset="-122"/>
+              </a:rPr>
+              <a:t>C</a:t>
+            </a:r>
+            <a:r>
+              <a:rPr lang="en-US" altLang="zh-CN" dirty="0" smtClean="0">
+                <a:solidFill>
+                  <a:srgbClr val="FF0000"/>
+                </a:solidFill>
+                <a:latin typeface="Adobe 楷体 Std R" panose="02020400000000000000" pitchFamily="18" charset="-122"/>
+                <a:ea typeface="Adobe 楷体 Std R" panose="02020400000000000000" pitchFamily="18" charset="-122"/>
+              </a:rPr>
+              <a:t> </a:t>
+            </a:r>
+            <a:r>
+              <a:rPr lang="zh-CN" altLang="en-US" dirty="0" smtClean="0">
+                <a:solidFill>
+                  <a:srgbClr val="FF0000"/>
+                </a:solidFill>
+                <a:latin typeface="Adobe 楷体 Std R" panose="02020400000000000000" pitchFamily="18" charset="-122"/>
+                <a:ea typeface="Adobe 楷体 Std R" panose="02020400000000000000" pitchFamily="18" charset="-122"/>
+              </a:rPr>
+              <a:t>是否多次提交</a:t>
+            </a:r>
+            <a:endParaRPr lang="en-US" altLang="zh-CN" dirty="0" smtClean="0">
+              <a:solidFill>
+                <a:srgbClr val="FF0000"/>
+              </a:solidFill>
+              <a:latin typeface="Adobe 楷体 Std R" panose="02020400000000000000" pitchFamily="18" charset="-122"/>
+              <a:ea typeface="Adobe 楷体 Std R" panose="02020400000000000000" pitchFamily="18" charset="-122"/>
+            </a:endParaRPr>
+          </a:p>
+          <a:p>
+            <a:pPr marL="0" indent="0">
+              <a:buNone/>
+            </a:pPr>
+            <a:endParaRPr lang="en-US" altLang="zh-CN" dirty="0">
+              <a:solidFill>
+                <a:srgbClr val="FF0000"/>
+              </a:solidFill>
+              <a:latin typeface="Adobe 楷体 Std R" panose="02020400000000000000" pitchFamily="18" charset="-122"/>
+              <a:ea typeface="Adobe 楷体 Std R" panose="02020400000000000000" pitchFamily="18" charset="-122"/>
+            </a:endParaRPr>
+          </a:p>
+          <a:p>
+            <a:pPr marL="0" indent="0">
+              <a:buNone/>
+            </a:pPr>
+            <a:endParaRPr lang="zh-CN" altLang="en-US" dirty="0">
+              <a:latin typeface="Adobe 楷体 Std R" panose="02020400000000000000" pitchFamily="18" charset="-122"/>
+              <a:ea typeface="Adobe 楷体 Std R" panose="02020400000000000000" pitchFamily="18" charset="-122"/>
+            </a:endParaRPr>
           </a:p>
         </p:txBody>
       </p:sp>
     </p:spTree>
     <p:extLst>
       <p:ext uri="{BB962C8B-B14F-4D97-AF65-F5344CB8AC3E}">
-        <p14:creationId xmlns:p14="http://schemas.microsoft.com/office/powerpoint/2010/main" val="2539479666"/>
+        <p14:creationId xmlns:p14="http://schemas.microsoft.com/office/powerpoint/2010/main" val="516176210"/>
       </p:ext>
     </p:extLst>
   </p:cSld>
   <p:clrMapOvr>
     <a:masterClrMapping/>
   </p:clrMapOvr>
-  <p:timing>
-    <p:tnLst>
-      <p:par>
-        <p:cTn id="1" dur="indefinite" restart="never" nodeType="tmRoot"/>
-      </p:par>
-    </p:tnLst>
-  </p:timing>
 </p:sld>
 </file>
 
@@ -15794,7 +15589,7 @@
                 <a:latin typeface="Adobe 黑体 Std R" panose="020B0400000000000000" pitchFamily="34" charset="-122"/>
                 <a:ea typeface="Adobe 黑体 Std R" panose="020B0400000000000000" pitchFamily="34" charset="-122"/>
               </a:rPr>
-              <a:t>社会工程学问题</a:t>
+              <a:t>登录的逻辑</a:t>
             </a:r>
             <a:endParaRPr lang="zh-CN" altLang="en-US" dirty="0">
               <a:latin typeface="Adobe 黑体 Std R" panose="020B0400000000000000" pitchFamily="34" charset="-122"/>
@@ -15818,6 +15613,3039 @@
           <a:bodyPr/>
           <a:lstStyle/>
           <a:p>
+            <a:pPr marL="0" indent="0">
+              <a:buNone/>
+            </a:pPr>
+            <a:r>
+              <a:rPr lang="en-US" altLang="zh-CN" dirty="0" smtClean="0">
+                <a:latin typeface="Adobe 楷体 Std R" panose="02020400000000000000" pitchFamily="18" charset="-122"/>
+                <a:ea typeface="Adobe 楷体 Std R" panose="02020400000000000000" pitchFamily="18" charset="-122"/>
+              </a:rPr>
+              <a:t>1</a:t>
+            </a:r>
+            <a:r>
+              <a:rPr lang="zh-CN" altLang="en-US" dirty="0" smtClean="0">
+                <a:latin typeface="Adobe 楷体 Std R" panose="02020400000000000000" pitchFamily="18" charset="-122"/>
+                <a:ea typeface="Adobe 楷体 Std R" panose="02020400000000000000" pitchFamily="18" charset="-122"/>
+              </a:rPr>
+              <a:t>、用户名密码提交前的检测</a:t>
+            </a:r>
+            <a:endParaRPr lang="en-US" altLang="zh-CN" dirty="0" smtClean="0">
+              <a:latin typeface="Adobe 楷体 Std R" panose="02020400000000000000" pitchFamily="18" charset="-122"/>
+              <a:ea typeface="Adobe 楷体 Std R" panose="02020400000000000000" pitchFamily="18" charset="-122"/>
+            </a:endParaRPr>
+          </a:p>
+          <a:p>
+            <a:pPr marL="0" indent="0">
+              <a:buNone/>
+            </a:pPr>
+            <a:r>
+              <a:rPr lang="en-US" altLang="zh-CN" dirty="0" smtClean="0">
+                <a:latin typeface="Adobe 楷体 Std R" panose="02020400000000000000" pitchFamily="18" charset="-122"/>
+                <a:ea typeface="Adobe 楷体 Std R" panose="02020400000000000000" pitchFamily="18" charset="-122"/>
+              </a:rPr>
+              <a:t>2</a:t>
+            </a:r>
+            <a:r>
+              <a:rPr lang="zh-CN" altLang="en-US" dirty="0" smtClean="0">
+                <a:latin typeface="Adobe 楷体 Std R" panose="02020400000000000000" pitchFamily="18" charset="-122"/>
+                <a:ea typeface="Adobe 楷体 Std R" panose="02020400000000000000" pitchFamily="18" charset="-122"/>
+              </a:rPr>
+              <a:t>、用户名密码的验证</a:t>
+            </a:r>
+            <a:endParaRPr lang="en-US" altLang="zh-CN" dirty="0" smtClean="0">
+              <a:latin typeface="Adobe 楷体 Std R" panose="02020400000000000000" pitchFamily="18" charset="-122"/>
+              <a:ea typeface="Adobe 楷体 Std R" panose="02020400000000000000" pitchFamily="18" charset="-122"/>
+            </a:endParaRPr>
+          </a:p>
+          <a:p>
+            <a:pPr marL="0" indent="0">
+              <a:buNone/>
+            </a:pPr>
+            <a:r>
+              <a:rPr lang="en-US" altLang="zh-CN" dirty="0">
+                <a:latin typeface="Adobe 楷体 Std R" panose="02020400000000000000" pitchFamily="18" charset="-122"/>
+                <a:ea typeface="Adobe 楷体 Std R" panose="02020400000000000000" pitchFamily="18" charset="-122"/>
+              </a:rPr>
+              <a:t>	</a:t>
+            </a:r>
+            <a:r>
+              <a:rPr lang="en-US" altLang="zh-CN" dirty="0" smtClean="0">
+                <a:latin typeface="Adobe 楷体 Std R" panose="02020400000000000000" pitchFamily="18" charset="-122"/>
+                <a:ea typeface="Adobe 楷体 Std R" panose="02020400000000000000" pitchFamily="18" charset="-122"/>
+              </a:rPr>
+              <a:t>A </a:t>
+            </a:r>
+            <a:r>
+              <a:rPr lang="zh-CN" altLang="en-US" dirty="0" smtClean="0">
+                <a:solidFill>
+                  <a:srgbClr val="FF0000"/>
+                </a:solidFill>
+                <a:latin typeface="Adobe 楷体 Std R" panose="02020400000000000000" pitchFamily="18" charset="-122"/>
+                <a:ea typeface="Adobe 楷体 Std R" panose="02020400000000000000" pitchFamily="18" charset="-122"/>
+              </a:rPr>
+              <a:t>不存在该用户</a:t>
+            </a:r>
+            <a:endParaRPr lang="en-US" altLang="zh-CN" dirty="0">
+              <a:solidFill>
+                <a:srgbClr val="FF0000"/>
+              </a:solidFill>
+              <a:latin typeface="Adobe 楷体 Std R" panose="02020400000000000000" pitchFamily="18" charset="-122"/>
+              <a:ea typeface="Adobe 楷体 Std R" panose="02020400000000000000" pitchFamily="18" charset="-122"/>
+            </a:endParaRPr>
+          </a:p>
+          <a:p>
+            <a:pPr marL="0" indent="0">
+              <a:buNone/>
+            </a:pPr>
+            <a:r>
+              <a:rPr lang="en-US" altLang="zh-CN" dirty="0">
+                <a:latin typeface="Adobe 楷体 Std R" panose="02020400000000000000" pitchFamily="18" charset="-122"/>
+                <a:ea typeface="Adobe 楷体 Std R" panose="02020400000000000000" pitchFamily="18" charset="-122"/>
+              </a:rPr>
+              <a:t>	</a:t>
+            </a:r>
+            <a:r>
+              <a:rPr lang="en-US" altLang="zh-CN" dirty="0" smtClean="0">
+                <a:latin typeface="Adobe 楷体 Std R" panose="02020400000000000000" pitchFamily="18" charset="-122"/>
+                <a:ea typeface="Adobe 楷体 Std R" panose="02020400000000000000" pitchFamily="18" charset="-122"/>
+              </a:rPr>
+              <a:t>B </a:t>
+            </a:r>
+            <a:r>
+              <a:rPr lang="zh-CN" altLang="en-US" dirty="0" smtClean="0">
+                <a:solidFill>
+                  <a:srgbClr val="FF0000"/>
+                </a:solidFill>
+                <a:latin typeface="Adobe 楷体 Std R" panose="02020400000000000000" pitchFamily="18" charset="-122"/>
+                <a:ea typeface="Adobe 楷体 Std R" panose="02020400000000000000" pitchFamily="18" charset="-122"/>
+              </a:rPr>
+              <a:t>用户名和密码不匹配</a:t>
+            </a:r>
+            <a:endParaRPr lang="zh-CN" altLang="en-US" dirty="0">
+              <a:solidFill>
+                <a:srgbClr val="FF0000"/>
+              </a:solidFill>
+              <a:latin typeface="Adobe 楷体 Std R" panose="02020400000000000000" pitchFamily="18" charset="-122"/>
+              <a:ea typeface="Adobe 楷体 Std R" panose="02020400000000000000" pitchFamily="18" charset="-122"/>
+            </a:endParaRPr>
+          </a:p>
+        </p:txBody>
+      </p:sp>
+    </p:spTree>
+    <p:extLst>
+      <p:ext uri="{BB962C8B-B14F-4D97-AF65-F5344CB8AC3E}">
+        <p14:creationId xmlns:p14="http://schemas.microsoft.com/office/powerpoint/2010/main" val="3793004139"/>
+      </p:ext>
+    </p:extLst>
+  </p:cSld>
+  <p:clrMapOvr>
+    <a:masterClrMapping/>
+  </p:clrMapOvr>
+</p:sld>
+</file>
+
+<file path=ppt/slides/slide26.xml><?xml version="1.0" encoding="utf-8"?>
+<p:sld xmlns:a="http://schemas.openxmlformats.org/drawingml/2006/main" xmlns:r="http://schemas.openxmlformats.org/officeDocument/2006/relationships" xmlns:p="http://schemas.openxmlformats.org/presentationml/2006/main">
+  <p:cSld>
+    <p:spTree>
+      <p:nvGrpSpPr>
+        <p:cNvPr id="1" name=""/>
+        <p:cNvGrpSpPr/>
+        <p:nvPr/>
+      </p:nvGrpSpPr>
+      <p:grpSpPr>
+        <a:xfrm>
+          <a:off x="0" y="0"/>
+          <a:ext cx="0" cy="0"/>
+          <a:chOff x="0" y="0"/>
+          <a:chExt cx="0" cy="0"/>
+        </a:xfrm>
+      </p:grpSpPr>
+      <p:sp>
+        <p:nvSpPr>
+          <p:cNvPr id="2" name="标题 1"/>
+          <p:cNvSpPr>
+            <a:spLocks noGrp="1"/>
+          </p:cNvSpPr>
+          <p:nvPr>
+            <p:ph type="title"/>
+          </p:nvPr>
+        </p:nvSpPr>
+        <p:spPr/>
+        <p:txBody>
+          <a:bodyPr/>
+          <a:lstStyle/>
+          <a:p>
+            <a:r>
+              <a:rPr lang="zh-CN" altLang="en-US" dirty="0" smtClean="0">
+                <a:latin typeface="Adobe 黑体 Std R" panose="020B0400000000000000" pitchFamily="34" charset="-122"/>
+                <a:ea typeface="Adobe 黑体 Std R" panose="020B0400000000000000" pitchFamily="34" charset="-122"/>
+              </a:rPr>
+              <a:t>更改密码的策略</a:t>
+            </a:r>
+            <a:endParaRPr lang="zh-CN" altLang="en-US" dirty="0">
+              <a:latin typeface="Adobe 黑体 Std R" panose="020B0400000000000000" pitchFamily="34" charset="-122"/>
+              <a:ea typeface="Adobe 黑体 Std R" panose="020B0400000000000000" pitchFamily="34" charset="-122"/>
+            </a:endParaRPr>
+          </a:p>
+        </p:txBody>
+      </p:sp>
+      <p:sp>
+        <p:nvSpPr>
+          <p:cNvPr id="3" name="内容占位符 2"/>
+          <p:cNvSpPr>
+            <a:spLocks noGrp="1"/>
+          </p:cNvSpPr>
+          <p:nvPr>
+            <p:ph idx="1"/>
+          </p:nvPr>
+        </p:nvSpPr>
+        <p:spPr/>
+        <p:txBody>
+          <a:bodyPr/>
+          <a:lstStyle/>
+          <a:p>
+            <a:pPr marL="0" indent="0">
+              <a:buNone/>
+            </a:pPr>
+            <a:r>
+              <a:rPr lang="zh-CN" altLang="en-US" dirty="0" smtClean="0">
+                <a:latin typeface="Adobe 楷体 Std R" panose="02020400000000000000" pitchFamily="18" charset="-122"/>
+                <a:ea typeface="Adobe 楷体 Std R" panose="02020400000000000000" pitchFamily="18" charset="-122"/>
+              </a:rPr>
+              <a:t>安全策略</a:t>
+            </a:r>
+            <a:endParaRPr lang="en-US" altLang="zh-CN" dirty="0" smtClean="0">
+              <a:latin typeface="Adobe 楷体 Std R" panose="02020400000000000000" pitchFamily="18" charset="-122"/>
+              <a:ea typeface="Adobe 楷体 Std R" panose="02020400000000000000" pitchFamily="18" charset="-122"/>
+            </a:endParaRPr>
+          </a:p>
+          <a:p>
+            <a:pPr marL="0" indent="0">
+              <a:buNone/>
+            </a:pPr>
+            <a:r>
+              <a:rPr lang="en-US" altLang="zh-CN" dirty="0">
+                <a:latin typeface="Adobe 楷体 Std R" panose="02020400000000000000" pitchFamily="18" charset="-122"/>
+                <a:ea typeface="Adobe 楷体 Std R" panose="02020400000000000000" pitchFamily="18" charset="-122"/>
+              </a:rPr>
+              <a:t>	</a:t>
+            </a:r>
+            <a:r>
+              <a:rPr lang="en-US" altLang="zh-CN" dirty="0" smtClean="0">
+                <a:latin typeface="Adobe 楷体 Std R" panose="02020400000000000000" pitchFamily="18" charset="-122"/>
+                <a:ea typeface="Adobe 楷体 Std R" panose="02020400000000000000" pitchFamily="18" charset="-122"/>
+              </a:rPr>
+              <a:t>A </a:t>
+            </a:r>
+            <a:r>
+              <a:rPr lang="zh-CN" altLang="en-US" dirty="0" smtClean="0">
+                <a:latin typeface="Adobe 楷体 Std R" panose="02020400000000000000" pitchFamily="18" charset="-122"/>
+                <a:ea typeface="Adobe 楷体 Std R" panose="02020400000000000000" pitchFamily="18" charset="-122"/>
+              </a:rPr>
+              <a:t>是否登录成功？</a:t>
+            </a:r>
+            <a:endParaRPr lang="en-US" altLang="zh-CN" dirty="0" smtClean="0">
+              <a:latin typeface="Adobe 楷体 Std R" panose="02020400000000000000" pitchFamily="18" charset="-122"/>
+              <a:ea typeface="Adobe 楷体 Std R" panose="02020400000000000000" pitchFamily="18" charset="-122"/>
+            </a:endParaRPr>
+          </a:p>
+          <a:p>
+            <a:pPr marL="0" indent="0">
+              <a:buNone/>
+            </a:pPr>
+            <a:r>
+              <a:rPr lang="en-US" altLang="zh-CN" dirty="0">
+                <a:latin typeface="Adobe 楷体 Std R" panose="02020400000000000000" pitchFamily="18" charset="-122"/>
+                <a:ea typeface="Adobe 楷体 Std R" panose="02020400000000000000" pitchFamily="18" charset="-122"/>
+              </a:rPr>
+              <a:t>	</a:t>
+            </a:r>
+            <a:r>
+              <a:rPr lang="en-US" altLang="zh-CN" dirty="0" smtClean="0">
+                <a:latin typeface="Adobe 楷体 Std R" panose="02020400000000000000" pitchFamily="18" charset="-122"/>
+                <a:ea typeface="Adobe 楷体 Std R" panose="02020400000000000000" pitchFamily="18" charset="-122"/>
+              </a:rPr>
+              <a:t>B </a:t>
+            </a:r>
+            <a:r>
+              <a:rPr lang="zh-CN" altLang="en-US" dirty="0" smtClean="0">
+                <a:latin typeface="Adobe 楷体 Std R" panose="02020400000000000000" pitchFamily="18" charset="-122"/>
+                <a:ea typeface="Adobe 楷体 Std R" panose="02020400000000000000" pitchFamily="18" charset="-122"/>
+              </a:rPr>
+              <a:t>密码是否符合规范？</a:t>
+            </a:r>
+            <a:endParaRPr lang="en-US" altLang="zh-CN" dirty="0" smtClean="0">
+              <a:latin typeface="Adobe 楷体 Std R" panose="02020400000000000000" pitchFamily="18" charset="-122"/>
+              <a:ea typeface="Adobe 楷体 Std R" panose="02020400000000000000" pitchFamily="18" charset="-122"/>
+            </a:endParaRPr>
+          </a:p>
+          <a:p>
+            <a:pPr marL="0" indent="0">
+              <a:buNone/>
+            </a:pPr>
+            <a:r>
+              <a:rPr lang="en-US" altLang="zh-CN" dirty="0">
+                <a:latin typeface="Adobe 楷体 Std R" panose="02020400000000000000" pitchFamily="18" charset="-122"/>
+                <a:ea typeface="Adobe 楷体 Std R" panose="02020400000000000000" pitchFamily="18" charset="-122"/>
+              </a:rPr>
+              <a:t>	</a:t>
+            </a:r>
+            <a:r>
+              <a:rPr lang="en-US" altLang="zh-CN" dirty="0" smtClean="0">
+                <a:latin typeface="Adobe 楷体 Std R" panose="02020400000000000000" pitchFamily="18" charset="-122"/>
+                <a:ea typeface="Adobe 楷体 Std R" panose="02020400000000000000" pitchFamily="18" charset="-122"/>
+              </a:rPr>
+              <a:t>C </a:t>
+            </a:r>
+            <a:r>
+              <a:rPr lang="zh-CN" altLang="en-US" dirty="0" smtClean="0">
+                <a:latin typeface="Adobe 楷体 Std R" panose="02020400000000000000" pitchFamily="18" charset="-122"/>
+                <a:ea typeface="Adobe 楷体 Std R" panose="02020400000000000000" pitchFamily="18" charset="-122"/>
+              </a:rPr>
+              <a:t>更改的密码与原密码是否重复？</a:t>
+            </a:r>
+            <a:r>
+              <a:rPr lang="en-US" altLang="zh-CN" dirty="0" smtClean="0">
+                <a:latin typeface="Adobe 楷体 Std R" panose="02020400000000000000" pitchFamily="18" charset="-122"/>
+                <a:ea typeface="Adobe 楷体 Std R" panose="02020400000000000000" pitchFamily="18" charset="-122"/>
+              </a:rPr>
+              <a:t> </a:t>
+            </a:r>
+            <a:endParaRPr lang="en-US" altLang="zh-CN" dirty="0">
+              <a:latin typeface="Adobe 楷体 Std R" panose="02020400000000000000" pitchFamily="18" charset="-122"/>
+              <a:ea typeface="Adobe 楷体 Std R" panose="02020400000000000000" pitchFamily="18" charset="-122"/>
+            </a:endParaRPr>
+          </a:p>
+        </p:txBody>
+      </p:sp>
+    </p:spTree>
+    <p:extLst>
+      <p:ext uri="{BB962C8B-B14F-4D97-AF65-F5344CB8AC3E}">
+        <p14:creationId xmlns:p14="http://schemas.microsoft.com/office/powerpoint/2010/main" val="3793269827"/>
+      </p:ext>
+    </p:extLst>
+  </p:cSld>
+  <p:clrMapOvr>
+    <a:masterClrMapping/>
+  </p:clrMapOvr>
+</p:sld>
+</file>
+
+<file path=ppt/slides/slide27.xml><?xml version="1.0" encoding="utf-8"?>
+<p:sld xmlns:a="http://schemas.openxmlformats.org/drawingml/2006/main" xmlns:r="http://schemas.openxmlformats.org/officeDocument/2006/relationships" xmlns:p="http://schemas.openxmlformats.org/presentationml/2006/main">
+  <p:cSld>
+    <p:spTree>
+      <p:nvGrpSpPr>
+        <p:cNvPr id="1" name=""/>
+        <p:cNvGrpSpPr/>
+        <p:nvPr/>
+      </p:nvGrpSpPr>
+      <p:grpSpPr>
+        <a:xfrm>
+          <a:off x="0" y="0"/>
+          <a:ext cx="0" cy="0"/>
+          <a:chOff x="0" y="0"/>
+          <a:chExt cx="0" cy="0"/>
+        </a:xfrm>
+      </p:grpSpPr>
+      <p:sp>
+        <p:nvSpPr>
+          <p:cNvPr id="2" name="标题 1"/>
+          <p:cNvSpPr>
+            <a:spLocks noGrp="1"/>
+          </p:cNvSpPr>
+          <p:nvPr>
+            <p:ph type="title"/>
+          </p:nvPr>
+        </p:nvSpPr>
+        <p:spPr/>
+        <p:txBody>
+          <a:bodyPr/>
+          <a:lstStyle/>
+          <a:p>
+            <a:r>
+              <a:rPr lang="zh-CN" altLang="en-US" dirty="0" smtClean="0">
+                <a:latin typeface="Adobe 黑体 Std R" panose="020B0400000000000000" pitchFamily="34" charset="-122"/>
+                <a:ea typeface="Adobe 黑体 Std R" panose="020B0400000000000000" pitchFamily="34" charset="-122"/>
+              </a:rPr>
+              <a:t>“数据”相关的迭代</a:t>
+            </a:r>
+            <a:endParaRPr lang="zh-CN" altLang="en-US" dirty="0">
+              <a:latin typeface="Adobe 黑体 Std R" panose="020B0400000000000000" pitchFamily="34" charset="-122"/>
+              <a:ea typeface="Adobe 黑体 Std R" panose="020B0400000000000000" pitchFamily="34" charset="-122"/>
+            </a:endParaRPr>
+          </a:p>
+        </p:txBody>
+      </p:sp>
+      <p:sp>
+        <p:nvSpPr>
+          <p:cNvPr id="3" name="内容占位符 2"/>
+          <p:cNvSpPr>
+            <a:spLocks noGrp="1"/>
+          </p:cNvSpPr>
+          <p:nvPr>
+            <p:ph idx="1"/>
+          </p:nvPr>
+        </p:nvSpPr>
+        <p:spPr/>
+        <p:txBody>
+          <a:bodyPr/>
+          <a:lstStyle/>
+          <a:p>
+            <a:r>
+              <a:rPr lang="zh-CN" altLang="en-US" dirty="0" smtClean="0">
+                <a:latin typeface="Adobe 楷体 Std R" panose="02020400000000000000" pitchFamily="18" charset="-122"/>
+                <a:ea typeface="Adobe 楷体 Std R" panose="02020400000000000000" pitchFamily="18" charset="-122"/>
+              </a:rPr>
+              <a:t>写死在代码中</a:t>
+            </a:r>
+            <a:endParaRPr lang="en-US" altLang="zh-CN" dirty="0" smtClean="0">
+              <a:latin typeface="Adobe 楷体 Std R" panose="02020400000000000000" pitchFamily="18" charset="-122"/>
+              <a:ea typeface="Adobe 楷体 Std R" panose="02020400000000000000" pitchFamily="18" charset="-122"/>
+            </a:endParaRPr>
+          </a:p>
+          <a:p>
+            <a:r>
+              <a:rPr lang="zh-CN" altLang="en-US" dirty="0" smtClean="0">
+                <a:latin typeface="Adobe 楷体 Std R" panose="02020400000000000000" pitchFamily="18" charset="-122"/>
+                <a:ea typeface="Adobe 楷体 Std R" panose="02020400000000000000" pitchFamily="18" charset="-122"/>
+              </a:rPr>
+              <a:t>写在一个（配置）文件中，可以修改</a:t>
+            </a:r>
+            <a:endParaRPr lang="en-US" altLang="zh-CN" dirty="0" smtClean="0">
+              <a:latin typeface="Adobe 楷体 Std R" panose="02020400000000000000" pitchFamily="18" charset="-122"/>
+              <a:ea typeface="Adobe 楷体 Std R" panose="02020400000000000000" pitchFamily="18" charset="-122"/>
+            </a:endParaRPr>
+          </a:p>
+          <a:p>
+            <a:r>
+              <a:rPr lang="zh-CN" altLang="en-US" dirty="0" smtClean="0">
+                <a:latin typeface="Adobe 楷体 Std R" panose="02020400000000000000" pitchFamily="18" charset="-122"/>
+                <a:ea typeface="Adobe 楷体 Std R" panose="02020400000000000000" pitchFamily="18" charset="-122"/>
+              </a:rPr>
+              <a:t>放在数据库中</a:t>
+            </a:r>
+            <a:endParaRPr lang="en-US" altLang="zh-CN" dirty="0" smtClean="0">
+              <a:latin typeface="Adobe 楷体 Std R" panose="02020400000000000000" pitchFamily="18" charset="-122"/>
+              <a:ea typeface="Adobe 楷体 Std R" panose="02020400000000000000" pitchFamily="18" charset="-122"/>
+            </a:endParaRPr>
+          </a:p>
+          <a:p>
+            <a:r>
+              <a:rPr lang="zh-CN" altLang="en-US" dirty="0" smtClean="0">
+                <a:latin typeface="Adobe 楷体 Std R" panose="02020400000000000000" pitchFamily="18" charset="-122"/>
+                <a:ea typeface="Adobe 楷体 Std R" panose="02020400000000000000" pitchFamily="18" charset="-122"/>
+              </a:rPr>
+              <a:t>数据库的数据加密</a:t>
+            </a:r>
+            <a:endParaRPr lang="zh-CN" altLang="en-US" dirty="0">
+              <a:latin typeface="Adobe 楷体 Std R" panose="02020400000000000000" pitchFamily="18" charset="-122"/>
+              <a:ea typeface="Adobe 楷体 Std R" panose="02020400000000000000" pitchFamily="18" charset="-122"/>
+            </a:endParaRPr>
+          </a:p>
+        </p:txBody>
+      </p:sp>
+    </p:spTree>
+    <p:extLst>
+      <p:ext uri="{BB962C8B-B14F-4D97-AF65-F5344CB8AC3E}">
+        <p14:creationId xmlns:p14="http://schemas.microsoft.com/office/powerpoint/2010/main" val="1870687755"/>
+      </p:ext>
+    </p:extLst>
+  </p:cSld>
+  <p:clrMapOvr>
+    <a:masterClrMapping/>
+  </p:clrMapOvr>
+</p:sld>
+</file>
+
+<file path=ppt/slides/slide28.xml><?xml version="1.0" encoding="utf-8"?>
+<p:sld xmlns:a="http://schemas.openxmlformats.org/drawingml/2006/main" xmlns:r="http://schemas.openxmlformats.org/officeDocument/2006/relationships" xmlns:p="http://schemas.openxmlformats.org/presentationml/2006/main">
+  <p:cSld>
+    <p:spTree>
+      <p:nvGrpSpPr>
+        <p:cNvPr id="1" name=""/>
+        <p:cNvGrpSpPr/>
+        <p:nvPr/>
+      </p:nvGrpSpPr>
+      <p:grpSpPr>
+        <a:xfrm>
+          <a:off x="0" y="0"/>
+          <a:ext cx="0" cy="0"/>
+          <a:chOff x="0" y="0"/>
+          <a:chExt cx="0" cy="0"/>
+        </a:xfrm>
+      </p:grpSpPr>
+      <p:sp>
+        <p:nvSpPr>
+          <p:cNvPr id="2" name="标题 1"/>
+          <p:cNvSpPr>
+            <a:spLocks noGrp="1"/>
+          </p:cNvSpPr>
+          <p:nvPr>
+            <p:ph type="title"/>
+          </p:nvPr>
+        </p:nvSpPr>
+        <p:spPr/>
+        <p:txBody>
+          <a:bodyPr/>
+          <a:lstStyle/>
+          <a:p>
+            <a:r>
+              <a:rPr lang="zh-CN" altLang="en-US" dirty="0" smtClean="0">
+                <a:latin typeface="Adobe 黑体 Std R" panose="020B0400000000000000" pitchFamily="34" charset="-122"/>
+                <a:ea typeface="Adobe 黑体 Std R" panose="020B0400000000000000" pitchFamily="34" charset="-122"/>
+              </a:rPr>
+              <a:t>密码的安全性</a:t>
+            </a:r>
+            <a:endParaRPr lang="zh-CN" altLang="en-US" dirty="0">
+              <a:latin typeface="Adobe 黑体 Std R" panose="020B0400000000000000" pitchFamily="34" charset="-122"/>
+              <a:ea typeface="Adobe 黑体 Std R" panose="020B0400000000000000" pitchFamily="34" charset="-122"/>
+            </a:endParaRPr>
+          </a:p>
+        </p:txBody>
+      </p:sp>
+      <p:sp>
+        <p:nvSpPr>
+          <p:cNvPr id="3" name="内容占位符 2"/>
+          <p:cNvSpPr>
+            <a:spLocks noGrp="1"/>
+          </p:cNvSpPr>
+          <p:nvPr>
+            <p:ph idx="1"/>
+          </p:nvPr>
+        </p:nvSpPr>
+        <p:spPr/>
+        <p:txBody>
+          <a:bodyPr/>
+          <a:lstStyle/>
+          <a:p>
+            <a:r>
+              <a:rPr lang="zh-CN" altLang="en-US" dirty="0" smtClean="0">
+                <a:latin typeface="Adobe 楷体 Std R" panose="02020400000000000000" pitchFamily="18" charset="-122"/>
+                <a:ea typeface="Adobe 楷体 Std R" panose="02020400000000000000" pitchFamily="18" charset="-122"/>
+              </a:rPr>
+              <a:t>密码的复杂度</a:t>
+            </a:r>
+            <a:endParaRPr lang="en-US" altLang="zh-CN" dirty="0" smtClean="0">
+              <a:latin typeface="Adobe 楷体 Std R" panose="02020400000000000000" pitchFamily="18" charset="-122"/>
+              <a:ea typeface="Adobe 楷体 Std R" panose="02020400000000000000" pitchFamily="18" charset="-122"/>
+            </a:endParaRPr>
+          </a:p>
+          <a:p>
+            <a:pPr lvl="1"/>
+            <a:r>
+              <a:rPr lang="en-US" altLang="zh-CN" dirty="0" smtClean="0">
+                <a:latin typeface="Adobe 楷体 Std R" panose="02020400000000000000" pitchFamily="18" charset="-122"/>
+                <a:ea typeface="Adobe 楷体 Std R" panose="02020400000000000000" pitchFamily="18" charset="-122"/>
+              </a:rPr>
+              <a:t>123456</a:t>
+            </a:r>
+          </a:p>
+          <a:p>
+            <a:pPr lvl="1"/>
+            <a:r>
+              <a:rPr lang="en-US" altLang="zh-CN" dirty="0" smtClean="0">
+                <a:latin typeface="Adobe 楷体 Std R" panose="02020400000000000000" pitchFamily="18" charset="-122"/>
+                <a:ea typeface="Adobe 楷体 Std R" panose="02020400000000000000" pitchFamily="18" charset="-122"/>
+              </a:rPr>
+              <a:t>111111</a:t>
+            </a:r>
+            <a:endParaRPr lang="en-US" altLang="zh-CN" dirty="0">
+              <a:latin typeface="Adobe 楷体 Std R" panose="02020400000000000000" pitchFamily="18" charset="-122"/>
+              <a:ea typeface="Adobe 楷体 Std R" panose="02020400000000000000" pitchFamily="18" charset="-122"/>
+            </a:endParaRPr>
+          </a:p>
+          <a:p>
+            <a:pPr lvl="1"/>
+            <a:r>
+              <a:rPr lang="en-US" altLang="zh-CN" dirty="0" err="1">
+                <a:latin typeface="Adobe 楷体 Std R" panose="02020400000000000000" pitchFamily="18" charset="-122"/>
+                <a:ea typeface="Adobe 楷体 Std R" panose="02020400000000000000" pitchFamily="18" charset="-122"/>
+              </a:rPr>
+              <a:t>abcdefgh</a:t>
+            </a:r>
+            <a:endParaRPr lang="en-US" altLang="zh-CN" dirty="0">
+              <a:latin typeface="Adobe 楷体 Std R" panose="02020400000000000000" pitchFamily="18" charset="-122"/>
+              <a:ea typeface="Adobe 楷体 Std R" panose="02020400000000000000" pitchFamily="18" charset="-122"/>
+            </a:endParaRPr>
+          </a:p>
+          <a:p>
+            <a:pPr lvl="1"/>
+            <a:r>
+              <a:rPr lang="en-US" altLang="zh-CN" dirty="0" err="1">
+                <a:latin typeface="Adobe 楷体 Std R" panose="02020400000000000000" pitchFamily="18" charset="-122"/>
+                <a:ea typeface="Adobe 楷体 Std R" panose="02020400000000000000" pitchFamily="18" charset="-122"/>
+              </a:rPr>
+              <a:t>Abefgttw</a:t>
+            </a:r>
+            <a:endParaRPr lang="en-US" altLang="zh-CN" dirty="0">
+              <a:latin typeface="Adobe 楷体 Std R" panose="02020400000000000000" pitchFamily="18" charset="-122"/>
+              <a:ea typeface="Adobe 楷体 Std R" panose="02020400000000000000" pitchFamily="18" charset="-122"/>
+            </a:endParaRPr>
+          </a:p>
+          <a:p>
+            <a:pPr lvl="1"/>
+            <a:r>
+              <a:rPr lang="en-US" altLang="zh-CN" dirty="0" err="1">
+                <a:latin typeface="Adobe 楷体 Std R" panose="02020400000000000000" pitchFamily="18" charset="-122"/>
+                <a:ea typeface="Adobe 楷体 Std R" panose="02020400000000000000" pitchFamily="18" charset="-122"/>
+              </a:rPr>
+              <a:t>Sotoni#t</a:t>
+            </a:r>
+            <a:r>
+              <a:rPr lang="en-US" altLang="zh-CN" dirty="0" smtClean="0">
+                <a:latin typeface="Adobe 楷体 Std R" panose="02020400000000000000" pitchFamily="18" charset="-122"/>
+                <a:ea typeface="Adobe 楷体 Std R" panose="02020400000000000000" pitchFamily="18" charset="-122"/>
+              </a:rPr>
+              <a:t>&amp;*</a:t>
+            </a:r>
+          </a:p>
+        </p:txBody>
+      </p:sp>
+    </p:spTree>
+    <p:extLst>
+      <p:ext uri="{BB962C8B-B14F-4D97-AF65-F5344CB8AC3E}">
+        <p14:creationId xmlns:p14="http://schemas.microsoft.com/office/powerpoint/2010/main" val="1356237223"/>
+      </p:ext>
+    </p:extLst>
+  </p:cSld>
+  <p:clrMapOvr>
+    <a:masterClrMapping/>
+  </p:clrMapOvr>
+</p:sld>
+</file>
+
+<file path=ppt/slides/slide29.xml><?xml version="1.0" encoding="utf-8"?>
+<p:sld xmlns:a="http://schemas.openxmlformats.org/drawingml/2006/main" xmlns:r="http://schemas.openxmlformats.org/officeDocument/2006/relationships" xmlns:p="http://schemas.openxmlformats.org/presentationml/2006/main">
+  <p:cSld>
+    <p:spTree>
+      <p:nvGrpSpPr>
+        <p:cNvPr id="1" name=""/>
+        <p:cNvGrpSpPr/>
+        <p:nvPr/>
+      </p:nvGrpSpPr>
+      <p:grpSpPr>
+        <a:xfrm>
+          <a:off x="0" y="0"/>
+          <a:ext cx="0" cy="0"/>
+          <a:chOff x="0" y="0"/>
+          <a:chExt cx="0" cy="0"/>
+        </a:xfrm>
+      </p:grpSpPr>
+      <p:sp>
+        <p:nvSpPr>
+          <p:cNvPr id="2" name="标题 1"/>
+          <p:cNvSpPr>
+            <a:spLocks noGrp="1"/>
+          </p:cNvSpPr>
+          <p:nvPr>
+            <p:ph type="title"/>
+          </p:nvPr>
+        </p:nvSpPr>
+        <p:spPr/>
+        <p:txBody>
+          <a:bodyPr/>
+          <a:lstStyle/>
+          <a:p>
+            <a:r>
+              <a:rPr lang="zh-CN" altLang="en-US" dirty="0" smtClean="0">
+                <a:latin typeface="Adobe 黑体 Std R" panose="020B0400000000000000" pitchFamily="34" charset="-122"/>
+                <a:ea typeface="Adobe 黑体 Std R" panose="020B0400000000000000" pitchFamily="34" charset="-122"/>
+              </a:rPr>
+              <a:t>密码的安全性</a:t>
+            </a:r>
+            <a:r>
+              <a:rPr lang="en-US" altLang="zh-CN" dirty="0" smtClean="0">
+                <a:latin typeface="Adobe 黑体 Std R" panose="020B0400000000000000" pitchFamily="34" charset="-122"/>
+                <a:ea typeface="Adobe 黑体 Std R" panose="020B0400000000000000" pitchFamily="34" charset="-122"/>
+              </a:rPr>
+              <a:t>-</a:t>
+            </a:r>
+            <a:r>
+              <a:rPr lang="zh-CN" altLang="en-US" dirty="0" smtClean="0">
+                <a:latin typeface="Adobe 黑体 Std R" panose="020B0400000000000000" pitchFamily="34" charset="-122"/>
+                <a:ea typeface="Adobe 黑体 Std R" panose="020B0400000000000000" pitchFamily="34" charset="-122"/>
+              </a:rPr>
+              <a:t>验证策略</a:t>
+            </a:r>
+            <a:endParaRPr lang="zh-CN" altLang="en-US" dirty="0">
+              <a:latin typeface="Adobe 黑体 Std R" panose="020B0400000000000000" pitchFamily="34" charset="-122"/>
+              <a:ea typeface="Adobe 黑体 Std R" panose="020B0400000000000000" pitchFamily="34" charset="-122"/>
+            </a:endParaRPr>
+          </a:p>
+        </p:txBody>
+      </p:sp>
+      <p:sp>
+        <p:nvSpPr>
+          <p:cNvPr id="3" name="内容占位符 2"/>
+          <p:cNvSpPr>
+            <a:spLocks noGrp="1"/>
+          </p:cNvSpPr>
+          <p:nvPr>
+            <p:ph idx="1"/>
+          </p:nvPr>
+        </p:nvSpPr>
+        <p:spPr/>
+        <p:txBody>
+          <a:bodyPr/>
+          <a:lstStyle/>
+          <a:p>
+            <a:r>
+              <a:rPr lang="zh-CN" altLang="en-US" dirty="0" smtClean="0">
+                <a:latin typeface="Adobe 楷体 Std R" panose="02020400000000000000" pitchFamily="18" charset="-122"/>
+                <a:ea typeface="Adobe 楷体 Std R" panose="02020400000000000000" pitchFamily="18" charset="-122"/>
+              </a:rPr>
+              <a:t>短信</a:t>
+            </a:r>
+            <a:r>
+              <a:rPr lang="en-US" altLang="zh-CN" dirty="0" smtClean="0">
+                <a:latin typeface="Adobe 楷体 Std R" panose="02020400000000000000" pitchFamily="18" charset="-122"/>
+                <a:ea typeface="Adobe 楷体 Std R" panose="02020400000000000000" pitchFamily="18" charset="-122"/>
+              </a:rPr>
+              <a:t>/</a:t>
+            </a:r>
+            <a:r>
+              <a:rPr lang="zh-CN" altLang="en-US" dirty="0" smtClean="0">
+                <a:latin typeface="Adobe 楷体 Std R" panose="02020400000000000000" pitchFamily="18" charset="-122"/>
+                <a:ea typeface="Adobe 楷体 Std R" panose="02020400000000000000" pitchFamily="18" charset="-122"/>
+              </a:rPr>
+              <a:t>微信验证</a:t>
+            </a:r>
+            <a:endParaRPr lang="en-US" altLang="zh-CN" dirty="0" smtClean="0">
+              <a:latin typeface="Adobe 楷体 Std R" panose="02020400000000000000" pitchFamily="18" charset="-122"/>
+              <a:ea typeface="Adobe 楷体 Std R" panose="02020400000000000000" pitchFamily="18" charset="-122"/>
+            </a:endParaRPr>
+          </a:p>
+          <a:p>
+            <a:r>
+              <a:rPr lang="zh-CN" altLang="en-US" dirty="0" smtClean="0">
+                <a:latin typeface="Adobe 楷体 Std R" panose="02020400000000000000" pitchFamily="18" charset="-122"/>
+                <a:ea typeface="Adobe 楷体 Std R" panose="02020400000000000000" pitchFamily="18" charset="-122"/>
+              </a:rPr>
+              <a:t>邮件验证</a:t>
+            </a:r>
+            <a:endParaRPr lang="en-US" altLang="zh-CN" dirty="0" smtClean="0">
+              <a:latin typeface="Adobe 楷体 Std R" panose="02020400000000000000" pitchFamily="18" charset="-122"/>
+              <a:ea typeface="Adobe 楷体 Std R" panose="02020400000000000000" pitchFamily="18" charset="-122"/>
+            </a:endParaRPr>
+          </a:p>
+          <a:p>
+            <a:endParaRPr lang="en-US" altLang="zh-CN" dirty="0" smtClean="0"/>
+          </a:p>
+        </p:txBody>
+      </p:sp>
+    </p:spTree>
+    <p:extLst>
+      <p:ext uri="{BB962C8B-B14F-4D97-AF65-F5344CB8AC3E}">
+        <p14:creationId xmlns:p14="http://schemas.microsoft.com/office/powerpoint/2010/main" val="1795920901"/>
+      </p:ext>
+    </p:extLst>
+  </p:cSld>
+  <p:clrMapOvr>
+    <a:masterClrMapping/>
+  </p:clrMapOvr>
+</p:sld>
+</file>
+
+<file path=ppt/slides/slide3.xml><?xml version="1.0" encoding="utf-8"?>
+<p:sld xmlns:a="http://schemas.openxmlformats.org/drawingml/2006/main" xmlns:r="http://schemas.openxmlformats.org/officeDocument/2006/relationships" xmlns:p="http://schemas.openxmlformats.org/presentationml/2006/main">
+  <p:cSld>
+    <p:spTree>
+      <p:nvGrpSpPr>
+        <p:cNvPr id="1" name=""/>
+        <p:cNvGrpSpPr/>
+        <p:nvPr/>
+      </p:nvGrpSpPr>
+      <p:grpSpPr>
+        <a:xfrm>
+          <a:off x="0" y="0"/>
+          <a:ext cx="0" cy="0"/>
+          <a:chOff x="0" y="0"/>
+          <a:chExt cx="0" cy="0"/>
+        </a:xfrm>
+      </p:grpSpPr>
+      <p:sp>
+        <p:nvSpPr>
+          <p:cNvPr id="2" name="标题 1"/>
+          <p:cNvSpPr>
+            <a:spLocks noGrp="1"/>
+          </p:cNvSpPr>
+          <p:nvPr>
+            <p:ph type="title"/>
+          </p:nvPr>
+        </p:nvSpPr>
+        <p:spPr/>
+        <p:txBody>
+          <a:bodyPr/>
+          <a:lstStyle/>
+          <a:p>
+            <a:r>
+              <a:rPr lang="zh-CN" altLang="en-US" dirty="0" smtClean="0">
+                <a:latin typeface="Adobe 黑体 Std R" panose="020B0400000000000000" pitchFamily="34" charset="-122"/>
+                <a:ea typeface="Adobe 黑体 Std R" panose="020B0400000000000000" pitchFamily="34" charset="-122"/>
+              </a:rPr>
+              <a:t>准备阶段</a:t>
+            </a:r>
+            <a:endParaRPr lang="zh-CN" altLang="en-US" dirty="0">
+              <a:latin typeface="Adobe 黑体 Std R" panose="020B0400000000000000" pitchFamily="34" charset="-122"/>
+              <a:ea typeface="Adobe 黑体 Std R" panose="020B0400000000000000" pitchFamily="34" charset="-122"/>
+            </a:endParaRPr>
+          </a:p>
+        </p:txBody>
+      </p:sp>
+      <p:sp>
+        <p:nvSpPr>
+          <p:cNvPr id="3" name="内容占位符 2"/>
+          <p:cNvSpPr>
+            <a:spLocks noGrp="1"/>
+          </p:cNvSpPr>
+          <p:nvPr>
+            <p:ph idx="1"/>
+          </p:nvPr>
+        </p:nvSpPr>
+        <p:spPr>
+          <a:xfrm>
+            <a:off x="1098643" y="3157151"/>
+            <a:ext cx="2459558" cy="2162347"/>
+          </a:xfrm>
+        </p:spPr>
+        <p:txBody>
+          <a:bodyPr/>
+          <a:lstStyle/>
+          <a:p>
+            <a:pPr marL="0" indent="0">
+              <a:buNone/>
+            </a:pPr>
+            <a:r>
+              <a:rPr lang="zh-CN" altLang="en-US" dirty="0">
+                <a:latin typeface="Adobe 楷体 Std R" panose="02020400000000000000" pitchFamily="18" charset="-122"/>
+                <a:ea typeface="Adobe 楷体 Std R" panose="02020400000000000000" pitchFamily="18" charset="-122"/>
+              </a:rPr>
+              <a:t>开启</a:t>
+            </a:r>
+            <a:r>
+              <a:rPr lang="zh-CN" altLang="en-US" dirty="0" smtClean="0">
+                <a:latin typeface="Adobe 楷体 Std R" panose="02020400000000000000" pitchFamily="18" charset="-122"/>
+                <a:ea typeface="Adobe 楷体 Std R" panose="02020400000000000000" pitchFamily="18" charset="-122"/>
+              </a:rPr>
+              <a:t>项目</a:t>
+            </a:r>
+            <a:endParaRPr lang="en-US" altLang="zh-CN" dirty="0" smtClean="0">
+              <a:latin typeface="Adobe 楷体 Std R" panose="02020400000000000000" pitchFamily="18" charset="-122"/>
+              <a:ea typeface="Adobe 楷体 Std R" panose="02020400000000000000" pitchFamily="18" charset="-122"/>
+            </a:endParaRPr>
+          </a:p>
+          <a:p>
+            <a:pPr marL="0" indent="0">
+              <a:buNone/>
+            </a:pPr>
+            <a:r>
+              <a:rPr lang="en-US" altLang="zh-CN" dirty="0" smtClean="0">
+                <a:latin typeface="Adobe 楷体 Std R" panose="02020400000000000000" pitchFamily="18" charset="-122"/>
+                <a:ea typeface="Adobe 楷体 Std R" panose="02020400000000000000" pitchFamily="18" charset="-122"/>
+              </a:rPr>
+              <a:t>	[</a:t>
+            </a:r>
+            <a:r>
+              <a:rPr lang="zh-CN" altLang="en-US" dirty="0">
+                <a:latin typeface="Adobe 楷体 Std R" panose="02020400000000000000" pitchFamily="18" charset="-122"/>
+                <a:ea typeface="Adobe 楷体 Std R" panose="02020400000000000000" pitchFamily="18" charset="-122"/>
+              </a:rPr>
+              <a:t>学习调研</a:t>
+            </a:r>
+            <a:r>
+              <a:rPr lang="en-US" altLang="zh-CN" dirty="0" smtClean="0">
+                <a:latin typeface="Adobe 楷体 Std R" panose="02020400000000000000" pitchFamily="18" charset="-122"/>
+                <a:ea typeface="Adobe 楷体 Std R" panose="02020400000000000000" pitchFamily="18" charset="-122"/>
+              </a:rPr>
+              <a:t>]</a:t>
+            </a:r>
+            <a:endParaRPr lang="zh-CN" altLang="en-US" dirty="0">
+              <a:latin typeface="Adobe 楷体 Std R" panose="02020400000000000000" pitchFamily="18" charset="-122"/>
+              <a:ea typeface="Adobe 楷体 Std R" panose="02020400000000000000" pitchFamily="18" charset="-122"/>
+            </a:endParaRPr>
+          </a:p>
+          <a:p>
+            <a:pPr marL="0" indent="0">
+              <a:buNone/>
+            </a:pPr>
+            <a:r>
+              <a:rPr lang="zh-CN" altLang="en-US" dirty="0">
+                <a:latin typeface="Adobe 楷体 Std R" panose="02020400000000000000" pitchFamily="18" charset="-122"/>
+                <a:ea typeface="Adobe 楷体 Std R" panose="02020400000000000000" pitchFamily="18" charset="-122"/>
+              </a:rPr>
+              <a:t>	</a:t>
+            </a:r>
+            <a:r>
+              <a:rPr lang="en-US" altLang="zh-CN" dirty="0" smtClean="0">
+                <a:latin typeface="Adobe 楷体 Std R" panose="02020400000000000000" pitchFamily="18" charset="-122"/>
+                <a:ea typeface="Adobe 楷体 Std R" panose="02020400000000000000" pitchFamily="18" charset="-122"/>
+              </a:rPr>
+              <a:t>[</a:t>
+            </a:r>
+            <a:r>
+              <a:rPr lang="zh-CN" altLang="en-US" dirty="0" smtClean="0">
+                <a:latin typeface="Adobe 楷体 Std R" panose="02020400000000000000" pitchFamily="18" charset="-122"/>
+                <a:ea typeface="Adobe 楷体 Std R" panose="02020400000000000000" pitchFamily="18" charset="-122"/>
+              </a:rPr>
+              <a:t>开发环境</a:t>
+            </a:r>
+            <a:r>
+              <a:rPr lang="en-US" altLang="zh-CN" dirty="0" smtClean="0">
+                <a:latin typeface="Adobe 楷体 Std R" panose="02020400000000000000" pitchFamily="18" charset="-122"/>
+                <a:ea typeface="Adobe 楷体 Std R" panose="02020400000000000000" pitchFamily="18" charset="-122"/>
+              </a:rPr>
+              <a:t>]</a:t>
+            </a:r>
+            <a:endParaRPr lang="en-US" altLang="zh-CN" dirty="0">
+              <a:latin typeface="Adobe 楷体 Std R" panose="02020400000000000000" pitchFamily="18" charset="-122"/>
+              <a:ea typeface="Adobe 楷体 Std R" panose="02020400000000000000" pitchFamily="18" charset="-122"/>
+            </a:endParaRPr>
+          </a:p>
+          <a:p>
+            <a:pPr marL="0" indent="0">
+              <a:buNone/>
+            </a:pPr>
+            <a:r>
+              <a:rPr lang="en-US" altLang="zh-CN" dirty="0">
+                <a:latin typeface="Adobe 楷体 Std R" panose="02020400000000000000" pitchFamily="18" charset="-122"/>
+                <a:ea typeface="Adobe 楷体 Std R" panose="02020400000000000000" pitchFamily="18" charset="-122"/>
+              </a:rPr>
+              <a:t>	[</a:t>
+            </a:r>
+            <a:r>
+              <a:rPr lang="zh-CN" altLang="en-US" dirty="0">
+                <a:latin typeface="Adobe 楷体 Std R" panose="02020400000000000000" pitchFamily="18" charset="-122"/>
+                <a:ea typeface="Adobe 楷体 Std R" panose="02020400000000000000" pitchFamily="18" charset="-122"/>
+              </a:rPr>
+              <a:t>建库</a:t>
+            </a:r>
+            <a:r>
+              <a:rPr lang="en-US" altLang="zh-CN" dirty="0">
+                <a:latin typeface="Adobe 楷体 Std R" panose="02020400000000000000" pitchFamily="18" charset="-122"/>
+                <a:ea typeface="Adobe 楷体 Std R" panose="02020400000000000000" pitchFamily="18" charset="-122"/>
+              </a:rPr>
+              <a:t>]</a:t>
+            </a:r>
+          </a:p>
+          <a:p>
+            <a:pPr marL="0" indent="0">
+              <a:buNone/>
+            </a:pPr>
+            <a:r>
+              <a:rPr lang="en-US" altLang="zh-CN" dirty="0">
+                <a:latin typeface="Adobe 楷体 Std R" panose="02020400000000000000" pitchFamily="18" charset="-122"/>
+                <a:ea typeface="Adobe 楷体 Std R" panose="02020400000000000000" pitchFamily="18" charset="-122"/>
+              </a:rPr>
+              <a:t>	</a:t>
+            </a:r>
+            <a:endParaRPr lang="zh-CN" altLang="en-US" dirty="0">
+              <a:latin typeface="Adobe 楷体 Std R" panose="02020400000000000000" pitchFamily="18" charset="-122"/>
+              <a:ea typeface="Adobe 楷体 Std R" panose="02020400000000000000" pitchFamily="18" charset="-122"/>
+            </a:endParaRPr>
+          </a:p>
+        </p:txBody>
+      </p:sp>
+      <p:sp>
+        <p:nvSpPr>
+          <p:cNvPr id="7" name="内容占位符 2"/>
+          <p:cNvSpPr txBox="1">
+            <a:spLocks/>
+          </p:cNvSpPr>
+          <p:nvPr/>
+        </p:nvSpPr>
+        <p:spPr bwMode="auto">
+          <a:xfrm>
+            <a:off x="4180580" y="2537495"/>
+            <a:ext cx="2479651" cy="1757457"/>
+          </a:xfrm>
+          <a:prstGeom prst="rect">
+            <a:avLst/>
+          </a:prstGeom>
+          <a:solidFill>
+            <a:srgbClr val="FF9900"/>
+          </a:solidFill>
+          <a:ln>
+            <a:noFill/>
+          </a:ln>
+          <a:extLst/>
+        </p:spPr>
+        <p:txBody>
+          <a:bodyPr vert="horz" wrap="square" lIns="91440" tIns="45720" rIns="91440" bIns="45720" numCol="1" anchor="t" anchorCtr="0" compatLnSpc="1">
+            <a:prstTxWarp prst="textNoShape">
+              <a:avLst/>
+            </a:prstTxWarp>
+          </a:bodyPr>
+          <a:lstStyle>
+            <a:lvl1pPr marL="285750" indent="-285750" algn="l" defTabSz="457200" rtl="0" eaLnBrk="0" fontAlgn="base" hangingPunct="0">
+              <a:spcBef>
+                <a:spcPct val="20000"/>
+              </a:spcBef>
+              <a:spcAft>
+                <a:spcPts val="600"/>
+              </a:spcAft>
+              <a:buClr>
+                <a:schemeClr val="accent1"/>
+              </a:buClr>
+              <a:buSzPct val="115000"/>
+              <a:buFont typeface="Arial" panose="020B0604020202020204" pitchFamily="34" charset="0"/>
+              <a:buChar char="•"/>
+              <a:defRPr sz="2400" kern="1200">
+                <a:solidFill>
+                  <a:srgbClr val="262626"/>
+                </a:solidFill>
+                <a:latin typeface="+mn-lt"/>
+                <a:ea typeface="+mn-ea"/>
+                <a:cs typeface="+mn-cs"/>
+              </a:defRPr>
+            </a:lvl1pPr>
+            <a:lvl2pPr marL="742950" indent="-285750" algn="l" defTabSz="457200" rtl="0" eaLnBrk="0" fontAlgn="base" hangingPunct="0">
+              <a:spcBef>
+                <a:spcPct val="20000"/>
+              </a:spcBef>
+              <a:spcAft>
+                <a:spcPts val="600"/>
+              </a:spcAft>
+              <a:buClr>
+                <a:schemeClr val="accent1"/>
+              </a:buClr>
+              <a:buSzPct val="115000"/>
+              <a:buFont typeface="Arial" panose="020B0604020202020204" pitchFamily="34" charset="0"/>
+              <a:buChar char="•"/>
+              <a:defRPr sz="2000" kern="1200">
+                <a:solidFill>
+                  <a:srgbClr val="262626"/>
+                </a:solidFill>
+                <a:latin typeface="+mn-lt"/>
+                <a:ea typeface="+mn-ea"/>
+                <a:cs typeface="+mn-cs"/>
+              </a:defRPr>
+            </a:lvl2pPr>
+            <a:lvl3pPr marL="1200150" indent="-285750" algn="l" defTabSz="457200" rtl="0" eaLnBrk="0" fontAlgn="base" hangingPunct="0">
+              <a:spcBef>
+                <a:spcPct val="20000"/>
+              </a:spcBef>
+              <a:spcAft>
+                <a:spcPts val="600"/>
+              </a:spcAft>
+              <a:buClr>
+                <a:schemeClr val="accent1"/>
+              </a:buClr>
+              <a:buSzPct val="115000"/>
+              <a:buFont typeface="Arial" panose="020B0604020202020204" pitchFamily="34" charset="0"/>
+              <a:buChar char="•"/>
+              <a:defRPr kern="1200">
+                <a:solidFill>
+                  <a:srgbClr val="262626"/>
+                </a:solidFill>
+                <a:latin typeface="+mn-lt"/>
+                <a:ea typeface="+mn-ea"/>
+                <a:cs typeface="+mn-cs"/>
+              </a:defRPr>
+            </a:lvl3pPr>
+            <a:lvl4pPr marL="1543050" indent="-171450" algn="l" defTabSz="457200" rtl="0" eaLnBrk="0" fontAlgn="base" hangingPunct="0">
+              <a:spcBef>
+                <a:spcPct val="20000"/>
+              </a:spcBef>
+              <a:spcAft>
+                <a:spcPts val="600"/>
+              </a:spcAft>
+              <a:buClr>
+                <a:schemeClr val="accent1"/>
+              </a:buClr>
+              <a:buSzPct val="115000"/>
+              <a:buFont typeface="Arial" panose="020B0604020202020204" pitchFamily="34" charset="0"/>
+              <a:buChar char="•"/>
+              <a:defRPr sz="1600" kern="1200">
+                <a:solidFill>
+                  <a:srgbClr val="262626"/>
+                </a:solidFill>
+                <a:latin typeface="+mn-lt"/>
+                <a:ea typeface="+mn-ea"/>
+                <a:cs typeface="+mn-cs"/>
+              </a:defRPr>
+            </a:lvl4pPr>
+            <a:lvl5pPr marL="2000250" indent="-171450" algn="l" defTabSz="457200" rtl="0" eaLnBrk="0" fontAlgn="base" hangingPunct="0">
+              <a:spcBef>
+                <a:spcPct val="20000"/>
+              </a:spcBef>
+              <a:spcAft>
+                <a:spcPts val="600"/>
+              </a:spcAft>
+              <a:buClr>
+                <a:schemeClr val="accent1"/>
+              </a:buClr>
+              <a:buSzPct val="115000"/>
+              <a:buFont typeface="Arial" panose="020B0604020202020204" pitchFamily="34" charset="0"/>
+              <a:buChar char="•"/>
+              <a:defRPr sz="1400" kern="1200">
+                <a:solidFill>
+                  <a:srgbClr val="262626"/>
+                </a:solidFill>
+                <a:latin typeface="+mn-lt"/>
+                <a:ea typeface="+mn-ea"/>
+                <a:cs typeface="+mn-cs"/>
+              </a:defRPr>
+            </a:lvl5pPr>
+            <a:lvl6pPr marL="2514600" indent="-228600" algn="l" defTabSz="457200" rtl="0" eaLnBrk="1" latinLnBrk="0" hangingPunct="1">
+              <a:spcBef>
+                <a:spcPct val="20000"/>
+              </a:spcBef>
+              <a:spcAft>
+                <a:spcPts val="600"/>
+              </a:spcAft>
+              <a:buClr>
+                <a:schemeClr val="accent1"/>
+              </a:buClr>
+              <a:buSzPct val="115000"/>
+              <a:buFont typeface="Arial"/>
+              <a:buChar char="•"/>
+              <a:defRPr sz="1400" kern="1200" cap="none">
+                <a:solidFill>
+                  <a:schemeClr val="tx1">
+                    <a:lumMod val="85000"/>
+                    <a:lumOff val="15000"/>
+                  </a:schemeClr>
+                </a:solidFill>
+                <a:effectLst/>
+                <a:latin typeface="+mn-lt"/>
+                <a:ea typeface="+mn-ea"/>
+                <a:cs typeface="+mn-cs"/>
+              </a:defRPr>
+            </a:lvl6pPr>
+            <a:lvl7pPr marL="2971800" indent="-228600" algn="l" defTabSz="457200" rtl="0" eaLnBrk="1" latinLnBrk="0" hangingPunct="1">
+              <a:spcBef>
+                <a:spcPct val="20000"/>
+              </a:spcBef>
+              <a:spcAft>
+                <a:spcPts val="600"/>
+              </a:spcAft>
+              <a:buClr>
+                <a:schemeClr val="accent1"/>
+              </a:buClr>
+              <a:buSzPct val="115000"/>
+              <a:buFont typeface="Arial"/>
+              <a:buChar char="•"/>
+              <a:defRPr sz="1400" kern="1200" cap="none">
+                <a:solidFill>
+                  <a:schemeClr val="tx1">
+                    <a:lumMod val="85000"/>
+                    <a:lumOff val="15000"/>
+                  </a:schemeClr>
+                </a:solidFill>
+                <a:effectLst/>
+                <a:latin typeface="+mn-lt"/>
+                <a:ea typeface="+mn-ea"/>
+                <a:cs typeface="+mn-cs"/>
+              </a:defRPr>
+            </a:lvl7pPr>
+            <a:lvl8pPr marL="3429000" indent="-228600" algn="l" defTabSz="457200" rtl="0" eaLnBrk="1" latinLnBrk="0" hangingPunct="1">
+              <a:spcBef>
+                <a:spcPct val="20000"/>
+              </a:spcBef>
+              <a:spcAft>
+                <a:spcPts val="600"/>
+              </a:spcAft>
+              <a:buClr>
+                <a:schemeClr val="accent1"/>
+              </a:buClr>
+              <a:buSzPct val="115000"/>
+              <a:buFont typeface="Arial"/>
+              <a:buChar char="•"/>
+              <a:defRPr sz="1400" kern="1200" cap="none">
+                <a:solidFill>
+                  <a:schemeClr val="tx1">
+                    <a:lumMod val="85000"/>
+                    <a:lumOff val="15000"/>
+                  </a:schemeClr>
+                </a:solidFill>
+                <a:effectLst/>
+                <a:latin typeface="+mn-lt"/>
+                <a:ea typeface="+mn-ea"/>
+                <a:cs typeface="+mn-cs"/>
+              </a:defRPr>
+            </a:lvl8pPr>
+            <a:lvl9pPr marL="3886200" indent="-228600" algn="l" defTabSz="457200" rtl="0" eaLnBrk="1" latinLnBrk="0" hangingPunct="1">
+              <a:spcBef>
+                <a:spcPct val="20000"/>
+              </a:spcBef>
+              <a:spcAft>
+                <a:spcPts val="600"/>
+              </a:spcAft>
+              <a:buClr>
+                <a:schemeClr val="accent1"/>
+              </a:buClr>
+              <a:buSzPct val="115000"/>
+              <a:buFont typeface="Arial"/>
+              <a:buChar char="•"/>
+              <a:defRPr sz="1400" kern="1200" cap="none">
+                <a:solidFill>
+                  <a:schemeClr val="tx1">
+                    <a:lumMod val="85000"/>
+                    <a:lumOff val="15000"/>
+                  </a:schemeClr>
+                </a:solidFill>
+                <a:effectLst/>
+                <a:latin typeface="+mn-lt"/>
+                <a:ea typeface="+mn-ea"/>
+                <a:cs typeface="+mn-cs"/>
+              </a:defRPr>
+            </a:lvl9pPr>
+          </a:lstStyle>
+          <a:p>
+            <a:pPr marL="0" indent="0">
+              <a:buNone/>
+            </a:pPr>
+            <a:r>
+              <a:rPr lang="en-US" altLang="zh-CN" sz="2000" dirty="0">
+                <a:latin typeface="Adobe 楷体 Std R" panose="02020400000000000000" pitchFamily="18" charset="-122"/>
+                <a:ea typeface="Adobe 楷体 Std R" panose="02020400000000000000" pitchFamily="18" charset="-122"/>
+              </a:rPr>
+              <a:t>[</a:t>
+            </a:r>
+            <a:r>
+              <a:rPr lang="zh-CN" altLang="en-US" sz="2000" dirty="0">
+                <a:latin typeface="Adobe 楷体 Std R" panose="02020400000000000000" pitchFamily="18" charset="-122"/>
+                <a:ea typeface="Adobe 楷体 Std R" panose="02020400000000000000" pitchFamily="18" charset="-122"/>
+              </a:rPr>
+              <a:t>网站功能</a:t>
+            </a:r>
+            <a:r>
+              <a:rPr lang="en-US" altLang="zh-CN" sz="2000" dirty="0" smtClean="0">
+                <a:latin typeface="Adobe 楷体 Std R" panose="02020400000000000000" pitchFamily="18" charset="-122"/>
+                <a:ea typeface="Adobe 楷体 Std R" panose="02020400000000000000" pitchFamily="18" charset="-122"/>
+              </a:rPr>
+              <a:t>]</a:t>
+            </a:r>
+          </a:p>
+          <a:p>
+            <a:pPr marL="0" indent="0">
+              <a:buFont typeface="Arial" panose="020B0604020202020204" pitchFamily="34" charset="0"/>
+              <a:buNone/>
+            </a:pPr>
+            <a:r>
+              <a:rPr lang="en-US" altLang="zh-CN" sz="2000" dirty="0" smtClean="0">
+                <a:latin typeface="Adobe 楷体 Std R" panose="02020400000000000000" pitchFamily="18" charset="-122"/>
+                <a:ea typeface="Adobe 楷体 Std R" panose="02020400000000000000" pitchFamily="18" charset="-122"/>
+              </a:rPr>
+              <a:t>[HTTP/HTTPS]</a:t>
+            </a:r>
+            <a:endParaRPr lang="zh-CN" altLang="en-US" sz="2000" dirty="0"/>
+          </a:p>
+          <a:p>
+            <a:pPr marL="0" indent="0">
+              <a:buNone/>
+            </a:pPr>
+            <a:r>
+              <a:rPr lang="en-US" altLang="zh-CN" sz="2000" dirty="0" smtClean="0">
+                <a:latin typeface="Adobe 楷体 Std R" panose="02020400000000000000" pitchFamily="18" charset="-122"/>
+                <a:ea typeface="Adobe 楷体 Std R" panose="02020400000000000000" pitchFamily="18" charset="-122"/>
+              </a:rPr>
+              <a:t>[</a:t>
+            </a:r>
+            <a:r>
+              <a:rPr lang="zh-CN" altLang="en-US" sz="2000" dirty="0" smtClean="0">
+                <a:latin typeface="Adobe 楷体 Std R" panose="02020400000000000000" pitchFamily="18" charset="-122"/>
+                <a:ea typeface="Adobe 楷体 Std R" panose="02020400000000000000" pitchFamily="18" charset="-122"/>
+              </a:rPr>
+              <a:t>如何加密</a:t>
+            </a:r>
+            <a:r>
+              <a:rPr lang="en-US" altLang="zh-CN" sz="2000" dirty="0" smtClean="0">
+                <a:latin typeface="Adobe 楷体 Std R" panose="02020400000000000000" pitchFamily="18" charset="-122"/>
+                <a:ea typeface="Adobe 楷体 Std R" panose="02020400000000000000" pitchFamily="18" charset="-122"/>
+              </a:rPr>
+              <a:t>/</a:t>
+            </a:r>
+            <a:r>
+              <a:rPr lang="zh-CN" altLang="en-US" sz="2000" dirty="0" smtClean="0">
+                <a:latin typeface="Adobe 楷体 Std R" panose="02020400000000000000" pitchFamily="18" charset="-122"/>
+                <a:ea typeface="Adobe 楷体 Std R" panose="02020400000000000000" pitchFamily="18" charset="-122"/>
+              </a:rPr>
+              <a:t>解密</a:t>
+            </a:r>
+            <a:r>
+              <a:rPr lang="en-US" altLang="zh-CN" sz="2000" dirty="0" smtClean="0">
+                <a:latin typeface="Adobe 楷体 Std R" panose="02020400000000000000" pitchFamily="18" charset="-122"/>
+                <a:ea typeface="Adobe 楷体 Std R" panose="02020400000000000000" pitchFamily="18" charset="-122"/>
+              </a:rPr>
+              <a:t>]</a:t>
+            </a:r>
+          </a:p>
+          <a:p>
+            <a:pPr marL="0" indent="0">
+              <a:buFont typeface="Arial" panose="020B0604020202020204" pitchFamily="34" charset="0"/>
+              <a:buNone/>
+            </a:pPr>
+            <a:r>
+              <a:rPr lang="en-US" altLang="zh-CN" dirty="0" smtClean="0">
+                <a:latin typeface="Adobe 楷体 Std R" panose="02020400000000000000" pitchFamily="18" charset="-122"/>
+                <a:ea typeface="Adobe 楷体 Std R" panose="02020400000000000000" pitchFamily="18" charset="-122"/>
+              </a:rPr>
+              <a:t>[web</a:t>
+            </a:r>
+            <a:r>
+              <a:rPr lang="zh-CN" altLang="en-US" dirty="0" smtClean="0">
+                <a:latin typeface="Adobe 楷体 Std R" panose="02020400000000000000" pitchFamily="18" charset="-122"/>
+                <a:ea typeface="Adobe 楷体 Std R" panose="02020400000000000000" pitchFamily="18" charset="-122"/>
+              </a:rPr>
+              <a:t>开发的框架</a:t>
+            </a:r>
+            <a:r>
+              <a:rPr lang="en-US" altLang="zh-CN" dirty="0" smtClean="0">
+                <a:latin typeface="Adobe 楷体 Std R" panose="02020400000000000000" pitchFamily="18" charset="-122"/>
+                <a:ea typeface="Adobe 楷体 Std R" panose="02020400000000000000" pitchFamily="18" charset="-122"/>
+              </a:rPr>
+              <a:t>]</a:t>
+            </a:r>
+          </a:p>
+          <a:p>
+            <a:pPr marL="0" indent="0">
+              <a:buFont typeface="Arial" panose="020B0604020202020204" pitchFamily="34" charset="0"/>
+              <a:buNone/>
+            </a:pPr>
+            <a:r>
+              <a:rPr lang="en-US" altLang="zh-CN" dirty="0" smtClean="0">
+                <a:latin typeface="Adobe 楷体 Std R" panose="02020400000000000000" pitchFamily="18" charset="-122"/>
+                <a:ea typeface="Adobe 楷体 Std R" panose="02020400000000000000" pitchFamily="18" charset="-122"/>
+              </a:rPr>
+              <a:t>	</a:t>
+            </a:r>
+            <a:endParaRPr lang="zh-CN" altLang="en-US" dirty="0">
+              <a:latin typeface="Adobe 楷体 Std R" panose="02020400000000000000" pitchFamily="18" charset="-122"/>
+              <a:ea typeface="Adobe 楷体 Std R" panose="02020400000000000000" pitchFamily="18" charset="-122"/>
+            </a:endParaRPr>
+          </a:p>
+        </p:txBody>
+      </p:sp>
+      <p:sp>
+        <p:nvSpPr>
+          <p:cNvPr id="8" name="左大括号 7"/>
+          <p:cNvSpPr/>
+          <p:nvPr/>
+        </p:nvSpPr>
+        <p:spPr>
+          <a:xfrm>
+            <a:off x="3063362" y="3155289"/>
+            <a:ext cx="1080120" cy="864096"/>
+          </a:xfrm>
+          <a:prstGeom prst="leftBrace">
+            <a:avLst>
+              <a:gd name="adj1" fmla="val 8333"/>
+              <a:gd name="adj2" fmla="val 85338"/>
+            </a:avLst>
+          </a:prstGeom>
+        </p:spPr>
+        <p:style>
+          <a:lnRef idx="3">
+            <a:schemeClr val="dk1"/>
+          </a:lnRef>
+          <a:fillRef idx="0">
+            <a:schemeClr val="dk1"/>
+          </a:fillRef>
+          <a:effectRef idx="2">
+            <a:schemeClr val="dk1"/>
+          </a:effectRef>
+          <a:fontRef idx="minor">
+            <a:schemeClr val="tx1"/>
+          </a:fontRef>
+        </p:style>
+        <p:txBody>
+          <a:bodyPr rtlCol="0" anchor="ctr"/>
+          <a:lstStyle/>
+          <a:p>
+            <a:pPr algn="ctr"/>
+            <a:endParaRPr lang="zh-CN" altLang="en-US"/>
+          </a:p>
+        </p:txBody>
+      </p:sp>
+      <p:sp>
+        <p:nvSpPr>
+          <p:cNvPr id="9" name="内容占位符 2"/>
+          <p:cNvSpPr txBox="1">
+            <a:spLocks/>
+          </p:cNvSpPr>
+          <p:nvPr/>
+        </p:nvSpPr>
+        <p:spPr bwMode="auto">
+          <a:xfrm>
+            <a:off x="4180580" y="4294953"/>
+            <a:ext cx="2047604" cy="1294726"/>
+          </a:xfrm>
+          <a:prstGeom prst="rect">
+            <a:avLst/>
+          </a:prstGeom>
+          <a:solidFill>
+            <a:srgbClr val="99CCFF"/>
+          </a:solidFill>
+          <a:ln>
+            <a:noFill/>
+          </a:ln>
+          <a:extLst/>
+        </p:spPr>
+        <p:txBody>
+          <a:bodyPr vert="horz" wrap="square" lIns="91440" tIns="45720" rIns="91440" bIns="45720" numCol="1" anchor="t" anchorCtr="0" compatLnSpc="1">
+            <a:prstTxWarp prst="textNoShape">
+              <a:avLst/>
+            </a:prstTxWarp>
+          </a:bodyPr>
+          <a:lstStyle>
+            <a:lvl1pPr marL="285750" indent="-285750" algn="l" defTabSz="457200" rtl="0" eaLnBrk="0" fontAlgn="base" hangingPunct="0">
+              <a:spcBef>
+                <a:spcPct val="20000"/>
+              </a:spcBef>
+              <a:spcAft>
+                <a:spcPts val="600"/>
+              </a:spcAft>
+              <a:buClr>
+                <a:schemeClr val="accent1"/>
+              </a:buClr>
+              <a:buSzPct val="115000"/>
+              <a:buFont typeface="Arial" panose="020B0604020202020204" pitchFamily="34" charset="0"/>
+              <a:buChar char="•"/>
+              <a:defRPr sz="2400" kern="1200">
+                <a:solidFill>
+                  <a:srgbClr val="262626"/>
+                </a:solidFill>
+                <a:latin typeface="+mn-lt"/>
+                <a:ea typeface="+mn-ea"/>
+                <a:cs typeface="+mn-cs"/>
+              </a:defRPr>
+            </a:lvl1pPr>
+            <a:lvl2pPr marL="742950" indent="-285750" algn="l" defTabSz="457200" rtl="0" eaLnBrk="0" fontAlgn="base" hangingPunct="0">
+              <a:spcBef>
+                <a:spcPct val="20000"/>
+              </a:spcBef>
+              <a:spcAft>
+                <a:spcPts val="600"/>
+              </a:spcAft>
+              <a:buClr>
+                <a:schemeClr val="accent1"/>
+              </a:buClr>
+              <a:buSzPct val="115000"/>
+              <a:buFont typeface="Arial" panose="020B0604020202020204" pitchFamily="34" charset="0"/>
+              <a:buChar char="•"/>
+              <a:defRPr sz="2000" kern="1200">
+                <a:solidFill>
+                  <a:srgbClr val="262626"/>
+                </a:solidFill>
+                <a:latin typeface="+mn-lt"/>
+                <a:ea typeface="+mn-ea"/>
+                <a:cs typeface="+mn-cs"/>
+              </a:defRPr>
+            </a:lvl2pPr>
+            <a:lvl3pPr marL="1200150" indent="-285750" algn="l" defTabSz="457200" rtl="0" eaLnBrk="0" fontAlgn="base" hangingPunct="0">
+              <a:spcBef>
+                <a:spcPct val="20000"/>
+              </a:spcBef>
+              <a:spcAft>
+                <a:spcPts val="600"/>
+              </a:spcAft>
+              <a:buClr>
+                <a:schemeClr val="accent1"/>
+              </a:buClr>
+              <a:buSzPct val="115000"/>
+              <a:buFont typeface="Arial" panose="020B0604020202020204" pitchFamily="34" charset="0"/>
+              <a:buChar char="•"/>
+              <a:defRPr kern="1200">
+                <a:solidFill>
+                  <a:srgbClr val="262626"/>
+                </a:solidFill>
+                <a:latin typeface="+mn-lt"/>
+                <a:ea typeface="+mn-ea"/>
+                <a:cs typeface="+mn-cs"/>
+              </a:defRPr>
+            </a:lvl3pPr>
+            <a:lvl4pPr marL="1543050" indent="-171450" algn="l" defTabSz="457200" rtl="0" eaLnBrk="0" fontAlgn="base" hangingPunct="0">
+              <a:spcBef>
+                <a:spcPct val="20000"/>
+              </a:spcBef>
+              <a:spcAft>
+                <a:spcPts val="600"/>
+              </a:spcAft>
+              <a:buClr>
+                <a:schemeClr val="accent1"/>
+              </a:buClr>
+              <a:buSzPct val="115000"/>
+              <a:buFont typeface="Arial" panose="020B0604020202020204" pitchFamily="34" charset="0"/>
+              <a:buChar char="•"/>
+              <a:defRPr sz="1600" kern="1200">
+                <a:solidFill>
+                  <a:srgbClr val="262626"/>
+                </a:solidFill>
+                <a:latin typeface="+mn-lt"/>
+                <a:ea typeface="+mn-ea"/>
+                <a:cs typeface="+mn-cs"/>
+              </a:defRPr>
+            </a:lvl4pPr>
+            <a:lvl5pPr marL="2000250" indent="-171450" algn="l" defTabSz="457200" rtl="0" eaLnBrk="0" fontAlgn="base" hangingPunct="0">
+              <a:spcBef>
+                <a:spcPct val="20000"/>
+              </a:spcBef>
+              <a:spcAft>
+                <a:spcPts val="600"/>
+              </a:spcAft>
+              <a:buClr>
+                <a:schemeClr val="accent1"/>
+              </a:buClr>
+              <a:buSzPct val="115000"/>
+              <a:buFont typeface="Arial" panose="020B0604020202020204" pitchFamily="34" charset="0"/>
+              <a:buChar char="•"/>
+              <a:defRPr sz="1400" kern="1200">
+                <a:solidFill>
+                  <a:srgbClr val="262626"/>
+                </a:solidFill>
+                <a:latin typeface="+mn-lt"/>
+                <a:ea typeface="+mn-ea"/>
+                <a:cs typeface="+mn-cs"/>
+              </a:defRPr>
+            </a:lvl5pPr>
+            <a:lvl6pPr marL="2514600" indent="-228600" algn="l" defTabSz="457200" rtl="0" eaLnBrk="1" latinLnBrk="0" hangingPunct="1">
+              <a:spcBef>
+                <a:spcPct val="20000"/>
+              </a:spcBef>
+              <a:spcAft>
+                <a:spcPts val="600"/>
+              </a:spcAft>
+              <a:buClr>
+                <a:schemeClr val="accent1"/>
+              </a:buClr>
+              <a:buSzPct val="115000"/>
+              <a:buFont typeface="Arial"/>
+              <a:buChar char="•"/>
+              <a:defRPr sz="1400" kern="1200" cap="none">
+                <a:solidFill>
+                  <a:schemeClr val="tx1">
+                    <a:lumMod val="85000"/>
+                    <a:lumOff val="15000"/>
+                  </a:schemeClr>
+                </a:solidFill>
+                <a:effectLst/>
+                <a:latin typeface="+mn-lt"/>
+                <a:ea typeface="+mn-ea"/>
+                <a:cs typeface="+mn-cs"/>
+              </a:defRPr>
+            </a:lvl6pPr>
+            <a:lvl7pPr marL="2971800" indent="-228600" algn="l" defTabSz="457200" rtl="0" eaLnBrk="1" latinLnBrk="0" hangingPunct="1">
+              <a:spcBef>
+                <a:spcPct val="20000"/>
+              </a:spcBef>
+              <a:spcAft>
+                <a:spcPts val="600"/>
+              </a:spcAft>
+              <a:buClr>
+                <a:schemeClr val="accent1"/>
+              </a:buClr>
+              <a:buSzPct val="115000"/>
+              <a:buFont typeface="Arial"/>
+              <a:buChar char="•"/>
+              <a:defRPr sz="1400" kern="1200" cap="none">
+                <a:solidFill>
+                  <a:schemeClr val="tx1">
+                    <a:lumMod val="85000"/>
+                    <a:lumOff val="15000"/>
+                  </a:schemeClr>
+                </a:solidFill>
+                <a:effectLst/>
+                <a:latin typeface="+mn-lt"/>
+                <a:ea typeface="+mn-ea"/>
+                <a:cs typeface="+mn-cs"/>
+              </a:defRPr>
+            </a:lvl7pPr>
+            <a:lvl8pPr marL="3429000" indent="-228600" algn="l" defTabSz="457200" rtl="0" eaLnBrk="1" latinLnBrk="0" hangingPunct="1">
+              <a:spcBef>
+                <a:spcPct val="20000"/>
+              </a:spcBef>
+              <a:spcAft>
+                <a:spcPts val="600"/>
+              </a:spcAft>
+              <a:buClr>
+                <a:schemeClr val="accent1"/>
+              </a:buClr>
+              <a:buSzPct val="115000"/>
+              <a:buFont typeface="Arial"/>
+              <a:buChar char="•"/>
+              <a:defRPr sz="1400" kern="1200" cap="none">
+                <a:solidFill>
+                  <a:schemeClr val="tx1">
+                    <a:lumMod val="85000"/>
+                    <a:lumOff val="15000"/>
+                  </a:schemeClr>
+                </a:solidFill>
+                <a:effectLst/>
+                <a:latin typeface="+mn-lt"/>
+                <a:ea typeface="+mn-ea"/>
+                <a:cs typeface="+mn-cs"/>
+              </a:defRPr>
+            </a:lvl8pPr>
+            <a:lvl9pPr marL="3886200" indent="-228600" algn="l" defTabSz="457200" rtl="0" eaLnBrk="1" latinLnBrk="0" hangingPunct="1">
+              <a:spcBef>
+                <a:spcPct val="20000"/>
+              </a:spcBef>
+              <a:spcAft>
+                <a:spcPts val="600"/>
+              </a:spcAft>
+              <a:buClr>
+                <a:schemeClr val="accent1"/>
+              </a:buClr>
+              <a:buSzPct val="115000"/>
+              <a:buFont typeface="Arial"/>
+              <a:buChar char="•"/>
+              <a:defRPr sz="1400" kern="1200" cap="none">
+                <a:solidFill>
+                  <a:schemeClr val="tx1">
+                    <a:lumMod val="85000"/>
+                    <a:lumOff val="15000"/>
+                  </a:schemeClr>
+                </a:solidFill>
+                <a:effectLst/>
+                <a:latin typeface="+mn-lt"/>
+                <a:ea typeface="+mn-ea"/>
+                <a:cs typeface="+mn-cs"/>
+              </a:defRPr>
+            </a:lvl9pPr>
+          </a:lstStyle>
+          <a:p>
+            <a:pPr marL="0" indent="0">
+              <a:buFont typeface="Arial" panose="020B0604020202020204" pitchFamily="34" charset="0"/>
+              <a:buNone/>
+            </a:pPr>
+            <a:r>
+              <a:rPr lang="en-US" altLang="zh-CN" sz="2000" dirty="0" smtClean="0">
+                <a:latin typeface="Adobe 楷体 Std R" panose="02020400000000000000" pitchFamily="18" charset="-122"/>
+                <a:ea typeface="Adobe 楷体 Std R" panose="02020400000000000000" pitchFamily="18" charset="-122"/>
+              </a:rPr>
+              <a:t>[PC]</a:t>
+            </a:r>
+            <a:endParaRPr lang="zh-CN" altLang="en-US" sz="2000" dirty="0"/>
+          </a:p>
+          <a:p>
+            <a:pPr marL="0" indent="0">
+              <a:buNone/>
+            </a:pPr>
+            <a:r>
+              <a:rPr lang="en-US" altLang="zh-CN" sz="2000" dirty="0" smtClean="0">
+                <a:latin typeface="Adobe 楷体 Std R" panose="02020400000000000000" pitchFamily="18" charset="-122"/>
+                <a:ea typeface="Adobe 楷体 Std R" panose="02020400000000000000" pitchFamily="18" charset="-122"/>
+              </a:rPr>
+              <a:t>[Java/Eclipse]</a:t>
+            </a:r>
+          </a:p>
+          <a:p>
+            <a:pPr marL="0" indent="0">
+              <a:buNone/>
+            </a:pPr>
+            <a:r>
+              <a:rPr lang="en-US" altLang="zh-CN" sz="2000" dirty="0" smtClean="0">
+                <a:latin typeface="Adobe 楷体 Std R" panose="02020400000000000000" pitchFamily="18" charset="-122"/>
+                <a:ea typeface="Adobe 楷体 Std R" panose="02020400000000000000" pitchFamily="18" charset="-122"/>
+              </a:rPr>
+              <a:t>[Tomcat]</a:t>
+            </a:r>
+            <a:endParaRPr lang="zh-CN" altLang="en-US" sz="2000" dirty="0"/>
+          </a:p>
+          <a:p>
+            <a:pPr marL="0" indent="0">
+              <a:buFont typeface="Arial" panose="020B0604020202020204" pitchFamily="34" charset="0"/>
+              <a:buNone/>
+            </a:pPr>
+            <a:endParaRPr lang="en-US" altLang="zh-CN" dirty="0" smtClean="0">
+              <a:latin typeface="Adobe 楷体 Std R" panose="02020400000000000000" pitchFamily="18" charset="-122"/>
+              <a:ea typeface="Adobe 楷体 Std R" panose="02020400000000000000" pitchFamily="18" charset="-122"/>
+            </a:endParaRPr>
+          </a:p>
+          <a:p>
+            <a:pPr marL="0" indent="0">
+              <a:buFont typeface="Arial" panose="020B0604020202020204" pitchFamily="34" charset="0"/>
+              <a:buNone/>
+            </a:pPr>
+            <a:r>
+              <a:rPr lang="en-US" altLang="zh-CN" dirty="0" smtClean="0">
+                <a:latin typeface="Adobe 楷体 Std R" panose="02020400000000000000" pitchFamily="18" charset="-122"/>
+                <a:ea typeface="Adobe 楷体 Std R" panose="02020400000000000000" pitchFamily="18" charset="-122"/>
+              </a:rPr>
+              <a:t>	</a:t>
+            </a:r>
+            <a:endParaRPr lang="zh-CN" altLang="en-US" dirty="0">
+              <a:latin typeface="Adobe 楷体 Std R" panose="02020400000000000000" pitchFamily="18" charset="-122"/>
+              <a:ea typeface="Adobe 楷体 Std R" panose="02020400000000000000" pitchFamily="18" charset="-122"/>
+            </a:endParaRPr>
+          </a:p>
+        </p:txBody>
+      </p:sp>
+      <p:sp>
+        <p:nvSpPr>
+          <p:cNvPr id="10" name="左大括号 9"/>
+          <p:cNvSpPr/>
+          <p:nvPr/>
+        </p:nvSpPr>
+        <p:spPr>
+          <a:xfrm>
+            <a:off x="3084195" y="4366938"/>
+            <a:ext cx="1080120" cy="983478"/>
+          </a:xfrm>
+          <a:prstGeom prst="leftBrace">
+            <a:avLst>
+              <a:gd name="adj1" fmla="val 8333"/>
+              <a:gd name="adj2" fmla="val 10337"/>
+            </a:avLst>
+          </a:prstGeom>
+        </p:spPr>
+        <p:style>
+          <a:lnRef idx="3">
+            <a:schemeClr val="accent4"/>
+          </a:lnRef>
+          <a:fillRef idx="0">
+            <a:schemeClr val="accent4"/>
+          </a:fillRef>
+          <a:effectRef idx="2">
+            <a:schemeClr val="accent4"/>
+          </a:effectRef>
+          <a:fontRef idx="minor">
+            <a:schemeClr val="tx1"/>
+          </a:fontRef>
+        </p:style>
+        <p:txBody>
+          <a:bodyPr rtlCol="0" anchor="ctr"/>
+          <a:lstStyle/>
+          <a:p>
+            <a:pPr algn="ctr"/>
+            <a:endParaRPr lang="zh-CN" altLang="en-US"/>
+          </a:p>
+        </p:txBody>
+      </p:sp>
+      <p:sp>
+        <p:nvSpPr>
+          <p:cNvPr id="11" name="左大括号 10"/>
+          <p:cNvSpPr/>
+          <p:nvPr/>
+        </p:nvSpPr>
+        <p:spPr>
+          <a:xfrm rot="5400000">
+            <a:off x="2072484" y="4376914"/>
+            <a:ext cx="511876" cy="2038883"/>
+          </a:xfrm>
+          <a:prstGeom prst="leftBrace">
+            <a:avLst>
+              <a:gd name="adj1" fmla="val 8333"/>
+              <a:gd name="adj2" fmla="val 56138"/>
+            </a:avLst>
+          </a:prstGeom>
+        </p:spPr>
+        <p:style>
+          <a:lnRef idx="3">
+            <a:schemeClr val="accent3"/>
+          </a:lnRef>
+          <a:fillRef idx="0">
+            <a:schemeClr val="accent3"/>
+          </a:fillRef>
+          <a:effectRef idx="2">
+            <a:schemeClr val="accent3"/>
+          </a:effectRef>
+          <a:fontRef idx="minor">
+            <a:schemeClr val="tx1"/>
+          </a:fontRef>
+        </p:style>
+        <p:txBody>
+          <a:bodyPr rtlCol="0" anchor="ctr"/>
+          <a:lstStyle/>
+          <a:p>
+            <a:pPr algn="ctr"/>
+            <a:endParaRPr lang="zh-CN" altLang="en-US"/>
+          </a:p>
+        </p:txBody>
+      </p:sp>
+      <p:grpSp>
+        <p:nvGrpSpPr>
+          <p:cNvPr id="20" name="组合 19"/>
+          <p:cNvGrpSpPr/>
+          <p:nvPr/>
+        </p:nvGrpSpPr>
+        <p:grpSpPr>
+          <a:xfrm>
+            <a:off x="611560" y="5620597"/>
+            <a:ext cx="4369206" cy="369332"/>
+            <a:chOff x="797702" y="5170687"/>
+            <a:chExt cx="4369206" cy="369332"/>
+          </a:xfrm>
+        </p:grpSpPr>
+        <p:sp>
+          <p:nvSpPr>
+            <p:cNvPr id="15" name="文本框 14"/>
+            <p:cNvSpPr txBox="1"/>
+            <p:nvPr/>
+          </p:nvSpPr>
+          <p:spPr>
+            <a:xfrm>
+              <a:off x="797702" y="5170687"/>
+              <a:ext cx="1152128" cy="369332"/>
+            </a:xfrm>
+            <a:prstGeom prst="rect">
+              <a:avLst/>
+            </a:prstGeom>
+            <a:noFill/>
+          </p:spPr>
+          <p:txBody>
+            <a:bodyPr wrap="square" rtlCol="0">
+              <a:spAutoFit/>
+            </a:bodyPr>
+            <a:lstStyle/>
+            <a:p>
+              <a:r>
+                <a:rPr lang="en-US" altLang="zh-CN" dirty="0" smtClean="0"/>
+                <a:t>SVN/GIT</a:t>
+              </a:r>
+              <a:endParaRPr lang="zh-CN" altLang="en-US" dirty="0"/>
+            </a:p>
+          </p:txBody>
+        </p:sp>
+        <p:sp>
+          <p:nvSpPr>
+            <p:cNvPr id="16" name="文本框 15"/>
+            <p:cNvSpPr txBox="1"/>
+            <p:nvPr/>
+          </p:nvSpPr>
+          <p:spPr>
+            <a:xfrm>
+              <a:off x="1891417" y="5170687"/>
+              <a:ext cx="1512168" cy="369332"/>
+            </a:xfrm>
+            <a:prstGeom prst="rect">
+              <a:avLst/>
+            </a:prstGeom>
+            <a:noFill/>
+          </p:spPr>
+          <p:txBody>
+            <a:bodyPr wrap="square" rtlCol="0">
+              <a:spAutoFit/>
+            </a:bodyPr>
+            <a:lstStyle/>
+            <a:p>
+              <a:r>
+                <a:rPr lang="zh-CN" altLang="en-US" dirty="0"/>
+                <a:t>自</a:t>
+              </a:r>
+              <a:r>
+                <a:rPr lang="zh-CN" altLang="en-US" dirty="0" smtClean="0"/>
+                <a:t>建</a:t>
+              </a:r>
+              <a:r>
+                <a:rPr lang="en-US" altLang="zh-CN" dirty="0" smtClean="0"/>
+                <a:t>/</a:t>
+              </a:r>
+              <a:r>
+                <a:rPr lang="en-US" altLang="zh-CN" dirty="0" err="1" smtClean="0">
+                  <a:solidFill>
+                    <a:srgbClr val="FF0000"/>
+                  </a:solidFill>
+                </a:rPr>
+                <a:t>Github</a:t>
+              </a:r>
+              <a:endParaRPr lang="zh-CN" altLang="en-US" dirty="0">
+                <a:solidFill>
+                  <a:srgbClr val="FF0000"/>
+                </a:solidFill>
+              </a:endParaRPr>
+            </a:p>
+          </p:txBody>
+        </p:sp>
+        <p:sp>
+          <p:nvSpPr>
+            <p:cNvPr id="17" name="文本框 16"/>
+            <p:cNvSpPr txBox="1"/>
+            <p:nvPr/>
+          </p:nvSpPr>
+          <p:spPr>
+            <a:xfrm>
+              <a:off x="3271689" y="5170687"/>
+              <a:ext cx="1895219" cy="369332"/>
+            </a:xfrm>
+            <a:prstGeom prst="rect">
+              <a:avLst/>
+            </a:prstGeom>
+            <a:noFill/>
+          </p:spPr>
+          <p:txBody>
+            <a:bodyPr wrap="square" rtlCol="0">
+              <a:spAutoFit/>
+            </a:bodyPr>
+            <a:lstStyle/>
+            <a:p>
+              <a:r>
+                <a:rPr lang="zh-CN" altLang="en-US" dirty="0" smtClean="0"/>
+                <a:t>代码</a:t>
+              </a:r>
+              <a:r>
+                <a:rPr lang="en-US" altLang="zh-CN" dirty="0" smtClean="0"/>
+                <a:t>/</a:t>
+              </a:r>
+              <a:r>
+                <a:rPr lang="zh-CN" altLang="en-US" dirty="0" smtClean="0"/>
+                <a:t>配置</a:t>
+              </a:r>
+              <a:r>
+                <a:rPr lang="en-US" altLang="zh-CN" dirty="0" smtClean="0"/>
+                <a:t>/</a:t>
+              </a:r>
+              <a:r>
+                <a:rPr lang="zh-CN" altLang="en-US" dirty="0" smtClean="0"/>
+                <a:t>资源</a:t>
+              </a:r>
+              <a:endParaRPr lang="zh-CN" altLang="en-US" dirty="0"/>
+            </a:p>
+          </p:txBody>
+        </p:sp>
+      </p:grpSp>
+      <p:sp>
+        <p:nvSpPr>
+          <p:cNvPr id="18" name="左大括号 17"/>
+          <p:cNvSpPr/>
+          <p:nvPr/>
+        </p:nvSpPr>
+        <p:spPr>
+          <a:xfrm>
+            <a:off x="5522920" y="2537496"/>
+            <a:ext cx="1212850" cy="921643"/>
+          </a:xfrm>
+          <a:prstGeom prst="leftBrace">
+            <a:avLst>
+              <a:gd name="adj1" fmla="val 8333"/>
+              <a:gd name="adj2" fmla="val 24912"/>
+            </a:avLst>
+          </a:prstGeom>
+        </p:spPr>
+        <p:style>
+          <a:lnRef idx="3">
+            <a:schemeClr val="dk1"/>
+          </a:lnRef>
+          <a:fillRef idx="0">
+            <a:schemeClr val="dk1"/>
+          </a:fillRef>
+          <a:effectRef idx="2">
+            <a:schemeClr val="dk1"/>
+          </a:effectRef>
+          <a:fontRef idx="minor">
+            <a:schemeClr val="tx1"/>
+          </a:fontRef>
+        </p:style>
+        <p:txBody>
+          <a:bodyPr rtlCol="0" anchor="ctr"/>
+          <a:lstStyle/>
+          <a:p>
+            <a:pPr algn="ctr"/>
+            <a:endParaRPr lang="zh-CN" altLang="en-US"/>
+          </a:p>
+        </p:txBody>
+      </p:sp>
+      <p:sp>
+        <p:nvSpPr>
+          <p:cNvPr id="19" name="内容占位符 2"/>
+          <p:cNvSpPr txBox="1">
+            <a:spLocks/>
+          </p:cNvSpPr>
+          <p:nvPr/>
+        </p:nvSpPr>
+        <p:spPr bwMode="auto">
+          <a:xfrm>
+            <a:off x="6732240" y="2420888"/>
+            <a:ext cx="1639897" cy="1259671"/>
+          </a:xfrm>
+          <a:prstGeom prst="rect">
+            <a:avLst/>
+          </a:prstGeom>
+          <a:solidFill>
+            <a:schemeClr val="accent2">
+              <a:lumMod val="20000"/>
+              <a:lumOff val="80000"/>
+            </a:schemeClr>
+          </a:solidFill>
+          <a:ln>
+            <a:noFill/>
+          </a:ln>
+          <a:extLst/>
+        </p:spPr>
+        <p:txBody>
+          <a:bodyPr vert="horz" wrap="square" lIns="91440" tIns="45720" rIns="91440" bIns="45720" numCol="1" anchor="t" anchorCtr="0" compatLnSpc="1">
+            <a:prstTxWarp prst="textNoShape">
+              <a:avLst/>
+            </a:prstTxWarp>
+          </a:bodyPr>
+          <a:lstStyle>
+            <a:lvl1pPr marL="285750" indent="-285750" algn="l" defTabSz="457200" rtl="0" eaLnBrk="0" fontAlgn="base" hangingPunct="0">
+              <a:spcBef>
+                <a:spcPct val="20000"/>
+              </a:spcBef>
+              <a:spcAft>
+                <a:spcPts val="600"/>
+              </a:spcAft>
+              <a:buClr>
+                <a:schemeClr val="accent1"/>
+              </a:buClr>
+              <a:buSzPct val="115000"/>
+              <a:buFont typeface="Arial" panose="020B0604020202020204" pitchFamily="34" charset="0"/>
+              <a:buChar char="•"/>
+              <a:defRPr sz="2400" kern="1200">
+                <a:solidFill>
+                  <a:srgbClr val="262626"/>
+                </a:solidFill>
+                <a:latin typeface="+mn-lt"/>
+                <a:ea typeface="+mn-ea"/>
+                <a:cs typeface="+mn-cs"/>
+              </a:defRPr>
+            </a:lvl1pPr>
+            <a:lvl2pPr marL="742950" indent="-285750" algn="l" defTabSz="457200" rtl="0" eaLnBrk="0" fontAlgn="base" hangingPunct="0">
+              <a:spcBef>
+                <a:spcPct val="20000"/>
+              </a:spcBef>
+              <a:spcAft>
+                <a:spcPts val="600"/>
+              </a:spcAft>
+              <a:buClr>
+                <a:schemeClr val="accent1"/>
+              </a:buClr>
+              <a:buSzPct val="115000"/>
+              <a:buFont typeface="Arial" panose="020B0604020202020204" pitchFamily="34" charset="0"/>
+              <a:buChar char="•"/>
+              <a:defRPr sz="2000" kern="1200">
+                <a:solidFill>
+                  <a:srgbClr val="262626"/>
+                </a:solidFill>
+                <a:latin typeface="+mn-lt"/>
+                <a:ea typeface="+mn-ea"/>
+                <a:cs typeface="+mn-cs"/>
+              </a:defRPr>
+            </a:lvl2pPr>
+            <a:lvl3pPr marL="1200150" indent="-285750" algn="l" defTabSz="457200" rtl="0" eaLnBrk="0" fontAlgn="base" hangingPunct="0">
+              <a:spcBef>
+                <a:spcPct val="20000"/>
+              </a:spcBef>
+              <a:spcAft>
+                <a:spcPts val="600"/>
+              </a:spcAft>
+              <a:buClr>
+                <a:schemeClr val="accent1"/>
+              </a:buClr>
+              <a:buSzPct val="115000"/>
+              <a:buFont typeface="Arial" panose="020B0604020202020204" pitchFamily="34" charset="0"/>
+              <a:buChar char="•"/>
+              <a:defRPr kern="1200">
+                <a:solidFill>
+                  <a:srgbClr val="262626"/>
+                </a:solidFill>
+                <a:latin typeface="+mn-lt"/>
+                <a:ea typeface="+mn-ea"/>
+                <a:cs typeface="+mn-cs"/>
+              </a:defRPr>
+            </a:lvl3pPr>
+            <a:lvl4pPr marL="1543050" indent="-171450" algn="l" defTabSz="457200" rtl="0" eaLnBrk="0" fontAlgn="base" hangingPunct="0">
+              <a:spcBef>
+                <a:spcPct val="20000"/>
+              </a:spcBef>
+              <a:spcAft>
+                <a:spcPts val="600"/>
+              </a:spcAft>
+              <a:buClr>
+                <a:schemeClr val="accent1"/>
+              </a:buClr>
+              <a:buSzPct val="115000"/>
+              <a:buFont typeface="Arial" panose="020B0604020202020204" pitchFamily="34" charset="0"/>
+              <a:buChar char="•"/>
+              <a:defRPr sz="1600" kern="1200">
+                <a:solidFill>
+                  <a:srgbClr val="262626"/>
+                </a:solidFill>
+                <a:latin typeface="+mn-lt"/>
+                <a:ea typeface="+mn-ea"/>
+                <a:cs typeface="+mn-cs"/>
+              </a:defRPr>
+            </a:lvl4pPr>
+            <a:lvl5pPr marL="2000250" indent="-171450" algn="l" defTabSz="457200" rtl="0" eaLnBrk="0" fontAlgn="base" hangingPunct="0">
+              <a:spcBef>
+                <a:spcPct val="20000"/>
+              </a:spcBef>
+              <a:spcAft>
+                <a:spcPts val="600"/>
+              </a:spcAft>
+              <a:buClr>
+                <a:schemeClr val="accent1"/>
+              </a:buClr>
+              <a:buSzPct val="115000"/>
+              <a:buFont typeface="Arial" panose="020B0604020202020204" pitchFamily="34" charset="0"/>
+              <a:buChar char="•"/>
+              <a:defRPr sz="1400" kern="1200">
+                <a:solidFill>
+                  <a:srgbClr val="262626"/>
+                </a:solidFill>
+                <a:latin typeface="+mn-lt"/>
+                <a:ea typeface="+mn-ea"/>
+                <a:cs typeface="+mn-cs"/>
+              </a:defRPr>
+            </a:lvl5pPr>
+            <a:lvl6pPr marL="2514600" indent="-228600" algn="l" defTabSz="457200" rtl="0" eaLnBrk="1" latinLnBrk="0" hangingPunct="1">
+              <a:spcBef>
+                <a:spcPct val="20000"/>
+              </a:spcBef>
+              <a:spcAft>
+                <a:spcPts val="600"/>
+              </a:spcAft>
+              <a:buClr>
+                <a:schemeClr val="accent1"/>
+              </a:buClr>
+              <a:buSzPct val="115000"/>
+              <a:buFont typeface="Arial"/>
+              <a:buChar char="•"/>
+              <a:defRPr sz="1400" kern="1200" cap="none">
+                <a:solidFill>
+                  <a:schemeClr val="tx1">
+                    <a:lumMod val="85000"/>
+                    <a:lumOff val="15000"/>
+                  </a:schemeClr>
+                </a:solidFill>
+                <a:effectLst/>
+                <a:latin typeface="+mn-lt"/>
+                <a:ea typeface="+mn-ea"/>
+                <a:cs typeface="+mn-cs"/>
+              </a:defRPr>
+            </a:lvl6pPr>
+            <a:lvl7pPr marL="2971800" indent="-228600" algn="l" defTabSz="457200" rtl="0" eaLnBrk="1" latinLnBrk="0" hangingPunct="1">
+              <a:spcBef>
+                <a:spcPct val="20000"/>
+              </a:spcBef>
+              <a:spcAft>
+                <a:spcPts val="600"/>
+              </a:spcAft>
+              <a:buClr>
+                <a:schemeClr val="accent1"/>
+              </a:buClr>
+              <a:buSzPct val="115000"/>
+              <a:buFont typeface="Arial"/>
+              <a:buChar char="•"/>
+              <a:defRPr sz="1400" kern="1200" cap="none">
+                <a:solidFill>
+                  <a:schemeClr val="tx1">
+                    <a:lumMod val="85000"/>
+                    <a:lumOff val="15000"/>
+                  </a:schemeClr>
+                </a:solidFill>
+                <a:effectLst/>
+                <a:latin typeface="+mn-lt"/>
+                <a:ea typeface="+mn-ea"/>
+                <a:cs typeface="+mn-cs"/>
+              </a:defRPr>
+            </a:lvl7pPr>
+            <a:lvl8pPr marL="3429000" indent="-228600" algn="l" defTabSz="457200" rtl="0" eaLnBrk="1" latinLnBrk="0" hangingPunct="1">
+              <a:spcBef>
+                <a:spcPct val="20000"/>
+              </a:spcBef>
+              <a:spcAft>
+                <a:spcPts val="600"/>
+              </a:spcAft>
+              <a:buClr>
+                <a:schemeClr val="accent1"/>
+              </a:buClr>
+              <a:buSzPct val="115000"/>
+              <a:buFont typeface="Arial"/>
+              <a:buChar char="•"/>
+              <a:defRPr sz="1400" kern="1200" cap="none">
+                <a:solidFill>
+                  <a:schemeClr val="tx1">
+                    <a:lumMod val="85000"/>
+                    <a:lumOff val="15000"/>
+                  </a:schemeClr>
+                </a:solidFill>
+                <a:effectLst/>
+                <a:latin typeface="+mn-lt"/>
+                <a:ea typeface="+mn-ea"/>
+                <a:cs typeface="+mn-cs"/>
+              </a:defRPr>
+            </a:lvl8pPr>
+            <a:lvl9pPr marL="3886200" indent="-228600" algn="l" defTabSz="457200" rtl="0" eaLnBrk="1" latinLnBrk="0" hangingPunct="1">
+              <a:spcBef>
+                <a:spcPct val="20000"/>
+              </a:spcBef>
+              <a:spcAft>
+                <a:spcPts val="600"/>
+              </a:spcAft>
+              <a:buClr>
+                <a:schemeClr val="accent1"/>
+              </a:buClr>
+              <a:buSzPct val="115000"/>
+              <a:buFont typeface="Arial"/>
+              <a:buChar char="•"/>
+              <a:defRPr sz="1400" kern="1200" cap="none">
+                <a:solidFill>
+                  <a:schemeClr val="tx1">
+                    <a:lumMod val="85000"/>
+                    <a:lumOff val="15000"/>
+                  </a:schemeClr>
+                </a:solidFill>
+                <a:effectLst/>
+                <a:latin typeface="+mn-lt"/>
+                <a:ea typeface="+mn-ea"/>
+                <a:cs typeface="+mn-cs"/>
+              </a:defRPr>
+            </a:lvl9pPr>
+          </a:lstStyle>
+          <a:p>
+            <a:pPr marL="0" indent="0">
+              <a:buFont typeface="Arial" panose="020B0604020202020204" pitchFamily="34" charset="0"/>
+              <a:buNone/>
+            </a:pPr>
+            <a:r>
+              <a:rPr lang="en-US" altLang="zh-CN" sz="2000" dirty="0" smtClean="0">
+                <a:latin typeface="Adobe 楷体 Std R" panose="02020400000000000000" pitchFamily="18" charset="-122"/>
+                <a:ea typeface="Adobe 楷体 Std R" panose="02020400000000000000" pitchFamily="18" charset="-122"/>
+              </a:rPr>
+              <a:t>[</a:t>
+            </a:r>
+            <a:r>
+              <a:rPr lang="zh-CN" altLang="en-US" sz="2000" dirty="0" smtClean="0">
+                <a:latin typeface="Adobe 楷体 Std R" panose="02020400000000000000" pitchFamily="18" charset="-122"/>
+                <a:ea typeface="Adobe 楷体 Std R" panose="02020400000000000000" pitchFamily="18" charset="-122"/>
+              </a:rPr>
+              <a:t>注册</a:t>
+            </a:r>
+            <a:r>
+              <a:rPr lang="en-US" altLang="zh-CN" sz="2000" dirty="0" smtClean="0">
+                <a:latin typeface="Adobe 楷体 Std R" panose="02020400000000000000" pitchFamily="18" charset="-122"/>
+                <a:ea typeface="Adobe 楷体 Std R" panose="02020400000000000000" pitchFamily="18" charset="-122"/>
+              </a:rPr>
+              <a:t>/</a:t>
+            </a:r>
+            <a:r>
+              <a:rPr lang="zh-CN" altLang="en-US" sz="2000" dirty="0" smtClean="0">
+                <a:latin typeface="Adobe 楷体 Std R" panose="02020400000000000000" pitchFamily="18" charset="-122"/>
+                <a:ea typeface="Adobe 楷体 Std R" panose="02020400000000000000" pitchFamily="18" charset="-122"/>
+              </a:rPr>
+              <a:t>登录</a:t>
+            </a:r>
+            <a:r>
+              <a:rPr lang="en-US" altLang="zh-CN" sz="2000" dirty="0" smtClean="0">
+                <a:latin typeface="Adobe 楷体 Std R" panose="02020400000000000000" pitchFamily="18" charset="-122"/>
+                <a:ea typeface="Adobe 楷体 Std R" panose="02020400000000000000" pitchFamily="18" charset="-122"/>
+              </a:rPr>
+              <a:t>]</a:t>
+            </a:r>
+            <a:endParaRPr lang="zh-CN" altLang="en-US" sz="2000" dirty="0"/>
+          </a:p>
+          <a:p>
+            <a:pPr marL="0" indent="0">
+              <a:buNone/>
+            </a:pPr>
+            <a:r>
+              <a:rPr lang="en-US" altLang="zh-CN" sz="2000" dirty="0" smtClean="0">
+                <a:latin typeface="Adobe 楷体 Std R" panose="02020400000000000000" pitchFamily="18" charset="-122"/>
+                <a:ea typeface="Adobe 楷体 Std R" panose="02020400000000000000" pitchFamily="18" charset="-122"/>
+              </a:rPr>
+              <a:t>[</a:t>
+            </a:r>
+            <a:r>
+              <a:rPr lang="zh-CN" altLang="en-US" sz="2000" dirty="0" smtClean="0">
+                <a:latin typeface="Adobe 楷体 Std R" panose="02020400000000000000" pitchFamily="18" charset="-122"/>
+                <a:ea typeface="Adobe 楷体 Std R" panose="02020400000000000000" pitchFamily="18" charset="-122"/>
+              </a:rPr>
+              <a:t>验证</a:t>
+            </a:r>
+            <a:r>
+              <a:rPr lang="en-US" altLang="zh-CN" sz="2000" dirty="0" smtClean="0">
+                <a:latin typeface="Adobe 楷体 Std R" panose="02020400000000000000" pitchFamily="18" charset="-122"/>
+                <a:ea typeface="Adobe 楷体 Std R" panose="02020400000000000000" pitchFamily="18" charset="-122"/>
+              </a:rPr>
+              <a:t>]</a:t>
+            </a:r>
+          </a:p>
+          <a:p>
+            <a:pPr marL="0" indent="0">
+              <a:buNone/>
+            </a:pPr>
+            <a:r>
+              <a:rPr lang="en-US" altLang="zh-CN" sz="2000" dirty="0" smtClean="0">
+                <a:latin typeface="Adobe 楷体 Std R" panose="02020400000000000000" pitchFamily="18" charset="-122"/>
+                <a:ea typeface="Adobe 楷体 Std R" panose="02020400000000000000" pitchFamily="18" charset="-122"/>
+              </a:rPr>
+              <a:t>[</a:t>
+            </a:r>
+            <a:r>
+              <a:rPr lang="zh-CN" altLang="en-US" sz="2000" dirty="0" smtClean="0">
+                <a:latin typeface="Adobe 楷体 Std R" panose="02020400000000000000" pitchFamily="18" charset="-122"/>
+                <a:ea typeface="Adobe 楷体 Std R" panose="02020400000000000000" pitchFamily="18" charset="-122"/>
+              </a:rPr>
+              <a:t>数据存储</a:t>
+            </a:r>
+            <a:r>
+              <a:rPr lang="en-US" altLang="zh-CN" sz="2000" dirty="0" smtClean="0">
+                <a:latin typeface="Adobe 楷体 Std R" panose="02020400000000000000" pitchFamily="18" charset="-122"/>
+                <a:ea typeface="Adobe 楷体 Std R" panose="02020400000000000000" pitchFamily="18" charset="-122"/>
+              </a:rPr>
+              <a:t>]</a:t>
+            </a:r>
+            <a:endParaRPr lang="zh-CN" altLang="en-US" sz="2000" dirty="0"/>
+          </a:p>
+          <a:p>
+            <a:pPr marL="0" indent="0">
+              <a:buFont typeface="Arial" panose="020B0604020202020204" pitchFamily="34" charset="0"/>
+              <a:buNone/>
+            </a:pPr>
+            <a:endParaRPr lang="en-US" altLang="zh-CN" dirty="0" smtClean="0">
+              <a:latin typeface="Adobe 楷体 Std R" panose="02020400000000000000" pitchFamily="18" charset="-122"/>
+              <a:ea typeface="Adobe 楷体 Std R" panose="02020400000000000000" pitchFamily="18" charset="-122"/>
+            </a:endParaRPr>
+          </a:p>
+          <a:p>
+            <a:pPr marL="0" indent="0">
+              <a:buFont typeface="Arial" panose="020B0604020202020204" pitchFamily="34" charset="0"/>
+              <a:buNone/>
+            </a:pPr>
+            <a:r>
+              <a:rPr lang="en-US" altLang="zh-CN" dirty="0" smtClean="0">
+                <a:latin typeface="Adobe 楷体 Std R" panose="02020400000000000000" pitchFamily="18" charset="-122"/>
+                <a:ea typeface="Adobe 楷体 Std R" panose="02020400000000000000" pitchFamily="18" charset="-122"/>
+              </a:rPr>
+              <a:t>	</a:t>
+            </a:r>
+            <a:endParaRPr lang="zh-CN" altLang="en-US" dirty="0">
+              <a:latin typeface="Adobe 楷体 Std R" panose="02020400000000000000" pitchFamily="18" charset="-122"/>
+              <a:ea typeface="Adobe 楷体 Std R" panose="02020400000000000000" pitchFamily="18" charset="-122"/>
+            </a:endParaRPr>
+          </a:p>
+        </p:txBody>
+      </p:sp>
+    </p:spTree>
+    <p:extLst>
+      <p:ext uri="{BB962C8B-B14F-4D97-AF65-F5344CB8AC3E}">
+        <p14:creationId xmlns:p14="http://schemas.microsoft.com/office/powerpoint/2010/main" val="560152547"/>
+      </p:ext>
+    </p:extLst>
+  </p:cSld>
+  <p:clrMapOvr>
+    <a:masterClrMapping/>
+  </p:clrMapOvr>
+  <p:timing>
+    <p:tnLst>
+      <p:par>
+        <p:cTn id="1" dur="indefinite" restart="never" nodeType="tmRoot"/>
+      </p:par>
+    </p:tnLst>
+  </p:timing>
+</p:sld>
+</file>
+
+<file path=ppt/slides/slide30.xml><?xml version="1.0" encoding="utf-8"?>
+<p:sld xmlns:a="http://schemas.openxmlformats.org/drawingml/2006/main" xmlns:r="http://schemas.openxmlformats.org/officeDocument/2006/relationships" xmlns:p="http://schemas.openxmlformats.org/presentationml/2006/main">
+  <p:cSld>
+    <p:spTree>
+      <p:nvGrpSpPr>
+        <p:cNvPr id="1" name=""/>
+        <p:cNvGrpSpPr/>
+        <p:nvPr/>
+      </p:nvGrpSpPr>
+      <p:grpSpPr>
+        <a:xfrm>
+          <a:off x="0" y="0"/>
+          <a:ext cx="0" cy="0"/>
+          <a:chOff x="0" y="0"/>
+          <a:chExt cx="0" cy="0"/>
+        </a:xfrm>
+      </p:grpSpPr>
+      <p:sp>
+        <p:nvSpPr>
+          <p:cNvPr id="2" name="标题 1"/>
+          <p:cNvSpPr>
+            <a:spLocks noGrp="1"/>
+          </p:cNvSpPr>
+          <p:nvPr>
+            <p:ph type="title"/>
+          </p:nvPr>
+        </p:nvSpPr>
+        <p:spPr/>
+        <p:txBody>
+          <a:bodyPr/>
+          <a:lstStyle/>
+          <a:p>
+            <a:r>
+              <a:rPr lang="zh-CN" altLang="en-US" dirty="0" smtClean="0">
+                <a:latin typeface="Adobe 黑体 Std R" panose="020B0400000000000000" pitchFamily="34" charset="-122"/>
+                <a:ea typeface="Adobe 黑体 Std R" panose="020B0400000000000000" pitchFamily="34" charset="-122"/>
+              </a:rPr>
+              <a:t>危险的数据</a:t>
+            </a:r>
+            <a:endParaRPr lang="zh-CN" altLang="en-US" dirty="0">
+              <a:latin typeface="Adobe 黑体 Std R" panose="020B0400000000000000" pitchFamily="34" charset="-122"/>
+              <a:ea typeface="Adobe 黑体 Std R" panose="020B0400000000000000" pitchFamily="34" charset="-122"/>
+            </a:endParaRPr>
+          </a:p>
+        </p:txBody>
+      </p:sp>
+      <p:grpSp>
+        <p:nvGrpSpPr>
+          <p:cNvPr id="35" name="组合 34"/>
+          <p:cNvGrpSpPr/>
+          <p:nvPr/>
+        </p:nvGrpSpPr>
+        <p:grpSpPr>
+          <a:xfrm>
+            <a:off x="1754930" y="3136894"/>
+            <a:ext cx="4940859" cy="2808312"/>
+            <a:chOff x="1691680" y="2636912"/>
+            <a:chExt cx="4995757" cy="2986273"/>
+          </a:xfrm>
+        </p:grpSpPr>
+        <p:grpSp>
+          <p:nvGrpSpPr>
+            <p:cNvPr id="13" name="组合 12"/>
+            <p:cNvGrpSpPr/>
+            <p:nvPr/>
+          </p:nvGrpSpPr>
+          <p:grpSpPr>
+            <a:xfrm>
+              <a:off x="1691680" y="2636912"/>
+              <a:ext cx="813217" cy="2986273"/>
+              <a:chOff x="2390983" y="2564903"/>
+              <a:chExt cx="813217" cy="2986273"/>
+            </a:xfrm>
+          </p:grpSpPr>
+          <p:pic>
+            <p:nvPicPr>
+              <p:cNvPr id="1030" name="Picture 6" descr="https://bkimg.cdn.bcebos.com/pic/cb8065380cd791232b140067a0345982b2b78029?x-bce-process=image/watermark,g_7,image_d2F0ZXIvYmFpa2UxNTA=,xp_5,yp_5"/>
+              <p:cNvPicPr>
+                <a:picLocks noChangeAspect="1" noChangeArrowheads="1"/>
+              </p:cNvPicPr>
+              <p:nvPr/>
+            </p:nvPicPr>
+            <p:blipFill>
+              <a:blip r:embed="rId2" cstate="print">
+                <a:extLst>
+                  <a:ext uri="{28A0092B-C50C-407E-A947-70E740481C1C}">
+                    <a14:useLocalDpi xmlns:a14="http://schemas.microsoft.com/office/drawing/2010/main" val="0"/>
+                  </a:ext>
+                </a:extLst>
+              </a:blip>
+              <a:srcRect/>
+              <a:stretch>
+                <a:fillRect/>
+              </a:stretch>
+            </p:blipFill>
+            <p:spPr bwMode="auto">
+              <a:xfrm flipH="1">
+                <a:off x="2390983" y="2564903"/>
+                <a:ext cx="766047" cy="766047"/>
+              </a:xfrm>
+              <a:prstGeom prst="rect">
+                <a:avLst/>
+              </a:prstGeom>
+              <a:noFill/>
+              <a:extLst>
+                <a:ext uri="{909E8E84-426E-40DD-AFC4-6F175D3DCCD1}">
+                  <a14:hiddenFill xmlns:a14="http://schemas.microsoft.com/office/drawing/2010/main">
+                    <a:solidFill>
+                      <a:srgbClr val="FFFFFF"/>
+                    </a:solidFill>
+                  </a14:hiddenFill>
+                </a:ext>
+              </a:extLst>
+            </p:spPr>
+          </p:pic>
+          <p:pic>
+            <p:nvPicPr>
+              <p:cNvPr id="1032" name="Picture 8" descr="https://bkimg.cdn.bcebos.com/pic/10dfa9ec8a1363271e1055209c8fa0ec08fac720?x-bce-process=image/watermark,g_7,image_d2F0ZXIvYmFpa2UxNTA=,xp_5,yp_5"/>
+              <p:cNvPicPr>
+                <a:picLocks noChangeAspect="1" noChangeArrowheads="1"/>
+              </p:cNvPicPr>
+              <p:nvPr/>
+            </p:nvPicPr>
+            <p:blipFill>
+              <a:blip r:embed="rId3" cstate="print">
+                <a:extLst>
+                  <a:ext uri="{28A0092B-C50C-407E-A947-70E740481C1C}">
+                    <a14:useLocalDpi xmlns:a14="http://schemas.microsoft.com/office/drawing/2010/main" val="0"/>
+                  </a:ext>
+                </a:extLst>
+              </a:blip>
+              <a:srcRect/>
+              <a:stretch>
+                <a:fillRect/>
+              </a:stretch>
+            </p:blipFill>
+            <p:spPr bwMode="auto">
+              <a:xfrm>
+                <a:off x="2390984" y="3695904"/>
+                <a:ext cx="813216" cy="813216"/>
+              </a:xfrm>
+              <a:prstGeom prst="rect">
+                <a:avLst/>
+              </a:prstGeom>
+              <a:noFill/>
+              <a:extLst>
+                <a:ext uri="{909E8E84-426E-40DD-AFC4-6F175D3DCCD1}">
+                  <a14:hiddenFill xmlns:a14="http://schemas.microsoft.com/office/drawing/2010/main">
+                    <a:solidFill>
+                      <a:srgbClr val="FFFFFF"/>
+                    </a:solidFill>
+                  </a14:hiddenFill>
+                </a:ext>
+              </a:extLst>
+            </p:spPr>
+          </p:pic>
+          <p:pic>
+            <p:nvPicPr>
+              <p:cNvPr id="1034" name="Picture 10" descr="https://bkimg.cdn.bcebos.com/pic/c9fcc3cec3fdfc0391a26bcad83f8794a5c226ed?x-bce-process=image/watermark,g_7,image_d2F0ZXIvYmFpa2UxNTA=,xp_5,yp_5"/>
+              <p:cNvPicPr>
+                <a:picLocks noChangeAspect="1" noChangeArrowheads="1"/>
+              </p:cNvPicPr>
+              <p:nvPr/>
+            </p:nvPicPr>
+            <p:blipFill>
+              <a:blip r:embed="rId4" cstate="print">
+                <a:extLst>
+                  <a:ext uri="{28A0092B-C50C-407E-A947-70E740481C1C}">
+                    <a14:useLocalDpi xmlns:a14="http://schemas.microsoft.com/office/drawing/2010/main" val="0"/>
+                  </a:ext>
+                </a:extLst>
+              </a:blip>
+              <a:srcRect/>
+              <a:stretch>
+                <a:fillRect/>
+              </a:stretch>
+            </p:blipFill>
+            <p:spPr bwMode="auto">
+              <a:xfrm>
+                <a:off x="2458437" y="4824649"/>
+                <a:ext cx="740007" cy="726527"/>
+              </a:xfrm>
+              <a:prstGeom prst="rect">
+                <a:avLst/>
+              </a:prstGeom>
+              <a:noFill/>
+              <a:extLst>
+                <a:ext uri="{909E8E84-426E-40DD-AFC4-6F175D3DCCD1}">
+                  <a14:hiddenFill xmlns:a14="http://schemas.microsoft.com/office/drawing/2010/main">
+                    <a:solidFill>
+                      <a:srgbClr val="FFFFFF"/>
+                    </a:solidFill>
+                  </a14:hiddenFill>
+                </a:ext>
+              </a:extLst>
+            </p:spPr>
+          </p:pic>
+        </p:grpSp>
+        <p:pic>
+          <p:nvPicPr>
+            <p:cNvPr id="19" name="图片 18"/>
+            <p:cNvPicPr>
+              <a:picLocks noChangeAspect="1"/>
+            </p:cNvPicPr>
+            <p:nvPr/>
+          </p:nvPicPr>
+          <p:blipFill>
+            <a:blip r:embed="rId5"/>
+            <a:stretch>
+              <a:fillRect/>
+            </a:stretch>
+          </p:blipFill>
+          <p:spPr>
+            <a:xfrm>
+              <a:off x="5421407" y="2813133"/>
+              <a:ext cx="1266030" cy="999447"/>
+            </a:xfrm>
+            <a:prstGeom prst="rect">
+              <a:avLst/>
+            </a:prstGeom>
+          </p:spPr>
+        </p:pic>
+      </p:grpSp>
+      <p:pic>
+        <p:nvPicPr>
+          <p:cNvPr id="10" name="图片 9"/>
+          <p:cNvPicPr>
+            <a:picLocks noChangeAspect="1"/>
+          </p:cNvPicPr>
+          <p:nvPr/>
+        </p:nvPicPr>
+        <p:blipFill>
+          <a:blip r:embed="rId6"/>
+          <a:stretch>
+            <a:fillRect/>
+          </a:stretch>
+        </p:blipFill>
+        <p:spPr>
+          <a:xfrm>
+            <a:off x="7767692" y="4755612"/>
+            <a:ext cx="415815" cy="415815"/>
+          </a:xfrm>
+          <a:prstGeom prst="rect">
+            <a:avLst/>
+          </a:prstGeom>
+        </p:spPr>
+      </p:pic>
+      <p:cxnSp>
+        <p:nvCxnSpPr>
+          <p:cNvPr id="20" name="曲线连接符 19"/>
+          <p:cNvCxnSpPr>
+            <a:stCxn id="1032" idx="3"/>
+            <a:endCxn id="19" idx="1"/>
+          </p:cNvCxnSpPr>
+          <p:nvPr/>
+        </p:nvCxnSpPr>
+        <p:spPr>
+          <a:xfrm flipV="1">
+            <a:off x="2559211" y="3772557"/>
+            <a:ext cx="2884460" cy="810315"/>
+          </a:xfrm>
+          <a:prstGeom prst="curvedConnector3">
+            <a:avLst>
+              <a:gd name="adj1" fmla="val 50000"/>
+            </a:avLst>
+          </a:prstGeom>
+          <a:ln>
+            <a:tailEnd type="triangle"/>
+          </a:ln>
+        </p:spPr>
+        <p:style>
+          <a:lnRef idx="3">
+            <a:schemeClr val="accent5"/>
+          </a:lnRef>
+          <a:fillRef idx="0">
+            <a:schemeClr val="accent5"/>
+          </a:fillRef>
+          <a:effectRef idx="2">
+            <a:schemeClr val="accent5"/>
+          </a:effectRef>
+          <a:fontRef idx="minor">
+            <a:schemeClr val="tx1"/>
+          </a:fontRef>
+        </p:style>
+      </p:cxnSp>
+      <p:pic>
+        <p:nvPicPr>
+          <p:cNvPr id="21" name="图片 20"/>
+          <p:cNvPicPr>
+            <a:picLocks noChangeAspect="1"/>
+          </p:cNvPicPr>
+          <p:nvPr/>
+        </p:nvPicPr>
+        <p:blipFill>
+          <a:blip r:embed="rId7"/>
+          <a:stretch>
+            <a:fillRect/>
+          </a:stretch>
+        </p:blipFill>
+        <p:spPr>
+          <a:xfrm>
+            <a:off x="6689564" y="4509120"/>
+            <a:ext cx="906772" cy="774160"/>
+          </a:xfrm>
+          <a:prstGeom prst="rect">
+            <a:avLst/>
+          </a:prstGeom>
+        </p:spPr>
+      </p:pic>
+      <p:cxnSp>
+        <p:nvCxnSpPr>
+          <p:cNvPr id="22" name="曲线连接符 21"/>
+          <p:cNvCxnSpPr>
+            <a:stCxn id="19" idx="3"/>
+            <a:endCxn id="21" idx="0"/>
+          </p:cNvCxnSpPr>
+          <p:nvPr/>
+        </p:nvCxnSpPr>
+        <p:spPr>
+          <a:xfrm>
+            <a:off x="6695789" y="3772557"/>
+            <a:ext cx="447161" cy="736563"/>
+          </a:xfrm>
+          <a:prstGeom prst="curvedConnector2">
+            <a:avLst/>
+          </a:prstGeom>
+          <a:ln>
+            <a:tailEnd type="triangle"/>
+          </a:ln>
+        </p:spPr>
+        <p:style>
+          <a:lnRef idx="3">
+            <a:schemeClr val="accent5"/>
+          </a:lnRef>
+          <a:fillRef idx="0">
+            <a:schemeClr val="accent5"/>
+          </a:fillRef>
+          <a:effectRef idx="2">
+            <a:schemeClr val="accent5"/>
+          </a:effectRef>
+          <a:fontRef idx="minor">
+            <a:schemeClr val="tx1"/>
+          </a:fontRef>
+        </p:style>
+      </p:cxnSp>
+    </p:spTree>
+    <p:extLst>
+      <p:ext uri="{BB962C8B-B14F-4D97-AF65-F5344CB8AC3E}">
+        <p14:creationId xmlns:p14="http://schemas.microsoft.com/office/powerpoint/2010/main" val="3843422936"/>
+      </p:ext>
+    </p:extLst>
+  </p:cSld>
+  <p:clrMapOvr>
+    <a:masterClrMapping/>
+  </p:clrMapOvr>
+  <p:timing>
+    <p:tnLst>
+      <p:par>
+        <p:cTn id="1" dur="indefinite" restart="never" nodeType="tmRoot"/>
+      </p:par>
+    </p:tnLst>
+  </p:timing>
+</p:sld>
+</file>
+
+<file path=ppt/slides/slide31.xml><?xml version="1.0" encoding="utf-8"?>
+<p:sld xmlns:a="http://schemas.openxmlformats.org/drawingml/2006/main" xmlns:r="http://schemas.openxmlformats.org/officeDocument/2006/relationships" xmlns:p="http://schemas.openxmlformats.org/presentationml/2006/main">
+  <p:cSld>
+    <p:spTree>
+      <p:nvGrpSpPr>
+        <p:cNvPr id="1" name=""/>
+        <p:cNvGrpSpPr/>
+        <p:nvPr/>
+      </p:nvGrpSpPr>
+      <p:grpSpPr>
+        <a:xfrm>
+          <a:off x="0" y="0"/>
+          <a:ext cx="0" cy="0"/>
+          <a:chOff x="0" y="0"/>
+          <a:chExt cx="0" cy="0"/>
+        </a:xfrm>
+      </p:grpSpPr>
+      <p:sp>
+        <p:nvSpPr>
+          <p:cNvPr id="2" name="标题 1"/>
+          <p:cNvSpPr>
+            <a:spLocks noGrp="1"/>
+          </p:cNvSpPr>
+          <p:nvPr>
+            <p:ph type="title"/>
+          </p:nvPr>
+        </p:nvSpPr>
+        <p:spPr/>
+        <p:txBody>
+          <a:bodyPr/>
+          <a:lstStyle/>
+          <a:p>
+            <a:r>
+              <a:rPr lang="zh-CN" altLang="en-US" dirty="0" smtClean="0">
+                <a:latin typeface="Adobe 黑体 Std R" panose="020B0400000000000000" pitchFamily="34" charset="-122"/>
+                <a:ea typeface="Adobe 黑体 Std R" panose="020B0400000000000000" pitchFamily="34" charset="-122"/>
+              </a:rPr>
+              <a:t>密码的加密存储</a:t>
+            </a:r>
+            <a:endParaRPr lang="zh-CN" altLang="en-US" dirty="0">
+              <a:latin typeface="Adobe 黑体 Std R" panose="020B0400000000000000" pitchFamily="34" charset="-122"/>
+              <a:ea typeface="Adobe 黑体 Std R" panose="020B0400000000000000" pitchFamily="34" charset="-122"/>
+            </a:endParaRPr>
+          </a:p>
+        </p:txBody>
+      </p:sp>
+      <p:sp>
+        <p:nvSpPr>
+          <p:cNvPr id="3" name="内容占位符 2"/>
+          <p:cNvSpPr>
+            <a:spLocks noGrp="1"/>
+          </p:cNvSpPr>
+          <p:nvPr>
+            <p:ph idx="1"/>
+          </p:nvPr>
+        </p:nvSpPr>
+        <p:spPr/>
+        <p:txBody>
+          <a:bodyPr/>
+          <a:lstStyle/>
+          <a:p>
+            <a:r>
+              <a:rPr lang="zh-CN" altLang="en-US" dirty="0" smtClean="0">
+                <a:latin typeface="Adobe 楷体 Std R" panose="02020400000000000000" pitchFamily="18" charset="-122"/>
+                <a:ea typeface="Adobe 楷体 Std R" panose="02020400000000000000" pitchFamily="18" charset="-122"/>
+              </a:rPr>
+              <a:t>为什么？</a:t>
+            </a:r>
+            <a:endParaRPr lang="en-US" altLang="zh-CN" dirty="0" smtClean="0">
+              <a:latin typeface="Adobe 楷体 Std R" panose="02020400000000000000" pitchFamily="18" charset="-122"/>
+              <a:ea typeface="Adobe 楷体 Std R" panose="02020400000000000000" pitchFamily="18" charset="-122"/>
+            </a:endParaRPr>
+          </a:p>
+          <a:p>
+            <a:r>
+              <a:rPr lang="zh-CN" altLang="en-US" dirty="0" smtClean="0">
+                <a:latin typeface="Adobe 楷体 Std R" panose="02020400000000000000" pitchFamily="18" charset="-122"/>
+                <a:ea typeface="Adobe 楷体 Std R" panose="02020400000000000000" pitchFamily="18" charset="-122"/>
+              </a:rPr>
+              <a:t>怎么做？</a:t>
+            </a:r>
+            <a:endParaRPr lang="en-US" altLang="zh-CN" dirty="0" smtClean="0">
+              <a:latin typeface="Adobe 楷体 Std R" panose="02020400000000000000" pitchFamily="18" charset="-122"/>
+              <a:ea typeface="Adobe 楷体 Std R" panose="02020400000000000000" pitchFamily="18" charset="-122"/>
+            </a:endParaRPr>
+          </a:p>
+          <a:p>
+            <a:pPr lvl="1"/>
+            <a:r>
+              <a:rPr lang="zh-CN" altLang="en-US" dirty="0" smtClean="0">
+                <a:latin typeface="Adobe 楷体 Std R" panose="02020400000000000000" pitchFamily="18" charset="-122"/>
+                <a:ea typeface="Adobe 楷体 Std R" panose="02020400000000000000" pitchFamily="18" charset="-122"/>
+              </a:rPr>
+              <a:t>单向加密，不能解密</a:t>
+            </a:r>
+            <a:endParaRPr lang="en-US" altLang="zh-CN" dirty="0" smtClean="0">
+              <a:latin typeface="Adobe 楷体 Std R" panose="02020400000000000000" pitchFamily="18" charset="-122"/>
+              <a:ea typeface="Adobe 楷体 Std R" panose="02020400000000000000" pitchFamily="18" charset="-122"/>
+            </a:endParaRPr>
+          </a:p>
+          <a:p>
+            <a:pPr lvl="1"/>
+            <a:r>
+              <a:rPr lang="zh-CN" altLang="en-US" dirty="0">
+                <a:latin typeface="Adobe 楷体 Std R" panose="02020400000000000000" pitchFamily="18" charset="-122"/>
+                <a:ea typeface="Adobe 楷体 Std R" panose="02020400000000000000" pitchFamily="18" charset="-122"/>
+              </a:rPr>
+              <a:t>只能加密后</a:t>
+            </a:r>
+            <a:r>
+              <a:rPr lang="zh-CN" altLang="en-US" dirty="0" smtClean="0">
+                <a:latin typeface="Adobe 楷体 Std R" panose="02020400000000000000" pitchFamily="18" charset="-122"/>
+                <a:ea typeface="Adobe 楷体 Std R" panose="02020400000000000000" pitchFamily="18" charset="-122"/>
+              </a:rPr>
+              <a:t>验证</a:t>
+            </a:r>
+            <a:endParaRPr lang="en-US" altLang="zh-CN" dirty="0">
+              <a:latin typeface="Adobe 楷体 Std R" panose="02020400000000000000" pitchFamily="18" charset="-122"/>
+              <a:ea typeface="Adobe 楷体 Std R" panose="02020400000000000000" pitchFamily="18" charset="-122"/>
+            </a:endParaRPr>
+          </a:p>
+          <a:p>
+            <a:pPr lvl="1"/>
+            <a:r>
+              <a:rPr lang="en-US" altLang="zh-CN" dirty="0" smtClean="0">
+                <a:latin typeface="Adobe 楷体 Std R" panose="02020400000000000000" pitchFamily="18" charset="-122"/>
+                <a:ea typeface="Adobe 楷体 Std R" panose="02020400000000000000" pitchFamily="18" charset="-122"/>
+              </a:rPr>
+              <a:t>MD5/SHA</a:t>
+            </a:r>
+          </a:p>
+        </p:txBody>
+      </p:sp>
+    </p:spTree>
+    <p:extLst>
+      <p:ext uri="{BB962C8B-B14F-4D97-AF65-F5344CB8AC3E}">
+        <p14:creationId xmlns:p14="http://schemas.microsoft.com/office/powerpoint/2010/main" val="2539479666"/>
+      </p:ext>
+    </p:extLst>
+  </p:cSld>
+  <p:clrMapOvr>
+    <a:masterClrMapping/>
+  </p:clrMapOvr>
+  <p:timing>
+    <p:tnLst>
+      <p:par>
+        <p:cTn id="1" dur="indefinite" restart="never" nodeType="tmRoot"/>
+      </p:par>
+    </p:tnLst>
+  </p:timing>
+</p:sld>
+</file>
+
+<file path=ppt/slides/slide32.xml><?xml version="1.0" encoding="utf-8"?>
+<p:sld xmlns:a="http://schemas.openxmlformats.org/drawingml/2006/main" xmlns:r="http://schemas.openxmlformats.org/officeDocument/2006/relationships" xmlns:p="http://schemas.openxmlformats.org/presentationml/2006/main">
+  <p:cSld>
+    <p:spTree>
+      <p:nvGrpSpPr>
+        <p:cNvPr id="1" name=""/>
+        <p:cNvGrpSpPr/>
+        <p:nvPr/>
+      </p:nvGrpSpPr>
+      <p:grpSpPr>
+        <a:xfrm>
+          <a:off x="0" y="0"/>
+          <a:ext cx="0" cy="0"/>
+          <a:chOff x="0" y="0"/>
+          <a:chExt cx="0" cy="0"/>
+        </a:xfrm>
+      </p:grpSpPr>
+      <p:sp>
+        <p:nvSpPr>
+          <p:cNvPr id="2" name="标题 1"/>
+          <p:cNvSpPr>
+            <a:spLocks noGrp="1"/>
+          </p:cNvSpPr>
+          <p:nvPr>
+            <p:ph type="title"/>
+          </p:nvPr>
+        </p:nvSpPr>
+        <p:spPr/>
+        <p:txBody>
+          <a:bodyPr/>
+          <a:lstStyle/>
+          <a:p>
+            <a:r>
+              <a:rPr lang="zh-CN" altLang="en-US" dirty="0">
+                <a:latin typeface="Adobe 黑体 Std R" panose="020B0400000000000000" pitchFamily="34" charset="-122"/>
+                <a:ea typeface="Adobe 黑体 Std R" panose="020B0400000000000000" pitchFamily="34" charset="-122"/>
+              </a:rPr>
+              <a:t>问题</a:t>
+            </a:r>
+          </a:p>
+        </p:txBody>
+      </p:sp>
+      <p:sp>
+        <p:nvSpPr>
+          <p:cNvPr id="3" name="内容占位符 2"/>
+          <p:cNvSpPr>
+            <a:spLocks noGrp="1"/>
+          </p:cNvSpPr>
+          <p:nvPr>
+            <p:ph idx="1"/>
+          </p:nvPr>
+        </p:nvSpPr>
+        <p:spPr/>
+        <p:txBody>
+          <a:bodyPr/>
+          <a:lstStyle/>
+          <a:p>
+            <a:r>
+              <a:rPr lang="zh-CN" altLang="en-US" dirty="0" smtClean="0">
+                <a:latin typeface="Adobe 楷体 Std R" panose="02020400000000000000" pitchFamily="18" charset="-122"/>
+                <a:ea typeface="Adobe 楷体 Std R" panose="02020400000000000000" pitchFamily="18" charset="-122"/>
+              </a:rPr>
+              <a:t>哪种方式安全？</a:t>
+            </a:r>
+            <a:endParaRPr lang="en-US" altLang="zh-CN" dirty="0" smtClean="0">
+              <a:latin typeface="Adobe 楷体 Std R" panose="02020400000000000000" pitchFamily="18" charset="-122"/>
+              <a:ea typeface="Adobe 楷体 Std R" panose="02020400000000000000" pitchFamily="18" charset="-122"/>
+            </a:endParaRPr>
+          </a:p>
+          <a:p>
+            <a:pPr marL="457200" lvl="1" indent="0">
+              <a:buNone/>
+            </a:pPr>
+            <a:r>
+              <a:rPr lang="en-US" altLang="zh-CN" dirty="0" smtClean="0">
+                <a:latin typeface="Adobe 楷体 Std R" panose="02020400000000000000" pitchFamily="18" charset="-122"/>
+                <a:ea typeface="Adobe 楷体 Std R" panose="02020400000000000000" pitchFamily="18" charset="-122"/>
+              </a:rPr>
+              <a:t>A </a:t>
+            </a:r>
+            <a:r>
+              <a:rPr lang="en-US" altLang="zh-CN" dirty="0" smtClean="0">
+                <a:solidFill>
+                  <a:srgbClr val="FF0000"/>
+                </a:solidFill>
+                <a:latin typeface="Adobe 楷体 Std R" panose="02020400000000000000" pitchFamily="18" charset="-122"/>
+                <a:ea typeface="Adobe 楷体 Std R" panose="02020400000000000000" pitchFamily="18" charset="-122"/>
+              </a:rPr>
+              <a:t>http</a:t>
+            </a:r>
+          </a:p>
+          <a:p>
+            <a:pPr marL="457200" lvl="1" indent="0">
+              <a:buNone/>
+            </a:pPr>
+            <a:r>
+              <a:rPr lang="en-US" altLang="zh-CN" dirty="0" smtClean="0">
+                <a:latin typeface="Adobe 楷体 Std R" panose="02020400000000000000" pitchFamily="18" charset="-122"/>
+                <a:ea typeface="Adobe 楷体 Std R" panose="02020400000000000000" pitchFamily="18" charset="-122"/>
+              </a:rPr>
+              <a:t>B </a:t>
+            </a:r>
+            <a:r>
+              <a:rPr lang="en-US" altLang="zh-CN" dirty="0" smtClean="0">
+                <a:solidFill>
+                  <a:srgbClr val="FF0000"/>
+                </a:solidFill>
+                <a:latin typeface="Adobe 楷体 Std R" panose="02020400000000000000" pitchFamily="18" charset="-122"/>
+                <a:ea typeface="Adobe 楷体 Std R" panose="02020400000000000000" pitchFamily="18" charset="-122"/>
+              </a:rPr>
+              <a:t>https</a:t>
+            </a:r>
+            <a:endParaRPr lang="zh-CN" altLang="en-US" dirty="0">
+              <a:solidFill>
+                <a:srgbClr val="FF0000"/>
+              </a:solidFill>
+              <a:latin typeface="Adobe 楷体 Std R" panose="02020400000000000000" pitchFamily="18" charset="-122"/>
+              <a:ea typeface="Adobe 楷体 Std R" panose="02020400000000000000" pitchFamily="18" charset="-122"/>
+            </a:endParaRPr>
+          </a:p>
+        </p:txBody>
+      </p:sp>
+    </p:spTree>
+    <p:extLst>
+      <p:ext uri="{BB962C8B-B14F-4D97-AF65-F5344CB8AC3E}">
+        <p14:creationId xmlns:p14="http://schemas.microsoft.com/office/powerpoint/2010/main" val="3460905818"/>
+      </p:ext>
+    </p:extLst>
+  </p:cSld>
+  <p:clrMapOvr>
+    <a:masterClrMapping/>
+  </p:clrMapOvr>
+</p:sld>
+</file>
+
+<file path=ppt/slides/slide33.xml><?xml version="1.0" encoding="utf-8"?>
+<p:sld xmlns:a="http://schemas.openxmlformats.org/drawingml/2006/main" xmlns:r="http://schemas.openxmlformats.org/officeDocument/2006/relationships" xmlns:p="http://schemas.openxmlformats.org/presentationml/2006/main">
+  <p:cSld>
+    <p:spTree>
+      <p:nvGrpSpPr>
+        <p:cNvPr id="1" name=""/>
+        <p:cNvGrpSpPr/>
+        <p:nvPr/>
+      </p:nvGrpSpPr>
+      <p:grpSpPr>
+        <a:xfrm>
+          <a:off x="0" y="0"/>
+          <a:ext cx="0" cy="0"/>
+          <a:chOff x="0" y="0"/>
+          <a:chExt cx="0" cy="0"/>
+        </a:xfrm>
+      </p:grpSpPr>
+      <p:sp>
+        <p:nvSpPr>
+          <p:cNvPr id="2" name="标题 1"/>
+          <p:cNvSpPr>
+            <a:spLocks noGrp="1"/>
+          </p:cNvSpPr>
+          <p:nvPr>
+            <p:ph type="title"/>
+          </p:nvPr>
+        </p:nvSpPr>
+        <p:spPr/>
+        <p:txBody>
+          <a:bodyPr/>
+          <a:lstStyle/>
+          <a:p>
+            <a:r>
+              <a:rPr lang="zh-CN" altLang="en-US" dirty="0" smtClean="0">
+                <a:latin typeface="Adobe 黑体 Std R" panose="020B0400000000000000" pitchFamily="34" charset="-122"/>
+                <a:ea typeface="Adobe 黑体 Std R" panose="020B0400000000000000" pitchFamily="34" charset="-122"/>
+              </a:rPr>
+              <a:t>社会工程学问题</a:t>
+            </a:r>
+            <a:endParaRPr lang="zh-CN" altLang="en-US" dirty="0">
+              <a:latin typeface="Adobe 黑体 Std R" panose="020B0400000000000000" pitchFamily="34" charset="-122"/>
+              <a:ea typeface="Adobe 黑体 Std R" panose="020B0400000000000000" pitchFamily="34" charset="-122"/>
+            </a:endParaRPr>
+          </a:p>
+        </p:txBody>
+      </p:sp>
+      <p:sp>
+        <p:nvSpPr>
+          <p:cNvPr id="3" name="内容占位符 2"/>
+          <p:cNvSpPr>
+            <a:spLocks noGrp="1"/>
+          </p:cNvSpPr>
+          <p:nvPr>
+            <p:ph idx="1"/>
+          </p:nvPr>
+        </p:nvSpPr>
+        <p:spPr/>
+        <p:txBody>
+          <a:bodyPr/>
+          <a:lstStyle/>
+          <a:p>
             <a:r>
               <a:rPr lang="zh-CN" altLang="en-US" dirty="0" smtClean="0">
                 <a:latin typeface="Adobe 楷体 Std R" panose="02020400000000000000" pitchFamily="18" charset="-122"/>
@@ -15858,7 +18686,7 @@
 </p:sld>
 </file>
 
-<file path=ppt/slides/slide26.xml><?xml version="1.0" encoding="utf-8"?>
+<file path=ppt/slides/slide34.xml><?xml version="1.0" encoding="utf-8"?>
 <p:sld xmlns:a="http://schemas.openxmlformats.org/drawingml/2006/main" xmlns:r="http://schemas.openxmlformats.org/officeDocument/2006/relationships" xmlns:p="http://schemas.openxmlformats.org/presentationml/2006/main">
   <p:cSld>
     <p:spTree>
@@ -16047,6 +18875,30 @@
           </p:spPr>
         </p:pic>
       </p:grpSp>
+      <p:pic>
+        <p:nvPicPr>
+          <p:cNvPr id="12" name="图片 11"/>
+          <p:cNvPicPr>
+            <a:picLocks noChangeAspect="1"/>
+          </p:cNvPicPr>
+          <p:nvPr/>
+        </p:nvPicPr>
+        <p:blipFill>
+          <a:blip r:embed="rId5"/>
+          <a:stretch>
+            <a:fillRect/>
+          </a:stretch>
+        </p:blipFill>
+        <p:spPr>
+          <a:xfrm>
+            <a:off x="2558349" y="3428926"/>
+            <a:ext cx="682435" cy="682435"/>
+          </a:xfrm>
+          <a:prstGeom prst="rect">
+            <a:avLst/>
+          </a:prstGeom>
+        </p:spPr>
+      </p:pic>
     </p:spTree>
     <p:extLst>
       <p:ext uri="{BB962C8B-B14F-4D97-AF65-F5344CB8AC3E}">
@@ -16060,7 +18912,7 @@
 </p:sld>
 </file>
 
-<file path=ppt/slides/slide27.xml><?xml version="1.0" encoding="utf-8"?>
+<file path=ppt/slides/slide35.xml><?xml version="1.0" encoding="utf-8"?>
 <p:sld xmlns:a="http://schemas.openxmlformats.org/drawingml/2006/main" xmlns:r="http://schemas.openxmlformats.org/officeDocument/2006/relationships" xmlns:p="http://schemas.openxmlformats.org/presentationml/2006/main">
   <p:cSld>
     <p:spTree>
@@ -16097,6 +18949,644 @@
                 <a:latin typeface="Adobe 黑体 Std R" panose="020B0400000000000000" pitchFamily="34" charset="-122"/>
                 <a:ea typeface="Adobe 黑体 Std R" panose="020B0400000000000000" pitchFamily="34" charset="-122"/>
               </a:rPr>
+              <a:t>过程迭代</a:t>
+            </a:r>
+            <a:r>
+              <a:rPr lang="en-US" altLang="zh-CN" dirty="0" smtClean="0">
+                <a:latin typeface="Adobe 黑体 Std R" panose="020B0400000000000000" pitchFamily="34" charset="-122"/>
+                <a:ea typeface="Adobe 黑体 Std R" panose="020B0400000000000000" pitchFamily="34" charset="-122"/>
+              </a:rPr>
+              <a:t>-</a:t>
+            </a:r>
+            <a:r>
+              <a:rPr lang="zh-CN" altLang="en-US" dirty="0" smtClean="0">
+                <a:latin typeface="Adobe 黑体 Std R" panose="020B0400000000000000" pitchFamily="34" charset="-122"/>
+                <a:ea typeface="Adobe 黑体 Std R" panose="020B0400000000000000" pitchFamily="34" charset="-122"/>
+              </a:rPr>
+              <a:t>开发实现</a:t>
+            </a:r>
+            <a:endParaRPr lang="zh-CN" altLang="en-US" dirty="0">
+              <a:latin typeface="Adobe 黑体 Std R" panose="020B0400000000000000" pitchFamily="34" charset="-122"/>
+              <a:ea typeface="Adobe 黑体 Std R" panose="020B0400000000000000" pitchFamily="34" charset="-122"/>
+            </a:endParaRPr>
+          </a:p>
+        </p:txBody>
+      </p:sp>
+      <p:sp>
+        <p:nvSpPr>
+          <p:cNvPr id="3" name="内容占位符 2"/>
+          <p:cNvSpPr>
+            <a:spLocks noGrp="1"/>
+          </p:cNvSpPr>
+          <p:nvPr>
+            <p:ph idx="1"/>
+          </p:nvPr>
+        </p:nvSpPr>
+        <p:spPr>
+          <a:xfrm>
+            <a:off x="1259632" y="2564904"/>
+            <a:ext cx="2819598" cy="2594396"/>
+          </a:xfrm>
+        </p:spPr>
+        <p:txBody>
+          <a:bodyPr/>
+          <a:lstStyle/>
+          <a:p>
+            <a:pPr marL="0" indent="0">
+              <a:buNone/>
+            </a:pPr>
+            <a:r>
+              <a:rPr lang="zh-CN" altLang="en-US" dirty="0">
+                <a:latin typeface="Adobe 楷体 Std R" panose="02020400000000000000" pitchFamily="18" charset="-122"/>
+                <a:ea typeface="Adobe 楷体 Std R" panose="02020400000000000000" pitchFamily="18" charset="-122"/>
+              </a:rPr>
+              <a:t>软件实现</a:t>
+            </a:r>
+          </a:p>
+          <a:p>
+            <a:pPr marL="0" indent="0">
+              <a:buNone/>
+            </a:pPr>
+            <a:r>
+              <a:rPr lang="zh-CN" altLang="en-US" dirty="0">
+                <a:latin typeface="Adobe 楷体 Std R" panose="02020400000000000000" pitchFamily="18" charset="-122"/>
+                <a:ea typeface="Adobe 楷体 Std R" panose="02020400000000000000" pitchFamily="18" charset="-122"/>
+              </a:rPr>
+              <a:t>	</a:t>
+            </a:r>
+            <a:r>
+              <a:rPr lang="en-US" altLang="zh-CN" dirty="0">
+                <a:latin typeface="Adobe 楷体 Std R" panose="02020400000000000000" pitchFamily="18" charset="-122"/>
+                <a:ea typeface="Adobe 楷体 Std R" panose="02020400000000000000" pitchFamily="18" charset="-122"/>
+              </a:rPr>
+              <a:t>[</a:t>
+            </a:r>
+            <a:r>
+              <a:rPr lang="zh-CN" altLang="en-US" dirty="0" smtClean="0">
+                <a:latin typeface="Adobe 楷体 Std R" panose="02020400000000000000" pitchFamily="18" charset="-122"/>
+                <a:ea typeface="Adobe 楷体 Std R" panose="02020400000000000000" pitchFamily="18" charset="-122"/>
+              </a:rPr>
+              <a:t>代码</a:t>
+            </a:r>
+            <a:r>
+              <a:rPr lang="en-US" altLang="zh-CN" dirty="0" smtClean="0">
+                <a:latin typeface="Adobe 楷体 Std R" panose="02020400000000000000" pitchFamily="18" charset="-122"/>
+                <a:ea typeface="Adobe 楷体 Std R" panose="02020400000000000000" pitchFamily="18" charset="-122"/>
+              </a:rPr>
+              <a:t>]</a:t>
+            </a:r>
+            <a:endParaRPr lang="en-US" altLang="zh-CN" dirty="0">
+              <a:latin typeface="Adobe 楷体 Std R" panose="02020400000000000000" pitchFamily="18" charset="-122"/>
+              <a:ea typeface="Adobe 楷体 Std R" panose="02020400000000000000" pitchFamily="18" charset="-122"/>
+            </a:endParaRPr>
+          </a:p>
+          <a:p>
+            <a:pPr marL="0" indent="0">
+              <a:buNone/>
+            </a:pPr>
+            <a:r>
+              <a:rPr lang="en-US" altLang="zh-CN" dirty="0">
+                <a:latin typeface="Adobe 楷体 Std R" panose="02020400000000000000" pitchFamily="18" charset="-122"/>
+                <a:ea typeface="Adobe 楷体 Std R" panose="02020400000000000000" pitchFamily="18" charset="-122"/>
+              </a:rPr>
+              <a:t>	[</a:t>
+            </a:r>
+            <a:r>
+              <a:rPr lang="zh-CN" altLang="en-US" dirty="0">
+                <a:latin typeface="Adobe 楷体 Std R" panose="02020400000000000000" pitchFamily="18" charset="-122"/>
+                <a:ea typeface="Adobe 楷体 Std R" panose="02020400000000000000" pitchFamily="18" charset="-122"/>
+              </a:rPr>
+              <a:t>配置</a:t>
+            </a:r>
+            <a:r>
+              <a:rPr lang="en-US" altLang="zh-CN" dirty="0">
+                <a:latin typeface="Adobe 楷体 Std R" panose="02020400000000000000" pitchFamily="18" charset="-122"/>
+                <a:ea typeface="Adobe 楷体 Std R" panose="02020400000000000000" pitchFamily="18" charset="-122"/>
+              </a:rPr>
+              <a:t>/</a:t>
+            </a:r>
+            <a:r>
+              <a:rPr lang="zh-CN" altLang="en-US" dirty="0">
+                <a:latin typeface="Adobe 楷体 Std R" panose="02020400000000000000" pitchFamily="18" charset="-122"/>
+                <a:ea typeface="Adobe 楷体 Std R" panose="02020400000000000000" pitchFamily="18" charset="-122"/>
+              </a:rPr>
+              <a:t>描述</a:t>
+            </a:r>
+            <a:r>
+              <a:rPr lang="en-US" altLang="zh-CN" dirty="0">
+                <a:latin typeface="Adobe 楷体 Std R" panose="02020400000000000000" pitchFamily="18" charset="-122"/>
+                <a:ea typeface="Adobe 楷体 Std R" panose="02020400000000000000" pitchFamily="18" charset="-122"/>
+              </a:rPr>
+              <a:t>]</a:t>
+            </a:r>
+          </a:p>
+          <a:p>
+            <a:pPr marL="0" indent="0">
+              <a:buNone/>
+            </a:pPr>
+            <a:r>
+              <a:rPr lang="en-US" altLang="zh-CN" dirty="0">
+                <a:latin typeface="Adobe 楷体 Std R" panose="02020400000000000000" pitchFamily="18" charset="-122"/>
+                <a:ea typeface="Adobe 楷体 Std R" panose="02020400000000000000" pitchFamily="18" charset="-122"/>
+              </a:rPr>
+              <a:t>	[</a:t>
+            </a:r>
+            <a:r>
+              <a:rPr lang="zh-CN" altLang="en-US" dirty="0">
+                <a:latin typeface="Adobe 楷体 Std R" panose="02020400000000000000" pitchFamily="18" charset="-122"/>
+                <a:ea typeface="Adobe 楷体 Std R" panose="02020400000000000000" pitchFamily="18" charset="-122"/>
+              </a:rPr>
+              <a:t>资源（数据）</a:t>
+            </a:r>
+            <a:r>
+              <a:rPr lang="en-US" altLang="zh-CN" dirty="0">
+                <a:latin typeface="Adobe 楷体 Std R" panose="02020400000000000000" pitchFamily="18" charset="-122"/>
+                <a:ea typeface="Adobe 楷体 Std R" panose="02020400000000000000" pitchFamily="18" charset="-122"/>
+              </a:rPr>
+              <a:t>]</a:t>
+            </a:r>
+          </a:p>
+          <a:p>
+            <a:pPr marL="0" indent="0">
+              <a:buNone/>
+            </a:pPr>
+            <a:r>
+              <a:rPr lang="en-US" altLang="zh-CN" dirty="0">
+                <a:latin typeface="Adobe 楷体 Std R" panose="02020400000000000000" pitchFamily="18" charset="-122"/>
+                <a:ea typeface="Adobe 楷体 Std R" panose="02020400000000000000" pitchFamily="18" charset="-122"/>
+              </a:rPr>
+              <a:t>	[</a:t>
+            </a:r>
+            <a:r>
+              <a:rPr lang="zh-CN" altLang="en-US" dirty="0">
+                <a:latin typeface="Adobe 楷体 Std R" panose="02020400000000000000" pitchFamily="18" charset="-122"/>
+                <a:ea typeface="Adobe 楷体 Std R" panose="02020400000000000000" pitchFamily="18" charset="-122"/>
+              </a:rPr>
+              <a:t>产品</a:t>
+            </a:r>
+            <a:r>
+              <a:rPr lang="zh-CN" altLang="en-US" dirty="0" smtClean="0">
+                <a:latin typeface="Adobe 楷体 Std R" panose="02020400000000000000" pitchFamily="18" charset="-122"/>
+                <a:ea typeface="Adobe 楷体 Std R" panose="02020400000000000000" pitchFamily="18" charset="-122"/>
+              </a:rPr>
+              <a:t>包装</a:t>
+            </a:r>
+            <a:r>
+              <a:rPr lang="en-US" altLang="zh-CN" dirty="0" smtClean="0">
+                <a:latin typeface="Adobe 楷体 Std R" panose="02020400000000000000" pitchFamily="18" charset="-122"/>
+                <a:ea typeface="Adobe 楷体 Std R" panose="02020400000000000000" pitchFamily="18" charset="-122"/>
+              </a:rPr>
+              <a:t>/</a:t>
+            </a:r>
+            <a:r>
+              <a:rPr lang="zh-CN" altLang="en-US" dirty="0" smtClean="0">
+                <a:latin typeface="Adobe 楷体 Std R" panose="02020400000000000000" pitchFamily="18" charset="-122"/>
+                <a:ea typeface="Adobe 楷体 Std R" panose="02020400000000000000" pitchFamily="18" charset="-122"/>
+              </a:rPr>
+              <a:t>部署</a:t>
+            </a:r>
+            <a:r>
+              <a:rPr lang="en-US" altLang="zh-CN" dirty="0" smtClean="0">
+                <a:latin typeface="Adobe 楷体 Std R" panose="02020400000000000000" pitchFamily="18" charset="-122"/>
+                <a:ea typeface="Adobe 楷体 Std R" panose="02020400000000000000" pitchFamily="18" charset="-122"/>
+              </a:rPr>
+              <a:t>]</a:t>
+            </a:r>
+            <a:endParaRPr lang="zh-CN" altLang="en-US" dirty="0">
+              <a:latin typeface="Adobe 楷体 Std R" panose="02020400000000000000" pitchFamily="18" charset="-122"/>
+              <a:ea typeface="Adobe 楷体 Std R" panose="02020400000000000000" pitchFamily="18" charset="-122"/>
+            </a:endParaRPr>
+          </a:p>
+        </p:txBody>
+      </p:sp>
+      <p:sp>
+        <p:nvSpPr>
+          <p:cNvPr id="22" name="内容占位符 2"/>
+          <p:cNvSpPr txBox="1">
+            <a:spLocks/>
+          </p:cNvSpPr>
+          <p:nvPr/>
+        </p:nvSpPr>
+        <p:spPr bwMode="auto">
+          <a:xfrm>
+            <a:off x="5292080" y="3101163"/>
+            <a:ext cx="2448272" cy="1521878"/>
+          </a:xfrm>
+          <a:prstGeom prst="rect">
+            <a:avLst/>
+          </a:prstGeom>
+          <a:solidFill>
+            <a:srgbClr val="CCECFF"/>
+          </a:solidFill>
+          <a:ln>
+            <a:noFill/>
+          </a:ln>
+          <a:extLst/>
+        </p:spPr>
+        <p:txBody>
+          <a:bodyPr vert="horz" wrap="square" lIns="91440" tIns="45720" rIns="91440" bIns="45720" numCol="1" anchor="t" anchorCtr="0" compatLnSpc="1">
+            <a:prstTxWarp prst="textNoShape">
+              <a:avLst/>
+            </a:prstTxWarp>
+          </a:bodyPr>
+          <a:lstStyle>
+            <a:lvl1pPr marL="285750" indent="-285750" algn="l" defTabSz="457200" rtl="0" eaLnBrk="0" fontAlgn="base" hangingPunct="0">
+              <a:spcBef>
+                <a:spcPct val="20000"/>
+              </a:spcBef>
+              <a:spcAft>
+                <a:spcPts val="600"/>
+              </a:spcAft>
+              <a:buClr>
+                <a:schemeClr val="accent1"/>
+              </a:buClr>
+              <a:buSzPct val="115000"/>
+              <a:buFont typeface="Arial" panose="020B0604020202020204" pitchFamily="34" charset="0"/>
+              <a:buChar char="•"/>
+              <a:defRPr sz="2400" kern="1200">
+                <a:solidFill>
+                  <a:srgbClr val="262626"/>
+                </a:solidFill>
+                <a:latin typeface="+mn-lt"/>
+                <a:ea typeface="+mn-ea"/>
+                <a:cs typeface="+mn-cs"/>
+              </a:defRPr>
+            </a:lvl1pPr>
+            <a:lvl2pPr marL="742950" indent="-285750" algn="l" defTabSz="457200" rtl="0" eaLnBrk="0" fontAlgn="base" hangingPunct="0">
+              <a:spcBef>
+                <a:spcPct val="20000"/>
+              </a:spcBef>
+              <a:spcAft>
+                <a:spcPts val="600"/>
+              </a:spcAft>
+              <a:buClr>
+                <a:schemeClr val="accent1"/>
+              </a:buClr>
+              <a:buSzPct val="115000"/>
+              <a:buFont typeface="Arial" panose="020B0604020202020204" pitchFamily="34" charset="0"/>
+              <a:buChar char="•"/>
+              <a:defRPr sz="2000" kern="1200">
+                <a:solidFill>
+                  <a:srgbClr val="262626"/>
+                </a:solidFill>
+                <a:latin typeface="+mn-lt"/>
+                <a:ea typeface="+mn-ea"/>
+                <a:cs typeface="+mn-cs"/>
+              </a:defRPr>
+            </a:lvl2pPr>
+            <a:lvl3pPr marL="1200150" indent="-285750" algn="l" defTabSz="457200" rtl="0" eaLnBrk="0" fontAlgn="base" hangingPunct="0">
+              <a:spcBef>
+                <a:spcPct val="20000"/>
+              </a:spcBef>
+              <a:spcAft>
+                <a:spcPts val="600"/>
+              </a:spcAft>
+              <a:buClr>
+                <a:schemeClr val="accent1"/>
+              </a:buClr>
+              <a:buSzPct val="115000"/>
+              <a:buFont typeface="Arial" panose="020B0604020202020204" pitchFamily="34" charset="0"/>
+              <a:buChar char="•"/>
+              <a:defRPr kern="1200">
+                <a:solidFill>
+                  <a:srgbClr val="262626"/>
+                </a:solidFill>
+                <a:latin typeface="+mn-lt"/>
+                <a:ea typeface="+mn-ea"/>
+                <a:cs typeface="+mn-cs"/>
+              </a:defRPr>
+            </a:lvl3pPr>
+            <a:lvl4pPr marL="1543050" indent="-171450" algn="l" defTabSz="457200" rtl="0" eaLnBrk="0" fontAlgn="base" hangingPunct="0">
+              <a:spcBef>
+                <a:spcPct val="20000"/>
+              </a:spcBef>
+              <a:spcAft>
+                <a:spcPts val="600"/>
+              </a:spcAft>
+              <a:buClr>
+                <a:schemeClr val="accent1"/>
+              </a:buClr>
+              <a:buSzPct val="115000"/>
+              <a:buFont typeface="Arial" panose="020B0604020202020204" pitchFamily="34" charset="0"/>
+              <a:buChar char="•"/>
+              <a:defRPr sz="1600" kern="1200">
+                <a:solidFill>
+                  <a:srgbClr val="262626"/>
+                </a:solidFill>
+                <a:latin typeface="+mn-lt"/>
+                <a:ea typeface="+mn-ea"/>
+                <a:cs typeface="+mn-cs"/>
+              </a:defRPr>
+            </a:lvl4pPr>
+            <a:lvl5pPr marL="2000250" indent="-171450" algn="l" defTabSz="457200" rtl="0" eaLnBrk="0" fontAlgn="base" hangingPunct="0">
+              <a:spcBef>
+                <a:spcPct val="20000"/>
+              </a:spcBef>
+              <a:spcAft>
+                <a:spcPts val="600"/>
+              </a:spcAft>
+              <a:buClr>
+                <a:schemeClr val="accent1"/>
+              </a:buClr>
+              <a:buSzPct val="115000"/>
+              <a:buFont typeface="Arial" panose="020B0604020202020204" pitchFamily="34" charset="0"/>
+              <a:buChar char="•"/>
+              <a:defRPr sz="1400" kern="1200">
+                <a:solidFill>
+                  <a:srgbClr val="262626"/>
+                </a:solidFill>
+                <a:latin typeface="+mn-lt"/>
+                <a:ea typeface="+mn-ea"/>
+                <a:cs typeface="+mn-cs"/>
+              </a:defRPr>
+            </a:lvl5pPr>
+            <a:lvl6pPr marL="2514600" indent="-228600" algn="l" defTabSz="457200" rtl="0" eaLnBrk="1" latinLnBrk="0" hangingPunct="1">
+              <a:spcBef>
+                <a:spcPct val="20000"/>
+              </a:spcBef>
+              <a:spcAft>
+                <a:spcPts val="600"/>
+              </a:spcAft>
+              <a:buClr>
+                <a:schemeClr val="accent1"/>
+              </a:buClr>
+              <a:buSzPct val="115000"/>
+              <a:buFont typeface="Arial"/>
+              <a:buChar char="•"/>
+              <a:defRPr sz="1400" kern="1200" cap="none">
+                <a:solidFill>
+                  <a:schemeClr val="tx1">
+                    <a:lumMod val="85000"/>
+                    <a:lumOff val="15000"/>
+                  </a:schemeClr>
+                </a:solidFill>
+                <a:effectLst/>
+                <a:latin typeface="+mn-lt"/>
+                <a:ea typeface="+mn-ea"/>
+                <a:cs typeface="+mn-cs"/>
+              </a:defRPr>
+            </a:lvl6pPr>
+            <a:lvl7pPr marL="2971800" indent="-228600" algn="l" defTabSz="457200" rtl="0" eaLnBrk="1" latinLnBrk="0" hangingPunct="1">
+              <a:spcBef>
+                <a:spcPct val="20000"/>
+              </a:spcBef>
+              <a:spcAft>
+                <a:spcPts val="600"/>
+              </a:spcAft>
+              <a:buClr>
+                <a:schemeClr val="accent1"/>
+              </a:buClr>
+              <a:buSzPct val="115000"/>
+              <a:buFont typeface="Arial"/>
+              <a:buChar char="•"/>
+              <a:defRPr sz="1400" kern="1200" cap="none">
+                <a:solidFill>
+                  <a:schemeClr val="tx1">
+                    <a:lumMod val="85000"/>
+                    <a:lumOff val="15000"/>
+                  </a:schemeClr>
+                </a:solidFill>
+                <a:effectLst/>
+                <a:latin typeface="+mn-lt"/>
+                <a:ea typeface="+mn-ea"/>
+                <a:cs typeface="+mn-cs"/>
+              </a:defRPr>
+            </a:lvl7pPr>
+            <a:lvl8pPr marL="3429000" indent="-228600" algn="l" defTabSz="457200" rtl="0" eaLnBrk="1" latinLnBrk="0" hangingPunct="1">
+              <a:spcBef>
+                <a:spcPct val="20000"/>
+              </a:spcBef>
+              <a:spcAft>
+                <a:spcPts val="600"/>
+              </a:spcAft>
+              <a:buClr>
+                <a:schemeClr val="accent1"/>
+              </a:buClr>
+              <a:buSzPct val="115000"/>
+              <a:buFont typeface="Arial"/>
+              <a:buChar char="•"/>
+              <a:defRPr sz="1400" kern="1200" cap="none">
+                <a:solidFill>
+                  <a:schemeClr val="tx1">
+                    <a:lumMod val="85000"/>
+                    <a:lumOff val="15000"/>
+                  </a:schemeClr>
+                </a:solidFill>
+                <a:effectLst/>
+                <a:latin typeface="+mn-lt"/>
+                <a:ea typeface="+mn-ea"/>
+                <a:cs typeface="+mn-cs"/>
+              </a:defRPr>
+            </a:lvl8pPr>
+            <a:lvl9pPr marL="3886200" indent="-228600" algn="l" defTabSz="457200" rtl="0" eaLnBrk="1" latinLnBrk="0" hangingPunct="1">
+              <a:spcBef>
+                <a:spcPct val="20000"/>
+              </a:spcBef>
+              <a:spcAft>
+                <a:spcPts val="600"/>
+              </a:spcAft>
+              <a:buClr>
+                <a:schemeClr val="accent1"/>
+              </a:buClr>
+              <a:buSzPct val="115000"/>
+              <a:buFont typeface="Arial"/>
+              <a:buChar char="•"/>
+              <a:defRPr sz="1400" kern="1200" cap="none">
+                <a:solidFill>
+                  <a:schemeClr val="tx1">
+                    <a:lumMod val="85000"/>
+                    <a:lumOff val="15000"/>
+                  </a:schemeClr>
+                </a:solidFill>
+                <a:effectLst/>
+                <a:latin typeface="+mn-lt"/>
+                <a:ea typeface="+mn-ea"/>
+                <a:cs typeface="+mn-cs"/>
+              </a:defRPr>
+            </a:lvl9pPr>
+          </a:lstStyle>
+          <a:p>
+            <a:pPr marL="0" indent="0">
+              <a:buFont typeface="Arial" panose="020B0604020202020204" pitchFamily="34" charset="0"/>
+              <a:buNone/>
+            </a:pPr>
+            <a:r>
+              <a:rPr lang="en-US" altLang="zh-CN" dirty="0" smtClean="0">
+                <a:latin typeface="Adobe 楷体 Std R" panose="02020400000000000000" pitchFamily="18" charset="-122"/>
+                <a:ea typeface="Adobe 楷体 Std R" panose="02020400000000000000" pitchFamily="18" charset="-122"/>
+              </a:rPr>
+              <a:t>[war</a:t>
+            </a:r>
+            <a:r>
+              <a:rPr lang="zh-CN" altLang="en-US" dirty="0" smtClean="0">
+                <a:latin typeface="Adobe 楷体 Std R" panose="02020400000000000000" pitchFamily="18" charset="-122"/>
+                <a:ea typeface="Adobe 楷体 Std R" panose="02020400000000000000" pitchFamily="18" charset="-122"/>
+              </a:rPr>
+              <a:t>包</a:t>
+            </a:r>
+            <a:r>
+              <a:rPr lang="en-US" altLang="zh-CN" dirty="0" smtClean="0">
+                <a:latin typeface="Adobe 楷体 Std R" panose="02020400000000000000" pitchFamily="18" charset="-122"/>
+                <a:ea typeface="Adobe 楷体 Std R" panose="02020400000000000000" pitchFamily="18" charset="-122"/>
+              </a:rPr>
+              <a:t>]</a:t>
+            </a:r>
+          </a:p>
+          <a:p>
+            <a:pPr marL="0" indent="0">
+              <a:buFont typeface="Arial" panose="020B0604020202020204" pitchFamily="34" charset="0"/>
+              <a:buNone/>
+            </a:pPr>
+            <a:r>
+              <a:rPr lang="en-US" altLang="zh-CN" dirty="0" smtClean="0">
+                <a:latin typeface="Adobe 楷体 Std R" panose="02020400000000000000" pitchFamily="18" charset="-122"/>
+                <a:ea typeface="Adobe 楷体 Std R" panose="02020400000000000000" pitchFamily="18" charset="-122"/>
+              </a:rPr>
+              <a:t>[</a:t>
+            </a:r>
+            <a:r>
+              <a:rPr lang="en-US" altLang="zh-CN" dirty="0" err="1" smtClean="0">
+                <a:solidFill>
+                  <a:srgbClr val="FF0000"/>
+                </a:solidFill>
+                <a:latin typeface="Adobe 楷体 Std R" panose="02020400000000000000" pitchFamily="18" charset="-122"/>
+                <a:ea typeface="Adobe 楷体 Std R" panose="02020400000000000000" pitchFamily="18" charset="-122"/>
+              </a:rPr>
+              <a:t>linux</a:t>
+            </a:r>
+            <a:r>
+              <a:rPr lang="en-US" altLang="zh-CN" dirty="0" smtClean="0">
+                <a:latin typeface="Adobe 楷体 Std R" panose="02020400000000000000" pitchFamily="18" charset="-122"/>
+                <a:ea typeface="Adobe 楷体 Std R" panose="02020400000000000000" pitchFamily="18" charset="-122"/>
+              </a:rPr>
+              <a:t>/windows]</a:t>
+            </a:r>
+          </a:p>
+          <a:p>
+            <a:pPr marL="0" indent="0">
+              <a:buFont typeface="Arial" panose="020B0604020202020204" pitchFamily="34" charset="0"/>
+              <a:buNone/>
+            </a:pPr>
+            <a:r>
+              <a:rPr lang="en-US" altLang="zh-CN" dirty="0" smtClean="0">
+                <a:latin typeface="Adobe 楷体 Std R" panose="02020400000000000000" pitchFamily="18" charset="-122"/>
+                <a:ea typeface="Adobe 楷体 Std R" panose="02020400000000000000" pitchFamily="18" charset="-122"/>
+              </a:rPr>
+              <a:t>[</a:t>
+            </a:r>
+            <a:r>
+              <a:rPr lang="zh-CN" altLang="en-US" dirty="0" smtClean="0">
+                <a:latin typeface="Adobe 楷体 Std R" panose="02020400000000000000" pitchFamily="18" charset="-122"/>
+                <a:ea typeface="Adobe 楷体 Std R" panose="02020400000000000000" pitchFamily="18" charset="-122"/>
+              </a:rPr>
+              <a:t>部署维护过程</a:t>
+            </a:r>
+            <a:r>
+              <a:rPr lang="en-US" altLang="zh-CN" dirty="0" smtClean="0">
+                <a:latin typeface="Adobe 楷体 Std R" panose="02020400000000000000" pitchFamily="18" charset="-122"/>
+                <a:ea typeface="Adobe 楷体 Std R" panose="02020400000000000000" pitchFamily="18" charset="-122"/>
+              </a:rPr>
+              <a:t>]</a:t>
+            </a:r>
+          </a:p>
+        </p:txBody>
+      </p:sp>
+      <p:cxnSp>
+        <p:nvCxnSpPr>
+          <p:cNvPr id="23" name="曲线连接符 22"/>
+          <p:cNvCxnSpPr>
+            <a:stCxn id="3" idx="2"/>
+            <a:endCxn id="22" idx="1"/>
+          </p:cNvCxnSpPr>
+          <p:nvPr/>
+        </p:nvCxnSpPr>
+        <p:spPr>
+          <a:xfrm rot="5400000" flipH="1" flipV="1">
+            <a:off x="3332156" y="3199376"/>
+            <a:ext cx="1297198" cy="2622649"/>
+          </a:xfrm>
+          <a:prstGeom prst="curvedConnector4">
+            <a:avLst>
+              <a:gd name="adj1" fmla="val -17623"/>
+              <a:gd name="adj2" fmla="val 76877"/>
+            </a:avLst>
+          </a:prstGeom>
+          <a:ln>
+            <a:tailEnd type="triangle"/>
+          </a:ln>
+        </p:spPr>
+        <p:style>
+          <a:lnRef idx="3">
+            <a:schemeClr val="accent5"/>
+          </a:lnRef>
+          <a:fillRef idx="0">
+            <a:schemeClr val="accent5"/>
+          </a:fillRef>
+          <a:effectRef idx="2">
+            <a:schemeClr val="accent5"/>
+          </a:effectRef>
+          <a:fontRef idx="minor">
+            <a:schemeClr val="tx1"/>
+          </a:fontRef>
+        </p:style>
+      </p:cxnSp>
+    </p:spTree>
+    <p:extLst>
+      <p:ext uri="{BB962C8B-B14F-4D97-AF65-F5344CB8AC3E}">
+        <p14:creationId xmlns:p14="http://schemas.microsoft.com/office/powerpoint/2010/main" val="118045240"/>
+      </p:ext>
+    </p:extLst>
+  </p:cSld>
+  <p:clrMapOvr>
+    <a:masterClrMapping/>
+  </p:clrMapOvr>
+  <p:timing>
+    <p:tnLst>
+      <p:par>
+        <p:cTn id="1" dur="indefinite" restart="never" nodeType="tmRoot"/>
+      </p:par>
+    </p:tnLst>
+  </p:timing>
+</p:sld>
+</file>
+
+<file path=ppt/slides/slide36.xml><?xml version="1.0" encoding="utf-8"?>
+<p:sld xmlns:a="http://schemas.openxmlformats.org/drawingml/2006/main" xmlns:r="http://schemas.openxmlformats.org/officeDocument/2006/relationships" xmlns:p="http://schemas.openxmlformats.org/presentationml/2006/main">
+  <p:cSld>
+    <p:spTree>
+      <p:nvGrpSpPr>
+        <p:cNvPr id="1" name=""/>
+        <p:cNvGrpSpPr/>
+        <p:nvPr/>
+      </p:nvGrpSpPr>
+      <p:grpSpPr>
+        <a:xfrm>
+          <a:off x="0" y="0"/>
+          <a:ext cx="0" cy="0"/>
+          <a:chOff x="0" y="0"/>
+          <a:chExt cx="0" cy="0"/>
+        </a:xfrm>
+      </p:grpSpPr>
+      <p:sp>
+        <p:nvSpPr>
+          <p:cNvPr id="2" name="标题 1"/>
+          <p:cNvSpPr>
+            <a:spLocks noGrp="1"/>
+          </p:cNvSpPr>
+          <p:nvPr>
+            <p:ph type="title"/>
+          </p:nvPr>
+        </p:nvSpPr>
+        <p:spPr/>
+        <p:txBody>
+          <a:bodyPr/>
+          <a:lstStyle/>
+          <a:p>
+            <a:r>
+              <a:rPr lang="zh-CN" altLang="en-US" dirty="0" smtClean="0">
+                <a:latin typeface="Adobe 黑体 Std R" panose="020B0400000000000000" pitchFamily="34" charset="-122"/>
+                <a:ea typeface="Adobe 黑体 Std R" panose="020B0400000000000000" pitchFamily="34" charset="-122"/>
+              </a:rPr>
               <a:t>总结</a:t>
             </a:r>
             <a:endParaRPr lang="zh-CN" altLang="en-US" dirty="0">
@@ -16160,6 +19650,19 @@
                 <a:latin typeface="Adobe 楷体 Std R" panose="02020400000000000000" pitchFamily="18" charset="-122"/>
                 <a:ea typeface="Adobe 楷体 Std R" panose="02020400000000000000" pitchFamily="18" charset="-122"/>
               </a:rPr>
+              <a:t>把学过的知识点串起来了一些</a:t>
+            </a:r>
+            <a:endParaRPr lang="en-US" altLang="zh-CN" dirty="0" smtClean="0">
+              <a:latin typeface="Adobe 楷体 Std R" panose="02020400000000000000" pitchFamily="18" charset="-122"/>
+              <a:ea typeface="Adobe 楷体 Std R" panose="02020400000000000000" pitchFamily="18" charset="-122"/>
+            </a:endParaRPr>
+          </a:p>
+          <a:p>
+            <a:r>
+              <a:rPr lang="zh-CN" altLang="en-US" dirty="0" smtClean="0">
+                <a:latin typeface="Adobe 楷体 Std R" panose="02020400000000000000" pitchFamily="18" charset="-122"/>
+                <a:ea typeface="Adobe 楷体 Std R" panose="02020400000000000000" pitchFamily="18" charset="-122"/>
+              </a:rPr>
               <a:t>感觉不了解的信息太多了</a:t>
             </a:r>
             <a:endParaRPr lang="en-US" altLang="zh-CN" dirty="0" smtClean="0">
@@ -16195,7 +19698,179 @@
 </p:sld>
 </file>
 
-<file path=ppt/slides/slide28.xml><?xml version="1.0" encoding="utf-8"?>
+<file path=ppt/slides/slide37.xml><?xml version="1.0" encoding="utf-8"?>
+<p:sld xmlns:a="http://schemas.openxmlformats.org/drawingml/2006/main" xmlns:r="http://schemas.openxmlformats.org/officeDocument/2006/relationships" xmlns:p="http://schemas.openxmlformats.org/presentationml/2006/main">
+  <p:cSld>
+    <p:spTree>
+      <p:nvGrpSpPr>
+        <p:cNvPr id="1" name=""/>
+        <p:cNvGrpSpPr/>
+        <p:nvPr/>
+      </p:nvGrpSpPr>
+      <p:grpSpPr>
+        <a:xfrm>
+          <a:off x="0" y="0"/>
+          <a:ext cx="0" cy="0"/>
+          <a:chOff x="0" y="0"/>
+          <a:chExt cx="0" cy="0"/>
+        </a:xfrm>
+      </p:grpSpPr>
+      <p:sp>
+        <p:nvSpPr>
+          <p:cNvPr id="2" name="标题 1"/>
+          <p:cNvSpPr>
+            <a:spLocks noGrp="1"/>
+          </p:cNvSpPr>
+          <p:nvPr>
+            <p:ph type="title"/>
+          </p:nvPr>
+        </p:nvSpPr>
+        <p:spPr/>
+        <p:txBody>
+          <a:bodyPr/>
+          <a:lstStyle/>
+          <a:p>
+            <a:r>
+              <a:rPr lang="zh-CN" altLang="en-US" dirty="0" smtClean="0">
+                <a:latin typeface="Adobe 黑体 Std R" panose="020B0400000000000000" pitchFamily="34" charset="-122"/>
+                <a:ea typeface="Adobe 黑体 Std R" panose="020B0400000000000000" pitchFamily="34" charset="-122"/>
+              </a:rPr>
+              <a:t>作业</a:t>
+            </a:r>
+            <a:endParaRPr lang="zh-CN" altLang="en-US" dirty="0">
+              <a:latin typeface="Adobe 黑体 Std R" panose="020B0400000000000000" pitchFamily="34" charset="-122"/>
+              <a:ea typeface="Adobe 黑体 Std R" panose="020B0400000000000000" pitchFamily="34" charset="-122"/>
+            </a:endParaRPr>
+          </a:p>
+        </p:txBody>
+      </p:sp>
+      <p:sp>
+        <p:nvSpPr>
+          <p:cNvPr id="3" name="内容占位符 2"/>
+          <p:cNvSpPr>
+            <a:spLocks noGrp="1"/>
+          </p:cNvSpPr>
+          <p:nvPr>
+            <p:ph idx="1"/>
+          </p:nvPr>
+        </p:nvSpPr>
+        <p:spPr/>
+        <p:txBody>
+          <a:bodyPr/>
+          <a:lstStyle/>
+          <a:p>
+            <a:r>
+              <a:rPr lang="zh-CN" altLang="en-US" dirty="0" smtClean="0">
+                <a:latin typeface="Adobe 楷体 Std R" panose="02020400000000000000" pitchFamily="18" charset="-122"/>
+                <a:ea typeface="Adobe 楷体 Std R" panose="02020400000000000000" pitchFamily="18" charset="-122"/>
+              </a:rPr>
+              <a:t>在简单的</a:t>
+            </a:r>
+            <a:r>
+              <a:rPr lang="en-US" altLang="zh-CN" dirty="0" smtClean="0">
+                <a:latin typeface="Adobe 楷体 Std R" panose="02020400000000000000" pitchFamily="18" charset="-122"/>
+                <a:ea typeface="Adobe 楷体 Std R" panose="02020400000000000000" pitchFamily="18" charset="-122"/>
+              </a:rPr>
+              <a:t>Web</a:t>
+            </a:r>
+            <a:r>
+              <a:rPr lang="zh-CN" altLang="en-US" dirty="0" smtClean="0">
+                <a:latin typeface="Adobe 楷体 Std R" panose="02020400000000000000" pitchFamily="18" charset="-122"/>
+                <a:ea typeface="Adobe 楷体 Std R" panose="02020400000000000000" pitchFamily="18" charset="-122"/>
+              </a:rPr>
+              <a:t>框架基础上逐步丰富功能</a:t>
+            </a:r>
+            <a:endParaRPr lang="en-US" altLang="zh-CN" dirty="0" smtClean="0">
+              <a:latin typeface="Adobe 楷体 Std R" panose="02020400000000000000" pitchFamily="18" charset="-122"/>
+              <a:ea typeface="Adobe 楷体 Std R" panose="02020400000000000000" pitchFamily="18" charset="-122"/>
+            </a:endParaRPr>
+          </a:p>
+          <a:p>
+            <a:r>
+              <a:rPr lang="zh-CN" altLang="en-US" dirty="0" smtClean="0">
+                <a:latin typeface="Adobe 楷体 Std R" panose="02020400000000000000" pitchFamily="18" charset="-122"/>
+                <a:ea typeface="Adobe 楷体 Std R" panose="02020400000000000000" pitchFamily="18" charset="-122"/>
+              </a:rPr>
+              <a:t>实现注册</a:t>
+            </a:r>
+            <a:r>
+              <a:rPr lang="en-US" altLang="zh-CN" dirty="0" smtClean="0">
+                <a:latin typeface="Adobe 楷体 Std R" panose="02020400000000000000" pitchFamily="18" charset="-122"/>
+                <a:ea typeface="Adobe 楷体 Std R" panose="02020400000000000000" pitchFamily="18" charset="-122"/>
+              </a:rPr>
+              <a:t>/</a:t>
+            </a:r>
+            <a:r>
+              <a:rPr lang="zh-CN" altLang="en-US" dirty="0" smtClean="0">
+                <a:latin typeface="Adobe 楷体 Std R" panose="02020400000000000000" pitchFamily="18" charset="-122"/>
+                <a:ea typeface="Adobe 楷体 Std R" panose="02020400000000000000" pitchFamily="18" charset="-122"/>
+              </a:rPr>
+              <a:t>登录</a:t>
+            </a:r>
+            <a:r>
+              <a:rPr lang="en-US" altLang="zh-CN" dirty="0" smtClean="0">
+                <a:latin typeface="Adobe 楷体 Std R" panose="02020400000000000000" pitchFamily="18" charset="-122"/>
+                <a:ea typeface="Adobe 楷体 Std R" panose="02020400000000000000" pitchFamily="18" charset="-122"/>
+              </a:rPr>
+              <a:t>/</a:t>
+            </a:r>
+            <a:r>
+              <a:rPr lang="zh-CN" altLang="en-US" dirty="0" smtClean="0">
+                <a:latin typeface="Adobe 楷体 Std R" panose="02020400000000000000" pitchFamily="18" charset="-122"/>
+                <a:ea typeface="Adobe 楷体 Std R" panose="02020400000000000000" pitchFamily="18" charset="-122"/>
+              </a:rPr>
+              <a:t>修改密码功能</a:t>
+            </a:r>
+            <a:endParaRPr lang="en-US" altLang="zh-CN" dirty="0" smtClean="0">
+              <a:latin typeface="Adobe 楷体 Std R" panose="02020400000000000000" pitchFamily="18" charset="-122"/>
+              <a:ea typeface="Adobe 楷体 Std R" panose="02020400000000000000" pitchFamily="18" charset="-122"/>
+            </a:endParaRPr>
+          </a:p>
+          <a:p>
+            <a:r>
+              <a:rPr lang="zh-CN" altLang="en-US" dirty="0" smtClean="0">
+                <a:latin typeface="Adobe 楷体 Std R" panose="02020400000000000000" pitchFamily="18" charset="-122"/>
+                <a:ea typeface="Adobe 楷体 Std R" panose="02020400000000000000" pitchFamily="18" charset="-122"/>
+              </a:rPr>
+              <a:t>能够独立运行</a:t>
+            </a:r>
+            <a:endParaRPr lang="en-US" altLang="zh-CN" dirty="0" smtClean="0">
+              <a:latin typeface="Adobe 楷体 Std R" panose="02020400000000000000" pitchFamily="18" charset="-122"/>
+              <a:ea typeface="Adobe 楷体 Std R" panose="02020400000000000000" pitchFamily="18" charset="-122"/>
+            </a:endParaRPr>
+          </a:p>
+          <a:p>
+            <a:r>
+              <a:rPr lang="zh-CN" altLang="en-US" dirty="0" smtClean="0">
+                <a:latin typeface="Adobe 楷体 Std R" panose="02020400000000000000" pitchFamily="18" charset="-122"/>
+                <a:ea typeface="Adobe 楷体 Std R" panose="02020400000000000000" pitchFamily="18" charset="-122"/>
+              </a:rPr>
+              <a:t>提供代码和相应的设计和测试文档</a:t>
+            </a:r>
+            <a:endParaRPr lang="en-US" altLang="zh-CN" dirty="0" smtClean="0">
+              <a:latin typeface="Adobe 楷体 Std R" panose="02020400000000000000" pitchFamily="18" charset="-122"/>
+              <a:ea typeface="Adobe 楷体 Std R" panose="02020400000000000000" pitchFamily="18" charset="-122"/>
+            </a:endParaRPr>
+          </a:p>
+          <a:p>
+            <a:endParaRPr lang="zh-CN" altLang="en-US" dirty="0"/>
+          </a:p>
+        </p:txBody>
+      </p:sp>
+    </p:spTree>
+    <p:extLst>
+      <p:ext uri="{BB962C8B-B14F-4D97-AF65-F5344CB8AC3E}">
+        <p14:creationId xmlns:p14="http://schemas.microsoft.com/office/powerpoint/2010/main" val="1644677142"/>
+      </p:ext>
+    </p:extLst>
+  </p:cSld>
+  <p:clrMapOvr>
+    <a:masterClrMapping/>
+  </p:clrMapOvr>
+</p:sld>
+</file>
+
+<file path=ppt/slides/slide38.xml><?xml version="1.0" encoding="utf-8"?>
 <p:sld xmlns:a="http://schemas.openxmlformats.org/drawingml/2006/main" xmlns:r="http://schemas.openxmlformats.org/officeDocument/2006/relationships" xmlns:p="http://schemas.openxmlformats.org/presentationml/2006/main">
   <p:cSld>
     <p:spTree>
@@ -16268,1589 +19943,6 @@
       <p:transition spd="slow"/>
     </mc:Fallback>
   </mc:AlternateContent>
-  <p:timing>
-    <p:tnLst>
-      <p:par>
-        <p:cTn id="1" dur="indefinite" restart="never" nodeType="tmRoot"/>
-      </p:par>
-    </p:tnLst>
-  </p:timing>
-</p:sld>
-</file>
-
-<file path=ppt/slides/slide3.xml><?xml version="1.0" encoding="utf-8"?>
-<p:sld xmlns:a="http://schemas.openxmlformats.org/drawingml/2006/main" xmlns:r="http://schemas.openxmlformats.org/officeDocument/2006/relationships" xmlns:p="http://schemas.openxmlformats.org/presentationml/2006/main">
-  <p:cSld>
-    <p:spTree>
-      <p:nvGrpSpPr>
-        <p:cNvPr id="1" name=""/>
-        <p:cNvGrpSpPr/>
-        <p:nvPr/>
-      </p:nvGrpSpPr>
-      <p:grpSpPr>
-        <a:xfrm>
-          <a:off x="0" y="0"/>
-          <a:ext cx="0" cy="0"/>
-          <a:chOff x="0" y="0"/>
-          <a:chExt cx="0" cy="0"/>
-        </a:xfrm>
-      </p:grpSpPr>
-      <p:sp>
-        <p:nvSpPr>
-          <p:cNvPr id="2" name="标题 1"/>
-          <p:cNvSpPr>
-            <a:spLocks noGrp="1"/>
-          </p:cNvSpPr>
-          <p:nvPr>
-            <p:ph type="title"/>
-          </p:nvPr>
-        </p:nvSpPr>
-        <p:spPr/>
-        <p:txBody>
-          <a:bodyPr/>
-          <a:lstStyle/>
-          <a:p>
-            <a:r>
-              <a:rPr lang="zh-CN" altLang="en-US" dirty="0" smtClean="0">
-                <a:latin typeface="Adobe 黑体 Std R" panose="020B0400000000000000" pitchFamily="34" charset="-122"/>
-                <a:ea typeface="Adobe 黑体 Std R" panose="020B0400000000000000" pitchFamily="34" charset="-122"/>
-              </a:rPr>
-              <a:t>准备阶段</a:t>
-            </a:r>
-            <a:endParaRPr lang="zh-CN" altLang="en-US" dirty="0">
-              <a:latin typeface="Adobe 黑体 Std R" panose="020B0400000000000000" pitchFamily="34" charset="-122"/>
-              <a:ea typeface="Adobe 黑体 Std R" panose="020B0400000000000000" pitchFamily="34" charset="-122"/>
-            </a:endParaRPr>
-          </a:p>
-        </p:txBody>
-      </p:sp>
-      <p:sp>
-        <p:nvSpPr>
-          <p:cNvPr id="3" name="内容占位符 2"/>
-          <p:cNvSpPr>
-            <a:spLocks noGrp="1"/>
-          </p:cNvSpPr>
-          <p:nvPr>
-            <p:ph idx="1"/>
-          </p:nvPr>
-        </p:nvSpPr>
-        <p:spPr>
-          <a:xfrm>
-            <a:off x="1098643" y="3157151"/>
-            <a:ext cx="2459558" cy="2162347"/>
-          </a:xfrm>
-        </p:spPr>
-        <p:txBody>
-          <a:bodyPr/>
-          <a:lstStyle/>
-          <a:p>
-            <a:pPr marL="0" indent="0">
-              <a:buNone/>
-            </a:pPr>
-            <a:r>
-              <a:rPr lang="zh-CN" altLang="en-US" dirty="0">
-                <a:latin typeface="Adobe 楷体 Std R" panose="02020400000000000000" pitchFamily="18" charset="-122"/>
-                <a:ea typeface="Adobe 楷体 Std R" panose="02020400000000000000" pitchFamily="18" charset="-122"/>
-              </a:rPr>
-              <a:t>开启</a:t>
-            </a:r>
-            <a:r>
-              <a:rPr lang="zh-CN" altLang="en-US" dirty="0" smtClean="0">
-                <a:latin typeface="Adobe 楷体 Std R" panose="02020400000000000000" pitchFamily="18" charset="-122"/>
-                <a:ea typeface="Adobe 楷体 Std R" panose="02020400000000000000" pitchFamily="18" charset="-122"/>
-              </a:rPr>
-              <a:t>项目</a:t>
-            </a:r>
-            <a:endParaRPr lang="en-US" altLang="zh-CN" dirty="0" smtClean="0">
-              <a:latin typeface="Adobe 楷体 Std R" panose="02020400000000000000" pitchFamily="18" charset="-122"/>
-              <a:ea typeface="Adobe 楷体 Std R" panose="02020400000000000000" pitchFamily="18" charset="-122"/>
-            </a:endParaRPr>
-          </a:p>
-          <a:p>
-            <a:pPr marL="0" indent="0">
-              <a:buNone/>
-            </a:pPr>
-            <a:r>
-              <a:rPr lang="en-US" altLang="zh-CN" dirty="0" smtClean="0">
-                <a:latin typeface="Adobe 楷体 Std R" panose="02020400000000000000" pitchFamily="18" charset="-122"/>
-                <a:ea typeface="Adobe 楷体 Std R" panose="02020400000000000000" pitchFamily="18" charset="-122"/>
-              </a:rPr>
-              <a:t>	[</a:t>
-            </a:r>
-            <a:r>
-              <a:rPr lang="zh-CN" altLang="en-US" dirty="0">
-                <a:latin typeface="Adobe 楷体 Std R" panose="02020400000000000000" pitchFamily="18" charset="-122"/>
-                <a:ea typeface="Adobe 楷体 Std R" panose="02020400000000000000" pitchFamily="18" charset="-122"/>
-              </a:rPr>
-              <a:t>学习调研</a:t>
-            </a:r>
-            <a:r>
-              <a:rPr lang="en-US" altLang="zh-CN" dirty="0" smtClean="0">
-                <a:latin typeface="Adobe 楷体 Std R" panose="02020400000000000000" pitchFamily="18" charset="-122"/>
-                <a:ea typeface="Adobe 楷体 Std R" panose="02020400000000000000" pitchFamily="18" charset="-122"/>
-              </a:rPr>
-              <a:t>]</a:t>
-            </a:r>
-            <a:endParaRPr lang="zh-CN" altLang="en-US" dirty="0">
-              <a:latin typeface="Adobe 楷体 Std R" panose="02020400000000000000" pitchFamily="18" charset="-122"/>
-              <a:ea typeface="Adobe 楷体 Std R" panose="02020400000000000000" pitchFamily="18" charset="-122"/>
-            </a:endParaRPr>
-          </a:p>
-          <a:p>
-            <a:pPr marL="0" indent="0">
-              <a:buNone/>
-            </a:pPr>
-            <a:r>
-              <a:rPr lang="zh-CN" altLang="en-US" dirty="0">
-                <a:latin typeface="Adobe 楷体 Std R" panose="02020400000000000000" pitchFamily="18" charset="-122"/>
-                <a:ea typeface="Adobe 楷体 Std R" panose="02020400000000000000" pitchFamily="18" charset="-122"/>
-              </a:rPr>
-              <a:t>	</a:t>
-            </a:r>
-            <a:r>
-              <a:rPr lang="en-US" altLang="zh-CN" dirty="0" smtClean="0">
-                <a:latin typeface="Adobe 楷体 Std R" panose="02020400000000000000" pitchFamily="18" charset="-122"/>
-                <a:ea typeface="Adobe 楷体 Std R" panose="02020400000000000000" pitchFamily="18" charset="-122"/>
-              </a:rPr>
-              <a:t>[</a:t>
-            </a:r>
-            <a:r>
-              <a:rPr lang="zh-CN" altLang="en-US" dirty="0" smtClean="0">
-                <a:latin typeface="Adobe 楷体 Std R" panose="02020400000000000000" pitchFamily="18" charset="-122"/>
-                <a:ea typeface="Adobe 楷体 Std R" panose="02020400000000000000" pitchFamily="18" charset="-122"/>
-              </a:rPr>
-              <a:t>开发环境</a:t>
-            </a:r>
-            <a:r>
-              <a:rPr lang="en-US" altLang="zh-CN" dirty="0" smtClean="0">
-                <a:latin typeface="Adobe 楷体 Std R" panose="02020400000000000000" pitchFamily="18" charset="-122"/>
-                <a:ea typeface="Adobe 楷体 Std R" panose="02020400000000000000" pitchFamily="18" charset="-122"/>
-              </a:rPr>
-              <a:t>]</a:t>
-            </a:r>
-            <a:endParaRPr lang="en-US" altLang="zh-CN" dirty="0">
-              <a:latin typeface="Adobe 楷体 Std R" panose="02020400000000000000" pitchFamily="18" charset="-122"/>
-              <a:ea typeface="Adobe 楷体 Std R" panose="02020400000000000000" pitchFamily="18" charset="-122"/>
-            </a:endParaRPr>
-          </a:p>
-          <a:p>
-            <a:pPr marL="0" indent="0">
-              <a:buNone/>
-            </a:pPr>
-            <a:r>
-              <a:rPr lang="en-US" altLang="zh-CN" dirty="0">
-                <a:latin typeface="Adobe 楷体 Std R" panose="02020400000000000000" pitchFamily="18" charset="-122"/>
-                <a:ea typeface="Adobe 楷体 Std R" panose="02020400000000000000" pitchFamily="18" charset="-122"/>
-              </a:rPr>
-              <a:t>	[</a:t>
-            </a:r>
-            <a:r>
-              <a:rPr lang="zh-CN" altLang="en-US" dirty="0">
-                <a:latin typeface="Adobe 楷体 Std R" panose="02020400000000000000" pitchFamily="18" charset="-122"/>
-                <a:ea typeface="Adobe 楷体 Std R" panose="02020400000000000000" pitchFamily="18" charset="-122"/>
-              </a:rPr>
-              <a:t>建库</a:t>
-            </a:r>
-            <a:r>
-              <a:rPr lang="en-US" altLang="zh-CN" dirty="0">
-                <a:latin typeface="Adobe 楷体 Std R" panose="02020400000000000000" pitchFamily="18" charset="-122"/>
-                <a:ea typeface="Adobe 楷体 Std R" panose="02020400000000000000" pitchFamily="18" charset="-122"/>
-              </a:rPr>
-              <a:t>]</a:t>
-            </a:r>
-          </a:p>
-          <a:p>
-            <a:pPr marL="0" indent="0">
-              <a:buNone/>
-            </a:pPr>
-            <a:r>
-              <a:rPr lang="en-US" altLang="zh-CN" dirty="0">
-                <a:latin typeface="Adobe 楷体 Std R" panose="02020400000000000000" pitchFamily="18" charset="-122"/>
-                <a:ea typeface="Adobe 楷体 Std R" panose="02020400000000000000" pitchFamily="18" charset="-122"/>
-              </a:rPr>
-              <a:t>	</a:t>
-            </a:r>
-            <a:endParaRPr lang="zh-CN" altLang="en-US" dirty="0">
-              <a:latin typeface="Adobe 楷体 Std R" panose="02020400000000000000" pitchFamily="18" charset="-122"/>
-              <a:ea typeface="Adobe 楷体 Std R" panose="02020400000000000000" pitchFamily="18" charset="-122"/>
-            </a:endParaRPr>
-          </a:p>
-        </p:txBody>
-      </p:sp>
-      <p:sp>
-        <p:nvSpPr>
-          <p:cNvPr id="7" name="内容占位符 2"/>
-          <p:cNvSpPr txBox="1">
-            <a:spLocks/>
-          </p:cNvSpPr>
-          <p:nvPr/>
-        </p:nvSpPr>
-        <p:spPr bwMode="auto">
-          <a:xfrm>
-            <a:off x="4180580" y="2537495"/>
-            <a:ext cx="2479651" cy="1757457"/>
-          </a:xfrm>
-          <a:prstGeom prst="rect">
-            <a:avLst/>
-          </a:prstGeom>
-          <a:solidFill>
-            <a:srgbClr val="FF9900"/>
-          </a:solidFill>
-          <a:ln>
-            <a:noFill/>
-          </a:ln>
-          <a:extLst/>
-        </p:spPr>
-        <p:txBody>
-          <a:bodyPr vert="horz" wrap="square" lIns="91440" tIns="45720" rIns="91440" bIns="45720" numCol="1" anchor="t" anchorCtr="0" compatLnSpc="1">
-            <a:prstTxWarp prst="textNoShape">
-              <a:avLst/>
-            </a:prstTxWarp>
-          </a:bodyPr>
-          <a:lstStyle>
-            <a:lvl1pPr marL="285750" indent="-285750" algn="l" defTabSz="457200" rtl="0" eaLnBrk="0" fontAlgn="base" hangingPunct="0">
-              <a:spcBef>
-                <a:spcPct val="20000"/>
-              </a:spcBef>
-              <a:spcAft>
-                <a:spcPts val="600"/>
-              </a:spcAft>
-              <a:buClr>
-                <a:schemeClr val="accent1"/>
-              </a:buClr>
-              <a:buSzPct val="115000"/>
-              <a:buFont typeface="Arial" panose="020B0604020202020204" pitchFamily="34" charset="0"/>
-              <a:buChar char="•"/>
-              <a:defRPr sz="2400" kern="1200">
-                <a:solidFill>
-                  <a:srgbClr val="262626"/>
-                </a:solidFill>
-                <a:latin typeface="+mn-lt"/>
-                <a:ea typeface="+mn-ea"/>
-                <a:cs typeface="+mn-cs"/>
-              </a:defRPr>
-            </a:lvl1pPr>
-            <a:lvl2pPr marL="742950" indent="-285750" algn="l" defTabSz="457200" rtl="0" eaLnBrk="0" fontAlgn="base" hangingPunct="0">
-              <a:spcBef>
-                <a:spcPct val="20000"/>
-              </a:spcBef>
-              <a:spcAft>
-                <a:spcPts val="600"/>
-              </a:spcAft>
-              <a:buClr>
-                <a:schemeClr val="accent1"/>
-              </a:buClr>
-              <a:buSzPct val="115000"/>
-              <a:buFont typeface="Arial" panose="020B0604020202020204" pitchFamily="34" charset="0"/>
-              <a:buChar char="•"/>
-              <a:defRPr sz="2000" kern="1200">
-                <a:solidFill>
-                  <a:srgbClr val="262626"/>
-                </a:solidFill>
-                <a:latin typeface="+mn-lt"/>
-                <a:ea typeface="+mn-ea"/>
-                <a:cs typeface="+mn-cs"/>
-              </a:defRPr>
-            </a:lvl2pPr>
-            <a:lvl3pPr marL="1200150" indent="-285750" algn="l" defTabSz="457200" rtl="0" eaLnBrk="0" fontAlgn="base" hangingPunct="0">
-              <a:spcBef>
-                <a:spcPct val="20000"/>
-              </a:spcBef>
-              <a:spcAft>
-                <a:spcPts val="600"/>
-              </a:spcAft>
-              <a:buClr>
-                <a:schemeClr val="accent1"/>
-              </a:buClr>
-              <a:buSzPct val="115000"/>
-              <a:buFont typeface="Arial" panose="020B0604020202020204" pitchFamily="34" charset="0"/>
-              <a:buChar char="•"/>
-              <a:defRPr kern="1200">
-                <a:solidFill>
-                  <a:srgbClr val="262626"/>
-                </a:solidFill>
-                <a:latin typeface="+mn-lt"/>
-                <a:ea typeface="+mn-ea"/>
-                <a:cs typeface="+mn-cs"/>
-              </a:defRPr>
-            </a:lvl3pPr>
-            <a:lvl4pPr marL="1543050" indent="-171450" algn="l" defTabSz="457200" rtl="0" eaLnBrk="0" fontAlgn="base" hangingPunct="0">
-              <a:spcBef>
-                <a:spcPct val="20000"/>
-              </a:spcBef>
-              <a:spcAft>
-                <a:spcPts val="600"/>
-              </a:spcAft>
-              <a:buClr>
-                <a:schemeClr val="accent1"/>
-              </a:buClr>
-              <a:buSzPct val="115000"/>
-              <a:buFont typeface="Arial" panose="020B0604020202020204" pitchFamily="34" charset="0"/>
-              <a:buChar char="•"/>
-              <a:defRPr sz="1600" kern="1200">
-                <a:solidFill>
-                  <a:srgbClr val="262626"/>
-                </a:solidFill>
-                <a:latin typeface="+mn-lt"/>
-                <a:ea typeface="+mn-ea"/>
-                <a:cs typeface="+mn-cs"/>
-              </a:defRPr>
-            </a:lvl4pPr>
-            <a:lvl5pPr marL="2000250" indent="-171450" algn="l" defTabSz="457200" rtl="0" eaLnBrk="0" fontAlgn="base" hangingPunct="0">
-              <a:spcBef>
-                <a:spcPct val="20000"/>
-              </a:spcBef>
-              <a:spcAft>
-                <a:spcPts val="600"/>
-              </a:spcAft>
-              <a:buClr>
-                <a:schemeClr val="accent1"/>
-              </a:buClr>
-              <a:buSzPct val="115000"/>
-              <a:buFont typeface="Arial" panose="020B0604020202020204" pitchFamily="34" charset="0"/>
-              <a:buChar char="•"/>
-              <a:defRPr sz="1400" kern="1200">
-                <a:solidFill>
-                  <a:srgbClr val="262626"/>
-                </a:solidFill>
-                <a:latin typeface="+mn-lt"/>
-                <a:ea typeface="+mn-ea"/>
-                <a:cs typeface="+mn-cs"/>
-              </a:defRPr>
-            </a:lvl5pPr>
-            <a:lvl6pPr marL="2514600" indent="-228600" algn="l" defTabSz="457200" rtl="0" eaLnBrk="1" latinLnBrk="0" hangingPunct="1">
-              <a:spcBef>
-                <a:spcPct val="20000"/>
-              </a:spcBef>
-              <a:spcAft>
-                <a:spcPts val="600"/>
-              </a:spcAft>
-              <a:buClr>
-                <a:schemeClr val="accent1"/>
-              </a:buClr>
-              <a:buSzPct val="115000"/>
-              <a:buFont typeface="Arial"/>
-              <a:buChar char="•"/>
-              <a:defRPr sz="1400" kern="1200" cap="none">
-                <a:solidFill>
-                  <a:schemeClr val="tx1">
-                    <a:lumMod val="85000"/>
-                    <a:lumOff val="15000"/>
-                  </a:schemeClr>
-                </a:solidFill>
-                <a:effectLst/>
-                <a:latin typeface="+mn-lt"/>
-                <a:ea typeface="+mn-ea"/>
-                <a:cs typeface="+mn-cs"/>
-              </a:defRPr>
-            </a:lvl6pPr>
-            <a:lvl7pPr marL="2971800" indent="-228600" algn="l" defTabSz="457200" rtl="0" eaLnBrk="1" latinLnBrk="0" hangingPunct="1">
-              <a:spcBef>
-                <a:spcPct val="20000"/>
-              </a:spcBef>
-              <a:spcAft>
-                <a:spcPts val="600"/>
-              </a:spcAft>
-              <a:buClr>
-                <a:schemeClr val="accent1"/>
-              </a:buClr>
-              <a:buSzPct val="115000"/>
-              <a:buFont typeface="Arial"/>
-              <a:buChar char="•"/>
-              <a:defRPr sz="1400" kern="1200" cap="none">
-                <a:solidFill>
-                  <a:schemeClr val="tx1">
-                    <a:lumMod val="85000"/>
-                    <a:lumOff val="15000"/>
-                  </a:schemeClr>
-                </a:solidFill>
-                <a:effectLst/>
-                <a:latin typeface="+mn-lt"/>
-                <a:ea typeface="+mn-ea"/>
-                <a:cs typeface="+mn-cs"/>
-              </a:defRPr>
-            </a:lvl7pPr>
-            <a:lvl8pPr marL="3429000" indent="-228600" algn="l" defTabSz="457200" rtl="0" eaLnBrk="1" latinLnBrk="0" hangingPunct="1">
-              <a:spcBef>
-                <a:spcPct val="20000"/>
-              </a:spcBef>
-              <a:spcAft>
-                <a:spcPts val="600"/>
-              </a:spcAft>
-              <a:buClr>
-                <a:schemeClr val="accent1"/>
-              </a:buClr>
-              <a:buSzPct val="115000"/>
-              <a:buFont typeface="Arial"/>
-              <a:buChar char="•"/>
-              <a:defRPr sz="1400" kern="1200" cap="none">
-                <a:solidFill>
-                  <a:schemeClr val="tx1">
-                    <a:lumMod val="85000"/>
-                    <a:lumOff val="15000"/>
-                  </a:schemeClr>
-                </a:solidFill>
-                <a:effectLst/>
-                <a:latin typeface="+mn-lt"/>
-                <a:ea typeface="+mn-ea"/>
-                <a:cs typeface="+mn-cs"/>
-              </a:defRPr>
-            </a:lvl8pPr>
-            <a:lvl9pPr marL="3886200" indent="-228600" algn="l" defTabSz="457200" rtl="0" eaLnBrk="1" latinLnBrk="0" hangingPunct="1">
-              <a:spcBef>
-                <a:spcPct val="20000"/>
-              </a:spcBef>
-              <a:spcAft>
-                <a:spcPts val="600"/>
-              </a:spcAft>
-              <a:buClr>
-                <a:schemeClr val="accent1"/>
-              </a:buClr>
-              <a:buSzPct val="115000"/>
-              <a:buFont typeface="Arial"/>
-              <a:buChar char="•"/>
-              <a:defRPr sz="1400" kern="1200" cap="none">
-                <a:solidFill>
-                  <a:schemeClr val="tx1">
-                    <a:lumMod val="85000"/>
-                    <a:lumOff val="15000"/>
-                  </a:schemeClr>
-                </a:solidFill>
-                <a:effectLst/>
-                <a:latin typeface="+mn-lt"/>
-                <a:ea typeface="+mn-ea"/>
-                <a:cs typeface="+mn-cs"/>
-              </a:defRPr>
-            </a:lvl9pPr>
-          </a:lstStyle>
-          <a:p>
-            <a:pPr marL="0" indent="0">
-              <a:buNone/>
-            </a:pPr>
-            <a:r>
-              <a:rPr lang="en-US" altLang="zh-CN" sz="2000" dirty="0">
-                <a:latin typeface="Adobe 楷体 Std R" panose="02020400000000000000" pitchFamily="18" charset="-122"/>
-                <a:ea typeface="Adobe 楷体 Std R" panose="02020400000000000000" pitchFamily="18" charset="-122"/>
-              </a:rPr>
-              <a:t>[</a:t>
-            </a:r>
-            <a:r>
-              <a:rPr lang="zh-CN" altLang="en-US" sz="2000" dirty="0">
-                <a:latin typeface="Adobe 楷体 Std R" panose="02020400000000000000" pitchFamily="18" charset="-122"/>
-                <a:ea typeface="Adobe 楷体 Std R" panose="02020400000000000000" pitchFamily="18" charset="-122"/>
-              </a:rPr>
-              <a:t>网站功能</a:t>
-            </a:r>
-            <a:r>
-              <a:rPr lang="en-US" altLang="zh-CN" sz="2000" dirty="0" smtClean="0">
-                <a:latin typeface="Adobe 楷体 Std R" panose="02020400000000000000" pitchFamily="18" charset="-122"/>
-                <a:ea typeface="Adobe 楷体 Std R" panose="02020400000000000000" pitchFamily="18" charset="-122"/>
-              </a:rPr>
-              <a:t>]</a:t>
-            </a:r>
-          </a:p>
-          <a:p>
-            <a:pPr marL="0" indent="0">
-              <a:buFont typeface="Arial" panose="020B0604020202020204" pitchFamily="34" charset="0"/>
-              <a:buNone/>
-            </a:pPr>
-            <a:r>
-              <a:rPr lang="en-US" altLang="zh-CN" sz="2000" dirty="0" smtClean="0">
-                <a:latin typeface="Adobe 楷体 Std R" panose="02020400000000000000" pitchFamily="18" charset="-122"/>
-                <a:ea typeface="Adobe 楷体 Std R" panose="02020400000000000000" pitchFamily="18" charset="-122"/>
-              </a:rPr>
-              <a:t>[HTTP/HTTPS]</a:t>
-            </a:r>
-            <a:endParaRPr lang="zh-CN" altLang="en-US" sz="2000" dirty="0"/>
-          </a:p>
-          <a:p>
-            <a:pPr marL="0" indent="0">
-              <a:buNone/>
-            </a:pPr>
-            <a:r>
-              <a:rPr lang="en-US" altLang="zh-CN" sz="2000" dirty="0" smtClean="0">
-                <a:latin typeface="Adobe 楷体 Std R" panose="02020400000000000000" pitchFamily="18" charset="-122"/>
-                <a:ea typeface="Adobe 楷体 Std R" panose="02020400000000000000" pitchFamily="18" charset="-122"/>
-              </a:rPr>
-              <a:t>[</a:t>
-            </a:r>
-            <a:r>
-              <a:rPr lang="zh-CN" altLang="en-US" sz="2000" dirty="0" smtClean="0">
-                <a:latin typeface="Adobe 楷体 Std R" panose="02020400000000000000" pitchFamily="18" charset="-122"/>
-                <a:ea typeface="Adobe 楷体 Std R" panose="02020400000000000000" pitchFamily="18" charset="-122"/>
-              </a:rPr>
-              <a:t>如何加密</a:t>
-            </a:r>
-            <a:r>
-              <a:rPr lang="en-US" altLang="zh-CN" sz="2000" dirty="0" smtClean="0">
-                <a:latin typeface="Adobe 楷体 Std R" panose="02020400000000000000" pitchFamily="18" charset="-122"/>
-                <a:ea typeface="Adobe 楷体 Std R" panose="02020400000000000000" pitchFamily="18" charset="-122"/>
-              </a:rPr>
-              <a:t>/</a:t>
-            </a:r>
-            <a:r>
-              <a:rPr lang="zh-CN" altLang="en-US" sz="2000" dirty="0" smtClean="0">
-                <a:latin typeface="Adobe 楷体 Std R" panose="02020400000000000000" pitchFamily="18" charset="-122"/>
-                <a:ea typeface="Adobe 楷体 Std R" panose="02020400000000000000" pitchFamily="18" charset="-122"/>
-              </a:rPr>
-              <a:t>解密</a:t>
-            </a:r>
-            <a:r>
-              <a:rPr lang="en-US" altLang="zh-CN" sz="2000" dirty="0" smtClean="0">
-                <a:latin typeface="Adobe 楷体 Std R" panose="02020400000000000000" pitchFamily="18" charset="-122"/>
-                <a:ea typeface="Adobe 楷体 Std R" panose="02020400000000000000" pitchFamily="18" charset="-122"/>
-              </a:rPr>
-              <a:t>]</a:t>
-            </a:r>
-          </a:p>
-          <a:p>
-            <a:pPr marL="0" indent="0">
-              <a:buFont typeface="Arial" panose="020B0604020202020204" pitchFamily="34" charset="0"/>
-              <a:buNone/>
-            </a:pPr>
-            <a:r>
-              <a:rPr lang="en-US" altLang="zh-CN" dirty="0" smtClean="0">
-                <a:latin typeface="Adobe 楷体 Std R" panose="02020400000000000000" pitchFamily="18" charset="-122"/>
-                <a:ea typeface="Adobe 楷体 Std R" panose="02020400000000000000" pitchFamily="18" charset="-122"/>
-              </a:rPr>
-              <a:t>[web</a:t>
-            </a:r>
-            <a:r>
-              <a:rPr lang="zh-CN" altLang="en-US" dirty="0" smtClean="0">
-                <a:latin typeface="Adobe 楷体 Std R" panose="02020400000000000000" pitchFamily="18" charset="-122"/>
-                <a:ea typeface="Adobe 楷体 Std R" panose="02020400000000000000" pitchFamily="18" charset="-122"/>
-              </a:rPr>
-              <a:t>开发的框架</a:t>
-            </a:r>
-            <a:r>
-              <a:rPr lang="en-US" altLang="zh-CN" dirty="0" smtClean="0">
-                <a:latin typeface="Adobe 楷体 Std R" panose="02020400000000000000" pitchFamily="18" charset="-122"/>
-                <a:ea typeface="Adobe 楷体 Std R" panose="02020400000000000000" pitchFamily="18" charset="-122"/>
-              </a:rPr>
-              <a:t>]</a:t>
-            </a:r>
-          </a:p>
-          <a:p>
-            <a:pPr marL="0" indent="0">
-              <a:buFont typeface="Arial" panose="020B0604020202020204" pitchFamily="34" charset="0"/>
-              <a:buNone/>
-            </a:pPr>
-            <a:r>
-              <a:rPr lang="en-US" altLang="zh-CN" dirty="0" smtClean="0">
-                <a:latin typeface="Adobe 楷体 Std R" panose="02020400000000000000" pitchFamily="18" charset="-122"/>
-                <a:ea typeface="Adobe 楷体 Std R" panose="02020400000000000000" pitchFamily="18" charset="-122"/>
-              </a:rPr>
-              <a:t>	</a:t>
-            </a:r>
-            <a:endParaRPr lang="zh-CN" altLang="en-US" dirty="0">
-              <a:latin typeface="Adobe 楷体 Std R" panose="02020400000000000000" pitchFamily="18" charset="-122"/>
-              <a:ea typeface="Adobe 楷体 Std R" panose="02020400000000000000" pitchFamily="18" charset="-122"/>
-            </a:endParaRPr>
-          </a:p>
-        </p:txBody>
-      </p:sp>
-      <p:sp>
-        <p:nvSpPr>
-          <p:cNvPr id="8" name="左大括号 7"/>
-          <p:cNvSpPr/>
-          <p:nvPr/>
-        </p:nvSpPr>
-        <p:spPr>
-          <a:xfrm>
-            <a:off x="3063362" y="3155289"/>
-            <a:ext cx="1080120" cy="864096"/>
-          </a:xfrm>
-          <a:prstGeom prst="leftBrace">
-            <a:avLst>
-              <a:gd name="adj1" fmla="val 8333"/>
-              <a:gd name="adj2" fmla="val 85338"/>
-            </a:avLst>
-          </a:prstGeom>
-        </p:spPr>
-        <p:style>
-          <a:lnRef idx="3">
-            <a:schemeClr val="dk1"/>
-          </a:lnRef>
-          <a:fillRef idx="0">
-            <a:schemeClr val="dk1"/>
-          </a:fillRef>
-          <a:effectRef idx="2">
-            <a:schemeClr val="dk1"/>
-          </a:effectRef>
-          <a:fontRef idx="minor">
-            <a:schemeClr val="tx1"/>
-          </a:fontRef>
-        </p:style>
-        <p:txBody>
-          <a:bodyPr rtlCol="0" anchor="ctr"/>
-          <a:lstStyle/>
-          <a:p>
-            <a:pPr algn="ctr"/>
-            <a:endParaRPr lang="zh-CN" altLang="en-US"/>
-          </a:p>
-        </p:txBody>
-      </p:sp>
-      <p:sp>
-        <p:nvSpPr>
-          <p:cNvPr id="9" name="内容占位符 2"/>
-          <p:cNvSpPr txBox="1">
-            <a:spLocks/>
-          </p:cNvSpPr>
-          <p:nvPr/>
-        </p:nvSpPr>
-        <p:spPr bwMode="auto">
-          <a:xfrm>
-            <a:off x="4180580" y="4294953"/>
-            <a:ext cx="2047604" cy="1294726"/>
-          </a:xfrm>
-          <a:prstGeom prst="rect">
-            <a:avLst/>
-          </a:prstGeom>
-          <a:solidFill>
-            <a:srgbClr val="99CCFF"/>
-          </a:solidFill>
-          <a:ln>
-            <a:noFill/>
-          </a:ln>
-          <a:extLst/>
-        </p:spPr>
-        <p:txBody>
-          <a:bodyPr vert="horz" wrap="square" lIns="91440" tIns="45720" rIns="91440" bIns="45720" numCol="1" anchor="t" anchorCtr="0" compatLnSpc="1">
-            <a:prstTxWarp prst="textNoShape">
-              <a:avLst/>
-            </a:prstTxWarp>
-          </a:bodyPr>
-          <a:lstStyle>
-            <a:lvl1pPr marL="285750" indent="-285750" algn="l" defTabSz="457200" rtl="0" eaLnBrk="0" fontAlgn="base" hangingPunct="0">
-              <a:spcBef>
-                <a:spcPct val="20000"/>
-              </a:spcBef>
-              <a:spcAft>
-                <a:spcPts val="600"/>
-              </a:spcAft>
-              <a:buClr>
-                <a:schemeClr val="accent1"/>
-              </a:buClr>
-              <a:buSzPct val="115000"/>
-              <a:buFont typeface="Arial" panose="020B0604020202020204" pitchFamily="34" charset="0"/>
-              <a:buChar char="•"/>
-              <a:defRPr sz="2400" kern="1200">
-                <a:solidFill>
-                  <a:srgbClr val="262626"/>
-                </a:solidFill>
-                <a:latin typeface="+mn-lt"/>
-                <a:ea typeface="+mn-ea"/>
-                <a:cs typeface="+mn-cs"/>
-              </a:defRPr>
-            </a:lvl1pPr>
-            <a:lvl2pPr marL="742950" indent="-285750" algn="l" defTabSz="457200" rtl="0" eaLnBrk="0" fontAlgn="base" hangingPunct="0">
-              <a:spcBef>
-                <a:spcPct val="20000"/>
-              </a:spcBef>
-              <a:spcAft>
-                <a:spcPts val="600"/>
-              </a:spcAft>
-              <a:buClr>
-                <a:schemeClr val="accent1"/>
-              </a:buClr>
-              <a:buSzPct val="115000"/>
-              <a:buFont typeface="Arial" panose="020B0604020202020204" pitchFamily="34" charset="0"/>
-              <a:buChar char="•"/>
-              <a:defRPr sz="2000" kern="1200">
-                <a:solidFill>
-                  <a:srgbClr val="262626"/>
-                </a:solidFill>
-                <a:latin typeface="+mn-lt"/>
-                <a:ea typeface="+mn-ea"/>
-                <a:cs typeface="+mn-cs"/>
-              </a:defRPr>
-            </a:lvl2pPr>
-            <a:lvl3pPr marL="1200150" indent="-285750" algn="l" defTabSz="457200" rtl="0" eaLnBrk="0" fontAlgn="base" hangingPunct="0">
-              <a:spcBef>
-                <a:spcPct val="20000"/>
-              </a:spcBef>
-              <a:spcAft>
-                <a:spcPts val="600"/>
-              </a:spcAft>
-              <a:buClr>
-                <a:schemeClr val="accent1"/>
-              </a:buClr>
-              <a:buSzPct val="115000"/>
-              <a:buFont typeface="Arial" panose="020B0604020202020204" pitchFamily="34" charset="0"/>
-              <a:buChar char="•"/>
-              <a:defRPr kern="1200">
-                <a:solidFill>
-                  <a:srgbClr val="262626"/>
-                </a:solidFill>
-                <a:latin typeface="+mn-lt"/>
-                <a:ea typeface="+mn-ea"/>
-                <a:cs typeface="+mn-cs"/>
-              </a:defRPr>
-            </a:lvl3pPr>
-            <a:lvl4pPr marL="1543050" indent="-171450" algn="l" defTabSz="457200" rtl="0" eaLnBrk="0" fontAlgn="base" hangingPunct="0">
-              <a:spcBef>
-                <a:spcPct val="20000"/>
-              </a:spcBef>
-              <a:spcAft>
-                <a:spcPts val="600"/>
-              </a:spcAft>
-              <a:buClr>
-                <a:schemeClr val="accent1"/>
-              </a:buClr>
-              <a:buSzPct val="115000"/>
-              <a:buFont typeface="Arial" panose="020B0604020202020204" pitchFamily="34" charset="0"/>
-              <a:buChar char="•"/>
-              <a:defRPr sz="1600" kern="1200">
-                <a:solidFill>
-                  <a:srgbClr val="262626"/>
-                </a:solidFill>
-                <a:latin typeface="+mn-lt"/>
-                <a:ea typeface="+mn-ea"/>
-                <a:cs typeface="+mn-cs"/>
-              </a:defRPr>
-            </a:lvl4pPr>
-            <a:lvl5pPr marL="2000250" indent="-171450" algn="l" defTabSz="457200" rtl="0" eaLnBrk="0" fontAlgn="base" hangingPunct="0">
-              <a:spcBef>
-                <a:spcPct val="20000"/>
-              </a:spcBef>
-              <a:spcAft>
-                <a:spcPts val="600"/>
-              </a:spcAft>
-              <a:buClr>
-                <a:schemeClr val="accent1"/>
-              </a:buClr>
-              <a:buSzPct val="115000"/>
-              <a:buFont typeface="Arial" panose="020B0604020202020204" pitchFamily="34" charset="0"/>
-              <a:buChar char="•"/>
-              <a:defRPr sz="1400" kern="1200">
-                <a:solidFill>
-                  <a:srgbClr val="262626"/>
-                </a:solidFill>
-                <a:latin typeface="+mn-lt"/>
-                <a:ea typeface="+mn-ea"/>
-                <a:cs typeface="+mn-cs"/>
-              </a:defRPr>
-            </a:lvl5pPr>
-            <a:lvl6pPr marL="2514600" indent="-228600" algn="l" defTabSz="457200" rtl="0" eaLnBrk="1" latinLnBrk="0" hangingPunct="1">
-              <a:spcBef>
-                <a:spcPct val="20000"/>
-              </a:spcBef>
-              <a:spcAft>
-                <a:spcPts val="600"/>
-              </a:spcAft>
-              <a:buClr>
-                <a:schemeClr val="accent1"/>
-              </a:buClr>
-              <a:buSzPct val="115000"/>
-              <a:buFont typeface="Arial"/>
-              <a:buChar char="•"/>
-              <a:defRPr sz="1400" kern="1200" cap="none">
-                <a:solidFill>
-                  <a:schemeClr val="tx1">
-                    <a:lumMod val="85000"/>
-                    <a:lumOff val="15000"/>
-                  </a:schemeClr>
-                </a:solidFill>
-                <a:effectLst/>
-                <a:latin typeface="+mn-lt"/>
-                <a:ea typeface="+mn-ea"/>
-                <a:cs typeface="+mn-cs"/>
-              </a:defRPr>
-            </a:lvl6pPr>
-            <a:lvl7pPr marL="2971800" indent="-228600" algn="l" defTabSz="457200" rtl="0" eaLnBrk="1" latinLnBrk="0" hangingPunct="1">
-              <a:spcBef>
-                <a:spcPct val="20000"/>
-              </a:spcBef>
-              <a:spcAft>
-                <a:spcPts val="600"/>
-              </a:spcAft>
-              <a:buClr>
-                <a:schemeClr val="accent1"/>
-              </a:buClr>
-              <a:buSzPct val="115000"/>
-              <a:buFont typeface="Arial"/>
-              <a:buChar char="•"/>
-              <a:defRPr sz="1400" kern="1200" cap="none">
-                <a:solidFill>
-                  <a:schemeClr val="tx1">
-                    <a:lumMod val="85000"/>
-                    <a:lumOff val="15000"/>
-                  </a:schemeClr>
-                </a:solidFill>
-                <a:effectLst/>
-                <a:latin typeface="+mn-lt"/>
-                <a:ea typeface="+mn-ea"/>
-                <a:cs typeface="+mn-cs"/>
-              </a:defRPr>
-            </a:lvl7pPr>
-            <a:lvl8pPr marL="3429000" indent="-228600" algn="l" defTabSz="457200" rtl="0" eaLnBrk="1" latinLnBrk="0" hangingPunct="1">
-              <a:spcBef>
-                <a:spcPct val="20000"/>
-              </a:spcBef>
-              <a:spcAft>
-                <a:spcPts val="600"/>
-              </a:spcAft>
-              <a:buClr>
-                <a:schemeClr val="accent1"/>
-              </a:buClr>
-              <a:buSzPct val="115000"/>
-              <a:buFont typeface="Arial"/>
-              <a:buChar char="•"/>
-              <a:defRPr sz="1400" kern="1200" cap="none">
-                <a:solidFill>
-                  <a:schemeClr val="tx1">
-                    <a:lumMod val="85000"/>
-                    <a:lumOff val="15000"/>
-                  </a:schemeClr>
-                </a:solidFill>
-                <a:effectLst/>
-                <a:latin typeface="+mn-lt"/>
-                <a:ea typeface="+mn-ea"/>
-                <a:cs typeface="+mn-cs"/>
-              </a:defRPr>
-            </a:lvl8pPr>
-            <a:lvl9pPr marL="3886200" indent="-228600" algn="l" defTabSz="457200" rtl="0" eaLnBrk="1" latinLnBrk="0" hangingPunct="1">
-              <a:spcBef>
-                <a:spcPct val="20000"/>
-              </a:spcBef>
-              <a:spcAft>
-                <a:spcPts val="600"/>
-              </a:spcAft>
-              <a:buClr>
-                <a:schemeClr val="accent1"/>
-              </a:buClr>
-              <a:buSzPct val="115000"/>
-              <a:buFont typeface="Arial"/>
-              <a:buChar char="•"/>
-              <a:defRPr sz="1400" kern="1200" cap="none">
-                <a:solidFill>
-                  <a:schemeClr val="tx1">
-                    <a:lumMod val="85000"/>
-                    <a:lumOff val="15000"/>
-                  </a:schemeClr>
-                </a:solidFill>
-                <a:effectLst/>
-                <a:latin typeface="+mn-lt"/>
-                <a:ea typeface="+mn-ea"/>
-                <a:cs typeface="+mn-cs"/>
-              </a:defRPr>
-            </a:lvl9pPr>
-          </a:lstStyle>
-          <a:p>
-            <a:pPr marL="0" indent="0">
-              <a:buFont typeface="Arial" panose="020B0604020202020204" pitchFamily="34" charset="0"/>
-              <a:buNone/>
-            </a:pPr>
-            <a:r>
-              <a:rPr lang="en-US" altLang="zh-CN" sz="2000" dirty="0" smtClean="0">
-                <a:latin typeface="Adobe 楷体 Std R" panose="02020400000000000000" pitchFamily="18" charset="-122"/>
-                <a:ea typeface="Adobe 楷体 Std R" panose="02020400000000000000" pitchFamily="18" charset="-122"/>
-              </a:rPr>
-              <a:t>[PC]</a:t>
-            </a:r>
-            <a:endParaRPr lang="zh-CN" altLang="en-US" sz="2000" dirty="0"/>
-          </a:p>
-          <a:p>
-            <a:pPr marL="0" indent="0">
-              <a:buNone/>
-            </a:pPr>
-            <a:r>
-              <a:rPr lang="en-US" altLang="zh-CN" sz="2000" dirty="0" smtClean="0">
-                <a:latin typeface="Adobe 楷体 Std R" panose="02020400000000000000" pitchFamily="18" charset="-122"/>
-                <a:ea typeface="Adobe 楷体 Std R" panose="02020400000000000000" pitchFamily="18" charset="-122"/>
-              </a:rPr>
-              <a:t>[Java/Eclipse]</a:t>
-            </a:r>
-          </a:p>
-          <a:p>
-            <a:pPr marL="0" indent="0">
-              <a:buNone/>
-            </a:pPr>
-            <a:r>
-              <a:rPr lang="en-US" altLang="zh-CN" sz="2000" dirty="0" smtClean="0">
-                <a:latin typeface="Adobe 楷体 Std R" panose="02020400000000000000" pitchFamily="18" charset="-122"/>
-                <a:ea typeface="Adobe 楷体 Std R" panose="02020400000000000000" pitchFamily="18" charset="-122"/>
-              </a:rPr>
-              <a:t>[Tomcat]</a:t>
-            </a:r>
-            <a:endParaRPr lang="zh-CN" altLang="en-US" sz="2000" dirty="0"/>
-          </a:p>
-          <a:p>
-            <a:pPr marL="0" indent="0">
-              <a:buFont typeface="Arial" panose="020B0604020202020204" pitchFamily="34" charset="0"/>
-              <a:buNone/>
-            </a:pPr>
-            <a:endParaRPr lang="en-US" altLang="zh-CN" dirty="0" smtClean="0">
-              <a:latin typeface="Adobe 楷体 Std R" panose="02020400000000000000" pitchFamily="18" charset="-122"/>
-              <a:ea typeface="Adobe 楷体 Std R" panose="02020400000000000000" pitchFamily="18" charset="-122"/>
-            </a:endParaRPr>
-          </a:p>
-          <a:p>
-            <a:pPr marL="0" indent="0">
-              <a:buFont typeface="Arial" panose="020B0604020202020204" pitchFamily="34" charset="0"/>
-              <a:buNone/>
-            </a:pPr>
-            <a:r>
-              <a:rPr lang="en-US" altLang="zh-CN" dirty="0" smtClean="0">
-                <a:latin typeface="Adobe 楷体 Std R" panose="02020400000000000000" pitchFamily="18" charset="-122"/>
-                <a:ea typeface="Adobe 楷体 Std R" panose="02020400000000000000" pitchFamily="18" charset="-122"/>
-              </a:rPr>
-              <a:t>	</a:t>
-            </a:r>
-            <a:endParaRPr lang="zh-CN" altLang="en-US" dirty="0">
-              <a:latin typeface="Adobe 楷体 Std R" panose="02020400000000000000" pitchFamily="18" charset="-122"/>
-              <a:ea typeface="Adobe 楷体 Std R" panose="02020400000000000000" pitchFamily="18" charset="-122"/>
-            </a:endParaRPr>
-          </a:p>
-        </p:txBody>
-      </p:sp>
-      <p:sp>
-        <p:nvSpPr>
-          <p:cNvPr id="10" name="左大括号 9"/>
-          <p:cNvSpPr/>
-          <p:nvPr/>
-        </p:nvSpPr>
-        <p:spPr>
-          <a:xfrm>
-            <a:off x="3084195" y="4366938"/>
-            <a:ext cx="1080120" cy="983478"/>
-          </a:xfrm>
-          <a:prstGeom prst="leftBrace">
-            <a:avLst>
-              <a:gd name="adj1" fmla="val 8333"/>
-              <a:gd name="adj2" fmla="val 10337"/>
-            </a:avLst>
-          </a:prstGeom>
-        </p:spPr>
-        <p:style>
-          <a:lnRef idx="3">
-            <a:schemeClr val="accent4"/>
-          </a:lnRef>
-          <a:fillRef idx="0">
-            <a:schemeClr val="accent4"/>
-          </a:fillRef>
-          <a:effectRef idx="2">
-            <a:schemeClr val="accent4"/>
-          </a:effectRef>
-          <a:fontRef idx="minor">
-            <a:schemeClr val="tx1"/>
-          </a:fontRef>
-        </p:style>
-        <p:txBody>
-          <a:bodyPr rtlCol="0" anchor="ctr"/>
-          <a:lstStyle/>
-          <a:p>
-            <a:pPr algn="ctr"/>
-            <a:endParaRPr lang="zh-CN" altLang="en-US"/>
-          </a:p>
-        </p:txBody>
-      </p:sp>
-      <p:sp>
-        <p:nvSpPr>
-          <p:cNvPr id="11" name="左大括号 10"/>
-          <p:cNvSpPr/>
-          <p:nvPr/>
-        </p:nvSpPr>
-        <p:spPr>
-          <a:xfrm rot="5400000">
-            <a:off x="2072484" y="4376914"/>
-            <a:ext cx="511876" cy="2038883"/>
-          </a:xfrm>
-          <a:prstGeom prst="leftBrace">
-            <a:avLst>
-              <a:gd name="adj1" fmla="val 8333"/>
-              <a:gd name="adj2" fmla="val 56138"/>
-            </a:avLst>
-          </a:prstGeom>
-        </p:spPr>
-        <p:style>
-          <a:lnRef idx="3">
-            <a:schemeClr val="accent3"/>
-          </a:lnRef>
-          <a:fillRef idx="0">
-            <a:schemeClr val="accent3"/>
-          </a:fillRef>
-          <a:effectRef idx="2">
-            <a:schemeClr val="accent3"/>
-          </a:effectRef>
-          <a:fontRef idx="minor">
-            <a:schemeClr val="tx1"/>
-          </a:fontRef>
-        </p:style>
-        <p:txBody>
-          <a:bodyPr rtlCol="0" anchor="ctr"/>
-          <a:lstStyle/>
-          <a:p>
-            <a:pPr algn="ctr"/>
-            <a:endParaRPr lang="zh-CN" altLang="en-US"/>
-          </a:p>
-        </p:txBody>
-      </p:sp>
-      <p:grpSp>
-        <p:nvGrpSpPr>
-          <p:cNvPr id="20" name="组合 19"/>
-          <p:cNvGrpSpPr/>
-          <p:nvPr/>
-        </p:nvGrpSpPr>
-        <p:grpSpPr>
-          <a:xfrm>
-            <a:off x="611560" y="5620597"/>
-            <a:ext cx="4369206" cy="369332"/>
-            <a:chOff x="797702" y="5170687"/>
-            <a:chExt cx="4369206" cy="369332"/>
-          </a:xfrm>
-        </p:grpSpPr>
-        <p:sp>
-          <p:nvSpPr>
-            <p:cNvPr id="15" name="文本框 14"/>
-            <p:cNvSpPr txBox="1"/>
-            <p:nvPr/>
-          </p:nvSpPr>
-          <p:spPr>
-            <a:xfrm>
-              <a:off x="797702" y="5170687"/>
-              <a:ext cx="1152128" cy="369332"/>
-            </a:xfrm>
-            <a:prstGeom prst="rect">
-              <a:avLst/>
-            </a:prstGeom>
-            <a:noFill/>
-          </p:spPr>
-          <p:txBody>
-            <a:bodyPr wrap="square" rtlCol="0">
-              <a:spAutoFit/>
-            </a:bodyPr>
-            <a:lstStyle/>
-            <a:p>
-              <a:r>
-                <a:rPr lang="en-US" altLang="zh-CN" dirty="0" smtClean="0"/>
-                <a:t>SVN/GIT</a:t>
-              </a:r>
-              <a:endParaRPr lang="zh-CN" altLang="en-US" dirty="0"/>
-            </a:p>
-          </p:txBody>
-        </p:sp>
-        <p:sp>
-          <p:nvSpPr>
-            <p:cNvPr id="16" name="文本框 15"/>
-            <p:cNvSpPr txBox="1"/>
-            <p:nvPr/>
-          </p:nvSpPr>
-          <p:spPr>
-            <a:xfrm>
-              <a:off x="1891417" y="5170687"/>
-              <a:ext cx="1512168" cy="369332"/>
-            </a:xfrm>
-            <a:prstGeom prst="rect">
-              <a:avLst/>
-            </a:prstGeom>
-            <a:noFill/>
-          </p:spPr>
-          <p:txBody>
-            <a:bodyPr wrap="square" rtlCol="0">
-              <a:spAutoFit/>
-            </a:bodyPr>
-            <a:lstStyle/>
-            <a:p>
-              <a:r>
-                <a:rPr lang="zh-CN" altLang="en-US" dirty="0"/>
-                <a:t>自</a:t>
-              </a:r>
-              <a:r>
-                <a:rPr lang="zh-CN" altLang="en-US" dirty="0" smtClean="0"/>
-                <a:t>建</a:t>
-              </a:r>
-              <a:r>
-                <a:rPr lang="en-US" altLang="zh-CN" dirty="0" smtClean="0"/>
-                <a:t>/</a:t>
-              </a:r>
-              <a:r>
-                <a:rPr lang="en-US" altLang="zh-CN" dirty="0" err="1" smtClean="0">
-                  <a:solidFill>
-                    <a:srgbClr val="FF0000"/>
-                  </a:solidFill>
-                </a:rPr>
-                <a:t>Github</a:t>
-              </a:r>
-              <a:endParaRPr lang="zh-CN" altLang="en-US" dirty="0">
-                <a:solidFill>
-                  <a:srgbClr val="FF0000"/>
-                </a:solidFill>
-              </a:endParaRPr>
-            </a:p>
-          </p:txBody>
-        </p:sp>
-        <p:sp>
-          <p:nvSpPr>
-            <p:cNvPr id="17" name="文本框 16"/>
-            <p:cNvSpPr txBox="1"/>
-            <p:nvPr/>
-          </p:nvSpPr>
-          <p:spPr>
-            <a:xfrm>
-              <a:off x="3271689" y="5170687"/>
-              <a:ext cx="1895219" cy="369332"/>
-            </a:xfrm>
-            <a:prstGeom prst="rect">
-              <a:avLst/>
-            </a:prstGeom>
-            <a:noFill/>
-          </p:spPr>
-          <p:txBody>
-            <a:bodyPr wrap="square" rtlCol="0">
-              <a:spAutoFit/>
-            </a:bodyPr>
-            <a:lstStyle/>
-            <a:p>
-              <a:r>
-                <a:rPr lang="zh-CN" altLang="en-US" dirty="0" smtClean="0"/>
-                <a:t>代码</a:t>
-              </a:r>
-              <a:r>
-                <a:rPr lang="en-US" altLang="zh-CN" dirty="0" smtClean="0"/>
-                <a:t>/</a:t>
-              </a:r>
-              <a:r>
-                <a:rPr lang="zh-CN" altLang="en-US" dirty="0" smtClean="0"/>
-                <a:t>配置</a:t>
-              </a:r>
-              <a:r>
-                <a:rPr lang="en-US" altLang="zh-CN" dirty="0" smtClean="0"/>
-                <a:t>/</a:t>
-              </a:r>
-              <a:r>
-                <a:rPr lang="zh-CN" altLang="en-US" dirty="0" smtClean="0"/>
-                <a:t>资源</a:t>
-              </a:r>
-              <a:endParaRPr lang="zh-CN" altLang="en-US" dirty="0"/>
-            </a:p>
-          </p:txBody>
-        </p:sp>
-      </p:grpSp>
-      <p:sp>
-        <p:nvSpPr>
-          <p:cNvPr id="18" name="左大括号 17"/>
-          <p:cNvSpPr/>
-          <p:nvPr/>
-        </p:nvSpPr>
-        <p:spPr>
-          <a:xfrm>
-            <a:off x="5522920" y="2537496"/>
-            <a:ext cx="1212850" cy="921643"/>
-          </a:xfrm>
-          <a:prstGeom prst="leftBrace">
-            <a:avLst>
-              <a:gd name="adj1" fmla="val 8333"/>
-              <a:gd name="adj2" fmla="val 24912"/>
-            </a:avLst>
-          </a:prstGeom>
-        </p:spPr>
-        <p:style>
-          <a:lnRef idx="3">
-            <a:schemeClr val="dk1"/>
-          </a:lnRef>
-          <a:fillRef idx="0">
-            <a:schemeClr val="dk1"/>
-          </a:fillRef>
-          <a:effectRef idx="2">
-            <a:schemeClr val="dk1"/>
-          </a:effectRef>
-          <a:fontRef idx="minor">
-            <a:schemeClr val="tx1"/>
-          </a:fontRef>
-        </p:style>
-        <p:txBody>
-          <a:bodyPr rtlCol="0" anchor="ctr"/>
-          <a:lstStyle/>
-          <a:p>
-            <a:pPr algn="ctr"/>
-            <a:endParaRPr lang="zh-CN" altLang="en-US"/>
-          </a:p>
-        </p:txBody>
-      </p:sp>
-      <p:sp>
-        <p:nvSpPr>
-          <p:cNvPr id="19" name="内容占位符 2"/>
-          <p:cNvSpPr txBox="1">
-            <a:spLocks/>
-          </p:cNvSpPr>
-          <p:nvPr/>
-        </p:nvSpPr>
-        <p:spPr bwMode="auto">
-          <a:xfrm>
-            <a:off x="6732240" y="2420888"/>
-            <a:ext cx="1639897" cy="1259671"/>
-          </a:xfrm>
-          <a:prstGeom prst="rect">
-            <a:avLst/>
-          </a:prstGeom>
-          <a:solidFill>
-            <a:schemeClr val="accent2">
-              <a:lumMod val="20000"/>
-              <a:lumOff val="80000"/>
-            </a:schemeClr>
-          </a:solidFill>
-          <a:ln>
-            <a:noFill/>
-          </a:ln>
-          <a:extLst/>
-        </p:spPr>
-        <p:txBody>
-          <a:bodyPr vert="horz" wrap="square" lIns="91440" tIns="45720" rIns="91440" bIns="45720" numCol="1" anchor="t" anchorCtr="0" compatLnSpc="1">
-            <a:prstTxWarp prst="textNoShape">
-              <a:avLst/>
-            </a:prstTxWarp>
-          </a:bodyPr>
-          <a:lstStyle>
-            <a:lvl1pPr marL="285750" indent="-285750" algn="l" defTabSz="457200" rtl="0" eaLnBrk="0" fontAlgn="base" hangingPunct="0">
-              <a:spcBef>
-                <a:spcPct val="20000"/>
-              </a:spcBef>
-              <a:spcAft>
-                <a:spcPts val="600"/>
-              </a:spcAft>
-              <a:buClr>
-                <a:schemeClr val="accent1"/>
-              </a:buClr>
-              <a:buSzPct val="115000"/>
-              <a:buFont typeface="Arial" panose="020B0604020202020204" pitchFamily="34" charset="0"/>
-              <a:buChar char="•"/>
-              <a:defRPr sz="2400" kern="1200">
-                <a:solidFill>
-                  <a:srgbClr val="262626"/>
-                </a:solidFill>
-                <a:latin typeface="+mn-lt"/>
-                <a:ea typeface="+mn-ea"/>
-                <a:cs typeface="+mn-cs"/>
-              </a:defRPr>
-            </a:lvl1pPr>
-            <a:lvl2pPr marL="742950" indent="-285750" algn="l" defTabSz="457200" rtl="0" eaLnBrk="0" fontAlgn="base" hangingPunct="0">
-              <a:spcBef>
-                <a:spcPct val="20000"/>
-              </a:spcBef>
-              <a:spcAft>
-                <a:spcPts val="600"/>
-              </a:spcAft>
-              <a:buClr>
-                <a:schemeClr val="accent1"/>
-              </a:buClr>
-              <a:buSzPct val="115000"/>
-              <a:buFont typeface="Arial" panose="020B0604020202020204" pitchFamily="34" charset="0"/>
-              <a:buChar char="•"/>
-              <a:defRPr sz="2000" kern="1200">
-                <a:solidFill>
-                  <a:srgbClr val="262626"/>
-                </a:solidFill>
-                <a:latin typeface="+mn-lt"/>
-                <a:ea typeface="+mn-ea"/>
-                <a:cs typeface="+mn-cs"/>
-              </a:defRPr>
-            </a:lvl2pPr>
-            <a:lvl3pPr marL="1200150" indent="-285750" algn="l" defTabSz="457200" rtl="0" eaLnBrk="0" fontAlgn="base" hangingPunct="0">
-              <a:spcBef>
-                <a:spcPct val="20000"/>
-              </a:spcBef>
-              <a:spcAft>
-                <a:spcPts val="600"/>
-              </a:spcAft>
-              <a:buClr>
-                <a:schemeClr val="accent1"/>
-              </a:buClr>
-              <a:buSzPct val="115000"/>
-              <a:buFont typeface="Arial" panose="020B0604020202020204" pitchFamily="34" charset="0"/>
-              <a:buChar char="•"/>
-              <a:defRPr kern="1200">
-                <a:solidFill>
-                  <a:srgbClr val="262626"/>
-                </a:solidFill>
-                <a:latin typeface="+mn-lt"/>
-                <a:ea typeface="+mn-ea"/>
-                <a:cs typeface="+mn-cs"/>
-              </a:defRPr>
-            </a:lvl3pPr>
-            <a:lvl4pPr marL="1543050" indent="-171450" algn="l" defTabSz="457200" rtl="0" eaLnBrk="0" fontAlgn="base" hangingPunct="0">
-              <a:spcBef>
-                <a:spcPct val="20000"/>
-              </a:spcBef>
-              <a:spcAft>
-                <a:spcPts val="600"/>
-              </a:spcAft>
-              <a:buClr>
-                <a:schemeClr val="accent1"/>
-              </a:buClr>
-              <a:buSzPct val="115000"/>
-              <a:buFont typeface="Arial" panose="020B0604020202020204" pitchFamily="34" charset="0"/>
-              <a:buChar char="•"/>
-              <a:defRPr sz="1600" kern="1200">
-                <a:solidFill>
-                  <a:srgbClr val="262626"/>
-                </a:solidFill>
-                <a:latin typeface="+mn-lt"/>
-                <a:ea typeface="+mn-ea"/>
-                <a:cs typeface="+mn-cs"/>
-              </a:defRPr>
-            </a:lvl4pPr>
-            <a:lvl5pPr marL="2000250" indent="-171450" algn="l" defTabSz="457200" rtl="0" eaLnBrk="0" fontAlgn="base" hangingPunct="0">
-              <a:spcBef>
-                <a:spcPct val="20000"/>
-              </a:spcBef>
-              <a:spcAft>
-                <a:spcPts val="600"/>
-              </a:spcAft>
-              <a:buClr>
-                <a:schemeClr val="accent1"/>
-              </a:buClr>
-              <a:buSzPct val="115000"/>
-              <a:buFont typeface="Arial" panose="020B0604020202020204" pitchFamily="34" charset="0"/>
-              <a:buChar char="•"/>
-              <a:defRPr sz="1400" kern="1200">
-                <a:solidFill>
-                  <a:srgbClr val="262626"/>
-                </a:solidFill>
-                <a:latin typeface="+mn-lt"/>
-                <a:ea typeface="+mn-ea"/>
-                <a:cs typeface="+mn-cs"/>
-              </a:defRPr>
-            </a:lvl5pPr>
-            <a:lvl6pPr marL="2514600" indent="-228600" algn="l" defTabSz="457200" rtl="0" eaLnBrk="1" latinLnBrk="0" hangingPunct="1">
-              <a:spcBef>
-                <a:spcPct val="20000"/>
-              </a:spcBef>
-              <a:spcAft>
-                <a:spcPts val="600"/>
-              </a:spcAft>
-              <a:buClr>
-                <a:schemeClr val="accent1"/>
-              </a:buClr>
-              <a:buSzPct val="115000"/>
-              <a:buFont typeface="Arial"/>
-              <a:buChar char="•"/>
-              <a:defRPr sz="1400" kern="1200" cap="none">
-                <a:solidFill>
-                  <a:schemeClr val="tx1">
-                    <a:lumMod val="85000"/>
-                    <a:lumOff val="15000"/>
-                  </a:schemeClr>
-                </a:solidFill>
-                <a:effectLst/>
-                <a:latin typeface="+mn-lt"/>
-                <a:ea typeface="+mn-ea"/>
-                <a:cs typeface="+mn-cs"/>
-              </a:defRPr>
-            </a:lvl6pPr>
-            <a:lvl7pPr marL="2971800" indent="-228600" algn="l" defTabSz="457200" rtl="0" eaLnBrk="1" latinLnBrk="0" hangingPunct="1">
-              <a:spcBef>
-                <a:spcPct val="20000"/>
-              </a:spcBef>
-              <a:spcAft>
-                <a:spcPts val="600"/>
-              </a:spcAft>
-              <a:buClr>
-                <a:schemeClr val="accent1"/>
-              </a:buClr>
-              <a:buSzPct val="115000"/>
-              <a:buFont typeface="Arial"/>
-              <a:buChar char="•"/>
-              <a:defRPr sz="1400" kern="1200" cap="none">
-                <a:solidFill>
-                  <a:schemeClr val="tx1">
-                    <a:lumMod val="85000"/>
-                    <a:lumOff val="15000"/>
-                  </a:schemeClr>
-                </a:solidFill>
-                <a:effectLst/>
-                <a:latin typeface="+mn-lt"/>
-                <a:ea typeface="+mn-ea"/>
-                <a:cs typeface="+mn-cs"/>
-              </a:defRPr>
-            </a:lvl7pPr>
-            <a:lvl8pPr marL="3429000" indent="-228600" algn="l" defTabSz="457200" rtl="0" eaLnBrk="1" latinLnBrk="0" hangingPunct="1">
-              <a:spcBef>
-                <a:spcPct val="20000"/>
-              </a:spcBef>
-              <a:spcAft>
-                <a:spcPts val="600"/>
-              </a:spcAft>
-              <a:buClr>
-                <a:schemeClr val="accent1"/>
-              </a:buClr>
-              <a:buSzPct val="115000"/>
-              <a:buFont typeface="Arial"/>
-              <a:buChar char="•"/>
-              <a:defRPr sz="1400" kern="1200" cap="none">
-                <a:solidFill>
-                  <a:schemeClr val="tx1">
-                    <a:lumMod val="85000"/>
-                    <a:lumOff val="15000"/>
-                  </a:schemeClr>
-                </a:solidFill>
-                <a:effectLst/>
-                <a:latin typeface="+mn-lt"/>
-                <a:ea typeface="+mn-ea"/>
-                <a:cs typeface="+mn-cs"/>
-              </a:defRPr>
-            </a:lvl8pPr>
-            <a:lvl9pPr marL="3886200" indent="-228600" algn="l" defTabSz="457200" rtl="0" eaLnBrk="1" latinLnBrk="0" hangingPunct="1">
-              <a:spcBef>
-                <a:spcPct val="20000"/>
-              </a:spcBef>
-              <a:spcAft>
-                <a:spcPts val="600"/>
-              </a:spcAft>
-              <a:buClr>
-                <a:schemeClr val="accent1"/>
-              </a:buClr>
-              <a:buSzPct val="115000"/>
-              <a:buFont typeface="Arial"/>
-              <a:buChar char="•"/>
-              <a:defRPr sz="1400" kern="1200" cap="none">
-                <a:solidFill>
-                  <a:schemeClr val="tx1">
-                    <a:lumMod val="85000"/>
-                    <a:lumOff val="15000"/>
-                  </a:schemeClr>
-                </a:solidFill>
-                <a:effectLst/>
-                <a:latin typeface="+mn-lt"/>
-                <a:ea typeface="+mn-ea"/>
-                <a:cs typeface="+mn-cs"/>
-              </a:defRPr>
-            </a:lvl9pPr>
-          </a:lstStyle>
-          <a:p>
-            <a:pPr marL="0" indent="0">
-              <a:buFont typeface="Arial" panose="020B0604020202020204" pitchFamily="34" charset="0"/>
-              <a:buNone/>
-            </a:pPr>
-            <a:r>
-              <a:rPr lang="en-US" altLang="zh-CN" sz="2000" dirty="0" smtClean="0">
-                <a:latin typeface="Adobe 楷体 Std R" panose="02020400000000000000" pitchFamily="18" charset="-122"/>
-                <a:ea typeface="Adobe 楷体 Std R" panose="02020400000000000000" pitchFamily="18" charset="-122"/>
-              </a:rPr>
-              <a:t>[</a:t>
-            </a:r>
-            <a:r>
-              <a:rPr lang="zh-CN" altLang="en-US" sz="2000" dirty="0" smtClean="0">
-                <a:latin typeface="Adobe 楷体 Std R" panose="02020400000000000000" pitchFamily="18" charset="-122"/>
-                <a:ea typeface="Adobe 楷体 Std R" panose="02020400000000000000" pitchFamily="18" charset="-122"/>
-              </a:rPr>
-              <a:t>注册</a:t>
-            </a:r>
-            <a:r>
-              <a:rPr lang="en-US" altLang="zh-CN" sz="2000" dirty="0" smtClean="0">
-                <a:latin typeface="Adobe 楷体 Std R" panose="02020400000000000000" pitchFamily="18" charset="-122"/>
-                <a:ea typeface="Adobe 楷体 Std R" panose="02020400000000000000" pitchFamily="18" charset="-122"/>
-              </a:rPr>
-              <a:t>/</a:t>
-            </a:r>
-            <a:r>
-              <a:rPr lang="zh-CN" altLang="en-US" sz="2000" dirty="0" smtClean="0">
-                <a:latin typeface="Adobe 楷体 Std R" panose="02020400000000000000" pitchFamily="18" charset="-122"/>
-                <a:ea typeface="Adobe 楷体 Std R" panose="02020400000000000000" pitchFamily="18" charset="-122"/>
-              </a:rPr>
-              <a:t>登录</a:t>
-            </a:r>
-            <a:r>
-              <a:rPr lang="en-US" altLang="zh-CN" sz="2000" dirty="0" smtClean="0">
-                <a:latin typeface="Adobe 楷体 Std R" panose="02020400000000000000" pitchFamily="18" charset="-122"/>
-                <a:ea typeface="Adobe 楷体 Std R" panose="02020400000000000000" pitchFamily="18" charset="-122"/>
-              </a:rPr>
-              <a:t>]</a:t>
-            </a:r>
-            <a:endParaRPr lang="zh-CN" altLang="en-US" sz="2000" dirty="0"/>
-          </a:p>
-          <a:p>
-            <a:pPr marL="0" indent="0">
-              <a:buNone/>
-            </a:pPr>
-            <a:r>
-              <a:rPr lang="en-US" altLang="zh-CN" sz="2000" dirty="0" smtClean="0">
-                <a:latin typeface="Adobe 楷体 Std R" panose="02020400000000000000" pitchFamily="18" charset="-122"/>
-                <a:ea typeface="Adobe 楷体 Std R" panose="02020400000000000000" pitchFamily="18" charset="-122"/>
-              </a:rPr>
-              <a:t>[</a:t>
-            </a:r>
-            <a:r>
-              <a:rPr lang="zh-CN" altLang="en-US" sz="2000" dirty="0" smtClean="0">
-                <a:latin typeface="Adobe 楷体 Std R" panose="02020400000000000000" pitchFamily="18" charset="-122"/>
-                <a:ea typeface="Adobe 楷体 Std R" panose="02020400000000000000" pitchFamily="18" charset="-122"/>
-              </a:rPr>
-              <a:t>验证</a:t>
-            </a:r>
-            <a:r>
-              <a:rPr lang="en-US" altLang="zh-CN" sz="2000" dirty="0" smtClean="0">
-                <a:latin typeface="Adobe 楷体 Std R" panose="02020400000000000000" pitchFamily="18" charset="-122"/>
-                <a:ea typeface="Adobe 楷体 Std R" panose="02020400000000000000" pitchFamily="18" charset="-122"/>
-              </a:rPr>
-              <a:t>]</a:t>
-            </a:r>
-          </a:p>
-          <a:p>
-            <a:pPr marL="0" indent="0">
-              <a:buNone/>
-            </a:pPr>
-            <a:r>
-              <a:rPr lang="en-US" altLang="zh-CN" sz="2000" dirty="0" smtClean="0">
-                <a:latin typeface="Adobe 楷体 Std R" panose="02020400000000000000" pitchFamily="18" charset="-122"/>
-                <a:ea typeface="Adobe 楷体 Std R" panose="02020400000000000000" pitchFamily="18" charset="-122"/>
-              </a:rPr>
-              <a:t>[</a:t>
-            </a:r>
-            <a:r>
-              <a:rPr lang="zh-CN" altLang="en-US" sz="2000" dirty="0" smtClean="0">
-                <a:latin typeface="Adobe 楷体 Std R" panose="02020400000000000000" pitchFamily="18" charset="-122"/>
-                <a:ea typeface="Adobe 楷体 Std R" panose="02020400000000000000" pitchFamily="18" charset="-122"/>
-              </a:rPr>
-              <a:t>数据存储</a:t>
-            </a:r>
-            <a:r>
-              <a:rPr lang="en-US" altLang="zh-CN" sz="2000" dirty="0" smtClean="0">
-                <a:latin typeface="Adobe 楷体 Std R" panose="02020400000000000000" pitchFamily="18" charset="-122"/>
-                <a:ea typeface="Adobe 楷体 Std R" panose="02020400000000000000" pitchFamily="18" charset="-122"/>
-              </a:rPr>
-              <a:t>]</a:t>
-            </a:r>
-            <a:endParaRPr lang="zh-CN" altLang="en-US" sz="2000" dirty="0"/>
-          </a:p>
-          <a:p>
-            <a:pPr marL="0" indent="0">
-              <a:buFont typeface="Arial" panose="020B0604020202020204" pitchFamily="34" charset="0"/>
-              <a:buNone/>
-            </a:pPr>
-            <a:endParaRPr lang="en-US" altLang="zh-CN" dirty="0" smtClean="0">
-              <a:latin typeface="Adobe 楷体 Std R" panose="02020400000000000000" pitchFamily="18" charset="-122"/>
-              <a:ea typeface="Adobe 楷体 Std R" panose="02020400000000000000" pitchFamily="18" charset="-122"/>
-            </a:endParaRPr>
-          </a:p>
-          <a:p>
-            <a:pPr marL="0" indent="0">
-              <a:buFont typeface="Arial" panose="020B0604020202020204" pitchFamily="34" charset="0"/>
-              <a:buNone/>
-            </a:pPr>
-            <a:r>
-              <a:rPr lang="en-US" altLang="zh-CN" dirty="0" smtClean="0">
-                <a:latin typeface="Adobe 楷体 Std R" panose="02020400000000000000" pitchFamily="18" charset="-122"/>
-                <a:ea typeface="Adobe 楷体 Std R" panose="02020400000000000000" pitchFamily="18" charset="-122"/>
-              </a:rPr>
-              <a:t>	</a:t>
-            </a:r>
-            <a:endParaRPr lang="zh-CN" altLang="en-US" dirty="0">
-              <a:latin typeface="Adobe 楷体 Std R" panose="02020400000000000000" pitchFamily="18" charset="-122"/>
-              <a:ea typeface="Adobe 楷体 Std R" panose="02020400000000000000" pitchFamily="18" charset="-122"/>
-            </a:endParaRPr>
-          </a:p>
-        </p:txBody>
-      </p:sp>
-    </p:spTree>
-    <p:extLst>
-      <p:ext uri="{BB962C8B-B14F-4D97-AF65-F5344CB8AC3E}">
-        <p14:creationId xmlns:p14="http://schemas.microsoft.com/office/powerpoint/2010/main" val="560152547"/>
-      </p:ext>
-    </p:extLst>
-  </p:cSld>
-  <p:clrMapOvr>
-    <a:masterClrMapping/>
-  </p:clrMapOvr>
   <p:timing>
     <p:tnLst>
       <p:par>

--- a/software/Ch_7_2_demo_2nd.pptx
+++ b/software/Ch_7_2_demo_2nd.pptx
@@ -5,10 +5,10 @@
     <p:sldMasterId id="2147483665" r:id="rId1"/>
   </p:sldMasterIdLst>
   <p:notesMasterIdLst>
-    <p:notesMasterId r:id="rId40"/>
+    <p:notesMasterId r:id="rId44"/>
   </p:notesMasterIdLst>
   <p:handoutMasterIdLst>
-    <p:handoutMasterId r:id="rId41"/>
+    <p:handoutMasterId r:id="rId45"/>
   </p:handoutMasterIdLst>
   <p:sldIdLst>
     <p:sldId id="547" r:id="rId2"/>
@@ -32,23 +32,27 @@
     <p:sldId id="642" r:id="rId20"/>
     <p:sldId id="638" r:id="rId21"/>
     <p:sldId id="640" r:id="rId22"/>
-    <p:sldId id="656" r:id="rId23"/>
-    <p:sldId id="657" r:id="rId24"/>
-    <p:sldId id="663" r:id="rId25"/>
-    <p:sldId id="664" r:id="rId26"/>
-    <p:sldId id="665" r:id="rId27"/>
-    <p:sldId id="659" r:id="rId28"/>
-    <p:sldId id="661" r:id="rId29"/>
-    <p:sldId id="662" r:id="rId30"/>
-    <p:sldId id="667" r:id="rId31"/>
-    <p:sldId id="643" r:id="rId32"/>
-    <p:sldId id="668" r:id="rId33"/>
-    <p:sldId id="644" r:id="rId34"/>
-    <p:sldId id="646" r:id="rId35"/>
-    <p:sldId id="660" r:id="rId36"/>
-    <p:sldId id="632" r:id="rId37"/>
-    <p:sldId id="669" r:id="rId38"/>
-    <p:sldId id="381" r:id="rId39"/>
+    <p:sldId id="670" r:id="rId23"/>
+    <p:sldId id="671" r:id="rId24"/>
+    <p:sldId id="673" r:id="rId25"/>
+    <p:sldId id="657" r:id="rId26"/>
+    <p:sldId id="672" r:id="rId27"/>
+    <p:sldId id="663" r:id="rId28"/>
+    <p:sldId id="664" r:id="rId29"/>
+    <p:sldId id="665" r:id="rId30"/>
+    <p:sldId id="659" r:id="rId31"/>
+    <p:sldId id="661" r:id="rId32"/>
+    <p:sldId id="662" r:id="rId33"/>
+    <p:sldId id="667" r:id="rId34"/>
+    <p:sldId id="643" r:id="rId35"/>
+    <p:sldId id="668" r:id="rId36"/>
+    <p:sldId id="644" r:id="rId37"/>
+    <p:sldId id="646" r:id="rId38"/>
+    <p:sldId id="660" r:id="rId39"/>
+    <p:sldId id="674" r:id="rId40"/>
+    <p:sldId id="632" r:id="rId41"/>
+    <p:sldId id="669" r:id="rId42"/>
+    <p:sldId id="381" r:id="rId43"/>
   </p:sldIdLst>
   <p:sldSz cx="9144000" cy="6858000" type="screen4x3"/>
   <p:notesSz cx="9925050" cy="6797675"/>
@@ -278,7 +282,7 @@
           <a:p>
             <a:fld id="{7C88881C-20D1-4850-8691-874CEEF6734A}" type="datetimeFigureOut">
               <a:rPr lang="zh-CN" altLang="en-US" smtClean="0"/>
-              <a:t>2020/5/5</a:t>
+              <a:t>2020/5/6</a:t>
             </a:fld>
             <a:endParaRPr lang="zh-CN" altLang="en-US"/>
           </a:p>
@@ -13867,6 +13871,2786 @@
           <a:lstStyle/>
           <a:p>
             <a:r>
+              <a:rPr lang="en-US" altLang="zh-CN" dirty="0" smtClean="0">
+                <a:latin typeface="Adobe 黑体 Std R" panose="020B0400000000000000" pitchFamily="34" charset="-122"/>
+                <a:ea typeface="Adobe 黑体 Std R" panose="020B0400000000000000" pitchFamily="34" charset="-122"/>
+              </a:rPr>
+              <a:t>Web</a:t>
+            </a:r>
+            <a:r>
+              <a:rPr lang="zh-CN" altLang="en-US" dirty="0" smtClean="0">
+                <a:latin typeface="Adobe 黑体 Std R" panose="020B0400000000000000" pitchFamily="34" charset="-122"/>
+                <a:ea typeface="Adobe 黑体 Std R" panose="020B0400000000000000" pitchFamily="34" charset="-122"/>
+              </a:rPr>
+              <a:t>基本原理</a:t>
+            </a:r>
+            <a:endParaRPr lang="zh-CN" altLang="en-US" dirty="0">
+              <a:latin typeface="Adobe 黑体 Std R" panose="020B0400000000000000" pitchFamily="34" charset="-122"/>
+              <a:ea typeface="Adobe 黑体 Std R" panose="020B0400000000000000" pitchFamily="34" charset="-122"/>
+            </a:endParaRPr>
+          </a:p>
+        </p:txBody>
+      </p:sp>
+      <p:grpSp>
+        <p:nvGrpSpPr>
+          <p:cNvPr id="15" name="组合 14"/>
+          <p:cNvGrpSpPr/>
+          <p:nvPr/>
+        </p:nvGrpSpPr>
+        <p:grpSpPr>
+          <a:xfrm>
+            <a:off x="2920562" y="2556528"/>
+            <a:ext cx="3235614" cy="3456384"/>
+            <a:chOff x="899592" y="2492896"/>
+            <a:chExt cx="2808312" cy="3456384"/>
+          </a:xfrm>
+        </p:grpSpPr>
+        <p:sp>
+          <p:nvSpPr>
+            <p:cNvPr id="16" name="矩形 15"/>
+            <p:cNvSpPr/>
+            <p:nvPr/>
+          </p:nvSpPr>
+          <p:spPr>
+            <a:xfrm>
+              <a:off x="899592" y="2492896"/>
+              <a:ext cx="2808312" cy="3456384"/>
+            </a:xfrm>
+            <a:prstGeom prst="rect">
+              <a:avLst/>
+            </a:prstGeom>
+            <a:solidFill>
+              <a:srgbClr val="B1EAED"/>
+            </a:solidFill>
+          </p:spPr>
+          <p:style>
+            <a:lnRef idx="2">
+              <a:schemeClr val="accent1">
+                <a:shade val="50000"/>
+              </a:schemeClr>
+            </a:lnRef>
+            <a:fillRef idx="1">
+              <a:schemeClr val="accent1"/>
+            </a:fillRef>
+            <a:effectRef idx="0">
+              <a:schemeClr val="accent1"/>
+            </a:effectRef>
+            <a:fontRef idx="minor">
+              <a:schemeClr val="lt1"/>
+            </a:fontRef>
+          </p:style>
+          <p:txBody>
+            <a:bodyPr rtlCol="0" anchor="ctr"/>
+            <a:lstStyle/>
+            <a:p>
+              <a:pPr algn="ctr"/>
+              <a:endParaRPr lang="zh-CN" altLang="en-US"/>
+            </a:p>
+          </p:txBody>
+        </p:sp>
+        <p:grpSp>
+          <p:nvGrpSpPr>
+            <p:cNvPr id="17" name="组合 16"/>
+            <p:cNvGrpSpPr/>
+            <p:nvPr/>
+          </p:nvGrpSpPr>
+          <p:grpSpPr>
+            <a:xfrm>
+              <a:off x="1231418" y="2967710"/>
+              <a:ext cx="731366" cy="2952328"/>
+              <a:chOff x="1231418" y="2967710"/>
+              <a:chExt cx="731366" cy="2952328"/>
+            </a:xfrm>
+          </p:grpSpPr>
+          <p:sp>
+            <p:nvSpPr>
+              <p:cNvPr id="21" name="矩形 20"/>
+              <p:cNvSpPr/>
+              <p:nvPr/>
+            </p:nvSpPr>
+            <p:spPr>
+              <a:xfrm>
+                <a:off x="1231418" y="2967710"/>
+                <a:ext cx="731366" cy="360040"/>
+              </a:xfrm>
+              <a:prstGeom prst="rect">
+                <a:avLst/>
+              </a:prstGeom>
+              <a:solidFill>
+                <a:srgbClr val="00B0F0"/>
+              </a:solidFill>
+            </p:spPr>
+            <p:style>
+              <a:lnRef idx="1">
+                <a:schemeClr val="accent6"/>
+              </a:lnRef>
+              <a:fillRef idx="2">
+                <a:schemeClr val="accent6"/>
+              </a:fillRef>
+              <a:effectRef idx="1">
+                <a:schemeClr val="accent6"/>
+              </a:effectRef>
+              <a:fontRef idx="minor">
+                <a:schemeClr val="dk1"/>
+              </a:fontRef>
+            </p:style>
+            <p:txBody>
+              <a:bodyPr rtlCol="0" anchor="ctr"/>
+              <a:lstStyle/>
+              <a:p>
+                <a:pPr algn="ctr"/>
+                <a:r>
+                  <a:rPr lang="en-US" altLang="zh-CN" dirty="0" smtClean="0"/>
+                  <a:t>B</a:t>
+                </a:r>
+                <a:endParaRPr lang="zh-CN" altLang="en-US" dirty="0"/>
+              </a:p>
+            </p:txBody>
+          </p:sp>
+          <p:cxnSp>
+            <p:nvCxnSpPr>
+              <p:cNvPr id="22" name="直接连接符 21"/>
+              <p:cNvCxnSpPr>
+                <a:stCxn id="21" idx="2"/>
+              </p:cNvCxnSpPr>
+              <p:nvPr/>
+            </p:nvCxnSpPr>
+            <p:spPr>
+              <a:xfrm>
+                <a:off x="1597101" y="3327750"/>
+                <a:ext cx="5643" cy="2592288"/>
+              </a:xfrm>
+              <a:prstGeom prst="line">
+                <a:avLst/>
+              </a:prstGeom>
+              <a:ln w="9525" cap="flat" cmpd="sng" algn="ctr">
+                <a:solidFill>
+                  <a:schemeClr val="accent3"/>
+                </a:solidFill>
+                <a:prstDash val="dash"/>
+                <a:round/>
+                <a:headEnd type="none" w="med" len="med"/>
+                <a:tailEnd type="none" w="med" len="med"/>
+              </a:ln>
+            </p:spPr>
+            <p:style>
+              <a:lnRef idx="0">
+                <a:scrgbClr r="0" g="0" b="0"/>
+              </a:lnRef>
+              <a:fillRef idx="0">
+                <a:scrgbClr r="0" g="0" b="0"/>
+              </a:fillRef>
+              <a:effectRef idx="0">
+                <a:scrgbClr r="0" g="0" b="0"/>
+              </a:effectRef>
+              <a:fontRef idx="minor">
+                <a:schemeClr val="tx1"/>
+              </a:fontRef>
+            </p:style>
+          </p:cxnSp>
+        </p:grpSp>
+        <p:grpSp>
+          <p:nvGrpSpPr>
+            <p:cNvPr id="18" name="组合 17"/>
+            <p:cNvGrpSpPr/>
+            <p:nvPr/>
+          </p:nvGrpSpPr>
+          <p:grpSpPr>
+            <a:xfrm>
+              <a:off x="2435859" y="2967710"/>
+              <a:ext cx="731366" cy="2952328"/>
+              <a:chOff x="1056421" y="2967710"/>
+              <a:chExt cx="731366" cy="2952328"/>
+            </a:xfrm>
+            <a:solidFill>
+              <a:srgbClr val="CCECFF"/>
+            </a:solidFill>
+          </p:grpSpPr>
+          <p:sp>
+            <p:nvSpPr>
+              <p:cNvPr id="19" name="矩形 18"/>
+              <p:cNvSpPr/>
+              <p:nvPr/>
+            </p:nvSpPr>
+            <p:spPr>
+              <a:xfrm>
+                <a:off x="1056421" y="2967710"/>
+                <a:ext cx="731366" cy="360040"/>
+              </a:xfrm>
+              <a:prstGeom prst="rect">
+                <a:avLst/>
+              </a:prstGeom>
+              <a:solidFill>
+                <a:srgbClr val="FFCC99"/>
+              </a:solidFill>
+            </p:spPr>
+            <p:style>
+              <a:lnRef idx="1">
+                <a:schemeClr val="accent6"/>
+              </a:lnRef>
+              <a:fillRef idx="2">
+                <a:schemeClr val="accent6"/>
+              </a:fillRef>
+              <a:effectRef idx="1">
+                <a:schemeClr val="accent6"/>
+              </a:effectRef>
+              <a:fontRef idx="minor">
+                <a:schemeClr val="dk1"/>
+              </a:fontRef>
+            </p:style>
+            <p:txBody>
+              <a:bodyPr rtlCol="0" anchor="ctr"/>
+              <a:lstStyle/>
+              <a:p>
+                <a:pPr algn="ctr"/>
+                <a:r>
+                  <a:rPr lang="en-US" altLang="zh-CN" dirty="0"/>
+                  <a:t>S</a:t>
+                </a:r>
+                <a:endParaRPr lang="zh-CN" altLang="en-US" dirty="0"/>
+              </a:p>
+            </p:txBody>
+          </p:sp>
+          <p:cxnSp>
+            <p:nvCxnSpPr>
+              <p:cNvPr id="20" name="直接连接符 19"/>
+              <p:cNvCxnSpPr>
+                <a:stCxn id="19" idx="2"/>
+              </p:cNvCxnSpPr>
+              <p:nvPr/>
+            </p:nvCxnSpPr>
+            <p:spPr>
+              <a:xfrm>
+                <a:off x="1422104" y="3327750"/>
+                <a:ext cx="5643" cy="2592288"/>
+              </a:xfrm>
+              <a:prstGeom prst="line">
+                <a:avLst/>
+              </a:prstGeom>
+              <a:grpFill/>
+              <a:ln w="9525" cap="flat" cmpd="sng" algn="ctr">
+                <a:solidFill>
+                  <a:schemeClr val="accent3"/>
+                </a:solidFill>
+                <a:prstDash val="dash"/>
+                <a:round/>
+                <a:headEnd type="none" w="med" len="med"/>
+                <a:tailEnd type="none" w="med" len="med"/>
+              </a:ln>
+            </p:spPr>
+            <p:style>
+              <a:lnRef idx="0">
+                <a:scrgbClr r="0" g="0" b="0"/>
+              </a:lnRef>
+              <a:fillRef idx="0">
+                <a:scrgbClr r="0" g="0" b="0"/>
+              </a:fillRef>
+              <a:effectRef idx="0">
+                <a:scrgbClr r="0" g="0" b="0"/>
+              </a:effectRef>
+              <a:fontRef idx="minor">
+                <a:schemeClr val="tx1"/>
+              </a:fontRef>
+            </p:style>
+          </p:cxnSp>
+        </p:grpSp>
+      </p:grpSp>
+      <p:cxnSp>
+        <p:nvCxnSpPr>
+          <p:cNvPr id="24" name="直接箭头连接符 23"/>
+          <p:cNvCxnSpPr/>
+          <p:nvPr/>
+        </p:nvCxnSpPr>
+        <p:spPr>
+          <a:xfrm>
+            <a:off x="3734045" y="3789040"/>
+            <a:ext cx="1369819" cy="0"/>
+          </a:xfrm>
+          <a:prstGeom prst="straightConnector1">
+            <a:avLst/>
+          </a:prstGeom>
+          <a:ln>
+            <a:tailEnd type="triangle"/>
+          </a:ln>
+        </p:spPr>
+        <p:style>
+          <a:lnRef idx="3">
+            <a:schemeClr val="accent2"/>
+          </a:lnRef>
+          <a:fillRef idx="0">
+            <a:schemeClr val="accent2"/>
+          </a:fillRef>
+          <a:effectRef idx="2">
+            <a:schemeClr val="accent2"/>
+          </a:effectRef>
+          <a:fontRef idx="minor">
+            <a:schemeClr val="tx1"/>
+          </a:fontRef>
+        </p:style>
+      </p:cxnSp>
+      <p:grpSp>
+        <p:nvGrpSpPr>
+          <p:cNvPr id="58" name="组合 57"/>
+          <p:cNvGrpSpPr/>
+          <p:nvPr/>
+        </p:nvGrpSpPr>
+        <p:grpSpPr>
+          <a:xfrm>
+            <a:off x="3682472" y="5089806"/>
+            <a:ext cx="1404004" cy="212498"/>
+            <a:chOff x="3682472" y="5089806"/>
+            <a:chExt cx="1404004" cy="212498"/>
+          </a:xfrm>
+        </p:grpSpPr>
+        <p:cxnSp>
+          <p:nvCxnSpPr>
+            <p:cNvPr id="29" name="直接箭头连接符 28"/>
+            <p:cNvCxnSpPr/>
+            <p:nvPr/>
+          </p:nvCxnSpPr>
+          <p:spPr>
+            <a:xfrm flipH="1">
+              <a:off x="3682472" y="5302304"/>
+              <a:ext cx="1404004" cy="0"/>
+            </a:xfrm>
+            <a:prstGeom prst="straightConnector1">
+              <a:avLst/>
+            </a:prstGeom>
+            <a:ln>
+              <a:tailEnd type="triangle"/>
+            </a:ln>
+          </p:spPr>
+          <p:style>
+            <a:lnRef idx="3">
+              <a:schemeClr val="accent4"/>
+            </a:lnRef>
+            <a:fillRef idx="0">
+              <a:schemeClr val="accent4"/>
+            </a:fillRef>
+            <a:effectRef idx="2">
+              <a:schemeClr val="accent4"/>
+            </a:effectRef>
+            <a:fontRef idx="minor">
+              <a:schemeClr val="tx1"/>
+            </a:fontRef>
+          </p:style>
+        </p:cxnSp>
+        <p:sp>
+          <p:nvSpPr>
+            <p:cNvPr id="33" name="矩形 32"/>
+            <p:cNvSpPr/>
+            <p:nvPr/>
+          </p:nvSpPr>
+          <p:spPr>
+            <a:xfrm>
+              <a:off x="3839539" y="5089806"/>
+              <a:ext cx="1224136" cy="144016"/>
+            </a:xfrm>
+            <a:prstGeom prst="rect">
+              <a:avLst/>
+            </a:prstGeom>
+            <a:solidFill>
+              <a:srgbClr val="FF3300"/>
+            </a:solidFill>
+          </p:spPr>
+          <p:style>
+            <a:lnRef idx="2">
+              <a:schemeClr val="accent1">
+                <a:shade val="50000"/>
+              </a:schemeClr>
+            </a:lnRef>
+            <a:fillRef idx="1">
+              <a:schemeClr val="accent1"/>
+            </a:fillRef>
+            <a:effectRef idx="0">
+              <a:schemeClr val="accent1"/>
+            </a:effectRef>
+            <a:fontRef idx="minor">
+              <a:schemeClr val="lt1"/>
+            </a:fontRef>
+          </p:style>
+          <p:txBody>
+            <a:bodyPr rtlCol="0" anchor="ctr"/>
+            <a:lstStyle/>
+            <a:p>
+              <a:pPr algn="ctr"/>
+              <a:endParaRPr lang="zh-CN" altLang="en-US"/>
+            </a:p>
+          </p:txBody>
+        </p:sp>
+      </p:grpSp>
+      <p:sp>
+        <p:nvSpPr>
+          <p:cNvPr id="42" name="剪去单角的矩形 41"/>
+          <p:cNvSpPr/>
+          <p:nvPr/>
+        </p:nvSpPr>
+        <p:spPr>
+          <a:xfrm>
+            <a:off x="3034401" y="5021324"/>
+            <a:ext cx="648071" cy="792088"/>
+          </a:xfrm>
+          <a:prstGeom prst="snip1Rect">
+            <a:avLst/>
+          </a:prstGeom>
+          <a:solidFill>
+            <a:srgbClr val="FFC000"/>
+          </a:solidFill>
+        </p:spPr>
+        <p:style>
+          <a:lnRef idx="2">
+            <a:schemeClr val="accent1">
+              <a:shade val="50000"/>
+            </a:schemeClr>
+          </a:lnRef>
+          <a:fillRef idx="1">
+            <a:schemeClr val="accent1"/>
+          </a:fillRef>
+          <a:effectRef idx="0">
+            <a:schemeClr val="accent1"/>
+          </a:effectRef>
+          <a:fontRef idx="minor">
+            <a:schemeClr val="lt1"/>
+          </a:fontRef>
+        </p:style>
+        <p:txBody>
+          <a:bodyPr rtlCol="0" anchor="ctr"/>
+          <a:lstStyle/>
+          <a:p>
+            <a:pPr algn="ctr"/>
+            <a:r>
+              <a:rPr lang="en-US" altLang="zh-CN" dirty="0" smtClean="0">
+                <a:solidFill>
+                  <a:schemeClr val="tx1"/>
+                </a:solidFill>
+              </a:rPr>
+              <a:t>a.</a:t>
+            </a:r>
+          </a:p>
+          <a:p>
+            <a:pPr algn="ctr"/>
+            <a:r>
+              <a:rPr lang="en-US" altLang="zh-CN" dirty="0" smtClean="0">
+                <a:solidFill>
+                  <a:schemeClr val="tx1"/>
+                </a:solidFill>
+              </a:rPr>
+              <a:t>html</a:t>
+            </a:r>
+          </a:p>
+          <a:p>
+            <a:pPr algn="ctr"/>
+            <a:endParaRPr lang="zh-CN" altLang="en-US" dirty="0">
+              <a:solidFill>
+                <a:schemeClr val="tx1"/>
+              </a:solidFill>
+            </a:endParaRPr>
+          </a:p>
+        </p:txBody>
+      </p:sp>
+      <p:grpSp>
+        <p:nvGrpSpPr>
+          <p:cNvPr id="48" name="组合 47"/>
+          <p:cNvGrpSpPr/>
+          <p:nvPr/>
+        </p:nvGrpSpPr>
+        <p:grpSpPr>
+          <a:xfrm>
+            <a:off x="5334874" y="3888676"/>
+            <a:ext cx="793299" cy="980484"/>
+            <a:chOff x="3758740" y="3888676"/>
+            <a:chExt cx="793299" cy="980484"/>
+          </a:xfrm>
+        </p:grpSpPr>
+        <p:sp>
+          <p:nvSpPr>
+            <p:cNvPr id="27" name="剪去单角的矩形 26"/>
+            <p:cNvSpPr/>
+            <p:nvPr/>
+          </p:nvSpPr>
+          <p:spPr>
+            <a:xfrm>
+              <a:off x="3758740" y="3888676"/>
+              <a:ext cx="648071" cy="792088"/>
+            </a:xfrm>
+            <a:prstGeom prst="snip1Rect">
+              <a:avLst/>
+            </a:prstGeom>
+            <a:solidFill>
+              <a:schemeClr val="bg1"/>
+            </a:solidFill>
+          </p:spPr>
+          <p:style>
+            <a:lnRef idx="2">
+              <a:schemeClr val="accent1">
+                <a:shade val="50000"/>
+              </a:schemeClr>
+            </a:lnRef>
+            <a:fillRef idx="1">
+              <a:schemeClr val="accent1"/>
+            </a:fillRef>
+            <a:effectRef idx="0">
+              <a:schemeClr val="accent1"/>
+            </a:effectRef>
+            <a:fontRef idx="minor">
+              <a:schemeClr val="lt1"/>
+            </a:fontRef>
+          </p:style>
+          <p:txBody>
+            <a:bodyPr rtlCol="0" anchor="ctr"/>
+            <a:lstStyle/>
+            <a:p>
+              <a:pPr algn="ctr"/>
+              <a:endParaRPr lang="en-US" altLang="zh-CN" dirty="0" smtClean="0">
+                <a:solidFill>
+                  <a:schemeClr val="tx1"/>
+                </a:solidFill>
+              </a:endParaRPr>
+            </a:p>
+            <a:p>
+              <a:pPr algn="ctr"/>
+              <a:r>
+                <a:rPr lang="en-US" altLang="zh-CN" dirty="0" smtClean="0">
+                  <a:solidFill>
+                    <a:schemeClr val="tx1"/>
+                  </a:solidFill>
+                </a:rPr>
+                <a:t>html</a:t>
+              </a:r>
+            </a:p>
+            <a:p>
+              <a:pPr algn="ctr"/>
+              <a:endParaRPr lang="zh-CN" altLang="en-US" dirty="0">
+                <a:solidFill>
+                  <a:schemeClr val="tx1"/>
+                </a:solidFill>
+              </a:endParaRPr>
+            </a:p>
+          </p:txBody>
+        </p:sp>
+        <p:sp>
+          <p:nvSpPr>
+            <p:cNvPr id="47" name="剪去单角的矩形 46"/>
+            <p:cNvSpPr/>
+            <p:nvPr/>
+          </p:nvSpPr>
+          <p:spPr>
+            <a:xfrm>
+              <a:off x="3903968" y="4077072"/>
+              <a:ext cx="648071" cy="792088"/>
+            </a:xfrm>
+            <a:prstGeom prst="snip1Rect">
+              <a:avLst/>
+            </a:prstGeom>
+            <a:solidFill>
+              <a:schemeClr val="bg1"/>
+            </a:solidFill>
+          </p:spPr>
+          <p:style>
+            <a:lnRef idx="2">
+              <a:schemeClr val="accent1">
+                <a:shade val="50000"/>
+              </a:schemeClr>
+            </a:lnRef>
+            <a:fillRef idx="1">
+              <a:schemeClr val="accent1"/>
+            </a:fillRef>
+            <a:effectRef idx="0">
+              <a:schemeClr val="accent1"/>
+            </a:effectRef>
+            <a:fontRef idx="minor">
+              <a:schemeClr val="lt1"/>
+            </a:fontRef>
+          </p:style>
+          <p:txBody>
+            <a:bodyPr rtlCol="0" anchor="ctr"/>
+            <a:lstStyle/>
+            <a:p>
+              <a:pPr algn="ctr"/>
+              <a:r>
+                <a:rPr lang="en-US" altLang="zh-CN" dirty="0" smtClean="0">
+                  <a:solidFill>
+                    <a:schemeClr val="tx1"/>
+                  </a:solidFill>
+                </a:rPr>
+                <a:t>a.</a:t>
+              </a:r>
+            </a:p>
+            <a:p>
+              <a:pPr algn="ctr"/>
+              <a:r>
+                <a:rPr lang="en-US" altLang="zh-CN" dirty="0" smtClean="0">
+                  <a:solidFill>
+                    <a:schemeClr val="tx1"/>
+                  </a:solidFill>
+                </a:rPr>
+                <a:t>html</a:t>
+              </a:r>
+            </a:p>
+            <a:p>
+              <a:pPr algn="ctr"/>
+              <a:endParaRPr lang="zh-CN" altLang="en-US" dirty="0">
+                <a:solidFill>
+                  <a:schemeClr val="tx1"/>
+                </a:solidFill>
+              </a:endParaRPr>
+            </a:p>
+          </p:txBody>
+        </p:sp>
+      </p:grpSp>
+    </p:spTree>
+    <p:extLst>
+      <p:ext uri="{BB962C8B-B14F-4D97-AF65-F5344CB8AC3E}">
+        <p14:creationId xmlns:p14="http://schemas.microsoft.com/office/powerpoint/2010/main" val="2479722225"/>
+      </p:ext>
+    </p:extLst>
+  </p:cSld>
+  <p:clrMapOvr>
+    <a:masterClrMapping/>
+  </p:clrMapOvr>
+  <p:timing>
+    <p:tnLst>
+      <p:par>
+        <p:cTn id="1" dur="indefinite" restart="never" nodeType="tmRoot">
+          <p:childTnLst>
+            <p:seq concurrent="1" nextAc="seek">
+              <p:cTn id="2" dur="indefinite" nodeType="mainSeq">
+                <p:childTnLst>
+                  <p:par>
+                    <p:cTn id="3" fill="hold">
+                      <p:stCondLst>
+                        <p:cond delay="indefinite"/>
+                      </p:stCondLst>
+                      <p:childTnLst>
+                        <p:par>
+                          <p:cTn id="4" fill="hold">
+                            <p:stCondLst>
+                              <p:cond delay="0"/>
+                            </p:stCondLst>
+                            <p:childTnLst>
+                              <p:par>
+                                <p:cTn id="5" presetID="2" presetClass="entr" presetSubtype="8" fill="hold" nodeType="clickEffect">
+                                  <p:stCondLst>
+                                    <p:cond delay="0"/>
+                                  </p:stCondLst>
+                                  <p:childTnLst>
+                                    <p:set>
+                                      <p:cBhvr>
+                                        <p:cTn id="6" dur="1" fill="hold">
+                                          <p:stCondLst>
+                                            <p:cond delay="0"/>
+                                          </p:stCondLst>
+                                        </p:cTn>
+                                        <p:tgtEl>
+                                          <p:spTgt spid="24"/>
+                                        </p:tgtEl>
+                                        <p:attrNameLst>
+                                          <p:attrName>style.visibility</p:attrName>
+                                        </p:attrNameLst>
+                                      </p:cBhvr>
+                                      <p:to>
+                                        <p:strVal val="visible"/>
+                                      </p:to>
+                                    </p:set>
+                                    <p:anim calcmode="lin" valueType="num">
+                                      <p:cBhvr additive="base">
+                                        <p:cTn id="7" dur="500" fill="hold"/>
+                                        <p:tgtEl>
+                                          <p:spTgt spid="24"/>
+                                        </p:tgtEl>
+                                        <p:attrNameLst>
+                                          <p:attrName>ppt_x</p:attrName>
+                                        </p:attrNameLst>
+                                      </p:cBhvr>
+                                      <p:tavLst>
+                                        <p:tav tm="0">
+                                          <p:val>
+                                            <p:strVal val="0-#ppt_w/2"/>
+                                          </p:val>
+                                        </p:tav>
+                                        <p:tav tm="100000">
+                                          <p:val>
+                                            <p:strVal val="#ppt_x"/>
+                                          </p:val>
+                                        </p:tav>
+                                      </p:tavLst>
+                                    </p:anim>
+                                    <p:anim calcmode="lin" valueType="num">
+                                      <p:cBhvr additive="base">
+                                        <p:cTn id="8" dur="500" fill="hold"/>
+                                        <p:tgtEl>
+                                          <p:spTgt spid="24"/>
+                                        </p:tgtEl>
+                                        <p:attrNameLst>
+                                          <p:attrName>ppt_y</p:attrName>
+                                        </p:attrNameLst>
+                                      </p:cBhvr>
+                                      <p:tavLst>
+                                        <p:tav tm="0">
+                                          <p:val>
+                                            <p:strVal val="#ppt_y"/>
+                                          </p:val>
+                                        </p:tav>
+                                        <p:tav tm="100000">
+                                          <p:val>
+                                            <p:strVal val="#ppt_y"/>
+                                          </p:val>
+                                        </p:tav>
+                                      </p:tavLst>
+                                    </p:anim>
+                                  </p:childTnLst>
+                                </p:cTn>
+                              </p:par>
+                            </p:childTnLst>
+                          </p:cTn>
+                        </p:par>
+                      </p:childTnLst>
+                    </p:cTn>
+                  </p:par>
+                  <p:par>
+                    <p:cTn id="9" fill="hold">
+                      <p:stCondLst>
+                        <p:cond delay="indefinite"/>
+                      </p:stCondLst>
+                      <p:childTnLst>
+                        <p:par>
+                          <p:cTn id="10" fill="hold">
+                            <p:stCondLst>
+                              <p:cond delay="0"/>
+                            </p:stCondLst>
+                            <p:childTnLst>
+                              <p:par>
+                                <p:cTn id="11" presetID="14" presetClass="entr" presetSubtype="10" fill="hold" nodeType="clickEffect">
+                                  <p:stCondLst>
+                                    <p:cond delay="0"/>
+                                  </p:stCondLst>
+                                  <p:childTnLst>
+                                    <p:set>
+                                      <p:cBhvr>
+                                        <p:cTn id="12" dur="1" fill="hold">
+                                          <p:stCondLst>
+                                            <p:cond delay="0"/>
+                                          </p:stCondLst>
+                                        </p:cTn>
+                                        <p:tgtEl>
+                                          <p:spTgt spid="58"/>
+                                        </p:tgtEl>
+                                        <p:attrNameLst>
+                                          <p:attrName>style.visibility</p:attrName>
+                                        </p:attrNameLst>
+                                      </p:cBhvr>
+                                      <p:to>
+                                        <p:strVal val="visible"/>
+                                      </p:to>
+                                    </p:set>
+                                    <p:animEffect transition="in" filter="randombar(horizontal)">
+                                      <p:cBhvr>
+                                        <p:cTn id="13" dur="500"/>
+                                        <p:tgtEl>
+                                          <p:spTgt spid="58"/>
+                                        </p:tgtEl>
+                                      </p:cBhvr>
+                                    </p:animEffect>
+                                  </p:childTnLst>
+                                </p:cTn>
+                              </p:par>
+                            </p:childTnLst>
+                          </p:cTn>
+                        </p:par>
+                      </p:childTnLst>
+                    </p:cTn>
+                  </p:par>
+                  <p:par>
+                    <p:cTn id="14" fill="hold">
+                      <p:stCondLst>
+                        <p:cond delay="indefinite"/>
+                      </p:stCondLst>
+                      <p:childTnLst>
+                        <p:par>
+                          <p:cTn id="15" fill="hold">
+                            <p:stCondLst>
+                              <p:cond delay="0"/>
+                            </p:stCondLst>
+                            <p:childTnLst>
+                              <p:par>
+                                <p:cTn id="16" presetID="1" presetClass="entr" presetSubtype="0" fill="hold" grpId="0" nodeType="clickEffect">
+                                  <p:stCondLst>
+                                    <p:cond delay="0"/>
+                                  </p:stCondLst>
+                                  <p:childTnLst>
+                                    <p:set>
+                                      <p:cBhvr>
+                                        <p:cTn id="17" dur="1" fill="hold">
+                                          <p:stCondLst>
+                                            <p:cond delay="0"/>
+                                          </p:stCondLst>
+                                        </p:cTn>
+                                        <p:tgtEl>
+                                          <p:spTgt spid="42"/>
+                                        </p:tgtEl>
+                                        <p:attrNameLst>
+                                          <p:attrName>style.visibility</p:attrName>
+                                        </p:attrNameLst>
+                                      </p:cBhvr>
+                                      <p:to>
+                                        <p:strVal val="visible"/>
+                                      </p:to>
+                                    </p:set>
+                                  </p:childTnLst>
+                                </p:cTn>
+                              </p:par>
+                            </p:childTnLst>
+                          </p:cTn>
+                        </p:par>
+                      </p:childTnLst>
+                    </p:cTn>
+                  </p:par>
+                </p:childTnLst>
+              </p:cTn>
+              <p:prevCondLst>
+                <p:cond evt="onPrev" delay="0">
+                  <p:tgtEl>
+                    <p:sldTgt/>
+                  </p:tgtEl>
+                </p:cond>
+              </p:prevCondLst>
+              <p:nextCondLst>
+                <p:cond evt="onNext" delay="0">
+                  <p:tgtEl>
+                    <p:sldTgt/>
+                  </p:tgtEl>
+                </p:cond>
+              </p:nextCondLst>
+            </p:seq>
+          </p:childTnLst>
+        </p:cTn>
+      </p:par>
+    </p:tnLst>
+    <p:bldLst>
+      <p:bldP spid="42" grpId="0" animBg="1"/>
+    </p:bldLst>
+  </p:timing>
+</p:sld>
+</file>
+
+<file path=ppt/slides/slide23.xml><?xml version="1.0" encoding="utf-8"?>
+<p:sld xmlns:a="http://schemas.openxmlformats.org/drawingml/2006/main" xmlns:r="http://schemas.openxmlformats.org/officeDocument/2006/relationships" xmlns:p="http://schemas.openxmlformats.org/presentationml/2006/main">
+  <p:cSld>
+    <p:spTree>
+      <p:nvGrpSpPr>
+        <p:cNvPr id="1" name=""/>
+        <p:cNvGrpSpPr/>
+        <p:nvPr/>
+      </p:nvGrpSpPr>
+      <p:grpSpPr>
+        <a:xfrm>
+          <a:off x="0" y="0"/>
+          <a:ext cx="0" cy="0"/>
+          <a:chOff x="0" y="0"/>
+          <a:chExt cx="0" cy="0"/>
+        </a:xfrm>
+      </p:grpSpPr>
+      <p:sp>
+        <p:nvSpPr>
+          <p:cNvPr id="2" name="标题 1"/>
+          <p:cNvSpPr>
+            <a:spLocks noGrp="1"/>
+          </p:cNvSpPr>
+          <p:nvPr>
+            <p:ph type="title"/>
+          </p:nvPr>
+        </p:nvSpPr>
+        <p:spPr/>
+        <p:txBody>
+          <a:bodyPr/>
+          <a:lstStyle/>
+          <a:p>
+            <a:r>
+              <a:rPr lang="en-US" altLang="zh-CN" dirty="0" smtClean="0">
+                <a:latin typeface="Adobe 黑体 Std R" panose="020B0400000000000000" pitchFamily="34" charset="-122"/>
+                <a:ea typeface="Adobe 黑体 Std R" panose="020B0400000000000000" pitchFamily="34" charset="-122"/>
+              </a:rPr>
+              <a:t>Web</a:t>
+            </a:r>
+            <a:r>
+              <a:rPr lang="zh-CN" altLang="en-US" dirty="0" smtClean="0">
+                <a:latin typeface="Adobe 黑体 Std R" panose="020B0400000000000000" pitchFamily="34" charset="-122"/>
+                <a:ea typeface="Adobe 黑体 Std R" panose="020B0400000000000000" pitchFamily="34" charset="-122"/>
+              </a:rPr>
+              <a:t>动态页面原理</a:t>
+            </a:r>
+            <a:endParaRPr lang="zh-CN" altLang="en-US" dirty="0">
+              <a:latin typeface="Adobe 黑体 Std R" panose="020B0400000000000000" pitchFamily="34" charset="-122"/>
+              <a:ea typeface="Adobe 黑体 Std R" panose="020B0400000000000000" pitchFamily="34" charset="-122"/>
+            </a:endParaRPr>
+          </a:p>
+        </p:txBody>
+      </p:sp>
+      <p:grpSp>
+        <p:nvGrpSpPr>
+          <p:cNvPr id="15" name="组合 14"/>
+          <p:cNvGrpSpPr/>
+          <p:nvPr/>
+        </p:nvGrpSpPr>
+        <p:grpSpPr>
+          <a:xfrm>
+            <a:off x="1403648" y="2556528"/>
+            <a:ext cx="3235614" cy="3456384"/>
+            <a:chOff x="899592" y="2492896"/>
+            <a:chExt cx="2808312" cy="3456384"/>
+          </a:xfrm>
+        </p:grpSpPr>
+        <p:sp>
+          <p:nvSpPr>
+            <p:cNvPr id="16" name="矩形 15"/>
+            <p:cNvSpPr/>
+            <p:nvPr/>
+          </p:nvSpPr>
+          <p:spPr>
+            <a:xfrm>
+              <a:off x="899592" y="2492896"/>
+              <a:ext cx="2808312" cy="3456384"/>
+            </a:xfrm>
+            <a:prstGeom prst="rect">
+              <a:avLst/>
+            </a:prstGeom>
+            <a:solidFill>
+              <a:srgbClr val="B1EAED"/>
+            </a:solidFill>
+          </p:spPr>
+          <p:style>
+            <a:lnRef idx="2">
+              <a:schemeClr val="accent1">
+                <a:shade val="50000"/>
+              </a:schemeClr>
+            </a:lnRef>
+            <a:fillRef idx="1">
+              <a:schemeClr val="accent1"/>
+            </a:fillRef>
+            <a:effectRef idx="0">
+              <a:schemeClr val="accent1"/>
+            </a:effectRef>
+            <a:fontRef idx="minor">
+              <a:schemeClr val="lt1"/>
+            </a:fontRef>
+          </p:style>
+          <p:txBody>
+            <a:bodyPr rtlCol="0" anchor="ctr"/>
+            <a:lstStyle/>
+            <a:p>
+              <a:pPr algn="ctr"/>
+              <a:endParaRPr lang="zh-CN" altLang="en-US"/>
+            </a:p>
+          </p:txBody>
+        </p:sp>
+        <p:grpSp>
+          <p:nvGrpSpPr>
+            <p:cNvPr id="17" name="组合 16"/>
+            <p:cNvGrpSpPr/>
+            <p:nvPr/>
+          </p:nvGrpSpPr>
+          <p:grpSpPr>
+            <a:xfrm>
+              <a:off x="1231418" y="2967710"/>
+              <a:ext cx="731366" cy="2952328"/>
+              <a:chOff x="1231418" y="2967710"/>
+              <a:chExt cx="731366" cy="2952328"/>
+            </a:xfrm>
+          </p:grpSpPr>
+          <p:sp>
+            <p:nvSpPr>
+              <p:cNvPr id="21" name="矩形 20"/>
+              <p:cNvSpPr/>
+              <p:nvPr/>
+            </p:nvSpPr>
+            <p:spPr>
+              <a:xfrm>
+                <a:off x="1231418" y="2967710"/>
+                <a:ext cx="731366" cy="360040"/>
+              </a:xfrm>
+              <a:prstGeom prst="rect">
+                <a:avLst/>
+              </a:prstGeom>
+              <a:solidFill>
+                <a:srgbClr val="00B0F0"/>
+              </a:solidFill>
+            </p:spPr>
+            <p:style>
+              <a:lnRef idx="1">
+                <a:schemeClr val="accent6"/>
+              </a:lnRef>
+              <a:fillRef idx="2">
+                <a:schemeClr val="accent6"/>
+              </a:fillRef>
+              <a:effectRef idx="1">
+                <a:schemeClr val="accent6"/>
+              </a:effectRef>
+              <a:fontRef idx="minor">
+                <a:schemeClr val="dk1"/>
+              </a:fontRef>
+            </p:style>
+            <p:txBody>
+              <a:bodyPr rtlCol="0" anchor="ctr"/>
+              <a:lstStyle/>
+              <a:p>
+                <a:pPr algn="ctr"/>
+                <a:r>
+                  <a:rPr lang="en-US" altLang="zh-CN" dirty="0" smtClean="0"/>
+                  <a:t>B</a:t>
+                </a:r>
+                <a:endParaRPr lang="zh-CN" altLang="en-US" dirty="0"/>
+              </a:p>
+            </p:txBody>
+          </p:sp>
+          <p:cxnSp>
+            <p:nvCxnSpPr>
+              <p:cNvPr id="22" name="直接连接符 21"/>
+              <p:cNvCxnSpPr>
+                <a:stCxn id="21" idx="2"/>
+              </p:cNvCxnSpPr>
+              <p:nvPr/>
+            </p:nvCxnSpPr>
+            <p:spPr>
+              <a:xfrm>
+                <a:off x="1597101" y="3327750"/>
+                <a:ext cx="5643" cy="2592288"/>
+              </a:xfrm>
+              <a:prstGeom prst="line">
+                <a:avLst/>
+              </a:prstGeom>
+              <a:ln w="9525" cap="flat" cmpd="sng" algn="ctr">
+                <a:solidFill>
+                  <a:schemeClr val="accent3"/>
+                </a:solidFill>
+                <a:prstDash val="dash"/>
+                <a:round/>
+                <a:headEnd type="none" w="med" len="med"/>
+                <a:tailEnd type="none" w="med" len="med"/>
+              </a:ln>
+            </p:spPr>
+            <p:style>
+              <a:lnRef idx="0">
+                <a:scrgbClr r="0" g="0" b="0"/>
+              </a:lnRef>
+              <a:fillRef idx="0">
+                <a:scrgbClr r="0" g="0" b="0"/>
+              </a:fillRef>
+              <a:effectRef idx="0">
+                <a:scrgbClr r="0" g="0" b="0"/>
+              </a:effectRef>
+              <a:fontRef idx="minor">
+                <a:schemeClr val="tx1"/>
+              </a:fontRef>
+            </p:style>
+          </p:cxnSp>
+        </p:grpSp>
+        <p:grpSp>
+          <p:nvGrpSpPr>
+            <p:cNvPr id="18" name="组合 17"/>
+            <p:cNvGrpSpPr/>
+            <p:nvPr/>
+          </p:nvGrpSpPr>
+          <p:grpSpPr>
+            <a:xfrm>
+              <a:off x="2435859" y="2967710"/>
+              <a:ext cx="731366" cy="2952328"/>
+              <a:chOff x="1056421" y="2967710"/>
+              <a:chExt cx="731366" cy="2952328"/>
+            </a:xfrm>
+            <a:solidFill>
+              <a:srgbClr val="CCECFF"/>
+            </a:solidFill>
+          </p:grpSpPr>
+          <p:sp>
+            <p:nvSpPr>
+              <p:cNvPr id="19" name="矩形 18"/>
+              <p:cNvSpPr/>
+              <p:nvPr/>
+            </p:nvSpPr>
+            <p:spPr>
+              <a:xfrm>
+                <a:off x="1056421" y="2967710"/>
+                <a:ext cx="731366" cy="360040"/>
+              </a:xfrm>
+              <a:prstGeom prst="rect">
+                <a:avLst/>
+              </a:prstGeom>
+              <a:solidFill>
+                <a:srgbClr val="FFCC99"/>
+              </a:solidFill>
+            </p:spPr>
+            <p:style>
+              <a:lnRef idx="1">
+                <a:schemeClr val="accent6"/>
+              </a:lnRef>
+              <a:fillRef idx="2">
+                <a:schemeClr val="accent6"/>
+              </a:fillRef>
+              <a:effectRef idx="1">
+                <a:schemeClr val="accent6"/>
+              </a:effectRef>
+              <a:fontRef idx="minor">
+                <a:schemeClr val="dk1"/>
+              </a:fontRef>
+            </p:style>
+            <p:txBody>
+              <a:bodyPr rtlCol="0" anchor="ctr"/>
+              <a:lstStyle/>
+              <a:p>
+                <a:pPr algn="ctr"/>
+                <a:r>
+                  <a:rPr lang="en-US" altLang="zh-CN" dirty="0"/>
+                  <a:t>S</a:t>
+                </a:r>
+                <a:endParaRPr lang="zh-CN" altLang="en-US" dirty="0"/>
+              </a:p>
+            </p:txBody>
+          </p:sp>
+          <p:cxnSp>
+            <p:nvCxnSpPr>
+              <p:cNvPr id="20" name="直接连接符 19"/>
+              <p:cNvCxnSpPr>
+                <a:stCxn id="19" idx="2"/>
+              </p:cNvCxnSpPr>
+              <p:nvPr/>
+            </p:nvCxnSpPr>
+            <p:spPr>
+              <a:xfrm>
+                <a:off x="1422104" y="3327750"/>
+                <a:ext cx="5643" cy="2592288"/>
+              </a:xfrm>
+              <a:prstGeom prst="line">
+                <a:avLst/>
+              </a:prstGeom>
+              <a:grpFill/>
+              <a:ln w="9525" cap="flat" cmpd="sng" algn="ctr">
+                <a:solidFill>
+                  <a:schemeClr val="accent3"/>
+                </a:solidFill>
+                <a:prstDash val="dash"/>
+                <a:round/>
+                <a:headEnd type="none" w="med" len="med"/>
+                <a:tailEnd type="none" w="med" len="med"/>
+              </a:ln>
+            </p:spPr>
+            <p:style>
+              <a:lnRef idx="0">
+                <a:scrgbClr r="0" g="0" b="0"/>
+              </a:lnRef>
+              <a:fillRef idx="0">
+                <a:scrgbClr r="0" g="0" b="0"/>
+              </a:fillRef>
+              <a:effectRef idx="0">
+                <a:scrgbClr r="0" g="0" b="0"/>
+              </a:effectRef>
+              <a:fontRef idx="minor">
+                <a:schemeClr val="tx1"/>
+              </a:fontRef>
+            </p:style>
+          </p:cxnSp>
+        </p:grpSp>
+      </p:grpSp>
+      <p:cxnSp>
+        <p:nvCxnSpPr>
+          <p:cNvPr id="24" name="直接箭头连接符 23"/>
+          <p:cNvCxnSpPr/>
+          <p:nvPr/>
+        </p:nvCxnSpPr>
+        <p:spPr>
+          <a:xfrm>
+            <a:off x="2207287" y="3789040"/>
+            <a:ext cx="1407666" cy="0"/>
+          </a:xfrm>
+          <a:prstGeom prst="straightConnector1">
+            <a:avLst/>
+          </a:prstGeom>
+          <a:ln>
+            <a:tailEnd type="triangle"/>
+          </a:ln>
+        </p:spPr>
+        <p:style>
+          <a:lnRef idx="3">
+            <a:schemeClr val="accent2"/>
+          </a:lnRef>
+          <a:fillRef idx="0">
+            <a:schemeClr val="accent2"/>
+          </a:fillRef>
+          <a:effectRef idx="2">
+            <a:schemeClr val="accent2"/>
+          </a:effectRef>
+          <a:fontRef idx="minor">
+            <a:schemeClr val="tx1"/>
+          </a:fontRef>
+        </p:style>
+      </p:cxnSp>
+      <p:sp>
+        <p:nvSpPr>
+          <p:cNvPr id="42" name="剪去单角的矩形 41"/>
+          <p:cNvSpPr/>
+          <p:nvPr/>
+        </p:nvSpPr>
+        <p:spPr>
+          <a:xfrm>
+            <a:off x="1545490" y="5021324"/>
+            <a:ext cx="648071" cy="792088"/>
+          </a:xfrm>
+          <a:prstGeom prst="snip1Rect">
+            <a:avLst/>
+          </a:prstGeom>
+          <a:solidFill>
+            <a:srgbClr val="FFC000"/>
+          </a:solidFill>
+        </p:spPr>
+        <p:style>
+          <a:lnRef idx="2">
+            <a:schemeClr val="accent1">
+              <a:shade val="50000"/>
+            </a:schemeClr>
+          </a:lnRef>
+          <a:fillRef idx="1">
+            <a:schemeClr val="accent1"/>
+          </a:fillRef>
+          <a:effectRef idx="0">
+            <a:schemeClr val="accent1"/>
+          </a:effectRef>
+          <a:fontRef idx="minor">
+            <a:schemeClr val="lt1"/>
+          </a:fontRef>
+        </p:style>
+        <p:txBody>
+          <a:bodyPr rtlCol="0" anchor="ctr"/>
+          <a:lstStyle/>
+          <a:p>
+            <a:pPr algn="ctr"/>
+            <a:r>
+              <a:rPr lang="en-US" altLang="zh-CN" dirty="0" smtClean="0">
+                <a:solidFill>
+                  <a:schemeClr val="tx1"/>
+                </a:solidFill>
+              </a:rPr>
+              <a:t>new.</a:t>
+            </a:r>
+          </a:p>
+          <a:p>
+            <a:pPr algn="ctr"/>
+            <a:r>
+              <a:rPr lang="en-US" altLang="zh-CN" dirty="0" smtClean="0">
+                <a:solidFill>
+                  <a:schemeClr val="tx1"/>
+                </a:solidFill>
+              </a:rPr>
+              <a:t>html</a:t>
+            </a:r>
+          </a:p>
+          <a:p>
+            <a:pPr algn="ctr"/>
+            <a:endParaRPr lang="zh-CN" altLang="en-US" dirty="0">
+              <a:solidFill>
+                <a:schemeClr val="tx1"/>
+              </a:solidFill>
+            </a:endParaRPr>
+          </a:p>
+        </p:txBody>
+      </p:sp>
+      <p:grpSp>
+        <p:nvGrpSpPr>
+          <p:cNvPr id="13" name="组合 12"/>
+          <p:cNvGrpSpPr/>
+          <p:nvPr/>
+        </p:nvGrpSpPr>
+        <p:grpSpPr>
+          <a:xfrm>
+            <a:off x="3594992" y="4077072"/>
+            <a:ext cx="878587" cy="1175875"/>
+            <a:chOff x="5083903" y="4077072"/>
+            <a:chExt cx="878587" cy="1175875"/>
+          </a:xfrm>
+        </p:grpSpPr>
+        <p:sp>
+          <p:nvSpPr>
+            <p:cNvPr id="27" name="剪去单角的矩形 26"/>
+            <p:cNvSpPr/>
+            <p:nvPr/>
+          </p:nvSpPr>
+          <p:spPr>
+            <a:xfrm>
+              <a:off x="5314419" y="4460859"/>
+              <a:ext cx="648071" cy="792088"/>
+            </a:xfrm>
+            <a:prstGeom prst="snip1Rect">
+              <a:avLst/>
+            </a:prstGeom>
+            <a:solidFill>
+              <a:schemeClr val="bg1"/>
+            </a:solidFill>
+          </p:spPr>
+          <p:style>
+            <a:lnRef idx="2">
+              <a:schemeClr val="accent1">
+                <a:shade val="50000"/>
+              </a:schemeClr>
+            </a:lnRef>
+            <a:fillRef idx="1">
+              <a:schemeClr val="accent1"/>
+            </a:fillRef>
+            <a:effectRef idx="0">
+              <a:schemeClr val="accent1"/>
+            </a:effectRef>
+            <a:fontRef idx="minor">
+              <a:schemeClr val="lt1"/>
+            </a:fontRef>
+          </p:style>
+          <p:txBody>
+            <a:bodyPr rtlCol="0" anchor="ctr"/>
+            <a:lstStyle/>
+            <a:p>
+              <a:pPr algn="ctr"/>
+              <a:r>
+                <a:rPr lang="en-US" altLang="zh-CN" dirty="0" smtClean="0">
+                  <a:solidFill>
+                    <a:schemeClr val="tx1"/>
+                  </a:solidFill>
+                </a:rPr>
+                <a:t>new.</a:t>
+              </a:r>
+            </a:p>
+            <a:p>
+              <a:pPr algn="ctr"/>
+              <a:r>
+                <a:rPr lang="en-US" altLang="zh-CN" dirty="0" smtClean="0">
+                  <a:solidFill>
+                    <a:schemeClr val="tx1"/>
+                  </a:solidFill>
+                </a:rPr>
+                <a:t>html</a:t>
+              </a:r>
+            </a:p>
+            <a:p>
+              <a:pPr algn="ctr"/>
+              <a:endParaRPr lang="zh-CN" altLang="en-US" dirty="0">
+                <a:solidFill>
+                  <a:schemeClr val="tx1"/>
+                </a:solidFill>
+              </a:endParaRPr>
+            </a:p>
+          </p:txBody>
+        </p:sp>
+        <p:cxnSp>
+          <p:nvCxnSpPr>
+            <p:cNvPr id="8" name="肘形连接符 7"/>
+            <p:cNvCxnSpPr>
+              <a:endCxn id="27" idx="3"/>
+            </p:cNvCxnSpPr>
+            <p:nvPr/>
+          </p:nvCxnSpPr>
+          <p:spPr>
+            <a:xfrm>
+              <a:off x="5083903" y="4077072"/>
+              <a:ext cx="554552" cy="383787"/>
+            </a:xfrm>
+            <a:prstGeom prst="bentConnector2">
+              <a:avLst/>
+            </a:prstGeom>
+            <a:ln>
+              <a:tailEnd type="triangle"/>
+            </a:ln>
+          </p:spPr>
+          <p:style>
+            <a:lnRef idx="3">
+              <a:schemeClr val="dk1"/>
+            </a:lnRef>
+            <a:fillRef idx="0">
+              <a:schemeClr val="dk1"/>
+            </a:fillRef>
+            <a:effectRef idx="2">
+              <a:schemeClr val="dk1"/>
+            </a:effectRef>
+            <a:fontRef idx="minor">
+              <a:schemeClr val="tx1"/>
+            </a:fontRef>
+          </p:style>
+        </p:cxnSp>
+      </p:grpSp>
+      <p:grpSp>
+        <p:nvGrpSpPr>
+          <p:cNvPr id="14" name="组合 13"/>
+          <p:cNvGrpSpPr/>
+          <p:nvPr/>
+        </p:nvGrpSpPr>
+        <p:grpSpPr>
+          <a:xfrm>
+            <a:off x="2193561" y="4941168"/>
+            <a:ext cx="1585370" cy="361136"/>
+            <a:chOff x="3682472" y="4941168"/>
+            <a:chExt cx="1585370" cy="361136"/>
+          </a:xfrm>
+        </p:grpSpPr>
+        <p:grpSp>
+          <p:nvGrpSpPr>
+            <p:cNvPr id="58" name="组合 57"/>
+            <p:cNvGrpSpPr/>
+            <p:nvPr/>
+          </p:nvGrpSpPr>
+          <p:grpSpPr>
+            <a:xfrm>
+              <a:off x="3682472" y="5086280"/>
+              <a:ext cx="1404004" cy="216024"/>
+              <a:chOff x="3682472" y="5086280"/>
+              <a:chExt cx="1404004" cy="216024"/>
+            </a:xfrm>
+          </p:grpSpPr>
+          <p:cxnSp>
+            <p:nvCxnSpPr>
+              <p:cNvPr id="29" name="直接箭头连接符 28"/>
+              <p:cNvCxnSpPr/>
+              <p:nvPr/>
+            </p:nvCxnSpPr>
+            <p:spPr>
+              <a:xfrm flipH="1">
+                <a:off x="3682472" y="5302304"/>
+                <a:ext cx="1404004" cy="0"/>
+              </a:xfrm>
+              <a:prstGeom prst="straightConnector1">
+                <a:avLst/>
+              </a:prstGeom>
+              <a:ln>
+                <a:tailEnd type="triangle"/>
+              </a:ln>
+            </p:spPr>
+            <p:style>
+              <a:lnRef idx="3">
+                <a:schemeClr val="accent4"/>
+              </a:lnRef>
+              <a:fillRef idx="0">
+                <a:schemeClr val="accent4"/>
+              </a:fillRef>
+              <a:effectRef idx="2">
+                <a:schemeClr val="accent4"/>
+              </a:effectRef>
+              <a:fontRef idx="minor">
+                <a:schemeClr val="tx1"/>
+              </a:fontRef>
+            </p:style>
+          </p:cxnSp>
+          <p:sp>
+            <p:nvSpPr>
+              <p:cNvPr id="33" name="矩形 32"/>
+              <p:cNvSpPr/>
+              <p:nvPr/>
+            </p:nvSpPr>
+            <p:spPr>
+              <a:xfrm>
+                <a:off x="3779912" y="5086280"/>
+                <a:ext cx="1224136" cy="144016"/>
+              </a:xfrm>
+              <a:prstGeom prst="rect">
+                <a:avLst/>
+              </a:prstGeom>
+              <a:solidFill>
+                <a:srgbClr val="FF3300"/>
+              </a:solidFill>
+            </p:spPr>
+            <p:style>
+              <a:lnRef idx="2">
+                <a:schemeClr val="accent1">
+                  <a:shade val="50000"/>
+                </a:schemeClr>
+              </a:lnRef>
+              <a:fillRef idx="1">
+                <a:schemeClr val="accent1"/>
+              </a:fillRef>
+              <a:effectRef idx="0">
+                <a:schemeClr val="accent1"/>
+              </a:effectRef>
+              <a:fontRef idx="minor">
+                <a:schemeClr val="lt1"/>
+              </a:fontRef>
+            </p:style>
+            <p:txBody>
+              <a:bodyPr rtlCol="0" anchor="ctr"/>
+              <a:lstStyle/>
+              <a:p>
+                <a:pPr algn="ctr"/>
+                <a:endParaRPr lang="zh-CN" altLang="en-US"/>
+              </a:p>
+            </p:txBody>
+          </p:sp>
+        </p:grpSp>
+        <p:cxnSp>
+          <p:nvCxnSpPr>
+            <p:cNvPr id="12" name="曲线连接符 11"/>
+            <p:cNvCxnSpPr>
+              <a:endCxn id="33" idx="3"/>
+            </p:cNvCxnSpPr>
+            <p:nvPr/>
+          </p:nvCxnSpPr>
+          <p:spPr>
+            <a:xfrm rot="10800000" flipV="1">
+              <a:off x="5004048" y="4941168"/>
+              <a:ext cx="263794" cy="217120"/>
+            </a:xfrm>
+            <a:prstGeom prst="curvedConnector3">
+              <a:avLst/>
+            </a:prstGeom>
+            <a:ln>
+              <a:tailEnd type="triangle"/>
+            </a:ln>
+          </p:spPr>
+          <p:style>
+            <a:lnRef idx="3">
+              <a:schemeClr val="dk1"/>
+            </a:lnRef>
+            <a:fillRef idx="0">
+              <a:schemeClr val="dk1"/>
+            </a:fillRef>
+            <a:effectRef idx="2">
+              <a:schemeClr val="dk1"/>
+            </a:effectRef>
+            <a:fontRef idx="minor">
+              <a:schemeClr val="tx1"/>
+            </a:fontRef>
+          </p:style>
+        </p:cxnSp>
+      </p:grpSp>
+      <p:grpSp>
+        <p:nvGrpSpPr>
+          <p:cNvPr id="59" name="组合 58"/>
+          <p:cNvGrpSpPr/>
+          <p:nvPr/>
+        </p:nvGrpSpPr>
+        <p:grpSpPr>
+          <a:xfrm>
+            <a:off x="5292080" y="2837865"/>
+            <a:ext cx="2648725" cy="2320423"/>
+            <a:chOff x="5076056" y="3356992"/>
+            <a:chExt cx="2648725" cy="2320423"/>
+          </a:xfrm>
+        </p:grpSpPr>
+        <p:grpSp>
+          <p:nvGrpSpPr>
+            <p:cNvPr id="34" name="组合 33"/>
+            <p:cNvGrpSpPr/>
+            <p:nvPr/>
+          </p:nvGrpSpPr>
+          <p:grpSpPr>
+            <a:xfrm>
+              <a:off x="5076056" y="3356992"/>
+              <a:ext cx="2648725" cy="780360"/>
+              <a:chOff x="2924283" y="2632766"/>
+              <a:chExt cx="2763607" cy="1009548"/>
+            </a:xfrm>
+          </p:grpSpPr>
+          <p:pic>
+            <p:nvPicPr>
+              <p:cNvPr id="37" name="Picture 6" descr="https://bkimg.cdn.bcebos.com/pic/cb8065380cd791232b140067a0345982b2b78029?x-bce-process=image/watermark,g_7,image_d2F0ZXIvYmFpa2UxNTA=,xp_5,yp_5"/>
+              <p:cNvPicPr>
+                <a:picLocks noChangeAspect="1" noChangeArrowheads="1"/>
+              </p:cNvPicPr>
+              <p:nvPr/>
+            </p:nvPicPr>
+            <p:blipFill>
+              <a:blip r:embed="rId2" cstate="print">
+                <a:extLst>
+                  <a:ext uri="{28A0092B-C50C-407E-A947-70E740481C1C}">
+                    <a14:useLocalDpi xmlns:a14="http://schemas.microsoft.com/office/drawing/2010/main" val="0"/>
+                  </a:ext>
+                </a:extLst>
+              </a:blip>
+              <a:srcRect/>
+              <a:stretch>
+                <a:fillRect/>
+              </a:stretch>
+            </p:blipFill>
+            <p:spPr bwMode="auto">
+              <a:xfrm flipH="1">
+                <a:off x="2924283" y="2759568"/>
+                <a:ext cx="681201" cy="766047"/>
+              </a:xfrm>
+              <a:prstGeom prst="rect">
+                <a:avLst/>
+              </a:prstGeom>
+              <a:noFill/>
+              <a:extLst>
+                <a:ext uri="{909E8E84-426E-40DD-AFC4-6F175D3DCCD1}">
+                  <a14:hiddenFill xmlns:a14="http://schemas.microsoft.com/office/drawing/2010/main">
+                    <a:solidFill>
+                      <a:srgbClr val="FFFFFF"/>
+                    </a:solidFill>
+                  </a14:hiddenFill>
+                </a:ext>
+              </a:extLst>
+            </p:spPr>
+          </p:pic>
+          <p:pic>
+            <p:nvPicPr>
+              <p:cNvPr id="36" name="图片 35"/>
+              <p:cNvPicPr>
+                <a:picLocks noChangeAspect="1"/>
+              </p:cNvPicPr>
+              <p:nvPr/>
+            </p:nvPicPr>
+            <p:blipFill>
+              <a:blip r:embed="rId3"/>
+              <a:stretch>
+                <a:fillRect/>
+              </a:stretch>
+            </p:blipFill>
+            <p:spPr>
+              <a:xfrm>
+                <a:off x="4409066" y="2632766"/>
+                <a:ext cx="1278824" cy="1009548"/>
+              </a:xfrm>
+              <a:prstGeom prst="rect">
+                <a:avLst/>
+              </a:prstGeom>
+            </p:spPr>
+          </p:pic>
+        </p:grpSp>
+        <p:cxnSp>
+          <p:nvCxnSpPr>
+            <p:cNvPr id="41" name="曲线连接符 40"/>
+            <p:cNvCxnSpPr>
+              <a:stCxn id="37" idx="1"/>
+              <a:endCxn id="36" idx="0"/>
+            </p:cNvCxnSpPr>
+            <p:nvPr/>
+          </p:nvCxnSpPr>
+          <p:spPr>
+            <a:xfrm flipV="1">
+              <a:off x="5728940" y="3356992"/>
+              <a:ext cx="1383009" cy="394085"/>
+            </a:xfrm>
+            <a:prstGeom prst="curvedConnector4">
+              <a:avLst>
+                <a:gd name="adj1" fmla="val 27844"/>
+                <a:gd name="adj2" fmla="val 158008"/>
+              </a:avLst>
+            </a:prstGeom>
+            <a:ln>
+              <a:tailEnd type="triangle"/>
+            </a:ln>
+          </p:spPr>
+          <p:style>
+            <a:lnRef idx="3">
+              <a:schemeClr val="dk1"/>
+            </a:lnRef>
+            <a:fillRef idx="0">
+              <a:schemeClr val="dk1"/>
+            </a:fillRef>
+            <a:effectRef idx="2">
+              <a:schemeClr val="dk1"/>
+            </a:effectRef>
+            <a:fontRef idx="minor">
+              <a:schemeClr val="tx1"/>
+            </a:fontRef>
+          </p:style>
+        </p:cxnSp>
+        <p:pic>
+          <p:nvPicPr>
+            <p:cNvPr id="43" name="图片 42"/>
+            <p:cNvPicPr>
+              <a:picLocks noChangeAspect="1"/>
+            </p:cNvPicPr>
+            <p:nvPr/>
+          </p:nvPicPr>
+          <p:blipFill>
+            <a:blip r:embed="rId4"/>
+            <a:stretch>
+              <a:fillRect/>
+            </a:stretch>
+          </p:blipFill>
+          <p:spPr>
+            <a:xfrm>
+              <a:off x="5728940" y="4927193"/>
+              <a:ext cx="878734" cy="750222"/>
+            </a:xfrm>
+            <a:prstGeom prst="rect">
+              <a:avLst/>
+            </a:prstGeom>
+          </p:spPr>
+        </p:pic>
+        <p:cxnSp>
+          <p:nvCxnSpPr>
+            <p:cNvPr id="51" name="曲线连接符 50"/>
+            <p:cNvCxnSpPr>
+              <a:stCxn id="36" idx="1"/>
+              <a:endCxn id="37" idx="2"/>
+            </p:cNvCxnSpPr>
+            <p:nvPr/>
+          </p:nvCxnSpPr>
+          <p:spPr>
+            <a:xfrm rot="10800000" flipV="1">
+              <a:off x="5402499" y="3747172"/>
+              <a:ext cx="1096619" cy="299974"/>
+            </a:xfrm>
+            <a:prstGeom prst="curvedConnector4">
+              <a:avLst>
+                <a:gd name="adj1" fmla="val 35116"/>
+                <a:gd name="adj2" fmla="val 206278"/>
+              </a:avLst>
+            </a:prstGeom>
+            <a:ln>
+              <a:tailEnd type="triangle"/>
+            </a:ln>
+          </p:spPr>
+          <p:style>
+            <a:lnRef idx="3">
+              <a:schemeClr val="accent4"/>
+            </a:lnRef>
+            <a:fillRef idx="0">
+              <a:schemeClr val="accent4"/>
+            </a:fillRef>
+            <a:effectRef idx="2">
+              <a:schemeClr val="accent4"/>
+            </a:effectRef>
+            <a:fontRef idx="minor">
+              <a:schemeClr val="tx1"/>
+            </a:fontRef>
+          </p:style>
+        </p:cxnSp>
+        <p:cxnSp>
+          <p:nvCxnSpPr>
+            <p:cNvPr id="57" name="曲线连接符 56"/>
+            <p:cNvCxnSpPr>
+              <a:stCxn id="43" idx="3"/>
+              <a:endCxn id="36" idx="3"/>
+            </p:cNvCxnSpPr>
+            <p:nvPr/>
+          </p:nvCxnSpPr>
+          <p:spPr>
+            <a:xfrm flipV="1">
+              <a:off x="6607674" y="3747172"/>
+              <a:ext cx="1117107" cy="1555132"/>
+            </a:xfrm>
+            <a:prstGeom prst="curvedConnector3">
+              <a:avLst>
+                <a:gd name="adj1" fmla="val 120464"/>
+              </a:avLst>
+            </a:prstGeom>
+            <a:ln>
+              <a:headEnd type="triangle"/>
+              <a:tailEnd type="triangle"/>
+            </a:ln>
+          </p:spPr>
+          <p:style>
+            <a:lnRef idx="3">
+              <a:schemeClr val="accent3"/>
+            </a:lnRef>
+            <a:fillRef idx="0">
+              <a:schemeClr val="accent3"/>
+            </a:fillRef>
+            <a:effectRef idx="2">
+              <a:schemeClr val="accent3"/>
+            </a:effectRef>
+            <a:fontRef idx="minor">
+              <a:schemeClr val="tx1"/>
+            </a:fontRef>
+          </p:style>
+        </p:cxnSp>
+      </p:grpSp>
+    </p:spTree>
+    <p:extLst>
+      <p:ext uri="{BB962C8B-B14F-4D97-AF65-F5344CB8AC3E}">
+        <p14:creationId xmlns:p14="http://schemas.microsoft.com/office/powerpoint/2010/main" val="1524169522"/>
+      </p:ext>
+    </p:extLst>
+  </p:cSld>
+  <p:clrMapOvr>
+    <a:masterClrMapping/>
+  </p:clrMapOvr>
+  <p:timing>
+    <p:tnLst>
+      <p:par>
+        <p:cTn id="1" dur="indefinite" restart="never" nodeType="tmRoot">
+          <p:childTnLst>
+            <p:seq concurrent="1" nextAc="seek">
+              <p:cTn id="2" dur="indefinite" nodeType="mainSeq">
+                <p:childTnLst>
+                  <p:par>
+                    <p:cTn id="3" fill="hold">
+                      <p:stCondLst>
+                        <p:cond delay="indefinite"/>
+                      </p:stCondLst>
+                      <p:childTnLst>
+                        <p:par>
+                          <p:cTn id="4" fill="hold">
+                            <p:stCondLst>
+                              <p:cond delay="0"/>
+                            </p:stCondLst>
+                            <p:childTnLst>
+                              <p:par>
+                                <p:cTn id="5" presetID="2" presetClass="entr" presetSubtype="8" fill="hold" nodeType="clickEffect">
+                                  <p:stCondLst>
+                                    <p:cond delay="0"/>
+                                  </p:stCondLst>
+                                  <p:childTnLst>
+                                    <p:set>
+                                      <p:cBhvr>
+                                        <p:cTn id="6" dur="1" fill="hold">
+                                          <p:stCondLst>
+                                            <p:cond delay="0"/>
+                                          </p:stCondLst>
+                                        </p:cTn>
+                                        <p:tgtEl>
+                                          <p:spTgt spid="24"/>
+                                        </p:tgtEl>
+                                        <p:attrNameLst>
+                                          <p:attrName>style.visibility</p:attrName>
+                                        </p:attrNameLst>
+                                      </p:cBhvr>
+                                      <p:to>
+                                        <p:strVal val="visible"/>
+                                      </p:to>
+                                    </p:set>
+                                    <p:anim calcmode="lin" valueType="num">
+                                      <p:cBhvr additive="base">
+                                        <p:cTn id="7" dur="500" fill="hold"/>
+                                        <p:tgtEl>
+                                          <p:spTgt spid="24"/>
+                                        </p:tgtEl>
+                                        <p:attrNameLst>
+                                          <p:attrName>ppt_x</p:attrName>
+                                        </p:attrNameLst>
+                                      </p:cBhvr>
+                                      <p:tavLst>
+                                        <p:tav tm="0">
+                                          <p:val>
+                                            <p:strVal val="0-#ppt_w/2"/>
+                                          </p:val>
+                                        </p:tav>
+                                        <p:tav tm="100000">
+                                          <p:val>
+                                            <p:strVal val="#ppt_x"/>
+                                          </p:val>
+                                        </p:tav>
+                                      </p:tavLst>
+                                    </p:anim>
+                                    <p:anim calcmode="lin" valueType="num">
+                                      <p:cBhvr additive="base">
+                                        <p:cTn id="8" dur="500" fill="hold"/>
+                                        <p:tgtEl>
+                                          <p:spTgt spid="24"/>
+                                        </p:tgtEl>
+                                        <p:attrNameLst>
+                                          <p:attrName>ppt_y</p:attrName>
+                                        </p:attrNameLst>
+                                      </p:cBhvr>
+                                      <p:tavLst>
+                                        <p:tav tm="0">
+                                          <p:val>
+                                            <p:strVal val="#ppt_y"/>
+                                          </p:val>
+                                        </p:tav>
+                                        <p:tav tm="100000">
+                                          <p:val>
+                                            <p:strVal val="#ppt_y"/>
+                                          </p:val>
+                                        </p:tav>
+                                      </p:tavLst>
+                                    </p:anim>
+                                  </p:childTnLst>
+                                </p:cTn>
+                              </p:par>
+                            </p:childTnLst>
+                          </p:cTn>
+                        </p:par>
+                      </p:childTnLst>
+                    </p:cTn>
+                  </p:par>
+                  <p:par>
+                    <p:cTn id="9" fill="hold">
+                      <p:stCondLst>
+                        <p:cond delay="indefinite"/>
+                      </p:stCondLst>
+                      <p:childTnLst>
+                        <p:par>
+                          <p:cTn id="10" fill="hold">
+                            <p:stCondLst>
+                              <p:cond delay="0"/>
+                            </p:stCondLst>
+                            <p:childTnLst>
+                              <p:par>
+                                <p:cTn id="11" presetID="21" presetClass="entr" presetSubtype="1" fill="hold" nodeType="clickEffect">
+                                  <p:stCondLst>
+                                    <p:cond delay="0"/>
+                                  </p:stCondLst>
+                                  <p:childTnLst>
+                                    <p:set>
+                                      <p:cBhvr>
+                                        <p:cTn id="12" dur="1" fill="hold">
+                                          <p:stCondLst>
+                                            <p:cond delay="0"/>
+                                          </p:stCondLst>
+                                        </p:cTn>
+                                        <p:tgtEl>
+                                          <p:spTgt spid="13"/>
+                                        </p:tgtEl>
+                                        <p:attrNameLst>
+                                          <p:attrName>style.visibility</p:attrName>
+                                        </p:attrNameLst>
+                                      </p:cBhvr>
+                                      <p:to>
+                                        <p:strVal val="visible"/>
+                                      </p:to>
+                                    </p:set>
+                                    <p:animEffect transition="in" filter="wheel(1)">
+                                      <p:cBhvr>
+                                        <p:cTn id="13" dur="2000"/>
+                                        <p:tgtEl>
+                                          <p:spTgt spid="13"/>
+                                        </p:tgtEl>
+                                      </p:cBhvr>
+                                    </p:animEffect>
+                                  </p:childTnLst>
+                                </p:cTn>
+                              </p:par>
+                            </p:childTnLst>
+                          </p:cTn>
+                        </p:par>
+                      </p:childTnLst>
+                    </p:cTn>
+                  </p:par>
+                  <p:par>
+                    <p:cTn id="14" fill="hold">
+                      <p:stCondLst>
+                        <p:cond delay="indefinite"/>
+                      </p:stCondLst>
+                      <p:childTnLst>
+                        <p:par>
+                          <p:cTn id="15" fill="hold">
+                            <p:stCondLst>
+                              <p:cond delay="0"/>
+                            </p:stCondLst>
+                            <p:childTnLst>
+                              <p:par>
+                                <p:cTn id="16" presetID="2" presetClass="entr" presetSubtype="3" fill="hold" nodeType="clickEffect">
+                                  <p:stCondLst>
+                                    <p:cond delay="0"/>
+                                  </p:stCondLst>
+                                  <p:childTnLst>
+                                    <p:set>
+                                      <p:cBhvr>
+                                        <p:cTn id="17" dur="1" fill="hold">
+                                          <p:stCondLst>
+                                            <p:cond delay="0"/>
+                                          </p:stCondLst>
+                                        </p:cTn>
+                                        <p:tgtEl>
+                                          <p:spTgt spid="14"/>
+                                        </p:tgtEl>
+                                        <p:attrNameLst>
+                                          <p:attrName>style.visibility</p:attrName>
+                                        </p:attrNameLst>
+                                      </p:cBhvr>
+                                      <p:to>
+                                        <p:strVal val="visible"/>
+                                      </p:to>
+                                    </p:set>
+                                    <p:anim calcmode="lin" valueType="num">
+                                      <p:cBhvr additive="base">
+                                        <p:cTn id="18" dur="500" fill="hold"/>
+                                        <p:tgtEl>
+                                          <p:spTgt spid="14"/>
+                                        </p:tgtEl>
+                                        <p:attrNameLst>
+                                          <p:attrName>ppt_x</p:attrName>
+                                        </p:attrNameLst>
+                                      </p:cBhvr>
+                                      <p:tavLst>
+                                        <p:tav tm="0">
+                                          <p:val>
+                                            <p:strVal val="1+#ppt_w/2"/>
+                                          </p:val>
+                                        </p:tav>
+                                        <p:tav tm="100000">
+                                          <p:val>
+                                            <p:strVal val="#ppt_x"/>
+                                          </p:val>
+                                        </p:tav>
+                                      </p:tavLst>
+                                    </p:anim>
+                                    <p:anim calcmode="lin" valueType="num">
+                                      <p:cBhvr additive="base">
+                                        <p:cTn id="19" dur="500" fill="hold"/>
+                                        <p:tgtEl>
+                                          <p:spTgt spid="14"/>
+                                        </p:tgtEl>
+                                        <p:attrNameLst>
+                                          <p:attrName>ppt_y</p:attrName>
+                                        </p:attrNameLst>
+                                      </p:cBhvr>
+                                      <p:tavLst>
+                                        <p:tav tm="0">
+                                          <p:val>
+                                            <p:strVal val="0-#ppt_h/2"/>
+                                          </p:val>
+                                        </p:tav>
+                                        <p:tav tm="100000">
+                                          <p:val>
+                                            <p:strVal val="#ppt_y"/>
+                                          </p:val>
+                                        </p:tav>
+                                      </p:tavLst>
+                                    </p:anim>
+                                  </p:childTnLst>
+                                </p:cTn>
+                              </p:par>
+                            </p:childTnLst>
+                          </p:cTn>
+                        </p:par>
+                      </p:childTnLst>
+                    </p:cTn>
+                  </p:par>
+                  <p:par>
+                    <p:cTn id="20" fill="hold">
+                      <p:stCondLst>
+                        <p:cond delay="indefinite"/>
+                      </p:stCondLst>
+                      <p:childTnLst>
+                        <p:par>
+                          <p:cTn id="21" fill="hold">
+                            <p:stCondLst>
+                              <p:cond delay="0"/>
+                            </p:stCondLst>
+                            <p:childTnLst>
+                              <p:par>
+                                <p:cTn id="22" presetID="14" presetClass="entr" presetSubtype="10" fill="hold" grpId="0" nodeType="clickEffect">
+                                  <p:stCondLst>
+                                    <p:cond delay="0"/>
+                                  </p:stCondLst>
+                                  <p:childTnLst>
+                                    <p:set>
+                                      <p:cBhvr>
+                                        <p:cTn id="23" dur="1" fill="hold">
+                                          <p:stCondLst>
+                                            <p:cond delay="0"/>
+                                          </p:stCondLst>
+                                        </p:cTn>
+                                        <p:tgtEl>
+                                          <p:spTgt spid="42"/>
+                                        </p:tgtEl>
+                                        <p:attrNameLst>
+                                          <p:attrName>style.visibility</p:attrName>
+                                        </p:attrNameLst>
+                                      </p:cBhvr>
+                                      <p:to>
+                                        <p:strVal val="visible"/>
+                                      </p:to>
+                                    </p:set>
+                                    <p:animEffect transition="in" filter="randombar(horizontal)">
+                                      <p:cBhvr>
+                                        <p:cTn id="24" dur="500"/>
+                                        <p:tgtEl>
+                                          <p:spTgt spid="42"/>
+                                        </p:tgtEl>
+                                      </p:cBhvr>
+                                    </p:animEffect>
+                                  </p:childTnLst>
+                                </p:cTn>
+                              </p:par>
+                            </p:childTnLst>
+                          </p:cTn>
+                        </p:par>
+                      </p:childTnLst>
+                    </p:cTn>
+                  </p:par>
+                  <p:par>
+                    <p:cTn id="25" fill="hold">
+                      <p:stCondLst>
+                        <p:cond delay="indefinite"/>
+                      </p:stCondLst>
+                      <p:childTnLst>
+                        <p:par>
+                          <p:cTn id="26" fill="hold">
+                            <p:stCondLst>
+                              <p:cond delay="0"/>
+                            </p:stCondLst>
+                            <p:childTnLst>
+                              <p:par>
+                                <p:cTn id="27" presetID="10" presetClass="entr" presetSubtype="0" fill="hold" nodeType="clickEffect">
+                                  <p:stCondLst>
+                                    <p:cond delay="0"/>
+                                  </p:stCondLst>
+                                  <p:childTnLst>
+                                    <p:set>
+                                      <p:cBhvr>
+                                        <p:cTn id="28" dur="1" fill="hold">
+                                          <p:stCondLst>
+                                            <p:cond delay="0"/>
+                                          </p:stCondLst>
+                                        </p:cTn>
+                                        <p:tgtEl>
+                                          <p:spTgt spid="59"/>
+                                        </p:tgtEl>
+                                        <p:attrNameLst>
+                                          <p:attrName>style.visibility</p:attrName>
+                                        </p:attrNameLst>
+                                      </p:cBhvr>
+                                      <p:to>
+                                        <p:strVal val="visible"/>
+                                      </p:to>
+                                    </p:set>
+                                    <p:animEffect transition="in" filter="fade">
+                                      <p:cBhvr>
+                                        <p:cTn id="29" dur="500"/>
+                                        <p:tgtEl>
+                                          <p:spTgt spid="59"/>
+                                        </p:tgtEl>
+                                      </p:cBhvr>
+                                    </p:animEffect>
+                                  </p:childTnLst>
+                                </p:cTn>
+                              </p:par>
+                            </p:childTnLst>
+                          </p:cTn>
+                        </p:par>
+                      </p:childTnLst>
+                    </p:cTn>
+                  </p:par>
+                </p:childTnLst>
+              </p:cTn>
+              <p:prevCondLst>
+                <p:cond evt="onPrev" delay="0">
+                  <p:tgtEl>
+                    <p:sldTgt/>
+                  </p:tgtEl>
+                </p:cond>
+              </p:prevCondLst>
+              <p:nextCondLst>
+                <p:cond evt="onNext" delay="0">
+                  <p:tgtEl>
+                    <p:sldTgt/>
+                  </p:tgtEl>
+                </p:cond>
+              </p:nextCondLst>
+            </p:seq>
+          </p:childTnLst>
+        </p:cTn>
+      </p:par>
+    </p:tnLst>
+    <p:bldLst>
+      <p:bldP spid="42" grpId="0" animBg="1"/>
+    </p:bldLst>
+  </p:timing>
+</p:sld>
+</file>
+
+<file path=ppt/slides/slide24.xml><?xml version="1.0" encoding="utf-8"?>
+<p:sld xmlns:a="http://schemas.openxmlformats.org/drawingml/2006/main" xmlns:r="http://schemas.openxmlformats.org/officeDocument/2006/relationships" xmlns:p="http://schemas.openxmlformats.org/presentationml/2006/main">
+  <p:cSld>
+    <p:spTree>
+      <p:nvGrpSpPr>
+        <p:cNvPr id="1" name=""/>
+        <p:cNvGrpSpPr/>
+        <p:nvPr/>
+      </p:nvGrpSpPr>
+      <p:grpSpPr>
+        <a:xfrm>
+          <a:off x="0" y="0"/>
+          <a:ext cx="0" cy="0"/>
+          <a:chOff x="0" y="0"/>
+          <a:chExt cx="0" cy="0"/>
+        </a:xfrm>
+      </p:grpSpPr>
+      <p:sp>
+        <p:nvSpPr>
+          <p:cNvPr id="2" name="标题 1"/>
+          <p:cNvSpPr>
+            <a:spLocks noGrp="1"/>
+          </p:cNvSpPr>
+          <p:nvPr>
+            <p:ph type="title"/>
+          </p:nvPr>
+        </p:nvSpPr>
+        <p:spPr/>
+        <p:txBody>
+          <a:bodyPr/>
+          <a:lstStyle/>
+          <a:p>
+            <a:r>
+              <a:rPr lang="zh-CN" altLang="en-US" dirty="0" smtClean="0">
+                <a:latin typeface="Adobe 楷体 Std R" panose="02020400000000000000" pitchFamily="18" charset="-122"/>
+                <a:ea typeface="Adobe 楷体 Std R" panose="02020400000000000000" pitchFamily="18" charset="-122"/>
+              </a:rPr>
+              <a:t>前后端 </a:t>
+            </a:r>
+            <a:endParaRPr lang="zh-CN" altLang="en-US" dirty="0">
+              <a:latin typeface="Adobe 楷体 Std R" panose="02020400000000000000" pitchFamily="18" charset="-122"/>
+              <a:ea typeface="Adobe 楷体 Std R" panose="02020400000000000000" pitchFamily="18" charset="-122"/>
+            </a:endParaRPr>
+          </a:p>
+        </p:txBody>
+      </p:sp>
+      <p:sp>
+        <p:nvSpPr>
+          <p:cNvPr id="3" name="内容占位符 2"/>
+          <p:cNvSpPr>
+            <a:spLocks noGrp="1"/>
+          </p:cNvSpPr>
+          <p:nvPr>
+            <p:ph idx="1"/>
+          </p:nvPr>
+        </p:nvSpPr>
+        <p:spPr>
+          <a:xfrm>
+            <a:off x="2195736" y="2492896"/>
+            <a:ext cx="1595462" cy="3444875"/>
+          </a:xfrm>
+          <a:solidFill>
+            <a:srgbClr val="FFCC99"/>
+          </a:solidFill>
+        </p:spPr>
+        <p:txBody>
+          <a:bodyPr/>
+          <a:lstStyle/>
+          <a:p>
+            <a:pPr marL="0" indent="0">
+              <a:buNone/>
+            </a:pPr>
+            <a:r>
+              <a:rPr lang="en-US" altLang="zh-CN" b="1" dirty="0" smtClean="0"/>
+              <a:t>Html</a:t>
+            </a:r>
+          </a:p>
+          <a:p>
+            <a:pPr marL="0" indent="0">
+              <a:buNone/>
+            </a:pPr>
+            <a:r>
+              <a:rPr lang="en-US" altLang="zh-CN" b="1" dirty="0" smtClean="0">
+                <a:solidFill>
+                  <a:srgbClr val="FF0000"/>
+                </a:solidFill>
+                <a:hlinkClick r:id="rId2" action="ppaction://hlinkfile"/>
+              </a:rPr>
+              <a:t>Javascript</a:t>
+            </a:r>
+            <a:endParaRPr lang="en-US" altLang="zh-CN" b="1" dirty="0" smtClean="0">
+              <a:solidFill>
+                <a:srgbClr val="FF0000"/>
+              </a:solidFill>
+            </a:endParaRPr>
+          </a:p>
+          <a:p>
+            <a:pPr marL="0" indent="0">
+              <a:buNone/>
+            </a:pPr>
+            <a:r>
+              <a:rPr lang="en-US" altLang="zh-CN" b="1" dirty="0" err="1" smtClean="0"/>
+              <a:t>Css</a:t>
+            </a:r>
+            <a:endParaRPr lang="en-US" altLang="zh-CN" b="1" dirty="0" smtClean="0"/>
+          </a:p>
+          <a:p>
+            <a:pPr marL="0" indent="0">
+              <a:buNone/>
+            </a:pPr>
+            <a:r>
+              <a:rPr lang="en-US" altLang="zh-CN" b="1" dirty="0" err="1" smtClean="0"/>
+              <a:t>json</a:t>
+            </a:r>
+            <a:endParaRPr lang="zh-CN" altLang="en-US" b="1" dirty="0"/>
+          </a:p>
+        </p:txBody>
+      </p:sp>
+      <p:sp>
+        <p:nvSpPr>
+          <p:cNvPr id="4" name="内容占位符 2"/>
+          <p:cNvSpPr txBox="1">
+            <a:spLocks/>
+          </p:cNvSpPr>
+          <p:nvPr/>
+        </p:nvSpPr>
+        <p:spPr bwMode="auto">
+          <a:xfrm>
+            <a:off x="4932040" y="2492896"/>
+            <a:ext cx="1595462" cy="3444875"/>
+          </a:xfrm>
+          <a:prstGeom prst="rect">
+            <a:avLst/>
+          </a:prstGeom>
+          <a:solidFill>
+            <a:srgbClr val="B1EAED"/>
+          </a:solidFill>
+          <a:ln>
+            <a:noFill/>
+          </a:ln>
+          <a:extLst/>
+        </p:spPr>
+        <p:txBody>
+          <a:bodyPr vert="horz" wrap="square" lIns="91440" tIns="45720" rIns="91440" bIns="45720" numCol="1" anchor="t" anchorCtr="0" compatLnSpc="1">
+            <a:prstTxWarp prst="textNoShape">
+              <a:avLst/>
+            </a:prstTxWarp>
+          </a:bodyPr>
+          <a:lstStyle>
+            <a:lvl1pPr marL="285750" indent="-285750" algn="l" defTabSz="457200" rtl="0" eaLnBrk="0" fontAlgn="base" hangingPunct="0">
+              <a:spcBef>
+                <a:spcPct val="20000"/>
+              </a:spcBef>
+              <a:spcAft>
+                <a:spcPts val="600"/>
+              </a:spcAft>
+              <a:buClr>
+                <a:schemeClr val="accent1"/>
+              </a:buClr>
+              <a:buSzPct val="115000"/>
+              <a:buFont typeface="Arial" panose="020B0604020202020204" pitchFamily="34" charset="0"/>
+              <a:buChar char="•"/>
+              <a:defRPr sz="2400" kern="1200">
+                <a:solidFill>
+                  <a:srgbClr val="262626"/>
+                </a:solidFill>
+                <a:latin typeface="+mn-lt"/>
+                <a:ea typeface="+mn-ea"/>
+                <a:cs typeface="+mn-cs"/>
+              </a:defRPr>
+            </a:lvl1pPr>
+            <a:lvl2pPr marL="742950" indent="-285750" algn="l" defTabSz="457200" rtl="0" eaLnBrk="0" fontAlgn="base" hangingPunct="0">
+              <a:spcBef>
+                <a:spcPct val="20000"/>
+              </a:spcBef>
+              <a:spcAft>
+                <a:spcPts val="600"/>
+              </a:spcAft>
+              <a:buClr>
+                <a:schemeClr val="accent1"/>
+              </a:buClr>
+              <a:buSzPct val="115000"/>
+              <a:buFont typeface="Arial" panose="020B0604020202020204" pitchFamily="34" charset="0"/>
+              <a:buChar char="•"/>
+              <a:defRPr sz="2000" kern="1200">
+                <a:solidFill>
+                  <a:srgbClr val="262626"/>
+                </a:solidFill>
+                <a:latin typeface="+mn-lt"/>
+                <a:ea typeface="+mn-ea"/>
+                <a:cs typeface="+mn-cs"/>
+              </a:defRPr>
+            </a:lvl2pPr>
+            <a:lvl3pPr marL="1200150" indent="-285750" algn="l" defTabSz="457200" rtl="0" eaLnBrk="0" fontAlgn="base" hangingPunct="0">
+              <a:spcBef>
+                <a:spcPct val="20000"/>
+              </a:spcBef>
+              <a:spcAft>
+                <a:spcPts val="600"/>
+              </a:spcAft>
+              <a:buClr>
+                <a:schemeClr val="accent1"/>
+              </a:buClr>
+              <a:buSzPct val="115000"/>
+              <a:buFont typeface="Arial" panose="020B0604020202020204" pitchFamily="34" charset="0"/>
+              <a:buChar char="•"/>
+              <a:defRPr kern="1200">
+                <a:solidFill>
+                  <a:srgbClr val="262626"/>
+                </a:solidFill>
+                <a:latin typeface="+mn-lt"/>
+                <a:ea typeface="+mn-ea"/>
+                <a:cs typeface="+mn-cs"/>
+              </a:defRPr>
+            </a:lvl3pPr>
+            <a:lvl4pPr marL="1543050" indent="-171450" algn="l" defTabSz="457200" rtl="0" eaLnBrk="0" fontAlgn="base" hangingPunct="0">
+              <a:spcBef>
+                <a:spcPct val="20000"/>
+              </a:spcBef>
+              <a:spcAft>
+                <a:spcPts val="600"/>
+              </a:spcAft>
+              <a:buClr>
+                <a:schemeClr val="accent1"/>
+              </a:buClr>
+              <a:buSzPct val="115000"/>
+              <a:buFont typeface="Arial" panose="020B0604020202020204" pitchFamily="34" charset="0"/>
+              <a:buChar char="•"/>
+              <a:defRPr sz="1600" kern="1200">
+                <a:solidFill>
+                  <a:srgbClr val="262626"/>
+                </a:solidFill>
+                <a:latin typeface="+mn-lt"/>
+                <a:ea typeface="+mn-ea"/>
+                <a:cs typeface="+mn-cs"/>
+              </a:defRPr>
+            </a:lvl4pPr>
+            <a:lvl5pPr marL="2000250" indent="-171450" algn="l" defTabSz="457200" rtl="0" eaLnBrk="0" fontAlgn="base" hangingPunct="0">
+              <a:spcBef>
+                <a:spcPct val="20000"/>
+              </a:spcBef>
+              <a:spcAft>
+                <a:spcPts val="600"/>
+              </a:spcAft>
+              <a:buClr>
+                <a:schemeClr val="accent1"/>
+              </a:buClr>
+              <a:buSzPct val="115000"/>
+              <a:buFont typeface="Arial" panose="020B0604020202020204" pitchFamily="34" charset="0"/>
+              <a:buChar char="•"/>
+              <a:defRPr sz="1400" kern="1200">
+                <a:solidFill>
+                  <a:srgbClr val="262626"/>
+                </a:solidFill>
+                <a:latin typeface="+mn-lt"/>
+                <a:ea typeface="+mn-ea"/>
+                <a:cs typeface="+mn-cs"/>
+              </a:defRPr>
+            </a:lvl5pPr>
+            <a:lvl6pPr marL="2514600" indent="-228600" algn="l" defTabSz="457200" rtl="0" eaLnBrk="1" latinLnBrk="0" hangingPunct="1">
+              <a:spcBef>
+                <a:spcPct val="20000"/>
+              </a:spcBef>
+              <a:spcAft>
+                <a:spcPts val="600"/>
+              </a:spcAft>
+              <a:buClr>
+                <a:schemeClr val="accent1"/>
+              </a:buClr>
+              <a:buSzPct val="115000"/>
+              <a:buFont typeface="Arial"/>
+              <a:buChar char="•"/>
+              <a:defRPr sz="1400" kern="1200" cap="none">
+                <a:solidFill>
+                  <a:schemeClr val="tx1">
+                    <a:lumMod val="85000"/>
+                    <a:lumOff val="15000"/>
+                  </a:schemeClr>
+                </a:solidFill>
+                <a:effectLst/>
+                <a:latin typeface="+mn-lt"/>
+                <a:ea typeface="+mn-ea"/>
+                <a:cs typeface="+mn-cs"/>
+              </a:defRPr>
+            </a:lvl6pPr>
+            <a:lvl7pPr marL="2971800" indent="-228600" algn="l" defTabSz="457200" rtl="0" eaLnBrk="1" latinLnBrk="0" hangingPunct="1">
+              <a:spcBef>
+                <a:spcPct val="20000"/>
+              </a:spcBef>
+              <a:spcAft>
+                <a:spcPts val="600"/>
+              </a:spcAft>
+              <a:buClr>
+                <a:schemeClr val="accent1"/>
+              </a:buClr>
+              <a:buSzPct val="115000"/>
+              <a:buFont typeface="Arial"/>
+              <a:buChar char="•"/>
+              <a:defRPr sz="1400" kern="1200" cap="none">
+                <a:solidFill>
+                  <a:schemeClr val="tx1">
+                    <a:lumMod val="85000"/>
+                    <a:lumOff val="15000"/>
+                  </a:schemeClr>
+                </a:solidFill>
+                <a:effectLst/>
+                <a:latin typeface="+mn-lt"/>
+                <a:ea typeface="+mn-ea"/>
+                <a:cs typeface="+mn-cs"/>
+              </a:defRPr>
+            </a:lvl7pPr>
+            <a:lvl8pPr marL="3429000" indent="-228600" algn="l" defTabSz="457200" rtl="0" eaLnBrk="1" latinLnBrk="0" hangingPunct="1">
+              <a:spcBef>
+                <a:spcPct val="20000"/>
+              </a:spcBef>
+              <a:spcAft>
+                <a:spcPts val="600"/>
+              </a:spcAft>
+              <a:buClr>
+                <a:schemeClr val="accent1"/>
+              </a:buClr>
+              <a:buSzPct val="115000"/>
+              <a:buFont typeface="Arial"/>
+              <a:buChar char="•"/>
+              <a:defRPr sz="1400" kern="1200" cap="none">
+                <a:solidFill>
+                  <a:schemeClr val="tx1">
+                    <a:lumMod val="85000"/>
+                    <a:lumOff val="15000"/>
+                  </a:schemeClr>
+                </a:solidFill>
+                <a:effectLst/>
+                <a:latin typeface="+mn-lt"/>
+                <a:ea typeface="+mn-ea"/>
+                <a:cs typeface="+mn-cs"/>
+              </a:defRPr>
+            </a:lvl8pPr>
+            <a:lvl9pPr marL="3886200" indent="-228600" algn="l" defTabSz="457200" rtl="0" eaLnBrk="1" latinLnBrk="0" hangingPunct="1">
+              <a:spcBef>
+                <a:spcPct val="20000"/>
+              </a:spcBef>
+              <a:spcAft>
+                <a:spcPts val="600"/>
+              </a:spcAft>
+              <a:buClr>
+                <a:schemeClr val="accent1"/>
+              </a:buClr>
+              <a:buSzPct val="115000"/>
+              <a:buFont typeface="Arial"/>
+              <a:buChar char="•"/>
+              <a:defRPr sz="1400" kern="1200" cap="none">
+                <a:solidFill>
+                  <a:schemeClr val="tx1">
+                    <a:lumMod val="85000"/>
+                    <a:lumOff val="15000"/>
+                  </a:schemeClr>
+                </a:solidFill>
+                <a:effectLst/>
+                <a:latin typeface="+mn-lt"/>
+                <a:ea typeface="+mn-ea"/>
+                <a:cs typeface="+mn-cs"/>
+              </a:defRPr>
+            </a:lvl9pPr>
+          </a:lstStyle>
+          <a:p>
+            <a:pPr marL="0" indent="0">
+              <a:buFont typeface="Arial" panose="020B0604020202020204" pitchFamily="34" charset="0"/>
+              <a:buNone/>
+            </a:pPr>
+            <a:r>
+              <a:rPr lang="en-US" altLang="zh-CN" b="1" dirty="0" smtClean="0"/>
+              <a:t>java</a:t>
+            </a:r>
+          </a:p>
+          <a:p>
+            <a:pPr marL="0" indent="0">
+              <a:buFont typeface="Arial" panose="020B0604020202020204" pitchFamily="34" charset="0"/>
+              <a:buNone/>
+            </a:pPr>
+            <a:r>
+              <a:rPr lang="en-US" altLang="zh-CN" b="1" dirty="0" err="1" smtClean="0"/>
+              <a:t>Servelet</a:t>
+            </a:r>
+            <a:endParaRPr lang="en-US" altLang="zh-CN" b="1" dirty="0" smtClean="0"/>
+          </a:p>
+          <a:p>
+            <a:pPr marL="0" indent="0">
+              <a:buFont typeface="Arial" panose="020B0604020202020204" pitchFamily="34" charset="0"/>
+              <a:buNone/>
+            </a:pPr>
+            <a:r>
+              <a:rPr lang="en-US" altLang="zh-CN" b="1" dirty="0" smtClean="0"/>
+              <a:t>JSP</a:t>
+            </a:r>
+          </a:p>
+          <a:p>
+            <a:pPr marL="0" indent="0">
+              <a:buFont typeface="Arial" panose="020B0604020202020204" pitchFamily="34" charset="0"/>
+              <a:buNone/>
+            </a:pPr>
+            <a:r>
+              <a:rPr lang="en-US" altLang="zh-CN" b="1" dirty="0" err="1" smtClean="0"/>
+              <a:t>Php</a:t>
+            </a:r>
+            <a:endParaRPr lang="en-US" altLang="zh-CN" b="1" dirty="0" smtClean="0"/>
+          </a:p>
+          <a:p>
+            <a:pPr marL="0" indent="0">
+              <a:buFont typeface="Arial" panose="020B0604020202020204" pitchFamily="34" charset="0"/>
+              <a:buNone/>
+            </a:pPr>
+            <a:r>
+              <a:rPr lang="en-US" altLang="zh-CN" b="1" dirty="0" smtClean="0"/>
+              <a:t>C#</a:t>
+            </a:r>
+          </a:p>
+        </p:txBody>
+      </p:sp>
+    </p:spTree>
+    <p:extLst>
+      <p:ext uri="{BB962C8B-B14F-4D97-AF65-F5344CB8AC3E}">
+        <p14:creationId xmlns:p14="http://schemas.microsoft.com/office/powerpoint/2010/main" val="3861500332"/>
+      </p:ext>
+    </p:extLst>
+  </p:cSld>
+  <p:clrMapOvr>
+    <a:masterClrMapping/>
+  </p:clrMapOvr>
+  <p:timing>
+    <p:tnLst>
+      <p:par>
+        <p:cTn id="1" dur="indefinite" restart="never" nodeType="tmRoot"/>
+      </p:par>
+    </p:tnLst>
+  </p:timing>
+</p:sld>
+</file>
+
+<file path=ppt/slides/slide25.xml><?xml version="1.0" encoding="utf-8"?>
+<p:sld xmlns:a="http://schemas.openxmlformats.org/drawingml/2006/main" xmlns:r="http://schemas.openxmlformats.org/officeDocument/2006/relationships" xmlns:p="http://schemas.openxmlformats.org/presentationml/2006/main">
+  <p:cSld>
+    <p:spTree>
+      <p:nvGrpSpPr>
+        <p:cNvPr id="1" name=""/>
+        <p:cNvGrpSpPr/>
+        <p:nvPr/>
+      </p:nvGrpSpPr>
+      <p:grpSpPr>
+        <a:xfrm>
+          <a:off x="0" y="0"/>
+          <a:ext cx="0" cy="0"/>
+          <a:chOff x="0" y="0"/>
+          <a:chExt cx="0" cy="0"/>
+        </a:xfrm>
+      </p:grpSpPr>
+      <p:sp>
+        <p:nvSpPr>
+          <p:cNvPr id="2" name="标题 1"/>
+          <p:cNvSpPr>
+            <a:spLocks noGrp="1"/>
+          </p:cNvSpPr>
+          <p:nvPr>
+            <p:ph type="title"/>
+          </p:nvPr>
+        </p:nvSpPr>
+        <p:spPr/>
+        <p:txBody>
+          <a:bodyPr/>
+          <a:lstStyle/>
+          <a:p>
+            <a:r>
+              <a:rPr lang="zh-CN" altLang="en-US" dirty="0">
+                <a:latin typeface="Adobe 黑体 Std R" panose="020B0400000000000000" pitchFamily="34" charset="-122"/>
+                <a:ea typeface="Adobe 黑体 Std R" panose="020B0400000000000000" pitchFamily="34" charset="-122"/>
+              </a:rPr>
+              <a:t>过程迭代</a:t>
+            </a:r>
+            <a:r>
+              <a:rPr lang="en-US" altLang="zh-CN" dirty="0" smtClean="0">
+                <a:latin typeface="Adobe 黑体 Std R" panose="020B0400000000000000" pitchFamily="34" charset="-122"/>
+                <a:ea typeface="Adobe 黑体 Std R" panose="020B0400000000000000" pitchFamily="34" charset="-122"/>
+              </a:rPr>
+              <a:t>-</a:t>
+            </a:r>
+            <a:r>
+              <a:rPr lang="zh-CN" altLang="en-US" dirty="0" smtClean="0">
+                <a:latin typeface="Adobe 黑体 Std R" panose="020B0400000000000000" pitchFamily="34" charset="-122"/>
+                <a:ea typeface="Adobe 黑体 Std R" panose="020B0400000000000000" pitchFamily="34" charset="-122"/>
+              </a:rPr>
+              <a:t>编码及调试过程</a:t>
+            </a:r>
+            <a:endParaRPr lang="zh-CN" altLang="en-US" dirty="0"/>
+          </a:p>
+        </p:txBody>
+      </p:sp>
+      <p:sp>
+        <p:nvSpPr>
+          <p:cNvPr id="3" name="内容占位符 2"/>
+          <p:cNvSpPr>
+            <a:spLocks noGrp="1"/>
+          </p:cNvSpPr>
+          <p:nvPr>
+            <p:ph idx="1"/>
+          </p:nvPr>
+        </p:nvSpPr>
+        <p:spPr/>
+        <p:txBody>
+          <a:bodyPr/>
+          <a:lstStyle/>
+          <a:p>
+            <a:r>
+              <a:rPr lang="zh-CN" altLang="en-US" dirty="0" smtClean="0">
+                <a:latin typeface="Adobe 楷体 Std R" panose="02020400000000000000" pitchFamily="18" charset="-122"/>
+                <a:ea typeface="Adobe 楷体 Std R" panose="02020400000000000000" pitchFamily="18" charset="-122"/>
+              </a:rPr>
+              <a:t>先让代码能调试运行起来</a:t>
+            </a:r>
+            <a:endParaRPr lang="en-US" altLang="zh-CN" dirty="0" smtClean="0">
+              <a:latin typeface="Adobe 楷体 Std R" panose="02020400000000000000" pitchFamily="18" charset="-122"/>
+              <a:ea typeface="Adobe 楷体 Std R" panose="02020400000000000000" pitchFamily="18" charset="-122"/>
+            </a:endParaRPr>
+          </a:p>
+          <a:p>
+            <a:r>
+              <a:rPr lang="zh-CN" altLang="en-US" sz="2800" dirty="0" smtClean="0">
+                <a:latin typeface="Adobe 楷体 Std R" panose="02020400000000000000" pitchFamily="18" charset="-122"/>
+                <a:ea typeface="Adobe 楷体 Std R" panose="02020400000000000000" pitchFamily="18" charset="-122"/>
+              </a:rPr>
+              <a:t>先简单有效地反馈结果</a:t>
+            </a:r>
+            <a:endParaRPr lang="en-US" altLang="zh-CN" sz="2800" dirty="0" smtClean="0">
+              <a:latin typeface="Adobe 楷体 Std R" panose="02020400000000000000" pitchFamily="18" charset="-122"/>
+              <a:ea typeface="Adobe 楷体 Std R" panose="02020400000000000000" pitchFamily="18" charset="-122"/>
+            </a:endParaRPr>
+          </a:p>
+          <a:p>
+            <a:r>
+              <a:rPr lang="zh-CN" altLang="en-US" sz="3600" dirty="0" smtClean="0">
+                <a:latin typeface="Adobe 楷体 Std R" panose="02020400000000000000" pitchFamily="18" charset="-122"/>
+                <a:ea typeface="Adobe 楷体 Std R" panose="02020400000000000000" pitchFamily="18" charset="-122"/>
+              </a:rPr>
+              <a:t>逐步细化，模块独立</a:t>
+            </a:r>
+            <a:endParaRPr lang="en-US" altLang="zh-CN" sz="3600" dirty="0" smtClean="0">
+              <a:latin typeface="Adobe 楷体 Std R" panose="02020400000000000000" pitchFamily="18" charset="-122"/>
+              <a:ea typeface="Adobe 楷体 Std R" panose="02020400000000000000" pitchFamily="18" charset="-122"/>
+            </a:endParaRPr>
+          </a:p>
+          <a:p>
+            <a:r>
+              <a:rPr lang="zh-CN" altLang="en-US" sz="4000" dirty="0" smtClean="0">
+                <a:latin typeface="Adobe 楷体 Std R" panose="02020400000000000000" pitchFamily="18" charset="-122"/>
+                <a:ea typeface="Adobe 楷体 Std R" panose="02020400000000000000" pitchFamily="18" charset="-122"/>
+              </a:rPr>
+              <a:t>丰富功能</a:t>
+            </a:r>
+            <a:endParaRPr lang="zh-CN" altLang="en-US" sz="4000" dirty="0">
+              <a:latin typeface="Adobe 楷体 Std R" panose="02020400000000000000" pitchFamily="18" charset="-122"/>
+              <a:ea typeface="Adobe 楷体 Std R" panose="02020400000000000000" pitchFamily="18" charset="-122"/>
+            </a:endParaRPr>
+          </a:p>
+        </p:txBody>
+      </p:sp>
+    </p:spTree>
+    <p:extLst>
+      <p:ext uri="{BB962C8B-B14F-4D97-AF65-F5344CB8AC3E}">
+        <p14:creationId xmlns:p14="http://schemas.microsoft.com/office/powerpoint/2010/main" val="4014031442"/>
+      </p:ext>
+    </p:extLst>
+  </p:cSld>
+  <p:clrMapOvr>
+    <a:masterClrMapping/>
+  </p:clrMapOvr>
+  <p:timing>
+    <p:tnLst>
+      <p:par>
+        <p:cTn id="1" dur="indefinite" restart="never" nodeType="tmRoot"/>
+      </p:par>
+    </p:tnLst>
+  </p:timing>
+</p:sld>
+</file>
+
+<file path=ppt/slides/slide26.xml><?xml version="1.0" encoding="utf-8"?>
+<p:sld xmlns:a="http://schemas.openxmlformats.org/drawingml/2006/main" xmlns:r="http://schemas.openxmlformats.org/officeDocument/2006/relationships" xmlns:p="http://schemas.openxmlformats.org/presentationml/2006/main">
+  <p:cSld>
+    <p:spTree>
+      <p:nvGrpSpPr>
+        <p:cNvPr id="1" name=""/>
+        <p:cNvGrpSpPr/>
+        <p:nvPr/>
+      </p:nvGrpSpPr>
+      <p:grpSpPr>
+        <a:xfrm>
+          <a:off x="0" y="0"/>
+          <a:ext cx="0" cy="0"/>
+          <a:chOff x="0" y="0"/>
+          <a:chExt cx="0" cy="0"/>
+        </a:xfrm>
+      </p:grpSpPr>
+      <p:sp>
+        <p:nvSpPr>
+          <p:cNvPr id="2" name="标题 1"/>
+          <p:cNvSpPr>
+            <a:spLocks noGrp="1"/>
+          </p:cNvSpPr>
+          <p:nvPr>
+            <p:ph type="title"/>
+          </p:nvPr>
+        </p:nvSpPr>
+        <p:spPr/>
+        <p:txBody>
+          <a:bodyPr/>
+          <a:lstStyle/>
+          <a:p>
+            <a:r>
               <a:rPr lang="zh-CN" altLang="en-US" dirty="0" smtClean="0">
                 <a:latin typeface="Adobe 黑体 Std R" panose="020B0400000000000000" pitchFamily="34" charset="-122"/>
                 <a:ea typeface="Adobe 黑体 Std R" panose="020B0400000000000000" pitchFamily="34" charset="-122"/>
@@ -15104,7 +17888,7 @@
     </p:spTree>
     <p:extLst>
       <p:ext uri="{BB962C8B-B14F-4D97-AF65-F5344CB8AC3E}">
-        <p14:creationId xmlns:p14="http://schemas.microsoft.com/office/powerpoint/2010/main" val="3699252042"/>
+        <p14:creationId xmlns:p14="http://schemas.microsoft.com/office/powerpoint/2010/main" val="2778239734"/>
       </p:ext>
     </p:extLst>
   </p:cSld>
@@ -15118,818 +17902,6 @@
       </p:par>
     </p:tnLst>
   </p:timing>
-</p:sld>
-</file>
-
-<file path=ppt/slides/slide23.xml><?xml version="1.0" encoding="utf-8"?>
-<p:sld xmlns:a="http://schemas.openxmlformats.org/drawingml/2006/main" xmlns:r="http://schemas.openxmlformats.org/officeDocument/2006/relationships" xmlns:p="http://schemas.openxmlformats.org/presentationml/2006/main">
-  <p:cSld>
-    <p:spTree>
-      <p:nvGrpSpPr>
-        <p:cNvPr id="1" name=""/>
-        <p:cNvGrpSpPr/>
-        <p:nvPr/>
-      </p:nvGrpSpPr>
-      <p:grpSpPr>
-        <a:xfrm>
-          <a:off x="0" y="0"/>
-          <a:ext cx="0" cy="0"/>
-          <a:chOff x="0" y="0"/>
-          <a:chExt cx="0" cy="0"/>
-        </a:xfrm>
-      </p:grpSpPr>
-      <p:sp>
-        <p:nvSpPr>
-          <p:cNvPr id="2" name="标题 1"/>
-          <p:cNvSpPr>
-            <a:spLocks noGrp="1"/>
-          </p:cNvSpPr>
-          <p:nvPr>
-            <p:ph type="title"/>
-          </p:nvPr>
-        </p:nvSpPr>
-        <p:spPr/>
-        <p:txBody>
-          <a:bodyPr/>
-          <a:lstStyle/>
-          <a:p>
-            <a:r>
-              <a:rPr lang="zh-CN" altLang="en-US" dirty="0">
-                <a:latin typeface="Adobe 黑体 Std R" panose="020B0400000000000000" pitchFamily="34" charset="-122"/>
-                <a:ea typeface="Adobe 黑体 Std R" panose="020B0400000000000000" pitchFamily="34" charset="-122"/>
-              </a:rPr>
-              <a:t>过程迭代</a:t>
-            </a:r>
-            <a:r>
-              <a:rPr lang="en-US" altLang="zh-CN" dirty="0" smtClean="0">
-                <a:latin typeface="Adobe 黑体 Std R" panose="020B0400000000000000" pitchFamily="34" charset="-122"/>
-                <a:ea typeface="Adobe 黑体 Std R" panose="020B0400000000000000" pitchFamily="34" charset="-122"/>
-              </a:rPr>
-              <a:t>-</a:t>
-            </a:r>
-            <a:r>
-              <a:rPr lang="zh-CN" altLang="en-US" dirty="0" smtClean="0">
-                <a:latin typeface="Adobe 黑体 Std R" panose="020B0400000000000000" pitchFamily="34" charset="-122"/>
-                <a:ea typeface="Adobe 黑体 Std R" panose="020B0400000000000000" pitchFamily="34" charset="-122"/>
-              </a:rPr>
-              <a:t>编码及调试过程</a:t>
-            </a:r>
-            <a:endParaRPr lang="zh-CN" altLang="en-US" dirty="0"/>
-          </a:p>
-        </p:txBody>
-      </p:sp>
-      <p:sp>
-        <p:nvSpPr>
-          <p:cNvPr id="3" name="内容占位符 2"/>
-          <p:cNvSpPr>
-            <a:spLocks noGrp="1"/>
-          </p:cNvSpPr>
-          <p:nvPr>
-            <p:ph idx="1"/>
-          </p:nvPr>
-        </p:nvSpPr>
-        <p:spPr/>
-        <p:txBody>
-          <a:bodyPr/>
-          <a:lstStyle/>
-          <a:p>
-            <a:r>
-              <a:rPr lang="zh-CN" altLang="en-US" dirty="0" smtClean="0">
-                <a:latin typeface="Adobe 楷体 Std R" panose="02020400000000000000" pitchFamily="18" charset="-122"/>
-                <a:ea typeface="Adobe 楷体 Std R" panose="02020400000000000000" pitchFamily="18" charset="-122"/>
-              </a:rPr>
-              <a:t>先让代码能调试运行起来</a:t>
-            </a:r>
-            <a:endParaRPr lang="en-US" altLang="zh-CN" dirty="0" smtClean="0">
-              <a:latin typeface="Adobe 楷体 Std R" panose="02020400000000000000" pitchFamily="18" charset="-122"/>
-              <a:ea typeface="Adobe 楷体 Std R" panose="02020400000000000000" pitchFamily="18" charset="-122"/>
-            </a:endParaRPr>
-          </a:p>
-          <a:p>
-            <a:r>
-              <a:rPr lang="zh-CN" altLang="en-US" dirty="0" smtClean="0">
-                <a:latin typeface="Adobe 楷体 Std R" panose="02020400000000000000" pitchFamily="18" charset="-122"/>
-                <a:ea typeface="Adobe 楷体 Std R" panose="02020400000000000000" pitchFamily="18" charset="-122"/>
-              </a:rPr>
-              <a:t>先简单有效地反馈结果</a:t>
-            </a:r>
-            <a:endParaRPr lang="en-US" altLang="zh-CN" dirty="0" smtClean="0">
-              <a:latin typeface="Adobe 楷体 Std R" panose="02020400000000000000" pitchFamily="18" charset="-122"/>
-              <a:ea typeface="Adobe 楷体 Std R" panose="02020400000000000000" pitchFamily="18" charset="-122"/>
-            </a:endParaRPr>
-          </a:p>
-          <a:p>
-            <a:r>
-              <a:rPr lang="zh-CN" altLang="en-US" dirty="0" smtClean="0">
-                <a:latin typeface="Adobe 楷体 Std R" panose="02020400000000000000" pitchFamily="18" charset="-122"/>
-                <a:ea typeface="Adobe 楷体 Std R" panose="02020400000000000000" pitchFamily="18" charset="-122"/>
-              </a:rPr>
-              <a:t>逐步细化，模块独立</a:t>
-            </a:r>
-            <a:endParaRPr lang="en-US" altLang="zh-CN" dirty="0" smtClean="0">
-              <a:latin typeface="Adobe 楷体 Std R" panose="02020400000000000000" pitchFamily="18" charset="-122"/>
-              <a:ea typeface="Adobe 楷体 Std R" panose="02020400000000000000" pitchFamily="18" charset="-122"/>
-            </a:endParaRPr>
-          </a:p>
-          <a:p>
-            <a:r>
-              <a:rPr lang="zh-CN" altLang="en-US" dirty="0" smtClean="0">
-                <a:latin typeface="Adobe 楷体 Std R" panose="02020400000000000000" pitchFamily="18" charset="-122"/>
-                <a:ea typeface="Adobe 楷体 Std R" panose="02020400000000000000" pitchFamily="18" charset="-122"/>
-              </a:rPr>
-              <a:t>丰富功能</a:t>
-            </a:r>
-            <a:endParaRPr lang="zh-CN" altLang="en-US" dirty="0">
-              <a:latin typeface="Adobe 楷体 Std R" panose="02020400000000000000" pitchFamily="18" charset="-122"/>
-              <a:ea typeface="Adobe 楷体 Std R" panose="02020400000000000000" pitchFamily="18" charset="-122"/>
-            </a:endParaRPr>
-          </a:p>
-        </p:txBody>
-      </p:sp>
-    </p:spTree>
-    <p:extLst>
-      <p:ext uri="{BB962C8B-B14F-4D97-AF65-F5344CB8AC3E}">
-        <p14:creationId xmlns:p14="http://schemas.microsoft.com/office/powerpoint/2010/main" val="4014031442"/>
-      </p:ext>
-    </p:extLst>
-  </p:cSld>
-  <p:clrMapOvr>
-    <a:masterClrMapping/>
-  </p:clrMapOvr>
-  <p:timing>
-    <p:tnLst>
-      <p:par>
-        <p:cTn id="1" dur="indefinite" restart="never" nodeType="tmRoot"/>
-      </p:par>
-    </p:tnLst>
-  </p:timing>
-</p:sld>
-</file>
-
-<file path=ppt/slides/slide24.xml><?xml version="1.0" encoding="utf-8"?>
-<p:sld xmlns:a="http://schemas.openxmlformats.org/drawingml/2006/main" xmlns:r="http://schemas.openxmlformats.org/officeDocument/2006/relationships" xmlns:p="http://schemas.openxmlformats.org/presentationml/2006/main">
-  <p:cSld>
-    <p:spTree>
-      <p:nvGrpSpPr>
-        <p:cNvPr id="1" name=""/>
-        <p:cNvGrpSpPr/>
-        <p:nvPr/>
-      </p:nvGrpSpPr>
-      <p:grpSpPr>
-        <a:xfrm>
-          <a:off x="0" y="0"/>
-          <a:ext cx="0" cy="0"/>
-          <a:chOff x="0" y="0"/>
-          <a:chExt cx="0" cy="0"/>
-        </a:xfrm>
-      </p:grpSpPr>
-      <p:sp>
-        <p:nvSpPr>
-          <p:cNvPr id="2" name="标题 1"/>
-          <p:cNvSpPr>
-            <a:spLocks noGrp="1"/>
-          </p:cNvSpPr>
-          <p:nvPr>
-            <p:ph type="title"/>
-          </p:nvPr>
-        </p:nvSpPr>
-        <p:spPr/>
-        <p:txBody>
-          <a:bodyPr/>
-          <a:lstStyle/>
-          <a:p>
-            <a:r>
-              <a:rPr lang="zh-CN" altLang="en-US" dirty="0" smtClean="0">
-                <a:latin typeface="Adobe 黑体 Std R" panose="020B0400000000000000" pitchFamily="34" charset="-122"/>
-                <a:ea typeface="Adobe 黑体 Std R" panose="020B0400000000000000" pitchFamily="34" charset="-122"/>
-              </a:rPr>
-              <a:t>关于注册的逻辑</a:t>
-            </a:r>
-            <a:endParaRPr lang="zh-CN" altLang="en-US" dirty="0">
-              <a:latin typeface="Adobe 黑体 Std R" panose="020B0400000000000000" pitchFamily="34" charset="-122"/>
-              <a:ea typeface="Adobe 黑体 Std R" panose="020B0400000000000000" pitchFamily="34" charset="-122"/>
-            </a:endParaRPr>
-          </a:p>
-        </p:txBody>
-      </p:sp>
-      <p:sp>
-        <p:nvSpPr>
-          <p:cNvPr id="3" name="内容占位符 2"/>
-          <p:cNvSpPr>
-            <a:spLocks noGrp="1"/>
-          </p:cNvSpPr>
-          <p:nvPr>
-            <p:ph idx="1"/>
-          </p:nvPr>
-        </p:nvSpPr>
-        <p:spPr/>
-        <p:txBody>
-          <a:bodyPr/>
-          <a:lstStyle/>
-          <a:p>
-            <a:pPr marL="0" indent="0">
-              <a:buNone/>
-            </a:pPr>
-            <a:r>
-              <a:rPr lang="en-US" altLang="zh-CN" dirty="0" smtClean="0">
-                <a:latin typeface="Adobe 楷体 Std R" panose="02020400000000000000" pitchFamily="18" charset="-122"/>
-                <a:ea typeface="Adobe 楷体 Std R" panose="02020400000000000000" pitchFamily="18" charset="-122"/>
-              </a:rPr>
-              <a:t>1</a:t>
-            </a:r>
-            <a:r>
-              <a:rPr lang="zh-CN" altLang="en-US" dirty="0" smtClean="0">
-                <a:latin typeface="Adobe 楷体 Std R" panose="02020400000000000000" pitchFamily="18" charset="-122"/>
-                <a:ea typeface="Adobe 楷体 Std R" panose="02020400000000000000" pitchFamily="18" charset="-122"/>
-              </a:rPr>
-              <a:t>、提交前，检测什么？</a:t>
-            </a:r>
-            <a:endParaRPr lang="en-US" altLang="zh-CN" dirty="0" smtClean="0">
-              <a:latin typeface="Adobe 楷体 Std R" panose="02020400000000000000" pitchFamily="18" charset="-122"/>
-              <a:ea typeface="Adobe 楷体 Std R" panose="02020400000000000000" pitchFamily="18" charset="-122"/>
-            </a:endParaRPr>
-          </a:p>
-          <a:p>
-            <a:pPr marL="0" indent="0">
-              <a:buNone/>
-            </a:pPr>
-            <a:r>
-              <a:rPr lang="en-US" altLang="zh-CN" dirty="0" smtClean="0">
-                <a:latin typeface="Adobe 楷体 Std R" panose="02020400000000000000" pitchFamily="18" charset="-122"/>
-                <a:ea typeface="Adobe 楷体 Std R" panose="02020400000000000000" pitchFamily="18" charset="-122"/>
-              </a:rPr>
-              <a:t>2</a:t>
-            </a:r>
-            <a:r>
-              <a:rPr lang="zh-CN" altLang="en-US" dirty="0" smtClean="0">
-                <a:latin typeface="Adobe 楷体 Std R" panose="02020400000000000000" pitchFamily="18" charset="-122"/>
-                <a:ea typeface="Adobe 楷体 Std R" panose="02020400000000000000" pitchFamily="18" charset="-122"/>
-              </a:rPr>
-              <a:t>、提交后，检测什么？</a:t>
-            </a:r>
-            <a:endParaRPr lang="en-US" altLang="zh-CN" dirty="0" smtClean="0">
-              <a:latin typeface="Adobe 楷体 Std R" panose="02020400000000000000" pitchFamily="18" charset="-122"/>
-              <a:ea typeface="Adobe 楷体 Std R" panose="02020400000000000000" pitchFamily="18" charset="-122"/>
-            </a:endParaRPr>
-          </a:p>
-          <a:p>
-            <a:pPr marL="0" indent="0">
-              <a:buNone/>
-            </a:pPr>
-            <a:r>
-              <a:rPr lang="en-US" altLang="zh-CN" dirty="0">
-                <a:latin typeface="Adobe 楷体 Std R" panose="02020400000000000000" pitchFamily="18" charset="-122"/>
-                <a:ea typeface="Adobe 楷体 Std R" panose="02020400000000000000" pitchFamily="18" charset="-122"/>
-              </a:rPr>
-              <a:t>	</a:t>
-            </a:r>
-            <a:r>
-              <a:rPr lang="en-US" altLang="zh-CN" dirty="0" smtClean="0">
-                <a:latin typeface="Adobe 楷体 Std R" panose="02020400000000000000" pitchFamily="18" charset="-122"/>
-                <a:ea typeface="Adobe 楷体 Std R" panose="02020400000000000000" pitchFamily="18" charset="-122"/>
-              </a:rPr>
-              <a:t>A </a:t>
-            </a:r>
-            <a:r>
-              <a:rPr lang="zh-CN" altLang="en-US" dirty="0" smtClean="0">
-                <a:solidFill>
-                  <a:srgbClr val="FF0000"/>
-                </a:solidFill>
-                <a:latin typeface="Adobe 楷体 Std R" panose="02020400000000000000" pitchFamily="18" charset="-122"/>
-                <a:ea typeface="Adobe 楷体 Std R" panose="02020400000000000000" pitchFamily="18" charset="-122"/>
-              </a:rPr>
-              <a:t>用户名重复</a:t>
-            </a:r>
-            <a:endParaRPr lang="en-US" altLang="zh-CN" dirty="0" smtClean="0">
-              <a:solidFill>
-                <a:srgbClr val="FF0000"/>
-              </a:solidFill>
-              <a:latin typeface="Adobe 楷体 Std R" panose="02020400000000000000" pitchFamily="18" charset="-122"/>
-              <a:ea typeface="Adobe 楷体 Std R" panose="02020400000000000000" pitchFamily="18" charset="-122"/>
-            </a:endParaRPr>
-          </a:p>
-          <a:p>
-            <a:pPr marL="0" indent="0">
-              <a:buNone/>
-            </a:pPr>
-            <a:r>
-              <a:rPr lang="en-US" altLang="zh-CN" dirty="0" smtClean="0">
-                <a:solidFill>
-                  <a:srgbClr val="FF0000"/>
-                </a:solidFill>
-                <a:latin typeface="Adobe 楷体 Std R" panose="02020400000000000000" pitchFamily="18" charset="-122"/>
-                <a:ea typeface="Adobe 楷体 Std R" panose="02020400000000000000" pitchFamily="18" charset="-122"/>
-              </a:rPr>
-              <a:t>	</a:t>
-            </a:r>
-            <a:r>
-              <a:rPr lang="en-US" altLang="zh-CN" dirty="0">
-                <a:latin typeface="Adobe 楷体 Std R" panose="02020400000000000000" pitchFamily="18" charset="-122"/>
-                <a:ea typeface="Adobe 楷体 Std R" panose="02020400000000000000" pitchFamily="18" charset="-122"/>
-              </a:rPr>
-              <a:t>B </a:t>
-            </a:r>
-            <a:r>
-              <a:rPr lang="zh-CN" altLang="en-US" dirty="0" smtClean="0">
-                <a:solidFill>
-                  <a:srgbClr val="FF0000"/>
-                </a:solidFill>
-                <a:latin typeface="Adobe 楷体 Std R" panose="02020400000000000000" pitchFamily="18" charset="-122"/>
-                <a:ea typeface="Adobe 楷体 Std R" panose="02020400000000000000" pitchFamily="18" charset="-122"/>
-              </a:rPr>
-              <a:t>用户名</a:t>
-            </a:r>
-            <a:r>
-              <a:rPr lang="zh-CN" altLang="en-US" dirty="0">
-                <a:solidFill>
-                  <a:srgbClr val="FF0000"/>
-                </a:solidFill>
-                <a:latin typeface="Adobe 楷体 Std R" panose="02020400000000000000" pitchFamily="18" charset="-122"/>
-                <a:ea typeface="Adobe 楷体 Std R" panose="02020400000000000000" pitchFamily="18" charset="-122"/>
-              </a:rPr>
-              <a:t>密码的</a:t>
-            </a:r>
-            <a:r>
-              <a:rPr lang="zh-CN" altLang="en-US" dirty="0" smtClean="0">
-                <a:solidFill>
-                  <a:srgbClr val="FF0000"/>
-                </a:solidFill>
-                <a:latin typeface="Adobe 楷体 Std R" panose="02020400000000000000" pitchFamily="18" charset="-122"/>
-                <a:ea typeface="Adobe 楷体 Std R" panose="02020400000000000000" pitchFamily="18" charset="-122"/>
-              </a:rPr>
-              <a:t>规则</a:t>
-            </a:r>
-            <a:endParaRPr lang="en-US" altLang="zh-CN" dirty="0" smtClean="0">
-              <a:solidFill>
-                <a:srgbClr val="FF0000"/>
-              </a:solidFill>
-              <a:latin typeface="Adobe 楷体 Std R" panose="02020400000000000000" pitchFamily="18" charset="-122"/>
-              <a:ea typeface="Adobe 楷体 Std R" panose="02020400000000000000" pitchFamily="18" charset="-122"/>
-            </a:endParaRPr>
-          </a:p>
-          <a:p>
-            <a:pPr marL="0" indent="0">
-              <a:buNone/>
-            </a:pPr>
-            <a:r>
-              <a:rPr lang="en-US" altLang="zh-CN" dirty="0">
-                <a:solidFill>
-                  <a:srgbClr val="FF0000"/>
-                </a:solidFill>
-                <a:latin typeface="Adobe 楷体 Std R" panose="02020400000000000000" pitchFamily="18" charset="-122"/>
-                <a:ea typeface="Adobe 楷体 Std R" panose="02020400000000000000" pitchFamily="18" charset="-122"/>
-              </a:rPr>
-              <a:t>	</a:t>
-            </a:r>
-            <a:r>
-              <a:rPr lang="en-US" altLang="zh-CN" dirty="0">
-                <a:latin typeface="Adobe 楷体 Std R" panose="02020400000000000000" pitchFamily="18" charset="-122"/>
-                <a:ea typeface="Adobe 楷体 Std R" panose="02020400000000000000" pitchFamily="18" charset="-122"/>
-              </a:rPr>
-              <a:t>C</a:t>
-            </a:r>
-            <a:r>
-              <a:rPr lang="en-US" altLang="zh-CN" dirty="0" smtClean="0">
-                <a:solidFill>
-                  <a:srgbClr val="FF0000"/>
-                </a:solidFill>
-                <a:latin typeface="Adobe 楷体 Std R" panose="02020400000000000000" pitchFamily="18" charset="-122"/>
-                <a:ea typeface="Adobe 楷体 Std R" panose="02020400000000000000" pitchFamily="18" charset="-122"/>
-              </a:rPr>
-              <a:t> </a:t>
-            </a:r>
-            <a:r>
-              <a:rPr lang="zh-CN" altLang="en-US" dirty="0" smtClean="0">
-                <a:solidFill>
-                  <a:srgbClr val="FF0000"/>
-                </a:solidFill>
-                <a:latin typeface="Adobe 楷体 Std R" panose="02020400000000000000" pitchFamily="18" charset="-122"/>
-                <a:ea typeface="Adobe 楷体 Std R" panose="02020400000000000000" pitchFamily="18" charset="-122"/>
-              </a:rPr>
-              <a:t>是否多次提交</a:t>
-            </a:r>
-            <a:endParaRPr lang="en-US" altLang="zh-CN" dirty="0" smtClean="0">
-              <a:solidFill>
-                <a:srgbClr val="FF0000"/>
-              </a:solidFill>
-              <a:latin typeface="Adobe 楷体 Std R" panose="02020400000000000000" pitchFamily="18" charset="-122"/>
-              <a:ea typeface="Adobe 楷体 Std R" panose="02020400000000000000" pitchFamily="18" charset="-122"/>
-            </a:endParaRPr>
-          </a:p>
-          <a:p>
-            <a:pPr marL="0" indent="0">
-              <a:buNone/>
-            </a:pPr>
-            <a:endParaRPr lang="en-US" altLang="zh-CN" dirty="0">
-              <a:solidFill>
-                <a:srgbClr val="FF0000"/>
-              </a:solidFill>
-              <a:latin typeface="Adobe 楷体 Std R" panose="02020400000000000000" pitchFamily="18" charset="-122"/>
-              <a:ea typeface="Adobe 楷体 Std R" panose="02020400000000000000" pitchFamily="18" charset="-122"/>
-            </a:endParaRPr>
-          </a:p>
-          <a:p>
-            <a:pPr marL="0" indent="0">
-              <a:buNone/>
-            </a:pPr>
-            <a:endParaRPr lang="zh-CN" altLang="en-US" dirty="0">
-              <a:latin typeface="Adobe 楷体 Std R" panose="02020400000000000000" pitchFamily="18" charset="-122"/>
-              <a:ea typeface="Adobe 楷体 Std R" panose="02020400000000000000" pitchFamily="18" charset="-122"/>
-            </a:endParaRPr>
-          </a:p>
-        </p:txBody>
-      </p:sp>
-    </p:spTree>
-    <p:extLst>
-      <p:ext uri="{BB962C8B-B14F-4D97-AF65-F5344CB8AC3E}">
-        <p14:creationId xmlns:p14="http://schemas.microsoft.com/office/powerpoint/2010/main" val="516176210"/>
-      </p:ext>
-    </p:extLst>
-  </p:cSld>
-  <p:clrMapOvr>
-    <a:masterClrMapping/>
-  </p:clrMapOvr>
-</p:sld>
-</file>
-
-<file path=ppt/slides/slide25.xml><?xml version="1.0" encoding="utf-8"?>
-<p:sld xmlns:a="http://schemas.openxmlformats.org/drawingml/2006/main" xmlns:r="http://schemas.openxmlformats.org/officeDocument/2006/relationships" xmlns:p="http://schemas.openxmlformats.org/presentationml/2006/main">
-  <p:cSld>
-    <p:spTree>
-      <p:nvGrpSpPr>
-        <p:cNvPr id="1" name=""/>
-        <p:cNvGrpSpPr/>
-        <p:nvPr/>
-      </p:nvGrpSpPr>
-      <p:grpSpPr>
-        <a:xfrm>
-          <a:off x="0" y="0"/>
-          <a:ext cx="0" cy="0"/>
-          <a:chOff x="0" y="0"/>
-          <a:chExt cx="0" cy="0"/>
-        </a:xfrm>
-      </p:grpSpPr>
-      <p:sp>
-        <p:nvSpPr>
-          <p:cNvPr id="2" name="标题 1"/>
-          <p:cNvSpPr>
-            <a:spLocks noGrp="1"/>
-          </p:cNvSpPr>
-          <p:nvPr>
-            <p:ph type="title"/>
-          </p:nvPr>
-        </p:nvSpPr>
-        <p:spPr/>
-        <p:txBody>
-          <a:bodyPr/>
-          <a:lstStyle/>
-          <a:p>
-            <a:r>
-              <a:rPr lang="zh-CN" altLang="en-US" dirty="0" smtClean="0">
-                <a:latin typeface="Adobe 黑体 Std R" panose="020B0400000000000000" pitchFamily="34" charset="-122"/>
-                <a:ea typeface="Adobe 黑体 Std R" panose="020B0400000000000000" pitchFamily="34" charset="-122"/>
-              </a:rPr>
-              <a:t>登录的逻辑</a:t>
-            </a:r>
-            <a:endParaRPr lang="zh-CN" altLang="en-US" dirty="0">
-              <a:latin typeface="Adobe 黑体 Std R" panose="020B0400000000000000" pitchFamily="34" charset="-122"/>
-              <a:ea typeface="Adobe 黑体 Std R" panose="020B0400000000000000" pitchFamily="34" charset="-122"/>
-            </a:endParaRPr>
-          </a:p>
-        </p:txBody>
-      </p:sp>
-      <p:sp>
-        <p:nvSpPr>
-          <p:cNvPr id="3" name="内容占位符 2"/>
-          <p:cNvSpPr>
-            <a:spLocks noGrp="1"/>
-          </p:cNvSpPr>
-          <p:nvPr>
-            <p:ph idx="1"/>
-          </p:nvPr>
-        </p:nvSpPr>
-        <p:spPr/>
-        <p:txBody>
-          <a:bodyPr/>
-          <a:lstStyle/>
-          <a:p>
-            <a:pPr marL="0" indent="0">
-              <a:buNone/>
-            </a:pPr>
-            <a:r>
-              <a:rPr lang="en-US" altLang="zh-CN" dirty="0" smtClean="0">
-                <a:latin typeface="Adobe 楷体 Std R" panose="02020400000000000000" pitchFamily="18" charset="-122"/>
-                <a:ea typeface="Adobe 楷体 Std R" panose="02020400000000000000" pitchFamily="18" charset="-122"/>
-              </a:rPr>
-              <a:t>1</a:t>
-            </a:r>
-            <a:r>
-              <a:rPr lang="zh-CN" altLang="en-US" dirty="0" smtClean="0">
-                <a:latin typeface="Adobe 楷体 Std R" panose="02020400000000000000" pitchFamily="18" charset="-122"/>
-                <a:ea typeface="Adobe 楷体 Std R" panose="02020400000000000000" pitchFamily="18" charset="-122"/>
-              </a:rPr>
-              <a:t>、用户名密码提交前的检测</a:t>
-            </a:r>
-            <a:endParaRPr lang="en-US" altLang="zh-CN" dirty="0" smtClean="0">
-              <a:latin typeface="Adobe 楷体 Std R" panose="02020400000000000000" pitchFamily="18" charset="-122"/>
-              <a:ea typeface="Adobe 楷体 Std R" panose="02020400000000000000" pitchFamily="18" charset="-122"/>
-            </a:endParaRPr>
-          </a:p>
-          <a:p>
-            <a:pPr marL="0" indent="0">
-              <a:buNone/>
-            </a:pPr>
-            <a:r>
-              <a:rPr lang="en-US" altLang="zh-CN" dirty="0" smtClean="0">
-                <a:latin typeface="Adobe 楷体 Std R" panose="02020400000000000000" pitchFamily="18" charset="-122"/>
-                <a:ea typeface="Adobe 楷体 Std R" panose="02020400000000000000" pitchFamily="18" charset="-122"/>
-              </a:rPr>
-              <a:t>2</a:t>
-            </a:r>
-            <a:r>
-              <a:rPr lang="zh-CN" altLang="en-US" dirty="0" smtClean="0">
-                <a:latin typeface="Adobe 楷体 Std R" panose="02020400000000000000" pitchFamily="18" charset="-122"/>
-                <a:ea typeface="Adobe 楷体 Std R" panose="02020400000000000000" pitchFamily="18" charset="-122"/>
-              </a:rPr>
-              <a:t>、用户名密码的验证</a:t>
-            </a:r>
-            <a:endParaRPr lang="en-US" altLang="zh-CN" dirty="0" smtClean="0">
-              <a:latin typeface="Adobe 楷体 Std R" panose="02020400000000000000" pitchFamily="18" charset="-122"/>
-              <a:ea typeface="Adobe 楷体 Std R" panose="02020400000000000000" pitchFamily="18" charset="-122"/>
-            </a:endParaRPr>
-          </a:p>
-          <a:p>
-            <a:pPr marL="0" indent="0">
-              <a:buNone/>
-            </a:pPr>
-            <a:r>
-              <a:rPr lang="en-US" altLang="zh-CN" dirty="0">
-                <a:latin typeface="Adobe 楷体 Std R" panose="02020400000000000000" pitchFamily="18" charset="-122"/>
-                <a:ea typeface="Adobe 楷体 Std R" panose="02020400000000000000" pitchFamily="18" charset="-122"/>
-              </a:rPr>
-              <a:t>	</a:t>
-            </a:r>
-            <a:r>
-              <a:rPr lang="en-US" altLang="zh-CN" dirty="0" smtClean="0">
-                <a:latin typeface="Adobe 楷体 Std R" panose="02020400000000000000" pitchFamily="18" charset="-122"/>
-                <a:ea typeface="Adobe 楷体 Std R" panose="02020400000000000000" pitchFamily="18" charset="-122"/>
-              </a:rPr>
-              <a:t>A </a:t>
-            </a:r>
-            <a:r>
-              <a:rPr lang="zh-CN" altLang="en-US" dirty="0" smtClean="0">
-                <a:solidFill>
-                  <a:srgbClr val="FF0000"/>
-                </a:solidFill>
-                <a:latin typeface="Adobe 楷体 Std R" panose="02020400000000000000" pitchFamily="18" charset="-122"/>
-                <a:ea typeface="Adobe 楷体 Std R" panose="02020400000000000000" pitchFamily="18" charset="-122"/>
-              </a:rPr>
-              <a:t>不存在该用户</a:t>
-            </a:r>
-            <a:endParaRPr lang="en-US" altLang="zh-CN" dirty="0">
-              <a:solidFill>
-                <a:srgbClr val="FF0000"/>
-              </a:solidFill>
-              <a:latin typeface="Adobe 楷体 Std R" panose="02020400000000000000" pitchFamily="18" charset="-122"/>
-              <a:ea typeface="Adobe 楷体 Std R" panose="02020400000000000000" pitchFamily="18" charset="-122"/>
-            </a:endParaRPr>
-          </a:p>
-          <a:p>
-            <a:pPr marL="0" indent="0">
-              <a:buNone/>
-            </a:pPr>
-            <a:r>
-              <a:rPr lang="en-US" altLang="zh-CN" dirty="0">
-                <a:latin typeface="Adobe 楷体 Std R" panose="02020400000000000000" pitchFamily="18" charset="-122"/>
-                <a:ea typeface="Adobe 楷体 Std R" panose="02020400000000000000" pitchFamily="18" charset="-122"/>
-              </a:rPr>
-              <a:t>	</a:t>
-            </a:r>
-            <a:r>
-              <a:rPr lang="en-US" altLang="zh-CN" dirty="0" smtClean="0">
-                <a:latin typeface="Adobe 楷体 Std R" panose="02020400000000000000" pitchFamily="18" charset="-122"/>
-                <a:ea typeface="Adobe 楷体 Std R" panose="02020400000000000000" pitchFamily="18" charset="-122"/>
-              </a:rPr>
-              <a:t>B </a:t>
-            </a:r>
-            <a:r>
-              <a:rPr lang="zh-CN" altLang="en-US" dirty="0" smtClean="0">
-                <a:solidFill>
-                  <a:srgbClr val="FF0000"/>
-                </a:solidFill>
-                <a:latin typeface="Adobe 楷体 Std R" panose="02020400000000000000" pitchFamily="18" charset="-122"/>
-                <a:ea typeface="Adobe 楷体 Std R" panose="02020400000000000000" pitchFamily="18" charset="-122"/>
-              </a:rPr>
-              <a:t>用户名和密码不匹配</a:t>
-            </a:r>
-            <a:endParaRPr lang="zh-CN" altLang="en-US" dirty="0">
-              <a:solidFill>
-                <a:srgbClr val="FF0000"/>
-              </a:solidFill>
-              <a:latin typeface="Adobe 楷体 Std R" panose="02020400000000000000" pitchFamily="18" charset="-122"/>
-              <a:ea typeface="Adobe 楷体 Std R" panose="02020400000000000000" pitchFamily="18" charset="-122"/>
-            </a:endParaRPr>
-          </a:p>
-        </p:txBody>
-      </p:sp>
-    </p:spTree>
-    <p:extLst>
-      <p:ext uri="{BB962C8B-B14F-4D97-AF65-F5344CB8AC3E}">
-        <p14:creationId xmlns:p14="http://schemas.microsoft.com/office/powerpoint/2010/main" val="3793004139"/>
-      </p:ext>
-    </p:extLst>
-  </p:cSld>
-  <p:clrMapOvr>
-    <a:masterClrMapping/>
-  </p:clrMapOvr>
-</p:sld>
-</file>
-
-<file path=ppt/slides/slide26.xml><?xml version="1.0" encoding="utf-8"?>
-<p:sld xmlns:a="http://schemas.openxmlformats.org/drawingml/2006/main" xmlns:r="http://schemas.openxmlformats.org/officeDocument/2006/relationships" xmlns:p="http://schemas.openxmlformats.org/presentationml/2006/main">
-  <p:cSld>
-    <p:spTree>
-      <p:nvGrpSpPr>
-        <p:cNvPr id="1" name=""/>
-        <p:cNvGrpSpPr/>
-        <p:nvPr/>
-      </p:nvGrpSpPr>
-      <p:grpSpPr>
-        <a:xfrm>
-          <a:off x="0" y="0"/>
-          <a:ext cx="0" cy="0"/>
-          <a:chOff x="0" y="0"/>
-          <a:chExt cx="0" cy="0"/>
-        </a:xfrm>
-      </p:grpSpPr>
-      <p:sp>
-        <p:nvSpPr>
-          <p:cNvPr id="2" name="标题 1"/>
-          <p:cNvSpPr>
-            <a:spLocks noGrp="1"/>
-          </p:cNvSpPr>
-          <p:nvPr>
-            <p:ph type="title"/>
-          </p:nvPr>
-        </p:nvSpPr>
-        <p:spPr/>
-        <p:txBody>
-          <a:bodyPr/>
-          <a:lstStyle/>
-          <a:p>
-            <a:r>
-              <a:rPr lang="zh-CN" altLang="en-US" dirty="0" smtClean="0">
-                <a:latin typeface="Adobe 黑体 Std R" panose="020B0400000000000000" pitchFamily="34" charset="-122"/>
-                <a:ea typeface="Adobe 黑体 Std R" panose="020B0400000000000000" pitchFamily="34" charset="-122"/>
-              </a:rPr>
-              <a:t>更改密码的策略</a:t>
-            </a:r>
-            <a:endParaRPr lang="zh-CN" altLang="en-US" dirty="0">
-              <a:latin typeface="Adobe 黑体 Std R" panose="020B0400000000000000" pitchFamily="34" charset="-122"/>
-              <a:ea typeface="Adobe 黑体 Std R" panose="020B0400000000000000" pitchFamily="34" charset="-122"/>
-            </a:endParaRPr>
-          </a:p>
-        </p:txBody>
-      </p:sp>
-      <p:sp>
-        <p:nvSpPr>
-          <p:cNvPr id="3" name="内容占位符 2"/>
-          <p:cNvSpPr>
-            <a:spLocks noGrp="1"/>
-          </p:cNvSpPr>
-          <p:nvPr>
-            <p:ph idx="1"/>
-          </p:nvPr>
-        </p:nvSpPr>
-        <p:spPr/>
-        <p:txBody>
-          <a:bodyPr/>
-          <a:lstStyle/>
-          <a:p>
-            <a:pPr marL="0" indent="0">
-              <a:buNone/>
-            </a:pPr>
-            <a:r>
-              <a:rPr lang="zh-CN" altLang="en-US" dirty="0" smtClean="0">
-                <a:latin typeface="Adobe 楷体 Std R" panose="02020400000000000000" pitchFamily="18" charset="-122"/>
-                <a:ea typeface="Adobe 楷体 Std R" panose="02020400000000000000" pitchFamily="18" charset="-122"/>
-              </a:rPr>
-              <a:t>安全策略</a:t>
-            </a:r>
-            <a:endParaRPr lang="en-US" altLang="zh-CN" dirty="0" smtClean="0">
-              <a:latin typeface="Adobe 楷体 Std R" panose="02020400000000000000" pitchFamily="18" charset="-122"/>
-              <a:ea typeface="Adobe 楷体 Std R" panose="02020400000000000000" pitchFamily="18" charset="-122"/>
-            </a:endParaRPr>
-          </a:p>
-          <a:p>
-            <a:pPr marL="0" indent="0">
-              <a:buNone/>
-            </a:pPr>
-            <a:r>
-              <a:rPr lang="en-US" altLang="zh-CN" dirty="0">
-                <a:latin typeface="Adobe 楷体 Std R" panose="02020400000000000000" pitchFamily="18" charset="-122"/>
-                <a:ea typeface="Adobe 楷体 Std R" panose="02020400000000000000" pitchFamily="18" charset="-122"/>
-              </a:rPr>
-              <a:t>	</a:t>
-            </a:r>
-            <a:r>
-              <a:rPr lang="en-US" altLang="zh-CN" dirty="0" smtClean="0">
-                <a:latin typeface="Adobe 楷体 Std R" panose="02020400000000000000" pitchFamily="18" charset="-122"/>
-                <a:ea typeface="Adobe 楷体 Std R" panose="02020400000000000000" pitchFamily="18" charset="-122"/>
-              </a:rPr>
-              <a:t>A </a:t>
-            </a:r>
-            <a:r>
-              <a:rPr lang="zh-CN" altLang="en-US" dirty="0" smtClean="0">
-                <a:latin typeface="Adobe 楷体 Std R" panose="02020400000000000000" pitchFamily="18" charset="-122"/>
-                <a:ea typeface="Adobe 楷体 Std R" panose="02020400000000000000" pitchFamily="18" charset="-122"/>
-              </a:rPr>
-              <a:t>是否登录成功？</a:t>
-            </a:r>
-            <a:endParaRPr lang="en-US" altLang="zh-CN" dirty="0" smtClean="0">
-              <a:latin typeface="Adobe 楷体 Std R" panose="02020400000000000000" pitchFamily="18" charset="-122"/>
-              <a:ea typeface="Adobe 楷体 Std R" panose="02020400000000000000" pitchFamily="18" charset="-122"/>
-            </a:endParaRPr>
-          </a:p>
-          <a:p>
-            <a:pPr marL="0" indent="0">
-              <a:buNone/>
-            </a:pPr>
-            <a:r>
-              <a:rPr lang="en-US" altLang="zh-CN" dirty="0">
-                <a:latin typeface="Adobe 楷体 Std R" panose="02020400000000000000" pitchFamily="18" charset="-122"/>
-                <a:ea typeface="Adobe 楷体 Std R" panose="02020400000000000000" pitchFamily="18" charset="-122"/>
-              </a:rPr>
-              <a:t>	</a:t>
-            </a:r>
-            <a:r>
-              <a:rPr lang="en-US" altLang="zh-CN" dirty="0" smtClean="0">
-                <a:latin typeface="Adobe 楷体 Std R" panose="02020400000000000000" pitchFamily="18" charset="-122"/>
-                <a:ea typeface="Adobe 楷体 Std R" panose="02020400000000000000" pitchFamily="18" charset="-122"/>
-              </a:rPr>
-              <a:t>B </a:t>
-            </a:r>
-            <a:r>
-              <a:rPr lang="zh-CN" altLang="en-US" dirty="0" smtClean="0">
-                <a:latin typeface="Adobe 楷体 Std R" panose="02020400000000000000" pitchFamily="18" charset="-122"/>
-                <a:ea typeface="Adobe 楷体 Std R" panose="02020400000000000000" pitchFamily="18" charset="-122"/>
-              </a:rPr>
-              <a:t>密码是否符合规范？</a:t>
-            </a:r>
-            <a:endParaRPr lang="en-US" altLang="zh-CN" dirty="0" smtClean="0">
-              <a:latin typeface="Adobe 楷体 Std R" panose="02020400000000000000" pitchFamily="18" charset="-122"/>
-              <a:ea typeface="Adobe 楷体 Std R" panose="02020400000000000000" pitchFamily="18" charset="-122"/>
-            </a:endParaRPr>
-          </a:p>
-          <a:p>
-            <a:pPr marL="0" indent="0">
-              <a:buNone/>
-            </a:pPr>
-            <a:r>
-              <a:rPr lang="en-US" altLang="zh-CN" dirty="0">
-                <a:latin typeface="Adobe 楷体 Std R" panose="02020400000000000000" pitchFamily="18" charset="-122"/>
-                <a:ea typeface="Adobe 楷体 Std R" panose="02020400000000000000" pitchFamily="18" charset="-122"/>
-              </a:rPr>
-              <a:t>	</a:t>
-            </a:r>
-            <a:r>
-              <a:rPr lang="en-US" altLang="zh-CN" dirty="0" smtClean="0">
-                <a:latin typeface="Adobe 楷体 Std R" panose="02020400000000000000" pitchFamily="18" charset="-122"/>
-                <a:ea typeface="Adobe 楷体 Std R" panose="02020400000000000000" pitchFamily="18" charset="-122"/>
-              </a:rPr>
-              <a:t>C </a:t>
-            </a:r>
-            <a:r>
-              <a:rPr lang="zh-CN" altLang="en-US" dirty="0" smtClean="0">
-                <a:latin typeface="Adobe 楷体 Std R" panose="02020400000000000000" pitchFamily="18" charset="-122"/>
-                <a:ea typeface="Adobe 楷体 Std R" panose="02020400000000000000" pitchFamily="18" charset="-122"/>
-              </a:rPr>
-              <a:t>更改的密码与原密码是否重复？</a:t>
-            </a:r>
-            <a:r>
-              <a:rPr lang="en-US" altLang="zh-CN" dirty="0" smtClean="0">
-                <a:latin typeface="Adobe 楷体 Std R" panose="02020400000000000000" pitchFamily="18" charset="-122"/>
-                <a:ea typeface="Adobe 楷体 Std R" panose="02020400000000000000" pitchFamily="18" charset="-122"/>
-              </a:rPr>
-              <a:t> </a:t>
-            </a:r>
-            <a:endParaRPr lang="en-US" altLang="zh-CN" dirty="0">
-              <a:latin typeface="Adobe 楷体 Std R" panose="02020400000000000000" pitchFamily="18" charset="-122"/>
-              <a:ea typeface="Adobe 楷体 Std R" panose="02020400000000000000" pitchFamily="18" charset="-122"/>
-            </a:endParaRPr>
-          </a:p>
-        </p:txBody>
-      </p:sp>
-    </p:spTree>
-    <p:extLst>
-      <p:ext uri="{BB962C8B-B14F-4D97-AF65-F5344CB8AC3E}">
-        <p14:creationId xmlns:p14="http://schemas.microsoft.com/office/powerpoint/2010/main" val="3793269827"/>
-      </p:ext>
-    </p:extLst>
-  </p:cSld>
-  <p:clrMapOvr>
-    <a:masterClrMapping/>
-  </p:clrMapOvr>
 </p:sld>
 </file>
 
@@ -15970,7 +17942,7 @@
                 <a:latin typeface="Adobe 黑体 Std R" panose="020B0400000000000000" pitchFamily="34" charset="-122"/>
                 <a:ea typeface="Adobe 黑体 Std R" panose="020B0400000000000000" pitchFamily="34" charset="-122"/>
               </a:rPr>
-              <a:t>“数据”相关的迭代</a:t>
+              <a:t>关于注册的逻辑</a:t>
             </a:r>
             <a:endParaRPr lang="zh-CN" altLang="en-US" dirty="0">
               <a:latin typeface="Adobe 黑体 Std R" panose="020B0400000000000000" pitchFamily="34" charset="-122"/>
@@ -15994,12 +17966,22 @@
           <a:bodyPr/>
           <a:lstStyle/>
           <a:p>
+            <a:pPr marL="0" indent="0">
+              <a:buNone/>
+            </a:pPr>
+            <a:r>
+              <a:rPr lang="en-US" altLang="zh-CN" dirty="0" smtClean="0">
+                <a:latin typeface="Adobe 楷体 Std R" panose="02020400000000000000" pitchFamily="18" charset="-122"/>
+                <a:ea typeface="Adobe 楷体 Std R" panose="02020400000000000000" pitchFamily="18" charset="-122"/>
+              </a:rPr>
+              <a:t>1</a:t>
+            </a:r>
             <a:r>
               <a:rPr lang="zh-CN" altLang="en-US" dirty="0" smtClean="0">
                 <a:latin typeface="Adobe 楷体 Std R" panose="02020400000000000000" pitchFamily="18" charset="-122"/>
                 <a:ea typeface="Adobe 楷体 Std R" panose="02020400000000000000" pitchFamily="18" charset="-122"/>
               </a:rPr>
-              <a:t>写死在代码中</a:t>
+              <a:t>、提交前，检测什么？</a:t>
             </a:r>
             <a:endParaRPr lang="en-US" altLang="zh-CN" dirty="0" smtClean="0">
               <a:latin typeface="Adobe 楷体 Std R" panose="02020400000000000000" pitchFamily="18" charset="-122"/>
@@ -16007,12 +17989,22 @@
             </a:endParaRPr>
           </a:p>
           <a:p>
+            <a:pPr marL="0" indent="0">
+              <a:buNone/>
+            </a:pPr>
+            <a:r>
+              <a:rPr lang="en-US" altLang="zh-CN" dirty="0" smtClean="0">
+                <a:latin typeface="Adobe 楷体 Std R" panose="02020400000000000000" pitchFamily="18" charset="-122"/>
+                <a:ea typeface="Adobe 楷体 Std R" panose="02020400000000000000" pitchFamily="18" charset="-122"/>
+              </a:rPr>
+              <a:t>2</a:t>
+            </a:r>
             <a:r>
               <a:rPr lang="zh-CN" altLang="en-US" dirty="0" smtClean="0">
                 <a:latin typeface="Adobe 楷体 Std R" panose="02020400000000000000" pitchFamily="18" charset="-122"/>
                 <a:ea typeface="Adobe 楷体 Std R" panose="02020400000000000000" pitchFamily="18" charset="-122"/>
               </a:rPr>
-              <a:t>写在一个（配置）文件中，可以修改</a:t>
+              <a:t>、提交后，检测什么？</a:t>
             </a:r>
             <a:endParaRPr lang="en-US" altLang="zh-CN" dirty="0" smtClean="0">
               <a:latin typeface="Adobe 楷体 Std R" panose="02020400000000000000" pitchFamily="18" charset="-122"/>
@@ -16020,26 +18012,165 @@
             </a:endParaRPr>
           </a:p>
           <a:p>
+            <a:pPr marL="0" indent="0">
+              <a:buNone/>
+            </a:pPr>
+            <a:r>
+              <a:rPr lang="en-US" altLang="zh-CN" dirty="0">
+                <a:latin typeface="Adobe 楷体 Std R" panose="02020400000000000000" pitchFamily="18" charset="-122"/>
+                <a:ea typeface="Adobe 楷体 Std R" panose="02020400000000000000" pitchFamily="18" charset="-122"/>
+              </a:rPr>
+              <a:t>	</a:t>
+            </a:r>
+            <a:r>
+              <a:rPr lang="en-US" altLang="zh-CN" dirty="0" smtClean="0">
+                <a:latin typeface="Adobe 楷体 Std R" panose="02020400000000000000" pitchFamily="18" charset="-122"/>
+                <a:ea typeface="Adobe 楷体 Std R" panose="02020400000000000000" pitchFamily="18" charset="-122"/>
+              </a:rPr>
+              <a:t>A </a:t>
+            </a:r>
             <a:r>
               <a:rPr lang="zh-CN" altLang="en-US" dirty="0" smtClean="0">
-                <a:latin typeface="Adobe 楷体 Std R" panose="02020400000000000000" pitchFamily="18" charset="-122"/>
-                <a:ea typeface="Adobe 楷体 Std R" panose="02020400000000000000" pitchFamily="18" charset="-122"/>
-              </a:rPr>
-              <a:t>放在数据库中</a:t>
+                <a:solidFill>
+                  <a:srgbClr val="FF0000"/>
+                </a:solidFill>
+                <a:latin typeface="Adobe 楷体 Std R" panose="02020400000000000000" pitchFamily="18" charset="-122"/>
+                <a:ea typeface="Adobe 楷体 Std R" panose="02020400000000000000" pitchFamily="18" charset="-122"/>
+              </a:rPr>
+              <a:t>用户名重复</a:t>
             </a:r>
             <a:endParaRPr lang="en-US" altLang="zh-CN" dirty="0" smtClean="0">
+              <a:solidFill>
+                <a:srgbClr val="FF0000"/>
+              </a:solidFill>
               <a:latin typeface="Adobe 楷体 Std R" panose="02020400000000000000" pitchFamily="18" charset="-122"/>
               <a:ea typeface="Adobe 楷体 Std R" panose="02020400000000000000" pitchFamily="18" charset="-122"/>
             </a:endParaRPr>
           </a:p>
           <a:p>
+            <a:pPr marL="0" indent="0">
+              <a:buNone/>
+            </a:pPr>
+            <a:r>
+              <a:rPr lang="en-US" altLang="zh-CN" dirty="0" smtClean="0">
+                <a:solidFill>
+                  <a:srgbClr val="FF0000"/>
+                </a:solidFill>
+                <a:latin typeface="Adobe 楷体 Std R" panose="02020400000000000000" pitchFamily="18" charset="-122"/>
+                <a:ea typeface="Adobe 楷体 Std R" panose="02020400000000000000" pitchFamily="18" charset="-122"/>
+              </a:rPr>
+              <a:t>	</a:t>
+            </a:r>
+            <a:r>
+              <a:rPr lang="en-US" altLang="zh-CN" dirty="0">
+                <a:latin typeface="Adobe 楷体 Std R" panose="02020400000000000000" pitchFamily="18" charset="-122"/>
+                <a:ea typeface="Adobe 楷体 Std R" panose="02020400000000000000" pitchFamily="18" charset="-122"/>
+              </a:rPr>
+              <a:t>B </a:t>
+            </a:r>
             <a:r>
               <a:rPr lang="zh-CN" altLang="en-US" dirty="0" smtClean="0">
-                <a:latin typeface="Adobe 楷体 Std R" panose="02020400000000000000" pitchFamily="18" charset="-122"/>
-                <a:ea typeface="Adobe 楷体 Std R" panose="02020400000000000000" pitchFamily="18" charset="-122"/>
-              </a:rPr>
-              <a:t>数据库的数据加密</a:t>
-            </a:r>
+                <a:solidFill>
+                  <a:srgbClr val="FF0000"/>
+                </a:solidFill>
+                <a:latin typeface="Adobe 楷体 Std R" panose="02020400000000000000" pitchFamily="18" charset="-122"/>
+                <a:ea typeface="Adobe 楷体 Std R" panose="02020400000000000000" pitchFamily="18" charset="-122"/>
+              </a:rPr>
+              <a:t>用户名</a:t>
+            </a:r>
+            <a:r>
+              <a:rPr lang="zh-CN" altLang="en-US" dirty="0">
+                <a:solidFill>
+                  <a:srgbClr val="FF0000"/>
+                </a:solidFill>
+                <a:latin typeface="Adobe 楷体 Std R" panose="02020400000000000000" pitchFamily="18" charset="-122"/>
+                <a:ea typeface="Adobe 楷体 Std R" panose="02020400000000000000" pitchFamily="18" charset="-122"/>
+              </a:rPr>
+              <a:t>密码的</a:t>
+            </a:r>
+            <a:r>
+              <a:rPr lang="zh-CN" altLang="en-US" dirty="0" smtClean="0">
+                <a:solidFill>
+                  <a:srgbClr val="FF0000"/>
+                </a:solidFill>
+                <a:latin typeface="Adobe 楷体 Std R" panose="02020400000000000000" pitchFamily="18" charset="-122"/>
+                <a:ea typeface="Adobe 楷体 Std R" panose="02020400000000000000" pitchFamily="18" charset="-122"/>
+              </a:rPr>
+              <a:t>规则</a:t>
+            </a:r>
+            <a:endParaRPr lang="en-US" altLang="zh-CN" dirty="0" smtClean="0">
+              <a:solidFill>
+                <a:srgbClr val="FF0000"/>
+              </a:solidFill>
+              <a:latin typeface="Adobe 楷体 Std R" panose="02020400000000000000" pitchFamily="18" charset="-122"/>
+              <a:ea typeface="Adobe 楷体 Std R" panose="02020400000000000000" pitchFamily="18" charset="-122"/>
+            </a:endParaRPr>
+          </a:p>
+          <a:p>
+            <a:pPr marL="0" indent="0">
+              <a:buNone/>
+            </a:pPr>
+            <a:r>
+              <a:rPr lang="en-US" altLang="zh-CN" dirty="0">
+                <a:solidFill>
+                  <a:srgbClr val="FF0000"/>
+                </a:solidFill>
+                <a:latin typeface="Adobe 楷体 Std R" panose="02020400000000000000" pitchFamily="18" charset="-122"/>
+                <a:ea typeface="Adobe 楷体 Std R" panose="02020400000000000000" pitchFamily="18" charset="-122"/>
+              </a:rPr>
+              <a:t>	</a:t>
+            </a:r>
+            <a:r>
+              <a:rPr lang="en-US" altLang="zh-CN" dirty="0">
+                <a:latin typeface="Adobe 楷体 Std R" panose="02020400000000000000" pitchFamily="18" charset="-122"/>
+                <a:ea typeface="Adobe 楷体 Std R" panose="02020400000000000000" pitchFamily="18" charset="-122"/>
+              </a:rPr>
+              <a:t>C</a:t>
+            </a:r>
+            <a:r>
+              <a:rPr lang="en-US" altLang="zh-CN" dirty="0" smtClean="0">
+                <a:solidFill>
+                  <a:srgbClr val="FF0000"/>
+                </a:solidFill>
+                <a:latin typeface="Adobe 楷体 Std R" panose="02020400000000000000" pitchFamily="18" charset="-122"/>
+                <a:ea typeface="Adobe 楷体 Std R" panose="02020400000000000000" pitchFamily="18" charset="-122"/>
+              </a:rPr>
+              <a:t> </a:t>
+            </a:r>
+            <a:r>
+              <a:rPr lang="zh-CN" altLang="en-US" dirty="0" smtClean="0">
+                <a:solidFill>
+                  <a:srgbClr val="FF0000"/>
+                </a:solidFill>
+                <a:latin typeface="Adobe 楷体 Std R" panose="02020400000000000000" pitchFamily="18" charset="-122"/>
+                <a:ea typeface="Adobe 楷体 Std R" panose="02020400000000000000" pitchFamily="18" charset="-122"/>
+              </a:rPr>
+              <a:t>是否多次提交</a:t>
+            </a:r>
+            <a:endParaRPr lang="en-US" altLang="zh-CN" dirty="0" smtClean="0">
+              <a:solidFill>
+                <a:srgbClr val="FF0000"/>
+              </a:solidFill>
+              <a:latin typeface="Adobe 楷体 Std R" panose="02020400000000000000" pitchFamily="18" charset="-122"/>
+              <a:ea typeface="Adobe 楷体 Std R" panose="02020400000000000000" pitchFamily="18" charset="-122"/>
+            </a:endParaRPr>
+          </a:p>
+          <a:p>
+            <a:pPr marL="0" indent="0">
+              <a:buNone/>
+            </a:pPr>
+            <a:endParaRPr lang="en-US" altLang="zh-CN" dirty="0">
+              <a:solidFill>
+                <a:srgbClr val="FF0000"/>
+              </a:solidFill>
+              <a:latin typeface="Adobe 楷体 Std R" panose="02020400000000000000" pitchFamily="18" charset="-122"/>
+              <a:ea typeface="Adobe 楷体 Std R" panose="02020400000000000000" pitchFamily="18" charset="-122"/>
+            </a:endParaRPr>
+          </a:p>
+          <a:p>
+            <a:pPr marL="0" indent="0">
+              <a:buNone/>
+            </a:pPr>
             <a:endParaRPr lang="zh-CN" altLang="en-US" dirty="0">
               <a:latin typeface="Adobe 楷体 Std R" panose="02020400000000000000" pitchFamily="18" charset="-122"/>
               <a:ea typeface="Adobe 楷体 Std R" panose="02020400000000000000" pitchFamily="18" charset="-122"/>
@@ -16050,13 +18181,20 @@
     </p:spTree>
     <p:extLst>
       <p:ext uri="{BB962C8B-B14F-4D97-AF65-F5344CB8AC3E}">
-        <p14:creationId xmlns:p14="http://schemas.microsoft.com/office/powerpoint/2010/main" val="1870687755"/>
+        <p14:creationId xmlns:p14="http://schemas.microsoft.com/office/powerpoint/2010/main" val="516176210"/>
       </p:ext>
     </p:extLst>
   </p:cSld>
   <p:clrMapOvr>
     <a:masterClrMapping/>
   </p:clrMapOvr>
+  <p:timing>
+    <p:tnLst>
+      <p:par>
+        <p:cTn id="1" dur="indefinite" restart="never" nodeType="tmRoot"/>
+      </p:par>
+    </p:tnLst>
+  </p:timing>
 </p:sld>
 </file>
 
@@ -16097,7 +18235,7 @@
                 <a:latin typeface="Adobe 黑体 Std R" panose="020B0400000000000000" pitchFamily="34" charset="-122"/>
                 <a:ea typeface="Adobe 黑体 Std R" panose="020B0400000000000000" pitchFamily="34" charset="-122"/>
               </a:rPr>
-              <a:t>密码的安全性</a:t>
+              <a:t>登录的逻辑</a:t>
             </a:r>
             <a:endParaRPr lang="zh-CN" altLang="en-US" dirty="0">
               <a:latin typeface="Adobe 黑体 Std R" panose="020B0400000000000000" pitchFamily="34" charset="-122"/>
@@ -16121,12 +18259,22 @@
           <a:bodyPr/>
           <a:lstStyle/>
           <a:p>
+            <a:pPr marL="0" indent="0">
+              <a:buNone/>
+            </a:pPr>
+            <a:r>
+              <a:rPr lang="en-US" altLang="zh-CN" dirty="0" smtClean="0">
+                <a:latin typeface="Adobe 楷体 Std R" panose="02020400000000000000" pitchFamily="18" charset="-122"/>
+                <a:ea typeface="Adobe 楷体 Std R" panose="02020400000000000000" pitchFamily="18" charset="-122"/>
+              </a:rPr>
+              <a:t>1</a:t>
+            </a:r>
             <a:r>
               <a:rPr lang="zh-CN" altLang="en-US" dirty="0" smtClean="0">
                 <a:latin typeface="Adobe 楷体 Std R" panose="02020400000000000000" pitchFamily="18" charset="-122"/>
                 <a:ea typeface="Adobe 楷体 Std R" panose="02020400000000000000" pitchFamily="18" charset="-122"/>
               </a:rPr>
-              <a:t>密码的复杂度</a:t>
+              <a:t>、用户名密码提交前的检测</a:t>
             </a:r>
             <a:endParaRPr lang="en-US" altLang="zh-CN" dirty="0" smtClean="0">
               <a:latin typeface="Adobe 楷体 Std R" panose="02020400000000000000" pitchFamily="18" charset="-122"/>
@@ -16134,86 +18282,119 @@
             </a:endParaRPr>
           </a:p>
           <a:p>
-            <a:pPr lvl="1"/>
+            <a:pPr marL="0" indent="0">
+              <a:buNone/>
+            </a:pPr>
             <a:r>
               <a:rPr lang="en-US" altLang="zh-CN" dirty="0" smtClean="0">
                 <a:latin typeface="Adobe 楷体 Std R" panose="02020400000000000000" pitchFamily="18" charset="-122"/>
                 <a:ea typeface="Adobe 楷体 Std R" panose="02020400000000000000" pitchFamily="18" charset="-122"/>
               </a:rPr>
-              <a:t>123456</a:t>
-            </a:r>
-          </a:p>
-          <a:p>
-            <a:pPr lvl="1"/>
-            <a:r>
-              <a:rPr lang="en-US" altLang="zh-CN" dirty="0" smtClean="0">
-                <a:latin typeface="Adobe 楷体 Std R" panose="02020400000000000000" pitchFamily="18" charset="-122"/>
-                <a:ea typeface="Adobe 楷体 Std R" panose="02020400000000000000" pitchFamily="18" charset="-122"/>
-              </a:rPr>
-              <a:t>111111</a:t>
-            </a:r>
-            <a:endParaRPr lang="en-US" altLang="zh-CN" dirty="0">
+              <a:t>2</a:t>
+            </a:r>
+            <a:r>
+              <a:rPr lang="zh-CN" altLang="en-US" dirty="0" smtClean="0">
+                <a:latin typeface="Adobe 楷体 Std R" panose="02020400000000000000" pitchFamily="18" charset="-122"/>
+                <a:ea typeface="Adobe 楷体 Std R" panose="02020400000000000000" pitchFamily="18" charset="-122"/>
+              </a:rPr>
+              <a:t>、用户名密码的验证</a:t>
+            </a:r>
+            <a:endParaRPr lang="en-US" altLang="zh-CN" dirty="0" smtClean="0">
               <a:latin typeface="Adobe 楷体 Std R" panose="02020400000000000000" pitchFamily="18" charset="-122"/>
               <a:ea typeface="Adobe 楷体 Std R" panose="02020400000000000000" pitchFamily="18" charset="-122"/>
             </a:endParaRPr>
           </a:p>
           <a:p>
-            <a:pPr lvl="1"/>
-            <a:r>
-              <a:rPr lang="en-US" altLang="zh-CN" dirty="0" err="1">
-                <a:latin typeface="Adobe 楷体 Std R" panose="02020400000000000000" pitchFamily="18" charset="-122"/>
-                <a:ea typeface="Adobe 楷体 Std R" panose="02020400000000000000" pitchFamily="18" charset="-122"/>
-              </a:rPr>
-              <a:t>abcdefgh</a:t>
+            <a:pPr marL="0" indent="0">
+              <a:buNone/>
+            </a:pPr>
+            <a:r>
+              <a:rPr lang="en-US" altLang="zh-CN" dirty="0">
+                <a:latin typeface="Adobe 楷体 Std R" panose="02020400000000000000" pitchFamily="18" charset="-122"/>
+                <a:ea typeface="Adobe 楷体 Std R" panose="02020400000000000000" pitchFamily="18" charset="-122"/>
+              </a:rPr>
+              <a:t>	</a:t>
+            </a:r>
+            <a:r>
+              <a:rPr lang="en-US" altLang="zh-CN" dirty="0" smtClean="0">
+                <a:latin typeface="Adobe 楷体 Std R" panose="02020400000000000000" pitchFamily="18" charset="-122"/>
+                <a:ea typeface="Adobe 楷体 Std R" panose="02020400000000000000" pitchFamily="18" charset="-122"/>
+              </a:rPr>
+              <a:t>A </a:t>
+            </a:r>
+            <a:r>
+              <a:rPr lang="zh-CN" altLang="en-US" dirty="0" smtClean="0">
+                <a:solidFill>
+                  <a:srgbClr val="FF0000"/>
+                </a:solidFill>
+                <a:latin typeface="Adobe 楷体 Std R" panose="02020400000000000000" pitchFamily="18" charset="-122"/>
+                <a:ea typeface="Adobe 楷体 Std R" panose="02020400000000000000" pitchFamily="18" charset="-122"/>
+              </a:rPr>
+              <a:t>不存在该用户</a:t>
             </a:r>
             <a:endParaRPr lang="en-US" altLang="zh-CN" dirty="0">
+              <a:solidFill>
+                <a:srgbClr val="FF0000"/>
+              </a:solidFill>
               <a:latin typeface="Adobe 楷体 Std R" panose="02020400000000000000" pitchFamily="18" charset="-122"/>
               <a:ea typeface="Adobe 楷体 Std R" panose="02020400000000000000" pitchFamily="18" charset="-122"/>
             </a:endParaRPr>
           </a:p>
           <a:p>
-            <a:pPr lvl="1"/>
-            <a:r>
-              <a:rPr lang="en-US" altLang="zh-CN" dirty="0" err="1">
-                <a:latin typeface="Adobe 楷体 Std R" panose="02020400000000000000" pitchFamily="18" charset="-122"/>
-                <a:ea typeface="Adobe 楷体 Std R" panose="02020400000000000000" pitchFamily="18" charset="-122"/>
-              </a:rPr>
-              <a:t>Abefgttw</a:t>
-            </a:r>
-            <a:endParaRPr lang="en-US" altLang="zh-CN" dirty="0">
+            <a:pPr marL="0" indent="0">
+              <a:buNone/>
+            </a:pPr>
+            <a:r>
+              <a:rPr lang="en-US" altLang="zh-CN" dirty="0">
+                <a:latin typeface="Adobe 楷体 Std R" panose="02020400000000000000" pitchFamily="18" charset="-122"/>
+                <a:ea typeface="Adobe 楷体 Std R" panose="02020400000000000000" pitchFamily="18" charset="-122"/>
+              </a:rPr>
+              <a:t>	</a:t>
+            </a:r>
+            <a:r>
+              <a:rPr lang="en-US" altLang="zh-CN" dirty="0" smtClean="0">
+                <a:latin typeface="Adobe 楷体 Std R" panose="02020400000000000000" pitchFamily="18" charset="-122"/>
+                <a:ea typeface="Adobe 楷体 Std R" panose="02020400000000000000" pitchFamily="18" charset="-122"/>
+              </a:rPr>
+              <a:t>B </a:t>
+            </a:r>
+            <a:r>
+              <a:rPr lang="zh-CN" altLang="en-US" dirty="0" smtClean="0">
+                <a:solidFill>
+                  <a:srgbClr val="FF0000"/>
+                </a:solidFill>
+                <a:latin typeface="Adobe 楷体 Std R" panose="02020400000000000000" pitchFamily="18" charset="-122"/>
+                <a:ea typeface="Adobe 楷体 Std R" panose="02020400000000000000" pitchFamily="18" charset="-122"/>
+              </a:rPr>
+              <a:t>用户名和密码不匹配</a:t>
+            </a:r>
+            <a:endParaRPr lang="zh-CN" altLang="en-US" dirty="0">
+              <a:solidFill>
+                <a:srgbClr val="FF0000"/>
+              </a:solidFill>
               <a:latin typeface="Adobe 楷体 Std R" panose="02020400000000000000" pitchFamily="18" charset="-122"/>
               <a:ea typeface="Adobe 楷体 Std R" panose="02020400000000000000" pitchFamily="18" charset="-122"/>
             </a:endParaRPr>
-          </a:p>
-          <a:p>
-            <a:pPr lvl="1"/>
-            <a:r>
-              <a:rPr lang="en-US" altLang="zh-CN" dirty="0" err="1">
-                <a:latin typeface="Adobe 楷体 Std R" panose="02020400000000000000" pitchFamily="18" charset="-122"/>
-                <a:ea typeface="Adobe 楷体 Std R" panose="02020400000000000000" pitchFamily="18" charset="-122"/>
-              </a:rPr>
-              <a:t>Sotoni#t</a:t>
-            </a:r>
-            <a:r>
-              <a:rPr lang="en-US" altLang="zh-CN" dirty="0" smtClean="0">
-                <a:latin typeface="Adobe 楷体 Std R" panose="02020400000000000000" pitchFamily="18" charset="-122"/>
-                <a:ea typeface="Adobe 楷体 Std R" panose="02020400000000000000" pitchFamily="18" charset="-122"/>
-              </a:rPr>
-              <a:t>&amp;*</a:t>
-            </a:r>
           </a:p>
         </p:txBody>
       </p:sp>
     </p:spTree>
     <p:extLst>
       <p:ext uri="{BB962C8B-B14F-4D97-AF65-F5344CB8AC3E}">
-        <p14:creationId xmlns:p14="http://schemas.microsoft.com/office/powerpoint/2010/main" val="1356237223"/>
+        <p14:creationId xmlns:p14="http://schemas.microsoft.com/office/powerpoint/2010/main" val="3793004139"/>
       </p:ext>
     </p:extLst>
   </p:cSld>
   <p:clrMapOvr>
     <a:masterClrMapping/>
   </p:clrMapOvr>
+  <p:timing>
+    <p:tnLst>
+      <p:par>
+        <p:cTn id="1" dur="indefinite" restart="never" nodeType="tmRoot"/>
+      </p:par>
+    </p:tnLst>
+  </p:timing>
 </p:sld>
 </file>
 
@@ -16254,21 +18435,7 @@
                 <a:latin typeface="Adobe 黑体 Std R" panose="020B0400000000000000" pitchFamily="34" charset="-122"/>
                 <a:ea typeface="Adobe 黑体 Std R" panose="020B0400000000000000" pitchFamily="34" charset="-122"/>
               </a:rPr>
-              <a:t>密码的安全性</a:t>
-            </a:r>
-            <a:r>
-              <a:rPr lang="en-US" altLang="zh-CN" dirty="0" smtClean="0">
-                <a:latin typeface="Adobe 黑体 Std R" panose="020B0400000000000000" pitchFamily="34" charset="-122"/>
-                <a:ea typeface="Adobe 黑体 Std R" panose="020B0400000000000000" pitchFamily="34" charset="-122"/>
-              </a:rPr>
-              <a:t>-</a:t>
-            </a:r>
-            <a:r>
-              <a:rPr lang="zh-CN" altLang="en-US" dirty="0" smtClean="0">
-                <a:latin typeface="Adobe 黑体 Std R" panose="020B0400000000000000" pitchFamily="34" charset="-122"/>
-                <a:ea typeface="Adobe 黑体 Std R" panose="020B0400000000000000" pitchFamily="34" charset="-122"/>
-              </a:rPr>
-              <a:t>验证策略</a:t>
+              <a:t>更改密码的策略</a:t>
             </a:r>
             <a:endParaRPr lang="zh-CN" altLang="en-US" dirty="0">
               <a:latin typeface="Adobe 黑体 Std R" panose="020B0400000000000000" pitchFamily="34" charset="-122"/>
@@ -16292,26 +18459,15 @@
           <a:bodyPr/>
           <a:lstStyle/>
           <a:p>
+            <a:pPr marL="0" indent="0">
+              <a:buNone/>
+            </a:pPr>
             <a:r>
               <a:rPr lang="zh-CN" altLang="en-US" dirty="0" smtClean="0">
                 <a:latin typeface="Adobe 楷体 Std R" panose="02020400000000000000" pitchFamily="18" charset="-122"/>
                 <a:ea typeface="Adobe 楷体 Std R" panose="02020400000000000000" pitchFamily="18" charset="-122"/>
               </a:rPr>
-              <a:t>短信</a:t>
-            </a:r>
-            <a:r>
-              <a:rPr lang="en-US" altLang="zh-CN" dirty="0" smtClean="0">
-                <a:latin typeface="Adobe 楷体 Std R" panose="02020400000000000000" pitchFamily="18" charset="-122"/>
-                <a:ea typeface="Adobe 楷体 Std R" panose="02020400000000000000" pitchFamily="18" charset="-122"/>
-              </a:rPr>
-              <a:t>/</a:t>
-            </a:r>
-            <a:r>
-              <a:rPr lang="zh-CN" altLang="en-US" dirty="0" smtClean="0">
-                <a:latin typeface="Adobe 楷体 Std R" panose="02020400000000000000" pitchFamily="18" charset="-122"/>
-                <a:ea typeface="Adobe 楷体 Std R" panose="02020400000000000000" pitchFamily="18" charset="-122"/>
-              </a:rPr>
-              <a:t>微信验证</a:t>
+              <a:t>安全策略</a:t>
             </a:r>
             <a:endParaRPr lang="en-US" altLang="zh-CN" dirty="0" smtClean="0">
               <a:latin typeface="Adobe 楷体 Std R" panose="02020400000000000000" pitchFamily="18" charset="-122"/>
@@ -16319,12 +18475,29 @@
             </a:endParaRPr>
           </a:p>
           <a:p>
+            <a:pPr marL="0" indent="0">
+              <a:buNone/>
+            </a:pPr>
+            <a:r>
+              <a:rPr lang="en-US" altLang="zh-CN" dirty="0">
+                <a:latin typeface="Adobe 楷体 Std R" panose="02020400000000000000" pitchFamily="18" charset="-122"/>
+                <a:ea typeface="Adobe 楷体 Std R" panose="02020400000000000000" pitchFamily="18" charset="-122"/>
+              </a:rPr>
+              <a:t>	</a:t>
+            </a:r>
+            <a:r>
+              <a:rPr lang="en-US" altLang="zh-CN" dirty="0" smtClean="0">
+                <a:latin typeface="Adobe 楷体 Std R" panose="02020400000000000000" pitchFamily="18" charset="-122"/>
+                <a:ea typeface="Adobe 楷体 Std R" panose="02020400000000000000" pitchFamily="18" charset="-122"/>
+              </a:rPr>
+              <a:t>A </a:t>
+            </a:r>
             <a:r>
               <a:rPr lang="zh-CN" altLang="en-US" dirty="0" smtClean="0">
                 <a:latin typeface="Adobe 楷体 Std R" panose="02020400000000000000" pitchFamily="18" charset="-122"/>
                 <a:ea typeface="Adobe 楷体 Std R" panose="02020400000000000000" pitchFamily="18" charset="-122"/>
               </a:rPr>
-              <a:t>邮件验证</a:t>
+              <a:t>是否登录成功？</a:t>
             </a:r>
             <a:endParaRPr lang="en-US" altLang="zh-CN" dirty="0" smtClean="0">
               <a:latin typeface="Adobe 楷体 Std R" panose="02020400000000000000" pitchFamily="18" charset="-122"/>
@@ -16332,20 +18505,91 @@
             </a:endParaRPr>
           </a:p>
           <a:p>
-            <a:endParaRPr lang="en-US" altLang="zh-CN" dirty="0" smtClean="0"/>
+            <a:pPr marL="0" indent="0">
+              <a:buNone/>
+            </a:pPr>
+            <a:r>
+              <a:rPr lang="en-US" altLang="zh-CN" dirty="0">
+                <a:latin typeface="Adobe 楷体 Std R" panose="02020400000000000000" pitchFamily="18" charset="-122"/>
+                <a:ea typeface="Adobe 楷体 Std R" panose="02020400000000000000" pitchFamily="18" charset="-122"/>
+              </a:rPr>
+              <a:t>	</a:t>
+            </a:r>
+            <a:r>
+              <a:rPr lang="en-US" altLang="zh-CN" dirty="0" smtClean="0">
+                <a:latin typeface="Adobe 楷体 Std R" panose="02020400000000000000" pitchFamily="18" charset="-122"/>
+                <a:ea typeface="Adobe 楷体 Std R" panose="02020400000000000000" pitchFamily="18" charset="-122"/>
+              </a:rPr>
+              <a:t>B </a:t>
+            </a:r>
+            <a:r>
+              <a:rPr lang="zh-CN" altLang="en-US" dirty="0" smtClean="0">
+                <a:latin typeface="Adobe 楷体 Std R" panose="02020400000000000000" pitchFamily="18" charset="-122"/>
+                <a:ea typeface="Adobe 楷体 Std R" panose="02020400000000000000" pitchFamily="18" charset="-122"/>
+              </a:rPr>
+              <a:t>密码是否符合规范？</a:t>
+            </a:r>
+            <a:endParaRPr lang="en-US" altLang="zh-CN" dirty="0" smtClean="0">
+              <a:latin typeface="Adobe 楷体 Std R" panose="02020400000000000000" pitchFamily="18" charset="-122"/>
+              <a:ea typeface="Adobe 楷体 Std R" panose="02020400000000000000" pitchFamily="18" charset="-122"/>
+            </a:endParaRPr>
+          </a:p>
+          <a:p>
+            <a:pPr marL="0" indent="0">
+              <a:buNone/>
+            </a:pPr>
+            <a:r>
+              <a:rPr lang="en-US" altLang="zh-CN" dirty="0">
+                <a:latin typeface="Adobe 楷体 Std R" panose="02020400000000000000" pitchFamily="18" charset="-122"/>
+                <a:ea typeface="Adobe 楷体 Std R" panose="02020400000000000000" pitchFamily="18" charset="-122"/>
+              </a:rPr>
+              <a:t>	</a:t>
+            </a:r>
+            <a:r>
+              <a:rPr lang="en-US" altLang="zh-CN" dirty="0" smtClean="0">
+                <a:latin typeface="Adobe 楷体 Std R" panose="02020400000000000000" pitchFamily="18" charset="-122"/>
+                <a:ea typeface="Adobe 楷体 Std R" panose="02020400000000000000" pitchFamily="18" charset="-122"/>
+              </a:rPr>
+              <a:t>C </a:t>
+            </a:r>
+            <a:r>
+              <a:rPr lang="zh-CN" altLang="en-US" dirty="0" smtClean="0">
+                <a:latin typeface="Adobe 楷体 Std R" panose="02020400000000000000" pitchFamily="18" charset="-122"/>
+                <a:ea typeface="Adobe 楷体 Std R" panose="02020400000000000000" pitchFamily="18" charset="-122"/>
+              </a:rPr>
+              <a:t>更改的密码与原密码是否重复？</a:t>
+            </a:r>
+            <a:r>
+              <a:rPr lang="en-US" altLang="zh-CN" dirty="0" smtClean="0">
+                <a:latin typeface="Adobe 楷体 Std R" panose="02020400000000000000" pitchFamily="18" charset="-122"/>
+                <a:ea typeface="Adobe 楷体 Std R" panose="02020400000000000000" pitchFamily="18" charset="-122"/>
+              </a:rPr>
+              <a:t> </a:t>
+            </a:r>
+            <a:endParaRPr lang="en-US" altLang="zh-CN" dirty="0">
+              <a:latin typeface="Adobe 楷体 Std R" panose="02020400000000000000" pitchFamily="18" charset="-122"/>
+              <a:ea typeface="Adobe 楷体 Std R" panose="02020400000000000000" pitchFamily="18" charset="-122"/>
+            </a:endParaRPr>
           </a:p>
         </p:txBody>
       </p:sp>
     </p:spTree>
     <p:extLst>
       <p:ext uri="{BB962C8B-B14F-4D97-AF65-F5344CB8AC3E}">
-        <p14:creationId xmlns:p14="http://schemas.microsoft.com/office/powerpoint/2010/main" val="1795920901"/>
+        <p14:creationId xmlns:p14="http://schemas.microsoft.com/office/powerpoint/2010/main" val="3793269827"/>
       </p:ext>
     </p:extLst>
   </p:cSld>
   <p:clrMapOvr>
     <a:masterClrMapping/>
   </p:clrMapOvr>
+  <p:timing>
+    <p:tnLst>
+      <p:par>
+        <p:cTn id="1" dur="indefinite" restart="never" nodeType="tmRoot"/>
+      </p:par>
+    </p:tnLst>
+  </p:timing>
 </p:sld>
 </file>
 
@@ -16558,7 +18802,7 @@
         </p:nvSpPr>
         <p:spPr bwMode="auto">
           <a:xfrm>
-            <a:off x="4180580" y="2537495"/>
+            <a:off x="4180580" y="2492896"/>
             <a:ext cx="2479651" cy="1757457"/>
           </a:xfrm>
           <a:prstGeom prst="rect">
@@ -17506,7 +19750,7 @@
         </p:nvSpPr>
         <p:spPr>
           <a:xfrm>
-            <a:off x="5522920" y="2537496"/>
+            <a:off x="5522920" y="2507357"/>
             <a:ext cx="1212850" cy="921643"/>
           </a:xfrm>
           <a:prstGeom prst="leftBrace">
@@ -17549,7 +19793,7 @@
         </p:nvSpPr>
         <p:spPr bwMode="auto">
           <a:xfrm>
-            <a:off x="6732240" y="2420888"/>
+            <a:off x="6732240" y="2385353"/>
             <a:ext cx="1639897" cy="1259671"/>
           </a:xfrm>
           <a:prstGeom prst="rect">
@@ -17969,6 +20213,436 @@
                 <a:latin typeface="Adobe 黑体 Std R" panose="020B0400000000000000" pitchFamily="34" charset="-122"/>
                 <a:ea typeface="Adobe 黑体 Std R" panose="020B0400000000000000" pitchFamily="34" charset="-122"/>
               </a:rPr>
+              <a:t>“数据”相关的迭代</a:t>
+            </a:r>
+            <a:endParaRPr lang="zh-CN" altLang="en-US" dirty="0">
+              <a:latin typeface="Adobe 黑体 Std R" panose="020B0400000000000000" pitchFamily="34" charset="-122"/>
+              <a:ea typeface="Adobe 黑体 Std R" panose="020B0400000000000000" pitchFamily="34" charset="-122"/>
+            </a:endParaRPr>
+          </a:p>
+        </p:txBody>
+      </p:sp>
+      <p:sp>
+        <p:nvSpPr>
+          <p:cNvPr id="3" name="内容占位符 2"/>
+          <p:cNvSpPr>
+            <a:spLocks noGrp="1"/>
+          </p:cNvSpPr>
+          <p:nvPr>
+            <p:ph idx="1"/>
+          </p:nvPr>
+        </p:nvSpPr>
+        <p:spPr/>
+        <p:txBody>
+          <a:bodyPr/>
+          <a:lstStyle/>
+          <a:p>
+            <a:r>
+              <a:rPr lang="zh-CN" altLang="en-US" dirty="0" smtClean="0">
+                <a:latin typeface="Adobe 楷体 Std R" panose="02020400000000000000" pitchFamily="18" charset="-122"/>
+                <a:ea typeface="Adobe 楷体 Std R" panose="02020400000000000000" pitchFamily="18" charset="-122"/>
+              </a:rPr>
+              <a:t>写死在代码中</a:t>
+            </a:r>
+            <a:endParaRPr lang="en-US" altLang="zh-CN" dirty="0" smtClean="0">
+              <a:latin typeface="Adobe 楷体 Std R" panose="02020400000000000000" pitchFamily="18" charset="-122"/>
+              <a:ea typeface="Adobe 楷体 Std R" panose="02020400000000000000" pitchFamily="18" charset="-122"/>
+            </a:endParaRPr>
+          </a:p>
+          <a:p>
+            <a:r>
+              <a:rPr lang="zh-CN" altLang="en-US" dirty="0" smtClean="0">
+                <a:latin typeface="Adobe 楷体 Std R" panose="02020400000000000000" pitchFamily="18" charset="-122"/>
+                <a:ea typeface="Adobe 楷体 Std R" panose="02020400000000000000" pitchFamily="18" charset="-122"/>
+              </a:rPr>
+              <a:t>写在一个（配置）文件中，可以修改</a:t>
+            </a:r>
+            <a:endParaRPr lang="en-US" altLang="zh-CN" dirty="0" smtClean="0">
+              <a:latin typeface="Adobe 楷体 Std R" panose="02020400000000000000" pitchFamily="18" charset="-122"/>
+              <a:ea typeface="Adobe 楷体 Std R" panose="02020400000000000000" pitchFamily="18" charset="-122"/>
+            </a:endParaRPr>
+          </a:p>
+          <a:p>
+            <a:r>
+              <a:rPr lang="zh-CN" altLang="en-US" dirty="0" smtClean="0">
+                <a:latin typeface="Adobe 楷体 Std R" panose="02020400000000000000" pitchFamily="18" charset="-122"/>
+                <a:ea typeface="Adobe 楷体 Std R" panose="02020400000000000000" pitchFamily="18" charset="-122"/>
+              </a:rPr>
+              <a:t>放在数据库中</a:t>
+            </a:r>
+            <a:endParaRPr lang="en-US" altLang="zh-CN" dirty="0" smtClean="0">
+              <a:latin typeface="Adobe 楷体 Std R" panose="02020400000000000000" pitchFamily="18" charset="-122"/>
+              <a:ea typeface="Adobe 楷体 Std R" panose="02020400000000000000" pitchFamily="18" charset="-122"/>
+            </a:endParaRPr>
+          </a:p>
+          <a:p>
+            <a:r>
+              <a:rPr lang="zh-CN" altLang="en-US" dirty="0" smtClean="0">
+                <a:latin typeface="Adobe 楷体 Std R" panose="02020400000000000000" pitchFamily="18" charset="-122"/>
+                <a:ea typeface="Adobe 楷体 Std R" panose="02020400000000000000" pitchFamily="18" charset="-122"/>
+              </a:rPr>
+              <a:t>数据库的数据加密</a:t>
+            </a:r>
+            <a:endParaRPr lang="zh-CN" altLang="en-US" dirty="0">
+              <a:latin typeface="Adobe 楷体 Std R" panose="02020400000000000000" pitchFamily="18" charset="-122"/>
+              <a:ea typeface="Adobe 楷体 Std R" panose="02020400000000000000" pitchFamily="18" charset="-122"/>
+            </a:endParaRPr>
+          </a:p>
+        </p:txBody>
+      </p:sp>
+    </p:spTree>
+    <p:extLst>
+      <p:ext uri="{BB962C8B-B14F-4D97-AF65-F5344CB8AC3E}">
+        <p14:creationId xmlns:p14="http://schemas.microsoft.com/office/powerpoint/2010/main" val="1870687755"/>
+      </p:ext>
+    </p:extLst>
+  </p:cSld>
+  <p:clrMapOvr>
+    <a:masterClrMapping/>
+  </p:clrMapOvr>
+  <p:timing>
+    <p:tnLst>
+      <p:par>
+        <p:cTn id="1" dur="indefinite" restart="never" nodeType="tmRoot"/>
+      </p:par>
+    </p:tnLst>
+  </p:timing>
+</p:sld>
+</file>
+
+<file path=ppt/slides/slide31.xml><?xml version="1.0" encoding="utf-8"?>
+<p:sld xmlns:a="http://schemas.openxmlformats.org/drawingml/2006/main" xmlns:r="http://schemas.openxmlformats.org/officeDocument/2006/relationships" xmlns:p="http://schemas.openxmlformats.org/presentationml/2006/main">
+  <p:cSld>
+    <p:spTree>
+      <p:nvGrpSpPr>
+        <p:cNvPr id="1" name=""/>
+        <p:cNvGrpSpPr/>
+        <p:nvPr/>
+      </p:nvGrpSpPr>
+      <p:grpSpPr>
+        <a:xfrm>
+          <a:off x="0" y="0"/>
+          <a:ext cx="0" cy="0"/>
+          <a:chOff x="0" y="0"/>
+          <a:chExt cx="0" cy="0"/>
+        </a:xfrm>
+      </p:grpSpPr>
+      <p:sp>
+        <p:nvSpPr>
+          <p:cNvPr id="2" name="标题 1"/>
+          <p:cNvSpPr>
+            <a:spLocks noGrp="1"/>
+          </p:cNvSpPr>
+          <p:nvPr>
+            <p:ph type="title"/>
+          </p:nvPr>
+        </p:nvSpPr>
+        <p:spPr/>
+        <p:txBody>
+          <a:bodyPr/>
+          <a:lstStyle/>
+          <a:p>
+            <a:r>
+              <a:rPr lang="zh-CN" altLang="en-US" dirty="0" smtClean="0">
+                <a:latin typeface="Adobe 黑体 Std R" panose="020B0400000000000000" pitchFamily="34" charset="-122"/>
+                <a:ea typeface="Adobe 黑体 Std R" panose="020B0400000000000000" pitchFamily="34" charset="-122"/>
+              </a:rPr>
+              <a:t>密码的安全性</a:t>
+            </a:r>
+            <a:endParaRPr lang="zh-CN" altLang="en-US" dirty="0">
+              <a:latin typeface="Adobe 黑体 Std R" panose="020B0400000000000000" pitchFamily="34" charset="-122"/>
+              <a:ea typeface="Adobe 黑体 Std R" panose="020B0400000000000000" pitchFamily="34" charset="-122"/>
+            </a:endParaRPr>
+          </a:p>
+        </p:txBody>
+      </p:sp>
+      <p:sp>
+        <p:nvSpPr>
+          <p:cNvPr id="3" name="内容占位符 2"/>
+          <p:cNvSpPr>
+            <a:spLocks noGrp="1"/>
+          </p:cNvSpPr>
+          <p:nvPr>
+            <p:ph idx="1"/>
+          </p:nvPr>
+        </p:nvSpPr>
+        <p:spPr/>
+        <p:txBody>
+          <a:bodyPr/>
+          <a:lstStyle/>
+          <a:p>
+            <a:r>
+              <a:rPr lang="zh-CN" altLang="en-US" dirty="0" smtClean="0">
+                <a:latin typeface="Adobe 楷体 Std R" panose="02020400000000000000" pitchFamily="18" charset="-122"/>
+                <a:ea typeface="Adobe 楷体 Std R" panose="02020400000000000000" pitchFamily="18" charset="-122"/>
+              </a:rPr>
+              <a:t>密码的复杂度</a:t>
+            </a:r>
+            <a:endParaRPr lang="en-US" altLang="zh-CN" dirty="0" smtClean="0">
+              <a:latin typeface="Adobe 楷体 Std R" panose="02020400000000000000" pitchFamily="18" charset="-122"/>
+              <a:ea typeface="Adobe 楷体 Std R" panose="02020400000000000000" pitchFamily="18" charset="-122"/>
+            </a:endParaRPr>
+          </a:p>
+          <a:p>
+            <a:pPr lvl="1"/>
+            <a:r>
+              <a:rPr lang="en-US" altLang="zh-CN" dirty="0" smtClean="0">
+                <a:latin typeface="Adobe 楷体 Std R" panose="02020400000000000000" pitchFamily="18" charset="-122"/>
+                <a:ea typeface="Adobe 楷体 Std R" panose="02020400000000000000" pitchFamily="18" charset="-122"/>
+              </a:rPr>
+              <a:t>123456</a:t>
+            </a:r>
+          </a:p>
+          <a:p>
+            <a:pPr lvl="1"/>
+            <a:r>
+              <a:rPr lang="en-US" altLang="zh-CN" dirty="0" smtClean="0">
+                <a:latin typeface="Adobe 楷体 Std R" panose="02020400000000000000" pitchFamily="18" charset="-122"/>
+                <a:ea typeface="Adobe 楷体 Std R" panose="02020400000000000000" pitchFamily="18" charset="-122"/>
+              </a:rPr>
+              <a:t>111111</a:t>
+            </a:r>
+            <a:endParaRPr lang="en-US" altLang="zh-CN" dirty="0">
+              <a:latin typeface="Adobe 楷体 Std R" panose="02020400000000000000" pitchFamily="18" charset="-122"/>
+              <a:ea typeface="Adobe 楷体 Std R" panose="02020400000000000000" pitchFamily="18" charset="-122"/>
+            </a:endParaRPr>
+          </a:p>
+          <a:p>
+            <a:pPr lvl="1"/>
+            <a:r>
+              <a:rPr lang="en-US" altLang="zh-CN" dirty="0" err="1">
+                <a:latin typeface="Adobe 楷体 Std R" panose="02020400000000000000" pitchFamily="18" charset="-122"/>
+                <a:ea typeface="Adobe 楷体 Std R" panose="02020400000000000000" pitchFamily="18" charset="-122"/>
+              </a:rPr>
+              <a:t>abcdefgh</a:t>
+            </a:r>
+            <a:endParaRPr lang="en-US" altLang="zh-CN" dirty="0">
+              <a:latin typeface="Adobe 楷体 Std R" panose="02020400000000000000" pitchFamily="18" charset="-122"/>
+              <a:ea typeface="Adobe 楷体 Std R" panose="02020400000000000000" pitchFamily="18" charset="-122"/>
+            </a:endParaRPr>
+          </a:p>
+          <a:p>
+            <a:pPr lvl="1"/>
+            <a:r>
+              <a:rPr lang="en-US" altLang="zh-CN" dirty="0" err="1">
+                <a:latin typeface="Adobe 楷体 Std R" panose="02020400000000000000" pitchFamily="18" charset="-122"/>
+                <a:ea typeface="Adobe 楷体 Std R" panose="02020400000000000000" pitchFamily="18" charset="-122"/>
+              </a:rPr>
+              <a:t>Abefgttw</a:t>
+            </a:r>
+            <a:endParaRPr lang="en-US" altLang="zh-CN" dirty="0">
+              <a:latin typeface="Adobe 楷体 Std R" panose="02020400000000000000" pitchFamily="18" charset="-122"/>
+              <a:ea typeface="Adobe 楷体 Std R" panose="02020400000000000000" pitchFamily="18" charset="-122"/>
+            </a:endParaRPr>
+          </a:p>
+          <a:p>
+            <a:pPr lvl="1"/>
+            <a:r>
+              <a:rPr lang="en-US" altLang="zh-CN" dirty="0" err="1">
+                <a:latin typeface="Adobe 楷体 Std R" panose="02020400000000000000" pitchFamily="18" charset="-122"/>
+                <a:ea typeface="Adobe 楷体 Std R" panose="02020400000000000000" pitchFamily="18" charset="-122"/>
+              </a:rPr>
+              <a:t>Sotoni#t</a:t>
+            </a:r>
+            <a:r>
+              <a:rPr lang="en-US" altLang="zh-CN" dirty="0" smtClean="0">
+                <a:latin typeface="Adobe 楷体 Std R" panose="02020400000000000000" pitchFamily="18" charset="-122"/>
+                <a:ea typeface="Adobe 楷体 Std R" panose="02020400000000000000" pitchFamily="18" charset="-122"/>
+              </a:rPr>
+              <a:t>&amp;*</a:t>
+            </a:r>
+          </a:p>
+        </p:txBody>
+      </p:sp>
+    </p:spTree>
+    <p:extLst>
+      <p:ext uri="{BB962C8B-B14F-4D97-AF65-F5344CB8AC3E}">
+        <p14:creationId xmlns:p14="http://schemas.microsoft.com/office/powerpoint/2010/main" val="1356237223"/>
+      </p:ext>
+    </p:extLst>
+  </p:cSld>
+  <p:clrMapOvr>
+    <a:masterClrMapping/>
+  </p:clrMapOvr>
+</p:sld>
+</file>
+
+<file path=ppt/slides/slide32.xml><?xml version="1.0" encoding="utf-8"?>
+<p:sld xmlns:a="http://schemas.openxmlformats.org/drawingml/2006/main" xmlns:r="http://schemas.openxmlformats.org/officeDocument/2006/relationships" xmlns:p="http://schemas.openxmlformats.org/presentationml/2006/main">
+  <p:cSld>
+    <p:spTree>
+      <p:nvGrpSpPr>
+        <p:cNvPr id="1" name=""/>
+        <p:cNvGrpSpPr/>
+        <p:nvPr/>
+      </p:nvGrpSpPr>
+      <p:grpSpPr>
+        <a:xfrm>
+          <a:off x="0" y="0"/>
+          <a:ext cx="0" cy="0"/>
+          <a:chOff x="0" y="0"/>
+          <a:chExt cx="0" cy="0"/>
+        </a:xfrm>
+      </p:grpSpPr>
+      <p:sp>
+        <p:nvSpPr>
+          <p:cNvPr id="2" name="标题 1"/>
+          <p:cNvSpPr>
+            <a:spLocks noGrp="1"/>
+          </p:cNvSpPr>
+          <p:nvPr>
+            <p:ph type="title"/>
+          </p:nvPr>
+        </p:nvSpPr>
+        <p:spPr/>
+        <p:txBody>
+          <a:bodyPr/>
+          <a:lstStyle/>
+          <a:p>
+            <a:r>
+              <a:rPr lang="zh-CN" altLang="en-US" dirty="0" smtClean="0">
+                <a:latin typeface="Adobe 黑体 Std R" panose="020B0400000000000000" pitchFamily="34" charset="-122"/>
+                <a:ea typeface="Adobe 黑体 Std R" panose="020B0400000000000000" pitchFamily="34" charset="-122"/>
+              </a:rPr>
+              <a:t>密码的安全性</a:t>
+            </a:r>
+            <a:r>
+              <a:rPr lang="en-US" altLang="zh-CN" dirty="0" smtClean="0">
+                <a:latin typeface="Adobe 黑体 Std R" panose="020B0400000000000000" pitchFamily="34" charset="-122"/>
+                <a:ea typeface="Adobe 黑体 Std R" panose="020B0400000000000000" pitchFamily="34" charset="-122"/>
+              </a:rPr>
+              <a:t>-</a:t>
+            </a:r>
+            <a:r>
+              <a:rPr lang="zh-CN" altLang="en-US" dirty="0" smtClean="0">
+                <a:latin typeface="Adobe 黑体 Std R" panose="020B0400000000000000" pitchFamily="34" charset="-122"/>
+                <a:ea typeface="Adobe 黑体 Std R" panose="020B0400000000000000" pitchFamily="34" charset="-122"/>
+              </a:rPr>
+              <a:t>验证策略</a:t>
+            </a:r>
+            <a:endParaRPr lang="zh-CN" altLang="en-US" dirty="0">
+              <a:latin typeface="Adobe 黑体 Std R" panose="020B0400000000000000" pitchFamily="34" charset="-122"/>
+              <a:ea typeface="Adobe 黑体 Std R" panose="020B0400000000000000" pitchFamily="34" charset="-122"/>
+            </a:endParaRPr>
+          </a:p>
+        </p:txBody>
+      </p:sp>
+      <p:sp>
+        <p:nvSpPr>
+          <p:cNvPr id="3" name="内容占位符 2"/>
+          <p:cNvSpPr>
+            <a:spLocks noGrp="1"/>
+          </p:cNvSpPr>
+          <p:nvPr>
+            <p:ph idx="1"/>
+          </p:nvPr>
+        </p:nvSpPr>
+        <p:spPr/>
+        <p:txBody>
+          <a:bodyPr/>
+          <a:lstStyle/>
+          <a:p>
+            <a:r>
+              <a:rPr lang="zh-CN" altLang="en-US" dirty="0" smtClean="0">
+                <a:latin typeface="Adobe 楷体 Std R" panose="02020400000000000000" pitchFamily="18" charset="-122"/>
+                <a:ea typeface="Adobe 楷体 Std R" panose="02020400000000000000" pitchFamily="18" charset="-122"/>
+              </a:rPr>
+              <a:t>短信</a:t>
+            </a:r>
+            <a:r>
+              <a:rPr lang="en-US" altLang="zh-CN" dirty="0" smtClean="0">
+                <a:latin typeface="Adobe 楷体 Std R" panose="02020400000000000000" pitchFamily="18" charset="-122"/>
+                <a:ea typeface="Adobe 楷体 Std R" panose="02020400000000000000" pitchFamily="18" charset="-122"/>
+              </a:rPr>
+              <a:t>/</a:t>
+            </a:r>
+            <a:r>
+              <a:rPr lang="zh-CN" altLang="en-US" dirty="0" smtClean="0">
+                <a:latin typeface="Adobe 楷体 Std R" panose="02020400000000000000" pitchFamily="18" charset="-122"/>
+                <a:ea typeface="Adobe 楷体 Std R" panose="02020400000000000000" pitchFamily="18" charset="-122"/>
+              </a:rPr>
+              <a:t>微信验证</a:t>
+            </a:r>
+            <a:endParaRPr lang="en-US" altLang="zh-CN" dirty="0" smtClean="0">
+              <a:latin typeface="Adobe 楷体 Std R" panose="02020400000000000000" pitchFamily="18" charset="-122"/>
+              <a:ea typeface="Adobe 楷体 Std R" panose="02020400000000000000" pitchFamily="18" charset="-122"/>
+            </a:endParaRPr>
+          </a:p>
+          <a:p>
+            <a:r>
+              <a:rPr lang="zh-CN" altLang="en-US" dirty="0" smtClean="0">
+                <a:latin typeface="Adobe 楷体 Std R" panose="02020400000000000000" pitchFamily="18" charset="-122"/>
+                <a:ea typeface="Adobe 楷体 Std R" panose="02020400000000000000" pitchFamily="18" charset="-122"/>
+              </a:rPr>
+              <a:t>邮件验证</a:t>
+            </a:r>
+            <a:endParaRPr lang="en-US" altLang="zh-CN" dirty="0" smtClean="0">
+              <a:latin typeface="Adobe 楷体 Std R" panose="02020400000000000000" pitchFamily="18" charset="-122"/>
+              <a:ea typeface="Adobe 楷体 Std R" panose="02020400000000000000" pitchFamily="18" charset="-122"/>
+            </a:endParaRPr>
+          </a:p>
+          <a:p>
+            <a:endParaRPr lang="en-US" altLang="zh-CN" dirty="0" smtClean="0"/>
+          </a:p>
+        </p:txBody>
+      </p:sp>
+    </p:spTree>
+    <p:extLst>
+      <p:ext uri="{BB962C8B-B14F-4D97-AF65-F5344CB8AC3E}">
+        <p14:creationId xmlns:p14="http://schemas.microsoft.com/office/powerpoint/2010/main" val="1795920901"/>
+      </p:ext>
+    </p:extLst>
+  </p:cSld>
+  <p:clrMapOvr>
+    <a:masterClrMapping/>
+  </p:clrMapOvr>
+  <p:timing>
+    <p:tnLst>
+      <p:par>
+        <p:cTn id="1" dur="indefinite" restart="never" nodeType="tmRoot"/>
+      </p:par>
+    </p:tnLst>
+  </p:timing>
+</p:sld>
+</file>
+
+<file path=ppt/slides/slide33.xml><?xml version="1.0" encoding="utf-8"?>
+<p:sld xmlns:a="http://schemas.openxmlformats.org/drawingml/2006/main" xmlns:r="http://schemas.openxmlformats.org/officeDocument/2006/relationships" xmlns:p="http://schemas.openxmlformats.org/presentationml/2006/main">
+  <p:cSld>
+    <p:spTree>
+      <p:nvGrpSpPr>
+        <p:cNvPr id="1" name=""/>
+        <p:cNvGrpSpPr/>
+        <p:nvPr/>
+      </p:nvGrpSpPr>
+      <p:grpSpPr>
+        <a:xfrm>
+          <a:off x="0" y="0"/>
+          <a:ext cx="0" cy="0"/>
+          <a:chOff x="0" y="0"/>
+          <a:chExt cx="0" cy="0"/>
+        </a:xfrm>
+      </p:grpSpPr>
+      <p:sp>
+        <p:nvSpPr>
+          <p:cNvPr id="2" name="标题 1"/>
+          <p:cNvSpPr>
+            <a:spLocks noGrp="1"/>
+          </p:cNvSpPr>
+          <p:nvPr>
+            <p:ph type="title"/>
+          </p:nvPr>
+        </p:nvSpPr>
+        <p:spPr/>
+        <p:txBody>
+          <a:bodyPr/>
+          <a:lstStyle/>
+          <a:p>
+            <a:r>
+              <a:rPr lang="zh-CN" altLang="en-US" dirty="0" smtClean="0">
+                <a:latin typeface="Adobe 黑体 Std R" panose="020B0400000000000000" pitchFamily="34" charset="-122"/>
+                <a:ea typeface="Adobe 黑体 Std R" panose="020B0400000000000000" pitchFamily="34" charset="-122"/>
+              </a:rPr>
               <a:t>危险的数据</a:t>
             </a:r>
             <a:endParaRPr lang="zh-CN" altLang="en-US" dirty="0">
@@ -17987,9 +20661,9 @@
         <p:grpSpPr>
           <a:xfrm>
             <a:off x="1754930" y="3136894"/>
-            <a:ext cx="4940859" cy="2808312"/>
+            <a:ext cx="3781155" cy="2808312"/>
             <a:chOff x="1691680" y="2636912"/>
-            <a:chExt cx="4995757" cy="2986273"/>
+            <a:chExt cx="3823168" cy="2986273"/>
           </a:xfrm>
         </p:grpSpPr>
         <p:grpSp>
@@ -18146,7 +20820,7 @@
           </p:blipFill>
           <p:spPr>
             <a:xfrm>
-              <a:off x="5421407" y="2813133"/>
+              <a:off x="4248818" y="2903235"/>
               <a:ext cx="1266030" cy="999447"/>
             </a:xfrm>
             <a:prstGeom prst="rect">
@@ -18155,30 +20829,6 @@
           </p:spPr>
         </p:pic>
       </p:grpSp>
-      <p:pic>
-        <p:nvPicPr>
-          <p:cNvPr id="10" name="图片 9"/>
-          <p:cNvPicPr>
-            <a:picLocks noChangeAspect="1"/>
-          </p:cNvPicPr>
-          <p:nvPr/>
-        </p:nvPicPr>
-        <p:blipFill>
-          <a:blip r:embed="rId6"/>
-          <a:stretch>
-            <a:fillRect/>
-          </a:stretch>
-        </p:blipFill>
-        <p:spPr>
-          <a:xfrm>
-            <a:off x="7767692" y="4755612"/>
-            <a:ext cx="415815" cy="415815"/>
-          </a:xfrm>
-          <a:prstGeom prst="rect">
-            <a:avLst/>
-          </a:prstGeom>
-        </p:spPr>
-      </p:pic>
       <p:cxnSp>
         <p:nvCxnSpPr>
           <p:cNvPr id="20" name="曲线连接符 19"/>
@@ -18190,8 +20840,8 @@
         </p:nvCxnSpPr>
         <p:spPr>
           <a:xfrm flipV="1">
-            <a:off x="2559211" y="3772557"/>
-            <a:ext cx="2884460" cy="810315"/>
+            <a:off x="2559211" y="3857290"/>
+            <a:ext cx="1724756" cy="725582"/>
           </a:xfrm>
           <a:prstGeom prst="curvedConnector3">
             <a:avLst>
@@ -18217,30 +20867,69 @@
           </a:fontRef>
         </p:style>
       </p:cxnSp>
-      <p:pic>
-        <p:nvPicPr>
-          <p:cNvPr id="21" name="图片 20"/>
-          <p:cNvPicPr>
-            <a:picLocks noChangeAspect="1"/>
-          </p:cNvPicPr>
+      <p:grpSp>
+        <p:nvGrpSpPr>
+          <p:cNvPr id="6" name="组合 5"/>
+          <p:cNvGrpSpPr/>
           <p:nvPr/>
-        </p:nvPicPr>
-        <p:blipFill>
-          <a:blip r:embed="rId7"/>
-          <a:stretch>
-            <a:fillRect/>
-          </a:stretch>
-        </p:blipFill>
-        <p:spPr>
+        </p:nvGrpSpPr>
+        <p:grpSpPr>
           <a:xfrm>
-            <a:off x="6689564" y="4509120"/>
-            <a:ext cx="906772" cy="774160"/>
+            <a:off x="6425227" y="4187921"/>
+            <a:ext cx="1322587" cy="774160"/>
+            <a:chOff x="6425227" y="4187921"/>
+            <a:chExt cx="1322587" cy="774160"/>
           </a:xfrm>
-          <a:prstGeom prst="rect">
-            <a:avLst/>
-          </a:prstGeom>
-        </p:spPr>
-      </p:pic>
+        </p:grpSpPr>
+        <p:pic>
+          <p:nvPicPr>
+            <p:cNvPr id="10" name="图片 9"/>
+            <p:cNvPicPr>
+              <a:picLocks noChangeAspect="1"/>
+            </p:cNvPicPr>
+            <p:nvPr/>
+          </p:nvPicPr>
+          <p:blipFill>
+            <a:blip r:embed="rId6"/>
+            <a:stretch>
+              <a:fillRect/>
+            </a:stretch>
+          </p:blipFill>
+          <p:spPr>
+            <a:xfrm>
+              <a:off x="7331999" y="4374964"/>
+              <a:ext cx="415815" cy="415815"/>
+            </a:xfrm>
+            <a:prstGeom prst="rect">
+              <a:avLst/>
+            </a:prstGeom>
+          </p:spPr>
+        </p:pic>
+        <p:pic>
+          <p:nvPicPr>
+            <p:cNvPr id="21" name="图片 20"/>
+            <p:cNvPicPr>
+              <a:picLocks noChangeAspect="1"/>
+            </p:cNvPicPr>
+            <p:nvPr/>
+          </p:nvPicPr>
+          <p:blipFill>
+            <a:blip r:embed="rId7"/>
+            <a:stretch>
+              <a:fillRect/>
+            </a:stretch>
+          </p:blipFill>
+          <p:spPr>
+            <a:xfrm>
+              <a:off x="6425227" y="4187921"/>
+              <a:ext cx="906772" cy="774160"/>
+            </a:xfrm>
+            <a:prstGeom prst="rect">
+              <a:avLst/>
+            </a:prstGeom>
+          </p:spPr>
+        </p:pic>
+      </p:grpSp>
       <p:cxnSp>
         <p:nvCxnSpPr>
           <p:cNvPr id="22" name="曲线连接符 21"/>
@@ -18252,8 +20941,8 @@
         </p:nvCxnSpPr>
         <p:spPr>
           <a:xfrm>
-            <a:off x="6695789" y="3772557"/>
-            <a:ext cx="447161" cy="736563"/>
+            <a:off x="5536085" y="3857290"/>
+            <a:ext cx="1342528" cy="330631"/>
           </a:xfrm>
           <a:prstGeom prst="curvedConnector2">
             <a:avLst/>
@@ -18297,7 +20986,7 @@
 </p:sld>
 </file>
 
-<file path=ppt/slides/slide31.xml><?xml version="1.0" encoding="utf-8"?>
+<file path=ppt/slides/slide34.xml><?xml version="1.0" encoding="utf-8"?>
 <p:sld xmlns:a="http://schemas.openxmlformats.org/drawingml/2006/main" xmlns:r="http://schemas.openxmlformats.org/officeDocument/2006/relationships" xmlns:p="http://schemas.openxmlformats.org/presentationml/2006/main">
   <p:cSld>
     <p:spTree>
@@ -18450,7 +21139,7 @@
 </p:sld>
 </file>
 
-<file path=ppt/slides/slide32.xml><?xml version="1.0" encoding="utf-8"?>
+<file path=ppt/slides/slide35.xml><?xml version="1.0" encoding="utf-8"?>
 <p:sld xmlns:a="http://schemas.openxmlformats.org/drawingml/2006/main" xmlns:r="http://schemas.openxmlformats.org/officeDocument/2006/relationships" xmlns:p="http://schemas.openxmlformats.org/presentationml/2006/main">
   <p:cSld>
     <p:spTree>
@@ -18582,10 +21271,17 @@
   <p:clrMapOvr>
     <a:masterClrMapping/>
   </p:clrMapOvr>
+  <p:timing>
+    <p:tnLst>
+      <p:par>
+        <p:cTn id="1" dur="indefinite" restart="never" nodeType="tmRoot"/>
+      </p:par>
+    </p:tnLst>
+  </p:timing>
 </p:sld>
 </file>
 
-<file path=ppt/slides/slide33.xml><?xml version="1.0" encoding="utf-8"?>
+<file path=ppt/slides/slide36.xml><?xml version="1.0" encoding="utf-8"?>
 <p:sld xmlns:a="http://schemas.openxmlformats.org/drawingml/2006/main" xmlns:r="http://schemas.openxmlformats.org/officeDocument/2006/relationships" xmlns:p="http://schemas.openxmlformats.org/presentationml/2006/main">
   <p:cSld>
     <p:spTree>
@@ -18683,10 +21379,17 @@
   <p:clrMapOvr>
     <a:masterClrMapping/>
   </p:clrMapOvr>
+  <p:timing>
+    <p:tnLst>
+      <p:par>
+        <p:cTn id="1" dur="indefinite" restart="never" nodeType="tmRoot"/>
+      </p:par>
+    </p:tnLst>
+  </p:timing>
 </p:sld>
 </file>
 
-<file path=ppt/slides/slide34.xml><?xml version="1.0" encoding="utf-8"?>
+<file path=ppt/slides/slide37.xml><?xml version="1.0" encoding="utf-8"?>
 <p:sld xmlns:a="http://schemas.openxmlformats.org/drawingml/2006/main" xmlns:r="http://schemas.openxmlformats.org/officeDocument/2006/relationships" xmlns:p="http://schemas.openxmlformats.org/presentationml/2006/main">
   <p:cSld>
     <p:spTree>
@@ -18909,10 +21612,17 @@
   <p:clrMapOvr>
     <a:masterClrMapping/>
   </p:clrMapOvr>
+  <p:timing>
+    <p:tnLst>
+      <p:par>
+        <p:cTn id="1" dur="indefinite" restart="never" nodeType="tmRoot"/>
+      </p:par>
+    </p:tnLst>
+  </p:timing>
 </p:sld>
 </file>
 
-<file path=ppt/slides/slide35.xml><?xml version="1.0" encoding="utf-8"?>
+<file path=ppt/slides/slide38.xml><?xml version="1.0" encoding="utf-8"?>
 <p:sld xmlns:a="http://schemas.openxmlformats.org/drawingml/2006/main" xmlns:r="http://schemas.openxmlformats.org/officeDocument/2006/relationships" xmlns:p="http://schemas.openxmlformats.org/presentationml/2006/main">
   <p:cSld>
     <p:spTree>
@@ -19550,7 +22260,7 @@
 </p:sld>
 </file>
 
-<file path=ppt/slides/slide36.xml><?xml version="1.0" encoding="utf-8"?>
+<file path=ppt/slides/slide39.xml><?xml version="1.0" encoding="utf-8"?>
 <p:sld xmlns:a="http://schemas.openxmlformats.org/drawingml/2006/main" xmlns:r="http://schemas.openxmlformats.org/officeDocument/2006/relationships" xmlns:p="http://schemas.openxmlformats.org/presentationml/2006/main">
   <p:cSld>
     <p:spTree>
@@ -19587,7 +22297,7 @@
                 <a:latin typeface="Adobe 黑体 Std R" panose="020B0400000000000000" pitchFamily="34" charset="-122"/>
                 <a:ea typeface="Adobe 黑体 Std R" panose="020B0400000000000000" pitchFamily="34" charset="-122"/>
               </a:rPr>
-              <a:t>总结</a:t>
+              <a:t>高级话题</a:t>
             </a:r>
             <a:endParaRPr lang="zh-CN" altLang="en-US" dirty="0">
               <a:latin typeface="Adobe 黑体 Std R" panose="020B0400000000000000" pitchFamily="34" charset="-122"/>
@@ -19616,15 +22326,7 @@
                 <a:latin typeface="Adobe 楷体 Std R" panose="02020400000000000000" pitchFamily="18" charset="-122"/>
                 <a:ea typeface="Adobe 楷体 Std R" panose="02020400000000000000" pitchFamily="18" charset="-122"/>
               </a:rPr>
-              <a:t>做个网站感觉也不是很难</a:t>
-            </a:r>
-            <a:r>
-              <a:rPr lang="en-US" altLang="zh-CN" dirty="0" smtClean="0">
-                <a:latin typeface="Adobe 楷体 Std R" panose="02020400000000000000" pitchFamily="18" charset="-122"/>
-                <a:ea typeface="Adobe 楷体 Std R" panose="02020400000000000000" pitchFamily="18" charset="-122"/>
-                <a:sym typeface="Wingdings" panose="05000000000000000000" pitchFamily="2" charset="2"/>
-              </a:rPr>
-              <a:t></a:t>
+              <a:t>动静分离</a:t>
             </a:r>
             <a:endParaRPr lang="en-US" altLang="zh-CN" dirty="0" smtClean="0">
               <a:latin typeface="Adobe 楷体 Std R" panose="02020400000000000000" pitchFamily="18" charset="-122"/>
@@ -19632,12 +22334,13 @@
             </a:endParaRPr>
           </a:p>
           <a:p>
+            <a:pPr lvl="1"/>
             <a:r>
               <a:rPr lang="zh-CN" altLang="en-US" dirty="0" smtClean="0">
                 <a:latin typeface="Adobe 楷体 Std R" panose="02020400000000000000" pitchFamily="18" charset="-122"/>
                 <a:ea typeface="Adobe 楷体 Std R" panose="02020400000000000000" pitchFamily="18" charset="-122"/>
               </a:rPr>
-              <a:t>很多事不用自己做</a:t>
+              <a:t>静态页面可以缓存在内存中，访问速度快</a:t>
             </a:r>
             <a:endParaRPr lang="en-US" altLang="zh-CN" dirty="0" smtClean="0">
               <a:latin typeface="Adobe 楷体 Std R" panose="02020400000000000000" pitchFamily="18" charset="-122"/>
@@ -19645,12 +22348,13 @@
             </a:endParaRPr>
           </a:p>
           <a:p>
+            <a:pPr lvl="1"/>
             <a:r>
               <a:rPr lang="zh-CN" altLang="en-US" dirty="0" smtClean="0">
                 <a:latin typeface="Adobe 楷体 Std R" panose="02020400000000000000" pitchFamily="18" charset="-122"/>
                 <a:ea typeface="Adobe 楷体 Std R" panose="02020400000000000000" pitchFamily="18" charset="-122"/>
               </a:rPr>
-              <a:t>把学过的知识点串起来了一些</a:t>
+              <a:t>动态页面可能要访问其他设备上的数据</a:t>
             </a:r>
             <a:endParaRPr lang="en-US" altLang="zh-CN" dirty="0" smtClean="0">
               <a:latin typeface="Adobe 楷体 Std R" panose="02020400000000000000" pitchFamily="18" charset="-122"/>
@@ -19658,295 +22362,363 @@
             </a:endParaRPr>
           </a:p>
           <a:p>
+            <a:pPr lvl="1"/>
+            <a:r>
+              <a:rPr lang="en-US" altLang="zh-CN" dirty="0" smtClean="0">
+                <a:latin typeface="Adobe 楷体 Std R" panose="02020400000000000000" pitchFamily="18" charset="-122"/>
+                <a:ea typeface="Adobe 楷体 Std R" panose="02020400000000000000" pitchFamily="18" charset="-122"/>
+              </a:rPr>
+              <a:t>Nginx + tomcat</a:t>
+            </a:r>
+          </a:p>
+          <a:p>
+            <a:r>
+              <a:rPr lang="en-US" altLang="zh-CN" dirty="0" smtClean="0">
+                <a:latin typeface="Adobe 楷体 Std R" panose="02020400000000000000" pitchFamily="18" charset="-122"/>
+                <a:ea typeface="Adobe 楷体 Std R" panose="02020400000000000000" pitchFamily="18" charset="-122"/>
+              </a:rPr>
+              <a:t>CDN</a:t>
+            </a:r>
             <a:r>
               <a:rPr lang="zh-CN" altLang="en-US" dirty="0" smtClean="0">
                 <a:latin typeface="Adobe 楷体 Std R" panose="02020400000000000000" pitchFamily="18" charset="-122"/>
                 <a:ea typeface="Adobe 楷体 Std R" panose="02020400000000000000" pitchFamily="18" charset="-122"/>
               </a:rPr>
-              <a:t>感觉不了解的信息太多了</a:t>
-            </a:r>
-            <a:endParaRPr lang="en-US" altLang="zh-CN" dirty="0" smtClean="0">
+              <a:t>缓存页面</a:t>
+            </a:r>
+            <a:endParaRPr lang="zh-CN" altLang="en-US" dirty="0">
               <a:latin typeface="Adobe 楷体 Std R" panose="02020400000000000000" pitchFamily="18" charset="-122"/>
               <a:ea typeface="Adobe 楷体 Std R" panose="02020400000000000000" pitchFamily="18" charset="-122"/>
             </a:endParaRPr>
           </a:p>
-          <a:p>
-            <a:r>
-              <a:rPr lang="zh-CN" altLang="en-US" dirty="0" smtClean="0">
-                <a:latin typeface="Adobe 楷体 Std R" panose="02020400000000000000" pitchFamily="18" charset="-122"/>
-                <a:ea typeface="Adobe 楷体 Std R" panose="02020400000000000000" pitchFamily="18" charset="-122"/>
-              </a:rPr>
-              <a:t>需要进一步探究</a:t>
-            </a:r>
-            <a:endParaRPr lang="en-US" altLang="zh-CN" dirty="0" smtClean="0">
-              <a:latin typeface="Adobe 楷体 Std R" panose="02020400000000000000" pitchFamily="18" charset="-122"/>
-              <a:ea typeface="Adobe 楷体 Std R" panose="02020400000000000000" pitchFamily="18" charset="-122"/>
-            </a:endParaRPr>
-          </a:p>
         </p:txBody>
       </p:sp>
+      <p:grpSp>
+        <p:nvGrpSpPr>
+          <p:cNvPr id="4" name="组合 3"/>
+          <p:cNvGrpSpPr/>
+          <p:nvPr/>
+        </p:nvGrpSpPr>
+        <p:grpSpPr>
+          <a:xfrm>
+            <a:off x="5508102" y="4005064"/>
+            <a:ext cx="2648727" cy="2320423"/>
+            <a:chOff x="5076054" y="3356992"/>
+            <a:chExt cx="2648727" cy="2320423"/>
+          </a:xfrm>
+        </p:grpSpPr>
+        <p:grpSp>
+          <p:nvGrpSpPr>
+            <p:cNvPr id="5" name="组合 4"/>
+            <p:cNvGrpSpPr/>
+            <p:nvPr/>
+          </p:nvGrpSpPr>
+          <p:grpSpPr>
+            <a:xfrm>
+              <a:off x="5076054" y="3356992"/>
+              <a:ext cx="2648727" cy="780360"/>
+              <a:chOff x="2924281" y="2632766"/>
+              <a:chExt cx="2763609" cy="1009548"/>
+            </a:xfrm>
+          </p:grpSpPr>
+          <p:pic>
+            <p:nvPicPr>
+              <p:cNvPr id="10" name="Picture 6" descr="https://bkimg.cdn.bcebos.com/pic/cb8065380cd791232b140067a0345982b2b78029?x-bce-process=image/watermark,g_7,image_d2F0ZXIvYmFpa2UxNTA=,xp_5,yp_5"/>
+              <p:cNvPicPr>
+                <a:picLocks noChangeAspect="1" noChangeArrowheads="1"/>
+              </p:cNvPicPr>
+              <p:nvPr/>
+            </p:nvPicPr>
+            <p:blipFill>
+              <a:blip r:embed="rId2" cstate="print">
+                <a:extLst>
+                  <a:ext uri="{28A0092B-C50C-407E-A947-70E740481C1C}">
+                    <a14:useLocalDpi xmlns:a14="http://schemas.microsoft.com/office/drawing/2010/main" val="0"/>
+                  </a:ext>
+                </a:extLst>
+              </a:blip>
+              <a:srcRect/>
+              <a:stretch>
+                <a:fillRect/>
+              </a:stretch>
+            </p:blipFill>
+            <p:spPr bwMode="auto">
+              <a:xfrm flipH="1">
+                <a:off x="2924281" y="2759568"/>
+                <a:ext cx="601050" cy="711606"/>
+              </a:xfrm>
+              <a:prstGeom prst="rect">
+                <a:avLst/>
+              </a:prstGeom>
+              <a:noFill/>
+              <a:extLst>
+                <a:ext uri="{909E8E84-426E-40DD-AFC4-6F175D3DCCD1}">
+                  <a14:hiddenFill xmlns:a14="http://schemas.microsoft.com/office/drawing/2010/main">
+                    <a:solidFill>
+                      <a:srgbClr val="FFFFFF"/>
+                    </a:solidFill>
+                  </a14:hiddenFill>
+                </a:ext>
+              </a:extLst>
+            </p:spPr>
+          </p:pic>
+          <p:pic>
+            <p:nvPicPr>
+              <p:cNvPr id="11" name="图片 10"/>
+              <p:cNvPicPr>
+                <a:picLocks noChangeAspect="1"/>
+              </p:cNvPicPr>
+              <p:nvPr/>
+            </p:nvPicPr>
+            <p:blipFill>
+              <a:blip r:embed="rId3"/>
+              <a:stretch>
+                <a:fillRect/>
+              </a:stretch>
+            </p:blipFill>
+            <p:spPr>
+              <a:xfrm>
+                <a:off x="4409066" y="2632766"/>
+                <a:ext cx="1278824" cy="1009548"/>
+              </a:xfrm>
+              <a:prstGeom prst="rect">
+                <a:avLst/>
+              </a:prstGeom>
+            </p:spPr>
+          </p:pic>
+        </p:grpSp>
+        <p:cxnSp>
+          <p:nvCxnSpPr>
+            <p:cNvPr id="6" name="曲线连接符 5"/>
+            <p:cNvCxnSpPr>
+              <a:stCxn id="10" idx="1"/>
+              <a:endCxn id="11" idx="0"/>
+            </p:cNvCxnSpPr>
+            <p:nvPr/>
+          </p:nvCxnSpPr>
+          <p:spPr>
+            <a:xfrm flipV="1">
+              <a:off x="5652119" y="3356992"/>
+              <a:ext cx="1459830" cy="373044"/>
+            </a:xfrm>
+            <a:prstGeom prst="curvedConnector4">
+              <a:avLst>
+                <a:gd name="adj1" fmla="val 29010"/>
+                <a:gd name="adj2" fmla="val 161280"/>
+              </a:avLst>
+            </a:prstGeom>
+            <a:ln>
+              <a:tailEnd type="triangle"/>
+            </a:ln>
+          </p:spPr>
+          <p:style>
+            <a:lnRef idx="3">
+              <a:schemeClr val="dk1"/>
+            </a:lnRef>
+            <a:fillRef idx="0">
+              <a:schemeClr val="dk1"/>
+            </a:fillRef>
+            <a:effectRef idx="2">
+              <a:schemeClr val="dk1"/>
+            </a:effectRef>
+            <a:fontRef idx="minor">
+              <a:schemeClr val="tx1"/>
+            </a:fontRef>
+          </p:style>
+        </p:cxnSp>
+        <p:pic>
+          <p:nvPicPr>
+            <p:cNvPr id="7" name="图片 6"/>
+            <p:cNvPicPr>
+              <a:picLocks noChangeAspect="1"/>
+            </p:cNvPicPr>
+            <p:nvPr/>
+          </p:nvPicPr>
+          <p:blipFill>
+            <a:blip r:embed="rId4"/>
+            <a:stretch>
+              <a:fillRect/>
+            </a:stretch>
+          </p:blipFill>
+          <p:spPr>
+            <a:xfrm>
+              <a:off x="5728940" y="4927193"/>
+              <a:ext cx="878734" cy="750222"/>
+            </a:xfrm>
+            <a:prstGeom prst="rect">
+              <a:avLst/>
+            </a:prstGeom>
+          </p:spPr>
+        </p:pic>
+        <p:cxnSp>
+          <p:nvCxnSpPr>
+            <p:cNvPr id="8" name="曲线连接符 7"/>
+            <p:cNvCxnSpPr>
+              <a:stCxn id="11" idx="1"/>
+              <a:endCxn id="10" idx="2"/>
+            </p:cNvCxnSpPr>
+            <p:nvPr/>
+          </p:nvCxnSpPr>
+          <p:spPr>
+            <a:xfrm rot="10800000" flipV="1">
+              <a:off x="5364087" y="3747172"/>
+              <a:ext cx="1135031" cy="257892"/>
+            </a:xfrm>
+            <a:prstGeom prst="curvedConnector4">
+              <a:avLst>
+                <a:gd name="adj1" fmla="val 37312"/>
+                <a:gd name="adj2" fmla="val 239938"/>
+              </a:avLst>
+            </a:prstGeom>
+            <a:ln>
+              <a:tailEnd type="triangle"/>
+            </a:ln>
+          </p:spPr>
+          <p:style>
+            <a:lnRef idx="3">
+              <a:schemeClr val="accent4"/>
+            </a:lnRef>
+            <a:fillRef idx="0">
+              <a:schemeClr val="accent4"/>
+            </a:fillRef>
+            <a:effectRef idx="2">
+              <a:schemeClr val="accent4"/>
+            </a:effectRef>
+            <a:fontRef idx="minor">
+              <a:schemeClr val="tx1"/>
+            </a:fontRef>
+          </p:style>
+        </p:cxnSp>
+        <p:cxnSp>
+          <p:nvCxnSpPr>
+            <p:cNvPr id="9" name="曲线连接符 8"/>
+            <p:cNvCxnSpPr>
+              <a:stCxn id="7" idx="3"/>
+              <a:endCxn id="11" idx="3"/>
+            </p:cNvCxnSpPr>
+            <p:nvPr/>
+          </p:nvCxnSpPr>
+          <p:spPr>
+            <a:xfrm flipV="1">
+              <a:off x="6607674" y="3747172"/>
+              <a:ext cx="1117107" cy="1555132"/>
+            </a:xfrm>
+            <a:prstGeom prst="curvedConnector3">
+              <a:avLst>
+                <a:gd name="adj1" fmla="val 120464"/>
+              </a:avLst>
+            </a:prstGeom>
+            <a:ln>
+              <a:headEnd type="triangle"/>
+              <a:tailEnd type="triangle"/>
+            </a:ln>
+          </p:spPr>
+          <p:style>
+            <a:lnRef idx="3">
+              <a:schemeClr val="accent3"/>
+            </a:lnRef>
+            <a:fillRef idx="0">
+              <a:schemeClr val="accent3"/>
+            </a:fillRef>
+            <a:effectRef idx="2">
+              <a:schemeClr val="accent3"/>
+            </a:effectRef>
+            <a:fontRef idx="minor">
+              <a:schemeClr val="tx1"/>
+            </a:fontRef>
+          </p:style>
+        </p:cxnSp>
+      </p:grpSp>
     </p:spTree>
     <p:extLst>
       <p:ext uri="{BB962C8B-B14F-4D97-AF65-F5344CB8AC3E}">
-        <p14:creationId xmlns:p14="http://schemas.microsoft.com/office/powerpoint/2010/main" val="39484921"/>
+        <p14:creationId xmlns:p14="http://schemas.microsoft.com/office/powerpoint/2010/main" val="596057407"/>
       </p:ext>
     </p:extLst>
   </p:cSld>
   <p:clrMapOvr>
     <a:masterClrMapping/>
   </p:clrMapOvr>
-</p:sld>
-</file>
-
-<file path=ppt/slides/slide37.xml><?xml version="1.0" encoding="utf-8"?>
-<p:sld xmlns:a="http://schemas.openxmlformats.org/drawingml/2006/main" xmlns:r="http://schemas.openxmlformats.org/officeDocument/2006/relationships" xmlns:p="http://schemas.openxmlformats.org/presentationml/2006/main">
-  <p:cSld>
-    <p:spTree>
-      <p:nvGrpSpPr>
-        <p:cNvPr id="1" name=""/>
-        <p:cNvGrpSpPr/>
-        <p:nvPr/>
-      </p:nvGrpSpPr>
-      <p:grpSpPr>
-        <a:xfrm>
-          <a:off x="0" y="0"/>
-          <a:ext cx="0" cy="0"/>
-          <a:chOff x="0" y="0"/>
-          <a:chExt cx="0" cy="0"/>
-        </a:xfrm>
-      </p:grpSpPr>
-      <p:sp>
-        <p:nvSpPr>
-          <p:cNvPr id="2" name="标题 1"/>
-          <p:cNvSpPr>
-            <a:spLocks noGrp="1"/>
-          </p:cNvSpPr>
-          <p:nvPr>
-            <p:ph type="title"/>
-          </p:nvPr>
-        </p:nvSpPr>
-        <p:spPr/>
-        <p:txBody>
-          <a:bodyPr/>
-          <a:lstStyle/>
-          <a:p>
-            <a:r>
-              <a:rPr lang="zh-CN" altLang="en-US" dirty="0" smtClean="0">
-                <a:latin typeface="Adobe 黑体 Std R" panose="020B0400000000000000" pitchFamily="34" charset="-122"/>
-                <a:ea typeface="Adobe 黑体 Std R" panose="020B0400000000000000" pitchFamily="34" charset="-122"/>
-              </a:rPr>
-              <a:t>作业</a:t>
-            </a:r>
-            <a:endParaRPr lang="zh-CN" altLang="en-US" dirty="0">
-              <a:latin typeface="Adobe 黑体 Std R" panose="020B0400000000000000" pitchFamily="34" charset="-122"/>
-              <a:ea typeface="Adobe 黑体 Std R" panose="020B0400000000000000" pitchFamily="34" charset="-122"/>
-            </a:endParaRPr>
-          </a:p>
-        </p:txBody>
-      </p:sp>
-      <p:sp>
-        <p:nvSpPr>
-          <p:cNvPr id="3" name="内容占位符 2"/>
-          <p:cNvSpPr>
-            <a:spLocks noGrp="1"/>
-          </p:cNvSpPr>
-          <p:nvPr>
-            <p:ph idx="1"/>
-          </p:nvPr>
-        </p:nvSpPr>
-        <p:spPr/>
-        <p:txBody>
-          <a:bodyPr/>
-          <a:lstStyle/>
-          <a:p>
-            <a:r>
-              <a:rPr lang="zh-CN" altLang="en-US" dirty="0" smtClean="0">
-                <a:latin typeface="Adobe 楷体 Std R" panose="02020400000000000000" pitchFamily="18" charset="-122"/>
-                <a:ea typeface="Adobe 楷体 Std R" panose="02020400000000000000" pitchFamily="18" charset="-122"/>
-              </a:rPr>
-              <a:t>在简单的</a:t>
-            </a:r>
-            <a:r>
-              <a:rPr lang="en-US" altLang="zh-CN" dirty="0" smtClean="0">
-                <a:latin typeface="Adobe 楷体 Std R" panose="02020400000000000000" pitchFamily="18" charset="-122"/>
-                <a:ea typeface="Adobe 楷体 Std R" panose="02020400000000000000" pitchFamily="18" charset="-122"/>
-              </a:rPr>
-              <a:t>Web</a:t>
-            </a:r>
-            <a:r>
-              <a:rPr lang="zh-CN" altLang="en-US" dirty="0" smtClean="0">
-                <a:latin typeface="Adobe 楷体 Std R" panose="02020400000000000000" pitchFamily="18" charset="-122"/>
-                <a:ea typeface="Adobe 楷体 Std R" panose="02020400000000000000" pitchFamily="18" charset="-122"/>
-              </a:rPr>
-              <a:t>框架基础上逐步丰富功能</a:t>
-            </a:r>
-            <a:endParaRPr lang="en-US" altLang="zh-CN" dirty="0" smtClean="0">
-              <a:latin typeface="Adobe 楷体 Std R" panose="02020400000000000000" pitchFamily="18" charset="-122"/>
-              <a:ea typeface="Adobe 楷体 Std R" panose="02020400000000000000" pitchFamily="18" charset="-122"/>
-            </a:endParaRPr>
-          </a:p>
-          <a:p>
-            <a:r>
-              <a:rPr lang="zh-CN" altLang="en-US" dirty="0" smtClean="0">
-                <a:latin typeface="Adobe 楷体 Std R" panose="02020400000000000000" pitchFamily="18" charset="-122"/>
-                <a:ea typeface="Adobe 楷体 Std R" panose="02020400000000000000" pitchFamily="18" charset="-122"/>
-              </a:rPr>
-              <a:t>实现注册</a:t>
-            </a:r>
-            <a:r>
-              <a:rPr lang="en-US" altLang="zh-CN" dirty="0" smtClean="0">
-                <a:latin typeface="Adobe 楷体 Std R" panose="02020400000000000000" pitchFamily="18" charset="-122"/>
-                <a:ea typeface="Adobe 楷体 Std R" panose="02020400000000000000" pitchFamily="18" charset="-122"/>
-              </a:rPr>
-              <a:t>/</a:t>
-            </a:r>
-            <a:r>
-              <a:rPr lang="zh-CN" altLang="en-US" dirty="0" smtClean="0">
-                <a:latin typeface="Adobe 楷体 Std R" panose="02020400000000000000" pitchFamily="18" charset="-122"/>
-                <a:ea typeface="Adobe 楷体 Std R" panose="02020400000000000000" pitchFamily="18" charset="-122"/>
-              </a:rPr>
-              <a:t>登录</a:t>
-            </a:r>
-            <a:r>
-              <a:rPr lang="en-US" altLang="zh-CN" dirty="0" smtClean="0">
-                <a:latin typeface="Adobe 楷体 Std R" panose="02020400000000000000" pitchFamily="18" charset="-122"/>
-                <a:ea typeface="Adobe 楷体 Std R" panose="02020400000000000000" pitchFamily="18" charset="-122"/>
-              </a:rPr>
-              <a:t>/</a:t>
-            </a:r>
-            <a:r>
-              <a:rPr lang="zh-CN" altLang="en-US" dirty="0" smtClean="0">
-                <a:latin typeface="Adobe 楷体 Std R" panose="02020400000000000000" pitchFamily="18" charset="-122"/>
-                <a:ea typeface="Adobe 楷体 Std R" panose="02020400000000000000" pitchFamily="18" charset="-122"/>
-              </a:rPr>
-              <a:t>修改密码功能</a:t>
-            </a:r>
-            <a:endParaRPr lang="en-US" altLang="zh-CN" dirty="0" smtClean="0">
-              <a:latin typeface="Adobe 楷体 Std R" panose="02020400000000000000" pitchFamily="18" charset="-122"/>
-              <a:ea typeface="Adobe 楷体 Std R" panose="02020400000000000000" pitchFamily="18" charset="-122"/>
-            </a:endParaRPr>
-          </a:p>
-          <a:p>
-            <a:r>
-              <a:rPr lang="zh-CN" altLang="en-US" dirty="0" smtClean="0">
-                <a:latin typeface="Adobe 楷体 Std R" panose="02020400000000000000" pitchFamily="18" charset="-122"/>
-                <a:ea typeface="Adobe 楷体 Std R" panose="02020400000000000000" pitchFamily="18" charset="-122"/>
-              </a:rPr>
-              <a:t>能够独立运行</a:t>
-            </a:r>
-            <a:endParaRPr lang="en-US" altLang="zh-CN" dirty="0" smtClean="0">
-              <a:latin typeface="Adobe 楷体 Std R" panose="02020400000000000000" pitchFamily="18" charset="-122"/>
-              <a:ea typeface="Adobe 楷体 Std R" panose="02020400000000000000" pitchFamily="18" charset="-122"/>
-            </a:endParaRPr>
-          </a:p>
-          <a:p>
-            <a:r>
-              <a:rPr lang="zh-CN" altLang="en-US" dirty="0" smtClean="0">
-                <a:latin typeface="Adobe 楷体 Std R" panose="02020400000000000000" pitchFamily="18" charset="-122"/>
-                <a:ea typeface="Adobe 楷体 Std R" panose="02020400000000000000" pitchFamily="18" charset="-122"/>
-              </a:rPr>
-              <a:t>提供代码和相应的设计和测试文档</a:t>
-            </a:r>
-            <a:endParaRPr lang="en-US" altLang="zh-CN" dirty="0" smtClean="0">
-              <a:latin typeface="Adobe 楷体 Std R" panose="02020400000000000000" pitchFamily="18" charset="-122"/>
-              <a:ea typeface="Adobe 楷体 Std R" panose="02020400000000000000" pitchFamily="18" charset="-122"/>
-            </a:endParaRPr>
-          </a:p>
-          <a:p>
-            <a:endParaRPr lang="zh-CN" altLang="en-US" dirty="0"/>
-          </a:p>
-        </p:txBody>
-      </p:sp>
-    </p:spTree>
-    <p:extLst>
-      <p:ext uri="{BB962C8B-B14F-4D97-AF65-F5344CB8AC3E}">
-        <p14:creationId xmlns:p14="http://schemas.microsoft.com/office/powerpoint/2010/main" val="1644677142"/>
-      </p:ext>
-    </p:extLst>
-  </p:cSld>
-  <p:clrMapOvr>
-    <a:masterClrMapping/>
-  </p:clrMapOvr>
-</p:sld>
-</file>
-
-<file path=ppt/slides/slide38.xml><?xml version="1.0" encoding="utf-8"?>
-<p:sld xmlns:a="http://schemas.openxmlformats.org/drawingml/2006/main" xmlns:r="http://schemas.openxmlformats.org/officeDocument/2006/relationships" xmlns:p="http://schemas.openxmlformats.org/presentationml/2006/main">
-  <p:cSld>
-    <p:spTree>
-      <p:nvGrpSpPr>
-        <p:cNvPr id="1" name=""/>
-        <p:cNvGrpSpPr/>
-        <p:nvPr/>
-      </p:nvGrpSpPr>
-      <p:grpSpPr>
-        <a:xfrm>
-          <a:off x="0" y="0"/>
-          <a:ext cx="0" cy="0"/>
-          <a:chOff x="0" y="0"/>
-          <a:chExt cx="0" cy="0"/>
-        </a:xfrm>
-      </p:grpSpPr>
-      <p:sp>
-        <p:nvSpPr>
-          <p:cNvPr id="4" name="标题 1">
-            <a:extLst>
-              <a:ext uri="{FF2B5EF4-FFF2-40B4-BE49-F238E27FC236}">
-                <a16:creationId xmlns:a16="http://schemas.microsoft.com/office/drawing/2014/main" id="{26B955D9-005A-428C-8CA4-0EF4096A476A}"/>
-              </a:ext>
-            </a:extLst>
-          </p:cNvPr>
-          <p:cNvSpPr>
-            <a:spLocks noGrp="1"/>
-          </p:cNvSpPr>
-          <p:nvPr>
-            <p:ph type="title" idx="4294967295"/>
-          </p:nvPr>
-        </p:nvSpPr>
-        <p:spPr>
-          <a:xfrm>
-            <a:off x="628650" y="2996952"/>
-            <a:ext cx="7886700" cy="993775"/>
-          </a:xfrm>
-        </p:spPr>
-        <p:txBody>
-          <a:bodyPr/>
-          <a:lstStyle/>
-          <a:p>
-            <a:pPr algn="ctr"/>
-            <a:r>
-              <a:rPr lang="en-US" altLang="zh-CN" b="1" dirty="0">
-                <a:latin typeface="Adobe 黑体 Std R" panose="020B0400000000000000" pitchFamily="34" charset="-122"/>
-                <a:ea typeface="Adobe 黑体 Std R" panose="020B0400000000000000" pitchFamily="34" charset="-122"/>
-              </a:rPr>
-              <a:t>Q&amp;A</a:t>
-            </a:r>
-            <a:endParaRPr lang="zh-CN" altLang="en-US" b="1" dirty="0"/>
-          </a:p>
-        </p:txBody>
-      </p:sp>
-    </p:spTree>
-    <p:extLst>
-      <p:ext uri="{BB962C8B-B14F-4D97-AF65-F5344CB8AC3E}">
-        <p14:creationId xmlns:p14="http://schemas.microsoft.com/office/powerpoint/2010/main" val="3318477899"/>
-      </p:ext>
-    </p:extLst>
-  </p:cSld>
-  <p:clrMapOvr>
-    <a:masterClrMapping/>
-  </p:clrMapOvr>
-  <mc:AlternateContent xmlns:mc="http://schemas.openxmlformats.org/markup-compatibility/2006" xmlns:p14="http://schemas.microsoft.com/office/powerpoint/2010/main">
-    <mc:Choice Requires="p14">
-      <p:transition spd="slow" p14:dur="999"/>
-    </mc:Choice>
-    <mc:Fallback xmlns="">
-      <p:transition spd="slow"/>
-    </mc:Fallback>
-  </mc:AlternateContent>
   <p:timing>
     <p:tnLst>
       <p:par>
-        <p:cTn id="1" dur="indefinite" restart="never" nodeType="tmRoot"/>
+        <p:cTn id="1" dur="indefinite" restart="never" nodeType="tmRoot">
+          <p:childTnLst>
+            <p:seq concurrent="1" nextAc="seek">
+              <p:cTn id="2" dur="indefinite" nodeType="mainSeq">
+                <p:childTnLst>
+                  <p:par>
+                    <p:cTn id="3" fill="hold">
+                      <p:stCondLst>
+                        <p:cond delay="indefinite"/>
+                      </p:stCondLst>
+                      <p:childTnLst>
+                        <p:par>
+                          <p:cTn id="4" fill="hold">
+                            <p:stCondLst>
+                              <p:cond delay="0"/>
+                            </p:stCondLst>
+                            <p:childTnLst>
+                              <p:par>
+                                <p:cTn id="5" presetID="10" presetClass="entr" presetSubtype="0" fill="hold" nodeType="clickEffect">
+                                  <p:stCondLst>
+                                    <p:cond delay="0"/>
+                                  </p:stCondLst>
+                                  <p:childTnLst>
+                                    <p:set>
+                                      <p:cBhvr>
+                                        <p:cTn id="6" dur="1" fill="hold">
+                                          <p:stCondLst>
+                                            <p:cond delay="0"/>
+                                          </p:stCondLst>
+                                        </p:cTn>
+                                        <p:tgtEl>
+                                          <p:spTgt spid="4"/>
+                                        </p:tgtEl>
+                                        <p:attrNameLst>
+                                          <p:attrName>style.visibility</p:attrName>
+                                        </p:attrNameLst>
+                                      </p:cBhvr>
+                                      <p:to>
+                                        <p:strVal val="visible"/>
+                                      </p:to>
+                                    </p:set>
+                                    <p:animEffect transition="in" filter="fade">
+                                      <p:cBhvr>
+                                        <p:cTn id="7" dur="500"/>
+                                        <p:tgtEl>
+                                          <p:spTgt spid="4"/>
+                                        </p:tgtEl>
+                                      </p:cBhvr>
+                                    </p:animEffect>
+                                  </p:childTnLst>
+                                </p:cTn>
+                              </p:par>
+                            </p:childTnLst>
+                          </p:cTn>
+                        </p:par>
+                      </p:childTnLst>
+                    </p:cTn>
+                  </p:par>
+                </p:childTnLst>
+              </p:cTn>
+              <p:prevCondLst>
+                <p:cond evt="onPrev" delay="0">
+                  <p:tgtEl>
+                    <p:sldTgt/>
+                  </p:tgtEl>
+                </p:cond>
+              </p:prevCondLst>
+              <p:nextCondLst>
+                <p:cond evt="onNext" delay="0">
+                  <p:tgtEl>
+                    <p:sldTgt/>
+                  </p:tgtEl>
+                </p:cond>
+              </p:nextCondLst>
+            </p:seq>
+          </p:childTnLst>
+        </p:cTn>
       </p:par>
     </p:tnLst>
   </p:timing>
@@ -20871,6 +23643,423 @@
   <p:clrMapOvr>
     <a:masterClrMapping/>
   </p:clrMapOvr>
+  <p:timing>
+    <p:tnLst>
+      <p:par>
+        <p:cTn id="1" dur="indefinite" restart="never" nodeType="tmRoot"/>
+      </p:par>
+    </p:tnLst>
+  </p:timing>
+</p:sld>
+</file>
+
+<file path=ppt/slides/slide40.xml><?xml version="1.0" encoding="utf-8"?>
+<p:sld xmlns:a="http://schemas.openxmlformats.org/drawingml/2006/main" xmlns:r="http://schemas.openxmlformats.org/officeDocument/2006/relationships" xmlns:p="http://schemas.openxmlformats.org/presentationml/2006/main">
+  <p:cSld>
+    <p:spTree>
+      <p:nvGrpSpPr>
+        <p:cNvPr id="1" name=""/>
+        <p:cNvGrpSpPr/>
+        <p:nvPr/>
+      </p:nvGrpSpPr>
+      <p:grpSpPr>
+        <a:xfrm>
+          <a:off x="0" y="0"/>
+          <a:ext cx="0" cy="0"/>
+          <a:chOff x="0" y="0"/>
+          <a:chExt cx="0" cy="0"/>
+        </a:xfrm>
+      </p:grpSpPr>
+      <p:sp>
+        <p:nvSpPr>
+          <p:cNvPr id="2" name="标题 1"/>
+          <p:cNvSpPr>
+            <a:spLocks noGrp="1"/>
+          </p:cNvSpPr>
+          <p:nvPr>
+            <p:ph type="title"/>
+          </p:nvPr>
+        </p:nvSpPr>
+        <p:spPr/>
+        <p:txBody>
+          <a:bodyPr/>
+          <a:lstStyle/>
+          <a:p>
+            <a:r>
+              <a:rPr lang="zh-CN" altLang="en-US" dirty="0" smtClean="0">
+                <a:latin typeface="Adobe 黑体 Std R" panose="020B0400000000000000" pitchFamily="34" charset="-122"/>
+                <a:ea typeface="Adobe 黑体 Std R" panose="020B0400000000000000" pitchFamily="34" charset="-122"/>
+              </a:rPr>
+              <a:t>总结</a:t>
+            </a:r>
+            <a:endParaRPr lang="zh-CN" altLang="en-US" dirty="0">
+              <a:latin typeface="Adobe 黑体 Std R" panose="020B0400000000000000" pitchFamily="34" charset="-122"/>
+              <a:ea typeface="Adobe 黑体 Std R" panose="020B0400000000000000" pitchFamily="34" charset="-122"/>
+            </a:endParaRPr>
+          </a:p>
+        </p:txBody>
+      </p:sp>
+      <p:sp>
+        <p:nvSpPr>
+          <p:cNvPr id="3" name="内容占位符 2"/>
+          <p:cNvSpPr>
+            <a:spLocks noGrp="1"/>
+          </p:cNvSpPr>
+          <p:nvPr>
+            <p:ph idx="1"/>
+          </p:nvPr>
+        </p:nvSpPr>
+        <p:spPr/>
+        <p:txBody>
+          <a:bodyPr/>
+          <a:lstStyle/>
+          <a:p>
+            <a:r>
+              <a:rPr lang="zh-CN" altLang="en-US" dirty="0" smtClean="0">
+                <a:latin typeface="Adobe 楷体 Std R" panose="02020400000000000000" pitchFamily="18" charset="-122"/>
+                <a:ea typeface="Adobe 楷体 Std R" panose="02020400000000000000" pitchFamily="18" charset="-122"/>
+              </a:rPr>
+              <a:t>做个网站感觉也不是很难</a:t>
+            </a:r>
+            <a:r>
+              <a:rPr lang="en-US" altLang="zh-CN" dirty="0" smtClean="0">
+                <a:latin typeface="Adobe 楷体 Std R" panose="02020400000000000000" pitchFamily="18" charset="-122"/>
+                <a:ea typeface="Adobe 楷体 Std R" panose="02020400000000000000" pitchFamily="18" charset="-122"/>
+                <a:sym typeface="Wingdings" panose="05000000000000000000" pitchFamily="2" charset="2"/>
+              </a:rPr>
+              <a:t></a:t>
+            </a:r>
+            <a:endParaRPr lang="en-US" altLang="zh-CN" dirty="0" smtClean="0">
+              <a:latin typeface="Adobe 楷体 Std R" panose="02020400000000000000" pitchFamily="18" charset="-122"/>
+              <a:ea typeface="Adobe 楷体 Std R" panose="02020400000000000000" pitchFamily="18" charset="-122"/>
+            </a:endParaRPr>
+          </a:p>
+          <a:p>
+            <a:r>
+              <a:rPr lang="zh-CN" altLang="en-US" dirty="0" smtClean="0">
+                <a:latin typeface="Adobe 楷体 Std R" panose="02020400000000000000" pitchFamily="18" charset="-122"/>
+                <a:ea typeface="Adobe 楷体 Std R" panose="02020400000000000000" pitchFamily="18" charset="-122"/>
+              </a:rPr>
+              <a:t>很多事不用自己做</a:t>
+            </a:r>
+            <a:endParaRPr lang="en-US" altLang="zh-CN" dirty="0" smtClean="0">
+              <a:latin typeface="Adobe 楷体 Std R" panose="02020400000000000000" pitchFamily="18" charset="-122"/>
+              <a:ea typeface="Adobe 楷体 Std R" panose="02020400000000000000" pitchFamily="18" charset="-122"/>
+            </a:endParaRPr>
+          </a:p>
+          <a:p>
+            <a:r>
+              <a:rPr lang="zh-CN" altLang="en-US" dirty="0" smtClean="0">
+                <a:latin typeface="Adobe 楷体 Std R" panose="02020400000000000000" pitchFamily="18" charset="-122"/>
+                <a:ea typeface="Adobe 楷体 Std R" panose="02020400000000000000" pitchFamily="18" charset="-122"/>
+              </a:rPr>
+              <a:t>把学过的知识点串起来了一些</a:t>
+            </a:r>
+            <a:endParaRPr lang="en-US" altLang="zh-CN" dirty="0" smtClean="0">
+              <a:latin typeface="Adobe 楷体 Std R" panose="02020400000000000000" pitchFamily="18" charset="-122"/>
+              <a:ea typeface="Adobe 楷体 Std R" panose="02020400000000000000" pitchFamily="18" charset="-122"/>
+            </a:endParaRPr>
+          </a:p>
+          <a:p>
+            <a:r>
+              <a:rPr lang="zh-CN" altLang="en-US" dirty="0" smtClean="0">
+                <a:latin typeface="Adobe 楷体 Std R" panose="02020400000000000000" pitchFamily="18" charset="-122"/>
+                <a:ea typeface="Adobe 楷体 Std R" panose="02020400000000000000" pitchFamily="18" charset="-122"/>
+              </a:rPr>
+              <a:t>感觉不了解的信息太多了</a:t>
+            </a:r>
+            <a:endParaRPr lang="en-US" altLang="zh-CN" dirty="0" smtClean="0">
+              <a:latin typeface="Adobe 楷体 Std R" panose="02020400000000000000" pitchFamily="18" charset="-122"/>
+              <a:ea typeface="Adobe 楷体 Std R" panose="02020400000000000000" pitchFamily="18" charset="-122"/>
+            </a:endParaRPr>
+          </a:p>
+          <a:p>
+            <a:r>
+              <a:rPr lang="zh-CN" altLang="en-US" dirty="0" smtClean="0">
+                <a:latin typeface="Adobe 楷体 Std R" panose="02020400000000000000" pitchFamily="18" charset="-122"/>
+                <a:ea typeface="Adobe 楷体 Std R" panose="02020400000000000000" pitchFamily="18" charset="-122"/>
+              </a:rPr>
+              <a:t>需要进一步探究</a:t>
+            </a:r>
+            <a:endParaRPr lang="en-US" altLang="zh-CN" dirty="0" smtClean="0">
+              <a:latin typeface="Adobe 楷体 Std R" panose="02020400000000000000" pitchFamily="18" charset="-122"/>
+              <a:ea typeface="Adobe 楷体 Std R" panose="02020400000000000000" pitchFamily="18" charset="-122"/>
+            </a:endParaRPr>
+          </a:p>
+        </p:txBody>
+      </p:sp>
+    </p:spTree>
+    <p:extLst>
+      <p:ext uri="{BB962C8B-B14F-4D97-AF65-F5344CB8AC3E}">
+        <p14:creationId xmlns:p14="http://schemas.microsoft.com/office/powerpoint/2010/main" val="39484921"/>
+      </p:ext>
+    </p:extLst>
+  </p:cSld>
+  <p:clrMapOvr>
+    <a:masterClrMapping/>
+  </p:clrMapOvr>
+  <p:timing>
+    <p:tnLst>
+      <p:par>
+        <p:cTn id="1" dur="indefinite" restart="never" nodeType="tmRoot"/>
+      </p:par>
+    </p:tnLst>
+  </p:timing>
+</p:sld>
+</file>
+
+<file path=ppt/slides/slide41.xml><?xml version="1.0" encoding="utf-8"?>
+<p:sld xmlns:a="http://schemas.openxmlformats.org/drawingml/2006/main" xmlns:r="http://schemas.openxmlformats.org/officeDocument/2006/relationships" xmlns:p="http://schemas.openxmlformats.org/presentationml/2006/main">
+  <p:cSld>
+    <p:spTree>
+      <p:nvGrpSpPr>
+        <p:cNvPr id="1" name=""/>
+        <p:cNvGrpSpPr/>
+        <p:nvPr/>
+      </p:nvGrpSpPr>
+      <p:grpSpPr>
+        <a:xfrm>
+          <a:off x="0" y="0"/>
+          <a:ext cx="0" cy="0"/>
+          <a:chOff x="0" y="0"/>
+          <a:chExt cx="0" cy="0"/>
+        </a:xfrm>
+      </p:grpSpPr>
+      <p:sp>
+        <p:nvSpPr>
+          <p:cNvPr id="2" name="标题 1"/>
+          <p:cNvSpPr>
+            <a:spLocks noGrp="1"/>
+          </p:cNvSpPr>
+          <p:nvPr>
+            <p:ph type="title"/>
+          </p:nvPr>
+        </p:nvSpPr>
+        <p:spPr/>
+        <p:txBody>
+          <a:bodyPr/>
+          <a:lstStyle/>
+          <a:p>
+            <a:r>
+              <a:rPr lang="zh-CN" altLang="en-US" dirty="0" smtClean="0">
+                <a:latin typeface="Adobe 黑体 Std R" panose="020B0400000000000000" pitchFamily="34" charset="-122"/>
+                <a:ea typeface="Adobe 黑体 Std R" panose="020B0400000000000000" pitchFamily="34" charset="-122"/>
+              </a:rPr>
+              <a:t>作业</a:t>
+            </a:r>
+            <a:endParaRPr lang="zh-CN" altLang="en-US" dirty="0">
+              <a:latin typeface="Adobe 黑体 Std R" panose="020B0400000000000000" pitchFamily="34" charset="-122"/>
+              <a:ea typeface="Adobe 黑体 Std R" panose="020B0400000000000000" pitchFamily="34" charset="-122"/>
+            </a:endParaRPr>
+          </a:p>
+        </p:txBody>
+      </p:sp>
+      <p:sp>
+        <p:nvSpPr>
+          <p:cNvPr id="3" name="内容占位符 2"/>
+          <p:cNvSpPr>
+            <a:spLocks noGrp="1"/>
+          </p:cNvSpPr>
+          <p:nvPr>
+            <p:ph idx="1"/>
+          </p:nvPr>
+        </p:nvSpPr>
+        <p:spPr/>
+        <p:txBody>
+          <a:bodyPr/>
+          <a:lstStyle/>
+          <a:p>
+            <a:r>
+              <a:rPr lang="zh-CN" altLang="en-US" dirty="0" smtClean="0">
+                <a:latin typeface="Adobe 楷体 Std R" panose="02020400000000000000" pitchFamily="18" charset="-122"/>
+                <a:ea typeface="Adobe 楷体 Std R" panose="02020400000000000000" pitchFamily="18" charset="-122"/>
+              </a:rPr>
+              <a:t>在简单的</a:t>
+            </a:r>
+            <a:r>
+              <a:rPr lang="en-US" altLang="zh-CN" dirty="0" smtClean="0">
+                <a:latin typeface="Adobe 楷体 Std R" panose="02020400000000000000" pitchFamily="18" charset="-122"/>
+                <a:ea typeface="Adobe 楷体 Std R" panose="02020400000000000000" pitchFamily="18" charset="-122"/>
+              </a:rPr>
+              <a:t>Web</a:t>
+            </a:r>
+            <a:r>
+              <a:rPr lang="zh-CN" altLang="en-US" dirty="0" smtClean="0">
+                <a:latin typeface="Adobe 楷体 Std R" panose="02020400000000000000" pitchFamily="18" charset="-122"/>
+                <a:ea typeface="Adobe 楷体 Std R" panose="02020400000000000000" pitchFamily="18" charset="-122"/>
+              </a:rPr>
+              <a:t>框架基础上逐步丰富功能</a:t>
+            </a:r>
+            <a:endParaRPr lang="en-US" altLang="zh-CN" dirty="0" smtClean="0">
+              <a:latin typeface="Adobe 楷体 Std R" panose="02020400000000000000" pitchFamily="18" charset="-122"/>
+              <a:ea typeface="Adobe 楷体 Std R" panose="02020400000000000000" pitchFamily="18" charset="-122"/>
+            </a:endParaRPr>
+          </a:p>
+          <a:p>
+            <a:r>
+              <a:rPr lang="zh-CN" altLang="en-US" dirty="0" smtClean="0">
+                <a:latin typeface="Adobe 楷体 Std R" panose="02020400000000000000" pitchFamily="18" charset="-122"/>
+                <a:ea typeface="Adobe 楷体 Std R" panose="02020400000000000000" pitchFamily="18" charset="-122"/>
+              </a:rPr>
+              <a:t>实现注册</a:t>
+            </a:r>
+            <a:r>
+              <a:rPr lang="en-US" altLang="zh-CN" dirty="0" smtClean="0">
+                <a:latin typeface="Adobe 楷体 Std R" panose="02020400000000000000" pitchFamily="18" charset="-122"/>
+                <a:ea typeface="Adobe 楷体 Std R" panose="02020400000000000000" pitchFamily="18" charset="-122"/>
+              </a:rPr>
+              <a:t>/</a:t>
+            </a:r>
+            <a:r>
+              <a:rPr lang="zh-CN" altLang="en-US" dirty="0" smtClean="0">
+                <a:latin typeface="Adobe 楷体 Std R" panose="02020400000000000000" pitchFamily="18" charset="-122"/>
+                <a:ea typeface="Adobe 楷体 Std R" panose="02020400000000000000" pitchFamily="18" charset="-122"/>
+              </a:rPr>
+              <a:t>登录</a:t>
+            </a:r>
+            <a:r>
+              <a:rPr lang="en-US" altLang="zh-CN" dirty="0" smtClean="0">
+                <a:latin typeface="Adobe 楷体 Std R" panose="02020400000000000000" pitchFamily="18" charset="-122"/>
+                <a:ea typeface="Adobe 楷体 Std R" panose="02020400000000000000" pitchFamily="18" charset="-122"/>
+              </a:rPr>
+              <a:t>/</a:t>
+            </a:r>
+            <a:r>
+              <a:rPr lang="zh-CN" altLang="en-US" dirty="0" smtClean="0">
+                <a:latin typeface="Adobe 楷体 Std R" panose="02020400000000000000" pitchFamily="18" charset="-122"/>
+                <a:ea typeface="Adobe 楷体 Std R" panose="02020400000000000000" pitchFamily="18" charset="-122"/>
+              </a:rPr>
+              <a:t>修改密码功能</a:t>
+            </a:r>
+            <a:endParaRPr lang="en-US" altLang="zh-CN" dirty="0" smtClean="0">
+              <a:latin typeface="Adobe 楷体 Std R" panose="02020400000000000000" pitchFamily="18" charset="-122"/>
+              <a:ea typeface="Adobe 楷体 Std R" panose="02020400000000000000" pitchFamily="18" charset="-122"/>
+            </a:endParaRPr>
+          </a:p>
+          <a:p>
+            <a:r>
+              <a:rPr lang="zh-CN" altLang="en-US" dirty="0" smtClean="0">
+                <a:latin typeface="Adobe 楷体 Std R" panose="02020400000000000000" pitchFamily="18" charset="-122"/>
+                <a:ea typeface="Adobe 楷体 Std R" panose="02020400000000000000" pitchFamily="18" charset="-122"/>
+              </a:rPr>
+              <a:t>能够独立运行</a:t>
+            </a:r>
+            <a:endParaRPr lang="en-US" altLang="zh-CN" dirty="0" smtClean="0">
+              <a:latin typeface="Adobe 楷体 Std R" panose="02020400000000000000" pitchFamily="18" charset="-122"/>
+              <a:ea typeface="Adobe 楷体 Std R" panose="02020400000000000000" pitchFamily="18" charset="-122"/>
+            </a:endParaRPr>
+          </a:p>
+          <a:p>
+            <a:r>
+              <a:rPr lang="zh-CN" altLang="en-US" dirty="0" smtClean="0">
+                <a:latin typeface="Adobe 楷体 Std R" panose="02020400000000000000" pitchFamily="18" charset="-122"/>
+                <a:ea typeface="Adobe 楷体 Std R" panose="02020400000000000000" pitchFamily="18" charset="-122"/>
+              </a:rPr>
+              <a:t>提供代码和相应的设计和测试文档</a:t>
+            </a:r>
+            <a:endParaRPr lang="en-US" altLang="zh-CN" dirty="0" smtClean="0">
+              <a:latin typeface="Adobe 楷体 Std R" panose="02020400000000000000" pitchFamily="18" charset="-122"/>
+              <a:ea typeface="Adobe 楷体 Std R" panose="02020400000000000000" pitchFamily="18" charset="-122"/>
+            </a:endParaRPr>
+          </a:p>
+          <a:p>
+            <a:endParaRPr lang="zh-CN" altLang="en-US" dirty="0"/>
+          </a:p>
+        </p:txBody>
+      </p:sp>
+    </p:spTree>
+    <p:extLst>
+      <p:ext uri="{BB962C8B-B14F-4D97-AF65-F5344CB8AC3E}">
+        <p14:creationId xmlns:p14="http://schemas.microsoft.com/office/powerpoint/2010/main" val="1644677142"/>
+      </p:ext>
+    </p:extLst>
+  </p:cSld>
+  <p:clrMapOvr>
+    <a:masterClrMapping/>
+  </p:clrMapOvr>
+  <p:timing>
+    <p:tnLst>
+      <p:par>
+        <p:cTn id="1" dur="indefinite" restart="never" nodeType="tmRoot"/>
+      </p:par>
+    </p:tnLst>
+  </p:timing>
+</p:sld>
+</file>
+
+<file path=ppt/slides/slide42.xml><?xml version="1.0" encoding="utf-8"?>
+<p:sld xmlns:a="http://schemas.openxmlformats.org/drawingml/2006/main" xmlns:r="http://schemas.openxmlformats.org/officeDocument/2006/relationships" xmlns:p="http://schemas.openxmlformats.org/presentationml/2006/main">
+  <p:cSld>
+    <p:spTree>
+      <p:nvGrpSpPr>
+        <p:cNvPr id="1" name=""/>
+        <p:cNvGrpSpPr/>
+        <p:nvPr/>
+      </p:nvGrpSpPr>
+      <p:grpSpPr>
+        <a:xfrm>
+          <a:off x="0" y="0"/>
+          <a:ext cx="0" cy="0"/>
+          <a:chOff x="0" y="0"/>
+          <a:chExt cx="0" cy="0"/>
+        </a:xfrm>
+      </p:grpSpPr>
+      <p:sp>
+        <p:nvSpPr>
+          <p:cNvPr id="4" name="标题 1">
+            <a:extLst>
+              <a:ext uri="{FF2B5EF4-FFF2-40B4-BE49-F238E27FC236}">
+                <a16:creationId xmlns:a16="http://schemas.microsoft.com/office/drawing/2014/main" id="{26B955D9-005A-428C-8CA4-0EF4096A476A}"/>
+              </a:ext>
+            </a:extLst>
+          </p:cNvPr>
+          <p:cNvSpPr>
+            <a:spLocks noGrp="1"/>
+          </p:cNvSpPr>
+          <p:nvPr>
+            <p:ph type="title" idx="4294967295"/>
+          </p:nvPr>
+        </p:nvSpPr>
+        <p:spPr>
+          <a:xfrm>
+            <a:off x="628650" y="2996952"/>
+            <a:ext cx="7886700" cy="993775"/>
+          </a:xfrm>
+        </p:spPr>
+        <p:txBody>
+          <a:bodyPr/>
+          <a:lstStyle/>
+          <a:p>
+            <a:pPr algn="ctr"/>
+            <a:r>
+              <a:rPr lang="en-US" altLang="zh-CN" b="1" dirty="0">
+                <a:latin typeface="Adobe 黑体 Std R" panose="020B0400000000000000" pitchFamily="34" charset="-122"/>
+                <a:ea typeface="Adobe 黑体 Std R" panose="020B0400000000000000" pitchFamily="34" charset="-122"/>
+              </a:rPr>
+              <a:t>Q&amp;A</a:t>
+            </a:r>
+            <a:endParaRPr lang="zh-CN" altLang="en-US" b="1" dirty="0"/>
+          </a:p>
+        </p:txBody>
+      </p:sp>
+    </p:spTree>
+    <p:extLst>
+      <p:ext uri="{BB962C8B-B14F-4D97-AF65-F5344CB8AC3E}">
+        <p14:creationId xmlns:p14="http://schemas.microsoft.com/office/powerpoint/2010/main" val="3318477899"/>
+      </p:ext>
+    </p:extLst>
+  </p:cSld>
+  <p:clrMapOvr>
+    <a:masterClrMapping/>
+  </p:clrMapOvr>
+  <mc:AlternateContent xmlns:mc="http://schemas.openxmlformats.org/markup-compatibility/2006" xmlns:p14="http://schemas.microsoft.com/office/powerpoint/2010/main">
+    <mc:Choice Requires="p14">
+      <p:transition spd="slow" p14:dur="999"/>
+    </mc:Choice>
+    <mc:Fallback xmlns="">
+      <p:transition spd="slow"/>
+    </mc:Fallback>
+  </mc:AlternateContent>
   <p:timing>
     <p:tnLst>
       <p:par>

--- a/software/Ch_7_2_demo_2nd.pptx
+++ b/software/Ch_7_2_demo_2nd.pptx
@@ -5,10 +5,10 @@
     <p:sldMasterId id="2147483665" r:id="rId1"/>
   </p:sldMasterIdLst>
   <p:notesMasterIdLst>
-    <p:notesMasterId r:id="rId44"/>
+    <p:notesMasterId r:id="rId48"/>
   </p:notesMasterIdLst>
   <p:handoutMasterIdLst>
-    <p:handoutMasterId r:id="rId45"/>
+    <p:handoutMasterId r:id="rId49"/>
   </p:handoutMasterIdLst>
   <p:sldIdLst>
     <p:sldId id="547" r:id="rId2"/>
@@ -37,22 +37,26 @@
     <p:sldId id="673" r:id="rId25"/>
     <p:sldId id="657" r:id="rId26"/>
     <p:sldId id="672" r:id="rId27"/>
-    <p:sldId id="663" r:id="rId28"/>
-    <p:sldId id="664" r:id="rId29"/>
-    <p:sldId id="665" r:id="rId30"/>
-    <p:sldId id="659" r:id="rId31"/>
-    <p:sldId id="661" r:id="rId32"/>
-    <p:sldId id="662" r:id="rId33"/>
-    <p:sldId id="667" r:id="rId34"/>
-    <p:sldId id="643" r:id="rId35"/>
-    <p:sldId id="668" r:id="rId36"/>
-    <p:sldId id="644" r:id="rId37"/>
-    <p:sldId id="646" r:id="rId38"/>
-    <p:sldId id="660" r:id="rId39"/>
+    <p:sldId id="676" r:id="rId28"/>
+    <p:sldId id="675" r:id="rId29"/>
+    <p:sldId id="663" r:id="rId30"/>
+    <p:sldId id="664" r:id="rId31"/>
+    <p:sldId id="665" r:id="rId32"/>
+    <p:sldId id="661" r:id="rId33"/>
+    <p:sldId id="662" r:id="rId34"/>
+    <p:sldId id="667" r:id="rId35"/>
+    <p:sldId id="643" r:id="rId36"/>
+    <p:sldId id="668" r:id="rId37"/>
+    <p:sldId id="644" r:id="rId38"/>
+    <p:sldId id="646" r:id="rId39"/>
     <p:sldId id="674" r:id="rId40"/>
-    <p:sldId id="632" r:id="rId41"/>
-    <p:sldId id="669" r:id="rId42"/>
-    <p:sldId id="381" r:id="rId43"/>
+    <p:sldId id="678" r:id="rId41"/>
+    <p:sldId id="679" r:id="rId42"/>
+    <p:sldId id="677" r:id="rId43"/>
+    <p:sldId id="660" r:id="rId44"/>
+    <p:sldId id="632" r:id="rId45"/>
+    <p:sldId id="669" r:id="rId46"/>
+    <p:sldId id="381" r:id="rId47"/>
   </p:sldIdLst>
   <p:sldSz cx="9144000" cy="6858000" type="screen4x3"/>
   <p:notesSz cx="9925050" cy="6797675"/>
@@ -282,7 +286,7 @@
           <a:p>
             <a:fld id="{7C88881C-20D1-4850-8691-874CEEF6734A}" type="datetimeFigureOut">
               <a:rPr lang="zh-CN" altLang="en-US" smtClean="0"/>
-              <a:t>2020/5/6</a:t>
+              <a:t>2020/5/7</a:t>
             </a:fld>
             <a:endParaRPr lang="zh-CN" altLang="en-US"/>
           </a:p>
@@ -8001,10 +8005,16 @@
           <a:lstStyle/>
           <a:p>
             <a:r>
-              <a:rPr lang="zh-CN" altLang="en-US" dirty="0" smtClean="0"/>
+              <a:rPr lang="zh-CN" altLang="en-US" dirty="0" smtClean="0">
+                <a:latin typeface="Adobe 黑体 Std R" panose="020B0400000000000000" pitchFamily="34" charset="-122"/>
+                <a:ea typeface="Adobe 黑体 Std R" panose="020B0400000000000000" pitchFamily="34" charset="-122"/>
+              </a:rPr>
               <a:t>一些细节</a:t>
             </a:r>
-            <a:endParaRPr lang="zh-CN" altLang="en-US" dirty="0"/>
+            <a:endParaRPr lang="zh-CN" altLang="en-US" dirty="0">
+              <a:latin typeface="Adobe 黑体 Std R" panose="020B0400000000000000" pitchFamily="34" charset="-122"/>
+              <a:ea typeface="Adobe 黑体 Std R" panose="020B0400000000000000" pitchFamily="34" charset="-122"/>
+            </a:endParaRPr>
           </a:p>
         </p:txBody>
       </p:sp>
@@ -8024,10 +8034,16 @@
           <a:lstStyle/>
           <a:p>
             <a:r>
-              <a:rPr lang="zh-CN" altLang="en-US" dirty="0" smtClean="0"/>
+              <a:rPr lang="zh-CN" altLang="en-US" dirty="0" smtClean="0">
+                <a:latin typeface="Adobe 楷体 Std R" panose="02020400000000000000" pitchFamily="18" charset="-122"/>
+                <a:ea typeface="Adobe 楷体 Std R" panose="02020400000000000000" pitchFamily="18" charset="-122"/>
+              </a:rPr>
               <a:t>准备阶段</a:t>
             </a:r>
-            <a:endParaRPr lang="zh-CN" altLang="en-US" dirty="0"/>
+            <a:endParaRPr lang="zh-CN" altLang="en-US" dirty="0">
+              <a:latin typeface="Adobe 楷体 Std R" panose="02020400000000000000" pitchFamily="18" charset="-122"/>
+              <a:ea typeface="Adobe 楷体 Std R" panose="02020400000000000000" pitchFamily="18" charset="-122"/>
+            </a:endParaRPr>
           </a:p>
         </p:txBody>
       </p:sp>
@@ -9867,10 +9883,13 @@
               </a:rPr>
               <a:t>如何运行</a:t>
             </a:r>
-            <a:endParaRPr lang="en-US" altLang="zh-CN" dirty="0" smtClean="0">
-              <a:latin typeface="Adobe 楷体 Std R" panose="02020400000000000000" pitchFamily="18" charset="-122"/>
-              <a:ea typeface="Adobe 楷体 Std R" panose="02020400000000000000" pitchFamily="18" charset="-122"/>
-            </a:endParaRPr>
+            <a:r>
+              <a:rPr lang="en-US" altLang="zh-CN" dirty="0" smtClean="0">
+                <a:latin typeface="Adobe 楷体 Std R" panose="02020400000000000000" pitchFamily="18" charset="-122"/>
+                <a:ea typeface="Adobe 楷体 Std R" panose="02020400000000000000" pitchFamily="18" charset="-122"/>
+              </a:rPr>
+              <a:t>?</a:t>
+            </a:r>
           </a:p>
           <a:p>
             <a:r>
@@ -17942,7 +17961,7 @@
                 <a:latin typeface="Adobe 黑体 Std R" panose="020B0400000000000000" pitchFamily="34" charset="-122"/>
                 <a:ea typeface="Adobe 黑体 Std R" panose="020B0400000000000000" pitchFamily="34" charset="-122"/>
               </a:rPr>
-              <a:t>关于注册的逻辑</a:t>
+              <a:t>“数据”相关的迭代</a:t>
             </a:r>
             <a:endParaRPr lang="zh-CN" altLang="en-US" dirty="0">
               <a:latin typeface="Adobe 黑体 Std R" panose="020B0400000000000000" pitchFamily="34" charset="-122"/>
@@ -17966,22 +17985,12 @@
           <a:bodyPr/>
           <a:lstStyle/>
           <a:p>
-            <a:pPr marL="0" indent="0">
-              <a:buNone/>
-            </a:pPr>
-            <a:r>
-              <a:rPr lang="en-US" altLang="zh-CN" dirty="0" smtClean="0">
-                <a:latin typeface="Adobe 楷体 Std R" panose="02020400000000000000" pitchFamily="18" charset="-122"/>
-                <a:ea typeface="Adobe 楷体 Std R" panose="02020400000000000000" pitchFamily="18" charset="-122"/>
-              </a:rPr>
-              <a:t>1</a:t>
-            </a:r>
             <a:r>
               <a:rPr lang="zh-CN" altLang="en-US" dirty="0" smtClean="0">
                 <a:latin typeface="Adobe 楷体 Std R" panose="02020400000000000000" pitchFamily="18" charset="-122"/>
                 <a:ea typeface="Adobe 楷体 Std R" panose="02020400000000000000" pitchFamily="18" charset="-122"/>
               </a:rPr>
-              <a:t>、提交前，检测什么？</a:t>
+              <a:t>写死在代码中</a:t>
             </a:r>
             <a:endParaRPr lang="en-US" altLang="zh-CN" dirty="0" smtClean="0">
               <a:latin typeface="Adobe 楷体 Std R" panose="02020400000000000000" pitchFamily="18" charset="-122"/>
@@ -17989,22 +17998,12 @@
             </a:endParaRPr>
           </a:p>
           <a:p>
-            <a:pPr marL="0" indent="0">
-              <a:buNone/>
-            </a:pPr>
-            <a:r>
-              <a:rPr lang="en-US" altLang="zh-CN" dirty="0" smtClean="0">
-                <a:latin typeface="Adobe 楷体 Std R" panose="02020400000000000000" pitchFamily="18" charset="-122"/>
-                <a:ea typeface="Adobe 楷体 Std R" panose="02020400000000000000" pitchFamily="18" charset="-122"/>
-              </a:rPr>
-              <a:t>2</a:t>
-            </a:r>
             <a:r>
               <a:rPr lang="zh-CN" altLang="en-US" dirty="0" smtClean="0">
                 <a:latin typeface="Adobe 楷体 Std R" panose="02020400000000000000" pitchFamily="18" charset="-122"/>
                 <a:ea typeface="Adobe 楷体 Std R" panose="02020400000000000000" pitchFamily="18" charset="-122"/>
               </a:rPr>
-              <a:t>、提交后，检测什么？</a:t>
+              <a:t>写在一个（配置）文件中，可以修改</a:t>
             </a:r>
             <a:endParaRPr lang="en-US" altLang="zh-CN" dirty="0" smtClean="0">
               <a:latin typeface="Adobe 楷体 Std R" panose="02020400000000000000" pitchFamily="18" charset="-122"/>
@@ -18012,165 +18011,26 @@
             </a:endParaRPr>
           </a:p>
           <a:p>
-            <a:pPr marL="0" indent="0">
-              <a:buNone/>
-            </a:pPr>
-            <a:r>
-              <a:rPr lang="en-US" altLang="zh-CN" dirty="0">
-                <a:latin typeface="Adobe 楷体 Std R" panose="02020400000000000000" pitchFamily="18" charset="-122"/>
-                <a:ea typeface="Adobe 楷体 Std R" panose="02020400000000000000" pitchFamily="18" charset="-122"/>
-              </a:rPr>
-              <a:t>	</a:t>
-            </a:r>
-            <a:r>
-              <a:rPr lang="en-US" altLang="zh-CN" dirty="0" smtClean="0">
-                <a:latin typeface="Adobe 楷体 Std R" panose="02020400000000000000" pitchFamily="18" charset="-122"/>
-                <a:ea typeface="Adobe 楷体 Std R" panose="02020400000000000000" pitchFamily="18" charset="-122"/>
-              </a:rPr>
-              <a:t>A </a:t>
-            </a:r>
             <a:r>
               <a:rPr lang="zh-CN" altLang="en-US" dirty="0" smtClean="0">
-                <a:solidFill>
-                  <a:srgbClr val="FF0000"/>
-                </a:solidFill>
-                <a:latin typeface="Adobe 楷体 Std R" panose="02020400000000000000" pitchFamily="18" charset="-122"/>
-                <a:ea typeface="Adobe 楷体 Std R" panose="02020400000000000000" pitchFamily="18" charset="-122"/>
-              </a:rPr>
-              <a:t>用户名重复</a:t>
+                <a:latin typeface="Adobe 楷体 Std R" panose="02020400000000000000" pitchFamily="18" charset="-122"/>
+                <a:ea typeface="Adobe 楷体 Std R" panose="02020400000000000000" pitchFamily="18" charset="-122"/>
+              </a:rPr>
+              <a:t>放在数据库中</a:t>
             </a:r>
             <a:endParaRPr lang="en-US" altLang="zh-CN" dirty="0" smtClean="0">
-              <a:solidFill>
-                <a:srgbClr val="FF0000"/>
-              </a:solidFill>
               <a:latin typeface="Adobe 楷体 Std R" panose="02020400000000000000" pitchFamily="18" charset="-122"/>
               <a:ea typeface="Adobe 楷体 Std R" panose="02020400000000000000" pitchFamily="18" charset="-122"/>
             </a:endParaRPr>
           </a:p>
           <a:p>
-            <a:pPr marL="0" indent="0">
-              <a:buNone/>
-            </a:pPr>
-            <a:r>
-              <a:rPr lang="en-US" altLang="zh-CN" dirty="0" smtClean="0">
-                <a:solidFill>
-                  <a:srgbClr val="FF0000"/>
-                </a:solidFill>
-                <a:latin typeface="Adobe 楷体 Std R" panose="02020400000000000000" pitchFamily="18" charset="-122"/>
-                <a:ea typeface="Adobe 楷体 Std R" panose="02020400000000000000" pitchFamily="18" charset="-122"/>
-              </a:rPr>
-              <a:t>	</a:t>
-            </a:r>
-            <a:r>
-              <a:rPr lang="en-US" altLang="zh-CN" dirty="0">
-                <a:latin typeface="Adobe 楷体 Std R" panose="02020400000000000000" pitchFamily="18" charset="-122"/>
-                <a:ea typeface="Adobe 楷体 Std R" panose="02020400000000000000" pitchFamily="18" charset="-122"/>
-              </a:rPr>
-              <a:t>B </a:t>
-            </a:r>
             <a:r>
               <a:rPr lang="zh-CN" altLang="en-US" dirty="0" smtClean="0">
-                <a:solidFill>
-                  <a:srgbClr val="FF0000"/>
-                </a:solidFill>
-                <a:latin typeface="Adobe 楷体 Std R" panose="02020400000000000000" pitchFamily="18" charset="-122"/>
-                <a:ea typeface="Adobe 楷体 Std R" panose="02020400000000000000" pitchFamily="18" charset="-122"/>
-              </a:rPr>
-              <a:t>用户名</a:t>
-            </a:r>
-            <a:r>
-              <a:rPr lang="zh-CN" altLang="en-US" dirty="0">
-                <a:solidFill>
-                  <a:srgbClr val="FF0000"/>
-                </a:solidFill>
-                <a:latin typeface="Adobe 楷体 Std R" panose="02020400000000000000" pitchFamily="18" charset="-122"/>
-                <a:ea typeface="Adobe 楷体 Std R" panose="02020400000000000000" pitchFamily="18" charset="-122"/>
-              </a:rPr>
-              <a:t>密码的</a:t>
-            </a:r>
-            <a:r>
-              <a:rPr lang="zh-CN" altLang="en-US" dirty="0" smtClean="0">
-                <a:solidFill>
-                  <a:srgbClr val="FF0000"/>
-                </a:solidFill>
-                <a:latin typeface="Adobe 楷体 Std R" panose="02020400000000000000" pitchFamily="18" charset="-122"/>
-                <a:ea typeface="Adobe 楷体 Std R" panose="02020400000000000000" pitchFamily="18" charset="-122"/>
-              </a:rPr>
-              <a:t>规则</a:t>
-            </a:r>
-            <a:endParaRPr lang="en-US" altLang="zh-CN" dirty="0" smtClean="0">
-              <a:solidFill>
-                <a:srgbClr val="FF0000"/>
-              </a:solidFill>
-              <a:latin typeface="Adobe 楷体 Std R" panose="02020400000000000000" pitchFamily="18" charset="-122"/>
-              <a:ea typeface="Adobe 楷体 Std R" panose="02020400000000000000" pitchFamily="18" charset="-122"/>
-            </a:endParaRPr>
-          </a:p>
-          <a:p>
-            <a:pPr marL="0" indent="0">
-              <a:buNone/>
-            </a:pPr>
-            <a:r>
-              <a:rPr lang="en-US" altLang="zh-CN" dirty="0">
-                <a:solidFill>
-                  <a:srgbClr val="FF0000"/>
-                </a:solidFill>
-                <a:latin typeface="Adobe 楷体 Std R" panose="02020400000000000000" pitchFamily="18" charset="-122"/>
-                <a:ea typeface="Adobe 楷体 Std R" panose="02020400000000000000" pitchFamily="18" charset="-122"/>
-              </a:rPr>
-              <a:t>	</a:t>
-            </a:r>
-            <a:r>
-              <a:rPr lang="en-US" altLang="zh-CN" dirty="0">
-                <a:latin typeface="Adobe 楷体 Std R" panose="02020400000000000000" pitchFamily="18" charset="-122"/>
-                <a:ea typeface="Adobe 楷体 Std R" panose="02020400000000000000" pitchFamily="18" charset="-122"/>
-              </a:rPr>
-              <a:t>C</a:t>
-            </a:r>
-            <a:r>
-              <a:rPr lang="en-US" altLang="zh-CN" dirty="0" smtClean="0">
-                <a:solidFill>
-                  <a:srgbClr val="FF0000"/>
-                </a:solidFill>
-                <a:latin typeface="Adobe 楷体 Std R" panose="02020400000000000000" pitchFamily="18" charset="-122"/>
-                <a:ea typeface="Adobe 楷体 Std R" panose="02020400000000000000" pitchFamily="18" charset="-122"/>
-              </a:rPr>
-              <a:t> </a:t>
-            </a:r>
-            <a:r>
-              <a:rPr lang="zh-CN" altLang="en-US" dirty="0" smtClean="0">
-                <a:solidFill>
-                  <a:srgbClr val="FF0000"/>
-                </a:solidFill>
-                <a:latin typeface="Adobe 楷体 Std R" panose="02020400000000000000" pitchFamily="18" charset="-122"/>
-                <a:ea typeface="Adobe 楷体 Std R" panose="02020400000000000000" pitchFamily="18" charset="-122"/>
-              </a:rPr>
-              <a:t>是否多次提交</a:t>
-            </a:r>
-            <a:endParaRPr lang="en-US" altLang="zh-CN" dirty="0" smtClean="0">
-              <a:solidFill>
-                <a:srgbClr val="FF0000"/>
-              </a:solidFill>
-              <a:latin typeface="Adobe 楷体 Std R" panose="02020400000000000000" pitchFamily="18" charset="-122"/>
-              <a:ea typeface="Adobe 楷体 Std R" panose="02020400000000000000" pitchFamily="18" charset="-122"/>
-            </a:endParaRPr>
-          </a:p>
-          <a:p>
-            <a:pPr marL="0" indent="0">
-              <a:buNone/>
-            </a:pPr>
-            <a:endParaRPr lang="en-US" altLang="zh-CN" dirty="0">
-              <a:solidFill>
-                <a:srgbClr val="FF0000"/>
-              </a:solidFill>
-              <a:latin typeface="Adobe 楷体 Std R" panose="02020400000000000000" pitchFamily="18" charset="-122"/>
-              <a:ea typeface="Adobe 楷体 Std R" panose="02020400000000000000" pitchFamily="18" charset="-122"/>
-            </a:endParaRPr>
-          </a:p>
-          <a:p>
-            <a:pPr marL="0" indent="0">
-              <a:buNone/>
-            </a:pPr>
+                <a:latin typeface="Adobe 楷体 Std R" panose="02020400000000000000" pitchFamily="18" charset="-122"/>
+                <a:ea typeface="Adobe 楷体 Std R" panose="02020400000000000000" pitchFamily="18" charset="-122"/>
+              </a:rPr>
+              <a:t>数据库的数据加密</a:t>
+            </a:r>
             <a:endParaRPr lang="zh-CN" altLang="en-US" dirty="0">
               <a:latin typeface="Adobe 楷体 Std R" panose="02020400000000000000" pitchFamily="18" charset="-122"/>
               <a:ea typeface="Adobe 楷体 Std R" panose="02020400000000000000" pitchFamily="18" charset="-122"/>
@@ -18181,7 +18041,7 @@
     </p:spTree>
     <p:extLst>
       <p:ext uri="{BB962C8B-B14F-4D97-AF65-F5344CB8AC3E}">
-        <p14:creationId xmlns:p14="http://schemas.microsoft.com/office/powerpoint/2010/main" val="516176210"/>
+        <p14:creationId xmlns:p14="http://schemas.microsoft.com/office/powerpoint/2010/main" val="558626633"/>
       </p:ext>
     </p:extLst>
   </p:cSld>
@@ -18235,7 +18095,7 @@
                 <a:latin typeface="Adobe 黑体 Std R" panose="020B0400000000000000" pitchFamily="34" charset="-122"/>
                 <a:ea typeface="Adobe 黑体 Std R" panose="020B0400000000000000" pitchFamily="34" charset="-122"/>
               </a:rPr>
-              <a:t>登录的逻辑</a:t>
+              <a:t>提问</a:t>
             </a:r>
             <a:endParaRPr lang="zh-CN" altLang="en-US" dirty="0">
               <a:latin typeface="Adobe 黑体 Std R" panose="020B0400000000000000" pitchFamily="34" charset="-122"/>
@@ -18259,22 +18119,26 @@
           <a:bodyPr/>
           <a:lstStyle/>
           <a:p>
-            <a:pPr marL="0" indent="0">
-              <a:buNone/>
-            </a:pPr>
+            <a:r>
+              <a:rPr lang="zh-CN" altLang="en-US" dirty="0" smtClean="0">
+                <a:latin typeface="Adobe 楷体 Std R" panose="02020400000000000000" pitchFamily="18" charset="-122"/>
+                <a:ea typeface="Adobe 楷体 Std R" panose="02020400000000000000" pitchFamily="18" charset="-122"/>
+              </a:rPr>
+              <a:t>用户名密码发送到</a:t>
+            </a:r>
             <a:r>
               <a:rPr lang="en-US" altLang="zh-CN" dirty="0" smtClean="0">
                 <a:latin typeface="Adobe 楷体 Std R" panose="02020400000000000000" pitchFamily="18" charset="-122"/>
                 <a:ea typeface="Adobe 楷体 Std R" panose="02020400000000000000" pitchFamily="18" charset="-122"/>
               </a:rPr>
-              <a:t>1</a:t>
+              <a:t>Web</a:t>
             </a:r>
             <a:r>
               <a:rPr lang="zh-CN" altLang="en-US" dirty="0" smtClean="0">
                 <a:latin typeface="Adobe 楷体 Std R" panose="02020400000000000000" pitchFamily="18" charset="-122"/>
                 <a:ea typeface="Adobe 楷体 Std R" panose="02020400000000000000" pitchFamily="18" charset="-122"/>
               </a:rPr>
-              <a:t>、用户名密码提交前的检测</a:t>
+              <a:t>服务端，使用：</a:t>
             </a:r>
             <a:endParaRPr lang="en-US" altLang="zh-CN" dirty="0" smtClean="0">
               <a:latin typeface="Adobe 楷体 Std R" panose="02020400000000000000" pitchFamily="18" charset="-122"/>
@@ -18286,94 +18150,46 @@
               <a:buNone/>
             </a:pPr>
             <a:r>
+              <a:rPr lang="en-US" altLang="zh-CN" dirty="0"/>
+              <a:t>	</a:t>
+            </a:r>
+            <a:r>
+              <a:rPr lang="en-US" altLang="zh-CN" dirty="0" smtClean="0"/>
+              <a:t>A  </a:t>
+            </a:r>
+            <a:r>
               <a:rPr lang="en-US" altLang="zh-CN" dirty="0" smtClean="0">
-                <a:latin typeface="Adobe 楷体 Std R" panose="02020400000000000000" pitchFamily="18" charset="-122"/>
-                <a:ea typeface="Adobe 楷体 Std R" panose="02020400000000000000" pitchFamily="18" charset="-122"/>
-              </a:rPr>
-              <a:t>2</a:t>
-            </a:r>
-            <a:r>
-              <a:rPr lang="zh-CN" altLang="en-US" dirty="0" smtClean="0">
-                <a:latin typeface="Adobe 楷体 Std R" panose="02020400000000000000" pitchFamily="18" charset="-122"/>
-                <a:ea typeface="Adobe 楷体 Std R" panose="02020400000000000000" pitchFamily="18" charset="-122"/>
-              </a:rPr>
-              <a:t>、用户名密码的验证</a:t>
-            </a:r>
-            <a:endParaRPr lang="en-US" altLang="zh-CN" dirty="0" smtClean="0">
-              <a:latin typeface="Adobe 楷体 Std R" panose="02020400000000000000" pitchFamily="18" charset="-122"/>
-              <a:ea typeface="Adobe 楷体 Std R" panose="02020400000000000000" pitchFamily="18" charset="-122"/>
-            </a:endParaRPr>
+                <a:solidFill>
+                  <a:srgbClr val="FF0000"/>
+                </a:solidFill>
+              </a:rPr>
+              <a:t>GET</a:t>
+            </a:r>
           </a:p>
           <a:p>
             <a:pPr marL="0" indent="0">
               <a:buNone/>
             </a:pPr>
             <a:r>
-              <a:rPr lang="en-US" altLang="zh-CN" dirty="0">
-                <a:latin typeface="Adobe 楷体 Std R" panose="02020400000000000000" pitchFamily="18" charset="-122"/>
-                <a:ea typeface="Adobe 楷体 Std R" panose="02020400000000000000" pitchFamily="18" charset="-122"/>
-              </a:rPr>
+              <a:rPr lang="en-US" altLang="zh-CN" dirty="0"/>
               <a:t>	</a:t>
             </a:r>
             <a:r>
+              <a:rPr lang="en-US" altLang="zh-CN" dirty="0" smtClean="0"/>
+              <a:t>B  </a:t>
+            </a:r>
+            <a:r>
               <a:rPr lang="en-US" altLang="zh-CN" dirty="0" smtClean="0">
-                <a:latin typeface="Adobe 楷体 Std R" panose="02020400000000000000" pitchFamily="18" charset="-122"/>
-                <a:ea typeface="Adobe 楷体 Std R" panose="02020400000000000000" pitchFamily="18" charset="-122"/>
-              </a:rPr>
-              <a:t>A </a:t>
-            </a:r>
-            <a:r>
-              <a:rPr lang="zh-CN" altLang="en-US" dirty="0" smtClean="0">
                 <a:solidFill>
                   <a:srgbClr val="FF0000"/>
                 </a:solidFill>
-                <a:latin typeface="Adobe 楷体 Std R" panose="02020400000000000000" pitchFamily="18" charset="-122"/>
-                <a:ea typeface="Adobe 楷体 Std R" panose="02020400000000000000" pitchFamily="18" charset="-122"/>
-              </a:rPr>
-              <a:t>不存在该用户</a:t>
-            </a:r>
-            <a:endParaRPr lang="en-US" altLang="zh-CN" dirty="0">
-              <a:solidFill>
-                <a:srgbClr val="FF0000"/>
-              </a:solidFill>
-              <a:latin typeface="Adobe 楷体 Std R" panose="02020400000000000000" pitchFamily="18" charset="-122"/>
-              <a:ea typeface="Adobe 楷体 Std R" panose="02020400000000000000" pitchFamily="18" charset="-122"/>
-            </a:endParaRPr>
-          </a:p>
-          <a:p>
-            <a:pPr marL="0" indent="0">
-              <a:buNone/>
-            </a:pPr>
-            <a:r>
-              <a:rPr lang="en-US" altLang="zh-CN" dirty="0">
-                <a:latin typeface="Adobe 楷体 Std R" panose="02020400000000000000" pitchFamily="18" charset="-122"/>
-                <a:ea typeface="Adobe 楷体 Std R" panose="02020400000000000000" pitchFamily="18" charset="-122"/>
-              </a:rPr>
-              <a:t>	</a:t>
-            </a:r>
-            <a:r>
-              <a:rPr lang="en-US" altLang="zh-CN" dirty="0" smtClean="0">
-                <a:latin typeface="Adobe 楷体 Std R" panose="02020400000000000000" pitchFamily="18" charset="-122"/>
-                <a:ea typeface="Adobe 楷体 Std R" panose="02020400000000000000" pitchFamily="18" charset="-122"/>
-              </a:rPr>
-              <a:t>B </a:t>
-            </a:r>
-            <a:r>
-              <a:rPr lang="zh-CN" altLang="en-US" dirty="0" smtClean="0">
-                <a:solidFill>
-                  <a:srgbClr val="FF0000"/>
-                </a:solidFill>
-                <a:latin typeface="Adobe 楷体 Std R" panose="02020400000000000000" pitchFamily="18" charset="-122"/>
-                <a:ea typeface="Adobe 楷体 Std R" panose="02020400000000000000" pitchFamily="18" charset="-122"/>
-              </a:rPr>
-              <a:t>用户名和密码不匹配</a:t>
+              </a:rPr>
+              <a:t>POST</a:t>
             </a:r>
             <a:endParaRPr lang="zh-CN" altLang="en-US" dirty="0">
               <a:solidFill>
                 <a:srgbClr val="FF0000"/>
               </a:solidFill>
-              <a:latin typeface="Adobe 楷体 Std R" panose="02020400000000000000" pitchFamily="18" charset="-122"/>
-              <a:ea typeface="Adobe 楷体 Std R" panose="02020400000000000000" pitchFamily="18" charset="-122"/>
             </a:endParaRPr>
           </a:p>
         </p:txBody>
@@ -18381,7 +18197,7 @@
     </p:spTree>
     <p:extLst>
       <p:ext uri="{BB962C8B-B14F-4D97-AF65-F5344CB8AC3E}">
-        <p14:creationId xmlns:p14="http://schemas.microsoft.com/office/powerpoint/2010/main" val="3793004139"/>
+        <p14:creationId xmlns:p14="http://schemas.microsoft.com/office/powerpoint/2010/main" val="550962223"/>
       </p:ext>
     </p:extLst>
   </p:cSld>
@@ -18435,7 +18251,7 @@
                 <a:latin typeface="Adobe 黑体 Std R" panose="020B0400000000000000" pitchFamily="34" charset="-122"/>
                 <a:ea typeface="Adobe 黑体 Std R" panose="020B0400000000000000" pitchFamily="34" charset="-122"/>
               </a:rPr>
-              <a:t>更改密码的策略</a:t>
+              <a:t>关于注册的逻辑</a:t>
             </a:r>
             <a:endParaRPr lang="zh-CN" altLang="en-US" dirty="0">
               <a:latin typeface="Adobe 黑体 Std R" panose="020B0400000000000000" pitchFamily="34" charset="-122"/>
@@ -18463,11 +18279,18 @@
               <a:buNone/>
             </a:pPr>
             <a:r>
+              <a:rPr lang="en-US" altLang="zh-CN" dirty="0" smtClean="0">
+                <a:latin typeface="Adobe 楷体 Std R" panose="02020400000000000000" pitchFamily="18" charset="-122"/>
+                <a:ea typeface="Adobe 楷体 Std R" panose="02020400000000000000" pitchFamily="18" charset="-122"/>
+              </a:rPr>
+              <a:t>1</a:t>
+            </a:r>
+            <a:r>
               <a:rPr lang="zh-CN" altLang="en-US" dirty="0" smtClean="0">
                 <a:latin typeface="Adobe 楷体 Std R" panose="02020400000000000000" pitchFamily="18" charset="-122"/>
                 <a:ea typeface="Adobe 楷体 Std R" panose="02020400000000000000" pitchFamily="18" charset="-122"/>
               </a:rPr>
-              <a:t>安全策略</a:t>
+              <a:t>、提交前，检测什么？</a:t>
             </a:r>
             <a:endParaRPr lang="en-US" altLang="zh-CN" dirty="0" smtClean="0">
               <a:latin typeface="Adobe 楷体 Std R" panose="02020400000000000000" pitchFamily="18" charset="-122"/>
@@ -18479,25 +18302,18 @@
               <a:buNone/>
             </a:pPr>
             <a:r>
-              <a:rPr lang="en-US" altLang="zh-CN" dirty="0">
-                <a:latin typeface="Adobe 楷体 Std R" panose="02020400000000000000" pitchFamily="18" charset="-122"/>
-                <a:ea typeface="Adobe 楷体 Std R" panose="02020400000000000000" pitchFamily="18" charset="-122"/>
-              </a:rPr>
-              <a:t>	</a:t>
-            </a:r>
-            <a:r>
               <a:rPr lang="en-US" altLang="zh-CN" dirty="0" smtClean="0">
                 <a:latin typeface="Adobe 楷体 Std R" panose="02020400000000000000" pitchFamily="18" charset="-122"/>
                 <a:ea typeface="Adobe 楷体 Std R" panose="02020400000000000000" pitchFamily="18" charset="-122"/>
               </a:rPr>
-              <a:t>A </a:t>
+              <a:t>2</a:t>
             </a:r>
             <a:r>
               <a:rPr lang="zh-CN" altLang="en-US" dirty="0" smtClean="0">
                 <a:latin typeface="Adobe 楷体 Std R" panose="02020400000000000000" pitchFamily="18" charset="-122"/>
                 <a:ea typeface="Adobe 楷体 Std R" panose="02020400000000000000" pitchFamily="18" charset="-122"/>
               </a:rPr>
-              <a:t>是否登录成功？</a:t>
+              <a:t>、提交后，检测什么？</a:t>
             </a:r>
             <a:endParaRPr lang="en-US" altLang="zh-CN" dirty="0" smtClean="0">
               <a:latin typeface="Adobe 楷体 Std R" panose="02020400000000000000" pitchFamily="18" charset="-122"/>
@@ -18520,16 +18336,22 @@
                 <a:latin typeface="Adobe 楷体 Std R" panose="02020400000000000000" pitchFamily="18" charset="-122"/>
                 <a:ea typeface="Adobe 楷体 Std R" panose="02020400000000000000" pitchFamily="18" charset="-122"/>
               </a:rPr>
-              <a:t>B </a:t>
+              <a:t>A </a:t>
             </a:r>
             <a:r>
               <a:rPr lang="zh-CN" altLang="en-US" dirty="0" smtClean="0">
-                <a:latin typeface="Adobe 楷体 Std R" panose="02020400000000000000" pitchFamily="18" charset="-122"/>
-                <a:ea typeface="Adobe 楷体 Std R" panose="02020400000000000000" pitchFamily="18" charset="-122"/>
-              </a:rPr>
-              <a:t>密码是否符合规范？</a:t>
+                <a:solidFill>
+                  <a:srgbClr val="FF0000"/>
+                </a:solidFill>
+                <a:latin typeface="Adobe 楷体 Std R" panose="02020400000000000000" pitchFamily="18" charset="-122"/>
+                <a:ea typeface="Adobe 楷体 Std R" panose="02020400000000000000" pitchFamily="18" charset="-122"/>
+              </a:rPr>
+              <a:t>用户名重复</a:t>
             </a:r>
             <a:endParaRPr lang="en-US" altLang="zh-CN" dirty="0" smtClean="0">
+              <a:solidFill>
+                <a:srgbClr val="FF0000"/>
+              </a:solidFill>
               <a:latin typeface="Adobe 楷体 Std R" panose="02020400000000000000" pitchFamily="18" charset="-122"/>
               <a:ea typeface="Adobe 楷体 Std R" panose="02020400000000000000" pitchFamily="18" charset="-122"/>
             </a:endParaRPr>
@@ -18539,34 +18361,126 @@
               <a:buNone/>
             </a:pPr>
             <a:r>
+              <a:rPr lang="en-US" altLang="zh-CN" dirty="0" smtClean="0">
+                <a:solidFill>
+                  <a:srgbClr val="FF0000"/>
+                </a:solidFill>
+                <a:latin typeface="Adobe 楷体 Std R" panose="02020400000000000000" pitchFamily="18" charset="-122"/>
+                <a:ea typeface="Adobe 楷体 Std R" panose="02020400000000000000" pitchFamily="18" charset="-122"/>
+              </a:rPr>
+              <a:t>	</a:t>
+            </a:r>
+            <a:r>
               <a:rPr lang="en-US" altLang="zh-CN" dirty="0">
                 <a:latin typeface="Adobe 楷体 Std R" panose="02020400000000000000" pitchFamily="18" charset="-122"/>
                 <a:ea typeface="Adobe 楷体 Std R" panose="02020400000000000000" pitchFamily="18" charset="-122"/>
               </a:rPr>
+              <a:t>B </a:t>
+            </a:r>
+            <a:r>
+              <a:rPr lang="zh-CN" altLang="en-US" dirty="0" smtClean="0">
+                <a:solidFill>
+                  <a:srgbClr val="FF0000"/>
+                </a:solidFill>
+                <a:latin typeface="Adobe 楷体 Std R" panose="02020400000000000000" pitchFamily="18" charset="-122"/>
+                <a:ea typeface="Adobe 楷体 Std R" panose="02020400000000000000" pitchFamily="18" charset="-122"/>
+              </a:rPr>
+              <a:t>用户名</a:t>
+            </a:r>
+            <a:r>
+              <a:rPr lang="zh-CN" altLang="en-US" dirty="0">
+                <a:solidFill>
+                  <a:srgbClr val="FF0000"/>
+                </a:solidFill>
+                <a:latin typeface="Adobe 楷体 Std R" panose="02020400000000000000" pitchFamily="18" charset="-122"/>
+                <a:ea typeface="Adobe 楷体 Std R" panose="02020400000000000000" pitchFamily="18" charset="-122"/>
+              </a:rPr>
+              <a:t>密码的</a:t>
+            </a:r>
+            <a:r>
+              <a:rPr lang="zh-CN" altLang="en-US" dirty="0" smtClean="0">
+                <a:solidFill>
+                  <a:srgbClr val="FF0000"/>
+                </a:solidFill>
+                <a:latin typeface="Adobe 楷体 Std R" panose="02020400000000000000" pitchFamily="18" charset="-122"/>
+                <a:ea typeface="Adobe 楷体 Std R" panose="02020400000000000000" pitchFamily="18" charset="-122"/>
+              </a:rPr>
+              <a:t>规则</a:t>
+            </a:r>
+            <a:endParaRPr lang="en-US" altLang="zh-CN" dirty="0" smtClean="0">
+              <a:solidFill>
+                <a:srgbClr val="FF0000"/>
+              </a:solidFill>
+              <a:latin typeface="Adobe 楷体 Std R" panose="02020400000000000000" pitchFamily="18" charset="-122"/>
+              <a:ea typeface="Adobe 楷体 Std R" panose="02020400000000000000" pitchFamily="18" charset="-122"/>
+            </a:endParaRPr>
+          </a:p>
+          <a:p>
+            <a:pPr marL="0" indent="0">
+              <a:buNone/>
+            </a:pPr>
+            <a:r>
+              <a:rPr lang="en-US" altLang="zh-CN" dirty="0">
+                <a:solidFill>
+                  <a:srgbClr val="FF0000"/>
+                </a:solidFill>
+                <a:latin typeface="Adobe 楷体 Std R" panose="02020400000000000000" pitchFamily="18" charset="-122"/>
+                <a:ea typeface="Adobe 楷体 Std R" panose="02020400000000000000" pitchFamily="18" charset="-122"/>
+              </a:rPr>
               <a:t>	</a:t>
             </a:r>
             <a:r>
+              <a:rPr lang="en-US" altLang="zh-CN" dirty="0">
+                <a:latin typeface="Adobe 楷体 Std R" panose="02020400000000000000" pitchFamily="18" charset="-122"/>
+                <a:ea typeface="Adobe 楷体 Std R" panose="02020400000000000000" pitchFamily="18" charset="-122"/>
+              </a:rPr>
+              <a:t>C</a:t>
+            </a:r>
+            <a:r>
               <a:rPr lang="en-US" altLang="zh-CN" dirty="0" smtClean="0">
-                <a:latin typeface="Adobe 楷体 Std R" panose="02020400000000000000" pitchFamily="18" charset="-122"/>
-                <a:ea typeface="Adobe 楷体 Std R" panose="02020400000000000000" pitchFamily="18" charset="-122"/>
-              </a:rPr>
-              <a:t>C </a:t>
+                <a:solidFill>
+                  <a:srgbClr val="FF0000"/>
+                </a:solidFill>
+                <a:latin typeface="Adobe 楷体 Std R" panose="02020400000000000000" pitchFamily="18" charset="-122"/>
+                <a:ea typeface="Adobe 楷体 Std R" panose="02020400000000000000" pitchFamily="18" charset="-122"/>
+              </a:rPr>
+              <a:t> </a:t>
             </a:r>
             <a:r>
               <a:rPr lang="zh-CN" altLang="en-US" dirty="0" smtClean="0">
-                <a:latin typeface="Adobe 楷体 Std R" panose="02020400000000000000" pitchFamily="18" charset="-122"/>
-                <a:ea typeface="Adobe 楷体 Std R" panose="02020400000000000000" pitchFamily="18" charset="-122"/>
-              </a:rPr>
-              <a:t>更改的密码与原密码是否重复？</a:t>
-            </a:r>
-            <a:r>
-              <a:rPr lang="en-US" altLang="zh-CN" dirty="0" smtClean="0">
-                <a:latin typeface="Adobe 楷体 Std R" panose="02020400000000000000" pitchFamily="18" charset="-122"/>
-                <a:ea typeface="Adobe 楷体 Std R" panose="02020400000000000000" pitchFamily="18" charset="-122"/>
-              </a:rPr>
-              <a:t> </a:t>
-            </a:r>
+                <a:solidFill>
+                  <a:srgbClr val="FF0000"/>
+                </a:solidFill>
+                <a:latin typeface="Adobe 楷体 Std R" panose="02020400000000000000" pitchFamily="18" charset="-122"/>
+                <a:ea typeface="Adobe 楷体 Std R" panose="02020400000000000000" pitchFamily="18" charset="-122"/>
+              </a:rPr>
+              <a:t>是否多次提交</a:t>
+            </a:r>
+            <a:endParaRPr lang="en-US" altLang="zh-CN" dirty="0" smtClean="0">
+              <a:solidFill>
+                <a:srgbClr val="FF0000"/>
+              </a:solidFill>
+              <a:latin typeface="Adobe 楷体 Std R" panose="02020400000000000000" pitchFamily="18" charset="-122"/>
+              <a:ea typeface="Adobe 楷体 Std R" panose="02020400000000000000" pitchFamily="18" charset="-122"/>
+            </a:endParaRPr>
+          </a:p>
+          <a:p>
+            <a:pPr marL="0" indent="0">
+              <a:buNone/>
+            </a:pPr>
             <a:endParaRPr lang="en-US" altLang="zh-CN" dirty="0">
+              <a:solidFill>
+                <a:srgbClr val="FF0000"/>
+              </a:solidFill>
+              <a:latin typeface="Adobe 楷体 Std R" panose="02020400000000000000" pitchFamily="18" charset="-122"/>
+              <a:ea typeface="Adobe 楷体 Std R" panose="02020400000000000000" pitchFamily="18" charset="-122"/>
+            </a:endParaRPr>
+          </a:p>
+          <a:p>
+            <a:pPr marL="0" indent="0">
+              <a:buNone/>
+            </a:pPr>
+            <a:endParaRPr lang="zh-CN" altLang="en-US" dirty="0">
               <a:latin typeface="Adobe 楷体 Std R" panose="02020400000000000000" pitchFamily="18" charset="-122"/>
               <a:ea typeface="Adobe 楷体 Std R" panose="02020400000000000000" pitchFamily="18" charset="-122"/>
             </a:endParaRPr>
@@ -18576,7 +18490,7 @@
     </p:spTree>
     <p:extLst>
       <p:ext uri="{BB962C8B-B14F-4D97-AF65-F5344CB8AC3E}">
-        <p14:creationId xmlns:p14="http://schemas.microsoft.com/office/powerpoint/2010/main" val="3793269827"/>
+        <p14:creationId xmlns:p14="http://schemas.microsoft.com/office/powerpoint/2010/main" val="516176210"/>
       </p:ext>
     </p:extLst>
   </p:cSld>
@@ -20213,7 +20127,7 @@
                 <a:latin typeface="Adobe 黑体 Std R" panose="020B0400000000000000" pitchFamily="34" charset="-122"/>
                 <a:ea typeface="Adobe 黑体 Std R" panose="020B0400000000000000" pitchFamily="34" charset="-122"/>
               </a:rPr>
-              <a:t>“数据”相关的迭代</a:t>
+              <a:t>登录的逻辑</a:t>
             </a:r>
             <a:endParaRPr lang="zh-CN" altLang="en-US" dirty="0">
               <a:latin typeface="Adobe 黑体 Std R" panose="020B0400000000000000" pitchFamily="34" charset="-122"/>
@@ -20237,12 +20151,22 @@
           <a:bodyPr/>
           <a:lstStyle/>
           <a:p>
+            <a:pPr marL="0" indent="0">
+              <a:buNone/>
+            </a:pPr>
+            <a:r>
+              <a:rPr lang="en-US" altLang="zh-CN" dirty="0" smtClean="0">
+                <a:latin typeface="Adobe 楷体 Std R" panose="02020400000000000000" pitchFamily="18" charset="-122"/>
+                <a:ea typeface="Adobe 楷体 Std R" panose="02020400000000000000" pitchFamily="18" charset="-122"/>
+              </a:rPr>
+              <a:t>1</a:t>
+            </a:r>
             <a:r>
               <a:rPr lang="zh-CN" altLang="en-US" dirty="0" smtClean="0">
                 <a:latin typeface="Adobe 楷体 Std R" panose="02020400000000000000" pitchFamily="18" charset="-122"/>
                 <a:ea typeface="Adobe 楷体 Std R" panose="02020400000000000000" pitchFamily="18" charset="-122"/>
               </a:rPr>
-              <a:t>写死在代码中</a:t>
+              <a:t>、用户名密码提交前的检测</a:t>
             </a:r>
             <a:endParaRPr lang="en-US" altLang="zh-CN" dirty="0" smtClean="0">
               <a:latin typeface="Adobe 楷体 Std R" panose="02020400000000000000" pitchFamily="18" charset="-122"/>
@@ -20250,12 +20174,22 @@
             </a:endParaRPr>
           </a:p>
           <a:p>
+            <a:pPr marL="0" indent="0">
+              <a:buNone/>
+            </a:pPr>
+            <a:r>
+              <a:rPr lang="en-US" altLang="zh-CN" dirty="0" smtClean="0">
+                <a:latin typeface="Adobe 楷体 Std R" panose="02020400000000000000" pitchFamily="18" charset="-122"/>
+                <a:ea typeface="Adobe 楷体 Std R" panose="02020400000000000000" pitchFamily="18" charset="-122"/>
+              </a:rPr>
+              <a:t>2</a:t>
+            </a:r>
             <a:r>
               <a:rPr lang="zh-CN" altLang="en-US" dirty="0" smtClean="0">
                 <a:latin typeface="Adobe 楷体 Std R" panose="02020400000000000000" pitchFamily="18" charset="-122"/>
                 <a:ea typeface="Adobe 楷体 Std R" panose="02020400000000000000" pitchFamily="18" charset="-122"/>
               </a:rPr>
-              <a:t>写在一个（配置）文件中，可以修改</a:t>
+              <a:t>、用户名密码的验证</a:t>
             </a:r>
             <a:endParaRPr lang="en-US" altLang="zh-CN" dirty="0" smtClean="0">
               <a:latin typeface="Adobe 楷体 Std R" panose="02020400000000000000" pitchFamily="18" charset="-122"/>
@@ -20263,27 +20197,73 @@
             </a:endParaRPr>
           </a:p>
           <a:p>
+            <a:pPr marL="0" indent="0">
+              <a:buNone/>
+            </a:pPr>
+            <a:r>
+              <a:rPr lang="en-US" altLang="zh-CN" dirty="0">
+                <a:latin typeface="Adobe 楷体 Std R" panose="02020400000000000000" pitchFamily="18" charset="-122"/>
+                <a:ea typeface="Adobe 楷体 Std R" panose="02020400000000000000" pitchFamily="18" charset="-122"/>
+              </a:rPr>
+              <a:t>	</a:t>
+            </a:r>
+            <a:r>
+              <a:rPr lang="en-US" altLang="zh-CN" dirty="0" smtClean="0">
+                <a:latin typeface="Adobe 楷体 Std R" panose="02020400000000000000" pitchFamily="18" charset="-122"/>
+                <a:ea typeface="Adobe 楷体 Std R" panose="02020400000000000000" pitchFamily="18" charset="-122"/>
+              </a:rPr>
+              <a:t>A </a:t>
+            </a:r>
             <a:r>
               <a:rPr lang="zh-CN" altLang="en-US" dirty="0" smtClean="0">
-                <a:latin typeface="Adobe 楷体 Std R" panose="02020400000000000000" pitchFamily="18" charset="-122"/>
-                <a:ea typeface="Adobe 楷体 Std R" panose="02020400000000000000" pitchFamily="18" charset="-122"/>
-              </a:rPr>
-              <a:t>放在数据库中</a:t>
-            </a:r>
-            <a:endParaRPr lang="en-US" altLang="zh-CN" dirty="0" smtClean="0">
+                <a:solidFill>
+                  <a:srgbClr val="FF0000"/>
+                </a:solidFill>
+                <a:latin typeface="Adobe 楷体 Std R" panose="02020400000000000000" pitchFamily="18" charset="-122"/>
+                <a:ea typeface="Adobe 楷体 Std R" panose="02020400000000000000" pitchFamily="18" charset="-122"/>
+              </a:rPr>
+              <a:t>不存在该用户</a:t>
+            </a:r>
+            <a:endParaRPr lang="en-US" altLang="zh-CN" dirty="0">
+              <a:solidFill>
+                <a:srgbClr val="FF0000"/>
+              </a:solidFill>
               <a:latin typeface="Adobe 楷体 Std R" panose="02020400000000000000" pitchFamily="18" charset="-122"/>
               <a:ea typeface="Adobe 楷体 Std R" panose="02020400000000000000" pitchFamily="18" charset="-122"/>
             </a:endParaRPr>
           </a:p>
           <a:p>
+            <a:pPr marL="0" indent="0">
+              <a:buNone/>
+            </a:pPr>
+            <a:r>
+              <a:rPr lang="en-US" altLang="zh-CN" dirty="0">
+                <a:latin typeface="Adobe 楷体 Std R" panose="02020400000000000000" pitchFamily="18" charset="-122"/>
+                <a:ea typeface="Adobe 楷体 Std R" panose="02020400000000000000" pitchFamily="18" charset="-122"/>
+              </a:rPr>
+              <a:t>	</a:t>
+            </a:r>
+            <a:r>
+              <a:rPr lang="en-US" altLang="zh-CN" dirty="0" smtClean="0">
+                <a:latin typeface="Adobe 楷体 Std R" panose="02020400000000000000" pitchFamily="18" charset="-122"/>
+                <a:ea typeface="Adobe 楷体 Std R" panose="02020400000000000000" pitchFamily="18" charset="-122"/>
+              </a:rPr>
+              <a:t>B </a:t>
+            </a:r>
             <a:r>
               <a:rPr lang="zh-CN" altLang="en-US" dirty="0" smtClean="0">
-                <a:latin typeface="Adobe 楷体 Std R" panose="02020400000000000000" pitchFamily="18" charset="-122"/>
-                <a:ea typeface="Adobe 楷体 Std R" panose="02020400000000000000" pitchFamily="18" charset="-122"/>
-              </a:rPr>
-              <a:t>数据库的数据加密</a:t>
+                <a:solidFill>
+                  <a:srgbClr val="FF0000"/>
+                </a:solidFill>
+                <a:latin typeface="Adobe 楷体 Std R" panose="02020400000000000000" pitchFamily="18" charset="-122"/>
+                <a:ea typeface="Adobe 楷体 Std R" panose="02020400000000000000" pitchFamily="18" charset="-122"/>
+              </a:rPr>
+              <a:t>用户名和密码不匹配</a:t>
             </a:r>
             <a:endParaRPr lang="zh-CN" altLang="en-US" dirty="0">
+              <a:solidFill>
+                <a:srgbClr val="FF0000"/>
+              </a:solidFill>
               <a:latin typeface="Adobe 楷体 Std R" panose="02020400000000000000" pitchFamily="18" charset="-122"/>
               <a:ea typeface="Adobe 楷体 Std R" panose="02020400000000000000" pitchFamily="18" charset="-122"/>
             </a:endParaRPr>
@@ -20293,7 +20273,7 @@
     </p:spTree>
     <p:extLst>
       <p:ext uri="{BB962C8B-B14F-4D97-AF65-F5344CB8AC3E}">
-        <p14:creationId xmlns:p14="http://schemas.microsoft.com/office/powerpoint/2010/main" val="1870687755"/>
+        <p14:creationId xmlns:p14="http://schemas.microsoft.com/office/powerpoint/2010/main" val="3793004139"/>
       </p:ext>
     </p:extLst>
   </p:cSld>
@@ -20347,7 +20327,7 @@
                 <a:latin typeface="Adobe 黑体 Std R" panose="020B0400000000000000" pitchFamily="34" charset="-122"/>
                 <a:ea typeface="Adobe 黑体 Std R" panose="020B0400000000000000" pitchFamily="34" charset="-122"/>
               </a:rPr>
-              <a:t>密码的安全性</a:t>
+              <a:t>更改密码的策略</a:t>
             </a:r>
             <a:endParaRPr lang="zh-CN" altLang="en-US" dirty="0">
               <a:latin typeface="Adobe 黑体 Std R" panose="020B0400000000000000" pitchFamily="34" charset="-122"/>
@@ -20371,12 +20351,15 @@
           <a:bodyPr/>
           <a:lstStyle/>
           <a:p>
+            <a:pPr marL="0" indent="0">
+              <a:buNone/>
+            </a:pPr>
             <a:r>
               <a:rPr lang="zh-CN" altLang="en-US" dirty="0" smtClean="0">
                 <a:latin typeface="Adobe 楷体 Std R" panose="02020400000000000000" pitchFamily="18" charset="-122"/>
                 <a:ea typeface="Adobe 楷体 Std R" panose="02020400000000000000" pitchFamily="18" charset="-122"/>
               </a:rPr>
-              <a:t>密码的复杂度</a:t>
+              <a:t>安全策略</a:t>
             </a:r>
             <a:endParaRPr lang="en-US" altLang="zh-CN" dirty="0" smtClean="0">
               <a:latin typeface="Adobe 楷体 Std R" panose="02020400000000000000" pitchFamily="18" charset="-122"/>
@@ -20384,86 +20367,121 @@
             </a:endParaRPr>
           </a:p>
           <a:p>
-            <a:pPr lvl="1"/>
+            <a:pPr marL="0" indent="0">
+              <a:buNone/>
+            </a:pPr>
+            <a:r>
+              <a:rPr lang="en-US" altLang="zh-CN" dirty="0">
+                <a:latin typeface="Adobe 楷体 Std R" panose="02020400000000000000" pitchFamily="18" charset="-122"/>
+                <a:ea typeface="Adobe 楷体 Std R" panose="02020400000000000000" pitchFamily="18" charset="-122"/>
+              </a:rPr>
+              <a:t>	</a:t>
+            </a:r>
             <a:r>
               <a:rPr lang="en-US" altLang="zh-CN" dirty="0" smtClean="0">
                 <a:latin typeface="Adobe 楷体 Std R" panose="02020400000000000000" pitchFamily="18" charset="-122"/>
                 <a:ea typeface="Adobe 楷体 Std R" panose="02020400000000000000" pitchFamily="18" charset="-122"/>
               </a:rPr>
-              <a:t>123456</a:t>
-            </a:r>
-          </a:p>
-          <a:p>
-            <a:pPr lvl="1"/>
+              <a:t>A </a:t>
+            </a:r>
+            <a:r>
+              <a:rPr lang="zh-CN" altLang="en-US" dirty="0" smtClean="0">
+                <a:latin typeface="Adobe 楷体 Std R" panose="02020400000000000000" pitchFamily="18" charset="-122"/>
+                <a:ea typeface="Adobe 楷体 Std R" panose="02020400000000000000" pitchFamily="18" charset="-122"/>
+              </a:rPr>
+              <a:t>是否登录成功？</a:t>
+            </a:r>
+            <a:endParaRPr lang="en-US" altLang="zh-CN" dirty="0" smtClean="0">
+              <a:latin typeface="Adobe 楷体 Std R" panose="02020400000000000000" pitchFamily="18" charset="-122"/>
+              <a:ea typeface="Adobe 楷体 Std R" panose="02020400000000000000" pitchFamily="18" charset="-122"/>
+            </a:endParaRPr>
+          </a:p>
+          <a:p>
+            <a:pPr marL="0" indent="0">
+              <a:buNone/>
+            </a:pPr>
+            <a:r>
+              <a:rPr lang="en-US" altLang="zh-CN" dirty="0">
+                <a:latin typeface="Adobe 楷体 Std R" panose="02020400000000000000" pitchFamily="18" charset="-122"/>
+                <a:ea typeface="Adobe 楷体 Std R" panose="02020400000000000000" pitchFamily="18" charset="-122"/>
+              </a:rPr>
+              <a:t>	</a:t>
+            </a:r>
             <a:r>
               <a:rPr lang="en-US" altLang="zh-CN" dirty="0" smtClean="0">
                 <a:latin typeface="Adobe 楷体 Std R" panose="02020400000000000000" pitchFamily="18" charset="-122"/>
                 <a:ea typeface="Adobe 楷体 Std R" panose="02020400000000000000" pitchFamily="18" charset="-122"/>
               </a:rPr>
-              <a:t>111111</a:t>
+              <a:t>B </a:t>
+            </a:r>
+            <a:r>
+              <a:rPr lang="zh-CN" altLang="en-US" dirty="0" smtClean="0">
+                <a:latin typeface="Adobe 楷体 Std R" panose="02020400000000000000" pitchFamily="18" charset="-122"/>
+                <a:ea typeface="Adobe 楷体 Std R" panose="02020400000000000000" pitchFamily="18" charset="-122"/>
+              </a:rPr>
+              <a:t>密码是否符合规范？</a:t>
+            </a:r>
+            <a:endParaRPr lang="en-US" altLang="zh-CN" dirty="0" smtClean="0">
+              <a:latin typeface="Adobe 楷体 Std R" panose="02020400000000000000" pitchFamily="18" charset="-122"/>
+              <a:ea typeface="Adobe 楷体 Std R" panose="02020400000000000000" pitchFamily="18" charset="-122"/>
+            </a:endParaRPr>
+          </a:p>
+          <a:p>
+            <a:pPr marL="0" indent="0">
+              <a:buNone/>
+            </a:pPr>
+            <a:r>
+              <a:rPr lang="en-US" altLang="zh-CN" dirty="0">
+                <a:latin typeface="Adobe 楷体 Std R" panose="02020400000000000000" pitchFamily="18" charset="-122"/>
+                <a:ea typeface="Adobe 楷体 Std R" panose="02020400000000000000" pitchFamily="18" charset="-122"/>
+              </a:rPr>
+              <a:t>	</a:t>
+            </a:r>
+            <a:r>
+              <a:rPr lang="en-US" altLang="zh-CN" dirty="0" smtClean="0">
+                <a:latin typeface="Adobe 楷体 Std R" panose="02020400000000000000" pitchFamily="18" charset="-122"/>
+                <a:ea typeface="Adobe 楷体 Std R" panose="02020400000000000000" pitchFamily="18" charset="-122"/>
+              </a:rPr>
+              <a:t>C </a:t>
+            </a:r>
+            <a:r>
+              <a:rPr lang="zh-CN" altLang="en-US" dirty="0" smtClean="0">
+                <a:latin typeface="Adobe 楷体 Std R" panose="02020400000000000000" pitchFamily="18" charset="-122"/>
+                <a:ea typeface="Adobe 楷体 Std R" panose="02020400000000000000" pitchFamily="18" charset="-122"/>
+              </a:rPr>
+              <a:t>更改的密码与原密码是否重复？</a:t>
+            </a:r>
+            <a:r>
+              <a:rPr lang="en-US" altLang="zh-CN" dirty="0" smtClean="0">
+                <a:latin typeface="Adobe 楷体 Std R" panose="02020400000000000000" pitchFamily="18" charset="-122"/>
+                <a:ea typeface="Adobe 楷体 Std R" panose="02020400000000000000" pitchFamily="18" charset="-122"/>
+              </a:rPr>
+              <a:t> </a:t>
             </a:r>
             <a:endParaRPr lang="en-US" altLang="zh-CN" dirty="0">
               <a:latin typeface="Adobe 楷体 Std R" panose="02020400000000000000" pitchFamily="18" charset="-122"/>
               <a:ea typeface="Adobe 楷体 Std R" panose="02020400000000000000" pitchFamily="18" charset="-122"/>
             </a:endParaRPr>
-          </a:p>
-          <a:p>
-            <a:pPr lvl="1"/>
-            <a:r>
-              <a:rPr lang="en-US" altLang="zh-CN" dirty="0" err="1">
-                <a:latin typeface="Adobe 楷体 Std R" panose="02020400000000000000" pitchFamily="18" charset="-122"/>
-                <a:ea typeface="Adobe 楷体 Std R" panose="02020400000000000000" pitchFamily="18" charset="-122"/>
-              </a:rPr>
-              <a:t>abcdefgh</a:t>
-            </a:r>
-            <a:endParaRPr lang="en-US" altLang="zh-CN" dirty="0">
-              <a:latin typeface="Adobe 楷体 Std R" panose="02020400000000000000" pitchFamily="18" charset="-122"/>
-              <a:ea typeface="Adobe 楷体 Std R" panose="02020400000000000000" pitchFamily="18" charset="-122"/>
-            </a:endParaRPr>
-          </a:p>
-          <a:p>
-            <a:pPr lvl="1"/>
-            <a:r>
-              <a:rPr lang="en-US" altLang="zh-CN" dirty="0" err="1">
-                <a:latin typeface="Adobe 楷体 Std R" panose="02020400000000000000" pitchFamily="18" charset="-122"/>
-                <a:ea typeface="Adobe 楷体 Std R" panose="02020400000000000000" pitchFamily="18" charset="-122"/>
-              </a:rPr>
-              <a:t>Abefgttw</a:t>
-            </a:r>
-            <a:endParaRPr lang="en-US" altLang="zh-CN" dirty="0">
-              <a:latin typeface="Adobe 楷体 Std R" panose="02020400000000000000" pitchFamily="18" charset="-122"/>
-              <a:ea typeface="Adobe 楷体 Std R" panose="02020400000000000000" pitchFamily="18" charset="-122"/>
-            </a:endParaRPr>
-          </a:p>
-          <a:p>
-            <a:pPr lvl="1"/>
-            <a:r>
-              <a:rPr lang="en-US" altLang="zh-CN" dirty="0" err="1">
-                <a:latin typeface="Adobe 楷体 Std R" panose="02020400000000000000" pitchFamily="18" charset="-122"/>
-                <a:ea typeface="Adobe 楷体 Std R" panose="02020400000000000000" pitchFamily="18" charset="-122"/>
-              </a:rPr>
-              <a:t>Sotoni#t</a:t>
-            </a:r>
-            <a:r>
-              <a:rPr lang="en-US" altLang="zh-CN" dirty="0" smtClean="0">
-                <a:latin typeface="Adobe 楷体 Std R" panose="02020400000000000000" pitchFamily="18" charset="-122"/>
-                <a:ea typeface="Adobe 楷体 Std R" panose="02020400000000000000" pitchFamily="18" charset="-122"/>
-              </a:rPr>
-              <a:t>&amp;*</a:t>
-            </a:r>
           </a:p>
         </p:txBody>
       </p:sp>
     </p:spTree>
     <p:extLst>
       <p:ext uri="{BB962C8B-B14F-4D97-AF65-F5344CB8AC3E}">
-        <p14:creationId xmlns:p14="http://schemas.microsoft.com/office/powerpoint/2010/main" val="1356237223"/>
+        <p14:creationId xmlns:p14="http://schemas.microsoft.com/office/powerpoint/2010/main" val="3793269827"/>
       </p:ext>
     </p:extLst>
   </p:cSld>
   <p:clrMapOvr>
     <a:masterClrMapping/>
   </p:clrMapOvr>
+  <p:timing>
+    <p:tnLst>
+      <p:par>
+        <p:cTn id="1" dur="indefinite" restart="never" nodeType="tmRoot"/>
+      </p:par>
+    </p:tnLst>
+  </p:timing>
 </p:sld>
 </file>
 
@@ -20506,6 +20524,170 @@
               </a:rPr>
               <a:t>密码的安全性</a:t>
             </a:r>
+            <a:endParaRPr lang="zh-CN" altLang="en-US" dirty="0">
+              <a:latin typeface="Adobe 黑体 Std R" panose="020B0400000000000000" pitchFamily="34" charset="-122"/>
+              <a:ea typeface="Adobe 黑体 Std R" panose="020B0400000000000000" pitchFamily="34" charset="-122"/>
+            </a:endParaRPr>
+          </a:p>
+        </p:txBody>
+      </p:sp>
+      <p:sp>
+        <p:nvSpPr>
+          <p:cNvPr id="3" name="内容占位符 2"/>
+          <p:cNvSpPr>
+            <a:spLocks noGrp="1"/>
+          </p:cNvSpPr>
+          <p:nvPr>
+            <p:ph idx="1"/>
+          </p:nvPr>
+        </p:nvSpPr>
+        <p:spPr/>
+        <p:txBody>
+          <a:bodyPr/>
+          <a:lstStyle/>
+          <a:p>
+            <a:r>
+              <a:rPr lang="zh-CN" altLang="en-US" dirty="0" smtClean="0">
+                <a:latin typeface="Adobe 楷体 Std R" panose="02020400000000000000" pitchFamily="18" charset="-122"/>
+                <a:ea typeface="Adobe 楷体 Std R" panose="02020400000000000000" pitchFamily="18" charset="-122"/>
+              </a:rPr>
+              <a:t>密码的复杂度</a:t>
+            </a:r>
+            <a:endParaRPr lang="en-US" altLang="zh-CN" dirty="0" smtClean="0">
+              <a:latin typeface="Adobe 楷体 Std R" panose="02020400000000000000" pitchFamily="18" charset="-122"/>
+              <a:ea typeface="Adobe 楷体 Std R" panose="02020400000000000000" pitchFamily="18" charset="-122"/>
+            </a:endParaRPr>
+          </a:p>
+          <a:p>
+            <a:pPr lvl="1"/>
+            <a:r>
+              <a:rPr lang="en-US" altLang="zh-CN" dirty="0" smtClean="0">
+                <a:latin typeface="Adobe 楷体 Std R" panose="02020400000000000000" pitchFamily="18" charset="-122"/>
+                <a:ea typeface="Adobe 楷体 Std R" panose="02020400000000000000" pitchFamily="18" charset="-122"/>
+              </a:rPr>
+              <a:t>123456</a:t>
+            </a:r>
+          </a:p>
+          <a:p>
+            <a:pPr lvl="1"/>
+            <a:r>
+              <a:rPr lang="en-US" altLang="zh-CN" dirty="0" smtClean="0">
+                <a:latin typeface="Adobe 楷体 Std R" panose="02020400000000000000" pitchFamily="18" charset="-122"/>
+                <a:ea typeface="Adobe 楷体 Std R" panose="02020400000000000000" pitchFamily="18" charset="-122"/>
+              </a:rPr>
+              <a:t>111111</a:t>
+            </a:r>
+            <a:endParaRPr lang="en-US" altLang="zh-CN" dirty="0">
+              <a:latin typeface="Adobe 楷体 Std R" panose="02020400000000000000" pitchFamily="18" charset="-122"/>
+              <a:ea typeface="Adobe 楷体 Std R" panose="02020400000000000000" pitchFamily="18" charset="-122"/>
+            </a:endParaRPr>
+          </a:p>
+          <a:p>
+            <a:pPr lvl="1"/>
+            <a:r>
+              <a:rPr lang="en-US" altLang="zh-CN" dirty="0" err="1">
+                <a:latin typeface="Adobe 楷体 Std R" panose="02020400000000000000" pitchFamily="18" charset="-122"/>
+                <a:ea typeface="Adobe 楷体 Std R" panose="02020400000000000000" pitchFamily="18" charset="-122"/>
+              </a:rPr>
+              <a:t>abcdefgh</a:t>
+            </a:r>
+            <a:endParaRPr lang="en-US" altLang="zh-CN" dirty="0">
+              <a:latin typeface="Adobe 楷体 Std R" panose="02020400000000000000" pitchFamily="18" charset="-122"/>
+              <a:ea typeface="Adobe 楷体 Std R" panose="02020400000000000000" pitchFamily="18" charset="-122"/>
+            </a:endParaRPr>
+          </a:p>
+          <a:p>
+            <a:pPr lvl="1"/>
+            <a:r>
+              <a:rPr lang="en-US" altLang="zh-CN" dirty="0" err="1">
+                <a:latin typeface="Adobe 楷体 Std R" panose="02020400000000000000" pitchFamily="18" charset="-122"/>
+                <a:ea typeface="Adobe 楷体 Std R" panose="02020400000000000000" pitchFamily="18" charset="-122"/>
+              </a:rPr>
+              <a:t>Abefgttw</a:t>
+            </a:r>
+            <a:endParaRPr lang="en-US" altLang="zh-CN" dirty="0">
+              <a:latin typeface="Adobe 楷体 Std R" panose="02020400000000000000" pitchFamily="18" charset="-122"/>
+              <a:ea typeface="Adobe 楷体 Std R" panose="02020400000000000000" pitchFamily="18" charset="-122"/>
+            </a:endParaRPr>
+          </a:p>
+          <a:p>
+            <a:pPr lvl="1"/>
+            <a:r>
+              <a:rPr lang="en-US" altLang="zh-CN" dirty="0" err="1">
+                <a:latin typeface="Adobe 楷体 Std R" panose="02020400000000000000" pitchFamily="18" charset="-122"/>
+                <a:ea typeface="Adobe 楷体 Std R" panose="02020400000000000000" pitchFamily="18" charset="-122"/>
+              </a:rPr>
+              <a:t>Sotoni#t</a:t>
+            </a:r>
+            <a:r>
+              <a:rPr lang="en-US" altLang="zh-CN" dirty="0" smtClean="0">
+                <a:latin typeface="Adobe 楷体 Std R" panose="02020400000000000000" pitchFamily="18" charset="-122"/>
+                <a:ea typeface="Adobe 楷体 Std R" panose="02020400000000000000" pitchFamily="18" charset="-122"/>
+              </a:rPr>
+              <a:t>&amp;*</a:t>
+            </a:r>
+          </a:p>
+        </p:txBody>
+      </p:sp>
+    </p:spTree>
+    <p:extLst>
+      <p:ext uri="{BB962C8B-B14F-4D97-AF65-F5344CB8AC3E}">
+        <p14:creationId xmlns:p14="http://schemas.microsoft.com/office/powerpoint/2010/main" val="1356237223"/>
+      </p:ext>
+    </p:extLst>
+  </p:cSld>
+  <p:clrMapOvr>
+    <a:masterClrMapping/>
+  </p:clrMapOvr>
+  <p:timing>
+    <p:tnLst>
+      <p:par>
+        <p:cTn id="1" dur="indefinite" restart="never" nodeType="tmRoot"/>
+      </p:par>
+    </p:tnLst>
+  </p:timing>
+</p:sld>
+</file>
+
+<file path=ppt/slides/slide33.xml><?xml version="1.0" encoding="utf-8"?>
+<p:sld xmlns:a="http://schemas.openxmlformats.org/drawingml/2006/main" xmlns:r="http://schemas.openxmlformats.org/officeDocument/2006/relationships" xmlns:p="http://schemas.openxmlformats.org/presentationml/2006/main">
+  <p:cSld>
+    <p:spTree>
+      <p:nvGrpSpPr>
+        <p:cNvPr id="1" name=""/>
+        <p:cNvGrpSpPr/>
+        <p:nvPr/>
+      </p:nvGrpSpPr>
+      <p:grpSpPr>
+        <a:xfrm>
+          <a:off x="0" y="0"/>
+          <a:ext cx="0" cy="0"/>
+          <a:chOff x="0" y="0"/>
+          <a:chExt cx="0" cy="0"/>
+        </a:xfrm>
+      </p:grpSpPr>
+      <p:sp>
+        <p:nvSpPr>
+          <p:cNvPr id="2" name="标题 1"/>
+          <p:cNvSpPr>
+            <a:spLocks noGrp="1"/>
+          </p:cNvSpPr>
+          <p:nvPr>
+            <p:ph type="title"/>
+          </p:nvPr>
+        </p:nvSpPr>
+        <p:spPr/>
+        <p:txBody>
+          <a:bodyPr/>
+          <a:lstStyle/>
+          <a:p>
+            <a:r>
+              <a:rPr lang="zh-CN" altLang="en-US" dirty="0" smtClean="0">
+                <a:latin typeface="Adobe 黑体 Std R" panose="020B0400000000000000" pitchFamily="34" charset="-122"/>
+                <a:ea typeface="Adobe 黑体 Std R" panose="020B0400000000000000" pitchFamily="34" charset="-122"/>
+              </a:rPr>
+              <a:t>密码的安全性</a:t>
+            </a:r>
             <a:r>
               <a:rPr lang="en-US" altLang="zh-CN" dirty="0" smtClean="0">
                 <a:latin typeface="Adobe 黑体 Std R" panose="020B0400000000000000" pitchFamily="34" charset="-122"/>
@@ -20518,7 +20700,21 @@
                 <a:latin typeface="Adobe 黑体 Std R" panose="020B0400000000000000" pitchFamily="34" charset="-122"/>
                 <a:ea typeface="Adobe 黑体 Std R" panose="020B0400000000000000" pitchFamily="34" charset="-122"/>
               </a:rPr>
-              <a:t>验证策略</a:t>
+              <a:t>验证</a:t>
+            </a:r>
+            <a:r>
+              <a:rPr lang="en-US" altLang="zh-CN" dirty="0" smtClean="0">
+                <a:latin typeface="Adobe 黑体 Std R" panose="020B0400000000000000" pitchFamily="34" charset="-122"/>
+                <a:ea typeface="Adobe 黑体 Std R" panose="020B0400000000000000" pitchFamily="34" charset="-122"/>
+              </a:rPr>
+              <a:t>/</a:t>
+            </a:r>
+            <a:r>
+              <a:rPr lang="zh-CN" altLang="en-US" dirty="0" smtClean="0">
+                <a:latin typeface="Adobe 黑体 Std R" panose="020B0400000000000000" pitchFamily="34" charset="-122"/>
+                <a:ea typeface="Adobe 黑体 Std R" panose="020B0400000000000000" pitchFamily="34" charset="-122"/>
+              </a:rPr>
+              <a:t>找回策略</a:t>
             </a:r>
             <a:endParaRPr lang="zh-CN" altLang="en-US" dirty="0">
               <a:latin typeface="Adobe 黑体 Std R" panose="020B0400000000000000" pitchFamily="34" charset="-122"/>
@@ -20606,7 +20802,7 @@
 </p:sld>
 </file>
 
-<file path=ppt/slides/slide33.xml><?xml version="1.0" encoding="utf-8"?>
+<file path=ppt/slides/slide34.xml><?xml version="1.0" encoding="utf-8"?>
 <p:sld xmlns:a="http://schemas.openxmlformats.org/drawingml/2006/main" xmlns:r="http://schemas.openxmlformats.org/officeDocument/2006/relationships" xmlns:p="http://schemas.openxmlformats.org/presentationml/2006/main">
   <p:cSld>
     <p:spTree>
@@ -20986,159 +21182,6 @@
 </p:sld>
 </file>
 
-<file path=ppt/slides/slide34.xml><?xml version="1.0" encoding="utf-8"?>
-<p:sld xmlns:a="http://schemas.openxmlformats.org/drawingml/2006/main" xmlns:r="http://schemas.openxmlformats.org/officeDocument/2006/relationships" xmlns:p="http://schemas.openxmlformats.org/presentationml/2006/main">
-  <p:cSld>
-    <p:spTree>
-      <p:nvGrpSpPr>
-        <p:cNvPr id="1" name=""/>
-        <p:cNvGrpSpPr/>
-        <p:nvPr/>
-      </p:nvGrpSpPr>
-      <p:grpSpPr>
-        <a:xfrm>
-          <a:off x="0" y="0"/>
-          <a:ext cx="0" cy="0"/>
-          <a:chOff x="0" y="0"/>
-          <a:chExt cx="0" cy="0"/>
-        </a:xfrm>
-      </p:grpSpPr>
-      <p:sp>
-        <p:nvSpPr>
-          <p:cNvPr id="2" name="标题 1"/>
-          <p:cNvSpPr>
-            <a:spLocks noGrp="1"/>
-          </p:cNvSpPr>
-          <p:nvPr>
-            <p:ph type="title"/>
-          </p:nvPr>
-        </p:nvSpPr>
-        <p:spPr/>
-        <p:txBody>
-          <a:bodyPr/>
-          <a:lstStyle/>
-          <a:p>
-            <a:r>
-              <a:rPr lang="zh-CN" altLang="en-US" dirty="0" smtClean="0">
-                <a:latin typeface="Adobe 黑体 Std R" panose="020B0400000000000000" pitchFamily="34" charset="-122"/>
-                <a:ea typeface="Adobe 黑体 Std R" panose="020B0400000000000000" pitchFamily="34" charset="-122"/>
-              </a:rPr>
-              <a:t>密码的加密存储</a:t>
-            </a:r>
-            <a:endParaRPr lang="zh-CN" altLang="en-US" dirty="0">
-              <a:latin typeface="Adobe 黑体 Std R" panose="020B0400000000000000" pitchFamily="34" charset="-122"/>
-              <a:ea typeface="Adobe 黑体 Std R" panose="020B0400000000000000" pitchFamily="34" charset="-122"/>
-            </a:endParaRPr>
-          </a:p>
-        </p:txBody>
-      </p:sp>
-      <p:sp>
-        <p:nvSpPr>
-          <p:cNvPr id="3" name="内容占位符 2"/>
-          <p:cNvSpPr>
-            <a:spLocks noGrp="1"/>
-          </p:cNvSpPr>
-          <p:nvPr>
-            <p:ph idx="1"/>
-          </p:nvPr>
-        </p:nvSpPr>
-        <p:spPr/>
-        <p:txBody>
-          <a:bodyPr/>
-          <a:lstStyle/>
-          <a:p>
-            <a:r>
-              <a:rPr lang="zh-CN" altLang="en-US" dirty="0" smtClean="0">
-                <a:latin typeface="Adobe 楷体 Std R" panose="02020400000000000000" pitchFamily="18" charset="-122"/>
-                <a:ea typeface="Adobe 楷体 Std R" panose="02020400000000000000" pitchFamily="18" charset="-122"/>
-              </a:rPr>
-              <a:t>为什么？</a:t>
-            </a:r>
-            <a:endParaRPr lang="en-US" altLang="zh-CN" dirty="0" smtClean="0">
-              <a:latin typeface="Adobe 楷体 Std R" panose="02020400000000000000" pitchFamily="18" charset="-122"/>
-              <a:ea typeface="Adobe 楷体 Std R" panose="02020400000000000000" pitchFamily="18" charset="-122"/>
-            </a:endParaRPr>
-          </a:p>
-          <a:p>
-            <a:r>
-              <a:rPr lang="zh-CN" altLang="en-US" dirty="0" smtClean="0">
-                <a:latin typeface="Adobe 楷体 Std R" panose="02020400000000000000" pitchFamily="18" charset="-122"/>
-                <a:ea typeface="Adobe 楷体 Std R" panose="02020400000000000000" pitchFamily="18" charset="-122"/>
-              </a:rPr>
-              <a:t>怎么做？</a:t>
-            </a:r>
-            <a:endParaRPr lang="en-US" altLang="zh-CN" dirty="0" smtClean="0">
-              <a:latin typeface="Adobe 楷体 Std R" panose="02020400000000000000" pitchFamily="18" charset="-122"/>
-              <a:ea typeface="Adobe 楷体 Std R" panose="02020400000000000000" pitchFamily="18" charset="-122"/>
-            </a:endParaRPr>
-          </a:p>
-          <a:p>
-            <a:pPr lvl="1"/>
-            <a:r>
-              <a:rPr lang="zh-CN" altLang="en-US" dirty="0" smtClean="0">
-                <a:latin typeface="Adobe 楷体 Std R" panose="02020400000000000000" pitchFamily="18" charset="-122"/>
-                <a:ea typeface="Adobe 楷体 Std R" panose="02020400000000000000" pitchFamily="18" charset="-122"/>
-              </a:rPr>
-              <a:t>单向加密，不能解密</a:t>
-            </a:r>
-            <a:endParaRPr lang="en-US" altLang="zh-CN" dirty="0" smtClean="0">
-              <a:latin typeface="Adobe 楷体 Std R" panose="02020400000000000000" pitchFamily="18" charset="-122"/>
-              <a:ea typeface="Adobe 楷体 Std R" panose="02020400000000000000" pitchFamily="18" charset="-122"/>
-            </a:endParaRPr>
-          </a:p>
-          <a:p>
-            <a:pPr lvl="1"/>
-            <a:r>
-              <a:rPr lang="zh-CN" altLang="en-US" dirty="0">
-                <a:latin typeface="Adobe 楷体 Std R" panose="02020400000000000000" pitchFamily="18" charset="-122"/>
-                <a:ea typeface="Adobe 楷体 Std R" panose="02020400000000000000" pitchFamily="18" charset="-122"/>
-              </a:rPr>
-              <a:t>只能加密后</a:t>
-            </a:r>
-            <a:r>
-              <a:rPr lang="zh-CN" altLang="en-US" dirty="0" smtClean="0">
-                <a:latin typeface="Adobe 楷体 Std R" panose="02020400000000000000" pitchFamily="18" charset="-122"/>
-                <a:ea typeface="Adobe 楷体 Std R" panose="02020400000000000000" pitchFamily="18" charset="-122"/>
-              </a:rPr>
-              <a:t>验证</a:t>
-            </a:r>
-            <a:endParaRPr lang="en-US" altLang="zh-CN" dirty="0">
-              <a:latin typeface="Adobe 楷体 Std R" panose="02020400000000000000" pitchFamily="18" charset="-122"/>
-              <a:ea typeface="Adobe 楷体 Std R" panose="02020400000000000000" pitchFamily="18" charset="-122"/>
-            </a:endParaRPr>
-          </a:p>
-          <a:p>
-            <a:pPr lvl="1"/>
-            <a:r>
-              <a:rPr lang="en-US" altLang="zh-CN" dirty="0" smtClean="0">
-                <a:latin typeface="Adobe 楷体 Std R" panose="02020400000000000000" pitchFamily="18" charset="-122"/>
-                <a:ea typeface="Adobe 楷体 Std R" panose="02020400000000000000" pitchFamily="18" charset="-122"/>
-              </a:rPr>
-              <a:t>MD5/SHA</a:t>
-            </a:r>
-          </a:p>
-        </p:txBody>
-      </p:sp>
-    </p:spTree>
-    <p:extLst>
-      <p:ext uri="{BB962C8B-B14F-4D97-AF65-F5344CB8AC3E}">
-        <p14:creationId xmlns:p14="http://schemas.microsoft.com/office/powerpoint/2010/main" val="2539479666"/>
-      </p:ext>
-    </p:extLst>
-  </p:cSld>
-  <p:clrMapOvr>
-    <a:masterClrMapping/>
-  </p:clrMapOvr>
-  <p:timing>
-    <p:tnLst>
-      <p:par>
-        <p:cTn id="1" dur="indefinite" restart="never" nodeType="tmRoot"/>
-      </p:par>
-    </p:tnLst>
-  </p:timing>
-</p:sld>
-</file>
-
 <file path=ppt/slides/slide35.xml><?xml version="1.0" encoding="utf-8"?>
 <p:sld xmlns:a="http://schemas.openxmlformats.org/drawingml/2006/main" xmlns:r="http://schemas.openxmlformats.org/officeDocument/2006/relationships" xmlns:p="http://schemas.openxmlformats.org/presentationml/2006/main">
   <p:cSld>
@@ -21172,12 +21215,16 @@
           <a:lstStyle/>
           <a:p>
             <a:r>
-              <a:rPr lang="zh-CN" altLang="en-US" dirty="0">
+              <a:rPr lang="zh-CN" altLang="en-US" dirty="0" smtClean="0">
                 <a:latin typeface="Adobe 黑体 Std R" panose="020B0400000000000000" pitchFamily="34" charset="-122"/>
                 <a:ea typeface="Adobe 黑体 Std R" panose="020B0400000000000000" pitchFamily="34" charset="-122"/>
               </a:rPr>
-              <a:t>问题</a:t>
-            </a:r>
+              <a:t>密码的加密存储</a:t>
+            </a:r>
+            <a:endParaRPr lang="zh-CN" altLang="en-US" dirty="0">
+              <a:latin typeface="Adobe 黑体 Std R" panose="020B0400000000000000" pitchFamily="34" charset="-122"/>
+              <a:ea typeface="Adobe 黑体 Std R" panose="020B0400000000000000" pitchFamily="34" charset="-122"/>
+            </a:endParaRPr>
           </a:p>
         </p:txBody>
       </p:sp>
@@ -21201,7 +21248,7 @@
                 <a:latin typeface="Adobe 楷体 Std R" panose="02020400000000000000" pitchFamily="18" charset="-122"/>
                 <a:ea typeface="Adobe 楷体 Std R" panose="02020400000000000000" pitchFamily="18" charset="-122"/>
               </a:rPr>
-              <a:t>哪种方式安全？</a:t>
+              <a:t>为什么？</a:t>
             </a:r>
             <a:endParaRPr lang="en-US" altLang="zh-CN" dirty="0" smtClean="0">
               <a:latin typeface="Adobe 楷体 Std R" panose="02020400000000000000" pitchFamily="18" charset="-122"/>
@@ -21209,62 +21256,69 @@
             </a:endParaRPr>
           </a:p>
           <a:p>
-            <a:pPr marL="457200" lvl="1" indent="0">
-              <a:buNone/>
-            </a:pPr>
-            <a:r>
-              <a:rPr lang="en-US" altLang="zh-CN" dirty="0" smtClean="0">
-                <a:latin typeface="Adobe 楷体 Std R" panose="02020400000000000000" pitchFamily="18" charset="-122"/>
-                <a:ea typeface="Adobe 楷体 Std R" panose="02020400000000000000" pitchFamily="18" charset="-122"/>
-              </a:rPr>
-              <a:t>A </a:t>
-            </a:r>
-            <a:r>
-              <a:rPr lang="en-US" altLang="zh-CN" dirty="0" smtClean="0">
-                <a:solidFill>
-                  <a:srgbClr val="FF0000"/>
-                </a:solidFill>
-                <a:latin typeface="Adobe 楷体 Std R" panose="02020400000000000000" pitchFamily="18" charset="-122"/>
-                <a:ea typeface="Adobe 楷体 Std R" panose="02020400000000000000" pitchFamily="18" charset="-122"/>
-              </a:rPr>
-              <a:t>http</a:t>
-            </a:r>
-          </a:p>
-          <a:p>
-            <a:pPr marL="457200" lvl="1" indent="0">
-              <a:buNone/>
-            </a:pPr>
-            <a:r>
-              <a:rPr lang="en-US" altLang="zh-CN" dirty="0" smtClean="0">
-                <a:latin typeface="Adobe 楷体 Std R" panose="02020400000000000000" pitchFamily="18" charset="-122"/>
-                <a:ea typeface="Adobe 楷体 Std R" panose="02020400000000000000" pitchFamily="18" charset="-122"/>
-              </a:rPr>
-              <a:t>B </a:t>
-            </a:r>
-            <a:r>
-              <a:rPr lang="en-US" altLang="zh-CN" dirty="0" smtClean="0">
-                <a:solidFill>
-                  <a:srgbClr val="FF0000"/>
-                </a:solidFill>
-                <a:latin typeface="Adobe 楷体 Std R" panose="02020400000000000000" pitchFamily="18" charset="-122"/>
-                <a:ea typeface="Adobe 楷体 Std R" panose="02020400000000000000" pitchFamily="18" charset="-122"/>
-              </a:rPr>
-              <a:t>https</a:t>
-            </a:r>
-            <a:endParaRPr lang="zh-CN" altLang="en-US" dirty="0">
-              <a:solidFill>
-                <a:srgbClr val="FF0000"/>
-              </a:solidFill>
+            <a:r>
+              <a:rPr lang="zh-CN" altLang="en-US" dirty="0" smtClean="0">
+                <a:latin typeface="Adobe 楷体 Std R" panose="02020400000000000000" pitchFamily="18" charset="-122"/>
+                <a:ea typeface="Adobe 楷体 Std R" panose="02020400000000000000" pitchFamily="18" charset="-122"/>
+              </a:rPr>
+              <a:t>怎么做？</a:t>
+            </a:r>
+            <a:endParaRPr lang="en-US" altLang="zh-CN" dirty="0" smtClean="0">
               <a:latin typeface="Adobe 楷体 Std R" panose="02020400000000000000" pitchFamily="18" charset="-122"/>
               <a:ea typeface="Adobe 楷体 Std R" panose="02020400000000000000" pitchFamily="18" charset="-122"/>
             </a:endParaRPr>
+          </a:p>
+          <a:p>
+            <a:pPr lvl="1"/>
+            <a:r>
+              <a:rPr lang="zh-CN" altLang="en-US" dirty="0" smtClean="0">
+                <a:latin typeface="Adobe 楷体 Std R" panose="02020400000000000000" pitchFamily="18" charset="-122"/>
+                <a:ea typeface="Adobe 楷体 Std R" panose="02020400000000000000" pitchFamily="18" charset="-122"/>
+              </a:rPr>
+              <a:t>单向加密，不能解密</a:t>
+            </a:r>
+            <a:endParaRPr lang="en-US" altLang="zh-CN" dirty="0" smtClean="0">
+              <a:latin typeface="Adobe 楷体 Std R" panose="02020400000000000000" pitchFamily="18" charset="-122"/>
+              <a:ea typeface="Adobe 楷体 Std R" panose="02020400000000000000" pitchFamily="18" charset="-122"/>
+            </a:endParaRPr>
+          </a:p>
+          <a:p>
+            <a:pPr lvl="1"/>
+            <a:r>
+              <a:rPr lang="zh-CN" altLang="en-US" dirty="0">
+                <a:latin typeface="Adobe 楷体 Std R" panose="02020400000000000000" pitchFamily="18" charset="-122"/>
+                <a:ea typeface="Adobe 楷体 Std R" panose="02020400000000000000" pitchFamily="18" charset="-122"/>
+              </a:rPr>
+              <a:t>只能加密后</a:t>
+            </a:r>
+            <a:r>
+              <a:rPr lang="zh-CN" altLang="en-US" dirty="0" smtClean="0">
+                <a:latin typeface="Adobe 楷体 Std R" panose="02020400000000000000" pitchFamily="18" charset="-122"/>
+                <a:ea typeface="Adobe 楷体 Std R" panose="02020400000000000000" pitchFamily="18" charset="-122"/>
+              </a:rPr>
+              <a:t>验证</a:t>
+            </a:r>
+            <a:endParaRPr lang="en-US" altLang="zh-CN" dirty="0">
+              <a:latin typeface="Adobe 楷体 Std R" panose="02020400000000000000" pitchFamily="18" charset="-122"/>
+              <a:ea typeface="Adobe 楷体 Std R" panose="02020400000000000000" pitchFamily="18" charset="-122"/>
+            </a:endParaRPr>
+          </a:p>
+          <a:p>
+            <a:pPr lvl="1"/>
+            <a:r>
+              <a:rPr lang="en-US" altLang="zh-CN" dirty="0" smtClean="0">
+                <a:latin typeface="Adobe 楷体 Std R" panose="02020400000000000000" pitchFamily="18" charset="-122"/>
+                <a:ea typeface="Adobe 楷体 Std R" panose="02020400000000000000" pitchFamily="18" charset="-122"/>
+              </a:rPr>
+              <a:t>MD5/SHA</a:t>
+            </a:r>
           </a:p>
         </p:txBody>
       </p:sp>
     </p:spTree>
     <p:extLst>
       <p:ext uri="{BB962C8B-B14F-4D97-AF65-F5344CB8AC3E}">
-        <p14:creationId xmlns:p14="http://schemas.microsoft.com/office/powerpoint/2010/main" val="3460905818"/>
+        <p14:creationId xmlns:p14="http://schemas.microsoft.com/office/powerpoint/2010/main" val="2539479666"/>
       </p:ext>
     </p:extLst>
   </p:cSld>
@@ -21314,6 +21368,148 @@
           <a:lstStyle/>
           <a:p>
             <a:r>
+              <a:rPr lang="zh-CN" altLang="en-US" dirty="0">
+                <a:latin typeface="Adobe 黑体 Std R" panose="020B0400000000000000" pitchFamily="34" charset="-122"/>
+                <a:ea typeface="Adobe 黑体 Std R" panose="020B0400000000000000" pitchFamily="34" charset="-122"/>
+              </a:rPr>
+              <a:t>问题</a:t>
+            </a:r>
+          </a:p>
+        </p:txBody>
+      </p:sp>
+      <p:sp>
+        <p:nvSpPr>
+          <p:cNvPr id="3" name="内容占位符 2"/>
+          <p:cNvSpPr>
+            <a:spLocks noGrp="1"/>
+          </p:cNvSpPr>
+          <p:nvPr>
+            <p:ph idx="1"/>
+          </p:nvPr>
+        </p:nvSpPr>
+        <p:spPr/>
+        <p:txBody>
+          <a:bodyPr/>
+          <a:lstStyle/>
+          <a:p>
+            <a:r>
+              <a:rPr lang="zh-CN" altLang="en-US" dirty="0" smtClean="0">
+                <a:latin typeface="Adobe 楷体 Std R" panose="02020400000000000000" pitchFamily="18" charset="-122"/>
+                <a:ea typeface="Adobe 楷体 Std R" panose="02020400000000000000" pitchFamily="18" charset="-122"/>
+              </a:rPr>
+              <a:t>哪种方式安全？</a:t>
+            </a:r>
+            <a:endParaRPr lang="en-US" altLang="zh-CN" dirty="0" smtClean="0">
+              <a:latin typeface="Adobe 楷体 Std R" panose="02020400000000000000" pitchFamily="18" charset="-122"/>
+              <a:ea typeface="Adobe 楷体 Std R" panose="02020400000000000000" pitchFamily="18" charset="-122"/>
+            </a:endParaRPr>
+          </a:p>
+          <a:p>
+            <a:pPr marL="457200" lvl="1" indent="0">
+              <a:buNone/>
+            </a:pPr>
+            <a:r>
+              <a:rPr lang="en-US" altLang="zh-CN" dirty="0" smtClean="0">
+                <a:latin typeface="Adobe 楷体 Std R" panose="02020400000000000000" pitchFamily="18" charset="-122"/>
+                <a:ea typeface="Adobe 楷体 Std R" panose="02020400000000000000" pitchFamily="18" charset="-122"/>
+              </a:rPr>
+              <a:t>A </a:t>
+            </a:r>
+            <a:r>
+              <a:rPr lang="en-US" altLang="zh-CN" dirty="0" smtClean="0">
+                <a:solidFill>
+                  <a:srgbClr val="FF0000"/>
+                </a:solidFill>
+                <a:latin typeface="Adobe 楷体 Std R" panose="02020400000000000000" pitchFamily="18" charset="-122"/>
+                <a:ea typeface="Adobe 楷体 Std R" panose="02020400000000000000" pitchFamily="18" charset="-122"/>
+              </a:rPr>
+              <a:t>http</a:t>
+            </a:r>
+          </a:p>
+          <a:p>
+            <a:pPr marL="457200" lvl="1" indent="0">
+              <a:buNone/>
+            </a:pPr>
+            <a:r>
+              <a:rPr lang="en-US" altLang="zh-CN" dirty="0" smtClean="0">
+                <a:latin typeface="Adobe 楷体 Std R" panose="02020400000000000000" pitchFamily="18" charset="-122"/>
+                <a:ea typeface="Adobe 楷体 Std R" panose="02020400000000000000" pitchFamily="18" charset="-122"/>
+              </a:rPr>
+              <a:t>B </a:t>
+            </a:r>
+            <a:r>
+              <a:rPr lang="en-US" altLang="zh-CN" dirty="0" smtClean="0">
+                <a:solidFill>
+                  <a:srgbClr val="FF0000"/>
+                </a:solidFill>
+                <a:latin typeface="Adobe 楷体 Std R" panose="02020400000000000000" pitchFamily="18" charset="-122"/>
+                <a:ea typeface="Adobe 楷体 Std R" panose="02020400000000000000" pitchFamily="18" charset="-122"/>
+              </a:rPr>
+              <a:t>https</a:t>
+            </a:r>
+            <a:endParaRPr lang="zh-CN" altLang="en-US" dirty="0">
+              <a:solidFill>
+                <a:srgbClr val="FF0000"/>
+              </a:solidFill>
+              <a:latin typeface="Adobe 楷体 Std R" panose="02020400000000000000" pitchFamily="18" charset="-122"/>
+              <a:ea typeface="Adobe 楷体 Std R" panose="02020400000000000000" pitchFamily="18" charset="-122"/>
+            </a:endParaRPr>
+          </a:p>
+        </p:txBody>
+      </p:sp>
+    </p:spTree>
+    <p:extLst>
+      <p:ext uri="{BB962C8B-B14F-4D97-AF65-F5344CB8AC3E}">
+        <p14:creationId xmlns:p14="http://schemas.microsoft.com/office/powerpoint/2010/main" val="3460905818"/>
+      </p:ext>
+    </p:extLst>
+  </p:cSld>
+  <p:clrMapOvr>
+    <a:masterClrMapping/>
+  </p:clrMapOvr>
+  <p:timing>
+    <p:tnLst>
+      <p:par>
+        <p:cTn id="1" dur="indefinite" restart="never" nodeType="tmRoot"/>
+      </p:par>
+    </p:tnLst>
+  </p:timing>
+</p:sld>
+</file>
+
+<file path=ppt/slides/slide37.xml><?xml version="1.0" encoding="utf-8"?>
+<p:sld xmlns:a="http://schemas.openxmlformats.org/drawingml/2006/main" xmlns:r="http://schemas.openxmlformats.org/officeDocument/2006/relationships" xmlns:p="http://schemas.openxmlformats.org/presentationml/2006/main">
+  <p:cSld>
+    <p:spTree>
+      <p:nvGrpSpPr>
+        <p:cNvPr id="1" name=""/>
+        <p:cNvGrpSpPr/>
+        <p:nvPr/>
+      </p:nvGrpSpPr>
+      <p:grpSpPr>
+        <a:xfrm>
+          <a:off x="0" y="0"/>
+          <a:ext cx="0" cy="0"/>
+          <a:chOff x="0" y="0"/>
+          <a:chExt cx="0" cy="0"/>
+        </a:xfrm>
+      </p:grpSpPr>
+      <p:sp>
+        <p:nvSpPr>
+          <p:cNvPr id="2" name="标题 1"/>
+          <p:cNvSpPr>
+            <a:spLocks noGrp="1"/>
+          </p:cNvSpPr>
+          <p:nvPr>
+            <p:ph type="title"/>
+          </p:nvPr>
+        </p:nvSpPr>
+        <p:spPr/>
+        <p:txBody>
+          <a:bodyPr/>
+          <a:lstStyle/>
+          <a:p>
+            <a:r>
               <a:rPr lang="zh-CN" altLang="en-US" dirty="0" smtClean="0">
                 <a:latin typeface="Adobe 黑体 Std R" panose="020B0400000000000000" pitchFamily="34" charset="-122"/>
                 <a:ea typeface="Adobe 黑体 Std R" panose="020B0400000000000000" pitchFamily="34" charset="-122"/>
@@ -21389,7 +21585,7 @@
 </p:sld>
 </file>
 
-<file path=ppt/slides/slide37.xml><?xml version="1.0" encoding="utf-8"?>
+<file path=ppt/slides/slide38.xml><?xml version="1.0" encoding="utf-8"?>
 <p:sld xmlns:a="http://schemas.openxmlformats.org/drawingml/2006/main" xmlns:r="http://schemas.openxmlformats.org/officeDocument/2006/relationships" xmlns:p="http://schemas.openxmlformats.org/presentationml/2006/main">
   <p:cSld>
     <p:spTree>
@@ -21622,7 +21818,7 @@
 </p:sld>
 </file>
 
-<file path=ppt/slides/slide38.xml><?xml version="1.0" encoding="utf-8"?>
+<file path=ppt/slides/slide39.xml><?xml version="1.0" encoding="utf-8"?>
 <p:sld xmlns:a="http://schemas.openxmlformats.org/drawingml/2006/main" xmlns:r="http://schemas.openxmlformats.org/officeDocument/2006/relationships" xmlns:p="http://schemas.openxmlformats.org/presentationml/2006/main">
   <p:cSld>
     <p:spTree>
@@ -21659,21 +21855,539 @@
                 <a:latin typeface="Adobe 黑体 Std R" panose="020B0400000000000000" pitchFamily="34" charset="-122"/>
                 <a:ea typeface="Adobe 黑体 Std R" panose="020B0400000000000000" pitchFamily="34" charset="-122"/>
               </a:rPr>
-              <a:t>过程迭代</a:t>
-            </a:r>
+              <a:t>高级话题</a:t>
+            </a:r>
+            <a:endParaRPr lang="zh-CN" altLang="en-US" dirty="0">
+              <a:latin typeface="Adobe 黑体 Std R" panose="020B0400000000000000" pitchFamily="34" charset="-122"/>
+              <a:ea typeface="Adobe 黑体 Std R" panose="020B0400000000000000" pitchFamily="34" charset="-122"/>
+            </a:endParaRPr>
+          </a:p>
+        </p:txBody>
+      </p:sp>
+      <p:sp>
+        <p:nvSpPr>
+          <p:cNvPr id="13" name="内容占位符 2"/>
+          <p:cNvSpPr>
+            <a:spLocks noGrp="1"/>
+          </p:cNvSpPr>
+          <p:nvPr>
+            <p:ph idx="1"/>
+          </p:nvPr>
+        </p:nvSpPr>
+        <p:spPr>
+          <a:xfrm>
+            <a:off x="1176338" y="2490788"/>
+            <a:ext cx="6799262" cy="3444875"/>
+          </a:xfrm>
+        </p:spPr>
+        <p:txBody>
+          <a:bodyPr/>
+          <a:lstStyle/>
+          <a:p>
+            <a:r>
+              <a:rPr lang="zh-CN" altLang="en-US" dirty="0" smtClean="0">
+                <a:latin typeface="Adobe 楷体 Std R" panose="02020400000000000000" pitchFamily="18" charset="-122"/>
+                <a:ea typeface="Adobe 楷体 Std R" panose="02020400000000000000" pitchFamily="18" charset="-122"/>
+              </a:rPr>
+              <a:t>动静分离</a:t>
+            </a:r>
+            <a:endParaRPr lang="en-US" altLang="zh-CN" dirty="0" smtClean="0">
+              <a:latin typeface="Adobe 楷体 Std R" panose="02020400000000000000" pitchFamily="18" charset="-122"/>
+              <a:ea typeface="Adobe 楷体 Std R" panose="02020400000000000000" pitchFamily="18" charset="-122"/>
+            </a:endParaRPr>
+          </a:p>
+          <a:p>
             <a:r>
               <a:rPr lang="en-US" altLang="zh-CN" dirty="0" smtClean="0">
-                <a:latin typeface="Adobe 黑体 Std R" panose="020B0400000000000000" pitchFamily="34" charset="-122"/>
-                <a:ea typeface="Adobe 黑体 Std R" panose="020B0400000000000000" pitchFamily="34" charset="-122"/>
-              </a:rPr>
-              <a:t>-</a:t>
-            </a:r>
+                <a:latin typeface="Adobe 楷体 Std R" panose="02020400000000000000" pitchFamily="18" charset="-122"/>
+                <a:ea typeface="Adobe 楷体 Std R" panose="02020400000000000000" pitchFamily="18" charset="-122"/>
+              </a:rPr>
+              <a:t>CDN</a:t>
+            </a:r>
+            <a:r>
+              <a:rPr lang="zh-CN" altLang="en-US" dirty="0" smtClean="0">
+                <a:latin typeface="Adobe 楷体 Std R" panose="02020400000000000000" pitchFamily="18" charset="-122"/>
+                <a:ea typeface="Adobe 楷体 Std R" panose="02020400000000000000" pitchFamily="18" charset="-122"/>
+              </a:rPr>
+              <a:t>缓存页面</a:t>
+            </a:r>
+            <a:endParaRPr lang="en-US" altLang="zh-CN" dirty="0" smtClean="0">
+              <a:latin typeface="Adobe 楷体 Std R" panose="02020400000000000000" pitchFamily="18" charset="-122"/>
+              <a:ea typeface="Adobe 楷体 Std R" panose="02020400000000000000" pitchFamily="18" charset="-122"/>
+            </a:endParaRPr>
+          </a:p>
+          <a:p>
+            <a:r>
+              <a:rPr lang="zh-CN" altLang="en-US" dirty="0" smtClean="0">
+                <a:latin typeface="Adobe 楷体 Std R" panose="02020400000000000000" pitchFamily="18" charset="-122"/>
+                <a:ea typeface="Adobe 楷体 Std R" panose="02020400000000000000" pitchFamily="18" charset="-122"/>
+              </a:rPr>
+              <a:t>使用框架快速开发</a:t>
+            </a:r>
+            <a:endParaRPr lang="en-US" altLang="zh-CN" dirty="0" smtClean="0">
+              <a:latin typeface="Adobe 楷体 Std R" panose="02020400000000000000" pitchFamily="18" charset="-122"/>
+              <a:ea typeface="Adobe 楷体 Std R" panose="02020400000000000000" pitchFamily="18" charset="-122"/>
+            </a:endParaRPr>
+          </a:p>
+          <a:p>
+            <a:r>
+              <a:rPr lang="zh-CN" altLang="en-US" smtClean="0">
+                <a:latin typeface="Adobe 楷体 Std R" panose="02020400000000000000" pitchFamily="18" charset="-122"/>
+                <a:ea typeface="Adobe 楷体 Std R" panose="02020400000000000000" pitchFamily="18" charset="-122"/>
+              </a:rPr>
+              <a:t>部署和维护</a:t>
+            </a:r>
+            <a:endParaRPr lang="en-US" altLang="zh-CN" dirty="0" smtClean="0">
+              <a:latin typeface="Adobe 楷体 Std R" panose="02020400000000000000" pitchFamily="18" charset="-122"/>
+              <a:ea typeface="Adobe 楷体 Std R" panose="02020400000000000000" pitchFamily="18" charset="-122"/>
+            </a:endParaRPr>
+          </a:p>
+        </p:txBody>
+      </p:sp>
+    </p:spTree>
+    <p:extLst>
+      <p:ext uri="{BB962C8B-B14F-4D97-AF65-F5344CB8AC3E}">
+        <p14:creationId xmlns:p14="http://schemas.microsoft.com/office/powerpoint/2010/main" val="596057407"/>
+      </p:ext>
+    </p:extLst>
+  </p:cSld>
+  <p:clrMapOvr>
+    <a:masterClrMapping/>
+  </p:clrMapOvr>
+  <p:timing>
+    <p:tnLst>
+      <p:par>
+        <p:cTn id="1" dur="indefinite" restart="never" nodeType="tmRoot"/>
+      </p:par>
+    </p:tnLst>
+  </p:timing>
+</p:sld>
+</file>
+
+<file path=ppt/slides/slide4.xml><?xml version="1.0" encoding="utf-8"?>
+<p:sld xmlns:a="http://schemas.openxmlformats.org/drawingml/2006/main" xmlns:r="http://schemas.openxmlformats.org/officeDocument/2006/relationships" xmlns:p="http://schemas.openxmlformats.org/presentationml/2006/main">
+  <p:cSld>
+    <p:spTree>
+      <p:nvGrpSpPr>
+        <p:cNvPr id="1" name=""/>
+        <p:cNvGrpSpPr/>
+        <p:nvPr/>
+      </p:nvGrpSpPr>
+      <p:grpSpPr>
+        <a:xfrm>
+          <a:off x="0" y="0"/>
+          <a:ext cx="0" cy="0"/>
+          <a:chOff x="0" y="0"/>
+          <a:chExt cx="0" cy="0"/>
+        </a:xfrm>
+      </p:grpSpPr>
+      <p:sp>
+        <p:nvSpPr>
+          <p:cNvPr id="17" name="内容占位符 2"/>
+          <p:cNvSpPr txBox="1">
+            <a:spLocks/>
+          </p:cNvSpPr>
+          <p:nvPr/>
+        </p:nvSpPr>
+        <p:spPr bwMode="auto">
+          <a:xfrm>
+            <a:off x="1294534" y="2780928"/>
+            <a:ext cx="3539678" cy="2016224"/>
+          </a:xfrm>
+          <a:prstGeom prst="rect">
+            <a:avLst/>
+          </a:prstGeom>
+          <a:noFill/>
+          <a:ln>
+            <a:noFill/>
+          </a:ln>
+          <a:extLst>
+            <a:ext uri="{909E8E84-426E-40DD-AFC4-6F175D3DCCD1}">
+              <a14:hiddenFill xmlns:a14="http://schemas.microsoft.com/office/drawing/2010/main">
+                <a:solidFill>
+                  <a:srgbClr val="FFFFFF"/>
+                </a:solidFill>
+              </a14:hiddenFill>
+            </a:ext>
+            <a:ext uri="{91240B29-F687-4F45-9708-019B960494DF}">
+              <a14:hiddenLine xmlns:a14="http://schemas.microsoft.com/office/drawing/2010/main" w="9525">
+                <a:solidFill>
+                  <a:srgbClr val="000000"/>
+                </a:solidFill>
+                <a:miter lim="800000"/>
+                <a:headEnd/>
+                <a:tailEnd/>
+              </a14:hiddenLine>
+            </a:ext>
+          </a:extLst>
+        </p:spPr>
+        <p:txBody>
+          <a:bodyPr vert="horz" wrap="square" lIns="91440" tIns="45720" rIns="91440" bIns="45720" numCol="1" anchor="t" anchorCtr="0" compatLnSpc="1">
+            <a:prstTxWarp prst="textNoShape">
+              <a:avLst/>
+            </a:prstTxWarp>
+          </a:bodyPr>
+          <a:lstStyle>
+            <a:lvl1pPr marL="285750" indent="-285750" algn="l" defTabSz="457200" rtl="0" eaLnBrk="0" fontAlgn="base" hangingPunct="0">
+              <a:spcBef>
+                <a:spcPct val="20000"/>
+              </a:spcBef>
+              <a:spcAft>
+                <a:spcPts val="600"/>
+              </a:spcAft>
+              <a:buClr>
+                <a:schemeClr val="accent1"/>
+              </a:buClr>
+              <a:buSzPct val="115000"/>
+              <a:buFont typeface="Arial" panose="020B0604020202020204" pitchFamily="34" charset="0"/>
+              <a:buChar char="•"/>
+              <a:defRPr sz="2400" kern="1200">
+                <a:solidFill>
+                  <a:srgbClr val="262626"/>
+                </a:solidFill>
+                <a:latin typeface="+mn-lt"/>
+                <a:ea typeface="+mn-ea"/>
+                <a:cs typeface="+mn-cs"/>
+              </a:defRPr>
+            </a:lvl1pPr>
+            <a:lvl2pPr marL="742950" indent="-285750" algn="l" defTabSz="457200" rtl="0" eaLnBrk="0" fontAlgn="base" hangingPunct="0">
+              <a:spcBef>
+                <a:spcPct val="20000"/>
+              </a:spcBef>
+              <a:spcAft>
+                <a:spcPts val="600"/>
+              </a:spcAft>
+              <a:buClr>
+                <a:schemeClr val="accent1"/>
+              </a:buClr>
+              <a:buSzPct val="115000"/>
+              <a:buFont typeface="Arial" panose="020B0604020202020204" pitchFamily="34" charset="0"/>
+              <a:buChar char="•"/>
+              <a:defRPr sz="2000" kern="1200">
+                <a:solidFill>
+                  <a:srgbClr val="262626"/>
+                </a:solidFill>
+                <a:latin typeface="+mn-lt"/>
+                <a:ea typeface="+mn-ea"/>
+                <a:cs typeface="+mn-cs"/>
+              </a:defRPr>
+            </a:lvl2pPr>
+            <a:lvl3pPr marL="1200150" indent="-285750" algn="l" defTabSz="457200" rtl="0" eaLnBrk="0" fontAlgn="base" hangingPunct="0">
+              <a:spcBef>
+                <a:spcPct val="20000"/>
+              </a:spcBef>
+              <a:spcAft>
+                <a:spcPts val="600"/>
+              </a:spcAft>
+              <a:buClr>
+                <a:schemeClr val="accent1"/>
+              </a:buClr>
+              <a:buSzPct val="115000"/>
+              <a:buFont typeface="Arial" panose="020B0604020202020204" pitchFamily="34" charset="0"/>
+              <a:buChar char="•"/>
+              <a:defRPr kern="1200">
+                <a:solidFill>
+                  <a:srgbClr val="262626"/>
+                </a:solidFill>
+                <a:latin typeface="+mn-lt"/>
+                <a:ea typeface="+mn-ea"/>
+                <a:cs typeface="+mn-cs"/>
+              </a:defRPr>
+            </a:lvl3pPr>
+            <a:lvl4pPr marL="1543050" indent="-171450" algn="l" defTabSz="457200" rtl="0" eaLnBrk="0" fontAlgn="base" hangingPunct="0">
+              <a:spcBef>
+                <a:spcPct val="20000"/>
+              </a:spcBef>
+              <a:spcAft>
+                <a:spcPts val="600"/>
+              </a:spcAft>
+              <a:buClr>
+                <a:schemeClr val="accent1"/>
+              </a:buClr>
+              <a:buSzPct val="115000"/>
+              <a:buFont typeface="Arial" panose="020B0604020202020204" pitchFamily="34" charset="0"/>
+              <a:buChar char="•"/>
+              <a:defRPr sz="1600" kern="1200">
+                <a:solidFill>
+                  <a:srgbClr val="262626"/>
+                </a:solidFill>
+                <a:latin typeface="+mn-lt"/>
+                <a:ea typeface="+mn-ea"/>
+                <a:cs typeface="+mn-cs"/>
+              </a:defRPr>
+            </a:lvl4pPr>
+            <a:lvl5pPr marL="2000250" indent="-171450" algn="l" defTabSz="457200" rtl="0" eaLnBrk="0" fontAlgn="base" hangingPunct="0">
+              <a:spcBef>
+                <a:spcPct val="20000"/>
+              </a:spcBef>
+              <a:spcAft>
+                <a:spcPts val="600"/>
+              </a:spcAft>
+              <a:buClr>
+                <a:schemeClr val="accent1"/>
+              </a:buClr>
+              <a:buSzPct val="115000"/>
+              <a:buFont typeface="Arial" panose="020B0604020202020204" pitchFamily="34" charset="0"/>
+              <a:buChar char="•"/>
+              <a:defRPr sz="1400" kern="1200">
+                <a:solidFill>
+                  <a:srgbClr val="262626"/>
+                </a:solidFill>
+                <a:latin typeface="+mn-lt"/>
+                <a:ea typeface="+mn-ea"/>
+                <a:cs typeface="+mn-cs"/>
+              </a:defRPr>
+            </a:lvl5pPr>
+            <a:lvl6pPr marL="2514600" indent="-228600" algn="l" defTabSz="457200" rtl="0" eaLnBrk="1" latinLnBrk="0" hangingPunct="1">
+              <a:spcBef>
+                <a:spcPct val="20000"/>
+              </a:spcBef>
+              <a:spcAft>
+                <a:spcPts val="600"/>
+              </a:spcAft>
+              <a:buClr>
+                <a:schemeClr val="accent1"/>
+              </a:buClr>
+              <a:buSzPct val="115000"/>
+              <a:buFont typeface="Arial"/>
+              <a:buChar char="•"/>
+              <a:defRPr sz="1400" kern="1200" cap="none">
+                <a:solidFill>
+                  <a:schemeClr val="tx1">
+                    <a:lumMod val="85000"/>
+                    <a:lumOff val="15000"/>
+                  </a:schemeClr>
+                </a:solidFill>
+                <a:effectLst/>
+                <a:latin typeface="+mn-lt"/>
+                <a:ea typeface="+mn-ea"/>
+                <a:cs typeface="+mn-cs"/>
+              </a:defRPr>
+            </a:lvl6pPr>
+            <a:lvl7pPr marL="2971800" indent="-228600" algn="l" defTabSz="457200" rtl="0" eaLnBrk="1" latinLnBrk="0" hangingPunct="1">
+              <a:spcBef>
+                <a:spcPct val="20000"/>
+              </a:spcBef>
+              <a:spcAft>
+                <a:spcPts val="600"/>
+              </a:spcAft>
+              <a:buClr>
+                <a:schemeClr val="accent1"/>
+              </a:buClr>
+              <a:buSzPct val="115000"/>
+              <a:buFont typeface="Arial"/>
+              <a:buChar char="•"/>
+              <a:defRPr sz="1400" kern="1200" cap="none">
+                <a:solidFill>
+                  <a:schemeClr val="tx1">
+                    <a:lumMod val="85000"/>
+                    <a:lumOff val="15000"/>
+                  </a:schemeClr>
+                </a:solidFill>
+                <a:effectLst/>
+                <a:latin typeface="+mn-lt"/>
+                <a:ea typeface="+mn-ea"/>
+                <a:cs typeface="+mn-cs"/>
+              </a:defRPr>
+            </a:lvl7pPr>
+            <a:lvl8pPr marL="3429000" indent="-228600" algn="l" defTabSz="457200" rtl="0" eaLnBrk="1" latinLnBrk="0" hangingPunct="1">
+              <a:spcBef>
+                <a:spcPct val="20000"/>
+              </a:spcBef>
+              <a:spcAft>
+                <a:spcPts val="600"/>
+              </a:spcAft>
+              <a:buClr>
+                <a:schemeClr val="accent1"/>
+              </a:buClr>
+              <a:buSzPct val="115000"/>
+              <a:buFont typeface="Arial"/>
+              <a:buChar char="•"/>
+              <a:defRPr sz="1400" kern="1200" cap="none">
+                <a:solidFill>
+                  <a:schemeClr val="tx1">
+                    <a:lumMod val="85000"/>
+                    <a:lumOff val="15000"/>
+                  </a:schemeClr>
+                </a:solidFill>
+                <a:effectLst/>
+                <a:latin typeface="+mn-lt"/>
+                <a:ea typeface="+mn-ea"/>
+                <a:cs typeface="+mn-cs"/>
+              </a:defRPr>
+            </a:lvl8pPr>
+            <a:lvl9pPr marL="3886200" indent="-228600" algn="l" defTabSz="457200" rtl="0" eaLnBrk="1" latinLnBrk="0" hangingPunct="1">
+              <a:spcBef>
+                <a:spcPct val="20000"/>
+              </a:spcBef>
+              <a:spcAft>
+                <a:spcPts val="600"/>
+              </a:spcAft>
+              <a:buClr>
+                <a:schemeClr val="accent1"/>
+              </a:buClr>
+              <a:buSzPct val="115000"/>
+              <a:buFont typeface="Arial"/>
+              <a:buChar char="•"/>
+              <a:defRPr sz="1400" kern="1200" cap="none">
+                <a:solidFill>
+                  <a:schemeClr val="tx1">
+                    <a:lumMod val="85000"/>
+                    <a:lumOff val="15000"/>
+                  </a:schemeClr>
+                </a:solidFill>
+                <a:effectLst/>
+                <a:latin typeface="+mn-lt"/>
+                <a:ea typeface="+mn-ea"/>
+                <a:cs typeface="+mn-cs"/>
+              </a:defRPr>
+            </a:lvl9pPr>
+          </a:lstStyle>
+          <a:p>
+            <a:pPr marL="0" indent="0">
+              <a:buFont typeface="Arial" panose="020B0604020202020204" pitchFamily="34" charset="0"/>
+              <a:buNone/>
+            </a:pPr>
+            <a:r>
+              <a:rPr lang="en-US" altLang="zh-CN" dirty="0" smtClean="0">
+                <a:latin typeface="Adobe 楷体 Std R" panose="02020400000000000000" pitchFamily="18" charset="-122"/>
+                <a:ea typeface="Adobe 楷体 Std R" panose="02020400000000000000" pitchFamily="18" charset="-122"/>
+              </a:rPr>
+              <a:t> </a:t>
+            </a:r>
+            <a:r>
+              <a:rPr lang="zh-CN" altLang="en-US" dirty="0" smtClean="0">
+                <a:latin typeface="Adobe 楷体 Std R" panose="02020400000000000000" pitchFamily="18" charset="-122"/>
+                <a:ea typeface="Adobe 楷体 Std R" panose="02020400000000000000" pitchFamily="18" charset="-122"/>
+              </a:rPr>
+              <a:t>各种规范</a:t>
+            </a:r>
+          </a:p>
+          <a:p>
+            <a:pPr marL="0" indent="0">
+              <a:buFont typeface="Arial" panose="020B0604020202020204" pitchFamily="34" charset="0"/>
+              <a:buNone/>
+            </a:pPr>
+            <a:r>
+              <a:rPr lang="zh-CN" altLang="en-US" dirty="0" smtClean="0">
+                <a:latin typeface="Adobe 楷体 Std R" panose="02020400000000000000" pitchFamily="18" charset="-122"/>
+                <a:ea typeface="Adobe 楷体 Std R" panose="02020400000000000000" pitchFamily="18" charset="-122"/>
+              </a:rPr>
+              <a:t>	</a:t>
+            </a:r>
+            <a:r>
+              <a:rPr lang="en-US" altLang="zh-CN" dirty="0" smtClean="0">
+                <a:latin typeface="Adobe 楷体 Std R" panose="02020400000000000000" pitchFamily="18" charset="-122"/>
+                <a:ea typeface="Adobe 楷体 Std R" panose="02020400000000000000" pitchFamily="18" charset="-122"/>
+              </a:rPr>
+              <a:t>[</a:t>
+            </a:r>
+            <a:r>
+              <a:rPr lang="zh-CN" altLang="en-US" dirty="0" smtClean="0">
+                <a:ln>
+                  <a:solidFill>
+                    <a:srgbClr val="0070C0"/>
+                  </a:solidFill>
+                </a:ln>
+                <a:latin typeface="Adobe 楷体 Std R" panose="02020400000000000000" pitchFamily="18" charset="-122"/>
+                <a:ea typeface="Adobe 楷体 Std R" panose="02020400000000000000" pitchFamily="18" charset="-122"/>
+              </a:rPr>
+              <a:t>管理规范</a:t>
+            </a:r>
+            <a:r>
+              <a:rPr lang="en-US" altLang="zh-CN" dirty="0" smtClean="0">
+                <a:latin typeface="Adobe 楷体 Std R" panose="02020400000000000000" pitchFamily="18" charset="-122"/>
+                <a:ea typeface="Adobe 楷体 Std R" panose="02020400000000000000" pitchFamily="18" charset="-122"/>
+              </a:rPr>
+              <a:t>]</a:t>
+            </a:r>
+          </a:p>
+          <a:p>
+            <a:pPr marL="0" indent="0">
+              <a:buFont typeface="Arial" panose="020B0604020202020204" pitchFamily="34" charset="0"/>
+              <a:buNone/>
+            </a:pPr>
+            <a:r>
+              <a:rPr lang="en-US" altLang="zh-CN" dirty="0" smtClean="0">
+                <a:latin typeface="Adobe 楷体 Std R" panose="02020400000000000000" pitchFamily="18" charset="-122"/>
+                <a:ea typeface="Adobe 楷体 Std R" panose="02020400000000000000" pitchFamily="18" charset="-122"/>
+              </a:rPr>
+              <a:t>	[</a:t>
+            </a:r>
+            <a:r>
+              <a:rPr lang="zh-CN" altLang="en-US" dirty="0" smtClean="0">
+                <a:ln>
+                  <a:solidFill>
+                    <a:srgbClr val="FF9900"/>
+                  </a:solidFill>
+                </a:ln>
+                <a:latin typeface="Adobe 楷体 Std R" panose="02020400000000000000" pitchFamily="18" charset="-122"/>
+                <a:ea typeface="Adobe 楷体 Std R" panose="02020400000000000000" pitchFamily="18" charset="-122"/>
+              </a:rPr>
+              <a:t>流程规范</a:t>
+            </a:r>
+            <a:r>
+              <a:rPr lang="en-US" altLang="zh-CN" dirty="0" smtClean="0">
+                <a:latin typeface="Adobe 楷体 Std R" panose="02020400000000000000" pitchFamily="18" charset="-122"/>
+                <a:ea typeface="Adobe 楷体 Std R" panose="02020400000000000000" pitchFamily="18" charset="-122"/>
+              </a:rPr>
+              <a:t>]</a:t>
+            </a:r>
+          </a:p>
+          <a:p>
+            <a:pPr marL="0" indent="0">
+              <a:buFont typeface="Arial" panose="020B0604020202020204" pitchFamily="34" charset="0"/>
+              <a:buNone/>
+            </a:pPr>
+            <a:r>
+              <a:rPr lang="en-US" altLang="zh-CN" dirty="0" smtClean="0">
+                <a:latin typeface="Adobe 楷体 Std R" panose="02020400000000000000" pitchFamily="18" charset="-122"/>
+                <a:ea typeface="Adobe 楷体 Std R" panose="02020400000000000000" pitchFamily="18" charset="-122"/>
+              </a:rPr>
+              <a:t>	[</a:t>
+            </a:r>
+            <a:r>
+              <a:rPr lang="zh-CN" altLang="en-US" dirty="0" smtClean="0">
+                <a:latin typeface="Adobe 楷体 Std R" panose="02020400000000000000" pitchFamily="18" charset="-122"/>
+                <a:ea typeface="Adobe 楷体 Std R" panose="02020400000000000000" pitchFamily="18" charset="-122"/>
+              </a:rPr>
+              <a:t>开发（代码）规范</a:t>
+            </a:r>
+            <a:r>
+              <a:rPr lang="en-US" altLang="zh-CN" dirty="0" smtClean="0">
+                <a:latin typeface="Adobe 楷体 Std R" panose="02020400000000000000" pitchFamily="18" charset="-122"/>
+                <a:ea typeface="Adobe 楷体 Std R" panose="02020400000000000000" pitchFamily="18" charset="-122"/>
+              </a:rPr>
+              <a:t>]</a:t>
+            </a:r>
+            <a:endParaRPr lang="zh-CN" altLang="en-US" dirty="0">
+              <a:latin typeface="Adobe 楷体 Std R" panose="02020400000000000000" pitchFamily="18" charset="-122"/>
+              <a:ea typeface="Adobe 楷体 Std R" panose="02020400000000000000" pitchFamily="18" charset="-122"/>
+            </a:endParaRPr>
+          </a:p>
+        </p:txBody>
+      </p:sp>
+      <p:sp>
+        <p:nvSpPr>
+          <p:cNvPr id="2" name="标题 1"/>
+          <p:cNvSpPr>
+            <a:spLocks noGrp="1"/>
+          </p:cNvSpPr>
+          <p:nvPr>
+            <p:ph type="title"/>
+          </p:nvPr>
+        </p:nvSpPr>
+        <p:spPr/>
+        <p:txBody>
+          <a:bodyPr/>
+          <a:lstStyle/>
+          <a:p>
             <a:r>
               <a:rPr lang="zh-CN" altLang="en-US" dirty="0" smtClean="0">
                 <a:latin typeface="Adobe 黑体 Std R" panose="020B0400000000000000" pitchFamily="34" charset="-122"/>
                 <a:ea typeface="Adobe 黑体 Std R" panose="020B0400000000000000" pitchFamily="34" charset="-122"/>
               </a:rPr>
-              <a:t>开发实现</a:t>
+              <a:t>订立规范</a:t>
             </a:r>
             <a:endParaRPr lang="zh-CN" altLang="en-US" dirty="0">
               <a:latin typeface="Adobe 黑体 Std R" panose="020B0400000000000000" pitchFamily="34" charset="-122"/>
@@ -21694,9 +22408,12 @@
         </p:nvSpPr>
         <p:spPr>
           <a:xfrm>
-            <a:off x="1259632" y="2564904"/>
-            <a:ext cx="2819598" cy="2594396"/>
+            <a:off x="5436096" y="2671043"/>
+            <a:ext cx="1359768" cy="1584176"/>
           </a:xfrm>
+          <a:solidFill>
+            <a:srgbClr val="B1EAED"/>
+          </a:solidFill>
         </p:spPr>
         <p:txBody>
           <a:bodyPr/>
@@ -21706,26 +22423,7 @@
               <a:buNone/>
             </a:pPr>
             <a:r>
-              <a:rPr lang="zh-CN" altLang="en-US" dirty="0">
-                <a:latin typeface="Adobe 楷体 Std R" panose="02020400000000000000" pitchFamily="18" charset="-122"/>
-                <a:ea typeface="Adobe 楷体 Std R" panose="02020400000000000000" pitchFamily="18" charset="-122"/>
-              </a:rPr>
-              <a:t>软件实现</a:t>
-            </a:r>
-          </a:p>
-          <a:p>
-            <a:pPr marL="0" indent="0">
-              <a:buNone/>
-            </a:pPr>
-            <a:r>
-              <a:rPr lang="zh-CN" altLang="en-US" dirty="0">
-                <a:latin typeface="Adobe 楷体 Std R" panose="02020400000000000000" pitchFamily="18" charset="-122"/>
-                <a:ea typeface="Adobe 楷体 Std R" panose="02020400000000000000" pitchFamily="18" charset="-122"/>
-              </a:rPr>
-              <a:t>	</a:t>
-            </a:r>
-            <a:r>
-              <a:rPr lang="en-US" altLang="zh-CN" dirty="0">
+              <a:rPr lang="en-US" altLang="zh-CN" dirty="0" smtClean="0">
                 <a:latin typeface="Adobe 楷体 Std R" panose="02020400000000000000" pitchFamily="18" charset="-122"/>
                 <a:ea typeface="Adobe 楷体 Std R" panose="02020400000000000000" pitchFamily="18" charset="-122"/>
               </a:rPr>
@@ -21736,7 +22434,7 @@
                 <a:latin typeface="Adobe 楷体 Std R" panose="02020400000000000000" pitchFamily="18" charset="-122"/>
                 <a:ea typeface="Adobe 楷体 Std R" panose="02020400000000000000" pitchFamily="18" charset="-122"/>
               </a:rPr>
-              <a:t>代码</a:t>
+              <a:t>禅道</a:t>
             </a:r>
             <a:r>
               <a:rPr lang="en-US" altLang="zh-CN" dirty="0" smtClean="0">
@@ -21755,105 +22453,48 @@
               <a:buNone/>
             </a:pPr>
             <a:r>
-              <a:rPr lang="en-US" altLang="zh-CN" dirty="0">
-                <a:latin typeface="Adobe 楷体 Std R" panose="02020400000000000000" pitchFamily="18" charset="-122"/>
-                <a:ea typeface="Adobe 楷体 Std R" panose="02020400000000000000" pitchFamily="18" charset="-122"/>
-              </a:rPr>
-              <a:t>	[</a:t>
-            </a:r>
-            <a:r>
-              <a:rPr lang="zh-CN" altLang="en-US" dirty="0">
-                <a:latin typeface="Adobe 楷体 Std R" panose="02020400000000000000" pitchFamily="18" charset="-122"/>
-                <a:ea typeface="Adobe 楷体 Std R" panose="02020400000000000000" pitchFamily="18" charset="-122"/>
-              </a:rPr>
-              <a:t>配置</a:t>
-            </a:r>
-            <a:r>
-              <a:rPr lang="en-US" altLang="zh-CN" dirty="0">
-                <a:latin typeface="Adobe 楷体 Std R" panose="02020400000000000000" pitchFamily="18" charset="-122"/>
-                <a:ea typeface="Adobe 楷体 Std R" panose="02020400000000000000" pitchFamily="18" charset="-122"/>
-              </a:rPr>
-              <a:t>/</a:t>
-            </a:r>
-            <a:r>
-              <a:rPr lang="zh-CN" altLang="en-US" dirty="0">
-                <a:latin typeface="Adobe 楷体 Std R" panose="02020400000000000000" pitchFamily="18" charset="-122"/>
-                <a:ea typeface="Adobe 楷体 Std R" panose="02020400000000000000" pitchFamily="18" charset="-122"/>
-              </a:rPr>
-              <a:t>描述</a:t>
-            </a:r>
-            <a:r>
-              <a:rPr lang="en-US" altLang="zh-CN" dirty="0">
+              <a:rPr lang="en-US" altLang="zh-CN" dirty="0" smtClean="0">
+                <a:latin typeface="Adobe 楷体 Std R" panose="02020400000000000000" pitchFamily="18" charset="-122"/>
+                <a:ea typeface="Adobe 楷体 Std R" panose="02020400000000000000" pitchFamily="18" charset="-122"/>
+              </a:rPr>
+              <a:t>[</a:t>
+            </a:r>
+            <a:r>
+              <a:rPr lang="zh-CN" altLang="en-US" dirty="0" smtClean="0">
+                <a:latin typeface="Adobe 楷体 Std R" panose="02020400000000000000" pitchFamily="18" charset="-122"/>
+                <a:ea typeface="Adobe 楷体 Std R" panose="02020400000000000000" pitchFamily="18" charset="-122"/>
+              </a:rPr>
+              <a:t>甘特图</a:t>
+            </a:r>
+            <a:r>
+              <a:rPr lang="en-US" altLang="zh-CN" dirty="0" smtClean="0">
                 <a:latin typeface="Adobe 楷体 Std R" panose="02020400000000000000" pitchFamily="18" charset="-122"/>
                 <a:ea typeface="Adobe 楷体 Std R" panose="02020400000000000000" pitchFamily="18" charset="-122"/>
               </a:rPr>
               <a:t>]</a:t>
             </a:r>
+            <a:endParaRPr lang="en-US" altLang="zh-CN" dirty="0">
+              <a:latin typeface="Adobe 楷体 Std R" panose="02020400000000000000" pitchFamily="18" charset="-122"/>
+              <a:ea typeface="Adobe 楷体 Std R" panose="02020400000000000000" pitchFamily="18" charset="-122"/>
+            </a:endParaRPr>
           </a:p>
           <a:p>
             <a:pPr marL="0" indent="0">
               <a:buNone/>
             </a:pPr>
             <a:r>
-              <a:rPr lang="en-US" altLang="zh-CN" dirty="0">
-                <a:latin typeface="Adobe 楷体 Std R" panose="02020400000000000000" pitchFamily="18" charset="-122"/>
-                <a:ea typeface="Adobe 楷体 Std R" panose="02020400000000000000" pitchFamily="18" charset="-122"/>
-              </a:rPr>
-              <a:t>	[</a:t>
-            </a:r>
-            <a:r>
-              <a:rPr lang="zh-CN" altLang="en-US" dirty="0">
-                <a:latin typeface="Adobe 楷体 Std R" panose="02020400000000000000" pitchFamily="18" charset="-122"/>
-                <a:ea typeface="Adobe 楷体 Std R" panose="02020400000000000000" pitchFamily="18" charset="-122"/>
-              </a:rPr>
-              <a:t>资源（数据）</a:t>
-            </a:r>
-            <a:r>
-              <a:rPr lang="en-US" altLang="zh-CN" dirty="0">
-                <a:latin typeface="Adobe 楷体 Std R" panose="02020400000000000000" pitchFamily="18" charset="-122"/>
-                <a:ea typeface="Adobe 楷体 Std R" panose="02020400000000000000" pitchFamily="18" charset="-122"/>
-              </a:rPr>
-              <a:t>]</a:t>
-            </a:r>
-          </a:p>
-          <a:p>
-            <a:pPr marL="0" indent="0">
-              <a:buNone/>
-            </a:pPr>
-            <a:r>
-              <a:rPr lang="en-US" altLang="zh-CN" dirty="0">
-                <a:latin typeface="Adobe 楷体 Std R" panose="02020400000000000000" pitchFamily="18" charset="-122"/>
-                <a:ea typeface="Adobe 楷体 Std R" panose="02020400000000000000" pitchFamily="18" charset="-122"/>
-              </a:rPr>
-              <a:t>	[</a:t>
-            </a:r>
-            <a:r>
-              <a:rPr lang="zh-CN" altLang="en-US" dirty="0">
-                <a:latin typeface="Adobe 楷体 Std R" panose="02020400000000000000" pitchFamily="18" charset="-122"/>
-                <a:ea typeface="Adobe 楷体 Std R" panose="02020400000000000000" pitchFamily="18" charset="-122"/>
-              </a:rPr>
-              <a:t>产品</a:t>
+              <a:rPr lang="en-US" altLang="zh-CN" dirty="0" smtClean="0">
+                <a:latin typeface="Adobe 楷体 Std R" panose="02020400000000000000" pitchFamily="18" charset="-122"/>
+                <a:ea typeface="Adobe 楷体 Std R" panose="02020400000000000000" pitchFamily="18" charset="-122"/>
+              </a:rPr>
+              <a:t>[WBS</a:t>
             </a:r>
             <a:r>
               <a:rPr lang="zh-CN" altLang="en-US" dirty="0" smtClean="0">
                 <a:latin typeface="Adobe 楷体 Std R" panose="02020400000000000000" pitchFamily="18" charset="-122"/>
                 <a:ea typeface="Adobe 楷体 Std R" panose="02020400000000000000" pitchFamily="18" charset="-122"/>
               </a:rPr>
-              <a:t>包装</a:t>
-            </a:r>
-            <a:r>
-              <a:rPr lang="en-US" altLang="zh-CN" dirty="0" smtClean="0">
-                <a:latin typeface="Adobe 楷体 Std R" panose="02020400000000000000" pitchFamily="18" charset="-122"/>
-                <a:ea typeface="Adobe 楷体 Std R" panose="02020400000000000000" pitchFamily="18" charset="-122"/>
-              </a:rPr>
-              <a:t>/</a:t>
-            </a:r>
-            <a:r>
-              <a:rPr lang="zh-CN" altLang="en-US" dirty="0" smtClean="0">
-                <a:latin typeface="Adobe 楷体 Std R" panose="02020400000000000000" pitchFamily="18" charset="-122"/>
-                <a:ea typeface="Adobe 楷体 Std R" panose="02020400000000000000" pitchFamily="18" charset="-122"/>
-              </a:rPr>
-              <a:t>部署</a:t>
+              <a:t>表</a:t>
             </a:r>
             <a:r>
               <a:rPr lang="en-US" altLang="zh-CN" dirty="0" smtClean="0">
@@ -21869,6 +22510,43 @@
           </a:p>
         </p:txBody>
       </p:sp>
+      <p:cxnSp>
+        <p:nvCxnSpPr>
+          <p:cNvPr id="18" name="曲线连接符 17"/>
+          <p:cNvCxnSpPr>
+            <a:endCxn id="3" idx="1"/>
+          </p:cNvCxnSpPr>
+          <p:nvPr/>
+        </p:nvCxnSpPr>
+        <p:spPr>
+          <a:xfrm flipV="1">
+            <a:off x="3203848" y="3463131"/>
+            <a:ext cx="2232248" cy="564502"/>
+          </a:xfrm>
+          <a:prstGeom prst="curvedConnector3">
+            <a:avLst>
+              <a:gd name="adj1" fmla="val 50000"/>
+            </a:avLst>
+          </a:prstGeom>
+          <a:ln>
+            <a:tailEnd type="triangle"/>
+          </a:ln>
+        </p:spPr>
+        <p:style>
+          <a:lnRef idx="3">
+            <a:schemeClr val="accent5"/>
+          </a:lnRef>
+          <a:fillRef idx="0">
+            <a:schemeClr val="accent5"/>
+          </a:fillRef>
+          <a:effectRef idx="2">
+            <a:schemeClr val="accent5"/>
+          </a:effectRef>
+          <a:fontRef idx="minor">
+            <a:schemeClr val="tx1"/>
+          </a:fontRef>
+        </p:style>
+      </p:cxnSp>
       <p:sp>
         <p:nvSpPr>
           <p:cNvPr id="22" name="内容占位符 2"/>
@@ -21879,14 +22557,14 @@
         </p:nvSpPr>
         <p:spPr bwMode="auto">
           <a:xfrm>
-            <a:off x="5292080" y="3101163"/>
-            <a:ext cx="2448272" cy="1521878"/>
+            <a:off x="4077867" y="5079796"/>
+            <a:ext cx="2871936" cy="455174"/>
           </a:xfrm>
           <a:prstGeom prst="rect">
             <a:avLst/>
           </a:prstGeom>
           <a:solidFill>
-            <a:srgbClr val="CCECFF"/>
+            <a:srgbClr val="FF9900"/>
           </a:solidFill>
           <a:ln>
             <a:noFill/>
@@ -22125,71 +22803,28 @@
                 <a:latin typeface="Adobe 楷体 Std R" panose="02020400000000000000" pitchFamily="18" charset="-122"/>
                 <a:ea typeface="Adobe 楷体 Std R" panose="02020400000000000000" pitchFamily="18" charset="-122"/>
               </a:rPr>
-              <a:t>[war</a:t>
+              <a:t>[</a:t>
             </a:r>
             <a:r>
               <a:rPr lang="zh-CN" altLang="en-US" dirty="0" smtClean="0">
                 <a:latin typeface="Adobe 楷体 Std R" panose="02020400000000000000" pitchFamily="18" charset="-122"/>
                 <a:ea typeface="Adobe 楷体 Std R" panose="02020400000000000000" pitchFamily="18" charset="-122"/>
               </a:rPr>
-              <a:t>包</a:t>
+              <a:t>阿里巴巴</a:t>
             </a:r>
             <a:r>
               <a:rPr lang="en-US" altLang="zh-CN" dirty="0" smtClean="0">
                 <a:latin typeface="Adobe 楷体 Std R" panose="02020400000000000000" pitchFamily="18" charset="-122"/>
                 <a:ea typeface="Adobe 楷体 Std R" panose="02020400000000000000" pitchFamily="18" charset="-122"/>
               </a:rPr>
-              <a:t>]</a:t>
-            </a:r>
-          </a:p>
-          <a:p>
-            <a:pPr marL="0" indent="0">
-              <a:buFont typeface="Arial" panose="020B0604020202020204" pitchFamily="34" charset="0"/>
-              <a:buNone/>
-            </a:pPr>
-            <a:r>
-              <a:rPr lang="en-US" altLang="zh-CN" dirty="0" smtClean="0">
-                <a:latin typeface="Adobe 楷体 Std R" panose="02020400000000000000" pitchFamily="18" charset="-122"/>
-                <a:ea typeface="Adobe 楷体 Std R" panose="02020400000000000000" pitchFamily="18" charset="-122"/>
-              </a:rPr>
-              <a:t>[</a:t>
-            </a:r>
-            <a:r>
-              <a:rPr lang="en-US" altLang="zh-CN" dirty="0" err="1" smtClean="0">
-                <a:solidFill>
-                  <a:srgbClr val="FF0000"/>
-                </a:solidFill>
-                <a:latin typeface="Adobe 楷体 Std R" panose="02020400000000000000" pitchFamily="18" charset="-122"/>
-                <a:ea typeface="Adobe 楷体 Std R" panose="02020400000000000000" pitchFamily="18" charset="-122"/>
-              </a:rPr>
-              <a:t>linux</a:t>
-            </a:r>
-            <a:r>
-              <a:rPr lang="en-US" altLang="zh-CN" dirty="0" smtClean="0">
-                <a:latin typeface="Adobe 楷体 Std R" panose="02020400000000000000" pitchFamily="18" charset="-122"/>
-                <a:ea typeface="Adobe 楷体 Std R" panose="02020400000000000000" pitchFamily="18" charset="-122"/>
-              </a:rPr>
-              <a:t>/windows]</a:t>
-            </a:r>
-          </a:p>
-          <a:p>
-            <a:pPr marL="0" indent="0">
-              <a:buFont typeface="Arial" panose="020B0604020202020204" pitchFamily="34" charset="0"/>
-              <a:buNone/>
-            </a:pPr>
-            <a:r>
-              <a:rPr lang="en-US" altLang="zh-CN" dirty="0" smtClean="0">
-                <a:latin typeface="Adobe 楷体 Std R" panose="02020400000000000000" pitchFamily="18" charset="-122"/>
-                <a:ea typeface="Adobe 楷体 Std R" panose="02020400000000000000" pitchFamily="18" charset="-122"/>
-              </a:rPr>
-              <a:t>[</a:t>
+              <a:t>Java</a:t>
             </a:r>
             <a:r>
               <a:rPr lang="zh-CN" altLang="en-US" dirty="0" smtClean="0">
                 <a:latin typeface="Adobe 楷体 Std R" panose="02020400000000000000" pitchFamily="18" charset="-122"/>
                 <a:ea typeface="Adobe 楷体 Std R" panose="02020400000000000000" pitchFamily="18" charset="-122"/>
               </a:rPr>
-              <a:t>部署维护过程</a:t>
+              <a:t>规范</a:t>
             </a:r>
             <a:r>
               <a:rPr lang="en-US" altLang="zh-CN" dirty="0" smtClean="0">
@@ -22205,21 +22840,18 @@
         <p:nvCxnSpPr>
           <p:cNvPr id="23" name="曲线连接符 22"/>
           <p:cNvCxnSpPr>
-            <a:stCxn id="3" idx="2"/>
+            <a:stCxn id="17" idx="2"/>
             <a:endCxn id="22" idx="1"/>
           </p:cNvCxnSpPr>
           <p:nvPr/>
         </p:nvCxnSpPr>
         <p:spPr>
-          <a:xfrm rot="5400000" flipH="1" flipV="1">
-            <a:off x="3332156" y="3199376"/>
-            <a:ext cx="1297198" cy="2622649"/>
+          <a:xfrm rot="16200000" flipH="1">
+            <a:off x="3316005" y="4545520"/>
+            <a:ext cx="510231" cy="1013494"/>
           </a:xfrm>
-          <a:prstGeom prst="curvedConnector4">
-            <a:avLst>
-              <a:gd name="adj1" fmla="val -17623"/>
-              <a:gd name="adj2" fmla="val 76877"/>
-            </a:avLst>
+          <a:prstGeom prst="curvedConnector2">
+            <a:avLst/>
           </a:prstGeom>
           <a:ln>
             <a:tailEnd type="triangle"/>
@@ -22243,7 +22875,7 @@
     </p:spTree>
     <p:extLst>
       <p:ext uri="{BB962C8B-B14F-4D97-AF65-F5344CB8AC3E}">
-        <p14:creationId xmlns:p14="http://schemas.microsoft.com/office/powerpoint/2010/main" val="118045240"/>
+        <p14:creationId xmlns:p14="http://schemas.microsoft.com/office/powerpoint/2010/main" val="2478906500"/>
       </p:ext>
     </p:extLst>
   </p:cSld>
@@ -22260,7 +22892,1608 @@
 </p:sld>
 </file>
 
-<file path=ppt/slides/slide39.xml><?xml version="1.0" encoding="utf-8"?>
+<file path=ppt/slides/slide40.xml><?xml version="1.0" encoding="utf-8"?>
+<p:sld xmlns:a="http://schemas.openxmlformats.org/drawingml/2006/main" xmlns:r="http://schemas.openxmlformats.org/officeDocument/2006/relationships" xmlns:p="http://schemas.openxmlformats.org/presentationml/2006/main">
+  <p:cSld>
+    <p:spTree>
+      <p:nvGrpSpPr>
+        <p:cNvPr id="1" name=""/>
+        <p:cNvGrpSpPr/>
+        <p:nvPr/>
+      </p:nvGrpSpPr>
+      <p:grpSpPr>
+        <a:xfrm>
+          <a:off x="0" y="0"/>
+          <a:ext cx="0" cy="0"/>
+          <a:chOff x="0" y="0"/>
+          <a:chExt cx="0" cy="0"/>
+        </a:xfrm>
+      </p:grpSpPr>
+      <p:sp>
+        <p:nvSpPr>
+          <p:cNvPr id="2" name="标题 1"/>
+          <p:cNvSpPr>
+            <a:spLocks noGrp="1"/>
+          </p:cNvSpPr>
+          <p:nvPr>
+            <p:ph type="title"/>
+          </p:nvPr>
+        </p:nvSpPr>
+        <p:spPr/>
+        <p:txBody>
+          <a:bodyPr/>
+          <a:lstStyle/>
+          <a:p>
+            <a:r>
+              <a:rPr lang="zh-CN" altLang="en-US" dirty="0" smtClean="0">
+                <a:latin typeface="Adobe 黑体 Std R" panose="020B0400000000000000" pitchFamily="34" charset="-122"/>
+                <a:ea typeface="Adobe 黑体 Std R" panose="020B0400000000000000" pitchFamily="34" charset="-122"/>
+              </a:rPr>
+              <a:t>静态页面原理</a:t>
+            </a:r>
+            <a:endParaRPr lang="zh-CN" altLang="en-US" dirty="0">
+              <a:latin typeface="Adobe 黑体 Std R" panose="020B0400000000000000" pitchFamily="34" charset="-122"/>
+              <a:ea typeface="Adobe 黑体 Std R" panose="020B0400000000000000" pitchFamily="34" charset="-122"/>
+            </a:endParaRPr>
+          </a:p>
+        </p:txBody>
+      </p:sp>
+      <p:grpSp>
+        <p:nvGrpSpPr>
+          <p:cNvPr id="15" name="组合 14"/>
+          <p:cNvGrpSpPr/>
+          <p:nvPr/>
+        </p:nvGrpSpPr>
+        <p:grpSpPr>
+          <a:xfrm>
+            <a:off x="2920562" y="2556528"/>
+            <a:ext cx="3235614" cy="3456384"/>
+            <a:chOff x="899592" y="2492896"/>
+            <a:chExt cx="2808312" cy="3456384"/>
+          </a:xfrm>
+        </p:grpSpPr>
+        <p:sp>
+          <p:nvSpPr>
+            <p:cNvPr id="16" name="矩形 15"/>
+            <p:cNvSpPr/>
+            <p:nvPr/>
+          </p:nvSpPr>
+          <p:spPr>
+            <a:xfrm>
+              <a:off x="899592" y="2492896"/>
+              <a:ext cx="2808312" cy="3456384"/>
+            </a:xfrm>
+            <a:prstGeom prst="rect">
+              <a:avLst/>
+            </a:prstGeom>
+            <a:solidFill>
+              <a:srgbClr val="B1EAED"/>
+            </a:solidFill>
+          </p:spPr>
+          <p:style>
+            <a:lnRef idx="2">
+              <a:schemeClr val="accent1">
+                <a:shade val="50000"/>
+              </a:schemeClr>
+            </a:lnRef>
+            <a:fillRef idx="1">
+              <a:schemeClr val="accent1"/>
+            </a:fillRef>
+            <a:effectRef idx="0">
+              <a:schemeClr val="accent1"/>
+            </a:effectRef>
+            <a:fontRef idx="minor">
+              <a:schemeClr val="lt1"/>
+            </a:fontRef>
+          </p:style>
+          <p:txBody>
+            <a:bodyPr rtlCol="0" anchor="ctr"/>
+            <a:lstStyle/>
+            <a:p>
+              <a:pPr algn="ctr"/>
+              <a:endParaRPr lang="zh-CN" altLang="en-US"/>
+            </a:p>
+          </p:txBody>
+        </p:sp>
+        <p:grpSp>
+          <p:nvGrpSpPr>
+            <p:cNvPr id="17" name="组合 16"/>
+            <p:cNvGrpSpPr/>
+            <p:nvPr/>
+          </p:nvGrpSpPr>
+          <p:grpSpPr>
+            <a:xfrm>
+              <a:off x="1231418" y="2967710"/>
+              <a:ext cx="731366" cy="2952328"/>
+              <a:chOff x="1231418" y="2967710"/>
+              <a:chExt cx="731366" cy="2952328"/>
+            </a:xfrm>
+          </p:grpSpPr>
+          <p:sp>
+            <p:nvSpPr>
+              <p:cNvPr id="21" name="矩形 20"/>
+              <p:cNvSpPr/>
+              <p:nvPr/>
+            </p:nvSpPr>
+            <p:spPr>
+              <a:xfrm>
+                <a:off x="1231418" y="2967710"/>
+                <a:ext cx="731366" cy="360040"/>
+              </a:xfrm>
+              <a:prstGeom prst="rect">
+                <a:avLst/>
+              </a:prstGeom>
+              <a:solidFill>
+                <a:srgbClr val="00B0F0"/>
+              </a:solidFill>
+            </p:spPr>
+            <p:style>
+              <a:lnRef idx="1">
+                <a:schemeClr val="accent6"/>
+              </a:lnRef>
+              <a:fillRef idx="2">
+                <a:schemeClr val="accent6"/>
+              </a:fillRef>
+              <a:effectRef idx="1">
+                <a:schemeClr val="accent6"/>
+              </a:effectRef>
+              <a:fontRef idx="minor">
+                <a:schemeClr val="dk1"/>
+              </a:fontRef>
+            </p:style>
+            <p:txBody>
+              <a:bodyPr rtlCol="0" anchor="ctr"/>
+              <a:lstStyle/>
+              <a:p>
+                <a:pPr algn="ctr"/>
+                <a:r>
+                  <a:rPr lang="en-US" altLang="zh-CN" dirty="0" smtClean="0"/>
+                  <a:t>B</a:t>
+                </a:r>
+                <a:endParaRPr lang="zh-CN" altLang="en-US" dirty="0"/>
+              </a:p>
+            </p:txBody>
+          </p:sp>
+          <p:cxnSp>
+            <p:nvCxnSpPr>
+              <p:cNvPr id="22" name="直接连接符 21"/>
+              <p:cNvCxnSpPr>
+                <a:stCxn id="21" idx="2"/>
+              </p:cNvCxnSpPr>
+              <p:nvPr/>
+            </p:nvCxnSpPr>
+            <p:spPr>
+              <a:xfrm>
+                <a:off x="1597101" y="3327750"/>
+                <a:ext cx="5643" cy="2592288"/>
+              </a:xfrm>
+              <a:prstGeom prst="line">
+                <a:avLst/>
+              </a:prstGeom>
+              <a:ln w="9525" cap="flat" cmpd="sng" algn="ctr">
+                <a:solidFill>
+                  <a:schemeClr val="accent3"/>
+                </a:solidFill>
+                <a:prstDash val="dash"/>
+                <a:round/>
+                <a:headEnd type="none" w="med" len="med"/>
+                <a:tailEnd type="none" w="med" len="med"/>
+              </a:ln>
+            </p:spPr>
+            <p:style>
+              <a:lnRef idx="0">
+                <a:scrgbClr r="0" g="0" b="0"/>
+              </a:lnRef>
+              <a:fillRef idx="0">
+                <a:scrgbClr r="0" g="0" b="0"/>
+              </a:fillRef>
+              <a:effectRef idx="0">
+                <a:scrgbClr r="0" g="0" b="0"/>
+              </a:effectRef>
+              <a:fontRef idx="minor">
+                <a:schemeClr val="tx1"/>
+              </a:fontRef>
+            </p:style>
+          </p:cxnSp>
+        </p:grpSp>
+        <p:grpSp>
+          <p:nvGrpSpPr>
+            <p:cNvPr id="18" name="组合 17"/>
+            <p:cNvGrpSpPr/>
+            <p:nvPr/>
+          </p:nvGrpSpPr>
+          <p:grpSpPr>
+            <a:xfrm>
+              <a:off x="2435859" y="2967710"/>
+              <a:ext cx="731366" cy="2952328"/>
+              <a:chOff x="1056421" y="2967710"/>
+              <a:chExt cx="731366" cy="2952328"/>
+            </a:xfrm>
+            <a:solidFill>
+              <a:srgbClr val="CCECFF"/>
+            </a:solidFill>
+          </p:grpSpPr>
+          <p:sp>
+            <p:nvSpPr>
+              <p:cNvPr id="19" name="矩形 18"/>
+              <p:cNvSpPr/>
+              <p:nvPr/>
+            </p:nvSpPr>
+            <p:spPr>
+              <a:xfrm>
+                <a:off x="1056421" y="2967710"/>
+                <a:ext cx="731366" cy="360040"/>
+              </a:xfrm>
+              <a:prstGeom prst="rect">
+                <a:avLst/>
+              </a:prstGeom>
+              <a:solidFill>
+                <a:srgbClr val="FFCC99"/>
+              </a:solidFill>
+            </p:spPr>
+            <p:style>
+              <a:lnRef idx="1">
+                <a:schemeClr val="accent6"/>
+              </a:lnRef>
+              <a:fillRef idx="2">
+                <a:schemeClr val="accent6"/>
+              </a:fillRef>
+              <a:effectRef idx="1">
+                <a:schemeClr val="accent6"/>
+              </a:effectRef>
+              <a:fontRef idx="minor">
+                <a:schemeClr val="dk1"/>
+              </a:fontRef>
+            </p:style>
+            <p:txBody>
+              <a:bodyPr rtlCol="0" anchor="ctr"/>
+              <a:lstStyle/>
+              <a:p>
+                <a:pPr algn="ctr"/>
+                <a:r>
+                  <a:rPr lang="en-US" altLang="zh-CN" dirty="0"/>
+                  <a:t>S</a:t>
+                </a:r>
+                <a:endParaRPr lang="zh-CN" altLang="en-US" dirty="0"/>
+              </a:p>
+            </p:txBody>
+          </p:sp>
+          <p:cxnSp>
+            <p:nvCxnSpPr>
+              <p:cNvPr id="20" name="直接连接符 19"/>
+              <p:cNvCxnSpPr>
+                <a:stCxn id="19" idx="2"/>
+              </p:cNvCxnSpPr>
+              <p:nvPr/>
+            </p:nvCxnSpPr>
+            <p:spPr>
+              <a:xfrm>
+                <a:off x="1422104" y="3327750"/>
+                <a:ext cx="5643" cy="2592288"/>
+              </a:xfrm>
+              <a:prstGeom prst="line">
+                <a:avLst/>
+              </a:prstGeom>
+              <a:grpFill/>
+              <a:ln w="9525" cap="flat" cmpd="sng" algn="ctr">
+                <a:solidFill>
+                  <a:schemeClr val="accent3"/>
+                </a:solidFill>
+                <a:prstDash val="dash"/>
+                <a:round/>
+                <a:headEnd type="none" w="med" len="med"/>
+                <a:tailEnd type="none" w="med" len="med"/>
+              </a:ln>
+            </p:spPr>
+            <p:style>
+              <a:lnRef idx="0">
+                <a:scrgbClr r="0" g="0" b="0"/>
+              </a:lnRef>
+              <a:fillRef idx="0">
+                <a:scrgbClr r="0" g="0" b="0"/>
+              </a:fillRef>
+              <a:effectRef idx="0">
+                <a:scrgbClr r="0" g="0" b="0"/>
+              </a:effectRef>
+              <a:fontRef idx="minor">
+                <a:schemeClr val="tx1"/>
+              </a:fontRef>
+            </p:style>
+          </p:cxnSp>
+        </p:grpSp>
+      </p:grpSp>
+      <p:cxnSp>
+        <p:nvCxnSpPr>
+          <p:cNvPr id="24" name="直接箭头连接符 23"/>
+          <p:cNvCxnSpPr/>
+          <p:nvPr/>
+        </p:nvCxnSpPr>
+        <p:spPr>
+          <a:xfrm>
+            <a:off x="3734045" y="3789040"/>
+            <a:ext cx="1369819" cy="0"/>
+          </a:xfrm>
+          <a:prstGeom prst="straightConnector1">
+            <a:avLst/>
+          </a:prstGeom>
+          <a:ln>
+            <a:tailEnd type="triangle"/>
+          </a:ln>
+        </p:spPr>
+        <p:style>
+          <a:lnRef idx="3">
+            <a:schemeClr val="accent2"/>
+          </a:lnRef>
+          <a:fillRef idx="0">
+            <a:schemeClr val="accent2"/>
+          </a:fillRef>
+          <a:effectRef idx="2">
+            <a:schemeClr val="accent2"/>
+          </a:effectRef>
+          <a:fontRef idx="minor">
+            <a:schemeClr val="tx1"/>
+          </a:fontRef>
+        </p:style>
+      </p:cxnSp>
+      <p:grpSp>
+        <p:nvGrpSpPr>
+          <p:cNvPr id="58" name="组合 57"/>
+          <p:cNvGrpSpPr/>
+          <p:nvPr/>
+        </p:nvGrpSpPr>
+        <p:grpSpPr>
+          <a:xfrm>
+            <a:off x="3682472" y="5089806"/>
+            <a:ext cx="1404004" cy="212498"/>
+            <a:chOff x="3682472" y="5089806"/>
+            <a:chExt cx="1404004" cy="212498"/>
+          </a:xfrm>
+        </p:grpSpPr>
+        <p:cxnSp>
+          <p:nvCxnSpPr>
+            <p:cNvPr id="29" name="直接箭头连接符 28"/>
+            <p:cNvCxnSpPr/>
+            <p:nvPr/>
+          </p:nvCxnSpPr>
+          <p:spPr>
+            <a:xfrm flipH="1">
+              <a:off x="3682472" y="5302304"/>
+              <a:ext cx="1404004" cy="0"/>
+            </a:xfrm>
+            <a:prstGeom prst="straightConnector1">
+              <a:avLst/>
+            </a:prstGeom>
+            <a:ln>
+              <a:tailEnd type="triangle"/>
+            </a:ln>
+          </p:spPr>
+          <p:style>
+            <a:lnRef idx="3">
+              <a:schemeClr val="accent4"/>
+            </a:lnRef>
+            <a:fillRef idx="0">
+              <a:schemeClr val="accent4"/>
+            </a:fillRef>
+            <a:effectRef idx="2">
+              <a:schemeClr val="accent4"/>
+            </a:effectRef>
+            <a:fontRef idx="minor">
+              <a:schemeClr val="tx1"/>
+            </a:fontRef>
+          </p:style>
+        </p:cxnSp>
+        <p:sp>
+          <p:nvSpPr>
+            <p:cNvPr id="33" name="矩形 32"/>
+            <p:cNvSpPr/>
+            <p:nvPr/>
+          </p:nvSpPr>
+          <p:spPr>
+            <a:xfrm>
+              <a:off x="3839539" y="5089806"/>
+              <a:ext cx="1224136" cy="144016"/>
+            </a:xfrm>
+            <a:prstGeom prst="rect">
+              <a:avLst/>
+            </a:prstGeom>
+            <a:solidFill>
+              <a:srgbClr val="FF3300"/>
+            </a:solidFill>
+          </p:spPr>
+          <p:style>
+            <a:lnRef idx="2">
+              <a:schemeClr val="accent1">
+                <a:shade val="50000"/>
+              </a:schemeClr>
+            </a:lnRef>
+            <a:fillRef idx="1">
+              <a:schemeClr val="accent1"/>
+            </a:fillRef>
+            <a:effectRef idx="0">
+              <a:schemeClr val="accent1"/>
+            </a:effectRef>
+            <a:fontRef idx="minor">
+              <a:schemeClr val="lt1"/>
+            </a:fontRef>
+          </p:style>
+          <p:txBody>
+            <a:bodyPr rtlCol="0" anchor="ctr"/>
+            <a:lstStyle/>
+            <a:p>
+              <a:pPr algn="ctr"/>
+              <a:endParaRPr lang="zh-CN" altLang="en-US"/>
+            </a:p>
+          </p:txBody>
+        </p:sp>
+      </p:grpSp>
+      <p:sp>
+        <p:nvSpPr>
+          <p:cNvPr id="42" name="剪去单角的矩形 41"/>
+          <p:cNvSpPr/>
+          <p:nvPr/>
+        </p:nvSpPr>
+        <p:spPr>
+          <a:xfrm>
+            <a:off x="3034401" y="5021324"/>
+            <a:ext cx="648071" cy="792088"/>
+          </a:xfrm>
+          <a:prstGeom prst="snip1Rect">
+            <a:avLst/>
+          </a:prstGeom>
+          <a:solidFill>
+            <a:srgbClr val="FFC000"/>
+          </a:solidFill>
+        </p:spPr>
+        <p:style>
+          <a:lnRef idx="2">
+            <a:schemeClr val="accent1">
+              <a:shade val="50000"/>
+            </a:schemeClr>
+          </a:lnRef>
+          <a:fillRef idx="1">
+            <a:schemeClr val="accent1"/>
+          </a:fillRef>
+          <a:effectRef idx="0">
+            <a:schemeClr val="accent1"/>
+          </a:effectRef>
+          <a:fontRef idx="minor">
+            <a:schemeClr val="lt1"/>
+          </a:fontRef>
+        </p:style>
+        <p:txBody>
+          <a:bodyPr rtlCol="0" anchor="ctr"/>
+          <a:lstStyle/>
+          <a:p>
+            <a:pPr algn="ctr"/>
+            <a:r>
+              <a:rPr lang="en-US" altLang="zh-CN" dirty="0" smtClean="0">
+                <a:solidFill>
+                  <a:schemeClr val="tx1"/>
+                </a:solidFill>
+              </a:rPr>
+              <a:t>a.</a:t>
+            </a:r>
+          </a:p>
+          <a:p>
+            <a:pPr algn="ctr"/>
+            <a:r>
+              <a:rPr lang="en-US" altLang="zh-CN" dirty="0" smtClean="0">
+                <a:solidFill>
+                  <a:schemeClr val="tx1"/>
+                </a:solidFill>
+              </a:rPr>
+              <a:t>html</a:t>
+            </a:r>
+          </a:p>
+          <a:p>
+            <a:pPr algn="ctr"/>
+            <a:endParaRPr lang="zh-CN" altLang="en-US" dirty="0">
+              <a:solidFill>
+                <a:schemeClr val="tx1"/>
+              </a:solidFill>
+            </a:endParaRPr>
+          </a:p>
+        </p:txBody>
+      </p:sp>
+      <p:grpSp>
+        <p:nvGrpSpPr>
+          <p:cNvPr id="48" name="组合 47"/>
+          <p:cNvGrpSpPr/>
+          <p:nvPr/>
+        </p:nvGrpSpPr>
+        <p:grpSpPr>
+          <a:xfrm>
+            <a:off x="5334874" y="3888676"/>
+            <a:ext cx="793299" cy="980484"/>
+            <a:chOff x="3758740" y="3888676"/>
+            <a:chExt cx="793299" cy="980484"/>
+          </a:xfrm>
+        </p:grpSpPr>
+        <p:sp>
+          <p:nvSpPr>
+            <p:cNvPr id="27" name="剪去单角的矩形 26"/>
+            <p:cNvSpPr/>
+            <p:nvPr/>
+          </p:nvSpPr>
+          <p:spPr>
+            <a:xfrm>
+              <a:off x="3758740" y="3888676"/>
+              <a:ext cx="648071" cy="792088"/>
+            </a:xfrm>
+            <a:prstGeom prst="snip1Rect">
+              <a:avLst/>
+            </a:prstGeom>
+            <a:solidFill>
+              <a:schemeClr val="bg1"/>
+            </a:solidFill>
+          </p:spPr>
+          <p:style>
+            <a:lnRef idx="2">
+              <a:schemeClr val="accent1">
+                <a:shade val="50000"/>
+              </a:schemeClr>
+            </a:lnRef>
+            <a:fillRef idx="1">
+              <a:schemeClr val="accent1"/>
+            </a:fillRef>
+            <a:effectRef idx="0">
+              <a:schemeClr val="accent1"/>
+            </a:effectRef>
+            <a:fontRef idx="minor">
+              <a:schemeClr val="lt1"/>
+            </a:fontRef>
+          </p:style>
+          <p:txBody>
+            <a:bodyPr rtlCol="0" anchor="ctr"/>
+            <a:lstStyle/>
+            <a:p>
+              <a:pPr algn="ctr"/>
+              <a:endParaRPr lang="en-US" altLang="zh-CN" dirty="0" smtClean="0">
+                <a:solidFill>
+                  <a:schemeClr val="tx1"/>
+                </a:solidFill>
+              </a:endParaRPr>
+            </a:p>
+            <a:p>
+              <a:pPr algn="ctr"/>
+              <a:r>
+                <a:rPr lang="en-US" altLang="zh-CN" dirty="0" smtClean="0">
+                  <a:solidFill>
+                    <a:schemeClr val="tx1"/>
+                  </a:solidFill>
+                </a:rPr>
+                <a:t>html</a:t>
+              </a:r>
+            </a:p>
+            <a:p>
+              <a:pPr algn="ctr"/>
+              <a:endParaRPr lang="zh-CN" altLang="en-US" dirty="0">
+                <a:solidFill>
+                  <a:schemeClr val="tx1"/>
+                </a:solidFill>
+              </a:endParaRPr>
+            </a:p>
+          </p:txBody>
+        </p:sp>
+        <p:sp>
+          <p:nvSpPr>
+            <p:cNvPr id="47" name="剪去单角的矩形 46"/>
+            <p:cNvSpPr/>
+            <p:nvPr/>
+          </p:nvSpPr>
+          <p:spPr>
+            <a:xfrm>
+              <a:off x="3903968" y="4077072"/>
+              <a:ext cx="648071" cy="792088"/>
+            </a:xfrm>
+            <a:prstGeom prst="snip1Rect">
+              <a:avLst/>
+            </a:prstGeom>
+            <a:solidFill>
+              <a:schemeClr val="bg1"/>
+            </a:solidFill>
+          </p:spPr>
+          <p:style>
+            <a:lnRef idx="2">
+              <a:schemeClr val="accent1">
+                <a:shade val="50000"/>
+              </a:schemeClr>
+            </a:lnRef>
+            <a:fillRef idx="1">
+              <a:schemeClr val="accent1"/>
+            </a:fillRef>
+            <a:effectRef idx="0">
+              <a:schemeClr val="accent1"/>
+            </a:effectRef>
+            <a:fontRef idx="minor">
+              <a:schemeClr val="lt1"/>
+            </a:fontRef>
+          </p:style>
+          <p:txBody>
+            <a:bodyPr rtlCol="0" anchor="ctr"/>
+            <a:lstStyle/>
+            <a:p>
+              <a:pPr algn="ctr"/>
+              <a:r>
+                <a:rPr lang="en-US" altLang="zh-CN" dirty="0" smtClean="0">
+                  <a:solidFill>
+                    <a:schemeClr val="tx1"/>
+                  </a:solidFill>
+                </a:rPr>
+                <a:t>a.</a:t>
+              </a:r>
+            </a:p>
+            <a:p>
+              <a:pPr algn="ctr"/>
+              <a:r>
+                <a:rPr lang="en-US" altLang="zh-CN" dirty="0" smtClean="0">
+                  <a:solidFill>
+                    <a:schemeClr val="tx1"/>
+                  </a:solidFill>
+                </a:rPr>
+                <a:t>html</a:t>
+              </a:r>
+            </a:p>
+            <a:p>
+              <a:pPr algn="ctr"/>
+              <a:endParaRPr lang="zh-CN" altLang="en-US" dirty="0">
+                <a:solidFill>
+                  <a:schemeClr val="tx1"/>
+                </a:solidFill>
+              </a:endParaRPr>
+            </a:p>
+          </p:txBody>
+        </p:sp>
+      </p:grpSp>
+    </p:spTree>
+    <p:extLst>
+      <p:ext uri="{BB962C8B-B14F-4D97-AF65-F5344CB8AC3E}">
+        <p14:creationId xmlns:p14="http://schemas.microsoft.com/office/powerpoint/2010/main" val="130192991"/>
+      </p:ext>
+    </p:extLst>
+  </p:cSld>
+  <p:clrMapOvr>
+    <a:masterClrMapping/>
+  </p:clrMapOvr>
+  <p:timing>
+    <p:tnLst>
+      <p:par>
+        <p:cTn id="1" dur="indefinite" restart="never" nodeType="tmRoot"/>
+      </p:par>
+    </p:tnLst>
+  </p:timing>
+</p:sld>
+</file>
+
+<file path=ppt/slides/slide41.xml><?xml version="1.0" encoding="utf-8"?>
+<p:sld xmlns:a="http://schemas.openxmlformats.org/drawingml/2006/main" xmlns:r="http://schemas.openxmlformats.org/officeDocument/2006/relationships" xmlns:p="http://schemas.openxmlformats.org/presentationml/2006/main">
+  <p:cSld>
+    <p:spTree>
+      <p:nvGrpSpPr>
+        <p:cNvPr id="1" name=""/>
+        <p:cNvGrpSpPr/>
+        <p:nvPr/>
+      </p:nvGrpSpPr>
+      <p:grpSpPr>
+        <a:xfrm>
+          <a:off x="0" y="0"/>
+          <a:ext cx="0" cy="0"/>
+          <a:chOff x="0" y="0"/>
+          <a:chExt cx="0" cy="0"/>
+        </a:xfrm>
+      </p:grpSpPr>
+      <p:sp>
+        <p:nvSpPr>
+          <p:cNvPr id="2" name="标题 1"/>
+          <p:cNvSpPr>
+            <a:spLocks noGrp="1"/>
+          </p:cNvSpPr>
+          <p:nvPr>
+            <p:ph type="title"/>
+          </p:nvPr>
+        </p:nvSpPr>
+        <p:spPr/>
+        <p:txBody>
+          <a:bodyPr/>
+          <a:lstStyle/>
+          <a:p>
+            <a:r>
+              <a:rPr lang="zh-CN" altLang="en-US" dirty="0" smtClean="0">
+                <a:latin typeface="Adobe 黑体 Std R" panose="020B0400000000000000" pitchFamily="34" charset="-122"/>
+                <a:ea typeface="Adobe 黑体 Std R" panose="020B0400000000000000" pitchFamily="34" charset="-122"/>
+              </a:rPr>
+              <a:t>动态页面原理</a:t>
+            </a:r>
+            <a:endParaRPr lang="zh-CN" altLang="en-US" dirty="0">
+              <a:latin typeface="Adobe 黑体 Std R" panose="020B0400000000000000" pitchFamily="34" charset="-122"/>
+              <a:ea typeface="Adobe 黑体 Std R" panose="020B0400000000000000" pitchFamily="34" charset="-122"/>
+            </a:endParaRPr>
+          </a:p>
+        </p:txBody>
+      </p:sp>
+      <p:grpSp>
+        <p:nvGrpSpPr>
+          <p:cNvPr id="15" name="组合 14"/>
+          <p:cNvGrpSpPr/>
+          <p:nvPr/>
+        </p:nvGrpSpPr>
+        <p:grpSpPr>
+          <a:xfrm>
+            <a:off x="1403648" y="2556528"/>
+            <a:ext cx="3235614" cy="3456384"/>
+            <a:chOff x="899592" y="2492896"/>
+            <a:chExt cx="2808312" cy="3456384"/>
+          </a:xfrm>
+        </p:grpSpPr>
+        <p:sp>
+          <p:nvSpPr>
+            <p:cNvPr id="16" name="矩形 15"/>
+            <p:cNvSpPr/>
+            <p:nvPr/>
+          </p:nvSpPr>
+          <p:spPr>
+            <a:xfrm>
+              <a:off x="899592" y="2492896"/>
+              <a:ext cx="2808312" cy="3456384"/>
+            </a:xfrm>
+            <a:prstGeom prst="rect">
+              <a:avLst/>
+            </a:prstGeom>
+            <a:solidFill>
+              <a:srgbClr val="B1EAED"/>
+            </a:solidFill>
+          </p:spPr>
+          <p:style>
+            <a:lnRef idx="2">
+              <a:schemeClr val="accent1">
+                <a:shade val="50000"/>
+              </a:schemeClr>
+            </a:lnRef>
+            <a:fillRef idx="1">
+              <a:schemeClr val="accent1"/>
+            </a:fillRef>
+            <a:effectRef idx="0">
+              <a:schemeClr val="accent1"/>
+            </a:effectRef>
+            <a:fontRef idx="minor">
+              <a:schemeClr val="lt1"/>
+            </a:fontRef>
+          </p:style>
+          <p:txBody>
+            <a:bodyPr rtlCol="0" anchor="ctr"/>
+            <a:lstStyle/>
+            <a:p>
+              <a:pPr algn="ctr"/>
+              <a:endParaRPr lang="zh-CN" altLang="en-US"/>
+            </a:p>
+          </p:txBody>
+        </p:sp>
+        <p:grpSp>
+          <p:nvGrpSpPr>
+            <p:cNvPr id="17" name="组合 16"/>
+            <p:cNvGrpSpPr/>
+            <p:nvPr/>
+          </p:nvGrpSpPr>
+          <p:grpSpPr>
+            <a:xfrm>
+              <a:off x="1231418" y="2967710"/>
+              <a:ext cx="731366" cy="2952328"/>
+              <a:chOff x="1231418" y="2967710"/>
+              <a:chExt cx="731366" cy="2952328"/>
+            </a:xfrm>
+          </p:grpSpPr>
+          <p:sp>
+            <p:nvSpPr>
+              <p:cNvPr id="21" name="矩形 20"/>
+              <p:cNvSpPr/>
+              <p:nvPr/>
+            </p:nvSpPr>
+            <p:spPr>
+              <a:xfrm>
+                <a:off x="1231418" y="2967710"/>
+                <a:ext cx="731366" cy="360040"/>
+              </a:xfrm>
+              <a:prstGeom prst="rect">
+                <a:avLst/>
+              </a:prstGeom>
+              <a:solidFill>
+                <a:srgbClr val="00B0F0"/>
+              </a:solidFill>
+            </p:spPr>
+            <p:style>
+              <a:lnRef idx="1">
+                <a:schemeClr val="accent6"/>
+              </a:lnRef>
+              <a:fillRef idx="2">
+                <a:schemeClr val="accent6"/>
+              </a:fillRef>
+              <a:effectRef idx="1">
+                <a:schemeClr val="accent6"/>
+              </a:effectRef>
+              <a:fontRef idx="minor">
+                <a:schemeClr val="dk1"/>
+              </a:fontRef>
+            </p:style>
+            <p:txBody>
+              <a:bodyPr rtlCol="0" anchor="ctr"/>
+              <a:lstStyle/>
+              <a:p>
+                <a:pPr algn="ctr"/>
+                <a:r>
+                  <a:rPr lang="en-US" altLang="zh-CN" dirty="0" smtClean="0"/>
+                  <a:t>B</a:t>
+                </a:r>
+                <a:endParaRPr lang="zh-CN" altLang="en-US" dirty="0"/>
+              </a:p>
+            </p:txBody>
+          </p:sp>
+          <p:cxnSp>
+            <p:nvCxnSpPr>
+              <p:cNvPr id="22" name="直接连接符 21"/>
+              <p:cNvCxnSpPr>
+                <a:stCxn id="21" idx="2"/>
+              </p:cNvCxnSpPr>
+              <p:nvPr/>
+            </p:nvCxnSpPr>
+            <p:spPr>
+              <a:xfrm>
+                <a:off x="1597101" y="3327750"/>
+                <a:ext cx="5643" cy="2592288"/>
+              </a:xfrm>
+              <a:prstGeom prst="line">
+                <a:avLst/>
+              </a:prstGeom>
+              <a:ln w="9525" cap="flat" cmpd="sng" algn="ctr">
+                <a:solidFill>
+                  <a:schemeClr val="accent3"/>
+                </a:solidFill>
+                <a:prstDash val="dash"/>
+                <a:round/>
+                <a:headEnd type="none" w="med" len="med"/>
+                <a:tailEnd type="none" w="med" len="med"/>
+              </a:ln>
+            </p:spPr>
+            <p:style>
+              <a:lnRef idx="0">
+                <a:scrgbClr r="0" g="0" b="0"/>
+              </a:lnRef>
+              <a:fillRef idx="0">
+                <a:scrgbClr r="0" g="0" b="0"/>
+              </a:fillRef>
+              <a:effectRef idx="0">
+                <a:scrgbClr r="0" g="0" b="0"/>
+              </a:effectRef>
+              <a:fontRef idx="minor">
+                <a:schemeClr val="tx1"/>
+              </a:fontRef>
+            </p:style>
+          </p:cxnSp>
+        </p:grpSp>
+        <p:grpSp>
+          <p:nvGrpSpPr>
+            <p:cNvPr id="18" name="组合 17"/>
+            <p:cNvGrpSpPr/>
+            <p:nvPr/>
+          </p:nvGrpSpPr>
+          <p:grpSpPr>
+            <a:xfrm>
+              <a:off x="2435859" y="2967710"/>
+              <a:ext cx="731366" cy="2952328"/>
+              <a:chOff x="1056421" y="2967710"/>
+              <a:chExt cx="731366" cy="2952328"/>
+            </a:xfrm>
+            <a:solidFill>
+              <a:srgbClr val="CCECFF"/>
+            </a:solidFill>
+          </p:grpSpPr>
+          <p:sp>
+            <p:nvSpPr>
+              <p:cNvPr id="19" name="矩形 18"/>
+              <p:cNvSpPr/>
+              <p:nvPr/>
+            </p:nvSpPr>
+            <p:spPr>
+              <a:xfrm>
+                <a:off x="1056421" y="2967710"/>
+                <a:ext cx="731366" cy="360040"/>
+              </a:xfrm>
+              <a:prstGeom prst="rect">
+                <a:avLst/>
+              </a:prstGeom>
+              <a:solidFill>
+                <a:srgbClr val="FFCC99"/>
+              </a:solidFill>
+            </p:spPr>
+            <p:style>
+              <a:lnRef idx="1">
+                <a:schemeClr val="accent6"/>
+              </a:lnRef>
+              <a:fillRef idx="2">
+                <a:schemeClr val="accent6"/>
+              </a:fillRef>
+              <a:effectRef idx="1">
+                <a:schemeClr val="accent6"/>
+              </a:effectRef>
+              <a:fontRef idx="minor">
+                <a:schemeClr val="dk1"/>
+              </a:fontRef>
+            </p:style>
+            <p:txBody>
+              <a:bodyPr rtlCol="0" anchor="ctr"/>
+              <a:lstStyle/>
+              <a:p>
+                <a:pPr algn="ctr"/>
+                <a:r>
+                  <a:rPr lang="en-US" altLang="zh-CN" dirty="0"/>
+                  <a:t>S</a:t>
+                </a:r>
+                <a:endParaRPr lang="zh-CN" altLang="en-US" dirty="0"/>
+              </a:p>
+            </p:txBody>
+          </p:sp>
+          <p:cxnSp>
+            <p:nvCxnSpPr>
+              <p:cNvPr id="20" name="直接连接符 19"/>
+              <p:cNvCxnSpPr>
+                <a:stCxn id="19" idx="2"/>
+              </p:cNvCxnSpPr>
+              <p:nvPr/>
+            </p:nvCxnSpPr>
+            <p:spPr>
+              <a:xfrm>
+                <a:off x="1422104" y="3327750"/>
+                <a:ext cx="5643" cy="2592288"/>
+              </a:xfrm>
+              <a:prstGeom prst="line">
+                <a:avLst/>
+              </a:prstGeom>
+              <a:grpFill/>
+              <a:ln w="9525" cap="flat" cmpd="sng" algn="ctr">
+                <a:solidFill>
+                  <a:schemeClr val="accent3"/>
+                </a:solidFill>
+                <a:prstDash val="dash"/>
+                <a:round/>
+                <a:headEnd type="none" w="med" len="med"/>
+                <a:tailEnd type="none" w="med" len="med"/>
+              </a:ln>
+            </p:spPr>
+            <p:style>
+              <a:lnRef idx="0">
+                <a:scrgbClr r="0" g="0" b="0"/>
+              </a:lnRef>
+              <a:fillRef idx="0">
+                <a:scrgbClr r="0" g="0" b="0"/>
+              </a:fillRef>
+              <a:effectRef idx="0">
+                <a:scrgbClr r="0" g="0" b="0"/>
+              </a:effectRef>
+              <a:fontRef idx="minor">
+                <a:schemeClr val="tx1"/>
+              </a:fontRef>
+            </p:style>
+          </p:cxnSp>
+        </p:grpSp>
+      </p:grpSp>
+      <p:cxnSp>
+        <p:nvCxnSpPr>
+          <p:cNvPr id="24" name="直接箭头连接符 23"/>
+          <p:cNvCxnSpPr/>
+          <p:nvPr/>
+        </p:nvCxnSpPr>
+        <p:spPr>
+          <a:xfrm>
+            <a:off x="2207287" y="3789040"/>
+            <a:ext cx="1407666" cy="0"/>
+          </a:xfrm>
+          <a:prstGeom prst="straightConnector1">
+            <a:avLst/>
+          </a:prstGeom>
+          <a:ln>
+            <a:tailEnd type="triangle"/>
+          </a:ln>
+        </p:spPr>
+        <p:style>
+          <a:lnRef idx="3">
+            <a:schemeClr val="accent2"/>
+          </a:lnRef>
+          <a:fillRef idx="0">
+            <a:schemeClr val="accent2"/>
+          </a:fillRef>
+          <a:effectRef idx="2">
+            <a:schemeClr val="accent2"/>
+          </a:effectRef>
+          <a:fontRef idx="minor">
+            <a:schemeClr val="tx1"/>
+          </a:fontRef>
+        </p:style>
+      </p:cxnSp>
+      <p:sp>
+        <p:nvSpPr>
+          <p:cNvPr id="42" name="剪去单角的矩形 41"/>
+          <p:cNvSpPr/>
+          <p:nvPr/>
+        </p:nvSpPr>
+        <p:spPr>
+          <a:xfrm>
+            <a:off x="1545490" y="5021324"/>
+            <a:ext cx="648071" cy="792088"/>
+          </a:xfrm>
+          <a:prstGeom prst="snip1Rect">
+            <a:avLst/>
+          </a:prstGeom>
+          <a:solidFill>
+            <a:srgbClr val="FFC000"/>
+          </a:solidFill>
+        </p:spPr>
+        <p:style>
+          <a:lnRef idx="2">
+            <a:schemeClr val="accent1">
+              <a:shade val="50000"/>
+            </a:schemeClr>
+          </a:lnRef>
+          <a:fillRef idx="1">
+            <a:schemeClr val="accent1"/>
+          </a:fillRef>
+          <a:effectRef idx="0">
+            <a:schemeClr val="accent1"/>
+          </a:effectRef>
+          <a:fontRef idx="minor">
+            <a:schemeClr val="lt1"/>
+          </a:fontRef>
+        </p:style>
+        <p:txBody>
+          <a:bodyPr rtlCol="0" anchor="ctr"/>
+          <a:lstStyle/>
+          <a:p>
+            <a:pPr algn="ctr"/>
+            <a:r>
+              <a:rPr lang="en-US" altLang="zh-CN" dirty="0" smtClean="0">
+                <a:solidFill>
+                  <a:schemeClr val="tx1"/>
+                </a:solidFill>
+              </a:rPr>
+              <a:t>new.</a:t>
+            </a:r>
+          </a:p>
+          <a:p>
+            <a:pPr algn="ctr"/>
+            <a:r>
+              <a:rPr lang="en-US" altLang="zh-CN" dirty="0" smtClean="0">
+                <a:solidFill>
+                  <a:schemeClr val="tx1"/>
+                </a:solidFill>
+              </a:rPr>
+              <a:t>html</a:t>
+            </a:r>
+          </a:p>
+          <a:p>
+            <a:pPr algn="ctr"/>
+            <a:endParaRPr lang="zh-CN" altLang="en-US" dirty="0">
+              <a:solidFill>
+                <a:schemeClr val="tx1"/>
+              </a:solidFill>
+            </a:endParaRPr>
+          </a:p>
+        </p:txBody>
+      </p:sp>
+      <p:grpSp>
+        <p:nvGrpSpPr>
+          <p:cNvPr id="13" name="组合 12"/>
+          <p:cNvGrpSpPr/>
+          <p:nvPr/>
+        </p:nvGrpSpPr>
+        <p:grpSpPr>
+          <a:xfrm>
+            <a:off x="3594992" y="4077072"/>
+            <a:ext cx="878587" cy="1175875"/>
+            <a:chOff x="5083903" y="4077072"/>
+            <a:chExt cx="878587" cy="1175875"/>
+          </a:xfrm>
+        </p:grpSpPr>
+        <p:sp>
+          <p:nvSpPr>
+            <p:cNvPr id="27" name="剪去单角的矩形 26"/>
+            <p:cNvSpPr/>
+            <p:nvPr/>
+          </p:nvSpPr>
+          <p:spPr>
+            <a:xfrm>
+              <a:off x="5314419" y="4460859"/>
+              <a:ext cx="648071" cy="792088"/>
+            </a:xfrm>
+            <a:prstGeom prst="snip1Rect">
+              <a:avLst/>
+            </a:prstGeom>
+            <a:solidFill>
+              <a:schemeClr val="bg1"/>
+            </a:solidFill>
+          </p:spPr>
+          <p:style>
+            <a:lnRef idx="2">
+              <a:schemeClr val="accent1">
+                <a:shade val="50000"/>
+              </a:schemeClr>
+            </a:lnRef>
+            <a:fillRef idx="1">
+              <a:schemeClr val="accent1"/>
+            </a:fillRef>
+            <a:effectRef idx="0">
+              <a:schemeClr val="accent1"/>
+            </a:effectRef>
+            <a:fontRef idx="minor">
+              <a:schemeClr val="lt1"/>
+            </a:fontRef>
+          </p:style>
+          <p:txBody>
+            <a:bodyPr rtlCol="0" anchor="ctr"/>
+            <a:lstStyle/>
+            <a:p>
+              <a:pPr algn="ctr"/>
+              <a:r>
+                <a:rPr lang="en-US" altLang="zh-CN" dirty="0" smtClean="0">
+                  <a:solidFill>
+                    <a:schemeClr val="tx1"/>
+                  </a:solidFill>
+                </a:rPr>
+                <a:t>new.</a:t>
+              </a:r>
+            </a:p>
+            <a:p>
+              <a:pPr algn="ctr"/>
+              <a:r>
+                <a:rPr lang="en-US" altLang="zh-CN" dirty="0" smtClean="0">
+                  <a:solidFill>
+                    <a:schemeClr val="tx1"/>
+                  </a:solidFill>
+                </a:rPr>
+                <a:t>html</a:t>
+              </a:r>
+            </a:p>
+            <a:p>
+              <a:pPr algn="ctr"/>
+              <a:endParaRPr lang="zh-CN" altLang="en-US" dirty="0">
+                <a:solidFill>
+                  <a:schemeClr val="tx1"/>
+                </a:solidFill>
+              </a:endParaRPr>
+            </a:p>
+          </p:txBody>
+        </p:sp>
+        <p:cxnSp>
+          <p:nvCxnSpPr>
+            <p:cNvPr id="8" name="肘形连接符 7"/>
+            <p:cNvCxnSpPr>
+              <a:endCxn id="27" idx="3"/>
+            </p:cNvCxnSpPr>
+            <p:nvPr/>
+          </p:nvCxnSpPr>
+          <p:spPr>
+            <a:xfrm>
+              <a:off x="5083903" y="4077072"/>
+              <a:ext cx="554552" cy="383787"/>
+            </a:xfrm>
+            <a:prstGeom prst="bentConnector2">
+              <a:avLst/>
+            </a:prstGeom>
+            <a:ln>
+              <a:tailEnd type="triangle"/>
+            </a:ln>
+          </p:spPr>
+          <p:style>
+            <a:lnRef idx="3">
+              <a:schemeClr val="dk1"/>
+            </a:lnRef>
+            <a:fillRef idx="0">
+              <a:schemeClr val="dk1"/>
+            </a:fillRef>
+            <a:effectRef idx="2">
+              <a:schemeClr val="dk1"/>
+            </a:effectRef>
+            <a:fontRef idx="minor">
+              <a:schemeClr val="tx1"/>
+            </a:fontRef>
+          </p:style>
+        </p:cxnSp>
+      </p:grpSp>
+      <p:grpSp>
+        <p:nvGrpSpPr>
+          <p:cNvPr id="14" name="组合 13"/>
+          <p:cNvGrpSpPr/>
+          <p:nvPr/>
+        </p:nvGrpSpPr>
+        <p:grpSpPr>
+          <a:xfrm>
+            <a:off x="2193561" y="4941168"/>
+            <a:ext cx="1585370" cy="361136"/>
+            <a:chOff x="3682472" y="4941168"/>
+            <a:chExt cx="1585370" cy="361136"/>
+          </a:xfrm>
+        </p:grpSpPr>
+        <p:grpSp>
+          <p:nvGrpSpPr>
+            <p:cNvPr id="58" name="组合 57"/>
+            <p:cNvGrpSpPr/>
+            <p:nvPr/>
+          </p:nvGrpSpPr>
+          <p:grpSpPr>
+            <a:xfrm>
+              <a:off x="3682472" y="5086280"/>
+              <a:ext cx="1404004" cy="216024"/>
+              <a:chOff x="3682472" y="5086280"/>
+              <a:chExt cx="1404004" cy="216024"/>
+            </a:xfrm>
+          </p:grpSpPr>
+          <p:cxnSp>
+            <p:nvCxnSpPr>
+              <p:cNvPr id="29" name="直接箭头连接符 28"/>
+              <p:cNvCxnSpPr/>
+              <p:nvPr/>
+            </p:nvCxnSpPr>
+            <p:spPr>
+              <a:xfrm flipH="1">
+                <a:off x="3682472" y="5302304"/>
+                <a:ext cx="1404004" cy="0"/>
+              </a:xfrm>
+              <a:prstGeom prst="straightConnector1">
+                <a:avLst/>
+              </a:prstGeom>
+              <a:ln>
+                <a:tailEnd type="triangle"/>
+              </a:ln>
+            </p:spPr>
+            <p:style>
+              <a:lnRef idx="3">
+                <a:schemeClr val="accent4"/>
+              </a:lnRef>
+              <a:fillRef idx="0">
+                <a:schemeClr val="accent4"/>
+              </a:fillRef>
+              <a:effectRef idx="2">
+                <a:schemeClr val="accent4"/>
+              </a:effectRef>
+              <a:fontRef idx="minor">
+                <a:schemeClr val="tx1"/>
+              </a:fontRef>
+            </p:style>
+          </p:cxnSp>
+          <p:sp>
+            <p:nvSpPr>
+              <p:cNvPr id="33" name="矩形 32"/>
+              <p:cNvSpPr/>
+              <p:nvPr/>
+            </p:nvSpPr>
+            <p:spPr>
+              <a:xfrm>
+                <a:off x="3779912" y="5086280"/>
+                <a:ext cx="1224136" cy="144016"/>
+              </a:xfrm>
+              <a:prstGeom prst="rect">
+                <a:avLst/>
+              </a:prstGeom>
+              <a:solidFill>
+                <a:srgbClr val="FF3300"/>
+              </a:solidFill>
+            </p:spPr>
+            <p:style>
+              <a:lnRef idx="2">
+                <a:schemeClr val="accent1">
+                  <a:shade val="50000"/>
+                </a:schemeClr>
+              </a:lnRef>
+              <a:fillRef idx="1">
+                <a:schemeClr val="accent1"/>
+              </a:fillRef>
+              <a:effectRef idx="0">
+                <a:schemeClr val="accent1"/>
+              </a:effectRef>
+              <a:fontRef idx="minor">
+                <a:schemeClr val="lt1"/>
+              </a:fontRef>
+            </p:style>
+            <p:txBody>
+              <a:bodyPr rtlCol="0" anchor="ctr"/>
+              <a:lstStyle/>
+              <a:p>
+                <a:pPr algn="ctr"/>
+                <a:endParaRPr lang="zh-CN" altLang="en-US"/>
+              </a:p>
+            </p:txBody>
+          </p:sp>
+        </p:grpSp>
+        <p:cxnSp>
+          <p:nvCxnSpPr>
+            <p:cNvPr id="12" name="曲线连接符 11"/>
+            <p:cNvCxnSpPr>
+              <a:endCxn id="33" idx="3"/>
+            </p:cNvCxnSpPr>
+            <p:nvPr/>
+          </p:nvCxnSpPr>
+          <p:spPr>
+            <a:xfrm rot="10800000" flipV="1">
+              <a:off x="5004048" y="4941168"/>
+              <a:ext cx="263794" cy="217120"/>
+            </a:xfrm>
+            <a:prstGeom prst="curvedConnector3">
+              <a:avLst/>
+            </a:prstGeom>
+            <a:ln>
+              <a:tailEnd type="triangle"/>
+            </a:ln>
+          </p:spPr>
+          <p:style>
+            <a:lnRef idx="3">
+              <a:schemeClr val="dk1"/>
+            </a:lnRef>
+            <a:fillRef idx="0">
+              <a:schemeClr val="dk1"/>
+            </a:fillRef>
+            <a:effectRef idx="2">
+              <a:schemeClr val="dk1"/>
+            </a:effectRef>
+            <a:fontRef idx="minor">
+              <a:schemeClr val="tx1"/>
+            </a:fontRef>
+          </p:style>
+        </p:cxnSp>
+      </p:grpSp>
+      <p:grpSp>
+        <p:nvGrpSpPr>
+          <p:cNvPr id="59" name="组合 58"/>
+          <p:cNvGrpSpPr/>
+          <p:nvPr/>
+        </p:nvGrpSpPr>
+        <p:grpSpPr>
+          <a:xfrm>
+            <a:off x="5292080" y="2837865"/>
+            <a:ext cx="2648725" cy="2320423"/>
+            <a:chOff x="5076056" y="3356992"/>
+            <a:chExt cx="2648725" cy="2320423"/>
+          </a:xfrm>
+        </p:grpSpPr>
+        <p:grpSp>
+          <p:nvGrpSpPr>
+            <p:cNvPr id="34" name="组合 33"/>
+            <p:cNvGrpSpPr/>
+            <p:nvPr/>
+          </p:nvGrpSpPr>
+          <p:grpSpPr>
+            <a:xfrm>
+              <a:off x="5076056" y="3356992"/>
+              <a:ext cx="2648725" cy="780360"/>
+              <a:chOff x="2924283" y="2632766"/>
+              <a:chExt cx="2763607" cy="1009548"/>
+            </a:xfrm>
+          </p:grpSpPr>
+          <p:pic>
+            <p:nvPicPr>
+              <p:cNvPr id="37" name="Picture 6" descr="https://bkimg.cdn.bcebos.com/pic/cb8065380cd791232b140067a0345982b2b78029?x-bce-process=image/watermark,g_7,image_d2F0ZXIvYmFpa2UxNTA=,xp_5,yp_5"/>
+              <p:cNvPicPr>
+                <a:picLocks noChangeAspect="1" noChangeArrowheads="1"/>
+              </p:cNvPicPr>
+              <p:nvPr/>
+            </p:nvPicPr>
+            <p:blipFill>
+              <a:blip r:embed="rId2" cstate="print">
+                <a:extLst>
+                  <a:ext uri="{28A0092B-C50C-407E-A947-70E740481C1C}">
+                    <a14:useLocalDpi xmlns:a14="http://schemas.microsoft.com/office/drawing/2010/main" val="0"/>
+                  </a:ext>
+                </a:extLst>
+              </a:blip>
+              <a:srcRect/>
+              <a:stretch>
+                <a:fillRect/>
+              </a:stretch>
+            </p:blipFill>
+            <p:spPr bwMode="auto">
+              <a:xfrm flipH="1">
+                <a:off x="2924283" y="2759568"/>
+                <a:ext cx="681201" cy="766047"/>
+              </a:xfrm>
+              <a:prstGeom prst="rect">
+                <a:avLst/>
+              </a:prstGeom>
+              <a:noFill/>
+              <a:extLst>
+                <a:ext uri="{909E8E84-426E-40DD-AFC4-6F175D3DCCD1}">
+                  <a14:hiddenFill xmlns:a14="http://schemas.microsoft.com/office/drawing/2010/main">
+                    <a:solidFill>
+                      <a:srgbClr val="FFFFFF"/>
+                    </a:solidFill>
+                  </a14:hiddenFill>
+                </a:ext>
+              </a:extLst>
+            </p:spPr>
+          </p:pic>
+          <p:pic>
+            <p:nvPicPr>
+              <p:cNvPr id="36" name="图片 35"/>
+              <p:cNvPicPr>
+                <a:picLocks noChangeAspect="1"/>
+              </p:cNvPicPr>
+              <p:nvPr/>
+            </p:nvPicPr>
+            <p:blipFill>
+              <a:blip r:embed="rId3"/>
+              <a:stretch>
+                <a:fillRect/>
+              </a:stretch>
+            </p:blipFill>
+            <p:spPr>
+              <a:xfrm>
+                <a:off x="4409066" y="2632766"/>
+                <a:ext cx="1278824" cy="1009548"/>
+              </a:xfrm>
+              <a:prstGeom prst="rect">
+                <a:avLst/>
+              </a:prstGeom>
+            </p:spPr>
+          </p:pic>
+        </p:grpSp>
+        <p:cxnSp>
+          <p:nvCxnSpPr>
+            <p:cNvPr id="41" name="曲线连接符 40"/>
+            <p:cNvCxnSpPr>
+              <a:stCxn id="37" idx="1"/>
+              <a:endCxn id="36" idx="0"/>
+            </p:cNvCxnSpPr>
+            <p:nvPr/>
+          </p:nvCxnSpPr>
+          <p:spPr>
+            <a:xfrm flipV="1">
+              <a:off x="5728940" y="3356992"/>
+              <a:ext cx="1383009" cy="394085"/>
+            </a:xfrm>
+            <a:prstGeom prst="curvedConnector4">
+              <a:avLst>
+                <a:gd name="adj1" fmla="val 27844"/>
+                <a:gd name="adj2" fmla="val 158008"/>
+              </a:avLst>
+            </a:prstGeom>
+            <a:ln>
+              <a:tailEnd type="triangle"/>
+            </a:ln>
+          </p:spPr>
+          <p:style>
+            <a:lnRef idx="3">
+              <a:schemeClr val="dk1"/>
+            </a:lnRef>
+            <a:fillRef idx="0">
+              <a:schemeClr val="dk1"/>
+            </a:fillRef>
+            <a:effectRef idx="2">
+              <a:schemeClr val="dk1"/>
+            </a:effectRef>
+            <a:fontRef idx="minor">
+              <a:schemeClr val="tx1"/>
+            </a:fontRef>
+          </p:style>
+        </p:cxnSp>
+        <p:pic>
+          <p:nvPicPr>
+            <p:cNvPr id="43" name="图片 42"/>
+            <p:cNvPicPr>
+              <a:picLocks noChangeAspect="1"/>
+            </p:cNvPicPr>
+            <p:nvPr/>
+          </p:nvPicPr>
+          <p:blipFill>
+            <a:blip r:embed="rId4"/>
+            <a:stretch>
+              <a:fillRect/>
+            </a:stretch>
+          </p:blipFill>
+          <p:spPr>
+            <a:xfrm>
+              <a:off x="5728940" y="4927193"/>
+              <a:ext cx="878734" cy="750222"/>
+            </a:xfrm>
+            <a:prstGeom prst="rect">
+              <a:avLst/>
+            </a:prstGeom>
+          </p:spPr>
+        </p:pic>
+        <p:cxnSp>
+          <p:nvCxnSpPr>
+            <p:cNvPr id="51" name="曲线连接符 50"/>
+            <p:cNvCxnSpPr>
+              <a:stCxn id="36" idx="1"/>
+              <a:endCxn id="37" idx="2"/>
+            </p:cNvCxnSpPr>
+            <p:nvPr/>
+          </p:nvCxnSpPr>
+          <p:spPr>
+            <a:xfrm rot="10800000" flipV="1">
+              <a:off x="5402499" y="3747172"/>
+              <a:ext cx="1096619" cy="299974"/>
+            </a:xfrm>
+            <a:prstGeom prst="curvedConnector4">
+              <a:avLst>
+                <a:gd name="adj1" fmla="val 35116"/>
+                <a:gd name="adj2" fmla="val 206278"/>
+              </a:avLst>
+            </a:prstGeom>
+            <a:ln>
+              <a:tailEnd type="triangle"/>
+            </a:ln>
+          </p:spPr>
+          <p:style>
+            <a:lnRef idx="3">
+              <a:schemeClr val="accent4"/>
+            </a:lnRef>
+            <a:fillRef idx="0">
+              <a:schemeClr val="accent4"/>
+            </a:fillRef>
+            <a:effectRef idx="2">
+              <a:schemeClr val="accent4"/>
+            </a:effectRef>
+            <a:fontRef idx="minor">
+              <a:schemeClr val="tx1"/>
+            </a:fontRef>
+          </p:style>
+        </p:cxnSp>
+        <p:cxnSp>
+          <p:nvCxnSpPr>
+            <p:cNvPr id="57" name="曲线连接符 56"/>
+            <p:cNvCxnSpPr>
+              <a:stCxn id="43" idx="3"/>
+              <a:endCxn id="36" idx="3"/>
+            </p:cNvCxnSpPr>
+            <p:nvPr/>
+          </p:nvCxnSpPr>
+          <p:spPr>
+            <a:xfrm flipV="1">
+              <a:off x="6607674" y="3747172"/>
+              <a:ext cx="1117107" cy="1555132"/>
+            </a:xfrm>
+            <a:prstGeom prst="curvedConnector3">
+              <a:avLst>
+                <a:gd name="adj1" fmla="val 120464"/>
+              </a:avLst>
+            </a:prstGeom>
+            <a:ln>
+              <a:headEnd type="triangle"/>
+              <a:tailEnd type="triangle"/>
+            </a:ln>
+          </p:spPr>
+          <p:style>
+            <a:lnRef idx="3">
+              <a:schemeClr val="accent3"/>
+            </a:lnRef>
+            <a:fillRef idx="0">
+              <a:schemeClr val="accent3"/>
+            </a:fillRef>
+            <a:effectRef idx="2">
+              <a:schemeClr val="accent3"/>
+            </a:effectRef>
+            <a:fontRef idx="minor">
+              <a:schemeClr val="tx1"/>
+            </a:fontRef>
+          </p:style>
+        </p:cxnSp>
+      </p:grpSp>
+    </p:spTree>
+    <p:extLst>
+      <p:ext uri="{BB962C8B-B14F-4D97-AF65-F5344CB8AC3E}">
+        <p14:creationId xmlns:p14="http://schemas.microsoft.com/office/powerpoint/2010/main" val="3203409213"/>
+      </p:ext>
+    </p:extLst>
+  </p:cSld>
+  <p:clrMapOvr>
+    <a:masterClrMapping/>
+  </p:clrMapOvr>
+  <p:timing>
+    <p:tnLst>
+      <p:par>
+        <p:cTn id="1" dur="indefinite" restart="never" nodeType="tmRoot"/>
+      </p:par>
+    </p:tnLst>
+  </p:timing>
+</p:sld>
+</file>
+
+<file path=ppt/slides/slide42.xml><?xml version="1.0" encoding="utf-8"?>
 <p:sld xmlns:a="http://schemas.openxmlformats.org/drawingml/2006/main" xmlns:r="http://schemas.openxmlformats.org/officeDocument/2006/relationships" xmlns:p="http://schemas.openxmlformats.org/presentationml/2006/main">
   <p:cSld>
     <p:spTree>
@@ -22632,7 +24865,7 @@
     </p:spTree>
     <p:extLst>
       <p:ext uri="{BB962C8B-B14F-4D97-AF65-F5344CB8AC3E}">
-        <p14:creationId xmlns:p14="http://schemas.microsoft.com/office/powerpoint/2010/main" val="596057407"/>
+        <p14:creationId xmlns:p14="http://schemas.microsoft.com/office/powerpoint/2010/main" val="1750549373"/>
       </p:ext>
     </p:extLst>
   </p:cSld>
@@ -22725,935 +24958,7 @@
 </p:sld>
 </file>
 
-<file path=ppt/slides/slide4.xml><?xml version="1.0" encoding="utf-8"?>
-<p:sld xmlns:a="http://schemas.openxmlformats.org/drawingml/2006/main" xmlns:r="http://schemas.openxmlformats.org/officeDocument/2006/relationships" xmlns:p="http://schemas.openxmlformats.org/presentationml/2006/main">
-  <p:cSld>
-    <p:spTree>
-      <p:nvGrpSpPr>
-        <p:cNvPr id="1" name=""/>
-        <p:cNvGrpSpPr/>
-        <p:nvPr/>
-      </p:nvGrpSpPr>
-      <p:grpSpPr>
-        <a:xfrm>
-          <a:off x="0" y="0"/>
-          <a:ext cx="0" cy="0"/>
-          <a:chOff x="0" y="0"/>
-          <a:chExt cx="0" cy="0"/>
-        </a:xfrm>
-      </p:grpSpPr>
-      <p:sp>
-        <p:nvSpPr>
-          <p:cNvPr id="17" name="内容占位符 2"/>
-          <p:cNvSpPr txBox="1">
-            <a:spLocks/>
-          </p:cNvSpPr>
-          <p:nvPr/>
-        </p:nvSpPr>
-        <p:spPr bwMode="auto">
-          <a:xfrm>
-            <a:off x="1294534" y="2780928"/>
-            <a:ext cx="3539678" cy="2016224"/>
-          </a:xfrm>
-          <a:prstGeom prst="rect">
-            <a:avLst/>
-          </a:prstGeom>
-          <a:noFill/>
-          <a:ln>
-            <a:noFill/>
-          </a:ln>
-          <a:extLst>
-            <a:ext uri="{909E8E84-426E-40DD-AFC4-6F175D3DCCD1}">
-              <a14:hiddenFill xmlns:a14="http://schemas.microsoft.com/office/drawing/2010/main">
-                <a:solidFill>
-                  <a:srgbClr val="FFFFFF"/>
-                </a:solidFill>
-              </a14:hiddenFill>
-            </a:ext>
-            <a:ext uri="{91240B29-F687-4F45-9708-019B960494DF}">
-              <a14:hiddenLine xmlns:a14="http://schemas.microsoft.com/office/drawing/2010/main" w="9525">
-                <a:solidFill>
-                  <a:srgbClr val="000000"/>
-                </a:solidFill>
-                <a:miter lim="800000"/>
-                <a:headEnd/>
-                <a:tailEnd/>
-              </a14:hiddenLine>
-            </a:ext>
-          </a:extLst>
-        </p:spPr>
-        <p:txBody>
-          <a:bodyPr vert="horz" wrap="square" lIns="91440" tIns="45720" rIns="91440" bIns="45720" numCol="1" anchor="t" anchorCtr="0" compatLnSpc="1">
-            <a:prstTxWarp prst="textNoShape">
-              <a:avLst/>
-            </a:prstTxWarp>
-          </a:bodyPr>
-          <a:lstStyle>
-            <a:lvl1pPr marL="285750" indent="-285750" algn="l" defTabSz="457200" rtl="0" eaLnBrk="0" fontAlgn="base" hangingPunct="0">
-              <a:spcBef>
-                <a:spcPct val="20000"/>
-              </a:spcBef>
-              <a:spcAft>
-                <a:spcPts val="600"/>
-              </a:spcAft>
-              <a:buClr>
-                <a:schemeClr val="accent1"/>
-              </a:buClr>
-              <a:buSzPct val="115000"/>
-              <a:buFont typeface="Arial" panose="020B0604020202020204" pitchFamily="34" charset="0"/>
-              <a:buChar char="•"/>
-              <a:defRPr sz="2400" kern="1200">
-                <a:solidFill>
-                  <a:srgbClr val="262626"/>
-                </a:solidFill>
-                <a:latin typeface="+mn-lt"/>
-                <a:ea typeface="+mn-ea"/>
-                <a:cs typeface="+mn-cs"/>
-              </a:defRPr>
-            </a:lvl1pPr>
-            <a:lvl2pPr marL="742950" indent="-285750" algn="l" defTabSz="457200" rtl="0" eaLnBrk="0" fontAlgn="base" hangingPunct="0">
-              <a:spcBef>
-                <a:spcPct val="20000"/>
-              </a:spcBef>
-              <a:spcAft>
-                <a:spcPts val="600"/>
-              </a:spcAft>
-              <a:buClr>
-                <a:schemeClr val="accent1"/>
-              </a:buClr>
-              <a:buSzPct val="115000"/>
-              <a:buFont typeface="Arial" panose="020B0604020202020204" pitchFamily="34" charset="0"/>
-              <a:buChar char="•"/>
-              <a:defRPr sz="2000" kern="1200">
-                <a:solidFill>
-                  <a:srgbClr val="262626"/>
-                </a:solidFill>
-                <a:latin typeface="+mn-lt"/>
-                <a:ea typeface="+mn-ea"/>
-                <a:cs typeface="+mn-cs"/>
-              </a:defRPr>
-            </a:lvl2pPr>
-            <a:lvl3pPr marL="1200150" indent="-285750" algn="l" defTabSz="457200" rtl="0" eaLnBrk="0" fontAlgn="base" hangingPunct="0">
-              <a:spcBef>
-                <a:spcPct val="20000"/>
-              </a:spcBef>
-              <a:spcAft>
-                <a:spcPts val="600"/>
-              </a:spcAft>
-              <a:buClr>
-                <a:schemeClr val="accent1"/>
-              </a:buClr>
-              <a:buSzPct val="115000"/>
-              <a:buFont typeface="Arial" panose="020B0604020202020204" pitchFamily="34" charset="0"/>
-              <a:buChar char="•"/>
-              <a:defRPr kern="1200">
-                <a:solidFill>
-                  <a:srgbClr val="262626"/>
-                </a:solidFill>
-                <a:latin typeface="+mn-lt"/>
-                <a:ea typeface="+mn-ea"/>
-                <a:cs typeface="+mn-cs"/>
-              </a:defRPr>
-            </a:lvl3pPr>
-            <a:lvl4pPr marL="1543050" indent="-171450" algn="l" defTabSz="457200" rtl="0" eaLnBrk="0" fontAlgn="base" hangingPunct="0">
-              <a:spcBef>
-                <a:spcPct val="20000"/>
-              </a:spcBef>
-              <a:spcAft>
-                <a:spcPts val="600"/>
-              </a:spcAft>
-              <a:buClr>
-                <a:schemeClr val="accent1"/>
-              </a:buClr>
-              <a:buSzPct val="115000"/>
-              <a:buFont typeface="Arial" panose="020B0604020202020204" pitchFamily="34" charset="0"/>
-              <a:buChar char="•"/>
-              <a:defRPr sz="1600" kern="1200">
-                <a:solidFill>
-                  <a:srgbClr val="262626"/>
-                </a:solidFill>
-                <a:latin typeface="+mn-lt"/>
-                <a:ea typeface="+mn-ea"/>
-                <a:cs typeface="+mn-cs"/>
-              </a:defRPr>
-            </a:lvl4pPr>
-            <a:lvl5pPr marL="2000250" indent="-171450" algn="l" defTabSz="457200" rtl="0" eaLnBrk="0" fontAlgn="base" hangingPunct="0">
-              <a:spcBef>
-                <a:spcPct val="20000"/>
-              </a:spcBef>
-              <a:spcAft>
-                <a:spcPts val="600"/>
-              </a:spcAft>
-              <a:buClr>
-                <a:schemeClr val="accent1"/>
-              </a:buClr>
-              <a:buSzPct val="115000"/>
-              <a:buFont typeface="Arial" panose="020B0604020202020204" pitchFamily="34" charset="0"/>
-              <a:buChar char="•"/>
-              <a:defRPr sz="1400" kern="1200">
-                <a:solidFill>
-                  <a:srgbClr val="262626"/>
-                </a:solidFill>
-                <a:latin typeface="+mn-lt"/>
-                <a:ea typeface="+mn-ea"/>
-                <a:cs typeface="+mn-cs"/>
-              </a:defRPr>
-            </a:lvl5pPr>
-            <a:lvl6pPr marL="2514600" indent="-228600" algn="l" defTabSz="457200" rtl="0" eaLnBrk="1" latinLnBrk="0" hangingPunct="1">
-              <a:spcBef>
-                <a:spcPct val="20000"/>
-              </a:spcBef>
-              <a:spcAft>
-                <a:spcPts val="600"/>
-              </a:spcAft>
-              <a:buClr>
-                <a:schemeClr val="accent1"/>
-              </a:buClr>
-              <a:buSzPct val="115000"/>
-              <a:buFont typeface="Arial"/>
-              <a:buChar char="•"/>
-              <a:defRPr sz="1400" kern="1200" cap="none">
-                <a:solidFill>
-                  <a:schemeClr val="tx1">
-                    <a:lumMod val="85000"/>
-                    <a:lumOff val="15000"/>
-                  </a:schemeClr>
-                </a:solidFill>
-                <a:effectLst/>
-                <a:latin typeface="+mn-lt"/>
-                <a:ea typeface="+mn-ea"/>
-                <a:cs typeface="+mn-cs"/>
-              </a:defRPr>
-            </a:lvl6pPr>
-            <a:lvl7pPr marL="2971800" indent="-228600" algn="l" defTabSz="457200" rtl="0" eaLnBrk="1" latinLnBrk="0" hangingPunct="1">
-              <a:spcBef>
-                <a:spcPct val="20000"/>
-              </a:spcBef>
-              <a:spcAft>
-                <a:spcPts val="600"/>
-              </a:spcAft>
-              <a:buClr>
-                <a:schemeClr val="accent1"/>
-              </a:buClr>
-              <a:buSzPct val="115000"/>
-              <a:buFont typeface="Arial"/>
-              <a:buChar char="•"/>
-              <a:defRPr sz="1400" kern="1200" cap="none">
-                <a:solidFill>
-                  <a:schemeClr val="tx1">
-                    <a:lumMod val="85000"/>
-                    <a:lumOff val="15000"/>
-                  </a:schemeClr>
-                </a:solidFill>
-                <a:effectLst/>
-                <a:latin typeface="+mn-lt"/>
-                <a:ea typeface="+mn-ea"/>
-                <a:cs typeface="+mn-cs"/>
-              </a:defRPr>
-            </a:lvl7pPr>
-            <a:lvl8pPr marL="3429000" indent="-228600" algn="l" defTabSz="457200" rtl="0" eaLnBrk="1" latinLnBrk="0" hangingPunct="1">
-              <a:spcBef>
-                <a:spcPct val="20000"/>
-              </a:spcBef>
-              <a:spcAft>
-                <a:spcPts val="600"/>
-              </a:spcAft>
-              <a:buClr>
-                <a:schemeClr val="accent1"/>
-              </a:buClr>
-              <a:buSzPct val="115000"/>
-              <a:buFont typeface="Arial"/>
-              <a:buChar char="•"/>
-              <a:defRPr sz="1400" kern="1200" cap="none">
-                <a:solidFill>
-                  <a:schemeClr val="tx1">
-                    <a:lumMod val="85000"/>
-                    <a:lumOff val="15000"/>
-                  </a:schemeClr>
-                </a:solidFill>
-                <a:effectLst/>
-                <a:latin typeface="+mn-lt"/>
-                <a:ea typeface="+mn-ea"/>
-                <a:cs typeface="+mn-cs"/>
-              </a:defRPr>
-            </a:lvl8pPr>
-            <a:lvl9pPr marL="3886200" indent="-228600" algn="l" defTabSz="457200" rtl="0" eaLnBrk="1" latinLnBrk="0" hangingPunct="1">
-              <a:spcBef>
-                <a:spcPct val="20000"/>
-              </a:spcBef>
-              <a:spcAft>
-                <a:spcPts val="600"/>
-              </a:spcAft>
-              <a:buClr>
-                <a:schemeClr val="accent1"/>
-              </a:buClr>
-              <a:buSzPct val="115000"/>
-              <a:buFont typeface="Arial"/>
-              <a:buChar char="•"/>
-              <a:defRPr sz="1400" kern="1200" cap="none">
-                <a:solidFill>
-                  <a:schemeClr val="tx1">
-                    <a:lumMod val="85000"/>
-                    <a:lumOff val="15000"/>
-                  </a:schemeClr>
-                </a:solidFill>
-                <a:effectLst/>
-                <a:latin typeface="+mn-lt"/>
-                <a:ea typeface="+mn-ea"/>
-                <a:cs typeface="+mn-cs"/>
-              </a:defRPr>
-            </a:lvl9pPr>
-          </a:lstStyle>
-          <a:p>
-            <a:pPr marL="0" indent="0">
-              <a:buFont typeface="Arial" panose="020B0604020202020204" pitchFamily="34" charset="0"/>
-              <a:buNone/>
-            </a:pPr>
-            <a:r>
-              <a:rPr lang="en-US" altLang="zh-CN" dirty="0" smtClean="0">
-                <a:latin typeface="Adobe 楷体 Std R" panose="02020400000000000000" pitchFamily="18" charset="-122"/>
-                <a:ea typeface="Adobe 楷体 Std R" panose="02020400000000000000" pitchFamily="18" charset="-122"/>
-              </a:rPr>
-              <a:t> </a:t>
-            </a:r>
-            <a:r>
-              <a:rPr lang="zh-CN" altLang="en-US" dirty="0" smtClean="0">
-                <a:latin typeface="Adobe 楷体 Std R" panose="02020400000000000000" pitchFamily="18" charset="-122"/>
-                <a:ea typeface="Adobe 楷体 Std R" panose="02020400000000000000" pitchFamily="18" charset="-122"/>
-              </a:rPr>
-              <a:t>各种规范</a:t>
-            </a:r>
-          </a:p>
-          <a:p>
-            <a:pPr marL="0" indent="0">
-              <a:buFont typeface="Arial" panose="020B0604020202020204" pitchFamily="34" charset="0"/>
-              <a:buNone/>
-            </a:pPr>
-            <a:r>
-              <a:rPr lang="zh-CN" altLang="en-US" dirty="0" smtClean="0">
-                <a:latin typeface="Adobe 楷体 Std R" panose="02020400000000000000" pitchFamily="18" charset="-122"/>
-                <a:ea typeface="Adobe 楷体 Std R" panose="02020400000000000000" pitchFamily="18" charset="-122"/>
-              </a:rPr>
-              <a:t>	</a:t>
-            </a:r>
-            <a:r>
-              <a:rPr lang="en-US" altLang="zh-CN" dirty="0" smtClean="0">
-                <a:latin typeface="Adobe 楷体 Std R" panose="02020400000000000000" pitchFamily="18" charset="-122"/>
-                <a:ea typeface="Adobe 楷体 Std R" panose="02020400000000000000" pitchFamily="18" charset="-122"/>
-              </a:rPr>
-              <a:t>[</a:t>
-            </a:r>
-            <a:r>
-              <a:rPr lang="zh-CN" altLang="en-US" dirty="0" smtClean="0">
-                <a:ln>
-                  <a:solidFill>
-                    <a:srgbClr val="0070C0"/>
-                  </a:solidFill>
-                </a:ln>
-                <a:latin typeface="Adobe 楷体 Std R" panose="02020400000000000000" pitchFamily="18" charset="-122"/>
-                <a:ea typeface="Adobe 楷体 Std R" panose="02020400000000000000" pitchFamily="18" charset="-122"/>
-              </a:rPr>
-              <a:t>管理规范</a:t>
-            </a:r>
-            <a:r>
-              <a:rPr lang="en-US" altLang="zh-CN" dirty="0" smtClean="0">
-                <a:latin typeface="Adobe 楷体 Std R" panose="02020400000000000000" pitchFamily="18" charset="-122"/>
-                <a:ea typeface="Adobe 楷体 Std R" panose="02020400000000000000" pitchFamily="18" charset="-122"/>
-              </a:rPr>
-              <a:t>]</a:t>
-            </a:r>
-          </a:p>
-          <a:p>
-            <a:pPr marL="0" indent="0">
-              <a:buFont typeface="Arial" panose="020B0604020202020204" pitchFamily="34" charset="0"/>
-              <a:buNone/>
-            </a:pPr>
-            <a:r>
-              <a:rPr lang="en-US" altLang="zh-CN" dirty="0" smtClean="0">
-                <a:latin typeface="Adobe 楷体 Std R" panose="02020400000000000000" pitchFamily="18" charset="-122"/>
-                <a:ea typeface="Adobe 楷体 Std R" panose="02020400000000000000" pitchFamily="18" charset="-122"/>
-              </a:rPr>
-              <a:t>	[</a:t>
-            </a:r>
-            <a:r>
-              <a:rPr lang="zh-CN" altLang="en-US" dirty="0" smtClean="0">
-                <a:ln>
-                  <a:solidFill>
-                    <a:srgbClr val="FF9900"/>
-                  </a:solidFill>
-                </a:ln>
-                <a:latin typeface="Adobe 楷体 Std R" panose="02020400000000000000" pitchFamily="18" charset="-122"/>
-                <a:ea typeface="Adobe 楷体 Std R" panose="02020400000000000000" pitchFamily="18" charset="-122"/>
-              </a:rPr>
-              <a:t>流程规范</a:t>
-            </a:r>
-            <a:r>
-              <a:rPr lang="en-US" altLang="zh-CN" dirty="0" smtClean="0">
-                <a:latin typeface="Adobe 楷体 Std R" panose="02020400000000000000" pitchFamily="18" charset="-122"/>
-                <a:ea typeface="Adobe 楷体 Std R" panose="02020400000000000000" pitchFamily="18" charset="-122"/>
-              </a:rPr>
-              <a:t>]</a:t>
-            </a:r>
-          </a:p>
-          <a:p>
-            <a:pPr marL="0" indent="0">
-              <a:buFont typeface="Arial" panose="020B0604020202020204" pitchFamily="34" charset="0"/>
-              <a:buNone/>
-            </a:pPr>
-            <a:r>
-              <a:rPr lang="en-US" altLang="zh-CN" dirty="0" smtClean="0">
-                <a:latin typeface="Adobe 楷体 Std R" panose="02020400000000000000" pitchFamily="18" charset="-122"/>
-                <a:ea typeface="Adobe 楷体 Std R" panose="02020400000000000000" pitchFamily="18" charset="-122"/>
-              </a:rPr>
-              <a:t>	[</a:t>
-            </a:r>
-            <a:r>
-              <a:rPr lang="zh-CN" altLang="en-US" dirty="0" smtClean="0">
-                <a:latin typeface="Adobe 楷体 Std R" panose="02020400000000000000" pitchFamily="18" charset="-122"/>
-                <a:ea typeface="Adobe 楷体 Std R" panose="02020400000000000000" pitchFamily="18" charset="-122"/>
-              </a:rPr>
-              <a:t>开发（代码）规范</a:t>
-            </a:r>
-            <a:r>
-              <a:rPr lang="en-US" altLang="zh-CN" dirty="0" smtClean="0">
-                <a:latin typeface="Adobe 楷体 Std R" panose="02020400000000000000" pitchFamily="18" charset="-122"/>
-                <a:ea typeface="Adobe 楷体 Std R" panose="02020400000000000000" pitchFamily="18" charset="-122"/>
-              </a:rPr>
-              <a:t>]</a:t>
-            </a:r>
-            <a:endParaRPr lang="zh-CN" altLang="en-US" dirty="0">
-              <a:latin typeface="Adobe 楷体 Std R" panose="02020400000000000000" pitchFamily="18" charset="-122"/>
-              <a:ea typeface="Adobe 楷体 Std R" panose="02020400000000000000" pitchFamily="18" charset="-122"/>
-            </a:endParaRPr>
-          </a:p>
-        </p:txBody>
-      </p:sp>
-      <p:sp>
-        <p:nvSpPr>
-          <p:cNvPr id="2" name="标题 1"/>
-          <p:cNvSpPr>
-            <a:spLocks noGrp="1"/>
-          </p:cNvSpPr>
-          <p:nvPr>
-            <p:ph type="title"/>
-          </p:nvPr>
-        </p:nvSpPr>
-        <p:spPr/>
-        <p:txBody>
-          <a:bodyPr/>
-          <a:lstStyle/>
-          <a:p>
-            <a:r>
-              <a:rPr lang="zh-CN" altLang="en-US" dirty="0" smtClean="0">
-                <a:latin typeface="Adobe 黑体 Std R" panose="020B0400000000000000" pitchFamily="34" charset="-122"/>
-                <a:ea typeface="Adobe 黑体 Std R" panose="020B0400000000000000" pitchFamily="34" charset="-122"/>
-              </a:rPr>
-              <a:t>订立规范</a:t>
-            </a:r>
-            <a:endParaRPr lang="zh-CN" altLang="en-US" dirty="0">
-              <a:latin typeface="Adobe 黑体 Std R" panose="020B0400000000000000" pitchFamily="34" charset="-122"/>
-              <a:ea typeface="Adobe 黑体 Std R" panose="020B0400000000000000" pitchFamily="34" charset="-122"/>
-            </a:endParaRPr>
-          </a:p>
-        </p:txBody>
-      </p:sp>
-      <p:sp>
-        <p:nvSpPr>
-          <p:cNvPr id="3" name="内容占位符 2"/>
-          <p:cNvSpPr>
-            <a:spLocks noGrp="1"/>
-          </p:cNvSpPr>
-          <p:nvPr>
-            <p:ph idx="1"/>
-          </p:nvPr>
-        </p:nvSpPr>
-        <p:spPr>
-          <a:xfrm>
-            <a:off x="5436096" y="2671043"/>
-            <a:ext cx="1359768" cy="1584176"/>
-          </a:xfrm>
-          <a:solidFill>
-            <a:srgbClr val="B1EAED"/>
-          </a:solidFill>
-        </p:spPr>
-        <p:txBody>
-          <a:bodyPr/>
-          <a:lstStyle/>
-          <a:p>
-            <a:pPr marL="0" indent="0">
-              <a:buNone/>
-            </a:pPr>
-            <a:r>
-              <a:rPr lang="en-US" altLang="zh-CN" dirty="0" smtClean="0">
-                <a:latin typeface="Adobe 楷体 Std R" panose="02020400000000000000" pitchFamily="18" charset="-122"/>
-                <a:ea typeface="Adobe 楷体 Std R" panose="02020400000000000000" pitchFamily="18" charset="-122"/>
-              </a:rPr>
-              <a:t>[</a:t>
-            </a:r>
-            <a:r>
-              <a:rPr lang="zh-CN" altLang="en-US" dirty="0" smtClean="0">
-                <a:latin typeface="Adobe 楷体 Std R" panose="02020400000000000000" pitchFamily="18" charset="-122"/>
-                <a:ea typeface="Adobe 楷体 Std R" panose="02020400000000000000" pitchFamily="18" charset="-122"/>
-              </a:rPr>
-              <a:t>禅道</a:t>
-            </a:r>
-            <a:r>
-              <a:rPr lang="en-US" altLang="zh-CN" dirty="0" smtClean="0">
-                <a:latin typeface="Adobe 楷体 Std R" panose="02020400000000000000" pitchFamily="18" charset="-122"/>
-                <a:ea typeface="Adobe 楷体 Std R" panose="02020400000000000000" pitchFamily="18" charset="-122"/>
-              </a:rPr>
-              <a:t>]</a:t>
-            </a:r>
-            <a:endParaRPr lang="en-US" altLang="zh-CN" dirty="0">
-              <a:latin typeface="Adobe 楷体 Std R" panose="02020400000000000000" pitchFamily="18" charset="-122"/>
-              <a:ea typeface="Adobe 楷体 Std R" panose="02020400000000000000" pitchFamily="18" charset="-122"/>
-            </a:endParaRPr>
-          </a:p>
-          <a:p>
-            <a:pPr marL="0" indent="0">
-              <a:buNone/>
-            </a:pPr>
-            <a:r>
-              <a:rPr lang="en-US" altLang="zh-CN" dirty="0" smtClean="0">
-                <a:latin typeface="Adobe 楷体 Std R" panose="02020400000000000000" pitchFamily="18" charset="-122"/>
-                <a:ea typeface="Adobe 楷体 Std R" panose="02020400000000000000" pitchFamily="18" charset="-122"/>
-              </a:rPr>
-              <a:t>[</a:t>
-            </a:r>
-            <a:r>
-              <a:rPr lang="zh-CN" altLang="en-US" dirty="0" smtClean="0">
-                <a:latin typeface="Adobe 楷体 Std R" panose="02020400000000000000" pitchFamily="18" charset="-122"/>
-                <a:ea typeface="Adobe 楷体 Std R" panose="02020400000000000000" pitchFamily="18" charset="-122"/>
-              </a:rPr>
-              <a:t>甘特图</a:t>
-            </a:r>
-            <a:r>
-              <a:rPr lang="en-US" altLang="zh-CN" dirty="0" smtClean="0">
-                <a:latin typeface="Adobe 楷体 Std R" panose="02020400000000000000" pitchFamily="18" charset="-122"/>
-                <a:ea typeface="Adobe 楷体 Std R" panose="02020400000000000000" pitchFamily="18" charset="-122"/>
-              </a:rPr>
-              <a:t>]</a:t>
-            </a:r>
-            <a:endParaRPr lang="en-US" altLang="zh-CN" dirty="0">
-              <a:latin typeface="Adobe 楷体 Std R" panose="02020400000000000000" pitchFamily="18" charset="-122"/>
-              <a:ea typeface="Adobe 楷体 Std R" panose="02020400000000000000" pitchFamily="18" charset="-122"/>
-            </a:endParaRPr>
-          </a:p>
-          <a:p>
-            <a:pPr marL="0" indent="0">
-              <a:buNone/>
-            </a:pPr>
-            <a:r>
-              <a:rPr lang="en-US" altLang="zh-CN" dirty="0" smtClean="0">
-                <a:latin typeface="Adobe 楷体 Std R" panose="02020400000000000000" pitchFamily="18" charset="-122"/>
-                <a:ea typeface="Adobe 楷体 Std R" panose="02020400000000000000" pitchFamily="18" charset="-122"/>
-              </a:rPr>
-              <a:t>[WBS</a:t>
-            </a:r>
-            <a:r>
-              <a:rPr lang="zh-CN" altLang="en-US" dirty="0" smtClean="0">
-                <a:latin typeface="Adobe 楷体 Std R" panose="02020400000000000000" pitchFamily="18" charset="-122"/>
-                <a:ea typeface="Adobe 楷体 Std R" panose="02020400000000000000" pitchFamily="18" charset="-122"/>
-              </a:rPr>
-              <a:t>表</a:t>
-            </a:r>
-            <a:r>
-              <a:rPr lang="en-US" altLang="zh-CN" dirty="0" smtClean="0">
-                <a:latin typeface="Adobe 楷体 Std R" panose="02020400000000000000" pitchFamily="18" charset="-122"/>
-                <a:ea typeface="Adobe 楷体 Std R" panose="02020400000000000000" pitchFamily="18" charset="-122"/>
-              </a:rPr>
-              <a:t>]</a:t>
-            </a:r>
-            <a:endParaRPr lang="zh-CN" altLang="en-US" dirty="0">
-              <a:latin typeface="Adobe 楷体 Std R" panose="02020400000000000000" pitchFamily="18" charset="-122"/>
-              <a:ea typeface="Adobe 楷体 Std R" panose="02020400000000000000" pitchFamily="18" charset="-122"/>
-            </a:endParaRPr>
-          </a:p>
-        </p:txBody>
-      </p:sp>
-      <p:cxnSp>
-        <p:nvCxnSpPr>
-          <p:cNvPr id="18" name="曲线连接符 17"/>
-          <p:cNvCxnSpPr>
-            <a:endCxn id="3" idx="1"/>
-          </p:cNvCxnSpPr>
-          <p:nvPr/>
-        </p:nvCxnSpPr>
-        <p:spPr>
-          <a:xfrm flipV="1">
-            <a:off x="3203848" y="3463131"/>
-            <a:ext cx="2232248" cy="564502"/>
-          </a:xfrm>
-          <a:prstGeom prst="curvedConnector3">
-            <a:avLst>
-              <a:gd name="adj1" fmla="val 50000"/>
-            </a:avLst>
-          </a:prstGeom>
-          <a:ln>
-            <a:tailEnd type="triangle"/>
-          </a:ln>
-        </p:spPr>
-        <p:style>
-          <a:lnRef idx="3">
-            <a:schemeClr val="accent5"/>
-          </a:lnRef>
-          <a:fillRef idx="0">
-            <a:schemeClr val="accent5"/>
-          </a:fillRef>
-          <a:effectRef idx="2">
-            <a:schemeClr val="accent5"/>
-          </a:effectRef>
-          <a:fontRef idx="minor">
-            <a:schemeClr val="tx1"/>
-          </a:fontRef>
-        </p:style>
-      </p:cxnSp>
-      <p:sp>
-        <p:nvSpPr>
-          <p:cNvPr id="22" name="内容占位符 2"/>
-          <p:cNvSpPr txBox="1">
-            <a:spLocks/>
-          </p:cNvSpPr>
-          <p:nvPr/>
-        </p:nvSpPr>
-        <p:spPr bwMode="auto">
-          <a:xfrm>
-            <a:off x="4077867" y="5079796"/>
-            <a:ext cx="2871936" cy="455174"/>
-          </a:xfrm>
-          <a:prstGeom prst="rect">
-            <a:avLst/>
-          </a:prstGeom>
-          <a:solidFill>
-            <a:srgbClr val="FF9900"/>
-          </a:solidFill>
-          <a:ln>
-            <a:noFill/>
-          </a:ln>
-          <a:extLst/>
-        </p:spPr>
-        <p:txBody>
-          <a:bodyPr vert="horz" wrap="square" lIns="91440" tIns="45720" rIns="91440" bIns="45720" numCol="1" anchor="t" anchorCtr="0" compatLnSpc="1">
-            <a:prstTxWarp prst="textNoShape">
-              <a:avLst/>
-            </a:prstTxWarp>
-          </a:bodyPr>
-          <a:lstStyle>
-            <a:lvl1pPr marL="285750" indent="-285750" algn="l" defTabSz="457200" rtl="0" eaLnBrk="0" fontAlgn="base" hangingPunct="0">
-              <a:spcBef>
-                <a:spcPct val="20000"/>
-              </a:spcBef>
-              <a:spcAft>
-                <a:spcPts val="600"/>
-              </a:spcAft>
-              <a:buClr>
-                <a:schemeClr val="accent1"/>
-              </a:buClr>
-              <a:buSzPct val="115000"/>
-              <a:buFont typeface="Arial" panose="020B0604020202020204" pitchFamily="34" charset="0"/>
-              <a:buChar char="•"/>
-              <a:defRPr sz="2400" kern="1200">
-                <a:solidFill>
-                  <a:srgbClr val="262626"/>
-                </a:solidFill>
-                <a:latin typeface="+mn-lt"/>
-                <a:ea typeface="+mn-ea"/>
-                <a:cs typeface="+mn-cs"/>
-              </a:defRPr>
-            </a:lvl1pPr>
-            <a:lvl2pPr marL="742950" indent="-285750" algn="l" defTabSz="457200" rtl="0" eaLnBrk="0" fontAlgn="base" hangingPunct="0">
-              <a:spcBef>
-                <a:spcPct val="20000"/>
-              </a:spcBef>
-              <a:spcAft>
-                <a:spcPts val="600"/>
-              </a:spcAft>
-              <a:buClr>
-                <a:schemeClr val="accent1"/>
-              </a:buClr>
-              <a:buSzPct val="115000"/>
-              <a:buFont typeface="Arial" panose="020B0604020202020204" pitchFamily="34" charset="0"/>
-              <a:buChar char="•"/>
-              <a:defRPr sz="2000" kern="1200">
-                <a:solidFill>
-                  <a:srgbClr val="262626"/>
-                </a:solidFill>
-                <a:latin typeface="+mn-lt"/>
-                <a:ea typeface="+mn-ea"/>
-                <a:cs typeface="+mn-cs"/>
-              </a:defRPr>
-            </a:lvl2pPr>
-            <a:lvl3pPr marL="1200150" indent="-285750" algn="l" defTabSz="457200" rtl="0" eaLnBrk="0" fontAlgn="base" hangingPunct="0">
-              <a:spcBef>
-                <a:spcPct val="20000"/>
-              </a:spcBef>
-              <a:spcAft>
-                <a:spcPts val="600"/>
-              </a:spcAft>
-              <a:buClr>
-                <a:schemeClr val="accent1"/>
-              </a:buClr>
-              <a:buSzPct val="115000"/>
-              <a:buFont typeface="Arial" panose="020B0604020202020204" pitchFamily="34" charset="0"/>
-              <a:buChar char="•"/>
-              <a:defRPr kern="1200">
-                <a:solidFill>
-                  <a:srgbClr val="262626"/>
-                </a:solidFill>
-                <a:latin typeface="+mn-lt"/>
-                <a:ea typeface="+mn-ea"/>
-                <a:cs typeface="+mn-cs"/>
-              </a:defRPr>
-            </a:lvl3pPr>
-            <a:lvl4pPr marL="1543050" indent="-171450" algn="l" defTabSz="457200" rtl="0" eaLnBrk="0" fontAlgn="base" hangingPunct="0">
-              <a:spcBef>
-                <a:spcPct val="20000"/>
-              </a:spcBef>
-              <a:spcAft>
-                <a:spcPts val="600"/>
-              </a:spcAft>
-              <a:buClr>
-                <a:schemeClr val="accent1"/>
-              </a:buClr>
-              <a:buSzPct val="115000"/>
-              <a:buFont typeface="Arial" panose="020B0604020202020204" pitchFamily="34" charset="0"/>
-              <a:buChar char="•"/>
-              <a:defRPr sz="1600" kern="1200">
-                <a:solidFill>
-                  <a:srgbClr val="262626"/>
-                </a:solidFill>
-                <a:latin typeface="+mn-lt"/>
-                <a:ea typeface="+mn-ea"/>
-                <a:cs typeface="+mn-cs"/>
-              </a:defRPr>
-            </a:lvl4pPr>
-            <a:lvl5pPr marL="2000250" indent="-171450" algn="l" defTabSz="457200" rtl="0" eaLnBrk="0" fontAlgn="base" hangingPunct="0">
-              <a:spcBef>
-                <a:spcPct val="20000"/>
-              </a:spcBef>
-              <a:spcAft>
-                <a:spcPts val="600"/>
-              </a:spcAft>
-              <a:buClr>
-                <a:schemeClr val="accent1"/>
-              </a:buClr>
-              <a:buSzPct val="115000"/>
-              <a:buFont typeface="Arial" panose="020B0604020202020204" pitchFamily="34" charset="0"/>
-              <a:buChar char="•"/>
-              <a:defRPr sz="1400" kern="1200">
-                <a:solidFill>
-                  <a:srgbClr val="262626"/>
-                </a:solidFill>
-                <a:latin typeface="+mn-lt"/>
-                <a:ea typeface="+mn-ea"/>
-                <a:cs typeface="+mn-cs"/>
-              </a:defRPr>
-            </a:lvl5pPr>
-            <a:lvl6pPr marL="2514600" indent="-228600" algn="l" defTabSz="457200" rtl="0" eaLnBrk="1" latinLnBrk="0" hangingPunct="1">
-              <a:spcBef>
-                <a:spcPct val="20000"/>
-              </a:spcBef>
-              <a:spcAft>
-                <a:spcPts val="600"/>
-              </a:spcAft>
-              <a:buClr>
-                <a:schemeClr val="accent1"/>
-              </a:buClr>
-              <a:buSzPct val="115000"/>
-              <a:buFont typeface="Arial"/>
-              <a:buChar char="•"/>
-              <a:defRPr sz="1400" kern="1200" cap="none">
-                <a:solidFill>
-                  <a:schemeClr val="tx1">
-                    <a:lumMod val="85000"/>
-                    <a:lumOff val="15000"/>
-                  </a:schemeClr>
-                </a:solidFill>
-                <a:effectLst/>
-                <a:latin typeface="+mn-lt"/>
-                <a:ea typeface="+mn-ea"/>
-                <a:cs typeface="+mn-cs"/>
-              </a:defRPr>
-            </a:lvl6pPr>
-            <a:lvl7pPr marL="2971800" indent="-228600" algn="l" defTabSz="457200" rtl="0" eaLnBrk="1" latinLnBrk="0" hangingPunct="1">
-              <a:spcBef>
-                <a:spcPct val="20000"/>
-              </a:spcBef>
-              <a:spcAft>
-                <a:spcPts val="600"/>
-              </a:spcAft>
-              <a:buClr>
-                <a:schemeClr val="accent1"/>
-              </a:buClr>
-              <a:buSzPct val="115000"/>
-              <a:buFont typeface="Arial"/>
-              <a:buChar char="•"/>
-              <a:defRPr sz="1400" kern="1200" cap="none">
-                <a:solidFill>
-                  <a:schemeClr val="tx1">
-                    <a:lumMod val="85000"/>
-                    <a:lumOff val="15000"/>
-                  </a:schemeClr>
-                </a:solidFill>
-                <a:effectLst/>
-                <a:latin typeface="+mn-lt"/>
-                <a:ea typeface="+mn-ea"/>
-                <a:cs typeface="+mn-cs"/>
-              </a:defRPr>
-            </a:lvl7pPr>
-            <a:lvl8pPr marL="3429000" indent="-228600" algn="l" defTabSz="457200" rtl="0" eaLnBrk="1" latinLnBrk="0" hangingPunct="1">
-              <a:spcBef>
-                <a:spcPct val="20000"/>
-              </a:spcBef>
-              <a:spcAft>
-                <a:spcPts val="600"/>
-              </a:spcAft>
-              <a:buClr>
-                <a:schemeClr val="accent1"/>
-              </a:buClr>
-              <a:buSzPct val="115000"/>
-              <a:buFont typeface="Arial"/>
-              <a:buChar char="•"/>
-              <a:defRPr sz="1400" kern="1200" cap="none">
-                <a:solidFill>
-                  <a:schemeClr val="tx1">
-                    <a:lumMod val="85000"/>
-                    <a:lumOff val="15000"/>
-                  </a:schemeClr>
-                </a:solidFill>
-                <a:effectLst/>
-                <a:latin typeface="+mn-lt"/>
-                <a:ea typeface="+mn-ea"/>
-                <a:cs typeface="+mn-cs"/>
-              </a:defRPr>
-            </a:lvl8pPr>
-            <a:lvl9pPr marL="3886200" indent="-228600" algn="l" defTabSz="457200" rtl="0" eaLnBrk="1" latinLnBrk="0" hangingPunct="1">
-              <a:spcBef>
-                <a:spcPct val="20000"/>
-              </a:spcBef>
-              <a:spcAft>
-                <a:spcPts val="600"/>
-              </a:spcAft>
-              <a:buClr>
-                <a:schemeClr val="accent1"/>
-              </a:buClr>
-              <a:buSzPct val="115000"/>
-              <a:buFont typeface="Arial"/>
-              <a:buChar char="•"/>
-              <a:defRPr sz="1400" kern="1200" cap="none">
-                <a:solidFill>
-                  <a:schemeClr val="tx1">
-                    <a:lumMod val="85000"/>
-                    <a:lumOff val="15000"/>
-                  </a:schemeClr>
-                </a:solidFill>
-                <a:effectLst/>
-                <a:latin typeface="+mn-lt"/>
-                <a:ea typeface="+mn-ea"/>
-                <a:cs typeface="+mn-cs"/>
-              </a:defRPr>
-            </a:lvl9pPr>
-          </a:lstStyle>
-          <a:p>
-            <a:pPr marL="0" indent="0">
-              <a:buFont typeface="Arial" panose="020B0604020202020204" pitchFamily="34" charset="0"/>
-              <a:buNone/>
-            </a:pPr>
-            <a:r>
-              <a:rPr lang="en-US" altLang="zh-CN" dirty="0" smtClean="0">
-                <a:latin typeface="Adobe 楷体 Std R" panose="02020400000000000000" pitchFamily="18" charset="-122"/>
-                <a:ea typeface="Adobe 楷体 Std R" panose="02020400000000000000" pitchFamily="18" charset="-122"/>
-              </a:rPr>
-              <a:t>[</a:t>
-            </a:r>
-            <a:r>
-              <a:rPr lang="zh-CN" altLang="en-US" dirty="0" smtClean="0">
-                <a:latin typeface="Adobe 楷体 Std R" panose="02020400000000000000" pitchFamily="18" charset="-122"/>
-                <a:ea typeface="Adobe 楷体 Std R" panose="02020400000000000000" pitchFamily="18" charset="-122"/>
-              </a:rPr>
-              <a:t>阿里巴巴</a:t>
-            </a:r>
-            <a:r>
-              <a:rPr lang="en-US" altLang="zh-CN" dirty="0" smtClean="0">
-                <a:latin typeface="Adobe 楷体 Std R" panose="02020400000000000000" pitchFamily="18" charset="-122"/>
-                <a:ea typeface="Adobe 楷体 Std R" panose="02020400000000000000" pitchFamily="18" charset="-122"/>
-              </a:rPr>
-              <a:t>Java</a:t>
-            </a:r>
-            <a:r>
-              <a:rPr lang="zh-CN" altLang="en-US" dirty="0" smtClean="0">
-                <a:latin typeface="Adobe 楷体 Std R" panose="02020400000000000000" pitchFamily="18" charset="-122"/>
-                <a:ea typeface="Adobe 楷体 Std R" panose="02020400000000000000" pitchFamily="18" charset="-122"/>
-              </a:rPr>
-              <a:t>规范</a:t>
-            </a:r>
-            <a:r>
-              <a:rPr lang="en-US" altLang="zh-CN" dirty="0" smtClean="0">
-                <a:latin typeface="Adobe 楷体 Std R" panose="02020400000000000000" pitchFamily="18" charset="-122"/>
-                <a:ea typeface="Adobe 楷体 Std R" panose="02020400000000000000" pitchFamily="18" charset="-122"/>
-              </a:rPr>
-              <a:t>]</a:t>
-            </a:r>
-          </a:p>
-        </p:txBody>
-      </p:sp>
-      <p:cxnSp>
-        <p:nvCxnSpPr>
-          <p:cNvPr id="23" name="曲线连接符 22"/>
-          <p:cNvCxnSpPr>
-            <a:stCxn id="17" idx="2"/>
-            <a:endCxn id="22" idx="1"/>
-          </p:cNvCxnSpPr>
-          <p:nvPr/>
-        </p:nvCxnSpPr>
-        <p:spPr>
-          <a:xfrm rot="16200000" flipH="1">
-            <a:off x="3316005" y="4545520"/>
-            <a:ext cx="510231" cy="1013494"/>
-          </a:xfrm>
-          <a:prstGeom prst="curvedConnector2">
-            <a:avLst/>
-          </a:prstGeom>
-          <a:ln>
-            <a:tailEnd type="triangle"/>
-          </a:ln>
-        </p:spPr>
-        <p:style>
-          <a:lnRef idx="3">
-            <a:schemeClr val="accent5"/>
-          </a:lnRef>
-          <a:fillRef idx="0">
-            <a:schemeClr val="accent5"/>
-          </a:fillRef>
-          <a:effectRef idx="2">
-            <a:schemeClr val="accent5"/>
-          </a:effectRef>
-          <a:fontRef idx="minor">
-            <a:schemeClr val="tx1"/>
-          </a:fontRef>
-        </p:style>
-      </p:cxnSp>
-    </p:spTree>
-    <p:extLst>
-      <p:ext uri="{BB962C8B-B14F-4D97-AF65-F5344CB8AC3E}">
-        <p14:creationId xmlns:p14="http://schemas.microsoft.com/office/powerpoint/2010/main" val="2478906500"/>
-      </p:ext>
-    </p:extLst>
-  </p:cSld>
-  <p:clrMapOvr>
-    <a:masterClrMapping/>
-  </p:clrMapOvr>
-  <p:timing>
-    <p:tnLst>
-      <p:par>
-        <p:cTn id="1" dur="indefinite" restart="never" nodeType="tmRoot"/>
-      </p:par>
-    </p:tnLst>
-  </p:timing>
-</p:sld>
-</file>
-
-<file path=ppt/slides/slide40.xml><?xml version="1.0" encoding="utf-8"?>
+<file path=ppt/slides/slide43.xml><?xml version="1.0" encoding="utf-8"?>
 <p:sld xmlns:a="http://schemas.openxmlformats.org/drawingml/2006/main" xmlns:r="http://schemas.openxmlformats.org/officeDocument/2006/relationships" xmlns:p="http://schemas.openxmlformats.org/presentationml/2006/main">
   <p:cSld>
     <p:spTree>
@@ -23690,7 +24995,21 @@
                 <a:latin typeface="Adobe 黑体 Std R" panose="020B0400000000000000" pitchFamily="34" charset="-122"/>
                 <a:ea typeface="Adobe 黑体 Std R" panose="020B0400000000000000" pitchFamily="34" charset="-122"/>
               </a:rPr>
-              <a:t>总结</a:t>
+              <a:t>过程迭代</a:t>
+            </a:r>
+            <a:r>
+              <a:rPr lang="en-US" altLang="zh-CN" dirty="0" smtClean="0">
+                <a:latin typeface="Adobe 黑体 Std R" panose="020B0400000000000000" pitchFamily="34" charset="-122"/>
+                <a:ea typeface="Adobe 黑体 Std R" panose="020B0400000000000000" pitchFamily="34" charset="-122"/>
+              </a:rPr>
+              <a:t>-</a:t>
+            </a:r>
+            <a:r>
+              <a:rPr lang="zh-CN" altLang="en-US" dirty="0" smtClean="0">
+                <a:latin typeface="Adobe 黑体 Std R" panose="020B0400000000000000" pitchFamily="34" charset="-122"/>
+                <a:ea typeface="Adobe 黑体 Std R" panose="020B0400000000000000" pitchFamily="34" charset="-122"/>
+              </a:rPr>
+              <a:t>开发实现</a:t>
             </a:r>
             <a:endParaRPr lang="zh-CN" altLang="en-US" dirty="0">
               <a:latin typeface="Adobe 黑体 Std R" panose="020B0400000000000000" pitchFamily="34" charset="-122"/>
@@ -23709,89 +25028,558 @@
             <p:ph idx="1"/>
           </p:nvPr>
         </p:nvSpPr>
-        <p:spPr/>
+        <p:spPr>
+          <a:xfrm>
+            <a:off x="1259632" y="2564904"/>
+            <a:ext cx="2819598" cy="2594396"/>
+          </a:xfrm>
+        </p:spPr>
         <p:txBody>
           <a:bodyPr/>
           <a:lstStyle/>
           <a:p>
+            <a:pPr marL="0" indent="0">
+              <a:buNone/>
+            </a:pPr>
+            <a:r>
+              <a:rPr lang="zh-CN" altLang="en-US" dirty="0">
+                <a:latin typeface="Adobe 楷体 Std R" panose="02020400000000000000" pitchFamily="18" charset="-122"/>
+                <a:ea typeface="Adobe 楷体 Std R" panose="02020400000000000000" pitchFamily="18" charset="-122"/>
+              </a:rPr>
+              <a:t>软件实现</a:t>
+            </a:r>
+          </a:p>
+          <a:p>
+            <a:pPr marL="0" indent="0">
+              <a:buNone/>
+            </a:pPr>
+            <a:r>
+              <a:rPr lang="zh-CN" altLang="en-US" dirty="0">
+                <a:latin typeface="Adobe 楷体 Std R" panose="02020400000000000000" pitchFamily="18" charset="-122"/>
+                <a:ea typeface="Adobe 楷体 Std R" panose="02020400000000000000" pitchFamily="18" charset="-122"/>
+              </a:rPr>
+              <a:t>	</a:t>
+            </a:r>
+            <a:r>
+              <a:rPr lang="en-US" altLang="zh-CN" dirty="0">
+                <a:latin typeface="Adobe 楷体 Std R" panose="02020400000000000000" pitchFamily="18" charset="-122"/>
+                <a:ea typeface="Adobe 楷体 Std R" panose="02020400000000000000" pitchFamily="18" charset="-122"/>
+              </a:rPr>
+              <a:t>[</a:t>
+            </a:r>
             <a:r>
               <a:rPr lang="zh-CN" altLang="en-US" dirty="0" smtClean="0">
                 <a:latin typeface="Adobe 楷体 Std R" panose="02020400000000000000" pitchFamily="18" charset="-122"/>
                 <a:ea typeface="Adobe 楷体 Std R" panose="02020400000000000000" pitchFamily="18" charset="-122"/>
               </a:rPr>
-              <a:t>做个网站感觉也不是很难</a:t>
+              <a:t>代码</a:t>
             </a:r>
             <a:r>
               <a:rPr lang="en-US" altLang="zh-CN" dirty="0" smtClean="0">
                 <a:latin typeface="Adobe 楷体 Std R" panose="02020400000000000000" pitchFamily="18" charset="-122"/>
                 <a:ea typeface="Adobe 楷体 Std R" panose="02020400000000000000" pitchFamily="18" charset="-122"/>
-                <a:sym typeface="Wingdings" panose="05000000000000000000" pitchFamily="2" charset="2"/>
-              </a:rPr>
-              <a:t></a:t>
-            </a:r>
-            <a:endParaRPr lang="en-US" altLang="zh-CN" dirty="0" smtClean="0">
+              </a:rPr>
+              <a:t>]</a:t>
+            </a:r>
+            <a:endParaRPr lang="en-US" altLang="zh-CN" dirty="0">
               <a:latin typeface="Adobe 楷体 Std R" panose="02020400000000000000" pitchFamily="18" charset="-122"/>
               <a:ea typeface="Adobe 楷体 Std R" panose="02020400000000000000" pitchFamily="18" charset="-122"/>
             </a:endParaRPr>
           </a:p>
           <a:p>
+            <a:pPr marL="0" indent="0">
+              <a:buNone/>
+            </a:pPr>
+            <a:r>
+              <a:rPr lang="en-US" altLang="zh-CN" dirty="0">
+                <a:latin typeface="Adobe 楷体 Std R" panose="02020400000000000000" pitchFamily="18" charset="-122"/>
+                <a:ea typeface="Adobe 楷体 Std R" panose="02020400000000000000" pitchFamily="18" charset="-122"/>
+              </a:rPr>
+              <a:t>	[</a:t>
+            </a:r>
+            <a:r>
+              <a:rPr lang="zh-CN" altLang="en-US" dirty="0">
+                <a:latin typeface="Adobe 楷体 Std R" panose="02020400000000000000" pitchFamily="18" charset="-122"/>
+                <a:ea typeface="Adobe 楷体 Std R" panose="02020400000000000000" pitchFamily="18" charset="-122"/>
+              </a:rPr>
+              <a:t>配置</a:t>
+            </a:r>
+            <a:r>
+              <a:rPr lang="en-US" altLang="zh-CN" dirty="0">
+                <a:latin typeface="Adobe 楷体 Std R" panose="02020400000000000000" pitchFamily="18" charset="-122"/>
+                <a:ea typeface="Adobe 楷体 Std R" panose="02020400000000000000" pitchFamily="18" charset="-122"/>
+              </a:rPr>
+              <a:t>/</a:t>
+            </a:r>
+            <a:r>
+              <a:rPr lang="zh-CN" altLang="en-US" dirty="0">
+                <a:latin typeface="Adobe 楷体 Std R" panose="02020400000000000000" pitchFamily="18" charset="-122"/>
+                <a:ea typeface="Adobe 楷体 Std R" panose="02020400000000000000" pitchFamily="18" charset="-122"/>
+              </a:rPr>
+              <a:t>描述</a:t>
+            </a:r>
+            <a:r>
+              <a:rPr lang="en-US" altLang="zh-CN" dirty="0">
+                <a:latin typeface="Adobe 楷体 Std R" panose="02020400000000000000" pitchFamily="18" charset="-122"/>
+                <a:ea typeface="Adobe 楷体 Std R" panose="02020400000000000000" pitchFamily="18" charset="-122"/>
+              </a:rPr>
+              <a:t>]</a:t>
+            </a:r>
+          </a:p>
+          <a:p>
+            <a:pPr marL="0" indent="0">
+              <a:buNone/>
+            </a:pPr>
+            <a:r>
+              <a:rPr lang="en-US" altLang="zh-CN" dirty="0">
+                <a:latin typeface="Adobe 楷体 Std R" panose="02020400000000000000" pitchFamily="18" charset="-122"/>
+                <a:ea typeface="Adobe 楷体 Std R" panose="02020400000000000000" pitchFamily="18" charset="-122"/>
+              </a:rPr>
+              <a:t>	[</a:t>
+            </a:r>
+            <a:r>
+              <a:rPr lang="zh-CN" altLang="en-US" dirty="0">
+                <a:latin typeface="Adobe 楷体 Std R" panose="02020400000000000000" pitchFamily="18" charset="-122"/>
+                <a:ea typeface="Adobe 楷体 Std R" panose="02020400000000000000" pitchFamily="18" charset="-122"/>
+              </a:rPr>
+              <a:t>资源（数据）</a:t>
+            </a:r>
+            <a:r>
+              <a:rPr lang="en-US" altLang="zh-CN" dirty="0">
+                <a:latin typeface="Adobe 楷体 Std R" panose="02020400000000000000" pitchFamily="18" charset="-122"/>
+                <a:ea typeface="Adobe 楷体 Std R" panose="02020400000000000000" pitchFamily="18" charset="-122"/>
+              </a:rPr>
+              <a:t>]</a:t>
+            </a:r>
+          </a:p>
+          <a:p>
+            <a:pPr marL="0" indent="0">
+              <a:buNone/>
+            </a:pPr>
+            <a:r>
+              <a:rPr lang="en-US" altLang="zh-CN" dirty="0">
+                <a:latin typeface="Adobe 楷体 Std R" panose="02020400000000000000" pitchFamily="18" charset="-122"/>
+                <a:ea typeface="Adobe 楷体 Std R" panose="02020400000000000000" pitchFamily="18" charset="-122"/>
+              </a:rPr>
+              <a:t>	[</a:t>
+            </a:r>
+            <a:r>
+              <a:rPr lang="zh-CN" altLang="en-US" dirty="0">
+                <a:latin typeface="Adobe 楷体 Std R" panose="02020400000000000000" pitchFamily="18" charset="-122"/>
+                <a:ea typeface="Adobe 楷体 Std R" panose="02020400000000000000" pitchFamily="18" charset="-122"/>
+              </a:rPr>
+              <a:t>产品</a:t>
+            </a:r>
             <a:r>
               <a:rPr lang="zh-CN" altLang="en-US" dirty="0" smtClean="0">
                 <a:latin typeface="Adobe 楷体 Std R" panose="02020400000000000000" pitchFamily="18" charset="-122"/>
                 <a:ea typeface="Adobe 楷体 Std R" panose="02020400000000000000" pitchFamily="18" charset="-122"/>
               </a:rPr>
-              <a:t>很多事不用自己做</a:t>
-            </a:r>
-            <a:endParaRPr lang="en-US" altLang="zh-CN" dirty="0" smtClean="0">
+              <a:t>包装</a:t>
+            </a:r>
+            <a:r>
+              <a:rPr lang="en-US" altLang="zh-CN" dirty="0" smtClean="0">
+                <a:latin typeface="Adobe 楷体 Std R" panose="02020400000000000000" pitchFamily="18" charset="-122"/>
+                <a:ea typeface="Adobe 楷体 Std R" panose="02020400000000000000" pitchFamily="18" charset="-122"/>
+              </a:rPr>
+              <a:t>/</a:t>
+            </a:r>
+            <a:r>
+              <a:rPr lang="zh-CN" altLang="en-US" dirty="0" smtClean="0">
+                <a:latin typeface="Adobe 楷体 Std R" panose="02020400000000000000" pitchFamily="18" charset="-122"/>
+                <a:ea typeface="Adobe 楷体 Std R" panose="02020400000000000000" pitchFamily="18" charset="-122"/>
+              </a:rPr>
+              <a:t>部署</a:t>
+            </a:r>
+            <a:r>
+              <a:rPr lang="en-US" altLang="zh-CN" dirty="0" smtClean="0">
+                <a:latin typeface="Adobe 楷体 Std R" panose="02020400000000000000" pitchFamily="18" charset="-122"/>
+                <a:ea typeface="Adobe 楷体 Std R" panose="02020400000000000000" pitchFamily="18" charset="-122"/>
+              </a:rPr>
+              <a:t>]</a:t>
+            </a:r>
+            <a:endParaRPr lang="zh-CN" altLang="en-US" dirty="0">
               <a:latin typeface="Adobe 楷体 Std R" panose="02020400000000000000" pitchFamily="18" charset="-122"/>
               <a:ea typeface="Adobe 楷体 Std R" panose="02020400000000000000" pitchFamily="18" charset="-122"/>
             </a:endParaRPr>
           </a:p>
-          <a:p>
-            <a:r>
-              <a:rPr lang="zh-CN" altLang="en-US" dirty="0" smtClean="0">
-                <a:latin typeface="Adobe 楷体 Std R" panose="02020400000000000000" pitchFamily="18" charset="-122"/>
-                <a:ea typeface="Adobe 楷体 Std R" panose="02020400000000000000" pitchFamily="18" charset="-122"/>
-              </a:rPr>
-              <a:t>把学过的知识点串起来了一些</a:t>
-            </a:r>
-            <a:endParaRPr lang="en-US" altLang="zh-CN" dirty="0" smtClean="0">
-              <a:latin typeface="Adobe 楷体 Std R" panose="02020400000000000000" pitchFamily="18" charset="-122"/>
-              <a:ea typeface="Adobe 楷体 Std R" panose="02020400000000000000" pitchFamily="18" charset="-122"/>
-            </a:endParaRPr>
-          </a:p>
-          <a:p>
-            <a:r>
-              <a:rPr lang="zh-CN" altLang="en-US" dirty="0" smtClean="0">
-                <a:latin typeface="Adobe 楷体 Std R" panose="02020400000000000000" pitchFamily="18" charset="-122"/>
-                <a:ea typeface="Adobe 楷体 Std R" panose="02020400000000000000" pitchFamily="18" charset="-122"/>
-              </a:rPr>
-              <a:t>感觉不了解的信息太多了</a:t>
-            </a:r>
-            <a:endParaRPr lang="en-US" altLang="zh-CN" dirty="0" smtClean="0">
-              <a:latin typeface="Adobe 楷体 Std R" panose="02020400000000000000" pitchFamily="18" charset="-122"/>
-              <a:ea typeface="Adobe 楷体 Std R" panose="02020400000000000000" pitchFamily="18" charset="-122"/>
-            </a:endParaRPr>
-          </a:p>
-          <a:p>
-            <a:r>
-              <a:rPr lang="zh-CN" altLang="en-US" dirty="0" smtClean="0">
-                <a:latin typeface="Adobe 楷体 Std R" panose="02020400000000000000" pitchFamily="18" charset="-122"/>
-                <a:ea typeface="Adobe 楷体 Std R" panose="02020400000000000000" pitchFamily="18" charset="-122"/>
-              </a:rPr>
-              <a:t>需要进一步探究</a:t>
-            </a:r>
-            <a:endParaRPr lang="en-US" altLang="zh-CN" dirty="0" smtClean="0">
-              <a:latin typeface="Adobe 楷体 Std R" panose="02020400000000000000" pitchFamily="18" charset="-122"/>
-              <a:ea typeface="Adobe 楷体 Std R" panose="02020400000000000000" pitchFamily="18" charset="-122"/>
-            </a:endParaRPr>
-          </a:p>
         </p:txBody>
       </p:sp>
+      <p:sp>
+        <p:nvSpPr>
+          <p:cNvPr id="22" name="内容占位符 2"/>
+          <p:cNvSpPr txBox="1">
+            <a:spLocks/>
+          </p:cNvSpPr>
+          <p:nvPr/>
+        </p:nvSpPr>
+        <p:spPr bwMode="auto">
+          <a:xfrm>
+            <a:off x="5292080" y="3101163"/>
+            <a:ext cx="2448272" cy="1521878"/>
+          </a:xfrm>
+          <a:prstGeom prst="rect">
+            <a:avLst/>
+          </a:prstGeom>
+          <a:solidFill>
+            <a:srgbClr val="CCECFF"/>
+          </a:solidFill>
+          <a:ln>
+            <a:noFill/>
+          </a:ln>
+          <a:extLst/>
+        </p:spPr>
+        <p:txBody>
+          <a:bodyPr vert="horz" wrap="square" lIns="91440" tIns="45720" rIns="91440" bIns="45720" numCol="1" anchor="t" anchorCtr="0" compatLnSpc="1">
+            <a:prstTxWarp prst="textNoShape">
+              <a:avLst/>
+            </a:prstTxWarp>
+          </a:bodyPr>
+          <a:lstStyle>
+            <a:lvl1pPr marL="285750" indent="-285750" algn="l" defTabSz="457200" rtl="0" eaLnBrk="0" fontAlgn="base" hangingPunct="0">
+              <a:spcBef>
+                <a:spcPct val="20000"/>
+              </a:spcBef>
+              <a:spcAft>
+                <a:spcPts val="600"/>
+              </a:spcAft>
+              <a:buClr>
+                <a:schemeClr val="accent1"/>
+              </a:buClr>
+              <a:buSzPct val="115000"/>
+              <a:buFont typeface="Arial" panose="020B0604020202020204" pitchFamily="34" charset="0"/>
+              <a:buChar char="•"/>
+              <a:defRPr sz="2400" kern="1200">
+                <a:solidFill>
+                  <a:srgbClr val="262626"/>
+                </a:solidFill>
+                <a:latin typeface="+mn-lt"/>
+                <a:ea typeface="+mn-ea"/>
+                <a:cs typeface="+mn-cs"/>
+              </a:defRPr>
+            </a:lvl1pPr>
+            <a:lvl2pPr marL="742950" indent="-285750" algn="l" defTabSz="457200" rtl="0" eaLnBrk="0" fontAlgn="base" hangingPunct="0">
+              <a:spcBef>
+                <a:spcPct val="20000"/>
+              </a:spcBef>
+              <a:spcAft>
+                <a:spcPts val="600"/>
+              </a:spcAft>
+              <a:buClr>
+                <a:schemeClr val="accent1"/>
+              </a:buClr>
+              <a:buSzPct val="115000"/>
+              <a:buFont typeface="Arial" panose="020B0604020202020204" pitchFamily="34" charset="0"/>
+              <a:buChar char="•"/>
+              <a:defRPr sz="2000" kern="1200">
+                <a:solidFill>
+                  <a:srgbClr val="262626"/>
+                </a:solidFill>
+                <a:latin typeface="+mn-lt"/>
+                <a:ea typeface="+mn-ea"/>
+                <a:cs typeface="+mn-cs"/>
+              </a:defRPr>
+            </a:lvl2pPr>
+            <a:lvl3pPr marL="1200150" indent="-285750" algn="l" defTabSz="457200" rtl="0" eaLnBrk="0" fontAlgn="base" hangingPunct="0">
+              <a:spcBef>
+                <a:spcPct val="20000"/>
+              </a:spcBef>
+              <a:spcAft>
+                <a:spcPts val="600"/>
+              </a:spcAft>
+              <a:buClr>
+                <a:schemeClr val="accent1"/>
+              </a:buClr>
+              <a:buSzPct val="115000"/>
+              <a:buFont typeface="Arial" panose="020B0604020202020204" pitchFamily="34" charset="0"/>
+              <a:buChar char="•"/>
+              <a:defRPr kern="1200">
+                <a:solidFill>
+                  <a:srgbClr val="262626"/>
+                </a:solidFill>
+                <a:latin typeface="+mn-lt"/>
+                <a:ea typeface="+mn-ea"/>
+                <a:cs typeface="+mn-cs"/>
+              </a:defRPr>
+            </a:lvl3pPr>
+            <a:lvl4pPr marL="1543050" indent="-171450" algn="l" defTabSz="457200" rtl="0" eaLnBrk="0" fontAlgn="base" hangingPunct="0">
+              <a:spcBef>
+                <a:spcPct val="20000"/>
+              </a:spcBef>
+              <a:spcAft>
+                <a:spcPts val="600"/>
+              </a:spcAft>
+              <a:buClr>
+                <a:schemeClr val="accent1"/>
+              </a:buClr>
+              <a:buSzPct val="115000"/>
+              <a:buFont typeface="Arial" panose="020B0604020202020204" pitchFamily="34" charset="0"/>
+              <a:buChar char="•"/>
+              <a:defRPr sz="1600" kern="1200">
+                <a:solidFill>
+                  <a:srgbClr val="262626"/>
+                </a:solidFill>
+                <a:latin typeface="+mn-lt"/>
+                <a:ea typeface="+mn-ea"/>
+                <a:cs typeface="+mn-cs"/>
+              </a:defRPr>
+            </a:lvl4pPr>
+            <a:lvl5pPr marL="2000250" indent="-171450" algn="l" defTabSz="457200" rtl="0" eaLnBrk="0" fontAlgn="base" hangingPunct="0">
+              <a:spcBef>
+                <a:spcPct val="20000"/>
+              </a:spcBef>
+              <a:spcAft>
+                <a:spcPts val="600"/>
+              </a:spcAft>
+              <a:buClr>
+                <a:schemeClr val="accent1"/>
+              </a:buClr>
+              <a:buSzPct val="115000"/>
+              <a:buFont typeface="Arial" panose="020B0604020202020204" pitchFamily="34" charset="0"/>
+              <a:buChar char="•"/>
+              <a:defRPr sz="1400" kern="1200">
+                <a:solidFill>
+                  <a:srgbClr val="262626"/>
+                </a:solidFill>
+                <a:latin typeface="+mn-lt"/>
+                <a:ea typeface="+mn-ea"/>
+                <a:cs typeface="+mn-cs"/>
+              </a:defRPr>
+            </a:lvl5pPr>
+            <a:lvl6pPr marL="2514600" indent="-228600" algn="l" defTabSz="457200" rtl="0" eaLnBrk="1" latinLnBrk="0" hangingPunct="1">
+              <a:spcBef>
+                <a:spcPct val="20000"/>
+              </a:spcBef>
+              <a:spcAft>
+                <a:spcPts val="600"/>
+              </a:spcAft>
+              <a:buClr>
+                <a:schemeClr val="accent1"/>
+              </a:buClr>
+              <a:buSzPct val="115000"/>
+              <a:buFont typeface="Arial"/>
+              <a:buChar char="•"/>
+              <a:defRPr sz="1400" kern="1200" cap="none">
+                <a:solidFill>
+                  <a:schemeClr val="tx1">
+                    <a:lumMod val="85000"/>
+                    <a:lumOff val="15000"/>
+                  </a:schemeClr>
+                </a:solidFill>
+                <a:effectLst/>
+                <a:latin typeface="+mn-lt"/>
+                <a:ea typeface="+mn-ea"/>
+                <a:cs typeface="+mn-cs"/>
+              </a:defRPr>
+            </a:lvl6pPr>
+            <a:lvl7pPr marL="2971800" indent="-228600" algn="l" defTabSz="457200" rtl="0" eaLnBrk="1" latinLnBrk="0" hangingPunct="1">
+              <a:spcBef>
+                <a:spcPct val="20000"/>
+              </a:spcBef>
+              <a:spcAft>
+                <a:spcPts val="600"/>
+              </a:spcAft>
+              <a:buClr>
+                <a:schemeClr val="accent1"/>
+              </a:buClr>
+              <a:buSzPct val="115000"/>
+              <a:buFont typeface="Arial"/>
+              <a:buChar char="•"/>
+              <a:defRPr sz="1400" kern="1200" cap="none">
+                <a:solidFill>
+                  <a:schemeClr val="tx1">
+                    <a:lumMod val="85000"/>
+                    <a:lumOff val="15000"/>
+                  </a:schemeClr>
+                </a:solidFill>
+                <a:effectLst/>
+                <a:latin typeface="+mn-lt"/>
+                <a:ea typeface="+mn-ea"/>
+                <a:cs typeface="+mn-cs"/>
+              </a:defRPr>
+            </a:lvl7pPr>
+            <a:lvl8pPr marL="3429000" indent="-228600" algn="l" defTabSz="457200" rtl="0" eaLnBrk="1" latinLnBrk="0" hangingPunct="1">
+              <a:spcBef>
+                <a:spcPct val="20000"/>
+              </a:spcBef>
+              <a:spcAft>
+                <a:spcPts val="600"/>
+              </a:spcAft>
+              <a:buClr>
+                <a:schemeClr val="accent1"/>
+              </a:buClr>
+              <a:buSzPct val="115000"/>
+              <a:buFont typeface="Arial"/>
+              <a:buChar char="•"/>
+              <a:defRPr sz="1400" kern="1200" cap="none">
+                <a:solidFill>
+                  <a:schemeClr val="tx1">
+                    <a:lumMod val="85000"/>
+                    <a:lumOff val="15000"/>
+                  </a:schemeClr>
+                </a:solidFill>
+                <a:effectLst/>
+                <a:latin typeface="+mn-lt"/>
+                <a:ea typeface="+mn-ea"/>
+                <a:cs typeface="+mn-cs"/>
+              </a:defRPr>
+            </a:lvl8pPr>
+            <a:lvl9pPr marL="3886200" indent="-228600" algn="l" defTabSz="457200" rtl="0" eaLnBrk="1" latinLnBrk="0" hangingPunct="1">
+              <a:spcBef>
+                <a:spcPct val="20000"/>
+              </a:spcBef>
+              <a:spcAft>
+                <a:spcPts val="600"/>
+              </a:spcAft>
+              <a:buClr>
+                <a:schemeClr val="accent1"/>
+              </a:buClr>
+              <a:buSzPct val="115000"/>
+              <a:buFont typeface="Arial"/>
+              <a:buChar char="•"/>
+              <a:defRPr sz="1400" kern="1200" cap="none">
+                <a:solidFill>
+                  <a:schemeClr val="tx1">
+                    <a:lumMod val="85000"/>
+                    <a:lumOff val="15000"/>
+                  </a:schemeClr>
+                </a:solidFill>
+                <a:effectLst/>
+                <a:latin typeface="+mn-lt"/>
+                <a:ea typeface="+mn-ea"/>
+                <a:cs typeface="+mn-cs"/>
+              </a:defRPr>
+            </a:lvl9pPr>
+          </a:lstStyle>
+          <a:p>
+            <a:pPr marL="0" indent="0">
+              <a:buFont typeface="Arial" panose="020B0604020202020204" pitchFamily="34" charset="0"/>
+              <a:buNone/>
+            </a:pPr>
+            <a:r>
+              <a:rPr lang="en-US" altLang="zh-CN" dirty="0" smtClean="0">
+                <a:latin typeface="Adobe 楷体 Std R" panose="02020400000000000000" pitchFamily="18" charset="-122"/>
+                <a:ea typeface="Adobe 楷体 Std R" panose="02020400000000000000" pitchFamily="18" charset="-122"/>
+              </a:rPr>
+              <a:t>[war</a:t>
+            </a:r>
+            <a:r>
+              <a:rPr lang="zh-CN" altLang="en-US" dirty="0" smtClean="0">
+                <a:latin typeface="Adobe 楷体 Std R" panose="02020400000000000000" pitchFamily="18" charset="-122"/>
+                <a:ea typeface="Adobe 楷体 Std R" panose="02020400000000000000" pitchFamily="18" charset="-122"/>
+              </a:rPr>
+              <a:t>包</a:t>
+            </a:r>
+            <a:r>
+              <a:rPr lang="en-US" altLang="zh-CN" dirty="0" smtClean="0">
+                <a:latin typeface="Adobe 楷体 Std R" panose="02020400000000000000" pitchFamily="18" charset="-122"/>
+                <a:ea typeface="Adobe 楷体 Std R" panose="02020400000000000000" pitchFamily="18" charset="-122"/>
+              </a:rPr>
+              <a:t>]</a:t>
+            </a:r>
+          </a:p>
+          <a:p>
+            <a:pPr marL="0" indent="0">
+              <a:buFont typeface="Arial" panose="020B0604020202020204" pitchFamily="34" charset="0"/>
+              <a:buNone/>
+            </a:pPr>
+            <a:r>
+              <a:rPr lang="en-US" altLang="zh-CN" dirty="0" smtClean="0">
+                <a:latin typeface="Adobe 楷体 Std R" panose="02020400000000000000" pitchFamily="18" charset="-122"/>
+                <a:ea typeface="Adobe 楷体 Std R" panose="02020400000000000000" pitchFamily="18" charset="-122"/>
+              </a:rPr>
+              <a:t>[</a:t>
+            </a:r>
+            <a:r>
+              <a:rPr lang="en-US" altLang="zh-CN" dirty="0" err="1" smtClean="0">
+                <a:solidFill>
+                  <a:srgbClr val="FF0000"/>
+                </a:solidFill>
+                <a:latin typeface="Adobe 楷体 Std R" panose="02020400000000000000" pitchFamily="18" charset="-122"/>
+                <a:ea typeface="Adobe 楷体 Std R" panose="02020400000000000000" pitchFamily="18" charset="-122"/>
+              </a:rPr>
+              <a:t>linux</a:t>
+            </a:r>
+            <a:r>
+              <a:rPr lang="en-US" altLang="zh-CN" dirty="0" smtClean="0">
+                <a:latin typeface="Adobe 楷体 Std R" panose="02020400000000000000" pitchFamily="18" charset="-122"/>
+                <a:ea typeface="Adobe 楷体 Std R" panose="02020400000000000000" pitchFamily="18" charset="-122"/>
+              </a:rPr>
+              <a:t>/windows]</a:t>
+            </a:r>
+          </a:p>
+          <a:p>
+            <a:pPr marL="0" indent="0">
+              <a:buFont typeface="Arial" panose="020B0604020202020204" pitchFamily="34" charset="0"/>
+              <a:buNone/>
+            </a:pPr>
+            <a:r>
+              <a:rPr lang="en-US" altLang="zh-CN" dirty="0" smtClean="0">
+                <a:latin typeface="Adobe 楷体 Std R" panose="02020400000000000000" pitchFamily="18" charset="-122"/>
+                <a:ea typeface="Adobe 楷体 Std R" panose="02020400000000000000" pitchFamily="18" charset="-122"/>
+              </a:rPr>
+              <a:t>[</a:t>
+            </a:r>
+            <a:r>
+              <a:rPr lang="zh-CN" altLang="en-US" dirty="0" smtClean="0">
+                <a:latin typeface="Adobe 楷体 Std R" panose="02020400000000000000" pitchFamily="18" charset="-122"/>
+                <a:ea typeface="Adobe 楷体 Std R" panose="02020400000000000000" pitchFamily="18" charset="-122"/>
+              </a:rPr>
+              <a:t>部署维护过程</a:t>
+            </a:r>
+            <a:r>
+              <a:rPr lang="en-US" altLang="zh-CN" dirty="0" smtClean="0">
+                <a:latin typeface="Adobe 楷体 Std R" panose="02020400000000000000" pitchFamily="18" charset="-122"/>
+                <a:ea typeface="Adobe 楷体 Std R" panose="02020400000000000000" pitchFamily="18" charset="-122"/>
+              </a:rPr>
+              <a:t>]</a:t>
+            </a:r>
+          </a:p>
+        </p:txBody>
+      </p:sp>
+      <p:cxnSp>
+        <p:nvCxnSpPr>
+          <p:cNvPr id="23" name="曲线连接符 22"/>
+          <p:cNvCxnSpPr>
+            <a:stCxn id="3" idx="2"/>
+            <a:endCxn id="22" idx="1"/>
+          </p:cNvCxnSpPr>
+          <p:nvPr/>
+        </p:nvCxnSpPr>
+        <p:spPr>
+          <a:xfrm rot="5400000" flipH="1" flipV="1">
+            <a:off x="3332156" y="3199376"/>
+            <a:ext cx="1297198" cy="2622649"/>
+          </a:xfrm>
+          <a:prstGeom prst="curvedConnector4">
+            <a:avLst>
+              <a:gd name="adj1" fmla="val -17623"/>
+              <a:gd name="adj2" fmla="val 76877"/>
+            </a:avLst>
+          </a:prstGeom>
+          <a:ln>
+            <a:tailEnd type="triangle"/>
+          </a:ln>
+        </p:spPr>
+        <p:style>
+          <a:lnRef idx="3">
+            <a:schemeClr val="accent5"/>
+          </a:lnRef>
+          <a:fillRef idx="0">
+            <a:schemeClr val="accent5"/>
+          </a:fillRef>
+          <a:effectRef idx="2">
+            <a:schemeClr val="accent5"/>
+          </a:effectRef>
+          <a:fontRef idx="minor">
+            <a:schemeClr val="tx1"/>
+          </a:fontRef>
+        </p:style>
+      </p:cxnSp>
     </p:spTree>
     <p:extLst>
       <p:ext uri="{BB962C8B-B14F-4D97-AF65-F5344CB8AC3E}">
-        <p14:creationId xmlns:p14="http://schemas.microsoft.com/office/powerpoint/2010/main" val="39484921"/>
+        <p14:creationId xmlns:p14="http://schemas.microsoft.com/office/powerpoint/2010/main" val="118045240"/>
       </p:ext>
     </p:extLst>
   </p:cSld>
@@ -23808,7 +25596,7 @@
 </p:sld>
 </file>
 
-<file path=ppt/slides/slide41.xml><?xml version="1.0" encoding="utf-8"?>
+<file path=ppt/slides/slide44.xml><?xml version="1.0" encoding="utf-8"?>
 <p:sld xmlns:a="http://schemas.openxmlformats.org/drawingml/2006/main" xmlns:r="http://schemas.openxmlformats.org/officeDocument/2006/relationships" xmlns:p="http://schemas.openxmlformats.org/presentationml/2006/main">
   <p:cSld>
     <p:spTree>
@@ -23845,6 +25633,161 @@
                 <a:latin typeface="Adobe 黑体 Std R" panose="020B0400000000000000" pitchFamily="34" charset="-122"/>
                 <a:ea typeface="Adobe 黑体 Std R" panose="020B0400000000000000" pitchFamily="34" charset="-122"/>
               </a:rPr>
+              <a:t>总结</a:t>
+            </a:r>
+            <a:endParaRPr lang="zh-CN" altLang="en-US" dirty="0">
+              <a:latin typeface="Adobe 黑体 Std R" panose="020B0400000000000000" pitchFamily="34" charset="-122"/>
+              <a:ea typeface="Adobe 黑体 Std R" panose="020B0400000000000000" pitchFamily="34" charset="-122"/>
+            </a:endParaRPr>
+          </a:p>
+        </p:txBody>
+      </p:sp>
+      <p:sp>
+        <p:nvSpPr>
+          <p:cNvPr id="3" name="内容占位符 2"/>
+          <p:cNvSpPr>
+            <a:spLocks noGrp="1"/>
+          </p:cNvSpPr>
+          <p:nvPr>
+            <p:ph idx="1"/>
+          </p:nvPr>
+        </p:nvSpPr>
+        <p:spPr/>
+        <p:txBody>
+          <a:bodyPr/>
+          <a:lstStyle/>
+          <a:p>
+            <a:r>
+              <a:rPr lang="zh-CN" altLang="en-US" dirty="0" smtClean="0">
+                <a:latin typeface="Adobe 楷体 Std R" panose="02020400000000000000" pitchFamily="18" charset="-122"/>
+                <a:ea typeface="Adobe 楷体 Std R" panose="02020400000000000000" pitchFamily="18" charset="-122"/>
+              </a:rPr>
+              <a:t>做个网站感觉也不是很难</a:t>
+            </a:r>
+            <a:r>
+              <a:rPr lang="en-US" altLang="zh-CN" dirty="0" smtClean="0">
+                <a:latin typeface="Adobe 楷体 Std R" panose="02020400000000000000" pitchFamily="18" charset="-122"/>
+                <a:ea typeface="Adobe 楷体 Std R" panose="02020400000000000000" pitchFamily="18" charset="-122"/>
+                <a:sym typeface="Wingdings" panose="05000000000000000000" pitchFamily="2" charset="2"/>
+              </a:rPr>
+              <a:t></a:t>
+            </a:r>
+            <a:endParaRPr lang="en-US" altLang="zh-CN" dirty="0" smtClean="0">
+              <a:latin typeface="Adobe 楷体 Std R" panose="02020400000000000000" pitchFamily="18" charset="-122"/>
+              <a:ea typeface="Adobe 楷体 Std R" panose="02020400000000000000" pitchFamily="18" charset="-122"/>
+            </a:endParaRPr>
+          </a:p>
+          <a:p>
+            <a:r>
+              <a:rPr lang="zh-CN" altLang="en-US" dirty="0" smtClean="0">
+                <a:latin typeface="Adobe 楷体 Std R" panose="02020400000000000000" pitchFamily="18" charset="-122"/>
+                <a:ea typeface="Adobe 楷体 Std R" panose="02020400000000000000" pitchFamily="18" charset="-122"/>
+              </a:rPr>
+              <a:t>很多事不用自己做</a:t>
+            </a:r>
+            <a:endParaRPr lang="en-US" altLang="zh-CN" dirty="0" smtClean="0">
+              <a:latin typeface="Adobe 楷体 Std R" panose="02020400000000000000" pitchFamily="18" charset="-122"/>
+              <a:ea typeface="Adobe 楷体 Std R" panose="02020400000000000000" pitchFamily="18" charset="-122"/>
+            </a:endParaRPr>
+          </a:p>
+          <a:p>
+            <a:r>
+              <a:rPr lang="zh-CN" altLang="en-US" dirty="0" smtClean="0">
+                <a:latin typeface="Adobe 楷体 Std R" panose="02020400000000000000" pitchFamily="18" charset="-122"/>
+                <a:ea typeface="Adobe 楷体 Std R" panose="02020400000000000000" pitchFamily="18" charset="-122"/>
+              </a:rPr>
+              <a:t>把学过的知识点串起来了一些</a:t>
+            </a:r>
+            <a:endParaRPr lang="en-US" altLang="zh-CN" dirty="0" smtClean="0">
+              <a:latin typeface="Adobe 楷体 Std R" panose="02020400000000000000" pitchFamily="18" charset="-122"/>
+              <a:ea typeface="Adobe 楷体 Std R" panose="02020400000000000000" pitchFamily="18" charset="-122"/>
+            </a:endParaRPr>
+          </a:p>
+          <a:p>
+            <a:r>
+              <a:rPr lang="zh-CN" altLang="en-US" dirty="0" smtClean="0">
+                <a:latin typeface="Adobe 楷体 Std R" panose="02020400000000000000" pitchFamily="18" charset="-122"/>
+                <a:ea typeface="Adobe 楷体 Std R" panose="02020400000000000000" pitchFamily="18" charset="-122"/>
+              </a:rPr>
+              <a:t>感觉不了解的信息太多了</a:t>
+            </a:r>
+            <a:endParaRPr lang="en-US" altLang="zh-CN" dirty="0" smtClean="0">
+              <a:latin typeface="Adobe 楷体 Std R" panose="02020400000000000000" pitchFamily="18" charset="-122"/>
+              <a:ea typeface="Adobe 楷体 Std R" panose="02020400000000000000" pitchFamily="18" charset="-122"/>
+            </a:endParaRPr>
+          </a:p>
+          <a:p>
+            <a:r>
+              <a:rPr lang="zh-CN" altLang="en-US" dirty="0" smtClean="0">
+                <a:latin typeface="Adobe 楷体 Std R" panose="02020400000000000000" pitchFamily="18" charset="-122"/>
+                <a:ea typeface="Adobe 楷体 Std R" panose="02020400000000000000" pitchFamily="18" charset="-122"/>
+              </a:rPr>
+              <a:t>需要进一步探究</a:t>
+            </a:r>
+            <a:endParaRPr lang="en-US" altLang="zh-CN" dirty="0" smtClean="0">
+              <a:latin typeface="Adobe 楷体 Std R" panose="02020400000000000000" pitchFamily="18" charset="-122"/>
+              <a:ea typeface="Adobe 楷体 Std R" panose="02020400000000000000" pitchFamily="18" charset="-122"/>
+            </a:endParaRPr>
+          </a:p>
+        </p:txBody>
+      </p:sp>
+    </p:spTree>
+    <p:extLst>
+      <p:ext uri="{BB962C8B-B14F-4D97-AF65-F5344CB8AC3E}">
+        <p14:creationId xmlns:p14="http://schemas.microsoft.com/office/powerpoint/2010/main" val="39484921"/>
+      </p:ext>
+    </p:extLst>
+  </p:cSld>
+  <p:clrMapOvr>
+    <a:masterClrMapping/>
+  </p:clrMapOvr>
+  <p:timing>
+    <p:tnLst>
+      <p:par>
+        <p:cTn id="1" dur="indefinite" restart="never" nodeType="tmRoot"/>
+      </p:par>
+    </p:tnLst>
+  </p:timing>
+</p:sld>
+</file>
+
+<file path=ppt/slides/slide45.xml><?xml version="1.0" encoding="utf-8"?>
+<p:sld xmlns:a="http://schemas.openxmlformats.org/drawingml/2006/main" xmlns:r="http://schemas.openxmlformats.org/officeDocument/2006/relationships" xmlns:p="http://schemas.openxmlformats.org/presentationml/2006/main">
+  <p:cSld>
+    <p:spTree>
+      <p:nvGrpSpPr>
+        <p:cNvPr id="1" name=""/>
+        <p:cNvGrpSpPr/>
+        <p:nvPr/>
+      </p:nvGrpSpPr>
+      <p:grpSpPr>
+        <a:xfrm>
+          <a:off x="0" y="0"/>
+          <a:ext cx="0" cy="0"/>
+          <a:chOff x="0" y="0"/>
+          <a:chExt cx="0" cy="0"/>
+        </a:xfrm>
+      </p:grpSpPr>
+      <p:sp>
+        <p:nvSpPr>
+          <p:cNvPr id="2" name="标题 1"/>
+          <p:cNvSpPr>
+            <a:spLocks noGrp="1"/>
+          </p:cNvSpPr>
+          <p:nvPr>
+            <p:ph type="title"/>
+          </p:nvPr>
+        </p:nvSpPr>
+        <p:spPr/>
+        <p:txBody>
+          <a:bodyPr/>
+          <a:lstStyle/>
+          <a:p>
+            <a:r>
+              <a:rPr lang="zh-CN" altLang="en-US" dirty="0" smtClean="0">
+                <a:latin typeface="Adobe 黑体 Std R" panose="020B0400000000000000" pitchFamily="34" charset="-122"/>
+                <a:ea typeface="Adobe 黑体 Std R" panose="020B0400000000000000" pitchFamily="34" charset="-122"/>
+              </a:rPr>
               <a:t>作业</a:t>
             </a:r>
             <a:endParaRPr lang="zh-CN" altLang="en-US" dirty="0">
@@ -23987,7 +25930,7 @@
 </p:sld>
 </file>
 
-<file path=ppt/slides/slide42.xml><?xml version="1.0" encoding="utf-8"?>
+<file path=ppt/slides/slide46.xml><?xml version="1.0" encoding="utf-8"?>
 <p:sld xmlns:a="http://schemas.openxmlformats.org/drawingml/2006/main" xmlns:r="http://schemas.openxmlformats.org/officeDocument/2006/relationships" xmlns:p="http://schemas.openxmlformats.org/presentationml/2006/main">
   <p:cSld>
     <p:spTree>
